--- a/deep_learning3.4.pptx
+++ b/deep_learning3.4.pptx
@@ -8884,6 +8884,74 @@
           </a:p>
         </p:txBody>
       </p:sp>
+      <p:pic>
+        <p:nvPicPr>
+          <p:cNvPr id="8" name="図 7"/>
+          <p:cNvPicPr>
+            <a:picLocks noChangeAspect="1"/>
+          </p:cNvPicPr>
+          <p:nvPr/>
+        </p:nvPicPr>
+        <p:blipFill>
+          <a:blip r:embed="rId3">
+            <a:extLst>
+              <a:ext uri="{28A0092B-C50C-407E-A947-70E740481C1C}">
+                <a14:useLocalDpi xmlns:a14="http://schemas.microsoft.com/office/drawing/2010/main" val="0"/>
+              </a:ext>
+            </a:extLst>
+          </a:blip>
+          <a:stretch>
+            <a:fillRect/>
+          </a:stretch>
+        </p:blipFill>
+        <p:spPr>
+          <a:xfrm>
+            <a:off x="953589" y="4094733"/>
+            <a:ext cx="4425235" cy="635047"/>
+          </a:xfrm>
+          <a:prstGeom prst="rect">
+            <a:avLst/>
+          </a:prstGeom>
+        </p:spPr>
+      </p:pic>
+      <p:sp>
+        <p:nvSpPr>
+          <p:cNvPr id="9" name="テキスト ボックス 8"/>
+          <p:cNvSpPr txBox="1"/>
+          <p:nvPr/>
+        </p:nvSpPr>
+        <p:spPr>
+          <a:xfrm>
+            <a:off x="871369" y="4781927"/>
+            <a:ext cx="4801314" cy="461665"/>
+          </a:xfrm>
+          <a:prstGeom prst="rect">
+            <a:avLst/>
+          </a:prstGeom>
+          <a:noFill/>
+        </p:spPr>
+        <p:txBody>
+          <a:bodyPr wrap="none" rtlCol="0">
+            <a:spAutoFit/>
+          </a:bodyPr>
+          <a:lstStyle/>
+          <a:p>
+            <a:r>
+              <a:rPr kumimoji="1" lang="ja-JP" altLang="en-US" sz="2400" dirty="0" smtClean="0">
+                <a:latin typeface="Hiragino Kaku Gothic ProN W6" charset="-128"/>
+                <a:ea typeface="Hiragino Kaku Gothic ProN W6" charset="-128"/>
+                <a:cs typeface="Hiragino Kaku Gothic ProN W6" charset="-128"/>
+              </a:rPr>
+              <a:t>となるように規格化定数を定める</a:t>
+            </a:r>
+            <a:endParaRPr kumimoji="1" lang="ja-JP" altLang="en-US" sz="2400" dirty="0">
+              <a:latin typeface="Hiragino Kaku Gothic ProN W6" charset="-128"/>
+              <a:ea typeface="Hiragino Kaku Gothic ProN W6" charset="-128"/>
+              <a:cs typeface="Hiragino Kaku Gothic ProN W6" charset="-128"/>
+            </a:endParaRPr>
+          </a:p>
+        </p:txBody>
+      </p:sp>
     </p:spTree>
     <p:extLst>
       <p:ext uri="{BB962C8B-B14F-4D97-AF65-F5344CB8AC3E}">

--- a/deep_learning3.4.pptx
+++ b/deep_learning3.4.pptx
@@ -11,6 +11,7 @@
     <p:sldId id="259" r:id="rId5"/>
     <p:sldId id="260" r:id="rId6"/>
     <p:sldId id="261" r:id="rId7"/>
+    <p:sldId id="262" r:id="rId8"/>
   </p:sldIdLst>
   <p:sldSz cx="12192000" cy="6858000"/>
   <p:notesSz cx="6858000" cy="9144000"/>
@@ -402,7 +403,7 @@
           <a:p>
             <a:fld id="{78ABE3C1-DBE1-495D-B57B-2849774B866A}" type="datetimeFigureOut">
               <a:rPr lang="en-US" smtClean="0"/>
-              <a:t>5/14/17</a:t>
+              <a:t>5/15/17</a:t>
             </a:fld>
             <a:endParaRPr lang="en-US" dirty="0"/>
           </a:p>
@@ -811,7 +812,7 @@
           <a:p>
             <a:fld id="{9D6E9DEC-419B-4CC5-A080-3B06BD5A8291}" type="datetimeFigureOut">
               <a:rPr lang="en-US" smtClean="0"/>
-              <a:t>5/14/17</a:t>
+              <a:t>5/15/17</a:t>
             </a:fld>
             <a:endParaRPr lang="en-US" dirty="0"/>
           </a:p>
@@ -1144,7 +1145,7 @@
           <a:p>
             <a:fld id="{9D6E9DEC-419B-4CC5-A080-3B06BD5A8291}" type="datetimeFigureOut">
               <a:rPr lang="en-US" smtClean="0"/>
-              <a:t>5/14/17</a:t>
+              <a:t>5/15/17</a:t>
             </a:fld>
             <a:endParaRPr lang="en-US" dirty="0"/>
           </a:p>
@@ -1546,7 +1547,7 @@
           <a:p>
             <a:fld id="{9D6E9DEC-419B-4CC5-A080-3B06BD5A8291}" type="datetimeFigureOut">
               <a:rPr lang="en-US" smtClean="0"/>
-              <a:t>5/14/17</a:t>
+              <a:t>5/15/17</a:t>
             </a:fld>
             <a:endParaRPr lang="en-US" dirty="0"/>
           </a:p>
@@ -2111,7 +2112,7 @@
           <a:p>
             <a:fld id="{9D6E9DEC-419B-4CC5-A080-3B06BD5A8291}" type="datetimeFigureOut">
               <a:rPr lang="en-US" smtClean="0"/>
-              <a:t>5/14/17</a:t>
+              <a:t>5/15/17</a:t>
             </a:fld>
             <a:endParaRPr lang="en-US" dirty="0"/>
           </a:p>
@@ -2789,7 +2790,7 @@
           <a:p>
             <a:fld id="{9D6E9DEC-419B-4CC5-A080-3B06BD5A8291}" type="datetimeFigureOut">
               <a:rPr lang="en-US" smtClean="0"/>
-              <a:t>5/14/17</a:t>
+              <a:t>5/15/17</a:t>
             </a:fld>
             <a:endParaRPr lang="en-US" dirty="0"/>
           </a:p>
@@ -3699,7 +3700,7 @@
           <a:p>
             <a:fld id="{9D6E9DEC-419B-4CC5-A080-3B06BD5A8291}" type="datetimeFigureOut">
               <a:rPr lang="en-US" smtClean="0"/>
-              <a:t>5/14/17</a:t>
+              <a:t>5/15/17</a:t>
             </a:fld>
             <a:endParaRPr lang="en-US" dirty="0"/>
           </a:p>
@@ -4041,7 +4042,7 @@
           <a:p>
             <a:fld id="{1FA3F48C-C7C6-4055-9F49-3777875E72AE}" type="datetimeFigureOut">
               <a:rPr lang="en-US" smtClean="0"/>
-              <a:t>5/14/17</a:t>
+              <a:t>5/15/17</a:t>
             </a:fld>
             <a:endParaRPr lang="en-US" dirty="0"/>
           </a:p>
@@ -4332,7 +4333,7 @@
           <a:p>
             <a:fld id="{6178E61D-D431-422C-9764-11DAFE33AB63}" type="datetimeFigureOut">
               <a:rPr lang="en-US" smtClean="0"/>
-              <a:t>5/14/17</a:t>
+              <a:t>5/15/17</a:t>
             </a:fld>
             <a:endParaRPr lang="en-US" dirty="0"/>
           </a:p>
@@ -4683,7 +4684,7 @@
           <a:p>
             <a:fld id="{12DE42F4-6EEF-4EF7-8ED4-2208F0F89A08}" type="datetimeFigureOut">
               <a:rPr lang="en-US" smtClean="0"/>
-              <a:t>5/14/17</a:t>
+              <a:t>5/15/17</a:t>
             </a:fld>
             <a:endParaRPr lang="en-US" dirty="0"/>
           </a:p>
@@ -5067,7 +5068,7 @@
           <a:p>
             <a:fld id="{30578ACC-22D6-47C1-A373-4FD133E34F3C}" type="datetimeFigureOut">
               <a:rPr lang="en-US" smtClean="0"/>
-              <a:t>5/14/17</a:t>
+              <a:t>5/15/17</a:t>
             </a:fld>
             <a:endParaRPr lang="en-US" dirty="0"/>
           </a:p>
@@ -5502,7 +5503,7 @@
           <a:p>
             <a:fld id="{4E5A6C69-6797-4E8A-BF37-F2C3751466E9}" type="datetimeFigureOut">
               <a:rPr lang="en-US" smtClean="0"/>
-              <a:t>5/14/17</a:t>
+              <a:t>5/15/17</a:t>
             </a:fld>
             <a:endParaRPr lang="en-US" dirty="0"/>
           </a:p>
@@ -6067,7 +6068,7 @@
           <a:p>
             <a:fld id="{D82014A1-A632-4878-A0D3-F52BA7563730}" type="datetimeFigureOut">
               <a:rPr lang="en-US" smtClean="0"/>
-              <a:t>5/14/17</a:t>
+              <a:t>5/15/17</a:t>
             </a:fld>
             <a:endParaRPr lang="en-US" dirty="0"/>
           </a:p>
@@ -6319,7 +6320,7 @@
           <a:p>
             <a:fld id="{CE99F462-093F-4566-844B-4C71F2739DA5}" type="datetimeFigureOut">
               <a:rPr lang="en-US" smtClean="0"/>
-              <a:t>5/14/17</a:t>
+              <a:t>5/15/17</a:t>
             </a:fld>
             <a:endParaRPr lang="en-US" dirty="0"/>
           </a:p>
@@ -6477,7 +6478,7 @@
           <a:p>
             <a:fld id="{3D24A7AC-904D-4781-85BA-7D10C17ED021}" type="datetimeFigureOut">
               <a:rPr lang="en-US" smtClean="0"/>
-              <a:t>5/14/17</a:t>
+              <a:t>5/15/17</a:t>
             </a:fld>
             <a:endParaRPr lang="en-US" dirty="0"/>
           </a:p>
@@ -6894,7 +6895,7 @@
           <a:p>
             <a:fld id="{E331444B-B92B-4E27-8C94-BB93EAF5CB18}" type="datetimeFigureOut">
               <a:rPr lang="en-US" smtClean="0"/>
-              <a:t>5/14/17</a:t>
+              <a:t>5/15/17</a:t>
             </a:fld>
             <a:endParaRPr lang="en-US" dirty="0"/>
           </a:p>
@@ -7298,7 +7299,7 @@
           <a:p>
             <a:fld id="{363EFA5E-FA76-400D-B3DC-F0BA90E6D107}" type="datetimeFigureOut">
               <a:rPr lang="en-US" smtClean="0"/>
-              <a:t>5/14/17</a:t>
+              <a:t>5/15/17</a:t>
             </a:fld>
             <a:endParaRPr lang="en-US" dirty="0"/>
           </a:p>
@@ -7574,7 +7575,7 @@
           <a:p>
             <a:fld id="{9D6E9DEC-419B-4CC5-A080-3B06BD5A8291}" type="datetimeFigureOut">
               <a:rPr lang="en-US" smtClean="0"/>
-              <a:t>5/14/17</a:t>
+              <a:t>5/15/17</a:t>
             </a:fld>
             <a:endParaRPr lang="en-US" dirty="0"/>
           </a:p>
@@ -8063,15 +8064,7 @@
                 <a:ea typeface="Hiragino Kaku Gothic ProN W6" charset="-128"/>
                 <a:cs typeface="Hiragino Kaku Gothic ProN W6" charset="-128"/>
               </a:rPr>
-              <a:t>３章　事前学習とその</a:t>
-            </a:r>
-            <a:r>
-              <a:rPr lang="ja-JP" altLang="en-US" dirty="0" smtClean="0">
-                <a:latin typeface="Hiragino Kaku Gothic ProN W6" charset="-128"/>
-                <a:ea typeface="Hiragino Kaku Gothic ProN W6" charset="-128"/>
-                <a:cs typeface="Hiragino Kaku Gothic ProN W6" charset="-128"/>
-              </a:rPr>
-              <a:t>周辺</a:t>
+              <a:t>３章　事前学習とその周辺</a:t>
             </a:r>
             <a:endParaRPr kumimoji="1" lang="en-US" altLang="ja-JP" dirty="0" smtClean="0">
               <a:latin typeface="Hiragino Kaku Gothic ProN W6" charset="-128"/>
@@ -8172,13 +8165,32 @@
           <a:bodyPr/>
           <a:lstStyle/>
           <a:p>
+            <a:pPr marL="0" indent="0">
+              <a:buNone/>
+            </a:pPr>
             <a:r>
               <a:rPr kumimoji="1" lang="ja-JP" altLang="en-US" b="1" dirty="0" smtClean="0">
                 <a:latin typeface="Hiragino Kaku Gothic ProN W6" charset="-128"/>
                 <a:ea typeface="Hiragino Kaku Gothic ProN W6" charset="-128"/>
                 <a:cs typeface="Hiragino Kaku Gothic ProN W6" charset="-128"/>
               </a:rPr>
-              <a:t>事前学習←自己符号化器の学習に使う</a:t>
+              <a:t>事前学習←自己符号化器の学習</a:t>
+            </a:r>
+            <a:r>
+              <a:rPr kumimoji="1" lang="ja-JP" altLang="en-US" b="1" dirty="0" smtClean="0">
+                <a:latin typeface="Hiragino Kaku Gothic ProN W6" charset="-128"/>
+                <a:ea typeface="Hiragino Kaku Gothic ProN W6" charset="-128"/>
+                <a:cs typeface="Hiragino Kaku Gothic ProN W6" charset="-128"/>
+              </a:rPr>
+              <a:t>に</a:t>
+            </a:r>
+            <a:r>
+              <a:rPr lang="ja-JP" altLang="en-US" b="1" dirty="0" smtClean="0">
+                <a:latin typeface="Hiragino Kaku Gothic ProN W6" charset="-128"/>
+                <a:ea typeface="Hiragino Kaku Gothic ProN W6" charset="-128"/>
+                <a:cs typeface="Hiragino Kaku Gothic ProN W6" charset="-128"/>
+              </a:rPr>
+              <a:t>用いる</a:t>
             </a:r>
             <a:endParaRPr kumimoji="1" lang="en-US" altLang="ja-JP" b="1" dirty="0" smtClean="0">
               <a:latin typeface="Hiragino Kaku Gothic ProN W6" charset="-128"/>
@@ -8226,7 +8238,23 @@
                 <a:ea typeface="Hiragino Kaku Gothic ProN W6" charset="-128"/>
                 <a:cs typeface="Hiragino Kaku Gothic ProN W6" charset="-128"/>
               </a:rPr>
-              <a:t>　　確定的なモデル</a:t>
+              <a:t>　</a:t>
+            </a:r>
+            <a:r>
+              <a:rPr kumimoji="1" lang="ja-JP" altLang="en-US" b="1" dirty="0" smtClean="0">
+                <a:latin typeface="Hiragino Kaku Gothic ProN W6" charset="-128"/>
+                <a:ea typeface="Hiragino Kaku Gothic ProN W6" charset="-128"/>
+                <a:cs typeface="Hiragino Kaku Gothic ProN W6" charset="-128"/>
+              </a:rPr>
+              <a:t>確定的</a:t>
+            </a:r>
+            <a:r>
+              <a:rPr kumimoji="1" lang="ja-JP" altLang="en-US" b="1" dirty="0" smtClean="0">
+                <a:latin typeface="Hiragino Kaku Gothic ProN W6" charset="-128"/>
+                <a:ea typeface="Hiragino Kaku Gothic ProN W6" charset="-128"/>
+                <a:cs typeface="Hiragino Kaku Gothic ProN W6" charset="-128"/>
+              </a:rPr>
+              <a:t>なモデル</a:t>
             </a:r>
             <a:endParaRPr kumimoji="1" lang="en-US" altLang="ja-JP" b="1" dirty="0" smtClean="0">
               <a:latin typeface="Hiragino Kaku Gothic ProN W6" charset="-128"/>
@@ -8249,7 +8277,136 @@
                 <a:ea typeface="Hiragino Kaku Gothic ProN W6" charset="-128"/>
                 <a:cs typeface="Hiragino Kaku Gothic ProN W6" charset="-128"/>
               </a:rPr>
-              <a:t>　　確率的なモデル</a:t>
+              <a:t>　</a:t>
+            </a:r>
+            <a:r>
+              <a:rPr lang="ja-JP" altLang="en-US" b="1" dirty="0" smtClean="0">
+                <a:latin typeface="Hiragino Kaku Gothic ProN W6" charset="-128"/>
+                <a:ea typeface="Hiragino Kaku Gothic ProN W6" charset="-128"/>
+                <a:cs typeface="Hiragino Kaku Gothic ProN W6" charset="-128"/>
+              </a:rPr>
+              <a:t>確率的</a:t>
+            </a:r>
+            <a:r>
+              <a:rPr lang="ja-JP" altLang="en-US" b="1" dirty="0" smtClean="0">
+                <a:latin typeface="Hiragino Kaku Gothic ProN W6" charset="-128"/>
+                <a:ea typeface="Hiragino Kaku Gothic ProN W6" charset="-128"/>
+                <a:cs typeface="Hiragino Kaku Gothic ProN W6" charset="-128"/>
+              </a:rPr>
+              <a:t>なモデル</a:t>
+            </a:r>
+            <a:endParaRPr lang="en-US" altLang="ja-JP" b="1" dirty="0" smtClean="0">
+              <a:latin typeface="Hiragino Kaku Gothic ProN W6" charset="-128"/>
+              <a:ea typeface="Hiragino Kaku Gothic ProN W6" charset="-128"/>
+              <a:cs typeface="Hiragino Kaku Gothic ProN W6" charset="-128"/>
+            </a:endParaRPr>
+          </a:p>
+          <a:p>
+            <a:r>
+              <a:rPr kumimoji="1" lang="en-US" altLang="ja-JP" b="1" dirty="0" smtClean="0">
+                <a:latin typeface="Hiragino Kaku Gothic ProN W6" charset="-128"/>
+                <a:ea typeface="Hiragino Kaku Gothic ProN W6" charset="-128"/>
+                <a:cs typeface="Hiragino Kaku Gothic ProN W6" charset="-128"/>
+              </a:rPr>
+              <a:t>3.6</a:t>
+            </a:r>
+            <a:r>
+              <a:rPr kumimoji="1" lang="ja-JP" altLang="en-US" b="1" dirty="0" smtClean="0">
+                <a:latin typeface="Hiragino Kaku Gothic ProN W6" charset="-128"/>
+                <a:ea typeface="Hiragino Kaku Gothic ProN W6" charset="-128"/>
+                <a:cs typeface="Hiragino Kaku Gothic ProN W6" charset="-128"/>
+              </a:rPr>
+              <a:t>　</a:t>
+            </a:r>
+            <a:r>
+              <a:rPr lang="en-US" altLang="ja-JP" b="1" dirty="0" smtClean="0">
+                <a:latin typeface="Hiragino Kaku Gothic ProN W6" charset="-128"/>
+                <a:ea typeface="Hiragino Kaku Gothic ProN W6" charset="-128"/>
+                <a:cs typeface="Hiragino Kaku Gothic ProN W6" charset="-128"/>
+              </a:rPr>
+              <a:t>Product of Experts </a:t>
+            </a:r>
+            <a:r>
+              <a:rPr lang="ja-JP" altLang="en-US" b="1" dirty="0" smtClean="0">
+                <a:latin typeface="Hiragino Kaku Gothic ProN W6" charset="-128"/>
+                <a:ea typeface="Hiragino Kaku Gothic ProN W6" charset="-128"/>
+                <a:cs typeface="Hiragino Kaku Gothic ProN W6" charset="-128"/>
+              </a:rPr>
+              <a:t>の学習法としての</a:t>
+            </a:r>
+            <a:r>
+              <a:rPr lang="en-US" altLang="ja-JP" b="1" dirty="0" smtClean="0">
+                <a:latin typeface="Hiragino Kaku Gothic ProN W6" charset="-128"/>
+                <a:ea typeface="Hiragino Kaku Gothic ProN W6" charset="-128"/>
+                <a:cs typeface="Hiragino Kaku Gothic ProN W6" charset="-128"/>
+              </a:rPr>
+              <a:t>CD</a:t>
+            </a:r>
+            <a:r>
+              <a:rPr lang="ja-JP" altLang="en-US" b="1" dirty="0" smtClean="0">
+                <a:latin typeface="Hiragino Kaku Gothic ProN W6" charset="-128"/>
+                <a:ea typeface="Hiragino Kaku Gothic ProN W6" charset="-128"/>
+                <a:cs typeface="Hiragino Kaku Gothic ProN W6" charset="-128"/>
+              </a:rPr>
+              <a:t>法</a:t>
+            </a:r>
+            <a:endParaRPr lang="en-US" altLang="ja-JP" b="1" dirty="0">
+              <a:latin typeface="Hiragino Kaku Gothic ProN W6" charset="-128"/>
+              <a:ea typeface="Hiragino Kaku Gothic ProN W6" charset="-128"/>
+              <a:cs typeface="Hiragino Kaku Gothic ProN W6" charset="-128"/>
+            </a:endParaRPr>
+          </a:p>
+          <a:p>
+            <a:pPr marL="0" indent="0">
+              <a:buNone/>
+            </a:pPr>
+            <a:r>
+              <a:rPr kumimoji="1" lang="en-US" altLang="ja-JP" b="1" dirty="0" smtClean="0">
+                <a:latin typeface="Hiragino Kaku Gothic ProN W6" charset="-128"/>
+                <a:ea typeface="Hiragino Kaku Gothic ProN W6" charset="-128"/>
+                <a:cs typeface="Hiragino Kaku Gothic ProN W6" charset="-128"/>
+              </a:rPr>
+              <a:t>CD</a:t>
+            </a:r>
+            <a:r>
+              <a:rPr kumimoji="1" lang="ja-JP" altLang="en-US" b="1" dirty="0" smtClean="0">
+                <a:latin typeface="Hiragino Kaku Gothic ProN W6" charset="-128"/>
+                <a:ea typeface="Hiragino Kaku Gothic ProN W6" charset="-128"/>
+                <a:cs typeface="Hiragino Kaku Gothic ProN W6" charset="-128"/>
+              </a:rPr>
+              <a:t>法</a:t>
+            </a:r>
+            <a:r>
+              <a:rPr lang="ja-JP" altLang="en-US" b="1" dirty="0" smtClean="0">
+                <a:latin typeface="Hiragino Kaku Gothic ProN W6" charset="-128"/>
+                <a:ea typeface="Hiragino Kaku Gothic ProN W6" charset="-128"/>
+                <a:cs typeface="Hiragino Kaku Gothic ProN W6" charset="-128"/>
+              </a:rPr>
+              <a:t>（</a:t>
+            </a:r>
+            <a:r>
+              <a:rPr lang="en-US" altLang="ja-JP" b="1" dirty="0" smtClean="0">
+                <a:latin typeface="Hiragino Kaku Gothic ProN W6" charset="-128"/>
+                <a:ea typeface="Hiragino Kaku Gothic ProN W6" charset="-128"/>
+                <a:cs typeface="Hiragino Kaku Gothic ProN W6" charset="-128"/>
+              </a:rPr>
+              <a:t>Contrastive Divergence</a:t>
+            </a:r>
+            <a:r>
+              <a:rPr lang="ja-JP" altLang="en-US" b="1" dirty="0" smtClean="0">
+                <a:latin typeface="Hiragino Kaku Gothic ProN W6" charset="-128"/>
+                <a:ea typeface="Hiragino Kaku Gothic ProN W6" charset="-128"/>
+                <a:cs typeface="Hiragino Kaku Gothic ProN W6" charset="-128"/>
+              </a:rPr>
+              <a:t>法</a:t>
+            </a:r>
+            <a:r>
+              <a:rPr lang="ja-JP" altLang="en-US" b="1" dirty="0" smtClean="0">
+                <a:latin typeface="Hiragino Kaku Gothic ProN W6" charset="-128"/>
+                <a:ea typeface="Hiragino Kaku Gothic ProN W6" charset="-128"/>
+                <a:cs typeface="Hiragino Kaku Gothic ProN W6" charset="-128"/>
+              </a:rPr>
+              <a:t>）を中心</a:t>
             </a:r>
             <a:endParaRPr kumimoji="1" lang="ja-JP" altLang="en-US" b="1" dirty="0">
               <a:latin typeface="Hiragino Kaku Gothic ProN W6" charset="-128"/>
@@ -8493,7 +8650,31 @@
                 <a:ea typeface="Hiragino Kaku Gothic ProN W6" charset="-128"/>
                 <a:cs typeface="Hiragino Kaku Gothic ProN W6" charset="-128"/>
               </a:rPr>
+              <a:t>3.4.1</a:t>
+            </a:r>
+            <a:r>
+              <a:rPr kumimoji="1" lang="ja-JP" altLang="en-US" dirty="0" smtClean="0">
+                <a:latin typeface="Hiragino Kaku Gothic ProN W6" charset="-128"/>
+                <a:ea typeface="Hiragino Kaku Gothic ProN W6" charset="-128"/>
+                <a:cs typeface="Hiragino Kaku Gothic ProN W6" charset="-128"/>
+              </a:rPr>
+              <a:t>　</a:t>
+            </a:r>
+            <a:r>
+              <a:rPr kumimoji="1" lang="en-US" altLang="ja-JP" dirty="0" smtClean="0">
+                <a:latin typeface="Hiragino Kaku Gothic ProN W6" charset="-128"/>
+                <a:ea typeface="Hiragino Kaku Gothic ProN W6" charset="-128"/>
+                <a:cs typeface="Hiragino Kaku Gothic ProN W6" charset="-128"/>
+              </a:rPr>
               <a:t>RBM</a:t>
+            </a:r>
+            <a:r>
+              <a:rPr kumimoji="1" lang="ja-JP" altLang="en-US" dirty="0" smtClean="0">
+                <a:latin typeface="Hiragino Kaku Gothic ProN W6" charset="-128"/>
+                <a:ea typeface="Hiragino Kaku Gothic ProN W6" charset="-128"/>
+                <a:cs typeface="Hiragino Kaku Gothic ProN W6" charset="-128"/>
+              </a:rPr>
+              <a:t>（制限ボルツマンマシン）</a:t>
             </a:r>
             <a:endParaRPr kumimoji="1" lang="ja-JP" altLang="en-US" dirty="0">
               <a:latin typeface="Hiragino Kaku Gothic ProN W6" charset="-128"/>
@@ -9004,7 +9185,27 @@
           <a:bodyPr/>
           <a:lstStyle/>
           <a:p>
-            <a:endParaRPr kumimoji="1" lang="ja-JP" altLang="en-US" dirty="0"/>
+            <a:r>
+              <a:rPr kumimoji="1" lang="en-US" altLang="ja-JP" dirty="0" smtClean="0">
+                <a:latin typeface="Hiragino Kaku Gothic ProN W6" charset="-128"/>
+                <a:ea typeface="Hiragino Kaku Gothic ProN W6" charset="-128"/>
+                <a:cs typeface="Hiragino Kaku Gothic ProN W6" charset="-128"/>
+              </a:rPr>
+              <a:t>3.4.2</a:t>
+            </a:r>
+            <a:r>
+              <a:rPr kumimoji="1" lang="ja-JP" altLang="en-US" dirty="0" smtClean="0">
+                <a:latin typeface="Hiragino Kaku Gothic ProN W6" charset="-128"/>
+                <a:ea typeface="Hiragino Kaku Gothic ProN W6" charset="-128"/>
+                <a:cs typeface="Hiragino Kaku Gothic ProN W6" charset="-128"/>
+              </a:rPr>
+              <a:t>　指数型ハーモニウム族</a:t>
+            </a:r>
+            <a:endParaRPr kumimoji="1" lang="ja-JP" altLang="en-US" dirty="0">
+              <a:latin typeface="Hiragino Kaku Gothic ProN W6" charset="-128"/>
+              <a:ea typeface="Hiragino Kaku Gothic ProN W6" charset="-128"/>
+              <a:cs typeface="Hiragino Kaku Gothic ProN W6" charset="-128"/>
+            </a:endParaRPr>
           </a:p>
         </p:txBody>
       </p:sp>
@@ -9031,6 +9232,125 @@
     <p:extLst>
       <p:ext uri="{BB962C8B-B14F-4D97-AF65-F5344CB8AC3E}">
         <p14:creationId xmlns:p14="http://schemas.microsoft.com/office/powerpoint/2010/main" val="1290149841"/>
+      </p:ext>
+    </p:extLst>
+  </p:cSld>
+  <p:clrMapOvr>
+    <a:masterClrMapping/>
+  </p:clrMapOvr>
+</p:sld>
+</file>
+
+<file path=ppt/slides/slide7.xml><?xml version="1.0" encoding="utf-8"?>
+<p:sld xmlns:a="http://schemas.openxmlformats.org/drawingml/2006/main" xmlns:r="http://schemas.openxmlformats.org/officeDocument/2006/relationships" xmlns:p="http://schemas.openxmlformats.org/presentationml/2006/main">
+  <p:cSld>
+    <p:spTree>
+      <p:nvGrpSpPr>
+        <p:cNvPr id="1" name=""/>
+        <p:cNvGrpSpPr/>
+        <p:nvPr/>
+      </p:nvGrpSpPr>
+      <p:grpSpPr>
+        <a:xfrm>
+          <a:off x="0" y="0"/>
+          <a:ext cx="0" cy="0"/>
+          <a:chOff x="0" y="0"/>
+          <a:chExt cx="0" cy="0"/>
+        </a:xfrm>
+      </p:grpSpPr>
+      <p:sp>
+        <p:nvSpPr>
+          <p:cNvPr id="2" name="タイトル 1"/>
+          <p:cNvSpPr>
+            <a:spLocks noGrp="1"/>
+          </p:cNvSpPr>
+          <p:nvPr>
+            <p:ph type="title"/>
+          </p:nvPr>
+        </p:nvSpPr>
+        <p:spPr/>
+        <p:txBody>
+          <a:bodyPr/>
+          <a:lstStyle/>
+          <a:p>
+            <a:r>
+              <a:rPr lang="en-US" altLang="ja-JP" dirty="0" smtClean="0">
+                <a:latin typeface="Hiragino Kaku Gothic ProN W6" charset="-128"/>
+                <a:ea typeface="Hiragino Kaku Gothic ProN W6" charset="-128"/>
+                <a:cs typeface="Hiragino Kaku Gothic ProN W6" charset="-128"/>
+              </a:rPr>
+              <a:t>3.4.3</a:t>
+            </a:r>
+            <a:r>
+              <a:rPr lang="en-US" altLang="ja-JP" dirty="0">
+                <a:latin typeface="Hiragino Kaku Gothic ProN W6" charset="-128"/>
+                <a:ea typeface="Hiragino Kaku Gothic ProN W6" charset="-128"/>
+                <a:cs typeface="Hiragino Kaku Gothic ProN W6" charset="-128"/>
+              </a:rPr>
+              <a:t/>
+            </a:r>
+            <a:br>
+              <a:rPr lang="en-US" altLang="ja-JP" dirty="0">
+                <a:latin typeface="Hiragino Kaku Gothic ProN W6" charset="-128"/>
+                <a:ea typeface="Hiragino Kaku Gothic ProN W6" charset="-128"/>
+                <a:cs typeface="Hiragino Kaku Gothic ProN W6" charset="-128"/>
+              </a:rPr>
+            </a:br>
+            <a:r>
+              <a:rPr lang="ja-JP" altLang="en-US" dirty="0" smtClean="0">
+                <a:latin typeface="Hiragino Kaku Gothic ProN W6" charset="-128"/>
+                <a:ea typeface="Hiragino Kaku Gothic ProN W6" charset="-128"/>
+                <a:cs typeface="Hiragino Kaku Gothic ProN W6" charset="-128"/>
+              </a:rPr>
+              <a:t>指数型ハーモニウム族の</a:t>
+            </a:r>
+            <a:r>
+              <a:rPr lang="en-US" altLang="ja-JP" dirty="0" smtClean="0">
+                <a:latin typeface="Hiragino Kaku Gothic ProN W6" charset="-128"/>
+                <a:ea typeface="Hiragino Kaku Gothic ProN W6" charset="-128"/>
+                <a:cs typeface="Hiragino Kaku Gothic ProN W6" charset="-128"/>
+              </a:rPr>
+              <a:t>CD</a:t>
+            </a:r>
+            <a:r>
+              <a:rPr lang="ja-JP" altLang="en-US" dirty="0" smtClean="0">
+                <a:latin typeface="Hiragino Kaku Gothic ProN W6" charset="-128"/>
+                <a:ea typeface="Hiragino Kaku Gothic ProN W6" charset="-128"/>
+                <a:cs typeface="Hiragino Kaku Gothic ProN W6" charset="-128"/>
+              </a:rPr>
+              <a:t>法による学習</a:t>
+            </a:r>
+            <a:endParaRPr kumimoji="1" lang="ja-JP" altLang="en-US" dirty="0">
+              <a:latin typeface="Hiragino Kaku Gothic ProN W6" charset="-128"/>
+              <a:ea typeface="Hiragino Kaku Gothic ProN W6" charset="-128"/>
+              <a:cs typeface="Hiragino Kaku Gothic ProN W6" charset="-128"/>
+            </a:endParaRPr>
+          </a:p>
+        </p:txBody>
+      </p:sp>
+      <p:sp>
+        <p:nvSpPr>
+          <p:cNvPr id="3" name="コンテンツ プレースホルダー 2"/>
+          <p:cNvSpPr>
+            <a:spLocks noGrp="1"/>
+          </p:cNvSpPr>
+          <p:nvPr>
+            <p:ph idx="1"/>
+          </p:nvPr>
+        </p:nvSpPr>
+        <p:spPr/>
+        <p:txBody>
+          <a:bodyPr/>
+          <a:lstStyle/>
+          <a:p>
+            <a:endParaRPr kumimoji="1" lang="ja-JP" altLang="en-US"/>
+          </a:p>
+        </p:txBody>
+      </p:sp>
+    </p:spTree>
+    <p:extLst>
+      <p:ext uri="{BB962C8B-B14F-4D97-AF65-F5344CB8AC3E}">
+        <p14:creationId xmlns:p14="http://schemas.microsoft.com/office/powerpoint/2010/main" val="1401643387"/>
       </p:ext>
     </p:extLst>
   </p:cSld>

--- a/deep_learning3.4.pptx
+++ b/deep_learning3.4.pptx
@@ -12,6 +12,14 @@
     <p:sldId id="260" r:id="rId6"/>
     <p:sldId id="261" r:id="rId7"/>
     <p:sldId id="262" r:id="rId8"/>
+    <p:sldId id="263" r:id="rId9"/>
+    <p:sldId id="264" r:id="rId10"/>
+    <p:sldId id="265" r:id="rId11"/>
+    <p:sldId id="266" r:id="rId12"/>
+    <p:sldId id="267" r:id="rId13"/>
+    <p:sldId id="268" r:id="rId14"/>
+    <p:sldId id="269" r:id="rId15"/>
+    <p:sldId id="270" r:id="rId16"/>
   </p:sldIdLst>
   <p:sldSz cx="12192000" cy="6858000"/>
   <p:notesSz cx="6858000" cy="9144000"/>
@@ -312,7 +320,7 @@
           </a:lstStyle>
           <a:p>
             <a:r>
-              <a:rPr lang="ja-JP" altLang="en-US" smtClean="0"/>
+              <a:rPr lang="ja-JP" altLang="en-US" dirty="0" smtClean="0"/>
               <a:t>マスター タイトルの書式設定</a:t>
             </a:r>
             <a:endParaRPr lang="en-US" dirty="0"/>
@@ -4576,7 +4584,7 @@
           <a:lstStyle/>
           <a:p>
             <a:r>
-              <a:rPr lang="ja-JP" altLang="en-US" smtClean="0"/>
+              <a:rPr lang="ja-JP" altLang="en-US" dirty="0" smtClean="0"/>
               <a:t>マスター タイトルの書式設定</a:t>
             </a:r>
             <a:endParaRPr lang="en-US" dirty="0"/>
@@ -4600,67 +4608,67 @@
           <a:p>
             <a:pPr lvl="0"/>
             <a:r>
-              <a:rPr lang="ja-JP" altLang="en-US" smtClean="0"/>
+              <a:rPr lang="ja-JP" altLang="en-US" dirty="0" smtClean="0"/>
               <a:t>マスター テキストの書式設定</a:t>
             </a:r>
           </a:p>
           <a:p>
             <a:pPr lvl="1"/>
             <a:r>
-              <a:rPr lang="ja-JP" altLang="en-US" smtClean="0"/>
+              <a:rPr lang="ja-JP" altLang="en-US" dirty="0" smtClean="0"/>
               <a:t>第 </a:t>
             </a:r>
             <a:r>
-              <a:rPr lang="en-US" altLang="ja-JP" smtClean="0"/>
+              <a:rPr lang="en-US" altLang="ja-JP" dirty="0" smtClean="0"/>
               <a:t>2 </a:t>
             </a:r>
             <a:r>
-              <a:rPr lang="ja-JP" altLang="en-US" smtClean="0"/>
+              <a:rPr lang="ja-JP" altLang="en-US" dirty="0" smtClean="0"/>
               <a:t>レベル</a:t>
             </a:r>
           </a:p>
           <a:p>
             <a:pPr lvl="2"/>
             <a:r>
-              <a:rPr lang="ja-JP" altLang="en-US" smtClean="0"/>
+              <a:rPr lang="ja-JP" altLang="en-US" dirty="0" smtClean="0"/>
               <a:t>第 </a:t>
             </a:r>
             <a:r>
-              <a:rPr lang="en-US" altLang="ja-JP" smtClean="0"/>
+              <a:rPr lang="en-US" altLang="ja-JP" dirty="0" smtClean="0"/>
               <a:t>3 </a:t>
             </a:r>
             <a:r>
-              <a:rPr lang="ja-JP" altLang="en-US" smtClean="0"/>
+              <a:rPr lang="ja-JP" altLang="en-US" dirty="0" smtClean="0"/>
               <a:t>レベル</a:t>
             </a:r>
           </a:p>
           <a:p>
             <a:pPr lvl="3"/>
             <a:r>
-              <a:rPr lang="ja-JP" altLang="en-US" smtClean="0"/>
+              <a:rPr lang="ja-JP" altLang="en-US" dirty="0" smtClean="0"/>
               <a:t>第 </a:t>
             </a:r>
             <a:r>
-              <a:rPr lang="en-US" altLang="ja-JP" smtClean="0"/>
+              <a:rPr lang="en-US" altLang="ja-JP" dirty="0" smtClean="0"/>
               <a:t>4 </a:t>
             </a:r>
             <a:r>
-              <a:rPr lang="ja-JP" altLang="en-US" smtClean="0"/>
+              <a:rPr lang="ja-JP" altLang="en-US" dirty="0" smtClean="0"/>
               <a:t>レベル</a:t>
             </a:r>
           </a:p>
           <a:p>
             <a:pPr lvl="4"/>
             <a:r>
-              <a:rPr lang="ja-JP" altLang="en-US" smtClean="0"/>
+              <a:rPr lang="ja-JP" altLang="en-US" dirty="0" smtClean="0"/>
               <a:t>第 </a:t>
             </a:r>
             <a:r>
-              <a:rPr lang="en-US" altLang="ja-JP" smtClean="0"/>
+              <a:rPr lang="en-US" altLang="ja-JP" dirty="0" smtClean="0"/>
               <a:t>5 </a:t>
             </a:r>
             <a:r>
-              <a:rPr lang="ja-JP" altLang="en-US" smtClean="0"/>
+              <a:rPr lang="ja-JP" altLang="en-US" dirty="0" smtClean="0"/>
               <a:t>レベル</a:t>
             </a:r>
             <a:endParaRPr lang="en-US" dirty="0"/>
@@ -8094,6 +8102,734 @@
 </p:sld>
 </file>
 
+<file path=ppt/slides/slide10.xml><?xml version="1.0" encoding="utf-8"?>
+<p:sld xmlns:a="http://schemas.openxmlformats.org/drawingml/2006/main" xmlns:r="http://schemas.openxmlformats.org/officeDocument/2006/relationships" xmlns:p="http://schemas.openxmlformats.org/presentationml/2006/main">
+  <p:cSld>
+    <p:spTree>
+      <p:nvGrpSpPr>
+        <p:cNvPr id="1" name=""/>
+        <p:cNvGrpSpPr/>
+        <p:nvPr/>
+      </p:nvGrpSpPr>
+      <p:grpSpPr>
+        <a:xfrm>
+          <a:off x="0" y="0"/>
+          <a:ext cx="0" cy="0"/>
+          <a:chOff x="0" y="0"/>
+          <a:chExt cx="0" cy="0"/>
+        </a:xfrm>
+      </p:grpSpPr>
+      <p:sp>
+        <p:nvSpPr>
+          <p:cNvPr id="2" name="タイトル 1"/>
+          <p:cNvSpPr>
+            <a:spLocks noGrp="1"/>
+          </p:cNvSpPr>
+          <p:nvPr>
+            <p:ph type="title"/>
+          </p:nvPr>
+        </p:nvSpPr>
+        <p:spPr/>
+        <p:txBody>
+          <a:bodyPr/>
+          <a:lstStyle/>
+          <a:p>
+            <a:r>
+              <a:rPr kumimoji="1" lang="en-US" altLang="ja-JP" dirty="0" smtClean="0">
+                <a:latin typeface="Hiragino Kaku Gothic ProN W6" charset="-128"/>
+                <a:ea typeface="Hiragino Kaku Gothic ProN W6" charset="-128"/>
+                <a:cs typeface="Hiragino Kaku Gothic ProN W6" charset="-128"/>
+              </a:rPr>
+              <a:t>3.4.6</a:t>
+            </a:r>
+            <a:r>
+              <a:rPr kumimoji="1" lang="ja-JP" altLang="en-US" dirty="0" smtClean="0">
+                <a:latin typeface="Hiragino Kaku Gothic ProN W6" charset="-128"/>
+                <a:ea typeface="Hiragino Kaku Gothic ProN W6" charset="-128"/>
+                <a:cs typeface="Hiragino Kaku Gothic ProN W6" charset="-128"/>
+              </a:rPr>
+              <a:t>　</a:t>
+            </a:r>
+            <a:r>
+              <a:rPr kumimoji="1" lang="en-US" altLang="ja-JP" dirty="0" smtClean="0">
+                <a:latin typeface="Hiragino Kaku Gothic ProN W6" charset="-128"/>
+                <a:ea typeface="Hiragino Kaku Gothic ProN W6" charset="-128"/>
+                <a:cs typeface="Hiragino Kaku Gothic ProN W6" charset="-128"/>
+              </a:rPr>
+              <a:t>CD</a:t>
+            </a:r>
+            <a:r>
+              <a:rPr kumimoji="1" lang="ja-JP" altLang="en-US" dirty="0" smtClean="0">
+                <a:latin typeface="Hiragino Kaku Gothic ProN W6" charset="-128"/>
+                <a:ea typeface="Hiragino Kaku Gothic ProN W6" charset="-128"/>
+                <a:cs typeface="Hiragino Kaku Gothic ProN W6" charset="-128"/>
+              </a:rPr>
+              <a:t>法から派生した学習則</a:t>
+            </a:r>
+            <a:endParaRPr kumimoji="1" lang="ja-JP" altLang="en-US" dirty="0">
+              <a:latin typeface="Hiragino Kaku Gothic ProN W6" charset="-128"/>
+              <a:ea typeface="Hiragino Kaku Gothic ProN W6" charset="-128"/>
+              <a:cs typeface="Hiragino Kaku Gothic ProN W6" charset="-128"/>
+            </a:endParaRPr>
+          </a:p>
+        </p:txBody>
+      </p:sp>
+      <p:sp>
+        <p:nvSpPr>
+          <p:cNvPr id="3" name="コンテンツ プレースホルダー 2"/>
+          <p:cNvSpPr>
+            <a:spLocks noGrp="1"/>
+          </p:cNvSpPr>
+          <p:nvPr>
+            <p:ph idx="1"/>
+          </p:nvPr>
+        </p:nvSpPr>
+        <p:spPr/>
+        <p:txBody>
+          <a:bodyPr/>
+          <a:lstStyle/>
+          <a:p>
+            <a:endParaRPr kumimoji="1" lang="ja-JP" altLang="en-US"/>
+          </a:p>
+        </p:txBody>
+      </p:sp>
+    </p:spTree>
+    <p:extLst>
+      <p:ext uri="{BB962C8B-B14F-4D97-AF65-F5344CB8AC3E}">
+        <p14:creationId xmlns:p14="http://schemas.microsoft.com/office/powerpoint/2010/main" val="943651070"/>
+      </p:ext>
+    </p:extLst>
+  </p:cSld>
+  <p:clrMapOvr>
+    <a:masterClrMapping/>
+  </p:clrMapOvr>
+</p:sld>
+</file>
+
+<file path=ppt/slides/slide11.xml><?xml version="1.0" encoding="utf-8"?>
+<p:sld xmlns:a="http://schemas.openxmlformats.org/drawingml/2006/main" xmlns:r="http://schemas.openxmlformats.org/officeDocument/2006/relationships" xmlns:p="http://schemas.openxmlformats.org/presentationml/2006/main">
+  <p:cSld>
+    <p:spTree>
+      <p:nvGrpSpPr>
+        <p:cNvPr id="1" name=""/>
+        <p:cNvGrpSpPr/>
+        <p:nvPr/>
+      </p:nvGrpSpPr>
+      <p:grpSpPr>
+        <a:xfrm>
+          <a:off x="0" y="0"/>
+          <a:ext cx="0" cy="0"/>
+          <a:chOff x="0" y="0"/>
+          <a:chExt cx="0" cy="0"/>
+        </a:xfrm>
+      </p:grpSpPr>
+      <p:sp>
+        <p:nvSpPr>
+          <p:cNvPr id="2" name="タイトル 1"/>
+          <p:cNvSpPr>
+            <a:spLocks noGrp="1"/>
+          </p:cNvSpPr>
+          <p:nvPr>
+            <p:ph type="title"/>
+          </p:nvPr>
+        </p:nvSpPr>
+        <p:spPr/>
+        <p:txBody>
+          <a:bodyPr>
+            <a:normAutofit fontScale="90000"/>
+          </a:bodyPr>
+          <a:lstStyle/>
+          <a:p>
+            <a:r>
+              <a:rPr kumimoji="1" lang="en-US" altLang="ja-JP" dirty="0" smtClean="0">
+                <a:latin typeface="ヒラギノ角ゴ Pro W6" charset="-128"/>
+                <a:ea typeface="ヒラギノ角ゴ Pro W6" charset="-128"/>
+              </a:rPr>
+              <a:t>3.4.7</a:t>
+            </a:r>
+            <a:r>
+              <a:rPr lang="en-US" altLang="ja-JP" dirty="0">
+                <a:latin typeface="ヒラギノ角ゴ Pro W6" charset="-128"/>
+                <a:ea typeface="ヒラギノ角ゴ Pro W6" charset="-128"/>
+              </a:rPr>
+              <a:t/>
+            </a:r>
+            <a:br>
+              <a:rPr lang="en-US" altLang="ja-JP" dirty="0">
+                <a:latin typeface="ヒラギノ角ゴ Pro W6" charset="-128"/>
+                <a:ea typeface="ヒラギノ角ゴ Pro W6" charset="-128"/>
+              </a:rPr>
+            </a:br>
+            <a:r>
+              <a:rPr kumimoji="1" lang="ja-JP" altLang="en-US" sz="3100" dirty="0" smtClean="0">
+                <a:latin typeface="ヒラギノ角ゴ Pro W6" charset="-128"/>
+                <a:ea typeface="ヒラギノ角ゴ Pro W6" charset="-128"/>
+              </a:rPr>
+              <a:t>確率的なモデルの事前学習と自己符号化器の学習の関係</a:t>
+            </a:r>
+            <a:endParaRPr kumimoji="1" lang="ja-JP" altLang="en-US" sz="3100" dirty="0">
+              <a:latin typeface="ヒラギノ角ゴ Pro W6" charset="-128"/>
+              <a:ea typeface="ヒラギノ角ゴ Pro W6" charset="-128"/>
+            </a:endParaRPr>
+          </a:p>
+        </p:txBody>
+      </p:sp>
+      <p:sp>
+        <p:nvSpPr>
+          <p:cNvPr id="3" name="コンテンツ プレースホルダー 2"/>
+          <p:cNvSpPr>
+            <a:spLocks noGrp="1"/>
+          </p:cNvSpPr>
+          <p:nvPr>
+            <p:ph idx="1"/>
+          </p:nvPr>
+        </p:nvSpPr>
+        <p:spPr/>
+        <p:txBody>
+          <a:bodyPr/>
+          <a:lstStyle/>
+          <a:p>
+            <a:endParaRPr kumimoji="1" lang="ja-JP" altLang="en-US" dirty="0"/>
+          </a:p>
+        </p:txBody>
+      </p:sp>
+    </p:spTree>
+    <p:extLst>
+      <p:ext uri="{BB962C8B-B14F-4D97-AF65-F5344CB8AC3E}">
+        <p14:creationId xmlns:p14="http://schemas.microsoft.com/office/powerpoint/2010/main" val="648899709"/>
+      </p:ext>
+    </p:extLst>
+  </p:cSld>
+  <p:clrMapOvr>
+    <a:masterClrMapping/>
+  </p:clrMapOvr>
+</p:sld>
+</file>
+
+<file path=ppt/slides/slide12.xml><?xml version="1.0" encoding="utf-8"?>
+<p:sld xmlns:a="http://schemas.openxmlformats.org/drawingml/2006/main" xmlns:r="http://schemas.openxmlformats.org/officeDocument/2006/relationships" xmlns:p="http://schemas.openxmlformats.org/presentationml/2006/main">
+  <p:cSld>
+    <p:spTree>
+      <p:nvGrpSpPr>
+        <p:cNvPr id="1" name=""/>
+        <p:cNvGrpSpPr/>
+        <p:nvPr/>
+      </p:nvGrpSpPr>
+      <p:grpSpPr>
+        <a:xfrm>
+          <a:off x="0" y="0"/>
+          <a:ext cx="0" cy="0"/>
+          <a:chOff x="0" y="0"/>
+          <a:chExt cx="0" cy="0"/>
+        </a:xfrm>
+      </p:grpSpPr>
+      <p:sp>
+        <p:nvSpPr>
+          <p:cNvPr id="2" name="タイトル 1"/>
+          <p:cNvSpPr>
+            <a:spLocks noGrp="1"/>
+          </p:cNvSpPr>
+          <p:nvPr>
+            <p:ph type="title"/>
+          </p:nvPr>
+        </p:nvSpPr>
+        <p:spPr/>
+        <p:txBody>
+          <a:bodyPr/>
+          <a:lstStyle/>
+          <a:p>
+            <a:r>
+              <a:rPr kumimoji="1" lang="en-US" altLang="ja-JP" dirty="0" smtClean="0">
+                <a:latin typeface="Hiragino Kaku Gothic ProN W6" charset="-128"/>
+                <a:ea typeface="Hiragino Kaku Gothic ProN W6" charset="-128"/>
+                <a:cs typeface="Hiragino Kaku Gothic ProN W6" charset="-128"/>
+              </a:rPr>
+              <a:t>3.5</a:t>
+            </a:r>
+            <a:r>
+              <a:rPr kumimoji="1" lang="ja-JP" altLang="en-US" dirty="0" smtClean="0">
+                <a:latin typeface="Hiragino Kaku Gothic ProN W6" charset="-128"/>
+                <a:ea typeface="Hiragino Kaku Gothic ProN W6" charset="-128"/>
+                <a:cs typeface="Hiragino Kaku Gothic ProN W6" charset="-128"/>
+              </a:rPr>
+              <a:t>　確定的なモデルを用いた事前学習</a:t>
+            </a:r>
+            <a:endParaRPr kumimoji="1" lang="ja-JP" altLang="en-US" dirty="0">
+              <a:latin typeface="Hiragino Kaku Gothic ProN W6" charset="-128"/>
+              <a:ea typeface="Hiragino Kaku Gothic ProN W6" charset="-128"/>
+              <a:cs typeface="Hiragino Kaku Gothic ProN W6" charset="-128"/>
+            </a:endParaRPr>
+          </a:p>
+        </p:txBody>
+      </p:sp>
+      <p:sp>
+        <p:nvSpPr>
+          <p:cNvPr id="3" name="コンテンツ プレースホルダー 2"/>
+          <p:cNvSpPr>
+            <a:spLocks noGrp="1"/>
+          </p:cNvSpPr>
+          <p:nvPr>
+            <p:ph idx="1"/>
+          </p:nvPr>
+        </p:nvSpPr>
+        <p:spPr/>
+        <p:txBody>
+          <a:bodyPr/>
+          <a:lstStyle/>
+          <a:p>
+            <a:r>
+              <a:rPr kumimoji="1" lang="ja-JP" altLang="en-US" dirty="0" smtClean="0">
+                <a:latin typeface="Hiragino Kaku Gothic ProN W6" charset="-128"/>
+                <a:ea typeface="Hiragino Kaku Gothic ProN W6" charset="-128"/>
+                <a:cs typeface="Hiragino Kaku Gothic ProN W6" charset="-128"/>
+              </a:rPr>
+              <a:t>事前学習は後の深層</a:t>
+            </a:r>
+            <a:r>
+              <a:rPr kumimoji="1" lang="en-US" altLang="ja-JP" dirty="0" smtClean="0">
+                <a:latin typeface="Hiragino Kaku Gothic ProN W6" charset="-128"/>
+                <a:ea typeface="Hiragino Kaku Gothic ProN W6" charset="-128"/>
+                <a:cs typeface="Hiragino Kaku Gothic ProN W6" charset="-128"/>
+              </a:rPr>
+              <a:t>NN</a:t>
+            </a:r>
+            <a:r>
+              <a:rPr kumimoji="1" lang="ja-JP" altLang="en-US" dirty="0" smtClean="0">
+                <a:latin typeface="Hiragino Kaku Gothic ProN W6" charset="-128"/>
+                <a:ea typeface="Hiragino Kaku Gothic ProN W6" charset="-128"/>
+                <a:cs typeface="Hiragino Kaku Gothic ProN W6" charset="-128"/>
+              </a:rPr>
+              <a:t>の過学習を防ぐ</a:t>
+            </a:r>
+            <a:endParaRPr kumimoji="1" lang="en-US" altLang="ja-JP" dirty="0" smtClean="0">
+              <a:latin typeface="Hiragino Kaku Gothic ProN W6" charset="-128"/>
+              <a:ea typeface="Hiragino Kaku Gothic ProN W6" charset="-128"/>
+              <a:cs typeface="Hiragino Kaku Gothic ProN W6" charset="-128"/>
+            </a:endParaRPr>
+          </a:p>
+          <a:p>
+            <a:r>
+              <a:rPr lang="ja-JP" altLang="en-US" dirty="0" smtClean="0">
+                <a:latin typeface="Hiragino Kaku Gothic ProN W6" charset="-128"/>
+                <a:ea typeface="Hiragino Kaku Gothic ProN W6" charset="-128"/>
+                <a:cs typeface="Hiragino Kaku Gothic ProN W6" charset="-128"/>
+              </a:rPr>
+              <a:t>確率的なモデルは，確定的な教師あり学習の損失関数とは間接的</a:t>
+            </a:r>
+            <a:endParaRPr lang="en-US" altLang="ja-JP" dirty="0" smtClean="0">
+              <a:latin typeface="Hiragino Kaku Gothic ProN W6" charset="-128"/>
+              <a:ea typeface="Hiragino Kaku Gothic ProN W6" charset="-128"/>
+              <a:cs typeface="Hiragino Kaku Gothic ProN W6" charset="-128"/>
+            </a:endParaRPr>
+          </a:p>
+          <a:p>
+            <a:r>
+              <a:rPr kumimoji="1" lang="ja-JP" altLang="en-US" dirty="0" smtClean="0">
+                <a:latin typeface="Hiragino Kaku Gothic ProN W6" charset="-128"/>
+                <a:ea typeface="Hiragino Kaku Gothic ProN W6" charset="-128"/>
+                <a:cs typeface="Hiragino Kaku Gothic ProN W6" charset="-128"/>
+              </a:rPr>
+              <a:t>確率的なモデルは直接的</a:t>
+            </a:r>
+            <a:endParaRPr kumimoji="1" lang="en-US" altLang="ja-JP" dirty="0" smtClean="0">
+              <a:latin typeface="Hiragino Kaku Gothic ProN W6" charset="-128"/>
+              <a:ea typeface="Hiragino Kaku Gothic ProN W6" charset="-128"/>
+              <a:cs typeface="Hiragino Kaku Gothic ProN W6" charset="-128"/>
+            </a:endParaRPr>
+          </a:p>
+          <a:p>
+            <a:pPr lvl="1" algn="just"/>
+            <a:r>
+              <a:rPr lang="en-US" altLang="ja-JP" dirty="0" smtClean="0">
+                <a:latin typeface="Hiragino Kaku Gothic ProN W6" charset="-128"/>
+                <a:ea typeface="Hiragino Kaku Gothic ProN W6" charset="-128"/>
+                <a:cs typeface="Hiragino Kaku Gothic ProN W6" charset="-128"/>
+              </a:rPr>
+              <a:t>3.5.1</a:t>
+            </a:r>
+            <a:r>
+              <a:rPr lang="ja-JP" altLang="en-US" dirty="0" smtClean="0">
+                <a:latin typeface="Hiragino Kaku Gothic ProN W6" charset="-128"/>
+                <a:ea typeface="Hiragino Kaku Gothic ProN W6" charset="-128"/>
+                <a:cs typeface="Hiragino Kaku Gothic ProN W6" charset="-128"/>
+              </a:rPr>
+              <a:t>　教師なし学習</a:t>
+            </a:r>
+            <a:endParaRPr lang="en-US" altLang="ja-JP" dirty="0" smtClean="0">
+              <a:latin typeface="Hiragino Kaku Gothic ProN W6" charset="-128"/>
+              <a:ea typeface="Hiragino Kaku Gothic ProN W6" charset="-128"/>
+              <a:cs typeface="Hiragino Kaku Gothic ProN W6" charset="-128"/>
+            </a:endParaRPr>
+          </a:p>
+          <a:p>
+            <a:pPr lvl="1"/>
+            <a:r>
+              <a:rPr kumimoji="1" lang="en-US" altLang="ja-JP" dirty="0" smtClean="0">
+                <a:latin typeface="Hiragino Kaku Gothic ProN W6" charset="-128"/>
+                <a:ea typeface="Hiragino Kaku Gothic ProN W6" charset="-128"/>
+                <a:cs typeface="Hiragino Kaku Gothic ProN W6" charset="-128"/>
+              </a:rPr>
+              <a:t>3.5.2</a:t>
+            </a:r>
+            <a:r>
+              <a:rPr kumimoji="1" lang="ja-JP" altLang="en-US" dirty="0" smtClean="0">
+                <a:latin typeface="Hiragino Kaku Gothic ProN W6" charset="-128"/>
+                <a:ea typeface="Hiragino Kaku Gothic ProN W6" charset="-128"/>
+                <a:cs typeface="Hiragino Kaku Gothic ProN W6" charset="-128"/>
+              </a:rPr>
+              <a:t>　教師あり学習</a:t>
+            </a:r>
+            <a:endParaRPr kumimoji="1" lang="ja-JP" altLang="en-US" dirty="0">
+              <a:latin typeface="Hiragino Kaku Gothic ProN W6" charset="-128"/>
+              <a:ea typeface="Hiragino Kaku Gothic ProN W6" charset="-128"/>
+              <a:cs typeface="Hiragino Kaku Gothic ProN W6" charset="-128"/>
+            </a:endParaRPr>
+          </a:p>
+        </p:txBody>
+      </p:sp>
+    </p:spTree>
+    <p:extLst>
+      <p:ext uri="{BB962C8B-B14F-4D97-AF65-F5344CB8AC3E}">
+        <p14:creationId xmlns:p14="http://schemas.microsoft.com/office/powerpoint/2010/main" val="353630883"/>
+      </p:ext>
+    </p:extLst>
+  </p:cSld>
+  <p:clrMapOvr>
+    <a:masterClrMapping/>
+  </p:clrMapOvr>
+</p:sld>
+</file>
+
+<file path=ppt/slides/slide13.xml><?xml version="1.0" encoding="utf-8"?>
+<p:sld xmlns:a="http://schemas.openxmlformats.org/drawingml/2006/main" xmlns:r="http://schemas.openxmlformats.org/officeDocument/2006/relationships" xmlns:p="http://schemas.openxmlformats.org/presentationml/2006/main">
+  <p:cSld>
+    <p:spTree>
+      <p:nvGrpSpPr>
+        <p:cNvPr id="1" name=""/>
+        <p:cNvGrpSpPr/>
+        <p:nvPr/>
+      </p:nvGrpSpPr>
+      <p:grpSpPr>
+        <a:xfrm>
+          <a:off x="0" y="0"/>
+          <a:ext cx="0" cy="0"/>
+          <a:chOff x="0" y="0"/>
+          <a:chExt cx="0" cy="0"/>
+        </a:xfrm>
+      </p:grpSpPr>
+      <p:sp>
+        <p:nvSpPr>
+          <p:cNvPr id="2" name="タイトル 1"/>
+          <p:cNvSpPr>
+            <a:spLocks noGrp="1"/>
+          </p:cNvSpPr>
+          <p:nvPr>
+            <p:ph type="title"/>
+          </p:nvPr>
+        </p:nvSpPr>
+        <p:spPr/>
+        <p:txBody>
+          <a:bodyPr/>
+          <a:lstStyle/>
+          <a:p>
+            <a:r>
+              <a:rPr lang="en-US" altLang="ja-JP" dirty="0" smtClean="0">
+                <a:latin typeface="Hiragino Kaku Gothic ProN W6" charset="-128"/>
+                <a:ea typeface="Hiragino Kaku Gothic ProN W6" charset="-128"/>
+                <a:cs typeface="Hiragino Kaku Gothic ProN W6" charset="-128"/>
+              </a:rPr>
+              <a:t>3.5.1</a:t>
+            </a:r>
+            <a:r>
+              <a:rPr lang="en-US" altLang="ja-JP" dirty="0">
+                <a:latin typeface="Hiragino Kaku Gothic ProN W6" charset="-128"/>
+                <a:ea typeface="Hiragino Kaku Gothic ProN W6" charset="-128"/>
+                <a:cs typeface="Hiragino Kaku Gothic ProN W6" charset="-128"/>
+              </a:rPr>
+              <a:t/>
+            </a:r>
+            <a:br>
+              <a:rPr lang="en-US" altLang="ja-JP" dirty="0">
+                <a:latin typeface="Hiragino Kaku Gothic ProN W6" charset="-128"/>
+                <a:ea typeface="Hiragino Kaku Gothic ProN W6" charset="-128"/>
+                <a:cs typeface="Hiragino Kaku Gothic ProN W6" charset="-128"/>
+              </a:rPr>
+            </a:br>
+            <a:r>
+              <a:rPr lang="ja-JP" altLang="en-US" dirty="0" smtClean="0">
+                <a:latin typeface="Hiragino Kaku Gothic ProN W6" charset="-128"/>
+                <a:ea typeface="Hiragino Kaku Gothic ProN W6" charset="-128"/>
+                <a:cs typeface="Hiragino Kaku Gothic ProN W6" charset="-128"/>
+              </a:rPr>
+              <a:t>教師なし学習による確定的なモデルの学習</a:t>
+            </a:r>
+            <a:endParaRPr kumimoji="1" lang="ja-JP" altLang="en-US" dirty="0">
+              <a:latin typeface="Hiragino Kaku Gothic ProN W6" charset="-128"/>
+              <a:ea typeface="Hiragino Kaku Gothic ProN W6" charset="-128"/>
+              <a:cs typeface="Hiragino Kaku Gothic ProN W6" charset="-128"/>
+            </a:endParaRPr>
+          </a:p>
+        </p:txBody>
+      </p:sp>
+      <p:sp>
+        <p:nvSpPr>
+          <p:cNvPr id="3" name="コンテンツ プレースホルダー 2"/>
+          <p:cNvSpPr>
+            <a:spLocks noGrp="1"/>
+          </p:cNvSpPr>
+          <p:nvPr>
+            <p:ph idx="1"/>
+          </p:nvPr>
+        </p:nvSpPr>
+        <p:spPr/>
+        <p:txBody>
+          <a:bodyPr/>
+          <a:lstStyle/>
+          <a:p>
+            <a:endParaRPr kumimoji="1" lang="ja-JP" altLang="en-US" dirty="0"/>
+          </a:p>
+        </p:txBody>
+      </p:sp>
+    </p:spTree>
+    <p:extLst>
+      <p:ext uri="{BB962C8B-B14F-4D97-AF65-F5344CB8AC3E}">
+        <p14:creationId xmlns:p14="http://schemas.microsoft.com/office/powerpoint/2010/main" val="2020181858"/>
+      </p:ext>
+    </p:extLst>
+  </p:cSld>
+  <p:clrMapOvr>
+    <a:masterClrMapping/>
+  </p:clrMapOvr>
+</p:sld>
+</file>
+
+<file path=ppt/slides/slide14.xml><?xml version="1.0" encoding="utf-8"?>
+<p:sld xmlns:a="http://schemas.openxmlformats.org/drawingml/2006/main" xmlns:r="http://schemas.openxmlformats.org/officeDocument/2006/relationships" xmlns:p="http://schemas.openxmlformats.org/presentationml/2006/main">
+  <p:cSld>
+    <p:spTree>
+      <p:nvGrpSpPr>
+        <p:cNvPr id="1" name=""/>
+        <p:cNvGrpSpPr/>
+        <p:nvPr/>
+      </p:nvGrpSpPr>
+      <p:grpSpPr>
+        <a:xfrm>
+          <a:off x="0" y="0"/>
+          <a:ext cx="0" cy="0"/>
+          <a:chOff x="0" y="0"/>
+          <a:chExt cx="0" cy="0"/>
+        </a:xfrm>
+      </p:grpSpPr>
+      <p:sp>
+        <p:nvSpPr>
+          <p:cNvPr id="2" name="タイトル 1"/>
+          <p:cNvSpPr>
+            <a:spLocks noGrp="1"/>
+          </p:cNvSpPr>
+          <p:nvPr>
+            <p:ph type="title"/>
+          </p:nvPr>
+        </p:nvSpPr>
+        <p:spPr/>
+        <p:txBody>
+          <a:bodyPr/>
+          <a:lstStyle/>
+          <a:p>
+            <a:r>
+              <a:rPr lang="en-US" altLang="ja-JP" dirty="0" smtClean="0">
+                <a:latin typeface="Hiragino Kaku Gothic ProN W6" charset="-128"/>
+                <a:ea typeface="Hiragino Kaku Gothic ProN W6" charset="-128"/>
+                <a:cs typeface="Hiragino Kaku Gothic ProN W6" charset="-128"/>
+              </a:rPr>
+              <a:t>3.5.2</a:t>
+            </a:r>
+            <a:r>
+              <a:rPr lang="en-US" altLang="ja-JP" dirty="0">
+                <a:latin typeface="Hiragino Kaku Gothic ProN W6" charset="-128"/>
+                <a:ea typeface="Hiragino Kaku Gothic ProN W6" charset="-128"/>
+                <a:cs typeface="Hiragino Kaku Gothic ProN W6" charset="-128"/>
+              </a:rPr>
+              <a:t/>
+            </a:r>
+            <a:br>
+              <a:rPr lang="en-US" altLang="ja-JP" dirty="0">
+                <a:latin typeface="Hiragino Kaku Gothic ProN W6" charset="-128"/>
+                <a:ea typeface="Hiragino Kaku Gothic ProN W6" charset="-128"/>
+                <a:cs typeface="Hiragino Kaku Gothic ProN W6" charset="-128"/>
+              </a:rPr>
+            </a:br>
+            <a:r>
+              <a:rPr lang="ja-JP" altLang="en-US" dirty="0" smtClean="0">
+                <a:latin typeface="Hiragino Kaku Gothic ProN W6" charset="-128"/>
+                <a:ea typeface="Hiragino Kaku Gothic ProN W6" charset="-128"/>
+                <a:cs typeface="Hiragino Kaku Gothic ProN W6" charset="-128"/>
+              </a:rPr>
+              <a:t>教師あり学習</a:t>
+            </a:r>
+            <a:r>
+              <a:rPr lang="ja-JP" altLang="en-US" dirty="0">
+                <a:latin typeface="Hiragino Kaku Gothic ProN W6" charset="-128"/>
+                <a:ea typeface="Hiragino Kaku Gothic ProN W6" charset="-128"/>
+                <a:cs typeface="Hiragino Kaku Gothic ProN W6" charset="-128"/>
+              </a:rPr>
+              <a:t>による確定的なモデルの学習</a:t>
+            </a:r>
+            <a:endParaRPr kumimoji="1" lang="ja-JP" altLang="en-US" dirty="0"/>
+          </a:p>
+        </p:txBody>
+      </p:sp>
+      <p:sp>
+        <p:nvSpPr>
+          <p:cNvPr id="3" name="コンテンツ プレースホルダー 2"/>
+          <p:cNvSpPr>
+            <a:spLocks noGrp="1"/>
+          </p:cNvSpPr>
+          <p:nvPr>
+            <p:ph idx="1"/>
+          </p:nvPr>
+        </p:nvSpPr>
+        <p:spPr/>
+        <p:txBody>
+          <a:bodyPr/>
+          <a:lstStyle/>
+          <a:p>
+            <a:endParaRPr kumimoji="1" lang="ja-JP" altLang="en-US"/>
+          </a:p>
+        </p:txBody>
+      </p:sp>
+    </p:spTree>
+    <p:extLst>
+      <p:ext uri="{BB962C8B-B14F-4D97-AF65-F5344CB8AC3E}">
+        <p14:creationId xmlns:p14="http://schemas.microsoft.com/office/powerpoint/2010/main" val="933420855"/>
+      </p:ext>
+    </p:extLst>
+  </p:cSld>
+  <p:clrMapOvr>
+    <a:masterClrMapping/>
+  </p:clrMapOvr>
+</p:sld>
+</file>
+
+<file path=ppt/slides/slide15.xml><?xml version="1.0" encoding="utf-8"?>
+<p:sld xmlns:a="http://schemas.openxmlformats.org/drawingml/2006/main" xmlns:r="http://schemas.openxmlformats.org/officeDocument/2006/relationships" xmlns:p="http://schemas.openxmlformats.org/presentationml/2006/main">
+  <p:cSld>
+    <p:spTree>
+      <p:nvGrpSpPr>
+        <p:cNvPr id="1" name=""/>
+        <p:cNvGrpSpPr/>
+        <p:nvPr/>
+      </p:nvGrpSpPr>
+      <p:grpSpPr>
+        <a:xfrm>
+          <a:off x="0" y="0"/>
+          <a:ext cx="0" cy="0"/>
+          <a:chOff x="0" y="0"/>
+          <a:chExt cx="0" cy="0"/>
+        </a:xfrm>
+      </p:grpSpPr>
+      <p:sp>
+        <p:nvSpPr>
+          <p:cNvPr id="2" name="タイトル 1"/>
+          <p:cNvSpPr>
+            <a:spLocks noGrp="1"/>
+          </p:cNvSpPr>
+          <p:nvPr>
+            <p:ph type="title"/>
+          </p:nvPr>
+        </p:nvSpPr>
+        <p:spPr/>
+        <p:txBody>
+          <a:bodyPr/>
+          <a:lstStyle/>
+          <a:p>
+            <a:r>
+              <a:rPr kumimoji="1" lang="en-US" altLang="ja-JP" dirty="0" smtClean="0">
+                <a:latin typeface="Hiragino Kaku Gothic ProN W6" charset="-128"/>
+                <a:ea typeface="Hiragino Kaku Gothic ProN W6" charset="-128"/>
+                <a:cs typeface="Hiragino Kaku Gothic ProN W6" charset="-128"/>
+              </a:rPr>
+              <a:t>3.6</a:t>
+            </a:r>
+            <a:r>
+              <a:rPr kumimoji="1" lang="ja-JP" altLang="en-US" dirty="0" smtClean="0">
+                <a:latin typeface="Hiragino Kaku Gothic ProN W6" charset="-128"/>
+                <a:ea typeface="Hiragino Kaku Gothic ProN W6" charset="-128"/>
+                <a:cs typeface="Hiragino Kaku Gothic ProN W6" charset="-128"/>
+              </a:rPr>
+              <a:t>　</a:t>
+            </a:r>
+            <a:r>
+              <a:rPr lang="en-US" altLang="ja-JP" dirty="0" err="1" smtClean="0">
+                <a:latin typeface="Hiragino Kaku Gothic ProN W6" charset="-128"/>
+                <a:ea typeface="Hiragino Kaku Gothic ProN W6" charset="-128"/>
+                <a:cs typeface="Hiragino Kaku Gothic ProN W6" charset="-128"/>
+              </a:rPr>
+              <a:t>PoE</a:t>
+            </a:r>
+            <a:r>
+              <a:rPr lang="ja-JP" altLang="en-US" dirty="0" smtClean="0">
+                <a:latin typeface="Hiragino Kaku Gothic ProN W6" charset="-128"/>
+                <a:ea typeface="Hiragino Kaku Gothic ProN W6" charset="-128"/>
+                <a:cs typeface="Hiragino Kaku Gothic ProN W6" charset="-128"/>
+              </a:rPr>
+              <a:t>の学習法としての</a:t>
+            </a:r>
+            <a:r>
+              <a:rPr lang="en-US" altLang="ja-JP" dirty="0" smtClean="0">
+                <a:latin typeface="Hiragino Kaku Gothic ProN W6" charset="-128"/>
+                <a:ea typeface="Hiragino Kaku Gothic ProN W6" charset="-128"/>
+                <a:cs typeface="Hiragino Kaku Gothic ProN W6" charset="-128"/>
+              </a:rPr>
+              <a:t>CD</a:t>
+            </a:r>
+            <a:r>
+              <a:rPr lang="ja-JP" altLang="en-US" dirty="0" smtClean="0">
+                <a:latin typeface="Hiragino Kaku Gothic ProN W6" charset="-128"/>
+                <a:ea typeface="Hiragino Kaku Gothic ProN W6" charset="-128"/>
+                <a:cs typeface="Hiragino Kaku Gothic ProN W6" charset="-128"/>
+              </a:rPr>
+              <a:t>法</a:t>
+            </a:r>
+            <a:endParaRPr kumimoji="1" lang="ja-JP" altLang="en-US" dirty="0">
+              <a:latin typeface="Hiragino Kaku Gothic ProN W6" charset="-128"/>
+              <a:ea typeface="Hiragino Kaku Gothic ProN W6" charset="-128"/>
+              <a:cs typeface="Hiragino Kaku Gothic ProN W6" charset="-128"/>
+            </a:endParaRPr>
+          </a:p>
+        </p:txBody>
+      </p:sp>
+      <p:sp>
+        <p:nvSpPr>
+          <p:cNvPr id="3" name="コンテンツ プレースホルダー 2"/>
+          <p:cNvSpPr>
+            <a:spLocks noGrp="1"/>
+          </p:cNvSpPr>
+          <p:nvPr>
+            <p:ph idx="1"/>
+          </p:nvPr>
+        </p:nvSpPr>
+        <p:spPr/>
+        <p:txBody>
+          <a:bodyPr/>
+          <a:lstStyle/>
+          <a:p>
+            <a:endParaRPr kumimoji="1" lang="ja-JP" altLang="en-US"/>
+          </a:p>
+        </p:txBody>
+      </p:sp>
+    </p:spTree>
+    <p:extLst>
+      <p:ext uri="{BB962C8B-B14F-4D97-AF65-F5344CB8AC3E}">
+        <p14:creationId xmlns:p14="http://schemas.microsoft.com/office/powerpoint/2010/main" val="1316789755"/>
+      </p:ext>
+    </p:extLst>
+  </p:cSld>
+  <p:clrMapOvr>
+    <a:masterClrMapping/>
+  </p:clrMapOvr>
+</p:sld>
+</file>
+
 <file path=ppt/slides/slide2.xml><?xml version="1.0" encoding="utf-8"?>
 <p:sld xmlns:a="http://schemas.openxmlformats.org/drawingml/2006/main" xmlns:r="http://schemas.openxmlformats.org/officeDocument/2006/relationships" xmlns:p="http://schemas.openxmlformats.org/presentationml/2006/main">
   <p:cSld>
@@ -8507,6 +9243,9 @@
           <a:bodyPr/>
           <a:lstStyle/>
           <a:p>
+            <a:pPr marL="0" indent="0">
+              <a:buNone/>
+            </a:pPr>
             <a:r>
               <a:rPr kumimoji="1" lang="ja-JP" altLang="en-US" dirty="0" smtClean="0">
                 <a:latin typeface="Hiragino Kaku Gothic ProN W6" charset="-128"/>
@@ -8584,7 +9323,7 @@
         </p:blipFill>
         <p:spPr>
           <a:xfrm>
-            <a:off x="937332" y="3046407"/>
+            <a:off x="680321" y="3014876"/>
             <a:ext cx="10058400" cy="3223958"/>
           </a:xfrm>
           <a:prstGeom prst="rect">
@@ -8819,44 +9558,6 @@
           </a:p>
         </p:txBody>
       </p:sp>
-      <p:sp>
-        <p:nvSpPr>
-          <p:cNvPr id="13" name="テキスト ボックス 12"/>
-          <p:cNvSpPr txBox="1"/>
-          <p:nvPr/>
-        </p:nvSpPr>
-        <p:spPr>
-          <a:xfrm>
-            <a:off x="8561391" y="4603276"/>
-            <a:ext cx="2133600" cy="461665"/>
-          </a:xfrm>
-          <a:prstGeom prst="rect">
-            <a:avLst/>
-          </a:prstGeom>
-          <a:noFill/>
-        </p:spPr>
-        <p:txBody>
-          <a:bodyPr wrap="square" rtlCol="0">
-            <a:spAutoFit/>
-          </a:bodyPr>
-          <a:lstStyle/>
-          <a:p>
-            <a:r>
-              <a:rPr kumimoji="1" lang="ja-JP" altLang="en-US" sz="2400" smtClean="0">
-                <a:latin typeface="Hiragino Kaku Gothic ProN W6" charset="-128"/>
-                <a:ea typeface="Hiragino Kaku Gothic ProN W6" charset="-128"/>
-                <a:cs typeface="Hiragino Kaku Gothic ProN W6" charset="-128"/>
-              </a:rPr>
-              <a:t>規格化定数</a:t>
-            </a:r>
-            <a:endParaRPr kumimoji="1" lang="ja-JP" altLang="en-US" sz="2400" dirty="0">
-              <a:latin typeface="Hiragino Kaku Gothic ProN W6" charset="-128"/>
-              <a:ea typeface="Hiragino Kaku Gothic ProN W6" charset="-128"/>
-              <a:cs typeface="Hiragino Kaku Gothic ProN W6" charset="-128"/>
-            </a:endParaRPr>
-          </a:p>
-        </p:txBody>
-      </p:sp>
     </p:spTree>
     <p:extLst>
       <p:ext uri="{BB962C8B-B14F-4D97-AF65-F5344CB8AC3E}">
@@ -9201,6 +9902,14 @@
               </a:rPr>
               <a:t>　指数型ハーモニウム族</a:t>
             </a:r>
+            <a:r>
+              <a:rPr kumimoji="1" lang="en-US" altLang="ja-JP" dirty="0" smtClean="0">
+                <a:latin typeface="Hiragino Kaku Gothic ProN W6" charset="-128"/>
+                <a:ea typeface="Hiragino Kaku Gothic ProN W6" charset="-128"/>
+                <a:cs typeface="Hiragino Kaku Gothic ProN W6" charset="-128"/>
+              </a:rPr>
+              <a:t>(EFH)</a:t>
+            </a:r>
             <a:endParaRPr kumimoji="1" lang="ja-JP" altLang="en-US" dirty="0">
               <a:latin typeface="Hiragino Kaku Gothic ProN W6" charset="-128"/>
               <a:ea typeface="Hiragino Kaku Gothic ProN W6" charset="-128"/>
@@ -9209,22 +9918,109 @@
           </a:p>
         </p:txBody>
       </p:sp>
-      <p:sp>
-        <p:nvSpPr>
-          <p:cNvPr id="3" name="コンテンツ プレースホルダー 2"/>
-          <p:cNvSpPr>
-            <a:spLocks noGrp="1"/>
-          </p:cNvSpPr>
+      <p:pic>
+        <p:nvPicPr>
+          <p:cNvPr id="4" name="コンテンツ プレースホルダー 3"/>
+          <p:cNvPicPr>
+            <a:picLocks noGrp="1" noChangeAspect="1"/>
+          </p:cNvPicPr>
           <p:nvPr>
             <p:ph idx="1"/>
           </p:nvPr>
-        </p:nvSpPr>
-        <p:spPr/>
-        <p:txBody>
-          <a:bodyPr/>
+        </p:nvPicPr>
+        <p:blipFill>
+          <a:blip r:embed="rId2">
+            <a:extLst>
+              <a:ext uri="{28A0092B-C50C-407E-A947-70E740481C1C}">
+                <a14:useLocalDpi xmlns:a14="http://schemas.microsoft.com/office/drawing/2010/main" val="0"/>
+              </a:ext>
+            </a:extLst>
+          </a:blip>
+          <a:stretch>
+            <a:fillRect/>
+          </a:stretch>
+        </p:blipFill>
+        <p:spPr>
+          <a:xfrm>
+            <a:off x="680282" y="3266904"/>
+            <a:ext cx="9613900" cy="3001779"/>
+          </a:xfrm>
+        </p:spPr>
+      </p:pic>
+      <p:sp>
+        <p:nvSpPr>
+          <p:cNvPr id="6" name="テキスト ボックス 5"/>
+          <p:cNvSpPr txBox="1"/>
+          <p:nvPr/>
+        </p:nvSpPr>
+        <p:spPr>
+          <a:xfrm>
+            <a:off x="680282" y="2225109"/>
+            <a:ext cx="7928774" cy="830997"/>
+          </a:xfrm>
+          <a:prstGeom prst="rect">
+            <a:avLst/>
+          </a:prstGeom>
+          <a:noFill/>
+        </p:spPr>
+        <p:txBody>
+          <a:bodyPr wrap="none" rtlCol="0">
+            <a:spAutoFit/>
+          </a:bodyPr>
           <a:lstStyle/>
           <a:p>
-            <a:endParaRPr kumimoji="1" lang="ja-JP" altLang="en-US" dirty="0"/>
+            <a:r>
+              <a:rPr kumimoji="1" lang="en-US" altLang="ja-JP" sz="2400" dirty="0" smtClean="0">
+                <a:latin typeface="Hiragino Kaku Gothic ProN W6" charset="-128"/>
+                <a:ea typeface="Hiragino Kaku Gothic ProN W6" charset="-128"/>
+                <a:cs typeface="Hiragino Kaku Gothic ProN W6" charset="-128"/>
+              </a:rPr>
+              <a:t>RBM</a:t>
+            </a:r>
+            <a:r>
+              <a:rPr kumimoji="1" lang="ja-JP" altLang="en-US" sz="2400" dirty="0" smtClean="0">
+                <a:latin typeface="Hiragino Kaku Gothic ProN W6" charset="-128"/>
+                <a:ea typeface="Hiragino Kaku Gothic ProN W6" charset="-128"/>
+                <a:cs typeface="Hiragino Kaku Gothic ProN W6" charset="-128"/>
+              </a:rPr>
+              <a:t>は条件付き分布が独立</a:t>
+            </a:r>
+            <a:endParaRPr kumimoji="1" lang="en-US" altLang="ja-JP" sz="2400" dirty="0" smtClean="0">
+              <a:latin typeface="Hiragino Kaku Gothic ProN W6" charset="-128"/>
+              <a:ea typeface="Hiragino Kaku Gothic ProN W6" charset="-128"/>
+              <a:cs typeface="Hiragino Kaku Gothic ProN W6" charset="-128"/>
+            </a:endParaRPr>
+          </a:p>
+          <a:p>
+            <a:r>
+              <a:rPr kumimoji="1" lang="ja-JP" altLang="en-US" sz="2400" dirty="0" smtClean="0">
+                <a:latin typeface="Hiragino Kaku Gothic ProN W6" charset="-128"/>
+                <a:ea typeface="Hiragino Kaku Gothic ProN W6" charset="-128"/>
+                <a:cs typeface="Hiragino Kaku Gothic ProN W6" charset="-128"/>
+              </a:rPr>
+              <a:t>条件付き分布が独立になる分布を</a:t>
+            </a:r>
+            <a:r>
+              <a:rPr kumimoji="1" lang="en-US" altLang="ja-JP" sz="2400" dirty="0" smtClean="0">
+                <a:latin typeface="Hiragino Kaku Gothic ProN W6" charset="-128"/>
+                <a:ea typeface="Hiragino Kaku Gothic ProN W6" charset="-128"/>
+                <a:cs typeface="Hiragino Kaku Gothic ProN W6" charset="-128"/>
+              </a:rPr>
+              <a:t>EFH</a:t>
+            </a:r>
+            <a:r>
+              <a:rPr kumimoji="1" lang="ja-JP" altLang="en-US" sz="2400" smtClean="0">
+                <a:latin typeface="Hiragino Kaku Gothic ProN W6" charset="-128"/>
+                <a:ea typeface="Hiragino Kaku Gothic ProN W6" charset="-128"/>
+                <a:cs typeface="Hiragino Kaku Gothic ProN W6" charset="-128"/>
+              </a:rPr>
+              <a:t>といい以下で表す</a:t>
+            </a:r>
+            <a:endParaRPr kumimoji="1" lang="ja-JP" altLang="en-US" sz="2400" dirty="0">
+              <a:latin typeface="Hiragino Kaku Gothic ProN W6" charset="-128"/>
+              <a:ea typeface="Hiragino Kaku Gothic ProN W6" charset="-128"/>
+              <a:cs typeface="Hiragino Kaku Gothic ProN W6" charset="-128"/>
+            </a:endParaRPr>
           </a:p>
         </p:txBody>
       </p:sp>
@@ -9351,6 +10147,221 @@
     <p:extLst>
       <p:ext uri="{BB962C8B-B14F-4D97-AF65-F5344CB8AC3E}">
         <p14:creationId xmlns:p14="http://schemas.microsoft.com/office/powerpoint/2010/main" val="1401643387"/>
+      </p:ext>
+    </p:extLst>
+  </p:cSld>
+  <p:clrMapOvr>
+    <a:masterClrMapping/>
+  </p:clrMapOvr>
+</p:sld>
+</file>
+
+<file path=ppt/slides/slide8.xml><?xml version="1.0" encoding="utf-8"?>
+<p:sld xmlns:a="http://schemas.openxmlformats.org/drawingml/2006/main" xmlns:r="http://schemas.openxmlformats.org/officeDocument/2006/relationships" xmlns:p="http://schemas.openxmlformats.org/presentationml/2006/main">
+  <p:cSld>
+    <p:spTree>
+      <p:nvGrpSpPr>
+        <p:cNvPr id="1" name=""/>
+        <p:cNvGrpSpPr/>
+        <p:nvPr/>
+      </p:nvGrpSpPr>
+      <p:grpSpPr>
+        <a:xfrm>
+          <a:off x="0" y="0"/>
+          <a:ext cx="0" cy="0"/>
+          <a:chOff x="0" y="0"/>
+          <a:chExt cx="0" cy="0"/>
+        </a:xfrm>
+      </p:grpSpPr>
+      <p:sp>
+        <p:nvSpPr>
+          <p:cNvPr id="2" name="タイトル 1"/>
+          <p:cNvSpPr>
+            <a:spLocks noGrp="1"/>
+          </p:cNvSpPr>
+          <p:nvPr>
+            <p:ph type="title"/>
+          </p:nvPr>
+        </p:nvSpPr>
+        <p:spPr/>
+        <p:txBody>
+          <a:bodyPr/>
+          <a:lstStyle/>
+          <a:p>
+            <a:r>
+              <a:rPr kumimoji="1" lang="en-US" altLang="ja-JP" dirty="0" smtClean="0">
+                <a:latin typeface="Hiragino Kaku Gothic ProN W6" charset="-128"/>
+                <a:ea typeface="Hiragino Kaku Gothic ProN W6" charset="-128"/>
+                <a:cs typeface="Hiragino Kaku Gothic ProN W6" charset="-128"/>
+              </a:rPr>
+              <a:t>3.4.4</a:t>
+            </a:r>
+            <a:r>
+              <a:rPr kumimoji="1" lang="ja-JP" altLang="en-US" dirty="0" smtClean="0">
+                <a:latin typeface="Hiragino Kaku Gothic ProN W6" charset="-128"/>
+                <a:ea typeface="Hiragino Kaku Gothic ProN W6" charset="-128"/>
+                <a:cs typeface="Hiragino Kaku Gothic ProN W6" charset="-128"/>
+              </a:rPr>
+              <a:t>　</a:t>
+            </a:r>
+            <a:r>
+              <a:rPr kumimoji="1" lang="en-US" altLang="ja-JP" dirty="0" smtClean="0">
+                <a:latin typeface="Hiragino Kaku Gothic ProN W6" charset="-128"/>
+                <a:ea typeface="Hiragino Kaku Gothic ProN W6" charset="-128"/>
+                <a:cs typeface="Hiragino Kaku Gothic ProN W6" charset="-128"/>
+              </a:rPr>
+              <a:t>CD</a:t>
+            </a:r>
+            <a:r>
+              <a:rPr kumimoji="1" lang="ja-JP" altLang="en-US" dirty="0" smtClean="0">
+                <a:latin typeface="Hiragino Kaku Gothic ProN W6" charset="-128"/>
+                <a:ea typeface="Hiragino Kaku Gothic ProN W6" charset="-128"/>
+                <a:cs typeface="Hiragino Kaku Gothic ProN W6" charset="-128"/>
+              </a:rPr>
+              <a:t>法が最適化している損失関数</a:t>
+            </a:r>
+            <a:endParaRPr kumimoji="1" lang="ja-JP" altLang="en-US" dirty="0">
+              <a:latin typeface="Hiragino Kaku Gothic ProN W6" charset="-128"/>
+              <a:ea typeface="Hiragino Kaku Gothic ProN W6" charset="-128"/>
+              <a:cs typeface="Hiragino Kaku Gothic ProN W6" charset="-128"/>
+            </a:endParaRPr>
+          </a:p>
+        </p:txBody>
+      </p:sp>
+      <p:sp>
+        <p:nvSpPr>
+          <p:cNvPr id="3" name="コンテンツ プレースホルダー 2"/>
+          <p:cNvSpPr>
+            <a:spLocks noGrp="1"/>
+          </p:cNvSpPr>
+          <p:nvPr>
+            <p:ph idx="1"/>
+          </p:nvPr>
+        </p:nvSpPr>
+        <p:spPr/>
+        <p:txBody>
+          <a:bodyPr/>
+          <a:lstStyle/>
+          <a:p>
+            <a:endParaRPr kumimoji="1" lang="ja-JP" altLang="en-US"/>
+          </a:p>
+        </p:txBody>
+      </p:sp>
+    </p:spTree>
+    <p:extLst>
+      <p:ext uri="{BB962C8B-B14F-4D97-AF65-F5344CB8AC3E}">
+        <p14:creationId xmlns:p14="http://schemas.microsoft.com/office/powerpoint/2010/main" val="679919611"/>
+      </p:ext>
+    </p:extLst>
+  </p:cSld>
+  <p:clrMapOvr>
+    <a:masterClrMapping/>
+  </p:clrMapOvr>
+</p:sld>
+</file>
+
+<file path=ppt/slides/slide9.xml><?xml version="1.0" encoding="utf-8"?>
+<p:sld xmlns:a="http://schemas.openxmlformats.org/drawingml/2006/main" xmlns:r="http://schemas.openxmlformats.org/officeDocument/2006/relationships" xmlns:p="http://schemas.openxmlformats.org/presentationml/2006/main">
+  <p:cSld>
+    <p:spTree>
+      <p:nvGrpSpPr>
+        <p:cNvPr id="1" name=""/>
+        <p:cNvGrpSpPr/>
+        <p:nvPr/>
+      </p:nvGrpSpPr>
+      <p:grpSpPr>
+        <a:xfrm>
+          <a:off x="0" y="0"/>
+          <a:ext cx="0" cy="0"/>
+          <a:chOff x="0" y="0"/>
+          <a:chExt cx="0" cy="0"/>
+        </a:xfrm>
+      </p:grpSpPr>
+      <p:sp>
+        <p:nvSpPr>
+          <p:cNvPr id="2" name="タイトル 1"/>
+          <p:cNvSpPr>
+            <a:spLocks noGrp="1"/>
+          </p:cNvSpPr>
+          <p:nvPr>
+            <p:ph type="title"/>
+          </p:nvPr>
+        </p:nvSpPr>
+        <p:spPr/>
+        <p:txBody>
+          <a:bodyPr/>
+          <a:lstStyle/>
+          <a:p>
+            <a:r>
+              <a:rPr kumimoji="1" lang="en-US" altLang="ja-JP" dirty="0" smtClean="0">
+                <a:latin typeface="Hiragino Kaku Gothic ProN W6" charset="-128"/>
+                <a:ea typeface="Hiragino Kaku Gothic ProN W6" charset="-128"/>
+                <a:cs typeface="Hiragino Kaku Gothic ProN W6" charset="-128"/>
+              </a:rPr>
+              <a:t>3.4.5</a:t>
+            </a:r>
+            <a:r>
+              <a:rPr lang="en-US" altLang="ja-JP" dirty="0">
+                <a:latin typeface="Hiragino Kaku Gothic ProN W6" charset="-128"/>
+                <a:ea typeface="Hiragino Kaku Gothic ProN W6" charset="-128"/>
+                <a:cs typeface="Hiragino Kaku Gothic ProN W6" charset="-128"/>
+              </a:rPr>
+              <a:t/>
+            </a:r>
+            <a:br>
+              <a:rPr lang="en-US" altLang="ja-JP" dirty="0">
+                <a:latin typeface="Hiragino Kaku Gothic ProN W6" charset="-128"/>
+                <a:ea typeface="Hiragino Kaku Gothic ProN W6" charset="-128"/>
+                <a:cs typeface="Hiragino Kaku Gothic ProN W6" charset="-128"/>
+              </a:rPr>
+            </a:br>
+            <a:r>
+              <a:rPr kumimoji="1" lang="en-US" altLang="ja-JP" dirty="0" smtClean="0">
+                <a:latin typeface="Hiragino Kaku Gothic ProN W6" charset="-128"/>
+                <a:ea typeface="Hiragino Kaku Gothic ProN W6" charset="-128"/>
+                <a:cs typeface="Hiragino Kaku Gothic ProN W6" charset="-128"/>
+              </a:rPr>
+              <a:t>CD</a:t>
+            </a:r>
+            <a:r>
+              <a:rPr kumimoji="1" lang="ja-JP" altLang="en-US" dirty="0" smtClean="0">
+                <a:latin typeface="Hiragino Kaku Gothic ProN W6" charset="-128"/>
+                <a:ea typeface="Hiragino Kaku Gothic ProN W6" charset="-128"/>
+                <a:cs typeface="Hiragino Kaku Gothic ProN W6" charset="-128"/>
+              </a:rPr>
+              <a:t>法と類似した学習則を与えるアルゴリズム</a:t>
+            </a:r>
+            <a:endParaRPr kumimoji="1" lang="ja-JP" altLang="en-US" dirty="0">
+              <a:latin typeface="Hiragino Kaku Gothic ProN W6" charset="-128"/>
+              <a:ea typeface="Hiragino Kaku Gothic ProN W6" charset="-128"/>
+              <a:cs typeface="Hiragino Kaku Gothic ProN W6" charset="-128"/>
+            </a:endParaRPr>
+          </a:p>
+        </p:txBody>
+      </p:sp>
+      <p:sp>
+        <p:nvSpPr>
+          <p:cNvPr id="3" name="コンテンツ プレースホルダー 2"/>
+          <p:cNvSpPr>
+            <a:spLocks noGrp="1"/>
+          </p:cNvSpPr>
+          <p:nvPr>
+            <p:ph idx="1"/>
+          </p:nvPr>
+        </p:nvSpPr>
+        <p:spPr/>
+        <p:txBody>
+          <a:bodyPr/>
+          <a:lstStyle/>
+          <a:p>
+            <a:endParaRPr kumimoji="1" lang="ja-JP" altLang="en-US"/>
+          </a:p>
+        </p:txBody>
+      </p:sp>
+    </p:spTree>
+    <p:extLst>
+      <p:ext uri="{BB962C8B-B14F-4D97-AF65-F5344CB8AC3E}">
+        <p14:creationId xmlns:p14="http://schemas.microsoft.com/office/powerpoint/2010/main" val="355174065"/>
       </p:ext>
     </p:extLst>
   </p:cSld>

--- a/deep_learning3.4.pptx
+++ b/deep_learning3.4.pptx
@@ -9942,7 +9942,7 @@
         </p:blipFill>
         <p:spPr>
           <a:xfrm>
-            <a:off x="680282" y="3266904"/>
+            <a:off x="680282" y="3182822"/>
             <a:ext cx="9613900" cy="3001779"/>
           </a:xfrm>
         </p:spPr>
@@ -9956,7 +9956,7 @@
         <p:spPr>
           <a:xfrm>
             <a:off x="680282" y="2225109"/>
-            <a:ext cx="7928774" cy="830997"/>
+            <a:ext cx="8852103" cy="830997"/>
           </a:xfrm>
           <a:prstGeom prst="rect">
             <a:avLst/>
@@ -9998,7 +9998,7 @@
                 <a:ea typeface="Hiragino Kaku Gothic ProN W6" charset="-128"/>
                 <a:cs typeface="Hiragino Kaku Gothic ProN W6" charset="-128"/>
               </a:rPr>
-              <a:t>条件付き分布が独立になる分布を</a:t>
+              <a:t>条件付き分布が独立になる分布を一般に</a:t>
             </a:r>
             <a:r>
               <a:rPr kumimoji="1" lang="en-US" altLang="ja-JP" sz="2400" dirty="0" smtClean="0">
@@ -10009,7 +10009,7 @@
               <a:t>EFH</a:t>
             </a:r>
             <a:r>
-              <a:rPr kumimoji="1" lang="ja-JP" altLang="en-US" sz="2400" smtClean="0">
+              <a:rPr kumimoji="1" lang="ja-JP" altLang="en-US" sz="2400" dirty="0" smtClean="0">
                 <a:latin typeface="Hiragino Kaku Gothic ProN W6" charset="-128"/>
                 <a:ea typeface="Hiragino Kaku Gothic ProN W6" charset="-128"/>
                 <a:cs typeface="Hiragino Kaku Gothic ProN W6" charset="-128"/>
@@ -10017,6 +10017,50 @@
               <a:t>といい以下で表す</a:t>
             </a:r>
             <a:endParaRPr kumimoji="1" lang="ja-JP" altLang="en-US" sz="2400" dirty="0">
+              <a:latin typeface="Hiragino Kaku Gothic ProN W6" charset="-128"/>
+              <a:ea typeface="Hiragino Kaku Gothic ProN W6" charset="-128"/>
+              <a:cs typeface="Hiragino Kaku Gothic ProN W6" charset="-128"/>
+            </a:endParaRPr>
+          </a:p>
+        </p:txBody>
+      </p:sp>
+      <p:sp>
+        <p:nvSpPr>
+          <p:cNvPr id="7" name="テキスト ボックス 6"/>
+          <p:cNvSpPr txBox="1"/>
+          <p:nvPr/>
+        </p:nvSpPr>
+        <p:spPr>
+          <a:xfrm>
+            <a:off x="680282" y="4683711"/>
+            <a:ext cx="4067503" cy="369332"/>
+          </a:xfrm>
+          <a:prstGeom prst="rect">
+            <a:avLst/>
+          </a:prstGeom>
+          <a:noFill/>
+        </p:spPr>
+        <p:txBody>
+          <a:bodyPr wrap="square" rtlCol="0">
+            <a:spAutoFit/>
+          </a:bodyPr>
+          <a:lstStyle/>
+          <a:p>
+            <a:r>
+              <a:rPr kumimoji="1" lang="ja-JP" altLang="en-US" dirty="0" smtClean="0">
+                <a:solidFill>
+                  <a:srgbClr val="FF0000"/>
+                </a:solidFill>
+                <a:latin typeface="Hiragino Kaku Gothic ProN W6" charset="-128"/>
+                <a:ea typeface="Hiragino Kaku Gothic ProN W6" charset="-128"/>
+                <a:cs typeface="Hiragino Kaku Gothic ProN W6" charset="-128"/>
+              </a:rPr>
+              <a:t>エネルギー関数</a:t>
+            </a:r>
+            <a:endParaRPr kumimoji="1" lang="ja-JP" altLang="en-US" dirty="0">
+              <a:solidFill>
+                <a:srgbClr val="FF0000"/>
+              </a:solidFill>
               <a:latin typeface="Hiragino Kaku Gothic ProN W6" charset="-128"/>
               <a:ea typeface="Hiragino Kaku Gothic ProN W6" charset="-128"/>
               <a:cs typeface="Hiragino Kaku Gothic ProN W6" charset="-128"/>
@@ -10139,10 +10183,188 @@
           <a:bodyPr/>
           <a:lstStyle/>
           <a:p>
-            <a:endParaRPr kumimoji="1" lang="ja-JP" altLang="en-US"/>
-          </a:p>
-        </p:txBody>
-      </p:sp>
+            <a:pPr marL="0" indent="0">
+              <a:buNone/>
+            </a:pPr>
+            <a:r>
+              <a:rPr kumimoji="1" lang="en-US" altLang="ja-JP" dirty="0" smtClean="0">
+                <a:latin typeface="Hiragino Kaku Gothic ProN W6" charset="-128"/>
+                <a:ea typeface="Hiragino Kaku Gothic ProN W6" charset="-128"/>
+                <a:cs typeface="Hiragino Kaku Gothic ProN W6" charset="-128"/>
+              </a:rPr>
+              <a:t>CD</a:t>
+            </a:r>
+            <a:r>
+              <a:rPr kumimoji="1" lang="ja-JP" altLang="en-US" dirty="0" smtClean="0">
+                <a:latin typeface="Hiragino Kaku Gothic ProN W6" charset="-128"/>
+                <a:ea typeface="Hiragino Kaku Gothic ProN W6" charset="-128"/>
+                <a:cs typeface="Hiragino Kaku Gothic ProN W6" charset="-128"/>
+              </a:rPr>
+              <a:t>法（</a:t>
+            </a:r>
+            <a:r>
+              <a:rPr kumimoji="1" lang="en-US" altLang="ja-JP" dirty="0" smtClean="0">
+                <a:latin typeface="Hiragino Kaku Gothic ProN W6" charset="-128"/>
+                <a:ea typeface="Hiragino Kaku Gothic ProN W6" charset="-128"/>
+                <a:cs typeface="Hiragino Kaku Gothic ProN W6" charset="-128"/>
+              </a:rPr>
+              <a:t>Contrastive Divergence</a:t>
+            </a:r>
+            <a:r>
+              <a:rPr kumimoji="1" lang="ja-JP" altLang="en-US" dirty="0" smtClean="0">
+                <a:latin typeface="Hiragino Kaku Gothic ProN W6" charset="-128"/>
+                <a:ea typeface="Hiragino Kaku Gothic ProN W6" charset="-128"/>
+                <a:cs typeface="Hiragino Kaku Gothic ProN W6" charset="-128"/>
+              </a:rPr>
+              <a:t>法）</a:t>
+            </a:r>
+            <a:endParaRPr kumimoji="1" lang="en-US" altLang="ja-JP" dirty="0" smtClean="0">
+              <a:latin typeface="Hiragino Kaku Gothic ProN W6" charset="-128"/>
+              <a:ea typeface="Hiragino Kaku Gothic ProN W6" charset="-128"/>
+              <a:cs typeface="Hiragino Kaku Gothic ProN W6" charset="-128"/>
+            </a:endParaRPr>
+          </a:p>
+          <a:p>
+            <a:r>
+              <a:rPr lang="en-US" altLang="ja-JP" dirty="0" smtClean="0">
+                <a:latin typeface="Hiragino Kaku Gothic ProN W6" charset="-128"/>
+                <a:ea typeface="Hiragino Kaku Gothic ProN W6" charset="-128"/>
+                <a:cs typeface="Hiragino Kaku Gothic ProN W6" charset="-128"/>
+              </a:rPr>
+              <a:t>EFH</a:t>
+            </a:r>
+            <a:r>
+              <a:rPr lang="ja-JP" altLang="en-US" dirty="0" smtClean="0">
+                <a:latin typeface="Hiragino Kaku Gothic ProN W6" charset="-128"/>
+                <a:ea typeface="Hiragino Kaku Gothic ProN W6" charset="-128"/>
+                <a:cs typeface="Hiragino Kaku Gothic ProN W6" charset="-128"/>
+              </a:rPr>
+              <a:t>の</a:t>
+            </a:r>
+            <a:r>
+              <a:rPr lang="en-US" altLang="ja-JP" dirty="0" err="1" smtClean="0">
+                <a:latin typeface="Hiragino Kaku Gothic ProN W6" charset="-128"/>
+                <a:ea typeface="Hiragino Kaku Gothic ProN W6" charset="-128"/>
+                <a:cs typeface="Hiragino Kaku Gothic ProN W6" charset="-128"/>
+              </a:rPr>
+              <a:t>θ</a:t>
+            </a:r>
+            <a:r>
+              <a:rPr lang="ja-JP" altLang="en-US" dirty="0" smtClean="0">
+                <a:latin typeface="Hiragino Kaku Gothic ProN W6" charset="-128"/>
+                <a:ea typeface="Hiragino Kaku Gothic ProN W6" charset="-128"/>
+                <a:cs typeface="Hiragino Kaku Gothic ProN W6" charset="-128"/>
+              </a:rPr>
+              <a:t>に関する勾配計算に</a:t>
+            </a:r>
+            <a:r>
+              <a:rPr lang="en-US" altLang="ja-JP" dirty="0" smtClean="0">
+                <a:latin typeface="Hiragino Kaku Gothic ProN W6" charset="-128"/>
+                <a:ea typeface="Hiragino Kaku Gothic ProN W6" charset="-128"/>
+                <a:cs typeface="Hiragino Kaku Gothic ProN W6" charset="-128"/>
+              </a:rPr>
+              <a:t>EFH</a:t>
+            </a:r>
+            <a:r>
+              <a:rPr lang="ja-JP" altLang="en-US" dirty="0" smtClean="0">
+                <a:latin typeface="Hiragino Kaku Gothic ProN W6" charset="-128"/>
+                <a:ea typeface="Hiragino Kaku Gothic ProN W6" charset="-128"/>
+                <a:cs typeface="Hiragino Kaku Gothic ProN W6" charset="-128"/>
+              </a:rPr>
+              <a:t>のモデル分布の期待値計算が必要→ギプスサンプリングで近似→計算時間が掛かり過ぎる</a:t>
+            </a:r>
+            <a:endParaRPr lang="en-US" altLang="ja-JP" dirty="0" smtClean="0">
+              <a:latin typeface="Hiragino Kaku Gothic ProN W6" charset="-128"/>
+              <a:ea typeface="Hiragino Kaku Gothic ProN W6" charset="-128"/>
+              <a:cs typeface="Hiragino Kaku Gothic ProN W6" charset="-128"/>
+            </a:endParaRPr>
+          </a:p>
+          <a:p>
+            <a:r>
+              <a:rPr kumimoji="1" lang="ja-JP" altLang="en-US" dirty="0" smtClean="0">
+                <a:latin typeface="Hiragino Kaku Gothic ProN W6" charset="-128"/>
+                <a:ea typeface="Hiragino Kaku Gothic ProN W6" charset="-128"/>
+                <a:cs typeface="Hiragino Kaku Gothic ProN W6" charset="-128"/>
+              </a:rPr>
+              <a:t>ギプスサンプリングを</a:t>
+            </a:r>
+            <a:r>
+              <a:rPr lang="en-US" altLang="ja-JP" dirty="0" smtClean="0">
+                <a:latin typeface="Hiragino Kaku Gothic ProN W6" charset="-128"/>
+                <a:ea typeface="Hiragino Kaku Gothic ProN W6" charset="-128"/>
+                <a:cs typeface="Hiragino Kaku Gothic ProN W6" charset="-128"/>
+              </a:rPr>
+              <a:t>k</a:t>
+            </a:r>
+            <a:r>
+              <a:rPr lang="ja-JP" altLang="en-US" dirty="0" smtClean="0">
+                <a:latin typeface="Hiragino Kaku Gothic ProN W6" charset="-128"/>
+                <a:ea typeface="Hiragino Kaku Gothic ProN W6" charset="-128"/>
+                <a:cs typeface="Hiragino Kaku Gothic ProN W6" charset="-128"/>
+              </a:rPr>
+              <a:t>回（よく</a:t>
+            </a:r>
+            <a:r>
+              <a:rPr lang="en-US" altLang="ja-JP" dirty="0" smtClean="0">
+                <a:latin typeface="Hiragino Kaku Gothic ProN W6" charset="-128"/>
+                <a:ea typeface="Hiragino Kaku Gothic ProN W6" charset="-128"/>
+                <a:cs typeface="Hiragino Kaku Gothic ProN W6" charset="-128"/>
+              </a:rPr>
+              <a:t>k=1</a:t>
+            </a:r>
+            <a:r>
+              <a:rPr lang="ja-JP" altLang="en-US" dirty="0" smtClean="0">
+                <a:latin typeface="Hiragino Kaku Gothic ProN W6" charset="-128"/>
+                <a:ea typeface="Hiragino Kaku Gothic ProN W6" charset="-128"/>
+                <a:cs typeface="Hiragino Kaku Gothic ProN W6" charset="-128"/>
+              </a:rPr>
+              <a:t>）だけ行う</a:t>
+            </a:r>
+            <a:endParaRPr lang="en-US" altLang="ja-JP" dirty="0" smtClean="0">
+              <a:latin typeface="Hiragino Kaku Gothic ProN W6" charset="-128"/>
+              <a:ea typeface="Hiragino Kaku Gothic ProN W6" charset="-128"/>
+              <a:cs typeface="Hiragino Kaku Gothic ProN W6" charset="-128"/>
+            </a:endParaRPr>
+          </a:p>
+          <a:p>
+            <a:endParaRPr kumimoji="1" lang="ja-JP" altLang="en-US" dirty="0">
+              <a:latin typeface="Hiragino Kaku Gothic ProN W6" charset="-128"/>
+              <a:ea typeface="Hiragino Kaku Gothic ProN W6" charset="-128"/>
+              <a:cs typeface="Hiragino Kaku Gothic ProN W6" charset="-128"/>
+            </a:endParaRPr>
+          </a:p>
+        </p:txBody>
+      </p:sp>
+      <p:pic>
+        <p:nvPicPr>
+          <p:cNvPr id="4" name="図 3"/>
+          <p:cNvPicPr>
+            <a:picLocks noChangeAspect="1"/>
+          </p:cNvPicPr>
+          <p:nvPr/>
+        </p:nvPicPr>
+        <p:blipFill>
+          <a:blip r:embed="rId2">
+            <a:extLst>
+              <a:ext uri="{28A0092B-C50C-407E-A947-70E740481C1C}">
+                <a14:useLocalDpi xmlns:a14="http://schemas.microsoft.com/office/drawing/2010/main" val="0"/>
+              </a:ext>
+            </a:extLst>
+          </a:blip>
+          <a:stretch>
+            <a:fillRect/>
+          </a:stretch>
+        </p:blipFill>
+        <p:spPr>
+          <a:xfrm>
+            <a:off x="680321" y="4136531"/>
+            <a:ext cx="10058400" cy="1456485"/>
+          </a:xfrm>
+          <a:prstGeom prst="rect">
+            <a:avLst/>
+          </a:prstGeom>
+        </p:spPr>
+      </p:pic>
     </p:spTree>
     <p:extLst>
       <p:ext uri="{BB962C8B-B14F-4D97-AF65-F5344CB8AC3E}">

--- a/deep_learning3.4.pptx
+++ b/deep_learning3.4.pptx
@@ -10465,10 +10465,138 @@
           <a:bodyPr/>
           <a:lstStyle/>
           <a:p>
-            <a:endParaRPr kumimoji="1" lang="ja-JP" altLang="en-US"/>
-          </a:p>
-        </p:txBody>
-      </p:sp>
+            <a:r>
+              <a:rPr kumimoji="1" lang="ja-JP" altLang="en-US" dirty="0" smtClean="0">
+                <a:latin typeface="Hiragino Kaku Gothic ProN W6" charset="-128"/>
+                <a:ea typeface="Hiragino Kaku Gothic ProN W6" charset="-128"/>
+                <a:cs typeface="Hiragino Kaku Gothic ProN W6" charset="-128"/>
+              </a:rPr>
+              <a:t>ギプスサンプリングは導関数を用いて対数尤度を最大化</a:t>
+            </a:r>
+            <a:endParaRPr kumimoji="1" lang="en-US" altLang="ja-JP" dirty="0" smtClean="0">
+              <a:latin typeface="Hiragino Kaku Gothic ProN W6" charset="-128"/>
+              <a:ea typeface="Hiragino Kaku Gothic ProN W6" charset="-128"/>
+              <a:cs typeface="Hiragino Kaku Gothic ProN W6" charset="-128"/>
+            </a:endParaRPr>
+          </a:p>
+          <a:p>
+            <a:r>
+              <a:rPr lang="en-US" altLang="ja-JP" dirty="0" smtClean="0">
+                <a:latin typeface="Hiragino Kaku Gothic ProN W6" charset="-128"/>
+                <a:ea typeface="Hiragino Kaku Gothic ProN W6" charset="-128"/>
+                <a:cs typeface="Hiragino Kaku Gothic ProN W6" charset="-128"/>
+              </a:rPr>
+              <a:t>CD</a:t>
+            </a:r>
+            <a:r>
+              <a:rPr lang="ja-JP" altLang="en-US" dirty="0" smtClean="0">
+                <a:latin typeface="Hiragino Kaku Gothic ProN W6" charset="-128"/>
+                <a:ea typeface="Hiragino Kaku Gothic ProN W6" charset="-128"/>
+                <a:cs typeface="Hiragino Kaku Gothic ProN W6" charset="-128"/>
+              </a:rPr>
+              <a:t>法も導関数の級数展開を打ち切った形なので対数尤度の最急勾配の良い近似</a:t>
+            </a:r>
+            <a:endParaRPr lang="en-US" altLang="ja-JP" dirty="0" smtClean="0">
+              <a:latin typeface="Hiragino Kaku Gothic ProN W6" charset="-128"/>
+              <a:ea typeface="Hiragino Kaku Gothic ProN W6" charset="-128"/>
+              <a:cs typeface="Hiragino Kaku Gothic ProN W6" charset="-128"/>
+            </a:endParaRPr>
+          </a:p>
+          <a:p>
+            <a:endParaRPr kumimoji="1" lang="en-US" altLang="ja-JP" dirty="0">
+              <a:latin typeface="Hiragino Kaku Gothic ProN W6" charset="-128"/>
+              <a:ea typeface="Hiragino Kaku Gothic ProN W6" charset="-128"/>
+              <a:cs typeface="Hiragino Kaku Gothic ProN W6" charset="-128"/>
+            </a:endParaRPr>
+          </a:p>
+          <a:p>
+            <a:r>
+              <a:rPr kumimoji="1" lang="en-US" altLang="ja-JP" dirty="0" smtClean="0">
+                <a:latin typeface="Hiragino Kaku Gothic ProN W6" charset="-128"/>
+                <a:ea typeface="Hiragino Kaku Gothic ProN W6" charset="-128"/>
+                <a:cs typeface="Hiragino Kaku Gothic ProN W6" charset="-128"/>
+              </a:rPr>
+              <a:t>CD</a:t>
+            </a:r>
+            <a:r>
+              <a:rPr kumimoji="1" lang="ja-JP" altLang="en-US" dirty="0" smtClean="0">
+                <a:latin typeface="Hiragino Kaku Gothic ProN W6" charset="-128"/>
+                <a:ea typeface="Hiragino Kaku Gothic ProN W6" charset="-128"/>
+                <a:cs typeface="Hiragino Kaku Gothic ProN W6" charset="-128"/>
+              </a:rPr>
+              <a:t>法をそもそも異なる損失関数を最適化する手法と解釈</a:t>
+            </a:r>
+            <a:endParaRPr kumimoji="1" lang="en-US" altLang="ja-JP" dirty="0" smtClean="0">
+              <a:latin typeface="Hiragino Kaku Gothic ProN W6" charset="-128"/>
+              <a:ea typeface="Hiragino Kaku Gothic ProN W6" charset="-128"/>
+              <a:cs typeface="Hiragino Kaku Gothic ProN W6" charset="-128"/>
+            </a:endParaRPr>
+          </a:p>
+          <a:p>
+            <a:pPr marL="0" indent="0">
+              <a:buNone/>
+            </a:pPr>
+            <a:r>
+              <a:rPr lang="en-US" altLang="ja-JP" dirty="0" smtClean="0">
+                <a:latin typeface="Hiragino Kaku Gothic ProN W6" charset="-128"/>
+                <a:ea typeface="Hiragino Kaku Gothic ProN W6" charset="-128"/>
+                <a:cs typeface="Hiragino Kaku Gothic ProN W6" charset="-128"/>
+              </a:rPr>
+              <a:t>CD-k</a:t>
+            </a:r>
+            <a:r>
+              <a:rPr lang="ja-JP" altLang="en-US" dirty="0" smtClean="0">
+                <a:latin typeface="Hiragino Kaku Gothic ProN W6" charset="-128"/>
+                <a:ea typeface="Hiragino Kaku Gothic ProN W6" charset="-128"/>
+                <a:cs typeface="Hiragino Kaku Gothic ProN W6" charset="-128"/>
+              </a:rPr>
+              <a:t>法の損失関数</a:t>
+            </a:r>
+            <a:endParaRPr lang="en-US" altLang="ja-JP" dirty="0" smtClean="0">
+              <a:latin typeface="Hiragino Kaku Gothic ProN W6" charset="-128"/>
+              <a:ea typeface="Hiragino Kaku Gothic ProN W6" charset="-128"/>
+              <a:cs typeface="Hiragino Kaku Gothic ProN W6" charset="-128"/>
+            </a:endParaRPr>
+          </a:p>
+          <a:p>
+            <a:endParaRPr kumimoji="1" lang="ja-JP" altLang="en-US" dirty="0">
+              <a:latin typeface="Hiragino Kaku Gothic ProN W6" charset="-128"/>
+              <a:ea typeface="Hiragino Kaku Gothic ProN W6" charset="-128"/>
+              <a:cs typeface="Hiragino Kaku Gothic ProN W6" charset="-128"/>
+            </a:endParaRPr>
+          </a:p>
+        </p:txBody>
+      </p:sp>
+      <p:pic>
+        <p:nvPicPr>
+          <p:cNvPr id="5" name="図 4"/>
+          <p:cNvPicPr>
+            <a:picLocks noChangeAspect="1"/>
+          </p:cNvPicPr>
+          <p:nvPr/>
+        </p:nvPicPr>
+        <p:blipFill>
+          <a:blip r:embed="rId2">
+            <a:extLst>
+              <a:ext uri="{28A0092B-C50C-407E-A947-70E740481C1C}">
+                <a14:useLocalDpi xmlns:a14="http://schemas.microsoft.com/office/drawing/2010/main" val="0"/>
+              </a:ext>
+            </a:extLst>
+          </a:blip>
+          <a:stretch>
+            <a:fillRect/>
+          </a:stretch>
+        </p:blipFill>
+        <p:spPr>
+          <a:xfrm>
+            <a:off x="680321" y="5004238"/>
+            <a:ext cx="10058400" cy="803411"/>
+          </a:xfrm>
+          <a:prstGeom prst="rect">
+            <a:avLst/>
+          </a:prstGeom>
+        </p:spPr>
+      </p:pic>
     </p:spTree>
     <p:extLst>
       <p:ext uri="{BB962C8B-B14F-4D97-AF65-F5344CB8AC3E}">
@@ -10576,10 +10704,188 @@
           <a:bodyPr/>
           <a:lstStyle/>
           <a:p>
-            <a:endParaRPr kumimoji="1" lang="ja-JP" altLang="en-US"/>
-          </a:p>
-        </p:txBody>
-      </p:sp>
+            <a:r>
+              <a:rPr kumimoji="1" lang="ja-JP" altLang="en-US" dirty="0" smtClean="0">
+                <a:latin typeface="Hiragino Kaku Gothic ProN W6" charset="-128"/>
+                <a:ea typeface="Hiragino Kaku Gothic ProN W6" charset="-128"/>
+                <a:cs typeface="Hiragino Kaku Gothic ProN W6" charset="-128"/>
+              </a:rPr>
+              <a:t>最小確率流法</a:t>
+            </a:r>
+            <a:endParaRPr kumimoji="1" lang="en-US" altLang="ja-JP" dirty="0" smtClean="0">
+              <a:latin typeface="Hiragino Kaku Gothic ProN W6" charset="-128"/>
+              <a:ea typeface="Hiragino Kaku Gothic ProN W6" charset="-128"/>
+              <a:cs typeface="Hiragino Kaku Gothic ProN W6" charset="-128"/>
+            </a:endParaRPr>
+          </a:p>
+          <a:p>
+            <a:pPr marL="457200" indent="-457200">
+              <a:buFont typeface="+mj-lt"/>
+              <a:buAutoNum type="arabicPeriod"/>
+            </a:pPr>
+            <a:r>
+              <a:rPr lang="ja-JP" altLang="en-US" dirty="0" smtClean="0">
+                <a:latin typeface="Hiragino Kaku Gothic ProN W6" charset="-128"/>
+                <a:ea typeface="Hiragino Kaku Gothic ProN W6" charset="-128"/>
+                <a:cs typeface="Hiragino Kaku Gothic ProN W6" charset="-128"/>
+              </a:rPr>
+              <a:t>連続時間</a:t>
+            </a:r>
+            <a:r>
+              <a:rPr lang="en-US" altLang="ja-JP" dirty="0" smtClean="0">
+                <a:latin typeface="Hiragino Kaku Gothic ProN W6" charset="-128"/>
+                <a:ea typeface="Hiragino Kaku Gothic ProN W6" charset="-128"/>
+                <a:cs typeface="Hiragino Kaku Gothic ProN W6" charset="-128"/>
+              </a:rPr>
+              <a:t>t</a:t>
+            </a:r>
+            <a:r>
+              <a:rPr lang="ja-JP" altLang="en-US" dirty="0" smtClean="0">
+                <a:latin typeface="Hiragino Kaku Gothic ProN W6" charset="-128"/>
+                <a:ea typeface="Hiragino Kaku Gothic ProN W6" charset="-128"/>
+                <a:cs typeface="Hiragino Kaku Gothic ProN W6" charset="-128"/>
+              </a:rPr>
+              <a:t>のマルコフ過程を考える</a:t>
+            </a:r>
+            <a:endParaRPr lang="en-US" altLang="ja-JP" dirty="0" smtClean="0">
+              <a:latin typeface="Hiragino Kaku Gothic ProN W6" charset="-128"/>
+              <a:ea typeface="Hiragino Kaku Gothic ProN W6" charset="-128"/>
+              <a:cs typeface="Hiragino Kaku Gothic ProN W6" charset="-128"/>
+            </a:endParaRPr>
+          </a:p>
+          <a:p>
+            <a:pPr marL="457200" indent="-457200">
+              <a:buFont typeface="+mj-lt"/>
+              <a:buAutoNum type="arabicPeriod"/>
+            </a:pPr>
+            <a:r>
+              <a:rPr kumimoji="1" lang="ja-JP" altLang="en-US" dirty="0" smtClean="0">
+                <a:latin typeface="Hiragino Kaku Gothic ProN W6" charset="-128"/>
+                <a:ea typeface="Hiragino Kaku Gothic ProN W6" charset="-128"/>
+                <a:cs typeface="Hiragino Kaku Gothic ProN W6" charset="-128"/>
+              </a:rPr>
+              <a:t>確率過程の定常分布を経験分布に近づける損失関数を導入</a:t>
+            </a:r>
+            <a:endParaRPr kumimoji="1" lang="en-US" altLang="ja-JP" dirty="0" smtClean="0">
+              <a:latin typeface="Hiragino Kaku Gothic ProN W6" charset="-128"/>
+              <a:ea typeface="Hiragino Kaku Gothic ProN W6" charset="-128"/>
+              <a:cs typeface="Hiragino Kaku Gothic ProN W6" charset="-128"/>
+            </a:endParaRPr>
+          </a:p>
+          <a:p>
+            <a:pPr marL="457200" indent="-457200">
+              <a:buFont typeface="+mj-lt"/>
+              <a:buAutoNum type="arabicPeriod"/>
+            </a:pPr>
+            <a:endParaRPr kumimoji="1" lang="en-US" altLang="ja-JP" dirty="0" smtClean="0">
+              <a:latin typeface="Hiragino Kaku Gothic ProN W6" charset="-128"/>
+              <a:ea typeface="Hiragino Kaku Gothic ProN W6" charset="-128"/>
+              <a:cs typeface="Hiragino Kaku Gothic ProN W6" charset="-128"/>
+            </a:endParaRPr>
+          </a:p>
+          <a:p>
+            <a:pPr marL="457200" indent="-457200">
+              <a:buFont typeface="+mj-lt"/>
+              <a:buAutoNum type="arabicPeriod"/>
+            </a:pPr>
+            <a:endParaRPr kumimoji="1" lang="en-US" altLang="ja-JP" dirty="0" smtClean="0">
+              <a:latin typeface="Hiragino Kaku Gothic ProN W6" charset="-128"/>
+              <a:ea typeface="Hiragino Kaku Gothic ProN W6" charset="-128"/>
+              <a:cs typeface="Hiragino Kaku Gothic ProN W6" charset="-128"/>
+            </a:endParaRPr>
+          </a:p>
+          <a:p>
+            <a:pPr marL="457200" indent="-457200">
+              <a:buFont typeface="+mj-lt"/>
+              <a:buAutoNum type="arabicPeriod"/>
+            </a:pPr>
+            <a:r>
+              <a:rPr lang="ja-JP" altLang="en-US" dirty="0" smtClean="0">
+                <a:latin typeface="Hiragino Kaku Gothic ProN W6" charset="-128"/>
+                <a:ea typeface="Hiragino Kaku Gothic ProN W6" charset="-128"/>
+                <a:cs typeface="Hiragino Kaku Gothic ProN W6" charset="-128"/>
+              </a:rPr>
+              <a:t>詳細釣り合い条件と類似の制約下で損失関数を最小化</a:t>
+            </a:r>
+            <a:endParaRPr lang="en-US" altLang="ja-JP" dirty="0" smtClean="0">
+              <a:latin typeface="Hiragino Kaku Gothic ProN W6" charset="-128"/>
+              <a:ea typeface="Hiragino Kaku Gothic ProN W6" charset="-128"/>
+              <a:cs typeface="Hiragino Kaku Gothic ProN W6" charset="-128"/>
+            </a:endParaRPr>
+          </a:p>
+          <a:p>
+            <a:pPr marL="457200" indent="-457200">
+              <a:buFont typeface="+mj-lt"/>
+              <a:buAutoNum type="arabicPeriod"/>
+            </a:pPr>
+            <a:endParaRPr kumimoji="1" lang="ja-JP" altLang="en-US" dirty="0">
+              <a:latin typeface="Hiragino Kaku Gothic ProN W6" charset="-128"/>
+              <a:ea typeface="Hiragino Kaku Gothic ProN W6" charset="-128"/>
+              <a:cs typeface="Hiragino Kaku Gothic ProN W6" charset="-128"/>
+            </a:endParaRPr>
+          </a:p>
+        </p:txBody>
+      </p:sp>
+      <p:pic>
+        <p:nvPicPr>
+          <p:cNvPr id="4" name="図 3"/>
+          <p:cNvPicPr>
+            <a:picLocks noChangeAspect="1"/>
+          </p:cNvPicPr>
+          <p:nvPr/>
+        </p:nvPicPr>
+        <p:blipFill>
+          <a:blip r:embed="rId2">
+            <a:extLst>
+              <a:ext uri="{28A0092B-C50C-407E-A947-70E740481C1C}">
+                <a14:useLocalDpi xmlns:a14="http://schemas.microsoft.com/office/drawing/2010/main" val="0"/>
+              </a:ext>
+            </a:extLst>
+          </a:blip>
+          <a:stretch>
+            <a:fillRect/>
+          </a:stretch>
+        </p:blipFill>
+        <p:spPr>
+          <a:xfrm>
+            <a:off x="1460937" y="3733801"/>
+            <a:ext cx="4204138" cy="622716"/>
+          </a:xfrm>
+          <a:prstGeom prst="rect">
+            <a:avLst/>
+          </a:prstGeom>
+        </p:spPr>
+      </p:pic>
+      <p:pic>
+        <p:nvPicPr>
+          <p:cNvPr id="5" name="図 4"/>
+          <p:cNvPicPr>
+            <a:picLocks noChangeAspect="1"/>
+          </p:cNvPicPr>
+          <p:nvPr/>
+        </p:nvPicPr>
+        <p:blipFill>
+          <a:blip r:embed="rId3">
+            <a:extLst>
+              <a:ext uri="{28A0092B-C50C-407E-A947-70E740481C1C}">
+                <a14:useLocalDpi xmlns:a14="http://schemas.microsoft.com/office/drawing/2010/main" val="0"/>
+              </a:ext>
+            </a:extLst>
+          </a:blip>
+          <a:stretch>
+            <a:fillRect/>
+          </a:stretch>
+        </p:blipFill>
+        <p:spPr>
+          <a:xfrm>
+            <a:off x="1460937" y="5158198"/>
+            <a:ext cx="6758152" cy="777991"/>
+          </a:xfrm>
+          <a:prstGeom prst="rect">
+            <a:avLst/>
+          </a:prstGeom>
+        </p:spPr>
+      </p:pic>
     </p:spTree>
     <p:extLst>
       <p:ext uri="{BB962C8B-B14F-4D97-AF65-F5344CB8AC3E}">

--- a/deep_learning3.4.pptx
+++ b/deep_learning3.4.pptx
@@ -14,12 +14,13 @@
     <p:sldId id="262" r:id="rId8"/>
     <p:sldId id="263" r:id="rId9"/>
     <p:sldId id="264" r:id="rId10"/>
-    <p:sldId id="265" r:id="rId11"/>
-    <p:sldId id="266" r:id="rId12"/>
-    <p:sldId id="267" r:id="rId13"/>
-    <p:sldId id="268" r:id="rId14"/>
-    <p:sldId id="269" r:id="rId15"/>
-    <p:sldId id="270" r:id="rId16"/>
+    <p:sldId id="271" r:id="rId11"/>
+    <p:sldId id="265" r:id="rId12"/>
+    <p:sldId id="266" r:id="rId13"/>
+    <p:sldId id="267" r:id="rId14"/>
+    <p:sldId id="268" r:id="rId15"/>
+    <p:sldId id="269" r:id="rId16"/>
+    <p:sldId id="270" r:id="rId17"/>
   </p:sldIdLst>
   <p:sldSz cx="12192000" cy="6858000"/>
   <p:notesSz cx="6858000" cy="9144000"/>
@@ -8140,31 +8141,15 @@
                 <a:ea typeface="Hiragino Kaku Gothic ProN W6" charset="-128"/>
                 <a:cs typeface="Hiragino Kaku Gothic ProN W6" charset="-128"/>
               </a:rPr>
-              <a:t>3.4.6</a:t>
-            </a:r>
-            <a:r>
-              <a:rPr kumimoji="1" lang="ja-JP" altLang="en-US" dirty="0" smtClean="0">
-                <a:latin typeface="Hiragino Kaku Gothic ProN W6" charset="-128"/>
-                <a:ea typeface="Hiragino Kaku Gothic ProN W6" charset="-128"/>
-                <a:cs typeface="Hiragino Kaku Gothic ProN W6" charset="-128"/>
-              </a:rPr>
-              <a:t>　</a:t>
-            </a:r>
-            <a:r>
-              <a:rPr kumimoji="1" lang="en-US" altLang="ja-JP" dirty="0" smtClean="0">
-                <a:latin typeface="Hiragino Kaku Gothic ProN W6" charset="-128"/>
-                <a:ea typeface="Hiragino Kaku Gothic ProN W6" charset="-128"/>
-                <a:cs typeface="Hiragino Kaku Gothic ProN W6" charset="-128"/>
-              </a:rPr>
-              <a:t>CD</a:t>
-            </a:r>
-            <a:r>
-              <a:rPr kumimoji="1" lang="ja-JP" altLang="en-US" dirty="0" smtClean="0">
-                <a:latin typeface="Hiragino Kaku Gothic ProN W6" charset="-128"/>
-                <a:ea typeface="Hiragino Kaku Gothic ProN W6" charset="-128"/>
-                <a:cs typeface="Hiragino Kaku Gothic ProN W6" charset="-128"/>
-              </a:rPr>
-              <a:t>法から派生した学習則</a:t>
+              <a:t>MPF</a:t>
+            </a:r>
+            <a:r>
+              <a:rPr lang="ja-JP" altLang="en-US" dirty="0" smtClean="0">
+                <a:latin typeface="Hiragino Kaku Gothic ProN W6" charset="-128"/>
+                <a:ea typeface="Hiragino Kaku Gothic ProN W6" charset="-128"/>
+                <a:cs typeface="Hiragino Kaku Gothic ProN W6" charset="-128"/>
+              </a:rPr>
+              <a:t>法の利点</a:t>
             </a:r>
             <a:endParaRPr kumimoji="1" lang="ja-JP" altLang="en-US" dirty="0">
               <a:latin typeface="Hiragino Kaku Gothic ProN W6" charset="-128"/>
@@ -8189,14 +8174,143 @@
           <a:bodyPr/>
           <a:lstStyle/>
           <a:p>
-            <a:endParaRPr kumimoji="1" lang="ja-JP" altLang="en-US"/>
+            <a:r>
+              <a:rPr kumimoji="1" lang="ja-JP" altLang="en-US" dirty="0" smtClean="0">
+                <a:latin typeface="Hiragino Kaku Gothic ProN W6" charset="-128"/>
+                <a:ea typeface="Hiragino Kaku Gothic ProN W6" charset="-128"/>
+                <a:cs typeface="Hiragino Kaku Gothic ProN W6" charset="-128"/>
+              </a:rPr>
+              <a:t>損失関数の最小化から導かれるため</a:t>
+            </a:r>
+            <a:endParaRPr kumimoji="1" lang="en-US" altLang="ja-JP" dirty="0" smtClean="0">
+              <a:latin typeface="Hiragino Kaku Gothic ProN W6" charset="-128"/>
+              <a:ea typeface="Hiragino Kaku Gothic ProN W6" charset="-128"/>
+              <a:cs typeface="Hiragino Kaku Gothic ProN W6" charset="-128"/>
+            </a:endParaRPr>
+          </a:p>
+          <a:p>
+            <a:pPr lvl="1"/>
+            <a:r>
+              <a:rPr kumimoji="1" lang="ja-JP" altLang="en-US" dirty="0" smtClean="0">
+                <a:latin typeface="Hiragino Kaku Gothic ProN W6" charset="-128"/>
+                <a:ea typeface="Hiragino Kaku Gothic ProN W6" charset="-128"/>
+                <a:cs typeface="Hiragino Kaku Gothic ProN W6" charset="-128"/>
+              </a:rPr>
+              <a:t>収束性がある</a:t>
+            </a:r>
+            <a:endParaRPr kumimoji="1" lang="en-US" altLang="ja-JP" dirty="0" smtClean="0">
+              <a:latin typeface="Hiragino Kaku Gothic ProN W6" charset="-128"/>
+              <a:ea typeface="Hiragino Kaku Gothic ProN W6" charset="-128"/>
+              <a:cs typeface="Hiragino Kaku Gothic ProN W6" charset="-128"/>
+            </a:endParaRPr>
+          </a:p>
+          <a:p>
+            <a:pPr lvl="1"/>
+            <a:r>
+              <a:rPr kumimoji="1" lang="ja-JP" altLang="en-US" dirty="0" smtClean="0">
+                <a:latin typeface="Hiragino Kaku Gothic ProN W6" charset="-128"/>
+                <a:ea typeface="Hiragino Kaku Gothic ProN W6" charset="-128"/>
+                <a:cs typeface="Hiragino Kaku Gothic ProN W6" charset="-128"/>
+              </a:rPr>
+              <a:t>適切な学習率の調整が可能</a:t>
+            </a:r>
+            <a:endParaRPr kumimoji="1" lang="en-US" altLang="ja-JP" dirty="0" smtClean="0">
+              <a:latin typeface="Hiragino Kaku Gothic ProN W6" charset="-128"/>
+              <a:ea typeface="Hiragino Kaku Gothic ProN W6" charset="-128"/>
+              <a:cs typeface="Hiragino Kaku Gothic ProN W6" charset="-128"/>
+            </a:endParaRPr>
+          </a:p>
+          <a:p>
+            <a:r>
+              <a:rPr kumimoji="1" lang="ja-JP" altLang="en-US" dirty="0" smtClean="0">
+                <a:latin typeface="Hiragino Kaku Gothic ProN W6" charset="-128"/>
+                <a:ea typeface="Hiragino Kaku Gothic ProN W6" charset="-128"/>
+                <a:cs typeface="Hiragino Kaku Gothic ProN W6" charset="-128"/>
+              </a:rPr>
+              <a:t>損失関数</a:t>
+            </a:r>
+            <a:r>
+              <a:rPr kumimoji="1" lang="en-US" altLang="ja-JP" dirty="0" smtClean="0">
+                <a:latin typeface="Hiragino Kaku Gothic ProN W6" charset="-128"/>
+                <a:ea typeface="Hiragino Kaku Gothic ProN W6" charset="-128"/>
+                <a:cs typeface="Hiragino Kaku Gothic ProN W6" charset="-128"/>
+              </a:rPr>
+              <a:t>C(</a:t>
+            </a:r>
+            <a:r>
+              <a:rPr lang="en-US" altLang="ja-JP" dirty="0" err="1" smtClean="0">
+                <a:latin typeface="Hiragino Kaku Gothic ProN W6" charset="-128"/>
+                <a:ea typeface="Hiragino Kaku Gothic ProN W6" charset="-128"/>
+                <a:cs typeface="Hiragino Kaku Gothic ProN W6" charset="-128"/>
+              </a:rPr>
+              <a:t>θ</a:t>
+            </a:r>
+            <a:r>
+              <a:rPr kumimoji="1" lang="en-US" altLang="ja-JP" dirty="0" smtClean="0">
+                <a:latin typeface="Hiragino Kaku Gothic ProN W6" charset="-128"/>
+                <a:ea typeface="Hiragino Kaku Gothic ProN W6" charset="-128"/>
+                <a:cs typeface="Hiragino Kaku Gothic ProN W6" charset="-128"/>
+              </a:rPr>
+              <a:t>)</a:t>
+            </a:r>
+            <a:r>
+              <a:rPr kumimoji="1" lang="ja-JP" altLang="en-US" dirty="0" smtClean="0">
+                <a:latin typeface="Hiragino Kaku Gothic ProN W6" charset="-128"/>
+                <a:ea typeface="Hiragino Kaku Gothic ProN W6" charset="-128"/>
+                <a:cs typeface="Hiragino Kaku Gothic ProN W6" charset="-128"/>
+              </a:rPr>
+              <a:t>が凸関数で観測データ数に比例するオーダーで評価</a:t>
+            </a:r>
+            <a:endParaRPr kumimoji="1" lang="en-US" altLang="ja-JP" dirty="0" smtClean="0">
+              <a:latin typeface="Hiragino Kaku Gothic ProN W6" charset="-128"/>
+              <a:ea typeface="Hiragino Kaku Gothic ProN W6" charset="-128"/>
+              <a:cs typeface="Hiragino Kaku Gothic ProN W6" charset="-128"/>
+            </a:endParaRPr>
+          </a:p>
+          <a:p>
+            <a:r>
+              <a:rPr lang="ja-JP" altLang="en-US" dirty="0" smtClean="0">
+                <a:latin typeface="Hiragino Kaku Gothic ProN W6" charset="-128"/>
+                <a:ea typeface="Hiragino Kaku Gothic ProN W6" charset="-128"/>
+                <a:cs typeface="Hiragino Kaku Gothic ProN W6" charset="-128"/>
+              </a:rPr>
+              <a:t>→学習が高速</a:t>
+            </a:r>
+            <a:endParaRPr lang="en-US" altLang="ja-JP" dirty="0" smtClean="0">
+              <a:latin typeface="Hiragino Kaku Gothic ProN W6" charset="-128"/>
+              <a:ea typeface="Hiragino Kaku Gothic ProN W6" charset="-128"/>
+              <a:cs typeface="Hiragino Kaku Gothic ProN W6" charset="-128"/>
+            </a:endParaRPr>
+          </a:p>
+          <a:p>
+            <a:r>
+              <a:rPr kumimoji="1" lang="en-US" altLang="ja-JP" dirty="0" smtClean="0">
+                <a:latin typeface="Hiragino Kaku Gothic ProN W6" charset="-128"/>
+                <a:ea typeface="Hiragino Kaku Gothic ProN W6" charset="-128"/>
+                <a:cs typeface="Hiragino Kaku Gothic ProN W6" charset="-128"/>
+              </a:rPr>
+              <a:t>CD</a:t>
+            </a:r>
+            <a:r>
+              <a:rPr lang="ja-JP" altLang="en-US" dirty="0" smtClean="0">
+                <a:latin typeface="Hiragino Kaku Gothic ProN W6" charset="-128"/>
+                <a:ea typeface="Hiragino Kaku Gothic ProN W6" charset="-128"/>
+                <a:cs typeface="Hiragino Kaku Gothic ProN W6" charset="-128"/>
+              </a:rPr>
+              <a:t>法では尤度が最大化されずに途中で収束してしまう問題が起こる場合があった</a:t>
+            </a:r>
+            <a:endParaRPr kumimoji="1" lang="ja-JP" altLang="en-US" dirty="0">
+              <a:latin typeface="Hiragino Kaku Gothic ProN W6" charset="-128"/>
+              <a:ea typeface="Hiragino Kaku Gothic ProN W6" charset="-128"/>
+              <a:cs typeface="Hiragino Kaku Gothic ProN W6" charset="-128"/>
+            </a:endParaRPr>
           </a:p>
         </p:txBody>
       </p:sp>
     </p:spTree>
     <p:extLst>
       <p:ext uri="{BB962C8B-B14F-4D97-AF65-F5344CB8AC3E}">
-        <p14:creationId xmlns:p14="http://schemas.microsoft.com/office/powerpoint/2010/main" val="943651070"/>
+        <p14:creationId xmlns:p14="http://schemas.microsoft.com/office/powerpoint/2010/main" val="1008638540"/>
       </p:ext>
     </p:extLst>
   </p:cSld>
@@ -8235,68 +8349,72 @@
         </p:nvSpPr>
         <p:spPr/>
         <p:txBody>
-          <a:bodyPr>
-            <a:normAutofit fontScale="90000"/>
-          </a:bodyPr>
-          <a:lstStyle/>
-          <a:p>
-            <a:r>
-              <a:rPr kumimoji="1" lang="en-US" altLang="ja-JP" dirty="0" smtClean="0">
-                <a:latin typeface="ヒラギノ角ゴ Pro W6" charset="-128"/>
-                <a:ea typeface="ヒラギノ角ゴ Pro W6" charset="-128"/>
-              </a:rPr>
-              <a:t>3.4.7</a:t>
-            </a:r>
-            <a:r>
-              <a:rPr lang="en-US" altLang="ja-JP" dirty="0">
-                <a:latin typeface="ヒラギノ角ゴ Pro W6" charset="-128"/>
-                <a:ea typeface="ヒラギノ角ゴ Pro W6" charset="-128"/>
-              </a:rPr>
-              <a:t/>
-            </a:r>
-            <a:br>
-              <a:rPr lang="en-US" altLang="ja-JP" dirty="0">
-                <a:latin typeface="ヒラギノ角ゴ Pro W6" charset="-128"/>
-                <a:ea typeface="ヒラギノ角ゴ Pro W6" charset="-128"/>
-              </a:rPr>
-            </a:br>
-            <a:r>
-              <a:rPr kumimoji="1" lang="ja-JP" altLang="en-US" sz="3100" dirty="0" smtClean="0">
-                <a:latin typeface="ヒラギノ角ゴ Pro W6" charset="-128"/>
-                <a:ea typeface="ヒラギノ角ゴ Pro W6" charset="-128"/>
-              </a:rPr>
-              <a:t>確率的なモデルの事前学習と自己符号化器の学習の関係</a:t>
-            </a:r>
-            <a:endParaRPr kumimoji="1" lang="ja-JP" altLang="en-US" sz="3100" dirty="0">
-              <a:latin typeface="ヒラギノ角ゴ Pro W6" charset="-128"/>
-              <a:ea typeface="ヒラギノ角ゴ Pro W6" charset="-128"/>
-            </a:endParaRPr>
-          </a:p>
-        </p:txBody>
-      </p:sp>
-      <p:sp>
-        <p:nvSpPr>
-          <p:cNvPr id="3" name="コンテンツ プレースホルダー 2"/>
-          <p:cNvSpPr>
-            <a:spLocks noGrp="1"/>
-          </p:cNvSpPr>
-          <p:nvPr>
-            <p:ph idx="1"/>
-          </p:nvPr>
-        </p:nvSpPr>
-        <p:spPr/>
-        <p:txBody>
           <a:bodyPr/>
           <a:lstStyle/>
           <a:p>
-            <a:endParaRPr kumimoji="1" lang="ja-JP" altLang="en-US" dirty="0"/>
+            <a:r>
+              <a:rPr kumimoji="1" lang="en-US" altLang="ja-JP" dirty="0" smtClean="0">
+                <a:latin typeface="Hiragino Kaku Gothic ProN W6" charset="-128"/>
+                <a:ea typeface="Hiragino Kaku Gothic ProN W6" charset="-128"/>
+                <a:cs typeface="Hiragino Kaku Gothic ProN W6" charset="-128"/>
+              </a:rPr>
+              <a:t>3.4.6</a:t>
+            </a:r>
+            <a:r>
+              <a:rPr kumimoji="1" lang="ja-JP" altLang="en-US" dirty="0" smtClean="0">
+                <a:latin typeface="Hiragino Kaku Gothic ProN W6" charset="-128"/>
+                <a:ea typeface="Hiragino Kaku Gothic ProN W6" charset="-128"/>
+                <a:cs typeface="Hiragino Kaku Gothic ProN W6" charset="-128"/>
+              </a:rPr>
+              <a:t>　</a:t>
+            </a:r>
+            <a:r>
+              <a:rPr kumimoji="1" lang="en-US" altLang="ja-JP" dirty="0" smtClean="0">
+                <a:latin typeface="Hiragino Kaku Gothic ProN W6" charset="-128"/>
+                <a:ea typeface="Hiragino Kaku Gothic ProN W6" charset="-128"/>
+                <a:cs typeface="Hiragino Kaku Gothic ProN W6" charset="-128"/>
+              </a:rPr>
+              <a:t>CD</a:t>
+            </a:r>
+            <a:r>
+              <a:rPr kumimoji="1" lang="ja-JP" altLang="en-US" dirty="0" smtClean="0">
+                <a:latin typeface="Hiragino Kaku Gothic ProN W6" charset="-128"/>
+                <a:ea typeface="Hiragino Kaku Gothic ProN W6" charset="-128"/>
+                <a:cs typeface="Hiragino Kaku Gothic ProN W6" charset="-128"/>
+              </a:rPr>
+              <a:t>法から派生した学習則</a:t>
+            </a:r>
+            <a:endParaRPr kumimoji="1" lang="ja-JP" altLang="en-US" dirty="0">
+              <a:latin typeface="Hiragino Kaku Gothic ProN W6" charset="-128"/>
+              <a:ea typeface="Hiragino Kaku Gothic ProN W6" charset="-128"/>
+              <a:cs typeface="Hiragino Kaku Gothic ProN W6" charset="-128"/>
+            </a:endParaRPr>
+          </a:p>
+        </p:txBody>
+      </p:sp>
+      <p:sp>
+        <p:nvSpPr>
+          <p:cNvPr id="3" name="コンテンツ プレースホルダー 2"/>
+          <p:cNvSpPr>
+            <a:spLocks noGrp="1"/>
+          </p:cNvSpPr>
+          <p:nvPr>
+            <p:ph idx="1"/>
+          </p:nvPr>
+        </p:nvSpPr>
+        <p:spPr/>
+        <p:txBody>
+          <a:bodyPr/>
+          <a:lstStyle/>
+          <a:p>
+            <a:endParaRPr kumimoji="1" lang="ja-JP" altLang="en-US"/>
           </a:p>
         </p:txBody>
       </p:sp>
     </p:spTree>
     <p:extLst>
       <p:ext uri="{BB962C8B-B14F-4D97-AF65-F5344CB8AC3E}">
-        <p14:creationId xmlns:p14="http://schemas.microsoft.com/office/powerpoint/2010/main" val="648899709"/>
+        <p14:creationId xmlns:p14="http://schemas.microsoft.com/office/powerpoint/2010/main" val="943651070"/>
       </p:ext>
     </p:extLst>
   </p:cSld>
@@ -8335,162 +8453,68 @@
         </p:nvSpPr>
         <p:spPr/>
         <p:txBody>
+          <a:bodyPr>
+            <a:normAutofit fontScale="90000"/>
+          </a:bodyPr>
+          <a:lstStyle/>
+          <a:p>
+            <a:r>
+              <a:rPr kumimoji="1" lang="en-US" altLang="ja-JP" dirty="0" smtClean="0">
+                <a:latin typeface="ヒラギノ角ゴ Pro W6" charset="-128"/>
+                <a:ea typeface="ヒラギノ角ゴ Pro W6" charset="-128"/>
+              </a:rPr>
+              <a:t>3.4.7</a:t>
+            </a:r>
+            <a:r>
+              <a:rPr lang="en-US" altLang="ja-JP" dirty="0">
+                <a:latin typeface="ヒラギノ角ゴ Pro W6" charset="-128"/>
+                <a:ea typeface="ヒラギノ角ゴ Pro W6" charset="-128"/>
+              </a:rPr>
+              <a:t/>
+            </a:r>
+            <a:br>
+              <a:rPr lang="en-US" altLang="ja-JP" dirty="0">
+                <a:latin typeface="ヒラギノ角ゴ Pro W6" charset="-128"/>
+                <a:ea typeface="ヒラギノ角ゴ Pro W6" charset="-128"/>
+              </a:rPr>
+            </a:br>
+            <a:r>
+              <a:rPr kumimoji="1" lang="ja-JP" altLang="en-US" sz="3100" dirty="0" smtClean="0">
+                <a:latin typeface="ヒラギノ角ゴ Pro W6" charset="-128"/>
+                <a:ea typeface="ヒラギノ角ゴ Pro W6" charset="-128"/>
+              </a:rPr>
+              <a:t>確率的なモデルの事前学習と自己符号化器の学習の関係</a:t>
+            </a:r>
+            <a:endParaRPr kumimoji="1" lang="ja-JP" altLang="en-US" sz="3100" dirty="0">
+              <a:latin typeface="ヒラギノ角ゴ Pro W6" charset="-128"/>
+              <a:ea typeface="ヒラギノ角ゴ Pro W6" charset="-128"/>
+            </a:endParaRPr>
+          </a:p>
+        </p:txBody>
+      </p:sp>
+      <p:sp>
+        <p:nvSpPr>
+          <p:cNvPr id="3" name="コンテンツ プレースホルダー 2"/>
+          <p:cNvSpPr>
+            <a:spLocks noGrp="1"/>
+          </p:cNvSpPr>
+          <p:nvPr>
+            <p:ph idx="1"/>
+          </p:nvPr>
+        </p:nvSpPr>
+        <p:spPr/>
+        <p:txBody>
           <a:bodyPr/>
           <a:lstStyle/>
           <a:p>
-            <a:r>
-              <a:rPr kumimoji="1" lang="en-US" altLang="ja-JP" dirty="0" smtClean="0">
-                <a:latin typeface="Hiragino Kaku Gothic ProN W6" charset="-128"/>
-                <a:ea typeface="Hiragino Kaku Gothic ProN W6" charset="-128"/>
-                <a:cs typeface="Hiragino Kaku Gothic ProN W6" charset="-128"/>
-              </a:rPr>
-              <a:t>3.5</a:t>
-            </a:r>
-            <a:r>
-              <a:rPr kumimoji="1" lang="ja-JP" altLang="en-US" dirty="0" smtClean="0">
-                <a:latin typeface="Hiragino Kaku Gothic ProN W6" charset="-128"/>
-                <a:ea typeface="Hiragino Kaku Gothic ProN W6" charset="-128"/>
-                <a:cs typeface="Hiragino Kaku Gothic ProN W6" charset="-128"/>
-              </a:rPr>
-              <a:t>　確定的なモデルを用いた事前学習</a:t>
-            </a:r>
-            <a:endParaRPr kumimoji="1" lang="ja-JP" altLang="en-US" dirty="0">
-              <a:latin typeface="Hiragino Kaku Gothic ProN W6" charset="-128"/>
-              <a:ea typeface="Hiragino Kaku Gothic ProN W6" charset="-128"/>
-              <a:cs typeface="Hiragino Kaku Gothic ProN W6" charset="-128"/>
-            </a:endParaRPr>
-          </a:p>
-        </p:txBody>
-      </p:sp>
-      <p:sp>
-        <p:nvSpPr>
-          <p:cNvPr id="3" name="コンテンツ プレースホルダー 2"/>
-          <p:cNvSpPr>
-            <a:spLocks noGrp="1"/>
-          </p:cNvSpPr>
-          <p:nvPr>
-            <p:ph idx="1"/>
-          </p:nvPr>
-        </p:nvSpPr>
-        <p:spPr/>
-        <p:txBody>
-          <a:bodyPr/>
-          <a:lstStyle/>
-          <a:p>
-            <a:r>
-              <a:rPr kumimoji="1" lang="ja-JP" altLang="en-US" dirty="0" smtClean="0">
-                <a:latin typeface="Hiragino Kaku Gothic ProN W6" charset="-128"/>
-                <a:ea typeface="Hiragino Kaku Gothic ProN W6" charset="-128"/>
-                <a:cs typeface="Hiragino Kaku Gothic ProN W6" charset="-128"/>
-              </a:rPr>
-              <a:t>事前学習は後の深層</a:t>
-            </a:r>
-            <a:r>
-              <a:rPr kumimoji="1" lang="en-US" altLang="ja-JP" dirty="0" smtClean="0">
-                <a:latin typeface="Hiragino Kaku Gothic ProN W6" charset="-128"/>
-                <a:ea typeface="Hiragino Kaku Gothic ProN W6" charset="-128"/>
-                <a:cs typeface="Hiragino Kaku Gothic ProN W6" charset="-128"/>
-              </a:rPr>
-              <a:t>NN</a:t>
-            </a:r>
-            <a:r>
-              <a:rPr kumimoji="1" lang="ja-JP" altLang="en-US" dirty="0" smtClean="0">
-                <a:latin typeface="Hiragino Kaku Gothic ProN W6" charset="-128"/>
-                <a:ea typeface="Hiragino Kaku Gothic ProN W6" charset="-128"/>
-                <a:cs typeface="Hiragino Kaku Gothic ProN W6" charset="-128"/>
-              </a:rPr>
-              <a:t>の過学習を防ぐ</a:t>
-            </a:r>
-            <a:endParaRPr kumimoji="1" lang="en-US" altLang="ja-JP" dirty="0" smtClean="0">
-              <a:latin typeface="Hiragino Kaku Gothic ProN W6" charset="-128"/>
-              <a:ea typeface="Hiragino Kaku Gothic ProN W6" charset="-128"/>
-              <a:cs typeface="Hiragino Kaku Gothic ProN W6" charset="-128"/>
-            </a:endParaRPr>
-          </a:p>
-          <a:p>
-            <a:r>
-              <a:rPr lang="ja-JP" altLang="en-US" dirty="0" smtClean="0">
-                <a:latin typeface="Hiragino Kaku Gothic ProN W6" charset="-128"/>
-                <a:ea typeface="Hiragino Kaku Gothic ProN W6" charset="-128"/>
-                <a:cs typeface="Hiragino Kaku Gothic ProN W6" charset="-128"/>
-              </a:rPr>
-              <a:t>確率的なモデルは，確定的な教師あり学習の損失関数とは間接的</a:t>
-            </a:r>
-            <a:endParaRPr lang="en-US" altLang="ja-JP" dirty="0" smtClean="0">
-              <a:latin typeface="Hiragino Kaku Gothic ProN W6" charset="-128"/>
-              <a:ea typeface="Hiragino Kaku Gothic ProN W6" charset="-128"/>
-              <a:cs typeface="Hiragino Kaku Gothic ProN W6" charset="-128"/>
-            </a:endParaRPr>
-          </a:p>
-          <a:p>
-            <a:r>
-              <a:rPr kumimoji="1" lang="ja-JP" altLang="en-US" dirty="0" smtClean="0">
-                <a:latin typeface="Hiragino Kaku Gothic ProN W6" charset="-128"/>
-                <a:ea typeface="Hiragino Kaku Gothic ProN W6" charset="-128"/>
-                <a:cs typeface="Hiragino Kaku Gothic ProN W6" charset="-128"/>
-              </a:rPr>
-              <a:t>確率的なモデルは直接的</a:t>
-            </a:r>
-            <a:endParaRPr kumimoji="1" lang="en-US" altLang="ja-JP" dirty="0" smtClean="0">
-              <a:latin typeface="Hiragino Kaku Gothic ProN W6" charset="-128"/>
-              <a:ea typeface="Hiragino Kaku Gothic ProN W6" charset="-128"/>
-              <a:cs typeface="Hiragino Kaku Gothic ProN W6" charset="-128"/>
-            </a:endParaRPr>
-          </a:p>
-          <a:p>
-            <a:pPr lvl="1" algn="just"/>
-            <a:r>
-              <a:rPr lang="en-US" altLang="ja-JP" dirty="0" smtClean="0">
-                <a:latin typeface="Hiragino Kaku Gothic ProN W6" charset="-128"/>
-                <a:ea typeface="Hiragino Kaku Gothic ProN W6" charset="-128"/>
-                <a:cs typeface="Hiragino Kaku Gothic ProN W6" charset="-128"/>
-              </a:rPr>
-              <a:t>3.5.1</a:t>
-            </a:r>
-            <a:r>
-              <a:rPr lang="ja-JP" altLang="en-US" dirty="0" smtClean="0">
-                <a:latin typeface="Hiragino Kaku Gothic ProN W6" charset="-128"/>
-                <a:ea typeface="Hiragino Kaku Gothic ProN W6" charset="-128"/>
-                <a:cs typeface="Hiragino Kaku Gothic ProN W6" charset="-128"/>
-              </a:rPr>
-              <a:t>　教師なし学習</a:t>
-            </a:r>
-            <a:endParaRPr lang="en-US" altLang="ja-JP" dirty="0" smtClean="0">
-              <a:latin typeface="Hiragino Kaku Gothic ProN W6" charset="-128"/>
-              <a:ea typeface="Hiragino Kaku Gothic ProN W6" charset="-128"/>
-              <a:cs typeface="Hiragino Kaku Gothic ProN W6" charset="-128"/>
-            </a:endParaRPr>
-          </a:p>
-          <a:p>
-            <a:pPr lvl="1"/>
-            <a:r>
-              <a:rPr kumimoji="1" lang="en-US" altLang="ja-JP" dirty="0" smtClean="0">
-                <a:latin typeface="Hiragino Kaku Gothic ProN W6" charset="-128"/>
-                <a:ea typeface="Hiragino Kaku Gothic ProN W6" charset="-128"/>
-                <a:cs typeface="Hiragino Kaku Gothic ProN W6" charset="-128"/>
-              </a:rPr>
-              <a:t>3.5.2</a:t>
-            </a:r>
-            <a:r>
-              <a:rPr kumimoji="1" lang="ja-JP" altLang="en-US" dirty="0" smtClean="0">
-                <a:latin typeface="Hiragino Kaku Gothic ProN W6" charset="-128"/>
-                <a:ea typeface="Hiragino Kaku Gothic ProN W6" charset="-128"/>
-                <a:cs typeface="Hiragino Kaku Gothic ProN W6" charset="-128"/>
-              </a:rPr>
-              <a:t>　教師あり学習</a:t>
-            </a:r>
-            <a:endParaRPr kumimoji="1" lang="ja-JP" altLang="en-US" dirty="0">
-              <a:latin typeface="Hiragino Kaku Gothic ProN W6" charset="-128"/>
-              <a:ea typeface="Hiragino Kaku Gothic ProN W6" charset="-128"/>
-              <a:cs typeface="Hiragino Kaku Gothic ProN W6" charset="-128"/>
-            </a:endParaRPr>
+            <a:endParaRPr kumimoji="1" lang="ja-JP" altLang="en-US" dirty="0"/>
           </a:p>
         </p:txBody>
       </p:sp>
     </p:spTree>
     <p:extLst>
       <p:ext uri="{BB962C8B-B14F-4D97-AF65-F5344CB8AC3E}">
-        <p14:creationId xmlns:p14="http://schemas.microsoft.com/office/powerpoint/2010/main" val="353630883"/>
+        <p14:creationId xmlns:p14="http://schemas.microsoft.com/office/powerpoint/2010/main" val="648899709"/>
       </p:ext>
     </p:extLst>
   </p:cSld>
@@ -8533,35 +8557,20 @@
           <a:lstStyle/>
           <a:p>
             <a:r>
-              <a:rPr lang="en-US" altLang="ja-JP" dirty="0" smtClean="0">
-                <a:latin typeface="Hiragino Kaku Gothic ProN W6" charset="-128"/>
-                <a:ea typeface="Hiragino Kaku Gothic ProN W6" charset="-128"/>
-                <a:cs typeface="Hiragino Kaku Gothic ProN W6" charset="-128"/>
-              </a:rPr>
-              <a:t>3.5.1</a:t>
-            </a:r>
-            <a:r>
-              <a:rPr lang="en-US" altLang="ja-JP" dirty="0">
-                <a:latin typeface="Hiragino Kaku Gothic ProN W6" charset="-128"/>
-                <a:ea typeface="Hiragino Kaku Gothic ProN W6" charset="-128"/>
-                <a:cs typeface="Hiragino Kaku Gothic ProN W6" charset="-128"/>
-              </a:rPr>
-              <a:t/>
-            </a:r>
-            <a:br>
-              <a:rPr lang="en-US" altLang="ja-JP" dirty="0">
-                <a:latin typeface="Hiragino Kaku Gothic ProN W6" charset="-128"/>
-                <a:ea typeface="Hiragino Kaku Gothic ProN W6" charset="-128"/>
-                <a:cs typeface="Hiragino Kaku Gothic ProN W6" charset="-128"/>
-              </a:rPr>
-            </a:br>
-            <a:r>
-              <a:rPr lang="ja-JP" altLang="en-US" dirty="0" smtClean="0">
-                <a:latin typeface="Hiragino Kaku Gothic ProN W6" charset="-128"/>
-                <a:ea typeface="Hiragino Kaku Gothic ProN W6" charset="-128"/>
-                <a:cs typeface="Hiragino Kaku Gothic ProN W6" charset="-128"/>
-              </a:rPr>
-              <a:t>教師なし学習による確定的なモデルの学習</a:t>
+              <a:rPr kumimoji="1" lang="en-US" altLang="ja-JP" dirty="0" smtClean="0">
+                <a:latin typeface="Hiragino Kaku Gothic ProN W6" charset="-128"/>
+                <a:ea typeface="Hiragino Kaku Gothic ProN W6" charset="-128"/>
+                <a:cs typeface="Hiragino Kaku Gothic ProN W6" charset="-128"/>
+              </a:rPr>
+              <a:t>3.5</a:t>
+            </a:r>
+            <a:r>
+              <a:rPr kumimoji="1" lang="ja-JP" altLang="en-US" dirty="0" smtClean="0">
+                <a:latin typeface="Hiragino Kaku Gothic ProN W6" charset="-128"/>
+                <a:ea typeface="Hiragino Kaku Gothic ProN W6" charset="-128"/>
+                <a:cs typeface="Hiragino Kaku Gothic ProN W6" charset="-128"/>
+              </a:rPr>
+              <a:t>　確定的なモデルを用いた事前学習</a:t>
             </a:r>
             <a:endParaRPr kumimoji="1" lang="ja-JP" altLang="en-US" dirty="0">
               <a:latin typeface="Hiragino Kaku Gothic ProN W6" charset="-128"/>
@@ -8586,14 +8595,120 @@
           <a:bodyPr/>
           <a:lstStyle/>
           <a:p>
-            <a:endParaRPr kumimoji="1" lang="ja-JP" altLang="en-US" dirty="0"/>
+            <a:r>
+              <a:rPr kumimoji="1" lang="ja-JP" altLang="en-US" dirty="0" smtClean="0">
+                <a:latin typeface="Hiragino Kaku Gothic ProN W6" charset="-128"/>
+                <a:ea typeface="Hiragino Kaku Gothic ProN W6" charset="-128"/>
+                <a:cs typeface="Hiragino Kaku Gothic ProN W6" charset="-128"/>
+              </a:rPr>
+              <a:t>事前学習は後の深層</a:t>
+            </a:r>
+            <a:r>
+              <a:rPr kumimoji="1" lang="en-US" altLang="ja-JP" dirty="0" smtClean="0">
+                <a:latin typeface="Hiragino Kaku Gothic ProN W6" charset="-128"/>
+                <a:ea typeface="Hiragino Kaku Gothic ProN W6" charset="-128"/>
+                <a:cs typeface="Hiragino Kaku Gothic ProN W6" charset="-128"/>
+              </a:rPr>
+              <a:t>NN</a:t>
+            </a:r>
+            <a:r>
+              <a:rPr kumimoji="1" lang="ja-JP" altLang="en-US" dirty="0" smtClean="0">
+                <a:latin typeface="Hiragino Kaku Gothic ProN W6" charset="-128"/>
+                <a:ea typeface="Hiragino Kaku Gothic ProN W6" charset="-128"/>
+                <a:cs typeface="Hiragino Kaku Gothic ProN W6" charset="-128"/>
+              </a:rPr>
+              <a:t>の過学習を防ぐ</a:t>
+            </a:r>
+            <a:endParaRPr kumimoji="1" lang="en-US" altLang="ja-JP" dirty="0" smtClean="0">
+              <a:latin typeface="Hiragino Kaku Gothic ProN W6" charset="-128"/>
+              <a:ea typeface="Hiragino Kaku Gothic ProN W6" charset="-128"/>
+              <a:cs typeface="Hiragino Kaku Gothic ProN W6" charset="-128"/>
+            </a:endParaRPr>
+          </a:p>
+          <a:p>
+            <a:r>
+              <a:rPr lang="ja-JP" altLang="en-US" dirty="0" smtClean="0">
+                <a:latin typeface="Hiragino Kaku Gothic ProN W6" charset="-128"/>
+                <a:ea typeface="Hiragino Kaku Gothic ProN W6" charset="-128"/>
+                <a:cs typeface="Hiragino Kaku Gothic ProN W6" charset="-128"/>
+              </a:rPr>
+              <a:t>確率的なモデルは，確定的な教師あり学習の損失関数とは間接的</a:t>
+            </a:r>
+            <a:endParaRPr lang="en-US" altLang="ja-JP" dirty="0" smtClean="0">
+              <a:latin typeface="Hiragino Kaku Gothic ProN W6" charset="-128"/>
+              <a:ea typeface="Hiragino Kaku Gothic ProN W6" charset="-128"/>
+              <a:cs typeface="Hiragino Kaku Gothic ProN W6" charset="-128"/>
+            </a:endParaRPr>
+          </a:p>
+          <a:p>
+            <a:r>
+              <a:rPr kumimoji="1" lang="ja-JP" altLang="en-US" dirty="0" smtClean="0">
+                <a:latin typeface="Hiragino Kaku Gothic ProN W6" charset="-128"/>
+                <a:ea typeface="Hiragino Kaku Gothic ProN W6" charset="-128"/>
+                <a:cs typeface="Hiragino Kaku Gothic ProN W6" charset="-128"/>
+              </a:rPr>
+              <a:t>確率的なモデルは直接的</a:t>
+            </a:r>
+            <a:endParaRPr kumimoji="1" lang="en-US" altLang="ja-JP" dirty="0" smtClean="0">
+              <a:latin typeface="Hiragino Kaku Gothic ProN W6" charset="-128"/>
+              <a:ea typeface="Hiragino Kaku Gothic ProN W6" charset="-128"/>
+              <a:cs typeface="Hiragino Kaku Gothic ProN W6" charset="-128"/>
+            </a:endParaRPr>
+          </a:p>
+          <a:p>
+            <a:pPr lvl="1" algn="just"/>
+            <a:r>
+              <a:rPr lang="en-US" altLang="ja-JP" dirty="0" smtClean="0">
+                <a:latin typeface="Hiragino Kaku Gothic ProN W6" charset="-128"/>
+                <a:ea typeface="Hiragino Kaku Gothic ProN W6" charset="-128"/>
+                <a:cs typeface="Hiragino Kaku Gothic ProN W6" charset="-128"/>
+              </a:rPr>
+              <a:t>3.5.1</a:t>
+            </a:r>
+            <a:r>
+              <a:rPr lang="ja-JP" altLang="en-US" dirty="0" smtClean="0">
+                <a:latin typeface="Hiragino Kaku Gothic ProN W6" charset="-128"/>
+                <a:ea typeface="Hiragino Kaku Gothic ProN W6" charset="-128"/>
+                <a:cs typeface="Hiragino Kaku Gothic ProN W6" charset="-128"/>
+              </a:rPr>
+              <a:t>　教師なし学習</a:t>
+            </a:r>
+            <a:endParaRPr lang="en-US" altLang="ja-JP" dirty="0" smtClean="0">
+              <a:latin typeface="Hiragino Kaku Gothic ProN W6" charset="-128"/>
+              <a:ea typeface="Hiragino Kaku Gothic ProN W6" charset="-128"/>
+              <a:cs typeface="Hiragino Kaku Gothic ProN W6" charset="-128"/>
+            </a:endParaRPr>
+          </a:p>
+          <a:p>
+            <a:pPr lvl="1"/>
+            <a:r>
+              <a:rPr kumimoji="1" lang="en-US" altLang="ja-JP" dirty="0" smtClean="0">
+                <a:latin typeface="Hiragino Kaku Gothic ProN W6" charset="-128"/>
+                <a:ea typeface="Hiragino Kaku Gothic ProN W6" charset="-128"/>
+                <a:cs typeface="Hiragino Kaku Gothic ProN W6" charset="-128"/>
+              </a:rPr>
+              <a:t>3.5.2</a:t>
+            </a:r>
+            <a:r>
+              <a:rPr kumimoji="1" lang="ja-JP" altLang="en-US" dirty="0" smtClean="0">
+                <a:latin typeface="Hiragino Kaku Gothic ProN W6" charset="-128"/>
+                <a:ea typeface="Hiragino Kaku Gothic ProN W6" charset="-128"/>
+                <a:cs typeface="Hiragino Kaku Gothic ProN W6" charset="-128"/>
+              </a:rPr>
+              <a:t>　教師あり学習</a:t>
+            </a:r>
+            <a:endParaRPr kumimoji="1" lang="ja-JP" altLang="en-US" dirty="0">
+              <a:latin typeface="Hiragino Kaku Gothic ProN W6" charset="-128"/>
+              <a:ea typeface="Hiragino Kaku Gothic ProN W6" charset="-128"/>
+              <a:cs typeface="Hiragino Kaku Gothic ProN W6" charset="-128"/>
+            </a:endParaRPr>
           </a:p>
         </p:txBody>
       </p:sp>
     </p:spTree>
     <p:extLst>
       <p:ext uri="{BB962C8B-B14F-4D97-AF65-F5344CB8AC3E}">
-        <p14:creationId xmlns:p14="http://schemas.microsoft.com/office/powerpoint/2010/main" val="2020181858"/>
+        <p14:creationId xmlns:p14="http://schemas.microsoft.com/office/powerpoint/2010/main" val="353630883"/>
       </p:ext>
     </p:extLst>
   </p:cSld>
@@ -8641,6 +8756,109 @@
                 <a:ea typeface="Hiragino Kaku Gothic ProN W6" charset="-128"/>
                 <a:cs typeface="Hiragino Kaku Gothic ProN W6" charset="-128"/>
               </a:rPr>
+              <a:t>3.5.1</a:t>
+            </a:r>
+            <a:r>
+              <a:rPr lang="en-US" altLang="ja-JP" dirty="0">
+                <a:latin typeface="Hiragino Kaku Gothic ProN W6" charset="-128"/>
+                <a:ea typeface="Hiragino Kaku Gothic ProN W6" charset="-128"/>
+                <a:cs typeface="Hiragino Kaku Gothic ProN W6" charset="-128"/>
+              </a:rPr>
+              <a:t/>
+            </a:r>
+            <a:br>
+              <a:rPr lang="en-US" altLang="ja-JP" dirty="0">
+                <a:latin typeface="Hiragino Kaku Gothic ProN W6" charset="-128"/>
+                <a:ea typeface="Hiragino Kaku Gothic ProN W6" charset="-128"/>
+                <a:cs typeface="Hiragino Kaku Gothic ProN W6" charset="-128"/>
+              </a:rPr>
+            </a:br>
+            <a:r>
+              <a:rPr lang="ja-JP" altLang="en-US" dirty="0" smtClean="0">
+                <a:latin typeface="Hiragino Kaku Gothic ProN W6" charset="-128"/>
+                <a:ea typeface="Hiragino Kaku Gothic ProN W6" charset="-128"/>
+                <a:cs typeface="Hiragino Kaku Gothic ProN W6" charset="-128"/>
+              </a:rPr>
+              <a:t>教師なし学習による確定的なモデルの学習</a:t>
+            </a:r>
+            <a:endParaRPr kumimoji="1" lang="ja-JP" altLang="en-US" dirty="0">
+              <a:latin typeface="Hiragino Kaku Gothic ProN W6" charset="-128"/>
+              <a:ea typeface="Hiragino Kaku Gothic ProN W6" charset="-128"/>
+              <a:cs typeface="Hiragino Kaku Gothic ProN W6" charset="-128"/>
+            </a:endParaRPr>
+          </a:p>
+        </p:txBody>
+      </p:sp>
+      <p:sp>
+        <p:nvSpPr>
+          <p:cNvPr id="3" name="コンテンツ プレースホルダー 2"/>
+          <p:cNvSpPr>
+            <a:spLocks noGrp="1"/>
+          </p:cNvSpPr>
+          <p:nvPr>
+            <p:ph idx="1"/>
+          </p:nvPr>
+        </p:nvSpPr>
+        <p:spPr/>
+        <p:txBody>
+          <a:bodyPr/>
+          <a:lstStyle/>
+          <a:p>
+            <a:endParaRPr kumimoji="1" lang="ja-JP" altLang="en-US" dirty="0"/>
+          </a:p>
+        </p:txBody>
+      </p:sp>
+    </p:spTree>
+    <p:extLst>
+      <p:ext uri="{BB962C8B-B14F-4D97-AF65-F5344CB8AC3E}">
+        <p14:creationId xmlns:p14="http://schemas.microsoft.com/office/powerpoint/2010/main" val="2020181858"/>
+      </p:ext>
+    </p:extLst>
+  </p:cSld>
+  <p:clrMapOvr>
+    <a:masterClrMapping/>
+  </p:clrMapOvr>
+</p:sld>
+</file>
+
+<file path=ppt/slides/slide15.xml><?xml version="1.0" encoding="utf-8"?>
+<p:sld xmlns:a="http://schemas.openxmlformats.org/drawingml/2006/main" xmlns:r="http://schemas.openxmlformats.org/officeDocument/2006/relationships" xmlns:p="http://schemas.openxmlformats.org/presentationml/2006/main">
+  <p:cSld>
+    <p:spTree>
+      <p:nvGrpSpPr>
+        <p:cNvPr id="1" name=""/>
+        <p:cNvGrpSpPr/>
+        <p:nvPr/>
+      </p:nvGrpSpPr>
+      <p:grpSpPr>
+        <a:xfrm>
+          <a:off x="0" y="0"/>
+          <a:ext cx="0" cy="0"/>
+          <a:chOff x="0" y="0"/>
+          <a:chExt cx="0" cy="0"/>
+        </a:xfrm>
+      </p:grpSpPr>
+      <p:sp>
+        <p:nvSpPr>
+          <p:cNvPr id="2" name="タイトル 1"/>
+          <p:cNvSpPr>
+            <a:spLocks noGrp="1"/>
+          </p:cNvSpPr>
+          <p:nvPr>
+            <p:ph type="title"/>
+          </p:nvPr>
+        </p:nvSpPr>
+        <p:spPr/>
+        <p:txBody>
+          <a:bodyPr/>
+          <a:lstStyle/>
+          <a:p>
+            <a:r>
+              <a:rPr lang="en-US" altLang="ja-JP" dirty="0" smtClean="0">
+                <a:latin typeface="Hiragino Kaku Gothic ProN W6" charset="-128"/>
+                <a:ea typeface="Hiragino Kaku Gothic ProN W6" charset="-128"/>
+                <a:cs typeface="Hiragino Kaku Gothic ProN W6" charset="-128"/>
+              </a:rPr>
               <a:t>3.5.2</a:t>
             </a:r>
             <a:r>
@@ -8710,7 +8928,7 @@
 </p:sld>
 </file>
 
-<file path=ppt/slides/slide15.xml><?xml version="1.0" encoding="utf-8"?>
+<file path=ppt/slides/slide16.xml><?xml version="1.0" encoding="utf-8"?>
 <p:sld xmlns:a="http://schemas.openxmlformats.org/drawingml/2006/main" xmlns:r="http://schemas.openxmlformats.org/officeDocument/2006/relationships" xmlns:p="http://schemas.openxmlformats.org/presentationml/2006/main">
   <p:cSld>
     <p:spTree>
@@ -10302,7 +10520,7 @@
                 <a:ea typeface="Hiragino Kaku Gothic ProN W6" charset="-128"/>
                 <a:cs typeface="Hiragino Kaku Gothic ProN W6" charset="-128"/>
               </a:rPr>
-              <a:t>回（よく</a:t>
+              <a:t>回（典型的に</a:t>
             </a:r>
             <a:r>
               <a:rPr lang="en-US" altLang="ja-JP" dirty="0" smtClean="0">
@@ -10712,11 +10930,30 @@
               </a:rPr>
               <a:t>最小確率流法</a:t>
             </a:r>
-            <a:endParaRPr kumimoji="1" lang="en-US" altLang="ja-JP" dirty="0" smtClean="0">
-              <a:latin typeface="Hiragino Kaku Gothic ProN W6" charset="-128"/>
-              <a:ea typeface="Hiragino Kaku Gothic ProN W6" charset="-128"/>
-              <a:cs typeface="Hiragino Kaku Gothic ProN W6" charset="-128"/>
-            </a:endParaRPr>
+            <a:r>
+              <a:rPr kumimoji="1" lang="en-US" altLang="ja-JP" dirty="0" smtClean="0">
+                <a:latin typeface="Hiragino Kaku Gothic ProN W6" charset="-128"/>
+                <a:ea typeface="Hiragino Kaku Gothic ProN W6" charset="-128"/>
+                <a:cs typeface="Hiragino Kaku Gothic ProN W6" charset="-128"/>
+              </a:rPr>
+              <a:t>(MPF</a:t>
+            </a:r>
+            <a:r>
+              <a:rPr kumimoji="1" lang="ja-JP" altLang="en-US" dirty="0" smtClean="0">
+                <a:latin typeface="Hiragino Kaku Gothic ProN W6" charset="-128"/>
+                <a:ea typeface="Hiragino Kaku Gothic ProN W6" charset="-128"/>
+                <a:cs typeface="Hiragino Kaku Gothic ProN W6" charset="-128"/>
+              </a:rPr>
+              <a:t>法</a:t>
+            </a:r>
+            <a:r>
+              <a:rPr kumimoji="1" lang="en-US" altLang="ja-JP" dirty="0" smtClean="0">
+                <a:latin typeface="Hiragino Kaku Gothic ProN W6" charset="-128"/>
+                <a:ea typeface="Hiragino Kaku Gothic ProN W6" charset="-128"/>
+                <a:cs typeface="Hiragino Kaku Gothic ProN W6" charset="-128"/>
+              </a:rPr>
+              <a:t>)</a:t>
+            </a:r>
           </a:p>
           <a:p>
             <a:pPr marL="457200" indent="-457200">

--- a/deep_learning3.4.pptx
+++ b/deep_learning3.4.pptx
@@ -16,11 +16,12 @@
     <p:sldId id="264" r:id="rId10"/>
     <p:sldId id="271" r:id="rId11"/>
     <p:sldId id="265" r:id="rId12"/>
-    <p:sldId id="266" r:id="rId13"/>
-    <p:sldId id="267" r:id="rId14"/>
-    <p:sldId id="268" r:id="rId15"/>
-    <p:sldId id="269" r:id="rId16"/>
-    <p:sldId id="270" r:id="rId17"/>
+    <p:sldId id="272" r:id="rId13"/>
+    <p:sldId id="266" r:id="rId14"/>
+    <p:sldId id="267" r:id="rId15"/>
+    <p:sldId id="268" r:id="rId16"/>
+    <p:sldId id="269" r:id="rId17"/>
+    <p:sldId id="270" r:id="rId18"/>
   </p:sldIdLst>
   <p:sldSz cx="12192000" cy="6858000"/>
   <p:notesSz cx="6858000" cy="9144000"/>
@@ -8404,10 +8405,370 @@
         </p:nvSpPr>
         <p:spPr/>
         <p:txBody>
-          <a:bodyPr/>
+          <a:bodyPr>
+            <a:normAutofit fontScale="92500" lnSpcReduction="10000"/>
+          </a:bodyPr>
           <a:lstStyle/>
           <a:p>
-            <a:endParaRPr kumimoji="1" lang="ja-JP" altLang="en-US"/>
+            <a:r>
+              <a:rPr kumimoji="1" lang="ja-JP" altLang="en-US" dirty="0" smtClean="0">
+                <a:latin typeface="Hiragino Kaku Gothic ProN W6" charset="-128"/>
+                <a:ea typeface="Hiragino Kaku Gothic ProN W6" charset="-128"/>
+                <a:cs typeface="Hiragino Kaku Gothic ProN W6" charset="-128"/>
+              </a:rPr>
+              <a:t>継続的</a:t>
+            </a:r>
+            <a:r>
+              <a:rPr kumimoji="1" lang="en-US" altLang="ja-JP" dirty="0" smtClean="0">
+                <a:latin typeface="Hiragino Kaku Gothic ProN W6" charset="-128"/>
+                <a:ea typeface="Hiragino Kaku Gothic ProN W6" charset="-128"/>
+                <a:cs typeface="Hiragino Kaku Gothic ProN W6" charset="-128"/>
+              </a:rPr>
+              <a:t>CD</a:t>
+            </a:r>
+            <a:r>
+              <a:rPr kumimoji="1" lang="ja-JP" altLang="en-US" dirty="0" smtClean="0">
+                <a:latin typeface="Hiragino Kaku Gothic ProN W6" charset="-128"/>
+                <a:ea typeface="Hiragino Kaku Gothic ProN W6" charset="-128"/>
+                <a:cs typeface="Hiragino Kaku Gothic ProN W6" charset="-128"/>
+              </a:rPr>
+              <a:t>法</a:t>
+            </a:r>
+            <a:endParaRPr kumimoji="1" lang="en-US" altLang="ja-JP" dirty="0" smtClean="0">
+              <a:latin typeface="Hiragino Kaku Gothic ProN W6" charset="-128"/>
+              <a:ea typeface="Hiragino Kaku Gothic ProN W6" charset="-128"/>
+              <a:cs typeface="Hiragino Kaku Gothic ProN W6" charset="-128"/>
+            </a:endParaRPr>
+          </a:p>
+          <a:p>
+            <a:pPr lvl="1" algn="just"/>
+            <a:r>
+              <a:rPr kumimoji="1" lang="ja-JP" altLang="en-US" dirty="0" smtClean="0">
+                <a:latin typeface="Hiragino Kaku Gothic ProN W6" charset="-128"/>
+                <a:ea typeface="Hiragino Kaku Gothic ProN W6" charset="-128"/>
+                <a:cs typeface="Hiragino Kaku Gothic ProN W6" charset="-128"/>
+              </a:rPr>
+              <a:t>近似導関数</a:t>
+            </a:r>
+            <a:r>
+              <a:rPr kumimoji="1" lang="en-US" altLang="ja-JP" dirty="0" smtClean="0">
+                <a:latin typeface="Hiragino Kaku Gothic ProN W6" charset="-128"/>
+                <a:ea typeface="Hiragino Kaku Gothic ProN W6" charset="-128"/>
+                <a:cs typeface="Hiragino Kaku Gothic ProN W6" charset="-128"/>
+              </a:rPr>
+              <a:t>(3.13)</a:t>
+            </a:r>
+            <a:r>
+              <a:rPr kumimoji="1" lang="ja-JP" altLang="en-US" dirty="0" smtClean="0">
+                <a:latin typeface="Hiragino Kaku Gothic ProN W6" charset="-128"/>
+                <a:ea typeface="Hiragino Kaku Gothic ProN W6" charset="-128"/>
+                <a:cs typeface="Hiragino Kaku Gothic ProN W6" charset="-128"/>
+              </a:rPr>
+              <a:t>を対数尤度の勾配の式</a:t>
+            </a:r>
+            <a:r>
+              <a:rPr kumimoji="1" lang="en-US" altLang="ja-JP" dirty="0" smtClean="0">
+                <a:latin typeface="Hiragino Kaku Gothic ProN W6" charset="-128"/>
+                <a:ea typeface="Hiragino Kaku Gothic ProN W6" charset="-128"/>
+                <a:cs typeface="Hiragino Kaku Gothic ProN W6" charset="-128"/>
+              </a:rPr>
+              <a:t>(3.12)</a:t>
+            </a:r>
+            <a:r>
+              <a:rPr kumimoji="1" lang="ja-JP" altLang="en-US" dirty="0" smtClean="0">
+                <a:latin typeface="Hiragino Kaku Gothic ProN W6" charset="-128"/>
+                <a:ea typeface="Hiragino Kaku Gothic ProN W6" charset="-128"/>
+                <a:cs typeface="Hiragino Kaku Gothic ProN W6" charset="-128"/>
+              </a:rPr>
+              <a:t>に近づける</a:t>
+            </a:r>
+            <a:endParaRPr lang="en-US" altLang="ja-JP" dirty="0" smtClean="0">
+              <a:latin typeface="Hiragino Kaku Gothic ProN W6" charset="-128"/>
+              <a:ea typeface="Hiragino Kaku Gothic ProN W6" charset="-128"/>
+              <a:cs typeface="Hiragino Kaku Gothic ProN W6" charset="-128"/>
+            </a:endParaRPr>
+          </a:p>
+          <a:p>
+            <a:r>
+              <a:rPr kumimoji="1" lang="en-US" altLang="ja-JP" dirty="0" smtClean="0">
+                <a:latin typeface="Hiragino Kaku Gothic ProN W6" charset="-128"/>
+                <a:ea typeface="Hiragino Kaku Gothic ProN W6" charset="-128"/>
+                <a:cs typeface="Hiragino Kaku Gothic ProN W6" charset="-128"/>
+              </a:rPr>
+              <a:t>CD</a:t>
+            </a:r>
+            <a:r>
+              <a:rPr kumimoji="1" lang="ja-JP" altLang="en-US" dirty="0" smtClean="0">
+                <a:latin typeface="Hiragino Kaku Gothic ProN W6" charset="-128"/>
+                <a:ea typeface="Hiragino Kaku Gothic ProN W6" charset="-128"/>
+                <a:cs typeface="Hiragino Kaku Gothic ProN W6" charset="-128"/>
+              </a:rPr>
+              <a:t>法</a:t>
+            </a:r>
+            <a:endParaRPr kumimoji="1" lang="en-US" altLang="ja-JP" dirty="0" smtClean="0">
+              <a:latin typeface="Hiragino Kaku Gothic ProN W6" charset="-128"/>
+              <a:ea typeface="Hiragino Kaku Gothic ProN W6" charset="-128"/>
+              <a:cs typeface="Hiragino Kaku Gothic ProN W6" charset="-128"/>
+            </a:endParaRPr>
+          </a:p>
+          <a:p>
+            <a:pPr lvl="1"/>
+            <a:r>
+              <a:rPr lang="ja-JP" altLang="en-US" dirty="0" smtClean="0">
+                <a:latin typeface="Hiragino Kaku Gothic ProN W6" charset="-128"/>
+                <a:ea typeface="Hiragino Kaku Gothic ProN W6" charset="-128"/>
+                <a:cs typeface="Hiragino Kaku Gothic ProN W6" charset="-128"/>
+              </a:rPr>
+              <a:t>式</a:t>
+            </a:r>
+            <a:r>
+              <a:rPr lang="en-US" altLang="ja-JP" dirty="0">
+                <a:latin typeface="Hiragino Kaku Gothic ProN W6" charset="-128"/>
+                <a:ea typeface="Hiragino Kaku Gothic ProN W6" charset="-128"/>
+                <a:cs typeface="Hiragino Kaku Gothic ProN W6" charset="-128"/>
+              </a:rPr>
+              <a:t>(3.12</a:t>
+            </a:r>
+            <a:r>
+              <a:rPr lang="en-US" altLang="ja-JP" dirty="0" smtClean="0">
+                <a:latin typeface="Hiragino Kaku Gothic ProN W6" charset="-128"/>
+                <a:ea typeface="Hiragino Kaku Gothic ProN W6" charset="-128"/>
+                <a:cs typeface="Hiragino Kaku Gothic ProN W6" charset="-128"/>
+              </a:rPr>
+              <a:t>)</a:t>
+            </a:r>
+            <a:r>
+              <a:rPr lang="ja-JP" altLang="en-US" dirty="0" smtClean="0">
+                <a:latin typeface="Hiragino Kaku Gothic ProN W6" charset="-128"/>
+                <a:ea typeface="Hiragino Kaku Gothic ProN W6" charset="-128"/>
+                <a:cs typeface="Hiragino Kaku Gothic ProN W6" charset="-128"/>
+              </a:rPr>
+              <a:t>の第二項の期待値計算は解析的な計算が困難</a:t>
+            </a:r>
+            <a:endParaRPr lang="en-US" altLang="ja-JP" dirty="0">
+              <a:latin typeface="Hiragino Kaku Gothic ProN W6" charset="-128"/>
+              <a:ea typeface="Hiragino Kaku Gothic ProN W6" charset="-128"/>
+              <a:cs typeface="Hiragino Kaku Gothic ProN W6" charset="-128"/>
+            </a:endParaRPr>
+          </a:p>
+          <a:p>
+            <a:pPr marL="457200" lvl="1" indent="0">
+              <a:buNone/>
+            </a:pPr>
+            <a:r>
+              <a:rPr kumimoji="1" lang="ja-JP" altLang="en-US" dirty="0" smtClean="0">
+                <a:latin typeface="Hiragino Kaku Gothic ProN W6" charset="-128"/>
+                <a:ea typeface="Hiragino Kaku Gothic ProN W6" charset="-128"/>
+                <a:cs typeface="Hiragino Kaku Gothic ProN W6" charset="-128"/>
+              </a:rPr>
+              <a:t>　　　→ギプスサンプリング無限回で近似してサンプルを定常分布に収束</a:t>
+            </a:r>
+            <a:endParaRPr kumimoji="1" lang="en-US" altLang="ja-JP" dirty="0" smtClean="0">
+              <a:latin typeface="Hiragino Kaku Gothic ProN W6" charset="-128"/>
+              <a:ea typeface="Hiragino Kaku Gothic ProN W6" charset="-128"/>
+              <a:cs typeface="Hiragino Kaku Gothic ProN W6" charset="-128"/>
+            </a:endParaRPr>
+          </a:p>
+          <a:p>
+            <a:pPr marL="457200" lvl="1" indent="0">
+              <a:buNone/>
+            </a:pPr>
+            <a:r>
+              <a:rPr lang="ja-JP" altLang="en-US" dirty="0">
+                <a:latin typeface="Hiragino Kaku Gothic ProN W6" charset="-128"/>
+                <a:ea typeface="Hiragino Kaku Gothic ProN W6" charset="-128"/>
+                <a:cs typeface="Hiragino Kaku Gothic ProN W6" charset="-128"/>
+              </a:rPr>
+              <a:t>　</a:t>
+            </a:r>
+            <a:r>
+              <a:rPr lang="ja-JP" altLang="en-US" dirty="0" smtClean="0">
+                <a:latin typeface="Hiragino Kaku Gothic ProN W6" charset="-128"/>
+                <a:ea typeface="Hiragino Kaku Gothic ProN W6" charset="-128"/>
+                <a:cs typeface="Hiragino Kaku Gothic ProN W6" charset="-128"/>
+              </a:rPr>
+              <a:t>　　→</a:t>
+            </a:r>
+            <a:r>
+              <a:rPr lang="ja-JP" altLang="en-US" dirty="0">
+                <a:latin typeface="Hiragino Kaku Gothic ProN W6" charset="-128"/>
+                <a:ea typeface="Hiragino Kaku Gothic ProN W6" charset="-128"/>
+                <a:cs typeface="Hiragino Kaku Gothic ProN W6" charset="-128"/>
+              </a:rPr>
+              <a:t>近似導関数</a:t>
+            </a:r>
+            <a:r>
+              <a:rPr lang="en-US" altLang="ja-JP" dirty="0">
+                <a:latin typeface="Hiragino Kaku Gothic ProN W6" charset="-128"/>
+                <a:ea typeface="Hiragino Kaku Gothic ProN W6" charset="-128"/>
+                <a:cs typeface="Hiragino Kaku Gothic ProN W6" charset="-128"/>
+              </a:rPr>
+              <a:t>(3.13</a:t>
+            </a:r>
+            <a:r>
+              <a:rPr lang="en-US" altLang="ja-JP" dirty="0" smtClean="0">
+                <a:latin typeface="Hiragino Kaku Gothic ProN W6" charset="-128"/>
+                <a:ea typeface="Hiragino Kaku Gothic ProN W6" charset="-128"/>
+                <a:cs typeface="Hiragino Kaku Gothic ProN W6" charset="-128"/>
+              </a:rPr>
+              <a:t>)</a:t>
+            </a:r>
+            <a:r>
+              <a:rPr lang="ja-JP" altLang="en-US" dirty="0" smtClean="0">
+                <a:latin typeface="Hiragino Kaku Gothic ProN W6" charset="-128"/>
+                <a:ea typeface="Hiragino Kaku Gothic ProN W6" charset="-128"/>
+                <a:cs typeface="Hiragino Kaku Gothic ProN W6" charset="-128"/>
+              </a:rPr>
+              <a:t>をギプスサンプリング</a:t>
+            </a:r>
+            <a:r>
+              <a:rPr lang="en-US" altLang="ja-JP" dirty="0" smtClean="0">
+                <a:latin typeface="Hiragino Kaku Gothic ProN W6" charset="-128"/>
+                <a:ea typeface="Hiragino Kaku Gothic ProN W6" charset="-128"/>
+                <a:cs typeface="Hiragino Kaku Gothic ProN W6" charset="-128"/>
+              </a:rPr>
+              <a:t>k</a:t>
+            </a:r>
+            <a:r>
+              <a:rPr lang="ja-JP" altLang="en-US" dirty="0" smtClean="0">
+                <a:latin typeface="Hiragino Kaku Gothic ProN W6" charset="-128"/>
+                <a:ea typeface="Hiragino Kaku Gothic ProN W6" charset="-128"/>
+                <a:cs typeface="Hiragino Kaku Gothic ProN W6" charset="-128"/>
+              </a:rPr>
+              <a:t>回で代用</a:t>
+            </a:r>
+            <a:endParaRPr lang="en-US" altLang="ja-JP" dirty="0" smtClean="0">
+              <a:latin typeface="Hiragino Kaku Gothic ProN W6" charset="-128"/>
+              <a:ea typeface="Hiragino Kaku Gothic ProN W6" charset="-128"/>
+              <a:cs typeface="Hiragino Kaku Gothic ProN W6" charset="-128"/>
+            </a:endParaRPr>
+          </a:p>
+          <a:p>
+            <a:pPr lvl="1"/>
+            <a:r>
+              <a:rPr kumimoji="1" lang="ja-JP" altLang="en-US" dirty="0" smtClean="0">
+                <a:latin typeface="Hiragino Kaku Gothic ProN W6" charset="-128"/>
+                <a:ea typeface="Hiragino Kaku Gothic ProN W6" charset="-128"/>
+                <a:cs typeface="Hiragino Kaku Gothic ProN W6" charset="-128"/>
+              </a:rPr>
+              <a:t>パラメータ更新のたびに初期分布を観測データからの経験分布に戻す</a:t>
+            </a:r>
+            <a:endParaRPr kumimoji="1" lang="en-US" altLang="ja-JP" dirty="0" smtClean="0">
+              <a:latin typeface="Hiragino Kaku Gothic ProN W6" charset="-128"/>
+              <a:ea typeface="Hiragino Kaku Gothic ProN W6" charset="-128"/>
+              <a:cs typeface="Hiragino Kaku Gothic ProN W6" charset="-128"/>
+            </a:endParaRPr>
+          </a:p>
+          <a:p>
+            <a:r>
+              <a:rPr lang="ja-JP" altLang="en-US" dirty="0" smtClean="0">
+                <a:latin typeface="Hiragino Kaku Gothic ProN W6" charset="-128"/>
+                <a:ea typeface="Hiragino Kaku Gothic ProN W6" charset="-128"/>
+                <a:cs typeface="Hiragino Kaku Gothic ProN W6" charset="-128"/>
+              </a:rPr>
+              <a:t>継続的</a:t>
+            </a:r>
+            <a:r>
+              <a:rPr lang="en-US" altLang="ja-JP" dirty="0" smtClean="0">
+                <a:latin typeface="Hiragino Kaku Gothic ProN W6" charset="-128"/>
+                <a:ea typeface="Hiragino Kaku Gothic ProN W6" charset="-128"/>
+                <a:cs typeface="Hiragino Kaku Gothic ProN W6" charset="-128"/>
+              </a:rPr>
+              <a:t>CD</a:t>
+            </a:r>
+            <a:r>
+              <a:rPr lang="ja-JP" altLang="en-US" dirty="0" smtClean="0">
+                <a:latin typeface="Hiragino Kaku Gothic ProN W6" charset="-128"/>
+                <a:ea typeface="Hiragino Kaku Gothic ProN W6" charset="-128"/>
+                <a:cs typeface="Hiragino Kaku Gothic ProN W6" charset="-128"/>
+              </a:rPr>
+              <a:t>法</a:t>
+            </a:r>
+            <a:endParaRPr lang="en-US" altLang="ja-JP" dirty="0" smtClean="0">
+              <a:latin typeface="Hiragino Kaku Gothic ProN W6" charset="-128"/>
+              <a:ea typeface="Hiragino Kaku Gothic ProN W6" charset="-128"/>
+              <a:cs typeface="Hiragino Kaku Gothic ProN W6" charset="-128"/>
+            </a:endParaRPr>
+          </a:p>
+          <a:p>
+            <a:pPr lvl="1"/>
+            <a:r>
+              <a:rPr kumimoji="1" lang="ja-JP" altLang="en-US" dirty="0" smtClean="0">
+                <a:latin typeface="Hiragino Kaku Gothic ProN W6" charset="-128"/>
+                <a:ea typeface="Hiragino Kaku Gothic ProN W6" charset="-128"/>
+                <a:cs typeface="Hiragino Kaku Gothic ProN W6" charset="-128"/>
+              </a:rPr>
+              <a:t>更新後にサンプルで構成される経験分布からギプスサンプリング</a:t>
+            </a:r>
+            <a:endParaRPr kumimoji="1" lang="en-US" altLang="ja-JP" dirty="0" smtClean="0">
+              <a:latin typeface="Hiragino Kaku Gothic ProN W6" charset="-128"/>
+              <a:ea typeface="Hiragino Kaku Gothic ProN W6" charset="-128"/>
+              <a:cs typeface="Hiragino Kaku Gothic ProN W6" charset="-128"/>
+            </a:endParaRPr>
+          </a:p>
+          <a:p>
+            <a:pPr lvl="1"/>
+            <a:r>
+              <a:rPr lang="ja-JP" altLang="en-US" dirty="0" smtClean="0">
+                <a:latin typeface="Hiragino Kaku Gothic ProN W6" charset="-128"/>
+                <a:ea typeface="Hiragino Kaku Gothic ProN W6" charset="-128"/>
+                <a:cs typeface="Hiragino Kaku Gothic ProN W6" charset="-128"/>
+              </a:rPr>
+              <a:t>継続的</a:t>
+            </a:r>
+            <a:r>
+              <a:rPr lang="en-US" altLang="ja-JP" dirty="0" smtClean="0">
+                <a:latin typeface="Hiragino Kaku Gothic ProN W6" charset="-128"/>
+                <a:ea typeface="Hiragino Kaku Gothic ProN W6" charset="-128"/>
+                <a:cs typeface="Hiragino Kaku Gothic ProN W6" charset="-128"/>
+              </a:rPr>
+              <a:t>CD-1</a:t>
+            </a:r>
+            <a:r>
+              <a:rPr lang="ja-JP" altLang="en-US" dirty="0" smtClean="0">
+                <a:latin typeface="Hiragino Kaku Gothic ProN W6" charset="-128"/>
+                <a:ea typeface="Hiragino Kaku Gothic ProN W6" charset="-128"/>
+                <a:cs typeface="Hiragino Kaku Gothic ProN W6" charset="-128"/>
+              </a:rPr>
+              <a:t>法　≧　</a:t>
+            </a:r>
+            <a:r>
+              <a:rPr lang="en-US" altLang="ja-JP" dirty="0" smtClean="0">
+                <a:latin typeface="Hiragino Kaku Gothic ProN W6" charset="-128"/>
+                <a:ea typeface="Hiragino Kaku Gothic ProN W6" charset="-128"/>
+                <a:cs typeface="Hiragino Kaku Gothic ProN W6" charset="-128"/>
+              </a:rPr>
+              <a:t>CD-10</a:t>
+            </a:r>
+            <a:r>
+              <a:rPr lang="ja-JP" altLang="en-US" dirty="0" smtClean="0">
+                <a:latin typeface="Hiragino Kaku Gothic ProN W6" charset="-128"/>
+                <a:ea typeface="Hiragino Kaku Gothic ProN W6" charset="-128"/>
+                <a:cs typeface="Hiragino Kaku Gothic ProN W6" charset="-128"/>
+              </a:rPr>
+              <a:t>法</a:t>
+            </a:r>
+            <a:endParaRPr lang="en-US" altLang="ja-JP" dirty="0" smtClean="0">
+              <a:latin typeface="Hiragino Kaku Gothic ProN W6" charset="-128"/>
+              <a:ea typeface="Hiragino Kaku Gothic ProN W6" charset="-128"/>
+              <a:cs typeface="Hiragino Kaku Gothic ProN W6" charset="-128"/>
+            </a:endParaRPr>
+          </a:p>
+          <a:p>
+            <a:pPr lvl="1"/>
+            <a:r>
+              <a:rPr kumimoji="1" lang="ja-JP" altLang="en-US" dirty="0" smtClean="0">
+                <a:latin typeface="Hiragino Kaku Gothic ProN W6" charset="-128"/>
+                <a:ea typeface="Hiragino Kaku Gothic ProN W6" charset="-128"/>
+                <a:cs typeface="Hiragino Kaku Gothic ProN W6" charset="-128"/>
+              </a:rPr>
+              <a:t>計算量が少ない</a:t>
+            </a:r>
+            <a:endParaRPr kumimoji="1" lang="en-US" altLang="ja-JP" dirty="0" smtClean="0">
+              <a:latin typeface="Hiragino Kaku Gothic ProN W6" charset="-128"/>
+              <a:ea typeface="Hiragino Kaku Gothic ProN W6" charset="-128"/>
+              <a:cs typeface="Hiragino Kaku Gothic ProN W6" charset="-128"/>
+            </a:endParaRPr>
           </a:p>
         </p:txBody>
       </p:sp>
@@ -8453,68 +8814,210 @@
         </p:nvSpPr>
         <p:spPr/>
         <p:txBody>
-          <a:bodyPr>
-            <a:normAutofit fontScale="90000"/>
-          </a:bodyPr>
-          <a:lstStyle/>
-          <a:p>
-            <a:r>
-              <a:rPr kumimoji="1" lang="en-US" altLang="ja-JP" dirty="0" smtClean="0">
-                <a:latin typeface="ヒラギノ角ゴ Pro W6" charset="-128"/>
-                <a:ea typeface="ヒラギノ角ゴ Pro W6" charset="-128"/>
-              </a:rPr>
-              <a:t>3.4.7</a:t>
-            </a:r>
-            <a:r>
-              <a:rPr lang="en-US" altLang="ja-JP" dirty="0">
-                <a:latin typeface="ヒラギノ角ゴ Pro W6" charset="-128"/>
-                <a:ea typeface="ヒラギノ角ゴ Pro W6" charset="-128"/>
-              </a:rPr>
-              <a:t/>
-            </a:r>
-            <a:br>
-              <a:rPr lang="en-US" altLang="ja-JP" dirty="0">
-                <a:latin typeface="ヒラギノ角ゴ Pro W6" charset="-128"/>
-                <a:ea typeface="ヒラギノ角ゴ Pro W6" charset="-128"/>
-              </a:rPr>
-            </a:br>
-            <a:r>
-              <a:rPr kumimoji="1" lang="ja-JP" altLang="en-US" sz="3100" dirty="0" smtClean="0">
-                <a:latin typeface="ヒラギノ角ゴ Pro W6" charset="-128"/>
-                <a:ea typeface="ヒラギノ角ゴ Pro W6" charset="-128"/>
-              </a:rPr>
-              <a:t>確率的なモデルの事前学習と自己符号化器の学習の関係</a:t>
-            </a:r>
-            <a:endParaRPr kumimoji="1" lang="ja-JP" altLang="en-US" sz="3100" dirty="0">
-              <a:latin typeface="ヒラギノ角ゴ Pro W6" charset="-128"/>
-              <a:ea typeface="ヒラギノ角ゴ Pro W6" charset="-128"/>
-            </a:endParaRPr>
-          </a:p>
-        </p:txBody>
-      </p:sp>
-      <p:sp>
-        <p:nvSpPr>
-          <p:cNvPr id="3" name="コンテンツ プレースホルダー 2"/>
-          <p:cNvSpPr>
-            <a:spLocks noGrp="1"/>
-          </p:cNvSpPr>
-          <p:nvPr>
-            <p:ph idx="1"/>
-          </p:nvPr>
-        </p:nvSpPr>
-        <p:spPr/>
-        <p:txBody>
           <a:bodyPr/>
           <a:lstStyle/>
           <a:p>
+            <a:r>
+              <a:rPr lang="en-US" altLang="ja-JP" dirty="0">
+                <a:latin typeface="Hiragino Kaku Gothic ProN W6" charset="-128"/>
+                <a:ea typeface="Hiragino Kaku Gothic ProN W6" charset="-128"/>
+                <a:cs typeface="Hiragino Kaku Gothic ProN W6" charset="-128"/>
+              </a:rPr>
+              <a:t>CD</a:t>
+            </a:r>
+            <a:r>
+              <a:rPr lang="ja-JP" altLang="en-US" dirty="0">
+                <a:latin typeface="Hiragino Kaku Gothic ProN W6" charset="-128"/>
+                <a:ea typeface="Hiragino Kaku Gothic ProN W6" charset="-128"/>
+                <a:cs typeface="Hiragino Kaku Gothic ProN W6" charset="-128"/>
+              </a:rPr>
+              <a:t>法から派生した学習則</a:t>
+            </a:r>
             <a:endParaRPr kumimoji="1" lang="ja-JP" altLang="en-US" dirty="0"/>
+          </a:p>
+        </p:txBody>
+      </p:sp>
+      <p:sp>
+        <p:nvSpPr>
+          <p:cNvPr id="3" name="コンテンツ プレースホルダー 2"/>
+          <p:cNvSpPr>
+            <a:spLocks noGrp="1"/>
+          </p:cNvSpPr>
+          <p:nvPr>
+            <p:ph idx="1"/>
+          </p:nvPr>
+        </p:nvSpPr>
+        <p:spPr/>
+        <p:txBody>
+          <a:bodyPr/>
+          <a:lstStyle/>
+          <a:p>
+            <a:r>
+              <a:rPr kumimoji="1" lang="ja-JP" altLang="en-US" dirty="0" smtClean="0">
+                <a:latin typeface="Hiragino Kaku Gothic ProN W6" charset="-128"/>
+                <a:ea typeface="Hiragino Kaku Gothic ProN W6" charset="-128"/>
+                <a:cs typeface="Hiragino Kaku Gothic ProN W6" charset="-128"/>
+              </a:rPr>
+              <a:t>パラレルテンパリング</a:t>
+            </a:r>
+            <a:r>
+              <a:rPr lang="en-US" altLang="ja-JP" dirty="0">
+                <a:latin typeface="Hiragino Kaku Gothic ProN W6" charset="-128"/>
+                <a:ea typeface="Hiragino Kaku Gothic ProN W6" charset="-128"/>
+                <a:cs typeface="Hiragino Kaku Gothic ProN W6" charset="-128"/>
+              </a:rPr>
+              <a:t>=</a:t>
+            </a:r>
+            <a:r>
+              <a:rPr lang="ja-JP" altLang="en-US" dirty="0" smtClean="0">
+                <a:latin typeface="Hiragino Kaku Gothic ProN W6" charset="-128"/>
+                <a:ea typeface="Hiragino Kaku Gothic ProN W6" charset="-128"/>
+                <a:cs typeface="Hiragino Kaku Gothic ProN W6" charset="-128"/>
+              </a:rPr>
+              <a:t>交換モンテカルロ法</a:t>
+            </a:r>
+            <a:endParaRPr lang="en-US" altLang="ja-JP" dirty="0" smtClean="0">
+              <a:latin typeface="Hiragino Kaku Gothic ProN W6" charset="-128"/>
+              <a:ea typeface="Hiragino Kaku Gothic ProN W6" charset="-128"/>
+              <a:cs typeface="Hiragino Kaku Gothic ProN W6" charset="-128"/>
+            </a:endParaRPr>
+          </a:p>
+          <a:p>
+            <a:pPr lvl="1"/>
+            <a:r>
+              <a:rPr kumimoji="1" lang="ja-JP" altLang="en-US" dirty="0" smtClean="0">
+                <a:latin typeface="Hiragino Kaku Gothic ProN W6" charset="-128"/>
+                <a:ea typeface="Hiragino Kaku Gothic ProN W6" charset="-128"/>
+                <a:cs typeface="Hiragino Kaku Gothic ProN W6" charset="-128"/>
+              </a:rPr>
+              <a:t>マルコフ連鎖においてサンプル集団の偏りがなかなか解消されない</a:t>
+            </a:r>
+            <a:endParaRPr kumimoji="1" lang="en-US" altLang="ja-JP" dirty="0" smtClean="0">
+              <a:latin typeface="Hiragino Kaku Gothic ProN W6" charset="-128"/>
+              <a:ea typeface="Hiragino Kaku Gothic ProN W6" charset="-128"/>
+              <a:cs typeface="Hiragino Kaku Gothic ProN W6" charset="-128"/>
+            </a:endParaRPr>
+          </a:p>
+          <a:p>
+            <a:pPr lvl="1"/>
+            <a:r>
+              <a:rPr kumimoji="1" lang="ja-JP" altLang="en-US" dirty="0" smtClean="0">
+                <a:latin typeface="Hiragino Kaku Gothic ProN W6" charset="-128"/>
+                <a:ea typeface="Hiragino Kaku Gothic ProN W6" charset="-128"/>
+                <a:cs typeface="Hiragino Kaku Gothic ProN W6" charset="-128"/>
+              </a:rPr>
+              <a:t>広い状態空間を探索させるため</a:t>
+            </a:r>
+            <a:r>
+              <a:rPr lang="ja-JP" altLang="en-US" dirty="0" smtClean="0">
+                <a:latin typeface="Hiragino Kaku Gothic ProN W6" charset="-128"/>
+                <a:ea typeface="Hiragino Kaku Gothic ProN W6" charset="-128"/>
+                <a:cs typeface="Hiragino Kaku Gothic ProN W6" charset="-128"/>
+              </a:rPr>
+              <a:t>，複数の互いに異なる乱雑さをもつマルコフ連鎖を並列して用いる</a:t>
+            </a:r>
+            <a:endParaRPr lang="en-US" altLang="ja-JP" dirty="0" smtClean="0">
+              <a:latin typeface="Hiragino Kaku Gothic ProN W6" charset="-128"/>
+              <a:ea typeface="Hiragino Kaku Gothic ProN W6" charset="-128"/>
+              <a:cs typeface="Hiragino Kaku Gothic ProN W6" charset="-128"/>
+            </a:endParaRPr>
+          </a:p>
+          <a:p>
+            <a:pPr lvl="1"/>
+            <a:endParaRPr kumimoji="1" lang="en-US" altLang="ja-JP" dirty="0">
+              <a:latin typeface="Hiragino Kaku Gothic ProN W6" charset="-128"/>
+              <a:ea typeface="Hiragino Kaku Gothic ProN W6" charset="-128"/>
+              <a:cs typeface="Hiragino Kaku Gothic ProN W6" charset="-128"/>
+            </a:endParaRPr>
+          </a:p>
+          <a:p>
+            <a:pPr lvl="1"/>
+            <a:r>
+              <a:rPr lang="ja-JP" altLang="en-US" dirty="0" smtClean="0">
+                <a:latin typeface="Hiragino Kaku Gothic ProN W6" charset="-128"/>
+                <a:ea typeface="Hiragino Kaku Gothic ProN W6" charset="-128"/>
+                <a:cs typeface="Hiragino Kaku Gothic ProN W6" charset="-128"/>
+              </a:rPr>
+              <a:t>継続的</a:t>
+            </a:r>
+            <a:r>
+              <a:rPr lang="en-US" altLang="ja-JP" dirty="0" smtClean="0">
+                <a:latin typeface="Hiragino Kaku Gothic ProN W6" charset="-128"/>
+                <a:ea typeface="Hiragino Kaku Gothic ProN W6" charset="-128"/>
+                <a:cs typeface="Hiragino Kaku Gothic ProN W6" charset="-128"/>
+              </a:rPr>
+              <a:t>CD</a:t>
+            </a:r>
+            <a:r>
+              <a:rPr lang="ja-JP" altLang="en-US" dirty="0" smtClean="0">
+                <a:latin typeface="Hiragino Kaku Gothic ProN W6" charset="-128"/>
+                <a:ea typeface="Hiragino Kaku Gothic ProN W6" charset="-128"/>
+                <a:cs typeface="Hiragino Kaku Gothic ProN W6" charset="-128"/>
+              </a:rPr>
+              <a:t>法と併用することで，</a:t>
+            </a:r>
+            <a:endParaRPr lang="en-US" altLang="ja-JP" smtClean="0">
+              <a:latin typeface="Hiragino Kaku Gothic ProN W6" charset="-128"/>
+              <a:ea typeface="Hiragino Kaku Gothic ProN W6" charset="-128"/>
+              <a:cs typeface="Hiragino Kaku Gothic ProN W6" charset="-128"/>
+            </a:endParaRPr>
+          </a:p>
+          <a:p>
+            <a:pPr marL="457200" lvl="1" indent="0">
+              <a:buNone/>
+            </a:pPr>
+            <a:r>
+              <a:rPr lang="ja-JP" altLang="en-US" smtClean="0">
+                <a:latin typeface="Hiragino Kaku Gothic ProN W6" charset="-128"/>
+                <a:ea typeface="Hiragino Kaku Gothic ProN W6" charset="-128"/>
+                <a:cs typeface="Hiragino Kaku Gothic ProN W6" charset="-128"/>
+              </a:rPr>
+              <a:t>パラメータを上手く設定すれば継続的</a:t>
+            </a:r>
+            <a:r>
+              <a:rPr lang="en-US" altLang="ja-JP" dirty="0" smtClean="0">
+                <a:latin typeface="Hiragino Kaku Gothic ProN W6" charset="-128"/>
+                <a:ea typeface="Hiragino Kaku Gothic ProN W6" charset="-128"/>
+                <a:cs typeface="Hiragino Kaku Gothic ProN W6" charset="-128"/>
+              </a:rPr>
+              <a:t>CD</a:t>
+            </a:r>
+            <a:r>
+              <a:rPr lang="ja-JP" altLang="en-US" dirty="0" smtClean="0">
+                <a:latin typeface="Hiragino Kaku Gothic ProN W6" charset="-128"/>
+                <a:ea typeface="Hiragino Kaku Gothic ProN W6" charset="-128"/>
+                <a:cs typeface="Hiragino Kaku Gothic ProN W6" charset="-128"/>
+              </a:rPr>
+              <a:t>法より優れた学習性能</a:t>
+            </a:r>
+            <a:endParaRPr lang="en-US" altLang="ja-JP" dirty="0" smtClean="0">
+              <a:latin typeface="Hiragino Kaku Gothic ProN W6" charset="-128"/>
+              <a:ea typeface="Hiragino Kaku Gothic ProN W6" charset="-128"/>
+              <a:cs typeface="Hiragino Kaku Gothic ProN W6" charset="-128"/>
+            </a:endParaRPr>
+          </a:p>
+          <a:p>
+            <a:pPr lvl="1"/>
+            <a:r>
+              <a:rPr kumimoji="1" lang="ja-JP" altLang="en-US" dirty="0" smtClean="0">
+                <a:latin typeface="Hiragino Kaku Gothic ProN W6" charset="-128"/>
+                <a:ea typeface="Hiragino Kaku Gothic ProN W6" charset="-128"/>
+                <a:cs typeface="Hiragino Kaku Gothic ProN W6" charset="-128"/>
+              </a:rPr>
+              <a:t>欠点：設定するパラメータが増える</a:t>
+            </a:r>
+            <a:endParaRPr kumimoji="1" lang="en-US" altLang="ja-JP" dirty="0" smtClean="0">
+              <a:latin typeface="Hiragino Kaku Gothic ProN W6" charset="-128"/>
+              <a:ea typeface="Hiragino Kaku Gothic ProN W6" charset="-128"/>
+              <a:cs typeface="Hiragino Kaku Gothic ProN W6" charset="-128"/>
+            </a:endParaRPr>
           </a:p>
         </p:txBody>
       </p:sp>
     </p:spTree>
     <p:extLst>
       <p:ext uri="{BB962C8B-B14F-4D97-AF65-F5344CB8AC3E}">
-        <p14:creationId xmlns:p14="http://schemas.microsoft.com/office/powerpoint/2010/main" val="648899709"/>
+        <p14:creationId xmlns:p14="http://schemas.microsoft.com/office/powerpoint/2010/main" val="1330595058"/>
       </p:ext>
     </p:extLst>
   </p:cSld>
@@ -8553,162 +9056,68 @@
         </p:nvSpPr>
         <p:spPr/>
         <p:txBody>
+          <a:bodyPr>
+            <a:normAutofit fontScale="90000"/>
+          </a:bodyPr>
+          <a:lstStyle/>
+          <a:p>
+            <a:r>
+              <a:rPr kumimoji="1" lang="en-US" altLang="ja-JP" dirty="0" smtClean="0">
+                <a:latin typeface="ヒラギノ角ゴ Pro W6" charset="-128"/>
+                <a:ea typeface="ヒラギノ角ゴ Pro W6" charset="-128"/>
+              </a:rPr>
+              <a:t>3.4.7</a:t>
+            </a:r>
+            <a:r>
+              <a:rPr lang="en-US" altLang="ja-JP" dirty="0">
+                <a:latin typeface="ヒラギノ角ゴ Pro W6" charset="-128"/>
+                <a:ea typeface="ヒラギノ角ゴ Pro W6" charset="-128"/>
+              </a:rPr>
+              <a:t/>
+            </a:r>
+            <a:br>
+              <a:rPr lang="en-US" altLang="ja-JP" dirty="0">
+                <a:latin typeface="ヒラギノ角ゴ Pro W6" charset="-128"/>
+                <a:ea typeface="ヒラギノ角ゴ Pro W6" charset="-128"/>
+              </a:rPr>
+            </a:br>
+            <a:r>
+              <a:rPr kumimoji="1" lang="ja-JP" altLang="en-US" sz="3100" dirty="0" smtClean="0">
+                <a:latin typeface="ヒラギノ角ゴ Pro W6" charset="-128"/>
+                <a:ea typeface="ヒラギノ角ゴ Pro W6" charset="-128"/>
+              </a:rPr>
+              <a:t>確率的なモデルの事前学習と自己符号化器の学習の関係</a:t>
+            </a:r>
+            <a:endParaRPr kumimoji="1" lang="ja-JP" altLang="en-US" sz="3100" dirty="0">
+              <a:latin typeface="ヒラギノ角ゴ Pro W6" charset="-128"/>
+              <a:ea typeface="ヒラギノ角ゴ Pro W6" charset="-128"/>
+            </a:endParaRPr>
+          </a:p>
+        </p:txBody>
+      </p:sp>
+      <p:sp>
+        <p:nvSpPr>
+          <p:cNvPr id="3" name="コンテンツ プレースホルダー 2"/>
+          <p:cNvSpPr>
+            <a:spLocks noGrp="1"/>
+          </p:cNvSpPr>
+          <p:nvPr>
+            <p:ph idx="1"/>
+          </p:nvPr>
+        </p:nvSpPr>
+        <p:spPr/>
+        <p:txBody>
           <a:bodyPr/>
           <a:lstStyle/>
           <a:p>
-            <a:r>
-              <a:rPr kumimoji="1" lang="en-US" altLang="ja-JP" dirty="0" smtClean="0">
-                <a:latin typeface="Hiragino Kaku Gothic ProN W6" charset="-128"/>
-                <a:ea typeface="Hiragino Kaku Gothic ProN W6" charset="-128"/>
-                <a:cs typeface="Hiragino Kaku Gothic ProN W6" charset="-128"/>
-              </a:rPr>
-              <a:t>3.5</a:t>
-            </a:r>
-            <a:r>
-              <a:rPr kumimoji="1" lang="ja-JP" altLang="en-US" dirty="0" smtClean="0">
-                <a:latin typeface="Hiragino Kaku Gothic ProN W6" charset="-128"/>
-                <a:ea typeface="Hiragino Kaku Gothic ProN W6" charset="-128"/>
-                <a:cs typeface="Hiragino Kaku Gothic ProN W6" charset="-128"/>
-              </a:rPr>
-              <a:t>　確定的なモデルを用いた事前学習</a:t>
-            </a:r>
-            <a:endParaRPr kumimoji="1" lang="ja-JP" altLang="en-US" dirty="0">
-              <a:latin typeface="Hiragino Kaku Gothic ProN W6" charset="-128"/>
-              <a:ea typeface="Hiragino Kaku Gothic ProN W6" charset="-128"/>
-              <a:cs typeface="Hiragino Kaku Gothic ProN W6" charset="-128"/>
-            </a:endParaRPr>
-          </a:p>
-        </p:txBody>
-      </p:sp>
-      <p:sp>
-        <p:nvSpPr>
-          <p:cNvPr id="3" name="コンテンツ プレースホルダー 2"/>
-          <p:cNvSpPr>
-            <a:spLocks noGrp="1"/>
-          </p:cNvSpPr>
-          <p:nvPr>
-            <p:ph idx="1"/>
-          </p:nvPr>
-        </p:nvSpPr>
-        <p:spPr/>
-        <p:txBody>
-          <a:bodyPr/>
-          <a:lstStyle/>
-          <a:p>
-            <a:r>
-              <a:rPr kumimoji="1" lang="ja-JP" altLang="en-US" dirty="0" smtClean="0">
-                <a:latin typeface="Hiragino Kaku Gothic ProN W6" charset="-128"/>
-                <a:ea typeface="Hiragino Kaku Gothic ProN W6" charset="-128"/>
-                <a:cs typeface="Hiragino Kaku Gothic ProN W6" charset="-128"/>
-              </a:rPr>
-              <a:t>事前学習は後の深層</a:t>
-            </a:r>
-            <a:r>
-              <a:rPr kumimoji="1" lang="en-US" altLang="ja-JP" dirty="0" smtClean="0">
-                <a:latin typeface="Hiragino Kaku Gothic ProN W6" charset="-128"/>
-                <a:ea typeface="Hiragino Kaku Gothic ProN W6" charset="-128"/>
-                <a:cs typeface="Hiragino Kaku Gothic ProN W6" charset="-128"/>
-              </a:rPr>
-              <a:t>NN</a:t>
-            </a:r>
-            <a:r>
-              <a:rPr kumimoji="1" lang="ja-JP" altLang="en-US" dirty="0" smtClean="0">
-                <a:latin typeface="Hiragino Kaku Gothic ProN W6" charset="-128"/>
-                <a:ea typeface="Hiragino Kaku Gothic ProN W6" charset="-128"/>
-                <a:cs typeface="Hiragino Kaku Gothic ProN W6" charset="-128"/>
-              </a:rPr>
-              <a:t>の過学習を防ぐ</a:t>
-            </a:r>
-            <a:endParaRPr kumimoji="1" lang="en-US" altLang="ja-JP" dirty="0" smtClean="0">
-              <a:latin typeface="Hiragino Kaku Gothic ProN W6" charset="-128"/>
-              <a:ea typeface="Hiragino Kaku Gothic ProN W6" charset="-128"/>
-              <a:cs typeface="Hiragino Kaku Gothic ProN W6" charset="-128"/>
-            </a:endParaRPr>
-          </a:p>
-          <a:p>
-            <a:r>
-              <a:rPr lang="ja-JP" altLang="en-US" dirty="0" smtClean="0">
-                <a:latin typeface="Hiragino Kaku Gothic ProN W6" charset="-128"/>
-                <a:ea typeface="Hiragino Kaku Gothic ProN W6" charset="-128"/>
-                <a:cs typeface="Hiragino Kaku Gothic ProN W6" charset="-128"/>
-              </a:rPr>
-              <a:t>確率的なモデルは，確定的な教師あり学習の損失関数とは間接的</a:t>
-            </a:r>
-            <a:endParaRPr lang="en-US" altLang="ja-JP" dirty="0" smtClean="0">
-              <a:latin typeface="Hiragino Kaku Gothic ProN W6" charset="-128"/>
-              <a:ea typeface="Hiragino Kaku Gothic ProN W6" charset="-128"/>
-              <a:cs typeface="Hiragino Kaku Gothic ProN W6" charset="-128"/>
-            </a:endParaRPr>
-          </a:p>
-          <a:p>
-            <a:r>
-              <a:rPr kumimoji="1" lang="ja-JP" altLang="en-US" dirty="0" smtClean="0">
-                <a:latin typeface="Hiragino Kaku Gothic ProN W6" charset="-128"/>
-                <a:ea typeface="Hiragino Kaku Gothic ProN W6" charset="-128"/>
-                <a:cs typeface="Hiragino Kaku Gothic ProN W6" charset="-128"/>
-              </a:rPr>
-              <a:t>確率的なモデルは直接的</a:t>
-            </a:r>
-            <a:endParaRPr kumimoji="1" lang="en-US" altLang="ja-JP" dirty="0" smtClean="0">
-              <a:latin typeface="Hiragino Kaku Gothic ProN W6" charset="-128"/>
-              <a:ea typeface="Hiragino Kaku Gothic ProN W6" charset="-128"/>
-              <a:cs typeface="Hiragino Kaku Gothic ProN W6" charset="-128"/>
-            </a:endParaRPr>
-          </a:p>
-          <a:p>
-            <a:pPr lvl="1" algn="just"/>
-            <a:r>
-              <a:rPr lang="en-US" altLang="ja-JP" dirty="0" smtClean="0">
-                <a:latin typeface="Hiragino Kaku Gothic ProN W6" charset="-128"/>
-                <a:ea typeface="Hiragino Kaku Gothic ProN W6" charset="-128"/>
-                <a:cs typeface="Hiragino Kaku Gothic ProN W6" charset="-128"/>
-              </a:rPr>
-              <a:t>3.5.1</a:t>
-            </a:r>
-            <a:r>
-              <a:rPr lang="ja-JP" altLang="en-US" dirty="0" smtClean="0">
-                <a:latin typeface="Hiragino Kaku Gothic ProN W6" charset="-128"/>
-                <a:ea typeface="Hiragino Kaku Gothic ProN W6" charset="-128"/>
-                <a:cs typeface="Hiragino Kaku Gothic ProN W6" charset="-128"/>
-              </a:rPr>
-              <a:t>　教師なし学習</a:t>
-            </a:r>
-            <a:endParaRPr lang="en-US" altLang="ja-JP" dirty="0" smtClean="0">
-              <a:latin typeface="Hiragino Kaku Gothic ProN W6" charset="-128"/>
-              <a:ea typeface="Hiragino Kaku Gothic ProN W6" charset="-128"/>
-              <a:cs typeface="Hiragino Kaku Gothic ProN W6" charset="-128"/>
-            </a:endParaRPr>
-          </a:p>
-          <a:p>
-            <a:pPr lvl="1"/>
-            <a:r>
-              <a:rPr kumimoji="1" lang="en-US" altLang="ja-JP" dirty="0" smtClean="0">
-                <a:latin typeface="Hiragino Kaku Gothic ProN W6" charset="-128"/>
-                <a:ea typeface="Hiragino Kaku Gothic ProN W6" charset="-128"/>
-                <a:cs typeface="Hiragino Kaku Gothic ProN W6" charset="-128"/>
-              </a:rPr>
-              <a:t>3.5.2</a:t>
-            </a:r>
-            <a:r>
-              <a:rPr kumimoji="1" lang="ja-JP" altLang="en-US" dirty="0" smtClean="0">
-                <a:latin typeface="Hiragino Kaku Gothic ProN W6" charset="-128"/>
-                <a:ea typeface="Hiragino Kaku Gothic ProN W6" charset="-128"/>
-                <a:cs typeface="Hiragino Kaku Gothic ProN W6" charset="-128"/>
-              </a:rPr>
-              <a:t>　教師あり学習</a:t>
-            </a:r>
-            <a:endParaRPr kumimoji="1" lang="ja-JP" altLang="en-US" dirty="0">
-              <a:latin typeface="Hiragino Kaku Gothic ProN W6" charset="-128"/>
-              <a:ea typeface="Hiragino Kaku Gothic ProN W6" charset="-128"/>
-              <a:cs typeface="Hiragino Kaku Gothic ProN W6" charset="-128"/>
-            </a:endParaRPr>
+            <a:endParaRPr kumimoji="1" lang="ja-JP" altLang="en-US" dirty="0"/>
           </a:p>
         </p:txBody>
       </p:sp>
     </p:spTree>
     <p:extLst>
       <p:ext uri="{BB962C8B-B14F-4D97-AF65-F5344CB8AC3E}">
-        <p14:creationId xmlns:p14="http://schemas.microsoft.com/office/powerpoint/2010/main" val="353630883"/>
+        <p14:creationId xmlns:p14="http://schemas.microsoft.com/office/powerpoint/2010/main" val="648899709"/>
       </p:ext>
     </p:extLst>
   </p:cSld>
@@ -8751,35 +9160,20 @@
           <a:lstStyle/>
           <a:p>
             <a:r>
-              <a:rPr lang="en-US" altLang="ja-JP" dirty="0" smtClean="0">
-                <a:latin typeface="Hiragino Kaku Gothic ProN W6" charset="-128"/>
-                <a:ea typeface="Hiragino Kaku Gothic ProN W6" charset="-128"/>
-                <a:cs typeface="Hiragino Kaku Gothic ProN W6" charset="-128"/>
-              </a:rPr>
-              <a:t>3.5.1</a:t>
-            </a:r>
-            <a:r>
-              <a:rPr lang="en-US" altLang="ja-JP" dirty="0">
-                <a:latin typeface="Hiragino Kaku Gothic ProN W6" charset="-128"/>
-                <a:ea typeface="Hiragino Kaku Gothic ProN W6" charset="-128"/>
-                <a:cs typeface="Hiragino Kaku Gothic ProN W6" charset="-128"/>
-              </a:rPr>
-              <a:t/>
-            </a:r>
-            <a:br>
-              <a:rPr lang="en-US" altLang="ja-JP" dirty="0">
-                <a:latin typeface="Hiragino Kaku Gothic ProN W6" charset="-128"/>
-                <a:ea typeface="Hiragino Kaku Gothic ProN W6" charset="-128"/>
-                <a:cs typeface="Hiragino Kaku Gothic ProN W6" charset="-128"/>
-              </a:rPr>
-            </a:br>
-            <a:r>
-              <a:rPr lang="ja-JP" altLang="en-US" dirty="0" smtClean="0">
-                <a:latin typeface="Hiragino Kaku Gothic ProN W6" charset="-128"/>
-                <a:ea typeface="Hiragino Kaku Gothic ProN W6" charset="-128"/>
-                <a:cs typeface="Hiragino Kaku Gothic ProN W6" charset="-128"/>
-              </a:rPr>
-              <a:t>教師なし学習による確定的なモデルの学習</a:t>
+              <a:rPr kumimoji="1" lang="en-US" altLang="ja-JP" dirty="0" smtClean="0">
+                <a:latin typeface="Hiragino Kaku Gothic ProN W6" charset="-128"/>
+                <a:ea typeface="Hiragino Kaku Gothic ProN W6" charset="-128"/>
+                <a:cs typeface="Hiragino Kaku Gothic ProN W6" charset="-128"/>
+              </a:rPr>
+              <a:t>3.5</a:t>
+            </a:r>
+            <a:r>
+              <a:rPr kumimoji="1" lang="ja-JP" altLang="en-US" dirty="0" smtClean="0">
+                <a:latin typeface="Hiragino Kaku Gothic ProN W6" charset="-128"/>
+                <a:ea typeface="Hiragino Kaku Gothic ProN W6" charset="-128"/>
+                <a:cs typeface="Hiragino Kaku Gothic ProN W6" charset="-128"/>
+              </a:rPr>
+              <a:t>　確定的なモデルを用いた事前学習</a:t>
             </a:r>
             <a:endParaRPr kumimoji="1" lang="ja-JP" altLang="en-US" dirty="0">
               <a:latin typeface="Hiragino Kaku Gothic ProN W6" charset="-128"/>
@@ -8804,14 +9198,120 @@
           <a:bodyPr/>
           <a:lstStyle/>
           <a:p>
-            <a:endParaRPr kumimoji="1" lang="ja-JP" altLang="en-US" dirty="0"/>
+            <a:r>
+              <a:rPr kumimoji="1" lang="ja-JP" altLang="en-US" dirty="0" smtClean="0">
+                <a:latin typeface="Hiragino Kaku Gothic ProN W6" charset="-128"/>
+                <a:ea typeface="Hiragino Kaku Gothic ProN W6" charset="-128"/>
+                <a:cs typeface="Hiragino Kaku Gothic ProN W6" charset="-128"/>
+              </a:rPr>
+              <a:t>事前学習は後の深層</a:t>
+            </a:r>
+            <a:r>
+              <a:rPr kumimoji="1" lang="en-US" altLang="ja-JP" dirty="0" smtClean="0">
+                <a:latin typeface="Hiragino Kaku Gothic ProN W6" charset="-128"/>
+                <a:ea typeface="Hiragino Kaku Gothic ProN W6" charset="-128"/>
+                <a:cs typeface="Hiragino Kaku Gothic ProN W6" charset="-128"/>
+              </a:rPr>
+              <a:t>NN</a:t>
+            </a:r>
+            <a:r>
+              <a:rPr kumimoji="1" lang="ja-JP" altLang="en-US" dirty="0" smtClean="0">
+                <a:latin typeface="Hiragino Kaku Gothic ProN W6" charset="-128"/>
+                <a:ea typeface="Hiragino Kaku Gothic ProN W6" charset="-128"/>
+                <a:cs typeface="Hiragino Kaku Gothic ProN W6" charset="-128"/>
+              </a:rPr>
+              <a:t>の過学習を防ぐ</a:t>
+            </a:r>
+            <a:endParaRPr kumimoji="1" lang="en-US" altLang="ja-JP" dirty="0" smtClean="0">
+              <a:latin typeface="Hiragino Kaku Gothic ProN W6" charset="-128"/>
+              <a:ea typeface="Hiragino Kaku Gothic ProN W6" charset="-128"/>
+              <a:cs typeface="Hiragino Kaku Gothic ProN W6" charset="-128"/>
+            </a:endParaRPr>
+          </a:p>
+          <a:p>
+            <a:r>
+              <a:rPr lang="ja-JP" altLang="en-US" dirty="0" smtClean="0">
+                <a:latin typeface="Hiragino Kaku Gothic ProN W6" charset="-128"/>
+                <a:ea typeface="Hiragino Kaku Gothic ProN W6" charset="-128"/>
+                <a:cs typeface="Hiragino Kaku Gothic ProN W6" charset="-128"/>
+              </a:rPr>
+              <a:t>確率的なモデルは，確定的な教師あり学習の損失関数とは間接的</a:t>
+            </a:r>
+            <a:endParaRPr lang="en-US" altLang="ja-JP" dirty="0" smtClean="0">
+              <a:latin typeface="Hiragino Kaku Gothic ProN W6" charset="-128"/>
+              <a:ea typeface="Hiragino Kaku Gothic ProN W6" charset="-128"/>
+              <a:cs typeface="Hiragino Kaku Gothic ProN W6" charset="-128"/>
+            </a:endParaRPr>
+          </a:p>
+          <a:p>
+            <a:r>
+              <a:rPr kumimoji="1" lang="ja-JP" altLang="en-US" dirty="0" smtClean="0">
+                <a:latin typeface="Hiragino Kaku Gothic ProN W6" charset="-128"/>
+                <a:ea typeface="Hiragino Kaku Gothic ProN W6" charset="-128"/>
+                <a:cs typeface="Hiragino Kaku Gothic ProN W6" charset="-128"/>
+              </a:rPr>
+              <a:t>確率的なモデルは直接的</a:t>
+            </a:r>
+            <a:endParaRPr kumimoji="1" lang="en-US" altLang="ja-JP" dirty="0" smtClean="0">
+              <a:latin typeface="Hiragino Kaku Gothic ProN W6" charset="-128"/>
+              <a:ea typeface="Hiragino Kaku Gothic ProN W6" charset="-128"/>
+              <a:cs typeface="Hiragino Kaku Gothic ProN W6" charset="-128"/>
+            </a:endParaRPr>
+          </a:p>
+          <a:p>
+            <a:pPr lvl="1" algn="just"/>
+            <a:r>
+              <a:rPr lang="en-US" altLang="ja-JP" dirty="0" smtClean="0">
+                <a:latin typeface="Hiragino Kaku Gothic ProN W6" charset="-128"/>
+                <a:ea typeface="Hiragino Kaku Gothic ProN W6" charset="-128"/>
+                <a:cs typeface="Hiragino Kaku Gothic ProN W6" charset="-128"/>
+              </a:rPr>
+              <a:t>3.5.1</a:t>
+            </a:r>
+            <a:r>
+              <a:rPr lang="ja-JP" altLang="en-US" dirty="0" smtClean="0">
+                <a:latin typeface="Hiragino Kaku Gothic ProN W6" charset="-128"/>
+                <a:ea typeface="Hiragino Kaku Gothic ProN W6" charset="-128"/>
+                <a:cs typeface="Hiragino Kaku Gothic ProN W6" charset="-128"/>
+              </a:rPr>
+              <a:t>　教師なし学習</a:t>
+            </a:r>
+            <a:endParaRPr lang="en-US" altLang="ja-JP" dirty="0" smtClean="0">
+              <a:latin typeface="Hiragino Kaku Gothic ProN W6" charset="-128"/>
+              <a:ea typeface="Hiragino Kaku Gothic ProN W6" charset="-128"/>
+              <a:cs typeface="Hiragino Kaku Gothic ProN W6" charset="-128"/>
+            </a:endParaRPr>
+          </a:p>
+          <a:p>
+            <a:pPr lvl="1"/>
+            <a:r>
+              <a:rPr kumimoji="1" lang="en-US" altLang="ja-JP" dirty="0" smtClean="0">
+                <a:latin typeface="Hiragino Kaku Gothic ProN W6" charset="-128"/>
+                <a:ea typeface="Hiragino Kaku Gothic ProN W6" charset="-128"/>
+                <a:cs typeface="Hiragino Kaku Gothic ProN W6" charset="-128"/>
+              </a:rPr>
+              <a:t>3.5.2</a:t>
+            </a:r>
+            <a:r>
+              <a:rPr kumimoji="1" lang="ja-JP" altLang="en-US" dirty="0" smtClean="0">
+                <a:latin typeface="Hiragino Kaku Gothic ProN W6" charset="-128"/>
+                <a:ea typeface="Hiragino Kaku Gothic ProN W6" charset="-128"/>
+                <a:cs typeface="Hiragino Kaku Gothic ProN W6" charset="-128"/>
+              </a:rPr>
+              <a:t>　教師あり学習</a:t>
+            </a:r>
+            <a:endParaRPr kumimoji="1" lang="ja-JP" altLang="en-US" dirty="0">
+              <a:latin typeface="Hiragino Kaku Gothic ProN W6" charset="-128"/>
+              <a:ea typeface="Hiragino Kaku Gothic ProN W6" charset="-128"/>
+              <a:cs typeface="Hiragino Kaku Gothic ProN W6" charset="-128"/>
+            </a:endParaRPr>
           </a:p>
         </p:txBody>
       </p:sp>
     </p:spTree>
     <p:extLst>
       <p:ext uri="{BB962C8B-B14F-4D97-AF65-F5344CB8AC3E}">
-        <p14:creationId xmlns:p14="http://schemas.microsoft.com/office/powerpoint/2010/main" val="2020181858"/>
+        <p14:creationId xmlns:p14="http://schemas.microsoft.com/office/powerpoint/2010/main" val="353630883"/>
       </p:ext>
     </p:extLst>
   </p:cSld>
@@ -8859,6 +9359,109 @@
                 <a:ea typeface="Hiragino Kaku Gothic ProN W6" charset="-128"/>
                 <a:cs typeface="Hiragino Kaku Gothic ProN W6" charset="-128"/>
               </a:rPr>
+              <a:t>3.5.1</a:t>
+            </a:r>
+            <a:r>
+              <a:rPr lang="en-US" altLang="ja-JP" dirty="0">
+                <a:latin typeface="Hiragino Kaku Gothic ProN W6" charset="-128"/>
+                <a:ea typeface="Hiragino Kaku Gothic ProN W6" charset="-128"/>
+                <a:cs typeface="Hiragino Kaku Gothic ProN W6" charset="-128"/>
+              </a:rPr>
+              <a:t/>
+            </a:r>
+            <a:br>
+              <a:rPr lang="en-US" altLang="ja-JP" dirty="0">
+                <a:latin typeface="Hiragino Kaku Gothic ProN W6" charset="-128"/>
+                <a:ea typeface="Hiragino Kaku Gothic ProN W6" charset="-128"/>
+                <a:cs typeface="Hiragino Kaku Gothic ProN W6" charset="-128"/>
+              </a:rPr>
+            </a:br>
+            <a:r>
+              <a:rPr lang="ja-JP" altLang="en-US" dirty="0" smtClean="0">
+                <a:latin typeface="Hiragino Kaku Gothic ProN W6" charset="-128"/>
+                <a:ea typeface="Hiragino Kaku Gothic ProN W6" charset="-128"/>
+                <a:cs typeface="Hiragino Kaku Gothic ProN W6" charset="-128"/>
+              </a:rPr>
+              <a:t>教師なし学習による確定的なモデルの学習</a:t>
+            </a:r>
+            <a:endParaRPr kumimoji="1" lang="ja-JP" altLang="en-US" dirty="0">
+              <a:latin typeface="Hiragino Kaku Gothic ProN W6" charset="-128"/>
+              <a:ea typeface="Hiragino Kaku Gothic ProN W6" charset="-128"/>
+              <a:cs typeface="Hiragino Kaku Gothic ProN W6" charset="-128"/>
+            </a:endParaRPr>
+          </a:p>
+        </p:txBody>
+      </p:sp>
+      <p:sp>
+        <p:nvSpPr>
+          <p:cNvPr id="3" name="コンテンツ プレースホルダー 2"/>
+          <p:cNvSpPr>
+            <a:spLocks noGrp="1"/>
+          </p:cNvSpPr>
+          <p:nvPr>
+            <p:ph idx="1"/>
+          </p:nvPr>
+        </p:nvSpPr>
+        <p:spPr/>
+        <p:txBody>
+          <a:bodyPr/>
+          <a:lstStyle/>
+          <a:p>
+            <a:endParaRPr kumimoji="1" lang="ja-JP" altLang="en-US" dirty="0"/>
+          </a:p>
+        </p:txBody>
+      </p:sp>
+    </p:spTree>
+    <p:extLst>
+      <p:ext uri="{BB962C8B-B14F-4D97-AF65-F5344CB8AC3E}">
+        <p14:creationId xmlns:p14="http://schemas.microsoft.com/office/powerpoint/2010/main" val="2020181858"/>
+      </p:ext>
+    </p:extLst>
+  </p:cSld>
+  <p:clrMapOvr>
+    <a:masterClrMapping/>
+  </p:clrMapOvr>
+</p:sld>
+</file>
+
+<file path=ppt/slides/slide16.xml><?xml version="1.0" encoding="utf-8"?>
+<p:sld xmlns:a="http://schemas.openxmlformats.org/drawingml/2006/main" xmlns:r="http://schemas.openxmlformats.org/officeDocument/2006/relationships" xmlns:p="http://schemas.openxmlformats.org/presentationml/2006/main">
+  <p:cSld>
+    <p:spTree>
+      <p:nvGrpSpPr>
+        <p:cNvPr id="1" name=""/>
+        <p:cNvGrpSpPr/>
+        <p:nvPr/>
+      </p:nvGrpSpPr>
+      <p:grpSpPr>
+        <a:xfrm>
+          <a:off x="0" y="0"/>
+          <a:ext cx="0" cy="0"/>
+          <a:chOff x="0" y="0"/>
+          <a:chExt cx="0" cy="0"/>
+        </a:xfrm>
+      </p:grpSpPr>
+      <p:sp>
+        <p:nvSpPr>
+          <p:cNvPr id="2" name="タイトル 1"/>
+          <p:cNvSpPr>
+            <a:spLocks noGrp="1"/>
+          </p:cNvSpPr>
+          <p:nvPr>
+            <p:ph type="title"/>
+          </p:nvPr>
+        </p:nvSpPr>
+        <p:spPr/>
+        <p:txBody>
+          <a:bodyPr/>
+          <a:lstStyle/>
+          <a:p>
+            <a:r>
+              <a:rPr lang="en-US" altLang="ja-JP" dirty="0" smtClean="0">
+                <a:latin typeface="Hiragino Kaku Gothic ProN W6" charset="-128"/>
+                <a:ea typeface="Hiragino Kaku Gothic ProN W6" charset="-128"/>
+                <a:cs typeface="Hiragino Kaku Gothic ProN W6" charset="-128"/>
+              </a:rPr>
               <a:t>3.5.2</a:t>
             </a:r>
             <a:r>
@@ -8928,7 +9531,7 @@
 </p:sld>
 </file>
 
-<file path=ppt/slides/slide16.xml><?xml version="1.0" encoding="utf-8"?>
+<file path=ppt/slides/slide17.xml><?xml version="1.0" encoding="utf-8"?>
 <p:sld xmlns:a="http://schemas.openxmlformats.org/drawingml/2006/main" xmlns:r="http://schemas.openxmlformats.org/officeDocument/2006/relationships" xmlns:p="http://schemas.openxmlformats.org/presentationml/2006/main">
   <p:cSld>
     <p:spTree>
@@ -10286,6 +10889,44 @@
           </a:p>
         </p:txBody>
       </p:sp>
+      <p:sp>
+        <p:nvSpPr>
+          <p:cNvPr id="8" name="テキスト ボックス 7"/>
+          <p:cNvSpPr txBox="1"/>
+          <p:nvPr/>
+        </p:nvSpPr>
+        <p:spPr>
+          <a:xfrm>
+            <a:off x="10294182" y="4222046"/>
+            <a:ext cx="1176925" cy="461665"/>
+          </a:xfrm>
+          <a:prstGeom prst="rect">
+            <a:avLst/>
+          </a:prstGeom>
+          <a:noFill/>
+        </p:spPr>
+        <p:txBody>
+          <a:bodyPr wrap="none" rtlCol="0">
+            <a:spAutoFit/>
+          </a:bodyPr>
+          <a:lstStyle/>
+          <a:p>
+            <a:r>
+              <a:rPr kumimoji="1" lang="en-US" altLang="ja-JP" sz="2400" dirty="0" smtClean="0">
+                <a:latin typeface="Hiragino Kaku Gothic ProN W6" charset="-128"/>
+                <a:ea typeface="Hiragino Kaku Gothic ProN W6" charset="-128"/>
+                <a:cs typeface="Hiragino Kaku Gothic ProN W6" charset="-128"/>
+              </a:rPr>
+              <a:t>(3.12)</a:t>
+            </a:r>
+            <a:endParaRPr kumimoji="1" lang="ja-JP" altLang="en-US" sz="2400" dirty="0">
+              <a:latin typeface="Hiragino Kaku Gothic ProN W6" charset="-128"/>
+              <a:ea typeface="Hiragino Kaku Gothic ProN W6" charset="-128"/>
+              <a:cs typeface="Hiragino Kaku Gothic ProN W6" charset="-128"/>
+            </a:endParaRPr>
+          </a:p>
+        </p:txBody>
+      </p:sp>
     </p:spTree>
     <p:extLst>
       <p:ext uri="{BB962C8B-B14F-4D97-AF65-F5344CB8AC3E}">
@@ -10545,6 +11186,29 @@
             </a:endParaRPr>
           </a:p>
           <a:p>
+            <a:r>
+              <a:rPr lang="en-US" altLang="ja-JP" dirty="0" smtClean="0">
+                <a:latin typeface="Hiragino Kaku Gothic ProN W6" charset="-128"/>
+                <a:ea typeface="Hiragino Kaku Gothic ProN W6" charset="-128"/>
+                <a:cs typeface="Hiragino Kaku Gothic ProN W6" charset="-128"/>
+              </a:rPr>
+              <a:t>CD-k</a:t>
+            </a:r>
+            <a:r>
+              <a:rPr lang="ja-JP" altLang="en-US" dirty="0" smtClean="0">
+                <a:latin typeface="Hiragino Kaku Gothic ProN W6" charset="-128"/>
+                <a:ea typeface="Hiragino Kaku Gothic ProN W6" charset="-128"/>
+                <a:cs typeface="Hiragino Kaku Gothic ProN W6" charset="-128"/>
+              </a:rPr>
+              <a:t>法では以下の近似導関数を用いてパラメータ更新</a:t>
+            </a:r>
+            <a:endParaRPr lang="en-US" altLang="ja-JP" dirty="0" smtClean="0">
+              <a:latin typeface="Hiragino Kaku Gothic ProN W6" charset="-128"/>
+              <a:ea typeface="Hiragino Kaku Gothic ProN W6" charset="-128"/>
+              <a:cs typeface="Hiragino Kaku Gothic ProN W6" charset="-128"/>
+            </a:endParaRPr>
+          </a:p>
+          <a:p>
             <a:endParaRPr kumimoji="1" lang="ja-JP" altLang="en-US" dirty="0">
               <a:latin typeface="Hiragino Kaku Gothic ProN W6" charset="-128"/>
               <a:ea typeface="Hiragino Kaku Gothic ProN W6" charset="-128"/>
@@ -10575,7 +11239,7 @@
         </p:blipFill>
         <p:spPr>
           <a:xfrm>
-            <a:off x="680321" y="4136531"/>
+            <a:off x="774914" y="4567455"/>
             <a:ext cx="10058400" cy="1456485"/>
           </a:xfrm>
           <a:prstGeom prst="rect">
@@ -10583,6 +11247,60 @@
           </a:prstGeom>
         </p:spPr>
       </p:pic>
+      <p:sp>
+        <p:nvSpPr>
+          <p:cNvPr id="5" name="テキスト ボックス 4"/>
+          <p:cNvSpPr txBox="1"/>
+          <p:nvPr/>
+        </p:nvSpPr>
+        <p:spPr>
+          <a:xfrm>
+            <a:off x="10833314" y="4981903"/>
+            <a:ext cx="1202573" cy="461665"/>
+          </a:xfrm>
+          <a:prstGeom prst="rect">
+            <a:avLst/>
+          </a:prstGeom>
+          <a:noFill/>
+        </p:spPr>
+        <p:txBody>
+          <a:bodyPr wrap="none" rtlCol="0">
+            <a:spAutoFit/>
+          </a:bodyPr>
+          <a:lstStyle/>
+          <a:p>
+            <a:r>
+              <a:rPr kumimoji="1" lang="en-US" altLang="ja-JP" sz="2400" dirty="0" smtClean="0">
+                <a:latin typeface="Hiragino Kaku Gothic StdN W8" charset="-128"/>
+                <a:ea typeface="Hiragino Kaku Gothic StdN W8" charset="-128"/>
+                <a:cs typeface="Hiragino Kaku Gothic StdN W8" charset="-128"/>
+              </a:rPr>
+              <a:t>(</a:t>
+            </a:r>
+            <a:r>
+              <a:rPr kumimoji="1" lang="en-US" altLang="ja-JP" sz="2400" dirty="0" smtClean="0">
+                <a:latin typeface="Hiragino Kaku Gothic ProN W6" charset="-128"/>
+                <a:ea typeface="Hiragino Kaku Gothic ProN W6" charset="-128"/>
+                <a:cs typeface="Hiragino Kaku Gothic ProN W6" charset="-128"/>
+              </a:rPr>
+              <a:t>3.13</a:t>
+            </a:r>
+            <a:r>
+              <a:rPr kumimoji="1" lang="en-US" altLang="ja-JP" sz="2400" dirty="0" smtClean="0">
+                <a:latin typeface="Hiragino Kaku Gothic StdN W8" charset="-128"/>
+                <a:ea typeface="Hiragino Kaku Gothic StdN W8" charset="-128"/>
+                <a:cs typeface="Hiragino Kaku Gothic StdN W8" charset="-128"/>
+              </a:rPr>
+              <a:t>)</a:t>
+            </a:r>
+            <a:endParaRPr kumimoji="1" lang="ja-JP" altLang="en-US" sz="2400" dirty="0">
+              <a:latin typeface="Hiragino Kaku Gothic StdN W8" charset="-128"/>
+              <a:ea typeface="Hiragino Kaku Gothic StdN W8" charset="-128"/>
+              <a:cs typeface="Hiragino Kaku Gothic StdN W8" charset="-128"/>
+            </a:endParaRPr>
+          </a:p>
+        </p:txBody>
+      </p:sp>
     </p:spTree>
     <p:extLst>
       <p:ext uri="{BB962C8B-B14F-4D97-AF65-F5344CB8AC3E}">
@@ -10754,6 +11472,30 @@
             <a:pPr marL="0" indent="0">
               <a:buNone/>
             </a:pPr>
+            <a:r>
+              <a:rPr lang="ja-JP" altLang="en-US" dirty="0" smtClean="0">
+                <a:latin typeface="Hiragino Kaku Gothic ProN W6" charset="-128"/>
+                <a:ea typeface="Hiragino Kaku Gothic ProN W6" charset="-128"/>
+                <a:cs typeface="Hiragino Kaku Gothic ProN W6" charset="-128"/>
+              </a:rPr>
+              <a:t>ギプスサンプリングを</a:t>
+            </a:r>
+            <a:r>
+              <a:rPr lang="en-US" altLang="ja-JP" dirty="0" smtClean="0">
+                <a:latin typeface="Hiragino Kaku Gothic ProN W6" charset="-128"/>
+                <a:ea typeface="Hiragino Kaku Gothic ProN W6" charset="-128"/>
+                <a:cs typeface="Hiragino Kaku Gothic ProN W6" charset="-128"/>
+              </a:rPr>
+              <a:t>k</a:t>
+            </a:r>
+            <a:r>
+              <a:rPr lang="ja-JP" altLang="en-US" dirty="0" smtClean="0">
+                <a:latin typeface="Hiragino Kaku Gothic ProN W6" charset="-128"/>
+                <a:ea typeface="Hiragino Kaku Gothic ProN W6" charset="-128"/>
+                <a:cs typeface="Hiragino Kaku Gothic ProN W6" charset="-128"/>
+              </a:rPr>
+              <a:t>回行った</a:t>
+            </a:r>
             <a:r>
               <a:rPr lang="en-US" altLang="ja-JP" dirty="0" smtClean="0">
                 <a:latin typeface="Hiragino Kaku Gothic ProN W6" charset="-128"/>
@@ -10922,8 +11664,11 @@
           <a:bodyPr/>
           <a:lstStyle/>
           <a:p>
-            <a:r>
-              <a:rPr kumimoji="1" lang="ja-JP" altLang="en-US" dirty="0" smtClean="0">
+            <a:pPr marL="0" indent="0">
+              <a:buNone/>
+            </a:pPr>
+            <a:r>
+              <a:rPr kumimoji="1" lang="ja-JP" altLang="en-US" sz="3200" dirty="0" smtClean="0">
                 <a:latin typeface="Hiragino Kaku Gothic ProN W6" charset="-128"/>
                 <a:ea typeface="Hiragino Kaku Gothic ProN W6" charset="-128"/>
                 <a:cs typeface="Hiragino Kaku Gothic ProN W6" charset="-128"/>
@@ -10931,7 +11676,7 @@
               <a:t>最小確率流法</a:t>
             </a:r>
             <a:r>
-              <a:rPr kumimoji="1" lang="en-US" altLang="ja-JP" dirty="0" smtClean="0">
+              <a:rPr kumimoji="1" lang="en-US" altLang="ja-JP" sz="3200" dirty="0" smtClean="0">
                 <a:latin typeface="Hiragino Kaku Gothic ProN W6" charset="-128"/>
                 <a:ea typeface="Hiragino Kaku Gothic ProN W6" charset="-128"/>
                 <a:cs typeface="Hiragino Kaku Gothic ProN W6" charset="-128"/>
@@ -10939,7 +11684,7 @@
               <a:t>(MPF</a:t>
             </a:r>
             <a:r>
-              <a:rPr kumimoji="1" lang="ja-JP" altLang="en-US" dirty="0" smtClean="0">
+              <a:rPr kumimoji="1" lang="ja-JP" altLang="en-US" sz="3200" dirty="0" smtClean="0">
                 <a:latin typeface="Hiragino Kaku Gothic ProN W6" charset="-128"/>
                 <a:ea typeface="Hiragino Kaku Gothic ProN W6" charset="-128"/>
                 <a:cs typeface="Hiragino Kaku Gothic ProN W6" charset="-128"/>
@@ -10947,7 +11692,7 @@
               <a:t>法</a:t>
             </a:r>
             <a:r>
-              <a:rPr kumimoji="1" lang="en-US" altLang="ja-JP" dirty="0" smtClean="0">
+              <a:rPr kumimoji="1" lang="en-US" altLang="ja-JP" sz="3200" dirty="0" smtClean="0">
                 <a:latin typeface="Hiragino Kaku Gothic ProN W6" charset="-128"/>
                 <a:ea typeface="Hiragino Kaku Gothic ProN W6" charset="-128"/>
                 <a:cs typeface="Hiragino Kaku Gothic ProN W6" charset="-128"/>
@@ -11085,8 +11830,8 @@
         </p:blipFill>
         <p:spPr>
           <a:xfrm>
-            <a:off x="1460937" y="3733801"/>
-            <a:ext cx="4204138" cy="622716"/>
+            <a:off x="1460937" y="3825173"/>
+            <a:ext cx="5605720" cy="830318"/>
           </a:xfrm>
           <a:prstGeom prst="rect">
             <a:avLst/>

--- a/deep_learning3.4.pptx
+++ b/deep_learning3.4.pptx
@@ -8956,7 +8956,7 @@
               </a:rPr>
               <a:t>法と併用することで，</a:t>
             </a:r>
-            <a:endParaRPr lang="en-US" altLang="ja-JP" smtClean="0">
+            <a:endParaRPr lang="en-US" altLang="ja-JP" dirty="0" smtClean="0">
               <a:latin typeface="Hiragino Kaku Gothic ProN W6" charset="-128"/>
               <a:ea typeface="Hiragino Kaku Gothic ProN W6" charset="-128"/>
               <a:cs typeface="Hiragino Kaku Gothic ProN W6" charset="-128"/>
@@ -8967,7 +8967,7 @@
               <a:buNone/>
             </a:pPr>
             <a:r>
-              <a:rPr lang="ja-JP" altLang="en-US" smtClean="0">
+              <a:rPr lang="ja-JP" altLang="en-US" dirty="0" smtClean="0">
                 <a:latin typeface="Hiragino Kaku Gothic ProN W6" charset="-128"/>
                 <a:ea typeface="Hiragino Kaku Gothic ProN W6" charset="-128"/>
                 <a:cs typeface="Hiragino Kaku Gothic ProN W6" charset="-128"/>

--- a/deep_learning3.4.pptx
+++ b/deep_learning3.4.pptx
@@ -7,21 +7,23 @@
   <p:sldIdLst>
     <p:sldId id="256" r:id="rId2"/>
     <p:sldId id="257" r:id="rId3"/>
-    <p:sldId id="258" r:id="rId4"/>
-    <p:sldId id="259" r:id="rId5"/>
-    <p:sldId id="260" r:id="rId6"/>
-    <p:sldId id="261" r:id="rId7"/>
-    <p:sldId id="262" r:id="rId8"/>
-    <p:sldId id="263" r:id="rId9"/>
-    <p:sldId id="264" r:id="rId10"/>
-    <p:sldId id="271" r:id="rId11"/>
-    <p:sldId id="265" r:id="rId12"/>
-    <p:sldId id="272" r:id="rId13"/>
-    <p:sldId id="266" r:id="rId14"/>
-    <p:sldId id="267" r:id="rId15"/>
-    <p:sldId id="268" r:id="rId16"/>
-    <p:sldId id="269" r:id="rId17"/>
-    <p:sldId id="270" r:id="rId18"/>
+    <p:sldId id="273" r:id="rId4"/>
+    <p:sldId id="258" r:id="rId5"/>
+    <p:sldId id="259" r:id="rId6"/>
+    <p:sldId id="260" r:id="rId7"/>
+    <p:sldId id="261" r:id="rId8"/>
+    <p:sldId id="262" r:id="rId9"/>
+    <p:sldId id="263" r:id="rId10"/>
+    <p:sldId id="264" r:id="rId11"/>
+    <p:sldId id="271" r:id="rId12"/>
+    <p:sldId id="265" r:id="rId13"/>
+    <p:sldId id="272" r:id="rId14"/>
+    <p:sldId id="266" r:id="rId15"/>
+    <p:sldId id="274" r:id="rId16"/>
+    <p:sldId id="267" r:id="rId17"/>
+    <p:sldId id="268" r:id="rId18"/>
+    <p:sldId id="269" r:id="rId19"/>
+    <p:sldId id="270" r:id="rId20"/>
   </p:sldIdLst>
   <p:sldSz cx="12192000" cy="6858000"/>
   <p:notesSz cx="6858000" cy="9144000"/>
@@ -8142,15 +8144,38 @@
                 <a:ea typeface="Hiragino Kaku Gothic ProN W6" charset="-128"/>
                 <a:cs typeface="Hiragino Kaku Gothic ProN W6" charset="-128"/>
               </a:rPr>
-              <a:t>MPF</a:t>
-            </a:r>
-            <a:r>
-              <a:rPr lang="ja-JP" altLang="en-US" dirty="0" smtClean="0">
-                <a:latin typeface="Hiragino Kaku Gothic ProN W6" charset="-128"/>
-                <a:ea typeface="Hiragino Kaku Gothic ProN W6" charset="-128"/>
-                <a:cs typeface="Hiragino Kaku Gothic ProN W6" charset="-128"/>
-              </a:rPr>
-              <a:t>法の利点</a:t>
+              <a:t>3.4.5</a:t>
+            </a:r>
+            <a:r>
+              <a:rPr lang="en-US" altLang="ja-JP" dirty="0">
+                <a:latin typeface="Hiragino Kaku Gothic ProN W6" charset="-128"/>
+                <a:ea typeface="Hiragino Kaku Gothic ProN W6" charset="-128"/>
+                <a:cs typeface="Hiragino Kaku Gothic ProN W6" charset="-128"/>
+              </a:rPr>
+              <a:t/>
+            </a:r>
+            <a:br>
+              <a:rPr lang="en-US" altLang="ja-JP" dirty="0">
+                <a:latin typeface="Hiragino Kaku Gothic ProN W6" charset="-128"/>
+                <a:ea typeface="Hiragino Kaku Gothic ProN W6" charset="-128"/>
+                <a:cs typeface="Hiragino Kaku Gothic ProN W6" charset="-128"/>
+              </a:rPr>
+            </a:br>
+            <a:r>
+              <a:rPr kumimoji="1" lang="en-US" altLang="ja-JP" dirty="0" smtClean="0">
+                <a:latin typeface="Hiragino Kaku Gothic ProN W6" charset="-128"/>
+                <a:ea typeface="Hiragino Kaku Gothic ProN W6" charset="-128"/>
+                <a:cs typeface="Hiragino Kaku Gothic ProN W6" charset="-128"/>
+              </a:rPr>
+              <a:t>CD</a:t>
+            </a:r>
+            <a:r>
+              <a:rPr kumimoji="1" lang="ja-JP" altLang="en-US" dirty="0" smtClean="0">
+                <a:latin typeface="Hiragino Kaku Gothic ProN W6" charset="-128"/>
+                <a:ea typeface="Hiragino Kaku Gothic ProN W6" charset="-128"/>
+                <a:cs typeface="Hiragino Kaku Gothic ProN W6" charset="-128"/>
+              </a:rPr>
+              <a:t>法と類似した学習則を与えるアルゴリズム</a:t>
             </a:r>
             <a:endParaRPr kumimoji="1" lang="ja-JP" altLang="en-US" dirty="0">
               <a:latin typeface="Hiragino Kaku Gothic ProN W6" charset="-128"/>
@@ -8175,13 +8200,89 @@
           <a:bodyPr/>
           <a:lstStyle/>
           <a:p>
+            <a:pPr marL="0" indent="0">
+              <a:buNone/>
+            </a:pPr>
+            <a:r>
+              <a:rPr kumimoji="1" lang="ja-JP" altLang="en-US" sz="3200" dirty="0" smtClean="0">
+                <a:latin typeface="Hiragino Kaku Gothic ProN W6" charset="-128"/>
+                <a:ea typeface="Hiragino Kaku Gothic ProN W6" charset="-128"/>
+                <a:cs typeface="Hiragino Kaku Gothic ProN W6" charset="-128"/>
+              </a:rPr>
+              <a:t>最小確率流法</a:t>
+            </a:r>
+            <a:r>
+              <a:rPr kumimoji="1" lang="en-US" altLang="ja-JP" sz="3200" dirty="0" smtClean="0">
+                <a:latin typeface="Hiragino Kaku Gothic ProN W6" charset="-128"/>
+                <a:ea typeface="Hiragino Kaku Gothic ProN W6" charset="-128"/>
+                <a:cs typeface="Hiragino Kaku Gothic ProN W6" charset="-128"/>
+              </a:rPr>
+              <a:t>(MPF</a:t>
+            </a:r>
+            <a:r>
+              <a:rPr kumimoji="1" lang="ja-JP" altLang="en-US" sz="3200" dirty="0" smtClean="0">
+                <a:latin typeface="Hiragino Kaku Gothic ProN W6" charset="-128"/>
+                <a:ea typeface="Hiragino Kaku Gothic ProN W6" charset="-128"/>
+                <a:cs typeface="Hiragino Kaku Gothic ProN W6" charset="-128"/>
+              </a:rPr>
+              <a:t>法</a:t>
+            </a:r>
+            <a:r>
+              <a:rPr kumimoji="1" lang="en-US" altLang="ja-JP" sz="3200" dirty="0" smtClean="0">
+                <a:latin typeface="Hiragino Kaku Gothic ProN W6" charset="-128"/>
+                <a:ea typeface="Hiragino Kaku Gothic ProN W6" charset="-128"/>
+                <a:cs typeface="Hiragino Kaku Gothic ProN W6" charset="-128"/>
+              </a:rPr>
+              <a:t>)</a:t>
+            </a:r>
+          </a:p>
+          <a:p>
+            <a:pPr marL="457200" indent="-457200">
+              <a:buFont typeface="+mj-lt"/>
+              <a:buAutoNum type="arabicPeriod"/>
+            </a:pPr>
+            <a:r>
+              <a:rPr lang="ja-JP" altLang="en-US" dirty="0" smtClean="0">
+                <a:latin typeface="Hiragino Kaku Gothic ProN W6" charset="-128"/>
+                <a:ea typeface="Hiragino Kaku Gothic ProN W6" charset="-128"/>
+                <a:cs typeface="Hiragino Kaku Gothic ProN W6" charset="-128"/>
+              </a:rPr>
+              <a:t>連続時間</a:t>
+            </a:r>
+            <a:r>
+              <a:rPr lang="en-US" altLang="ja-JP" dirty="0" smtClean="0">
+                <a:latin typeface="Hiragino Kaku Gothic ProN W6" charset="-128"/>
+                <a:ea typeface="Hiragino Kaku Gothic ProN W6" charset="-128"/>
+                <a:cs typeface="Hiragino Kaku Gothic ProN W6" charset="-128"/>
+              </a:rPr>
+              <a:t>t</a:t>
+            </a:r>
+            <a:r>
+              <a:rPr lang="ja-JP" altLang="en-US" dirty="0" smtClean="0">
+                <a:latin typeface="Hiragino Kaku Gothic ProN W6" charset="-128"/>
+                <a:ea typeface="Hiragino Kaku Gothic ProN W6" charset="-128"/>
+                <a:cs typeface="Hiragino Kaku Gothic ProN W6" charset="-128"/>
+              </a:rPr>
+              <a:t>のマルコフ過程を考える</a:t>
+            </a:r>
+            <a:endParaRPr lang="en-US" altLang="ja-JP" dirty="0" smtClean="0">
+              <a:latin typeface="Hiragino Kaku Gothic ProN W6" charset="-128"/>
+              <a:ea typeface="Hiragino Kaku Gothic ProN W6" charset="-128"/>
+              <a:cs typeface="Hiragino Kaku Gothic ProN W6" charset="-128"/>
+            </a:endParaRPr>
+          </a:p>
+          <a:p>
+            <a:pPr marL="457200" indent="-457200">
+              <a:buFont typeface="+mj-lt"/>
+              <a:buAutoNum type="arabicPeriod"/>
+            </a:pPr>
             <a:r>
               <a:rPr kumimoji="1" lang="ja-JP" altLang="en-US" dirty="0" smtClean="0">
                 <a:latin typeface="Hiragino Kaku Gothic ProN W6" charset="-128"/>
                 <a:ea typeface="Hiragino Kaku Gothic ProN W6" charset="-128"/>
                 <a:cs typeface="Hiragino Kaku Gothic ProN W6" charset="-128"/>
               </a:rPr>
-              <a:t>損失関数の最小化から導かれるため</a:t>
+              <a:t>確率過程の定常分布を経験分布に近づける損失関数を導入</a:t>
             </a:r>
             <a:endParaRPr kumimoji="1" lang="en-US" altLang="ja-JP" dirty="0" smtClean="0">
               <a:latin typeface="Hiragino Kaku Gothic ProN W6" charset="-128"/>
@@ -8190,15 +8291,10 @@
             </a:endParaRPr>
           </a:p>
           <a:p>
-            <a:pPr lvl="1"/>
-            <a:r>
-              <a:rPr kumimoji="1" lang="ja-JP" altLang="en-US" dirty="0" smtClean="0">
-                <a:latin typeface="Hiragino Kaku Gothic ProN W6" charset="-128"/>
-                <a:ea typeface="Hiragino Kaku Gothic ProN W6" charset="-128"/>
-                <a:cs typeface="Hiragino Kaku Gothic ProN W6" charset="-128"/>
-              </a:rPr>
-              <a:t>収束性がある</a:t>
-            </a:r>
+            <a:pPr marL="457200" indent="-457200">
+              <a:buFont typeface="+mj-lt"/>
+              <a:buAutoNum type="arabicPeriod"/>
+            </a:pPr>
             <a:endParaRPr kumimoji="1" lang="en-US" altLang="ja-JP" dirty="0" smtClean="0">
               <a:latin typeface="Hiragino Kaku Gothic ProN W6" charset="-128"/>
               <a:ea typeface="Hiragino Kaku Gothic ProN W6" charset="-128"/>
@@ -8206,15 +8302,10 @@
             </a:endParaRPr>
           </a:p>
           <a:p>
-            <a:pPr lvl="1"/>
-            <a:r>
-              <a:rPr kumimoji="1" lang="ja-JP" altLang="en-US" dirty="0" smtClean="0">
-                <a:latin typeface="Hiragino Kaku Gothic ProN W6" charset="-128"/>
-                <a:ea typeface="Hiragino Kaku Gothic ProN W6" charset="-128"/>
-                <a:cs typeface="Hiragino Kaku Gothic ProN W6" charset="-128"/>
-              </a:rPr>
-              <a:t>適切な学習率の調整が可能</a:t>
-            </a:r>
+            <a:pPr marL="457200" indent="-457200">
+              <a:buFont typeface="+mj-lt"/>
+              <a:buAutoNum type="arabicPeriod"/>
+            </a:pPr>
             <a:endParaRPr kumimoji="1" lang="en-US" altLang="ja-JP" dirty="0" smtClean="0">
               <a:latin typeface="Hiragino Kaku Gothic ProN W6" charset="-128"/>
               <a:ea typeface="Hiragino Kaku Gothic ProN W6" charset="-128"/>
@@ -8222,60 +8313,17 @@
             </a:endParaRPr>
           </a:p>
           <a:p>
-            <a:r>
-              <a:rPr kumimoji="1" lang="ja-JP" altLang="en-US" dirty="0" smtClean="0">
-                <a:latin typeface="Hiragino Kaku Gothic ProN W6" charset="-128"/>
-                <a:ea typeface="Hiragino Kaku Gothic ProN W6" charset="-128"/>
-                <a:cs typeface="Hiragino Kaku Gothic ProN W6" charset="-128"/>
-              </a:rPr>
-              <a:t>損失関数</a:t>
-            </a:r>
-            <a:r>
-              <a:rPr kumimoji="1" lang="en-US" altLang="ja-JP" dirty="0" smtClean="0">
-                <a:latin typeface="Hiragino Kaku Gothic ProN W6" charset="-128"/>
-                <a:ea typeface="Hiragino Kaku Gothic ProN W6" charset="-128"/>
-                <a:cs typeface="Hiragino Kaku Gothic ProN W6" charset="-128"/>
-              </a:rPr>
-              <a:t>C(</a:t>
-            </a:r>
-            <a:r>
-              <a:rPr lang="en-US" altLang="ja-JP" dirty="0" err="1" smtClean="0">
-                <a:latin typeface="Hiragino Kaku Gothic ProN W6" charset="-128"/>
-                <a:ea typeface="Hiragino Kaku Gothic ProN W6" charset="-128"/>
-                <a:cs typeface="Hiragino Kaku Gothic ProN W6" charset="-128"/>
-              </a:rPr>
-              <a:t>θ</a:t>
-            </a:r>
-            <a:r>
-              <a:rPr kumimoji="1" lang="en-US" altLang="ja-JP" dirty="0" smtClean="0">
-                <a:latin typeface="Hiragino Kaku Gothic ProN W6" charset="-128"/>
-                <a:ea typeface="Hiragino Kaku Gothic ProN W6" charset="-128"/>
-                <a:cs typeface="Hiragino Kaku Gothic ProN W6" charset="-128"/>
-              </a:rPr>
-              <a:t>)</a:t>
-            </a:r>
-            <a:r>
-              <a:rPr kumimoji="1" lang="ja-JP" altLang="en-US" dirty="0" smtClean="0">
-                <a:latin typeface="Hiragino Kaku Gothic ProN W6" charset="-128"/>
-                <a:ea typeface="Hiragino Kaku Gothic ProN W6" charset="-128"/>
-                <a:cs typeface="Hiragino Kaku Gothic ProN W6" charset="-128"/>
-              </a:rPr>
-              <a:t>が凸関数で観測データ数に比例するオーダーで評価</a:t>
-            </a:r>
-            <a:endParaRPr kumimoji="1" lang="en-US" altLang="ja-JP" dirty="0" smtClean="0">
-              <a:latin typeface="Hiragino Kaku Gothic ProN W6" charset="-128"/>
-              <a:ea typeface="Hiragino Kaku Gothic ProN W6" charset="-128"/>
-              <a:cs typeface="Hiragino Kaku Gothic ProN W6" charset="-128"/>
-            </a:endParaRPr>
-          </a:p>
-          <a:p>
+            <a:pPr marL="457200" indent="-457200">
+              <a:buFont typeface="+mj-lt"/>
+              <a:buAutoNum type="arabicPeriod"/>
+            </a:pPr>
             <a:r>
               <a:rPr lang="ja-JP" altLang="en-US" dirty="0" smtClean="0">
                 <a:latin typeface="Hiragino Kaku Gothic ProN W6" charset="-128"/>
                 <a:ea typeface="Hiragino Kaku Gothic ProN W6" charset="-128"/>
                 <a:cs typeface="Hiragino Kaku Gothic ProN W6" charset="-128"/>
               </a:rPr>
-              <a:t>→学習が高速</a:t>
+              <a:t>詳細釣り合い条件と類似の制約下で損失関数を最小化</a:t>
             </a:r>
             <a:endParaRPr lang="en-US" altLang="ja-JP" dirty="0" smtClean="0">
               <a:latin typeface="Hiragino Kaku Gothic ProN W6" charset="-128"/>
@@ -8284,22 +8332,10 @@
             </a:endParaRPr>
           </a:p>
           <a:p>
-            <a:r>
-              <a:rPr kumimoji="1" lang="en-US" altLang="ja-JP" dirty="0" smtClean="0">
-                <a:latin typeface="Hiragino Kaku Gothic ProN W6" charset="-128"/>
-                <a:ea typeface="Hiragino Kaku Gothic ProN W6" charset="-128"/>
-                <a:cs typeface="Hiragino Kaku Gothic ProN W6" charset="-128"/>
-              </a:rPr>
-              <a:t>CD</a:t>
-            </a:r>
-            <a:r>
-              <a:rPr lang="ja-JP" altLang="en-US" dirty="0" smtClean="0">
-                <a:latin typeface="Hiragino Kaku Gothic ProN W6" charset="-128"/>
-                <a:ea typeface="Hiragino Kaku Gothic ProN W6" charset="-128"/>
-                <a:cs typeface="Hiragino Kaku Gothic ProN W6" charset="-128"/>
-              </a:rPr>
-              <a:t>法では尤度が最大化されずに途中で収束してしまう問題が起こる場合があった</a:t>
-            </a:r>
+            <a:pPr marL="457200" indent="-457200">
+              <a:buFont typeface="+mj-lt"/>
+              <a:buAutoNum type="arabicPeriod"/>
+            </a:pPr>
             <a:endParaRPr kumimoji="1" lang="ja-JP" altLang="en-US" dirty="0">
               <a:latin typeface="Hiragino Kaku Gothic ProN W6" charset="-128"/>
               <a:ea typeface="Hiragino Kaku Gothic ProN W6" charset="-128"/>
@@ -8308,10 +8344,70 @@
           </a:p>
         </p:txBody>
       </p:sp>
+      <p:pic>
+        <p:nvPicPr>
+          <p:cNvPr id="4" name="図 3"/>
+          <p:cNvPicPr>
+            <a:picLocks noChangeAspect="1"/>
+          </p:cNvPicPr>
+          <p:nvPr/>
+        </p:nvPicPr>
+        <p:blipFill>
+          <a:blip r:embed="rId2">
+            <a:extLst>
+              <a:ext uri="{28A0092B-C50C-407E-A947-70E740481C1C}">
+                <a14:useLocalDpi xmlns:a14="http://schemas.microsoft.com/office/drawing/2010/main" val="0"/>
+              </a:ext>
+            </a:extLst>
+          </a:blip>
+          <a:stretch>
+            <a:fillRect/>
+          </a:stretch>
+        </p:blipFill>
+        <p:spPr>
+          <a:xfrm>
+            <a:off x="1460937" y="3825173"/>
+            <a:ext cx="5605720" cy="830318"/>
+          </a:xfrm>
+          <a:prstGeom prst="rect">
+            <a:avLst/>
+          </a:prstGeom>
+        </p:spPr>
+      </p:pic>
+      <p:pic>
+        <p:nvPicPr>
+          <p:cNvPr id="5" name="図 4"/>
+          <p:cNvPicPr>
+            <a:picLocks noChangeAspect="1"/>
+          </p:cNvPicPr>
+          <p:nvPr/>
+        </p:nvPicPr>
+        <p:blipFill>
+          <a:blip r:embed="rId3">
+            <a:extLst>
+              <a:ext uri="{28A0092B-C50C-407E-A947-70E740481C1C}">
+                <a14:useLocalDpi xmlns:a14="http://schemas.microsoft.com/office/drawing/2010/main" val="0"/>
+              </a:ext>
+            </a:extLst>
+          </a:blip>
+          <a:stretch>
+            <a:fillRect/>
+          </a:stretch>
+        </p:blipFill>
+        <p:spPr>
+          <a:xfrm>
+            <a:off x="1460937" y="5158198"/>
+            <a:ext cx="6758152" cy="777991"/>
+          </a:xfrm>
+          <a:prstGeom prst="rect">
+            <a:avLst/>
+          </a:prstGeom>
+        </p:spPr>
+      </p:pic>
     </p:spTree>
     <p:extLst>
       <p:ext uri="{BB962C8B-B14F-4D97-AF65-F5344CB8AC3E}">
-        <p14:creationId xmlns:p14="http://schemas.microsoft.com/office/powerpoint/2010/main" val="1008638540"/>
+        <p14:creationId xmlns:p14="http://schemas.microsoft.com/office/powerpoint/2010/main" val="355174065"/>
       </p:ext>
     </p:extLst>
   </p:cSld>
@@ -8359,31 +8455,15 @@
                 <a:ea typeface="Hiragino Kaku Gothic ProN W6" charset="-128"/>
                 <a:cs typeface="Hiragino Kaku Gothic ProN W6" charset="-128"/>
               </a:rPr>
-              <a:t>3.4.6</a:t>
-            </a:r>
-            <a:r>
-              <a:rPr kumimoji="1" lang="ja-JP" altLang="en-US" dirty="0" smtClean="0">
-                <a:latin typeface="Hiragino Kaku Gothic ProN W6" charset="-128"/>
-                <a:ea typeface="Hiragino Kaku Gothic ProN W6" charset="-128"/>
-                <a:cs typeface="Hiragino Kaku Gothic ProN W6" charset="-128"/>
-              </a:rPr>
-              <a:t>　</a:t>
-            </a:r>
-            <a:r>
-              <a:rPr kumimoji="1" lang="en-US" altLang="ja-JP" dirty="0" smtClean="0">
-                <a:latin typeface="Hiragino Kaku Gothic ProN W6" charset="-128"/>
-                <a:ea typeface="Hiragino Kaku Gothic ProN W6" charset="-128"/>
-                <a:cs typeface="Hiragino Kaku Gothic ProN W6" charset="-128"/>
-              </a:rPr>
-              <a:t>CD</a:t>
-            </a:r>
-            <a:r>
-              <a:rPr kumimoji="1" lang="ja-JP" altLang="en-US" dirty="0" smtClean="0">
-                <a:latin typeface="Hiragino Kaku Gothic ProN W6" charset="-128"/>
-                <a:ea typeface="Hiragino Kaku Gothic ProN W6" charset="-128"/>
-                <a:cs typeface="Hiragino Kaku Gothic ProN W6" charset="-128"/>
-              </a:rPr>
-              <a:t>法から派生した学習則</a:t>
+              <a:t>MPF</a:t>
+            </a:r>
+            <a:r>
+              <a:rPr lang="ja-JP" altLang="en-US" dirty="0" smtClean="0">
+                <a:latin typeface="Hiragino Kaku Gothic ProN W6" charset="-128"/>
+                <a:ea typeface="Hiragino Kaku Gothic ProN W6" charset="-128"/>
+                <a:cs typeface="Hiragino Kaku Gothic ProN W6" charset="-128"/>
+              </a:rPr>
+              <a:t>法の利点</a:t>
             </a:r>
             <a:endParaRPr kumimoji="1" lang="ja-JP" altLang="en-US" dirty="0">
               <a:latin typeface="Hiragino Kaku Gothic ProN W6" charset="-128"/>
@@ -8405,9 +8485,7 @@
         </p:nvSpPr>
         <p:spPr/>
         <p:txBody>
-          <a:bodyPr>
-            <a:normAutofit fontScale="92500" lnSpcReduction="10000"/>
-          </a:bodyPr>
+          <a:bodyPr/>
           <a:lstStyle/>
           <a:p>
             <a:r>
@@ -8416,23 +8494,7 @@
                 <a:ea typeface="Hiragino Kaku Gothic ProN W6" charset="-128"/>
                 <a:cs typeface="Hiragino Kaku Gothic ProN W6" charset="-128"/>
               </a:rPr>
-              <a:t>継続的</a:t>
-            </a:r>
-            <a:r>
-              <a:rPr kumimoji="1" lang="en-US" altLang="ja-JP" dirty="0" smtClean="0">
-                <a:latin typeface="Hiragino Kaku Gothic ProN W6" charset="-128"/>
-                <a:ea typeface="Hiragino Kaku Gothic ProN W6" charset="-128"/>
-                <a:cs typeface="Hiragino Kaku Gothic ProN W6" charset="-128"/>
-              </a:rPr>
-              <a:t>CD</a:t>
-            </a:r>
-            <a:r>
-              <a:rPr kumimoji="1" lang="ja-JP" altLang="en-US" dirty="0" smtClean="0">
-                <a:latin typeface="Hiragino Kaku Gothic ProN W6" charset="-128"/>
-                <a:ea typeface="Hiragino Kaku Gothic ProN W6" charset="-128"/>
-                <a:cs typeface="Hiragino Kaku Gothic ProN W6" charset="-128"/>
-              </a:rPr>
-              <a:t>法</a:t>
+              <a:t>損失関数の最小化から導かれるため</a:t>
             </a:r>
             <a:endParaRPr kumimoji="1" lang="en-US" altLang="ja-JP" dirty="0" smtClean="0">
               <a:latin typeface="Hiragino Kaku Gothic ProN W6" charset="-128"/>
@@ -8441,14 +8503,45 @@
             </a:endParaRPr>
           </a:p>
           <a:p>
-            <a:pPr lvl="1" algn="just"/>
+            <a:pPr lvl="1"/>
             <a:r>
               <a:rPr kumimoji="1" lang="ja-JP" altLang="en-US" dirty="0" smtClean="0">
                 <a:latin typeface="Hiragino Kaku Gothic ProN W6" charset="-128"/>
                 <a:ea typeface="Hiragino Kaku Gothic ProN W6" charset="-128"/>
                 <a:cs typeface="Hiragino Kaku Gothic ProN W6" charset="-128"/>
               </a:rPr>
-              <a:t>近似導関数</a:t>
+              <a:t>収束性がある</a:t>
+            </a:r>
+            <a:endParaRPr kumimoji="1" lang="en-US" altLang="ja-JP" dirty="0" smtClean="0">
+              <a:latin typeface="Hiragino Kaku Gothic ProN W6" charset="-128"/>
+              <a:ea typeface="Hiragino Kaku Gothic ProN W6" charset="-128"/>
+              <a:cs typeface="Hiragino Kaku Gothic ProN W6" charset="-128"/>
+            </a:endParaRPr>
+          </a:p>
+          <a:p>
+            <a:pPr lvl="1"/>
+            <a:r>
+              <a:rPr kumimoji="1" lang="ja-JP" altLang="en-US" dirty="0" smtClean="0">
+                <a:latin typeface="Hiragino Kaku Gothic ProN W6" charset="-128"/>
+                <a:ea typeface="Hiragino Kaku Gothic ProN W6" charset="-128"/>
+                <a:cs typeface="Hiragino Kaku Gothic ProN W6" charset="-128"/>
+              </a:rPr>
+              <a:t>適切な学習率の調整が可能</a:t>
+            </a:r>
+            <a:endParaRPr kumimoji="1" lang="en-US" altLang="ja-JP" dirty="0" smtClean="0">
+              <a:latin typeface="Hiragino Kaku Gothic ProN W6" charset="-128"/>
+              <a:ea typeface="Hiragino Kaku Gothic ProN W6" charset="-128"/>
+              <a:cs typeface="Hiragino Kaku Gothic ProN W6" charset="-128"/>
+            </a:endParaRPr>
+          </a:p>
+          <a:p>
+            <a:r>
+              <a:rPr kumimoji="1" lang="ja-JP" altLang="en-US" dirty="0" smtClean="0">
+                <a:latin typeface="Hiragino Kaku Gothic ProN W6" charset="-128"/>
+                <a:ea typeface="Hiragino Kaku Gothic ProN W6" charset="-128"/>
+                <a:cs typeface="Hiragino Kaku Gothic ProN W6" charset="-128"/>
+              </a:rPr>
+              <a:t>損失関数</a:t>
             </a:r>
             <a:r>
               <a:rPr kumimoji="1" lang="en-US" altLang="ja-JP" dirty="0" smtClean="0">
@@ -8456,7 +8549,23 @@
                 <a:ea typeface="Hiragino Kaku Gothic ProN W6" charset="-128"/>
                 <a:cs typeface="Hiragino Kaku Gothic ProN W6" charset="-128"/>
               </a:rPr>
-              <a:t>(3.13)</a:t>
+              <a:t>C(</a:t>
+            </a:r>
+            <a:r>
+              <a:rPr lang="en-US" altLang="ja-JP" dirty="0" err="1" smtClean="0">
+                <a:latin typeface="Hiragino Kaku Gothic ProN W6" charset="-128"/>
+                <a:ea typeface="Hiragino Kaku Gothic ProN W6" charset="-128"/>
+                <a:cs typeface="Hiragino Kaku Gothic ProN W6" charset="-128"/>
+              </a:rPr>
+              <a:t>θ</a:t>
+            </a:r>
+            <a:r>
+              <a:rPr kumimoji="1" lang="en-US" altLang="ja-JP" dirty="0" smtClean="0">
+                <a:latin typeface="Hiragino Kaku Gothic ProN W6" charset="-128"/>
+                <a:ea typeface="Hiragino Kaku Gothic ProN W6" charset="-128"/>
+                <a:cs typeface="Hiragino Kaku Gothic ProN W6" charset="-128"/>
+              </a:rPr>
+              <a:t>)</a:t>
             </a:r>
             <a:r>
               <a:rPr kumimoji="1" lang="ja-JP" altLang="en-US" dirty="0" smtClean="0">
@@ -8464,23 +8573,22 @@
                 <a:ea typeface="Hiragino Kaku Gothic ProN W6" charset="-128"/>
                 <a:cs typeface="Hiragino Kaku Gothic ProN W6" charset="-128"/>
               </a:rPr>
-              <a:t>を対数尤度の勾配の式</a:t>
-            </a:r>
-            <a:r>
-              <a:rPr kumimoji="1" lang="en-US" altLang="ja-JP" dirty="0" smtClean="0">
-                <a:latin typeface="Hiragino Kaku Gothic ProN W6" charset="-128"/>
-                <a:ea typeface="Hiragino Kaku Gothic ProN W6" charset="-128"/>
-                <a:cs typeface="Hiragino Kaku Gothic ProN W6" charset="-128"/>
-              </a:rPr>
-              <a:t>(3.12)</a:t>
-            </a:r>
-            <a:r>
-              <a:rPr kumimoji="1" lang="ja-JP" altLang="en-US" dirty="0" smtClean="0">
-                <a:latin typeface="Hiragino Kaku Gothic ProN W6" charset="-128"/>
-                <a:ea typeface="Hiragino Kaku Gothic ProN W6" charset="-128"/>
-                <a:cs typeface="Hiragino Kaku Gothic ProN W6" charset="-128"/>
-              </a:rPr>
-              <a:t>に近づける</a:t>
+              <a:t>が凸関数で観測データ数に比例するオーダーで評価</a:t>
+            </a:r>
+            <a:endParaRPr kumimoji="1" lang="en-US" altLang="ja-JP" dirty="0" smtClean="0">
+              <a:latin typeface="Hiragino Kaku Gothic ProN W6" charset="-128"/>
+              <a:ea typeface="Hiragino Kaku Gothic ProN W6" charset="-128"/>
+              <a:cs typeface="Hiragino Kaku Gothic ProN W6" charset="-128"/>
+            </a:endParaRPr>
+          </a:p>
+          <a:p>
+            <a:r>
+              <a:rPr lang="ja-JP" altLang="en-US" dirty="0" smtClean="0">
+                <a:latin typeface="Hiragino Kaku Gothic ProN W6" charset="-128"/>
+                <a:ea typeface="Hiragino Kaku Gothic ProN W6" charset="-128"/>
+                <a:cs typeface="Hiragino Kaku Gothic ProN W6" charset="-128"/>
+              </a:rPr>
+              <a:t>→学習が高速</a:t>
             </a:r>
             <a:endParaRPr lang="en-US" altLang="ja-JP" dirty="0" smtClean="0">
               <a:latin typeface="Hiragino Kaku Gothic ProN W6" charset="-128"/>
@@ -8498,284 +8606,25 @@
               <a:t>CD</a:t>
             </a:r>
             <a:r>
-              <a:rPr kumimoji="1" lang="ja-JP" altLang="en-US" dirty="0" smtClean="0">
-                <a:latin typeface="Hiragino Kaku Gothic ProN W6" charset="-128"/>
-                <a:ea typeface="Hiragino Kaku Gothic ProN W6" charset="-128"/>
-                <a:cs typeface="Hiragino Kaku Gothic ProN W6" charset="-128"/>
-              </a:rPr>
-              <a:t>法</a:t>
-            </a:r>
-            <a:endParaRPr kumimoji="1" lang="en-US" altLang="ja-JP" dirty="0" smtClean="0">
+              <a:rPr lang="ja-JP" altLang="en-US" dirty="0" smtClean="0">
+                <a:latin typeface="Hiragino Kaku Gothic ProN W6" charset="-128"/>
+                <a:ea typeface="Hiragino Kaku Gothic ProN W6" charset="-128"/>
+                <a:cs typeface="Hiragino Kaku Gothic ProN W6" charset="-128"/>
+              </a:rPr>
+              <a:t>法では尤度が最大化されずに途中で収束してしまう問題が起こる場合があった</a:t>
+            </a:r>
+            <a:endParaRPr kumimoji="1" lang="ja-JP" altLang="en-US" dirty="0">
               <a:latin typeface="Hiragino Kaku Gothic ProN W6" charset="-128"/>
               <a:ea typeface="Hiragino Kaku Gothic ProN W6" charset="-128"/>
               <a:cs typeface="Hiragino Kaku Gothic ProN W6" charset="-128"/>
             </a:endParaRPr>
           </a:p>
-          <a:p>
-            <a:pPr lvl="1"/>
-            <a:r>
-              <a:rPr lang="ja-JP" altLang="en-US" dirty="0" smtClean="0">
-                <a:latin typeface="Hiragino Kaku Gothic ProN W6" charset="-128"/>
-                <a:ea typeface="Hiragino Kaku Gothic ProN W6" charset="-128"/>
-                <a:cs typeface="Hiragino Kaku Gothic ProN W6" charset="-128"/>
-              </a:rPr>
-              <a:t>式</a:t>
-            </a:r>
-            <a:r>
-              <a:rPr lang="en-US" altLang="ja-JP" dirty="0">
-                <a:latin typeface="Hiragino Kaku Gothic ProN W6" charset="-128"/>
-                <a:ea typeface="Hiragino Kaku Gothic ProN W6" charset="-128"/>
-                <a:cs typeface="Hiragino Kaku Gothic ProN W6" charset="-128"/>
-              </a:rPr>
-              <a:t>(3.12</a:t>
-            </a:r>
-            <a:r>
-              <a:rPr lang="en-US" altLang="ja-JP" dirty="0" smtClean="0">
-                <a:latin typeface="Hiragino Kaku Gothic ProN W6" charset="-128"/>
-                <a:ea typeface="Hiragino Kaku Gothic ProN W6" charset="-128"/>
-                <a:cs typeface="Hiragino Kaku Gothic ProN W6" charset="-128"/>
-              </a:rPr>
-              <a:t>)</a:t>
-            </a:r>
-            <a:r>
-              <a:rPr lang="ja-JP" altLang="en-US" dirty="0" smtClean="0">
-                <a:latin typeface="Hiragino Kaku Gothic ProN W6" charset="-128"/>
-                <a:ea typeface="Hiragino Kaku Gothic ProN W6" charset="-128"/>
-                <a:cs typeface="Hiragino Kaku Gothic ProN W6" charset="-128"/>
-              </a:rPr>
-              <a:t>の第二項の期待値計算は解析的な計算が困難</a:t>
-            </a:r>
-            <a:endParaRPr lang="en-US" altLang="ja-JP" dirty="0">
-              <a:latin typeface="Hiragino Kaku Gothic ProN W6" charset="-128"/>
-              <a:ea typeface="Hiragino Kaku Gothic ProN W6" charset="-128"/>
-              <a:cs typeface="Hiragino Kaku Gothic ProN W6" charset="-128"/>
-            </a:endParaRPr>
-          </a:p>
-          <a:p>
-            <a:pPr marL="457200" lvl="1" indent="0">
-              <a:buNone/>
-            </a:pPr>
-            <a:r>
-              <a:rPr kumimoji="1" lang="ja-JP" altLang="en-US" dirty="0" smtClean="0">
-                <a:latin typeface="Hiragino Kaku Gothic ProN W6" charset="-128"/>
-                <a:ea typeface="Hiragino Kaku Gothic ProN W6" charset="-128"/>
-                <a:cs typeface="Hiragino Kaku Gothic ProN W6" charset="-128"/>
-              </a:rPr>
-              <a:t>　　　→ギプスサンプリング無限回で近似してサンプルを定常分布に収束</a:t>
-            </a:r>
-            <a:endParaRPr kumimoji="1" lang="en-US" altLang="ja-JP" dirty="0" smtClean="0">
-              <a:latin typeface="Hiragino Kaku Gothic ProN W6" charset="-128"/>
-              <a:ea typeface="Hiragino Kaku Gothic ProN W6" charset="-128"/>
-              <a:cs typeface="Hiragino Kaku Gothic ProN W6" charset="-128"/>
-            </a:endParaRPr>
-          </a:p>
-          <a:p>
-            <a:pPr marL="457200" lvl="1" indent="0">
-              <a:buNone/>
-            </a:pPr>
-            <a:r>
-              <a:rPr lang="ja-JP" altLang="en-US" dirty="0">
-                <a:latin typeface="Hiragino Kaku Gothic ProN W6" charset="-128"/>
-                <a:ea typeface="Hiragino Kaku Gothic ProN W6" charset="-128"/>
-                <a:cs typeface="Hiragino Kaku Gothic ProN W6" charset="-128"/>
-              </a:rPr>
-              <a:t>　</a:t>
-            </a:r>
-            <a:r>
-              <a:rPr lang="ja-JP" altLang="en-US" dirty="0" smtClean="0">
-                <a:latin typeface="Hiragino Kaku Gothic ProN W6" charset="-128"/>
-                <a:ea typeface="Hiragino Kaku Gothic ProN W6" charset="-128"/>
-                <a:cs typeface="Hiragino Kaku Gothic ProN W6" charset="-128"/>
-              </a:rPr>
-              <a:t>　　→</a:t>
-            </a:r>
-            <a:r>
-              <a:rPr lang="ja-JP" altLang="en-US" dirty="0">
-                <a:latin typeface="Hiragino Kaku Gothic ProN W6" charset="-128"/>
-                <a:ea typeface="Hiragino Kaku Gothic ProN W6" charset="-128"/>
-                <a:cs typeface="Hiragino Kaku Gothic ProN W6" charset="-128"/>
-              </a:rPr>
-              <a:t>近似導関数</a:t>
-            </a:r>
-            <a:r>
-              <a:rPr lang="en-US" altLang="ja-JP" dirty="0">
-                <a:latin typeface="Hiragino Kaku Gothic ProN W6" charset="-128"/>
-                <a:ea typeface="Hiragino Kaku Gothic ProN W6" charset="-128"/>
-                <a:cs typeface="Hiragino Kaku Gothic ProN W6" charset="-128"/>
-              </a:rPr>
-              <a:t>(3.13</a:t>
-            </a:r>
-            <a:r>
-              <a:rPr lang="en-US" altLang="ja-JP" dirty="0" smtClean="0">
-                <a:latin typeface="Hiragino Kaku Gothic ProN W6" charset="-128"/>
-                <a:ea typeface="Hiragino Kaku Gothic ProN W6" charset="-128"/>
-                <a:cs typeface="Hiragino Kaku Gothic ProN W6" charset="-128"/>
-              </a:rPr>
-              <a:t>)</a:t>
-            </a:r>
-            <a:r>
-              <a:rPr lang="ja-JP" altLang="en-US" dirty="0" smtClean="0">
-                <a:latin typeface="Hiragino Kaku Gothic ProN W6" charset="-128"/>
-                <a:ea typeface="Hiragino Kaku Gothic ProN W6" charset="-128"/>
-                <a:cs typeface="Hiragino Kaku Gothic ProN W6" charset="-128"/>
-              </a:rPr>
-              <a:t>をギプスサンプリング</a:t>
-            </a:r>
-            <a:r>
-              <a:rPr lang="en-US" altLang="ja-JP" dirty="0" smtClean="0">
-                <a:latin typeface="Hiragino Kaku Gothic ProN W6" charset="-128"/>
-                <a:ea typeface="Hiragino Kaku Gothic ProN W6" charset="-128"/>
-                <a:cs typeface="Hiragino Kaku Gothic ProN W6" charset="-128"/>
-              </a:rPr>
-              <a:t>k</a:t>
-            </a:r>
-            <a:r>
-              <a:rPr lang="ja-JP" altLang="en-US" dirty="0" smtClean="0">
-                <a:latin typeface="Hiragino Kaku Gothic ProN W6" charset="-128"/>
-                <a:ea typeface="Hiragino Kaku Gothic ProN W6" charset="-128"/>
-                <a:cs typeface="Hiragino Kaku Gothic ProN W6" charset="-128"/>
-              </a:rPr>
-              <a:t>回で代用</a:t>
-            </a:r>
-            <a:endParaRPr lang="en-US" altLang="ja-JP" dirty="0" smtClean="0">
-              <a:latin typeface="Hiragino Kaku Gothic ProN W6" charset="-128"/>
-              <a:ea typeface="Hiragino Kaku Gothic ProN W6" charset="-128"/>
-              <a:cs typeface="Hiragino Kaku Gothic ProN W6" charset="-128"/>
-            </a:endParaRPr>
-          </a:p>
-          <a:p>
-            <a:pPr lvl="1"/>
-            <a:r>
-              <a:rPr kumimoji="1" lang="ja-JP" altLang="en-US" dirty="0" smtClean="0">
-                <a:latin typeface="Hiragino Kaku Gothic ProN W6" charset="-128"/>
-                <a:ea typeface="Hiragino Kaku Gothic ProN W6" charset="-128"/>
-                <a:cs typeface="Hiragino Kaku Gothic ProN W6" charset="-128"/>
-              </a:rPr>
-              <a:t>パラメータ更新のたびに初期分布を観測データからの経験分布に戻す</a:t>
-            </a:r>
-            <a:endParaRPr kumimoji="1" lang="en-US" altLang="ja-JP" dirty="0" smtClean="0">
-              <a:latin typeface="Hiragino Kaku Gothic ProN W6" charset="-128"/>
-              <a:ea typeface="Hiragino Kaku Gothic ProN W6" charset="-128"/>
-              <a:cs typeface="Hiragino Kaku Gothic ProN W6" charset="-128"/>
-            </a:endParaRPr>
-          </a:p>
-          <a:p>
-            <a:r>
-              <a:rPr lang="ja-JP" altLang="en-US" dirty="0" smtClean="0">
-                <a:latin typeface="Hiragino Kaku Gothic ProN W6" charset="-128"/>
-                <a:ea typeface="Hiragino Kaku Gothic ProN W6" charset="-128"/>
-                <a:cs typeface="Hiragino Kaku Gothic ProN W6" charset="-128"/>
-              </a:rPr>
-              <a:t>継続的</a:t>
-            </a:r>
-            <a:r>
-              <a:rPr lang="en-US" altLang="ja-JP" dirty="0" smtClean="0">
-                <a:latin typeface="Hiragino Kaku Gothic ProN W6" charset="-128"/>
-                <a:ea typeface="Hiragino Kaku Gothic ProN W6" charset="-128"/>
-                <a:cs typeface="Hiragino Kaku Gothic ProN W6" charset="-128"/>
-              </a:rPr>
-              <a:t>CD</a:t>
-            </a:r>
-            <a:r>
-              <a:rPr lang="ja-JP" altLang="en-US" dirty="0" smtClean="0">
-                <a:latin typeface="Hiragino Kaku Gothic ProN W6" charset="-128"/>
-                <a:ea typeface="Hiragino Kaku Gothic ProN W6" charset="-128"/>
-                <a:cs typeface="Hiragino Kaku Gothic ProN W6" charset="-128"/>
-              </a:rPr>
-              <a:t>法</a:t>
-            </a:r>
-            <a:endParaRPr lang="en-US" altLang="ja-JP" dirty="0" smtClean="0">
-              <a:latin typeface="Hiragino Kaku Gothic ProN W6" charset="-128"/>
-              <a:ea typeface="Hiragino Kaku Gothic ProN W6" charset="-128"/>
-              <a:cs typeface="Hiragino Kaku Gothic ProN W6" charset="-128"/>
-            </a:endParaRPr>
-          </a:p>
-          <a:p>
-            <a:pPr lvl="1"/>
-            <a:r>
-              <a:rPr kumimoji="1" lang="ja-JP" altLang="en-US" dirty="0" smtClean="0">
-                <a:latin typeface="Hiragino Kaku Gothic ProN W6" charset="-128"/>
-                <a:ea typeface="Hiragino Kaku Gothic ProN W6" charset="-128"/>
-                <a:cs typeface="Hiragino Kaku Gothic ProN W6" charset="-128"/>
-              </a:rPr>
-              <a:t>更新後にサンプルで構成される経験分布からギプスサンプリング</a:t>
-            </a:r>
-            <a:endParaRPr kumimoji="1" lang="en-US" altLang="ja-JP" dirty="0" smtClean="0">
-              <a:latin typeface="Hiragino Kaku Gothic ProN W6" charset="-128"/>
-              <a:ea typeface="Hiragino Kaku Gothic ProN W6" charset="-128"/>
-              <a:cs typeface="Hiragino Kaku Gothic ProN W6" charset="-128"/>
-            </a:endParaRPr>
-          </a:p>
-          <a:p>
-            <a:pPr lvl="1"/>
-            <a:r>
-              <a:rPr lang="ja-JP" altLang="en-US" dirty="0" smtClean="0">
-                <a:latin typeface="Hiragino Kaku Gothic ProN W6" charset="-128"/>
-                <a:ea typeface="Hiragino Kaku Gothic ProN W6" charset="-128"/>
-                <a:cs typeface="Hiragino Kaku Gothic ProN W6" charset="-128"/>
-              </a:rPr>
-              <a:t>継続的</a:t>
-            </a:r>
-            <a:r>
-              <a:rPr lang="en-US" altLang="ja-JP" dirty="0" smtClean="0">
-                <a:latin typeface="Hiragino Kaku Gothic ProN W6" charset="-128"/>
-                <a:ea typeface="Hiragino Kaku Gothic ProN W6" charset="-128"/>
-                <a:cs typeface="Hiragino Kaku Gothic ProN W6" charset="-128"/>
-              </a:rPr>
-              <a:t>CD-1</a:t>
-            </a:r>
-            <a:r>
-              <a:rPr lang="ja-JP" altLang="en-US" dirty="0" smtClean="0">
-                <a:latin typeface="Hiragino Kaku Gothic ProN W6" charset="-128"/>
-                <a:ea typeface="Hiragino Kaku Gothic ProN W6" charset="-128"/>
-                <a:cs typeface="Hiragino Kaku Gothic ProN W6" charset="-128"/>
-              </a:rPr>
-              <a:t>法　≧　</a:t>
-            </a:r>
-            <a:r>
-              <a:rPr lang="en-US" altLang="ja-JP" dirty="0" smtClean="0">
-                <a:latin typeface="Hiragino Kaku Gothic ProN W6" charset="-128"/>
-                <a:ea typeface="Hiragino Kaku Gothic ProN W6" charset="-128"/>
-                <a:cs typeface="Hiragino Kaku Gothic ProN W6" charset="-128"/>
-              </a:rPr>
-              <a:t>CD-10</a:t>
-            </a:r>
-            <a:r>
-              <a:rPr lang="ja-JP" altLang="en-US" dirty="0" smtClean="0">
-                <a:latin typeface="Hiragino Kaku Gothic ProN W6" charset="-128"/>
-                <a:ea typeface="Hiragino Kaku Gothic ProN W6" charset="-128"/>
-                <a:cs typeface="Hiragino Kaku Gothic ProN W6" charset="-128"/>
-              </a:rPr>
-              <a:t>法</a:t>
-            </a:r>
-            <a:endParaRPr lang="en-US" altLang="ja-JP" dirty="0" smtClean="0">
-              <a:latin typeface="Hiragino Kaku Gothic ProN W6" charset="-128"/>
-              <a:ea typeface="Hiragino Kaku Gothic ProN W6" charset="-128"/>
-              <a:cs typeface="Hiragino Kaku Gothic ProN W6" charset="-128"/>
-            </a:endParaRPr>
-          </a:p>
-          <a:p>
-            <a:pPr lvl="1"/>
-            <a:r>
-              <a:rPr kumimoji="1" lang="ja-JP" altLang="en-US" dirty="0" smtClean="0">
-                <a:latin typeface="Hiragino Kaku Gothic ProN W6" charset="-128"/>
-                <a:ea typeface="Hiragino Kaku Gothic ProN W6" charset="-128"/>
-                <a:cs typeface="Hiragino Kaku Gothic ProN W6" charset="-128"/>
-              </a:rPr>
-              <a:t>計算量が少ない</a:t>
-            </a:r>
-            <a:endParaRPr kumimoji="1" lang="en-US" altLang="ja-JP" dirty="0" smtClean="0">
-              <a:latin typeface="Hiragino Kaku Gothic ProN W6" charset="-128"/>
-              <a:ea typeface="Hiragino Kaku Gothic ProN W6" charset="-128"/>
-              <a:cs typeface="Hiragino Kaku Gothic ProN W6" charset="-128"/>
-            </a:endParaRPr>
-          </a:p>
         </p:txBody>
       </p:sp>
     </p:spTree>
     <p:extLst>
       <p:ext uri="{BB962C8B-B14F-4D97-AF65-F5344CB8AC3E}">
-        <p14:creationId xmlns:p14="http://schemas.microsoft.com/office/powerpoint/2010/main" val="943651070"/>
+        <p14:creationId xmlns:p14="http://schemas.microsoft.com/office/powerpoint/2010/main" val="1008638540"/>
       </p:ext>
     </p:extLst>
   </p:cSld>
@@ -8818,7 +8667,23 @@
           <a:lstStyle/>
           <a:p>
             <a:r>
-              <a:rPr lang="en-US" altLang="ja-JP" dirty="0">
+              <a:rPr kumimoji="1" lang="en-US" altLang="ja-JP" dirty="0" smtClean="0">
+                <a:latin typeface="Hiragino Kaku Gothic ProN W6" charset="-128"/>
+                <a:ea typeface="Hiragino Kaku Gothic ProN W6" charset="-128"/>
+                <a:cs typeface="Hiragino Kaku Gothic ProN W6" charset="-128"/>
+              </a:rPr>
+              <a:t>3.4.6</a:t>
+            </a:r>
+            <a:r>
+              <a:rPr kumimoji="1" lang="ja-JP" altLang="en-US" dirty="0" smtClean="0">
+                <a:latin typeface="Hiragino Kaku Gothic ProN W6" charset="-128"/>
+                <a:ea typeface="Hiragino Kaku Gothic ProN W6" charset="-128"/>
+                <a:cs typeface="Hiragino Kaku Gothic ProN W6" charset="-128"/>
+              </a:rPr>
+              <a:t>　</a:t>
+            </a:r>
+            <a:r>
+              <a:rPr kumimoji="1" lang="en-US" altLang="ja-JP" dirty="0" smtClean="0">
                 <a:latin typeface="Hiragino Kaku Gothic ProN W6" charset="-128"/>
                 <a:ea typeface="Hiragino Kaku Gothic ProN W6" charset="-128"/>
                 <a:cs typeface="Hiragino Kaku Gothic ProN W6" charset="-128"/>
@@ -8826,14 +8691,18 @@
               <a:t>CD</a:t>
             </a:r>
             <a:r>
-              <a:rPr lang="ja-JP" altLang="en-US" dirty="0">
+              <a:rPr kumimoji="1" lang="ja-JP" altLang="en-US" dirty="0" smtClean="0">
                 <a:latin typeface="Hiragino Kaku Gothic ProN W6" charset="-128"/>
                 <a:ea typeface="Hiragino Kaku Gothic ProN W6" charset="-128"/>
                 <a:cs typeface="Hiragino Kaku Gothic ProN W6" charset="-128"/>
               </a:rPr>
               <a:t>法から派生した学習則</a:t>
             </a:r>
-            <a:endParaRPr kumimoji="1" lang="ja-JP" altLang="en-US" dirty="0"/>
+            <a:endParaRPr kumimoji="1" lang="ja-JP" altLang="en-US" dirty="0">
+              <a:latin typeface="Hiragino Kaku Gothic ProN W6" charset="-128"/>
+              <a:ea typeface="Hiragino Kaku Gothic ProN W6" charset="-128"/>
+              <a:cs typeface="Hiragino Kaku Gothic ProN W6" charset="-128"/>
+            </a:endParaRPr>
           </a:p>
         </p:txBody>
       </p:sp>
@@ -8849,7 +8718,9 @@
         </p:nvSpPr>
         <p:spPr/>
         <p:txBody>
-          <a:bodyPr/>
+          <a:bodyPr>
+            <a:normAutofit fontScale="92500" lnSpcReduction="10000"/>
+          </a:bodyPr>
           <a:lstStyle/>
           <a:p>
             <a:r>
@@ -8858,23 +8729,71 @@
                 <a:ea typeface="Hiragino Kaku Gothic ProN W6" charset="-128"/>
                 <a:cs typeface="Hiragino Kaku Gothic ProN W6" charset="-128"/>
               </a:rPr>
-              <a:t>パラレルテンパリング</a:t>
-            </a:r>
-            <a:r>
-              <a:rPr lang="en-US" altLang="ja-JP" dirty="0">
-                <a:latin typeface="Hiragino Kaku Gothic ProN W6" charset="-128"/>
-                <a:ea typeface="Hiragino Kaku Gothic ProN W6" charset="-128"/>
-                <a:cs typeface="Hiragino Kaku Gothic ProN W6" charset="-128"/>
-              </a:rPr>
-              <a:t>=</a:t>
-            </a:r>
-            <a:r>
-              <a:rPr lang="ja-JP" altLang="en-US" dirty="0" smtClean="0">
-                <a:latin typeface="Hiragino Kaku Gothic ProN W6" charset="-128"/>
-                <a:ea typeface="Hiragino Kaku Gothic ProN W6" charset="-128"/>
-                <a:cs typeface="Hiragino Kaku Gothic ProN W6" charset="-128"/>
-              </a:rPr>
-              <a:t>交換モンテカルロ法</a:t>
+              <a:t>継続的</a:t>
+            </a:r>
+            <a:r>
+              <a:rPr kumimoji="1" lang="en-US" altLang="ja-JP" dirty="0" smtClean="0">
+                <a:latin typeface="Hiragino Kaku Gothic ProN W6" charset="-128"/>
+                <a:ea typeface="Hiragino Kaku Gothic ProN W6" charset="-128"/>
+                <a:cs typeface="Hiragino Kaku Gothic ProN W6" charset="-128"/>
+              </a:rPr>
+              <a:t>CD</a:t>
+            </a:r>
+            <a:r>
+              <a:rPr kumimoji="1" lang="ja-JP" altLang="en-US" dirty="0" smtClean="0">
+                <a:latin typeface="Hiragino Kaku Gothic ProN W6" charset="-128"/>
+                <a:ea typeface="Hiragino Kaku Gothic ProN W6" charset="-128"/>
+                <a:cs typeface="Hiragino Kaku Gothic ProN W6" charset="-128"/>
+              </a:rPr>
+              <a:t>法</a:t>
+            </a:r>
+            <a:endParaRPr kumimoji="1" lang="en-US" altLang="ja-JP" dirty="0" smtClean="0">
+              <a:latin typeface="Hiragino Kaku Gothic ProN W6" charset="-128"/>
+              <a:ea typeface="Hiragino Kaku Gothic ProN W6" charset="-128"/>
+              <a:cs typeface="Hiragino Kaku Gothic ProN W6" charset="-128"/>
+            </a:endParaRPr>
+          </a:p>
+          <a:p>
+            <a:pPr lvl="1" algn="just"/>
+            <a:r>
+              <a:rPr kumimoji="1" lang="ja-JP" altLang="en-US" dirty="0" smtClean="0">
+                <a:latin typeface="Hiragino Kaku Gothic ProN W6" charset="-128"/>
+                <a:ea typeface="Hiragino Kaku Gothic ProN W6" charset="-128"/>
+                <a:cs typeface="Hiragino Kaku Gothic ProN W6" charset="-128"/>
+              </a:rPr>
+              <a:t>近似導関数</a:t>
+            </a:r>
+            <a:r>
+              <a:rPr kumimoji="1" lang="en-US" altLang="ja-JP" dirty="0" smtClean="0">
+                <a:latin typeface="Hiragino Kaku Gothic ProN W6" charset="-128"/>
+                <a:ea typeface="Hiragino Kaku Gothic ProN W6" charset="-128"/>
+                <a:cs typeface="Hiragino Kaku Gothic ProN W6" charset="-128"/>
+              </a:rPr>
+              <a:t>(3.13)</a:t>
+            </a:r>
+            <a:r>
+              <a:rPr kumimoji="1" lang="ja-JP" altLang="en-US" dirty="0" smtClean="0">
+                <a:latin typeface="Hiragino Kaku Gothic ProN W6" charset="-128"/>
+                <a:ea typeface="Hiragino Kaku Gothic ProN W6" charset="-128"/>
+                <a:cs typeface="Hiragino Kaku Gothic ProN W6" charset="-128"/>
+              </a:rPr>
+              <a:t>を対数尤度の勾配の式</a:t>
+            </a:r>
+            <a:r>
+              <a:rPr kumimoji="1" lang="en-US" altLang="ja-JP" dirty="0" smtClean="0">
+                <a:latin typeface="Hiragino Kaku Gothic ProN W6" charset="-128"/>
+                <a:ea typeface="Hiragino Kaku Gothic ProN W6" charset="-128"/>
+                <a:cs typeface="Hiragino Kaku Gothic ProN W6" charset="-128"/>
+              </a:rPr>
+              <a:t>(3.12)</a:t>
+            </a:r>
+            <a:r>
+              <a:rPr kumimoji="1" lang="ja-JP" altLang="en-US" dirty="0" smtClean="0">
+                <a:latin typeface="Hiragino Kaku Gothic ProN W6" charset="-128"/>
+                <a:ea typeface="Hiragino Kaku Gothic ProN W6" charset="-128"/>
+                <a:cs typeface="Hiragino Kaku Gothic ProN W6" charset="-128"/>
+              </a:rPr>
+              <a:t>に近づける</a:t>
             </a:r>
             <a:endParaRPr lang="en-US" altLang="ja-JP" dirty="0" smtClean="0">
               <a:latin typeface="Hiragino Kaku Gothic ProN W6" charset="-128"/>
@@ -8883,14 +8802,21 @@
             </a:endParaRPr>
           </a:p>
           <a:p>
-            <a:pPr lvl="1"/>
+            <a:r>
+              <a:rPr kumimoji="1" lang="en-US" altLang="ja-JP" dirty="0" smtClean="0">
+                <a:latin typeface="Hiragino Kaku Gothic ProN W6" charset="-128"/>
+                <a:ea typeface="Hiragino Kaku Gothic ProN W6" charset="-128"/>
+                <a:cs typeface="Hiragino Kaku Gothic ProN W6" charset="-128"/>
+              </a:rPr>
+              <a:t>CD</a:t>
+            </a:r>
             <a:r>
               <a:rPr kumimoji="1" lang="ja-JP" altLang="en-US" dirty="0" smtClean="0">
                 <a:latin typeface="Hiragino Kaku Gothic ProN W6" charset="-128"/>
                 <a:ea typeface="Hiragino Kaku Gothic ProN W6" charset="-128"/>
                 <a:cs typeface="Hiragino Kaku Gothic ProN W6" charset="-128"/>
               </a:rPr>
-              <a:t>マルコフ連鎖においてサンプル集団の偏りがなかなか解消されない</a:t>
+              <a:t>法</a:t>
             </a:r>
             <a:endParaRPr kumimoji="1" lang="en-US" altLang="ja-JP" dirty="0" smtClean="0">
               <a:latin typeface="Hiragino Kaku Gothic ProN W6" charset="-128"/>
@@ -8901,12 +8827,72 @@
           <a:p>
             <a:pPr lvl="1"/>
             <a:r>
+              <a:rPr lang="ja-JP" altLang="en-US" dirty="0" smtClean="0">
+                <a:latin typeface="Hiragino Kaku Gothic ProN W6" charset="-128"/>
+                <a:ea typeface="Hiragino Kaku Gothic ProN W6" charset="-128"/>
+                <a:cs typeface="Hiragino Kaku Gothic ProN W6" charset="-128"/>
+              </a:rPr>
+              <a:t>式</a:t>
+            </a:r>
+            <a:r>
+              <a:rPr lang="en-US" altLang="ja-JP" dirty="0">
+                <a:latin typeface="Hiragino Kaku Gothic ProN W6" charset="-128"/>
+                <a:ea typeface="Hiragino Kaku Gothic ProN W6" charset="-128"/>
+                <a:cs typeface="Hiragino Kaku Gothic ProN W6" charset="-128"/>
+              </a:rPr>
+              <a:t>(3.12</a:t>
+            </a:r>
+            <a:r>
+              <a:rPr lang="en-US" altLang="ja-JP" dirty="0" smtClean="0">
+                <a:latin typeface="Hiragino Kaku Gothic ProN W6" charset="-128"/>
+                <a:ea typeface="Hiragino Kaku Gothic ProN W6" charset="-128"/>
+                <a:cs typeface="Hiragino Kaku Gothic ProN W6" charset="-128"/>
+              </a:rPr>
+              <a:t>)</a:t>
+            </a:r>
+            <a:r>
+              <a:rPr lang="ja-JP" altLang="en-US" dirty="0" smtClean="0">
+                <a:latin typeface="Hiragino Kaku Gothic ProN W6" charset="-128"/>
+                <a:ea typeface="Hiragino Kaku Gothic ProN W6" charset="-128"/>
+                <a:cs typeface="Hiragino Kaku Gothic ProN W6" charset="-128"/>
+              </a:rPr>
+              <a:t>の第二項の期待値計算は解析的な計算が困難</a:t>
+            </a:r>
+            <a:endParaRPr lang="en-US" altLang="ja-JP" dirty="0">
+              <a:latin typeface="Hiragino Kaku Gothic ProN W6" charset="-128"/>
+              <a:ea typeface="Hiragino Kaku Gothic ProN W6" charset="-128"/>
+              <a:cs typeface="Hiragino Kaku Gothic ProN W6" charset="-128"/>
+            </a:endParaRPr>
+          </a:p>
+          <a:p>
+            <a:pPr marL="457200" lvl="1" indent="0">
+              <a:buNone/>
+            </a:pPr>
+            <a:r>
               <a:rPr kumimoji="1" lang="ja-JP" altLang="en-US" dirty="0" smtClean="0">
                 <a:latin typeface="Hiragino Kaku Gothic ProN W6" charset="-128"/>
                 <a:ea typeface="Hiragino Kaku Gothic ProN W6" charset="-128"/>
                 <a:cs typeface="Hiragino Kaku Gothic ProN W6" charset="-128"/>
               </a:rPr>
-              <a:t>広い状態空間を探索させるため</a:t>
+              <a:t>　　　→ギプスサンプリング無限回で近似してサンプルを定常分布に収束</a:t>
+            </a:r>
+            <a:endParaRPr kumimoji="1" lang="en-US" altLang="ja-JP" dirty="0" smtClean="0">
+              <a:latin typeface="Hiragino Kaku Gothic ProN W6" charset="-128"/>
+              <a:ea typeface="Hiragino Kaku Gothic ProN W6" charset="-128"/>
+              <a:cs typeface="Hiragino Kaku Gothic ProN W6" charset="-128"/>
+            </a:endParaRPr>
+          </a:p>
+          <a:p>
+            <a:pPr marL="457200" lvl="1" indent="0">
+              <a:buNone/>
+            </a:pPr>
+            <a:r>
+              <a:rPr lang="ja-JP" altLang="en-US" dirty="0">
+                <a:latin typeface="Hiragino Kaku Gothic ProN W6" charset="-128"/>
+                <a:ea typeface="Hiragino Kaku Gothic ProN W6" charset="-128"/>
+                <a:cs typeface="Hiragino Kaku Gothic ProN W6" charset="-128"/>
+              </a:rPr>
+              <a:t>　</a:t>
             </a:r>
             <a:r>
               <a:rPr lang="ja-JP" altLang="en-US" dirty="0" smtClean="0">
@@ -8914,7 +8900,55 @@
                 <a:ea typeface="Hiragino Kaku Gothic ProN W6" charset="-128"/>
                 <a:cs typeface="Hiragino Kaku Gothic ProN W6" charset="-128"/>
               </a:rPr>
-              <a:t>，複数の互いに異なる乱雑さをもつマルコフ連鎖を並列して用いる</a:t>
+              <a:t>　　→</a:t>
+            </a:r>
+            <a:r>
+              <a:rPr lang="ja-JP" altLang="en-US" dirty="0">
+                <a:latin typeface="Hiragino Kaku Gothic ProN W6" charset="-128"/>
+                <a:ea typeface="Hiragino Kaku Gothic ProN W6" charset="-128"/>
+                <a:cs typeface="Hiragino Kaku Gothic ProN W6" charset="-128"/>
+              </a:rPr>
+              <a:t>近似導関数</a:t>
+            </a:r>
+            <a:r>
+              <a:rPr lang="en-US" altLang="ja-JP" dirty="0">
+                <a:latin typeface="Hiragino Kaku Gothic ProN W6" charset="-128"/>
+                <a:ea typeface="Hiragino Kaku Gothic ProN W6" charset="-128"/>
+                <a:cs typeface="Hiragino Kaku Gothic ProN W6" charset="-128"/>
+              </a:rPr>
+              <a:t>(3.13</a:t>
+            </a:r>
+            <a:r>
+              <a:rPr lang="en-US" altLang="ja-JP" dirty="0" smtClean="0">
+                <a:latin typeface="Hiragino Kaku Gothic ProN W6" charset="-128"/>
+                <a:ea typeface="Hiragino Kaku Gothic ProN W6" charset="-128"/>
+                <a:cs typeface="Hiragino Kaku Gothic ProN W6" charset="-128"/>
+              </a:rPr>
+              <a:t>)</a:t>
+            </a:r>
+            <a:r>
+              <a:rPr lang="ja-JP" altLang="en-US" dirty="0" smtClean="0">
+                <a:latin typeface="Hiragino Kaku Gothic ProN W6" charset="-128"/>
+                <a:ea typeface="Hiragino Kaku Gothic ProN W6" charset="-128"/>
+                <a:cs typeface="Hiragino Kaku Gothic ProN W6" charset="-128"/>
+              </a:rPr>
+              <a:t>をギプスサンプリング</a:t>
+            </a:r>
+            <a:r>
+              <a:rPr lang="en-US" altLang="ja-JP" dirty="0" smtClean="0">
+                <a:latin typeface="Hiragino Kaku Gothic ProN W6" charset="-128"/>
+                <a:ea typeface="Hiragino Kaku Gothic ProN W6" charset="-128"/>
+                <a:cs typeface="Hiragino Kaku Gothic ProN W6" charset="-128"/>
+              </a:rPr>
+              <a:t>k</a:t>
+            </a:r>
+            <a:r>
+              <a:rPr lang="ja-JP" altLang="en-US" dirty="0" smtClean="0">
+                <a:latin typeface="Hiragino Kaku Gothic ProN W6" charset="-128"/>
+                <a:ea typeface="Hiragino Kaku Gothic ProN W6" charset="-128"/>
+                <a:cs typeface="Hiragino Kaku Gothic ProN W6" charset="-128"/>
+              </a:rPr>
+              <a:t>回で代用</a:t>
             </a:r>
             <a:endParaRPr lang="en-US" altLang="ja-JP" dirty="0" smtClean="0">
               <a:latin typeface="Hiragino Kaku Gothic ProN W6" charset="-128"/>
@@ -8924,14 +8958,21 @@
           </a:p>
           <a:p>
             <a:pPr lvl="1"/>
-            <a:endParaRPr kumimoji="1" lang="en-US" altLang="ja-JP" dirty="0">
+            <a:r>
+              <a:rPr kumimoji="1" lang="ja-JP" altLang="en-US" dirty="0" smtClean="0">
+                <a:latin typeface="Hiragino Kaku Gothic ProN W6" charset="-128"/>
+                <a:ea typeface="Hiragino Kaku Gothic ProN W6" charset="-128"/>
+                <a:cs typeface="Hiragino Kaku Gothic ProN W6" charset="-128"/>
+              </a:rPr>
+              <a:t>パラメータ更新のたびに初期分布を観測データからの経験分布に戻す</a:t>
+            </a:r>
+            <a:endParaRPr kumimoji="1" lang="en-US" altLang="ja-JP" dirty="0" smtClean="0">
               <a:latin typeface="Hiragino Kaku Gothic ProN W6" charset="-128"/>
               <a:ea typeface="Hiragino Kaku Gothic ProN W6" charset="-128"/>
               <a:cs typeface="Hiragino Kaku Gothic ProN W6" charset="-128"/>
             </a:endParaRPr>
           </a:p>
           <a:p>
-            <a:pPr lvl="1"/>
             <a:r>
               <a:rPr lang="ja-JP" altLang="en-US" dirty="0" smtClean="0">
                 <a:latin typeface="Hiragino Kaku Gothic ProN W6" charset="-128"/>
@@ -8954,7 +8995,7 @@
                 <a:ea typeface="Hiragino Kaku Gothic ProN W6" charset="-128"/>
                 <a:cs typeface="Hiragino Kaku Gothic ProN W6" charset="-128"/>
               </a:rPr>
-              <a:t>法と併用することで，</a:t>
+              <a:t>法</a:t>
             </a:r>
             <a:endParaRPr lang="en-US" altLang="ja-JP" dirty="0" smtClean="0">
               <a:latin typeface="Hiragino Kaku Gothic ProN W6" charset="-128"/>
@@ -8963,16 +9004,30 @@
             </a:endParaRPr>
           </a:p>
           <a:p>
-            <a:pPr marL="457200" lvl="1" indent="0">
-              <a:buNone/>
-            </a:pPr>
+            <a:pPr lvl="1"/>
+            <a:r>
+              <a:rPr kumimoji="1" lang="ja-JP" altLang="en-US" dirty="0" smtClean="0">
+                <a:latin typeface="Hiragino Kaku Gothic ProN W6" charset="-128"/>
+                <a:ea typeface="Hiragino Kaku Gothic ProN W6" charset="-128"/>
+                <a:cs typeface="Hiragino Kaku Gothic ProN W6" charset="-128"/>
+              </a:rPr>
+              <a:t>更新後にサンプルで構成される経験分布からギプスサンプリング</a:t>
+            </a:r>
+            <a:endParaRPr kumimoji="1" lang="en-US" altLang="ja-JP" dirty="0" smtClean="0">
+              <a:latin typeface="Hiragino Kaku Gothic ProN W6" charset="-128"/>
+              <a:ea typeface="Hiragino Kaku Gothic ProN W6" charset="-128"/>
+              <a:cs typeface="Hiragino Kaku Gothic ProN W6" charset="-128"/>
+            </a:endParaRPr>
+          </a:p>
+          <a:p>
+            <a:pPr lvl="1"/>
             <a:r>
               <a:rPr lang="ja-JP" altLang="en-US" dirty="0" smtClean="0">
                 <a:latin typeface="Hiragino Kaku Gothic ProN W6" charset="-128"/>
                 <a:ea typeface="Hiragino Kaku Gothic ProN W6" charset="-128"/>
                 <a:cs typeface="Hiragino Kaku Gothic ProN W6" charset="-128"/>
               </a:rPr>
-              <a:t>パラメータを上手く設定すれば継続的</a:t>
+              <a:t>継続的</a:t>
             </a:r>
             <a:r>
               <a:rPr lang="en-US" altLang="ja-JP" dirty="0" smtClean="0">
@@ -8980,7 +9035,7 @@
                 <a:ea typeface="Hiragino Kaku Gothic ProN W6" charset="-128"/>
                 <a:cs typeface="Hiragino Kaku Gothic ProN W6" charset="-128"/>
               </a:rPr>
-              <a:t>CD</a:t>
+              <a:t>CD-1</a:t>
             </a:r>
             <a:r>
               <a:rPr lang="ja-JP" altLang="en-US" dirty="0" smtClean="0">
@@ -8988,7 +9043,23 @@
                 <a:ea typeface="Hiragino Kaku Gothic ProN W6" charset="-128"/>
                 <a:cs typeface="Hiragino Kaku Gothic ProN W6" charset="-128"/>
               </a:rPr>
-              <a:t>法より優れた学習性能</a:t>
+              <a:t>法　≧　</a:t>
+            </a:r>
+            <a:r>
+              <a:rPr lang="en-US" altLang="ja-JP" dirty="0" smtClean="0">
+                <a:latin typeface="Hiragino Kaku Gothic ProN W6" charset="-128"/>
+                <a:ea typeface="Hiragino Kaku Gothic ProN W6" charset="-128"/>
+                <a:cs typeface="Hiragino Kaku Gothic ProN W6" charset="-128"/>
+              </a:rPr>
+              <a:t>CD-10</a:t>
+            </a:r>
+            <a:r>
+              <a:rPr lang="ja-JP" altLang="en-US" dirty="0" smtClean="0">
+                <a:latin typeface="Hiragino Kaku Gothic ProN W6" charset="-128"/>
+                <a:ea typeface="Hiragino Kaku Gothic ProN W6" charset="-128"/>
+                <a:cs typeface="Hiragino Kaku Gothic ProN W6" charset="-128"/>
+              </a:rPr>
+              <a:t>法</a:t>
             </a:r>
             <a:endParaRPr lang="en-US" altLang="ja-JP" dirty="0" smtClean="0">
               <a:latin typeface="Hiragino Kaku Gothic ProN W6" charset="-128"/>
@@ -9004,7 +9075,7 @@
                 <a:ea typeface="Hiragino Kaku Gothic ProN W6" charset="-128"/>
                 <a:cs typeface="Hiragino Kaku Gothic ProN W6" charset="-128"/>
               </a:rPr>
-              <a:t>欠点：設定するパラメータが増える</a:t>
+              <a:t>計算量が少ない</a:t>
             </a:r>
             <a:endParaRPr kumimoji="1" lang="en-US" altLang="ja-JP" dirty="0" smtClean="0">
               <a:latin typeface="Hiragino Kaku Gothic ProN W6" charset="-128"/>
@@ -9017,7 +9088,7 @@
     </p:spTree>
     <p:extLst>
       <p:ext uri="{BB962C8B-B14F-4D97-AF65-F5344CB8AC3E}">
-        <p14:creationId xmlns:p14="http://schemas.microsoft.com/office/powerpoint/2010/main" val="1330595058"/>
+        <p14:creationId xmlns:p14="http://schemas.microsoft.com/office/powerpoint/2010/main" val="943651070"/>
       </p:ext>
     </p:extLst>
   </p:cSld>
@@ -9056,68 +9127,210 @@
         </p:nvSpPr>
         <p:spPr/>
         <p:txBody>
-          <a:bodyPr>
-            <a:normAutofit fontScale="90000"/>
-          </a:bodyPr>
-          <a:lstStyle/>
-          <a:p>
-            <a:r>
-              <a:rPr kumimoji="1" lang="en-US" altLang="ja-JP" dirty="0" smtClean="0">
-                <a:latin typeface="ヒラギノ角ゴ Pro W6" charset="-128"/>
-                <a:ea typeface="ヒラギノ角ゴ Pro W6" charset="-128"/>
-              </a:rPr>
-              <a:t>3.4.7</a:t>
-            </a:r>
-            <a:r>
-              <a:rPr lang="en-US" altLang="ja-JP" dirty="0">
-                <a:latin typeface="ヒラギノ角ゴ Pro W6" charset="-128"/>
-                <a:ea typeface="ヒラギノ角ゴ Pro W6" charset="-128"/>
-              </a:rPr>
-              <a:t/>
-            </a:r>
-            <a:br>
-              <a:rPr lang="en-US" altLang="ja-JP" dirty="0">
-                <a:latin typeface="ヒラギノ角ゴ Pro W6" charset="-128"/>
-                <a:ea typeface="ヒラギノ角ゴ Pro W6" charset="-128"/>
-              </a:rPr>
-            </a:br>
-            <a:r>
-              <a:rPr kumimoji="1" lang="ja-JP" altLang="en-US" sz="3100" dirty="0" smtClean="0">
-                <a:latin typeface="ヒラギノ角ゴ Pro W6" charset="-128"/>
-                <a:ea typeface="ヒラギノ角ゴ Pro W6" charset="-128"/>
-              </a:rPr>
-              <a:t>確率的なモデルの事前学習と自己符号化器の学習の関係</a:t>
-            </a:r>
-            <a:endParaRPr kumimoji="1" lang="ja-JP" altLang="en-US" sz="3100" dirty="0">
-              <a:latin typeface="ヒラギノ角ゴ Pro W6" charset="-128"/>
-              <a:ea typeface="ヒラギノ角ゴ Pro W6" charset="-128"/>
-            </a:endParaRPr>
-          </a:p>
-        </p:txBody>
-      </p:sp>
-      <p:sp>
-        <p:nvSpPr>
-          <p:cNvPr id="3" name="コンテンツ プレースホルダー 2"/>
-          <p:cNvSpPr>
-            <a:spLocks noGrp="1"/>
-          </p:cNvSpPr>
-          <p:nvPr>
-            <p:ph idx="1"/>
-          </p:nvPr>
-        </p:nvSpPr>
-        <p:spPr/>
-        <p:txBody>
           <a:bodyPr/>
           <a:lstStyle/>
           <a:p>
+            <a:r>
+              <a:rPr lang="en-US" altLang="ja-JP" dirty="0">
+                <a:latin typeface="Hiragino Kaku Gothic ProN W6" charset="-128"/>
+                <a:ea typeface="Hiragino Kaku Gothic ProN W6" charset="-128"/>
+                <a:cs typeface="Hiragino Kaku Gothic ProN W6" charset="-128"/>
+              </a:rPr>
+              <a:t>CD</a:t>
+            </a:r>
+            <a:r>
+              <a:rPr lang="ja-JP" altLang="en-US" dirty="0">
+                <a:latin typeface="Hiragino Kaku Gothic ProN W6" charset="-128"/>
+                <a:ea typeface="Hiragino Kaku Gothic ProN W6" charset="-128"/>
+                <a:cs typeface="Hiragino Kaku Gothic ProN W6" charset="-128"/>
+              </a:rPr>
+              <a:t>法から派生した学習則</a:t>
+            </a:r>
             <a:endParaRPr kumimoji="1" lang="ja-JP" altLang="en-US" dirty="0"/>
+          </a:p>
+        </p:txBody>
+      </p:sp>
+      <p:sp>
+        <p:nvSpPr>
+          <p:cNvPr id="3" name="コンテンツ プレースホルダー 2"/>
+          <p:cNvSpPr>
+            <a:spLocks noGrp="1"/>
+          </p:cNvSpPr>
+          <p:nvPr>
+            <p:ph idx="1"/>
+          </p:nvPr>
+        </p:nvSpPr>
+        <p:spPr/>
+        <p:txBody>
+          <a:bodyPr/>
+          <a:lstStyle/>
+          <a:p>
+            <a:r>
+              <a:rPr kumimoji="1" lang="ja-JP" altLang="en-US" dirty="0" smtClean="0">
+                <a:latin typeface="Hiragino Kaku Gothic ProN W6" charset="-128"/>
+                <a:ea typeface="Hiragino Kaku Gothic ProN W6" charset="-128"/>
+                <a:cs typeface="Hiragino Kaku Gothic ProN W6" charset="-128"/>
+              </a:rPr>
+              <a:t>パラレルテンパリング</a:t>
+            </a:r>
+            <a:r>
+              <a:rPr lang="en-US" altLang="ja-JP" dirty="0">
+                <a:latin typeface="Hiragino Kaku Gothic ProN W6" charset="-128"/>
+                <a:ea typeface="Hiragino Kaku Gothic ProN W6" charset="-128"/>
+                <a:cs typeface="Hiragino Kaku Gothic ProN W6" charset="-128"/>
+              </a:rPr>
+              <a:t>=</a:t>
+            </a:r>
+            <a:r>
+              <a:rPr lang="ja-JP" altLang="en-US" dirty="0" smtClean="0">
+                <a:latin typeface="Hiragino Kaku Gothic ProN W6" charset="-128"/>
+                <a:ea typeface="Hiragino Kaku Gothic ProN W6" charset="-128"/>
+                <a:cs typeface="Hiragino Kaku Gothic ProN W6" charset="-128"/>
+              </a:rPr>
+              <a:t>交換モンテカルロ法</a:t>
+            </a:r>
+            <a:endParaRPr lang="en-US" altLang="ja-JP" dirty="0" smtClean="0">
+              <a:latin typeface="Hiragino Kaku Gothic ProN W6" charset="-128"/>
+              <a:ea typeface="Hiragino Kaku Gothic ProN W6" charset="-128"/>
+              <a:cs typeface="Hiragino Kaku Gothic ProN W6" charset="-128"/>
+            </a:endParaRPr>
+          </a:p>
+          <a:p>
+            <a:pPr lvl="1"/>
+            <a:r>
+              <a:rPr kumimoji="1" lang="ja-JP" altLang="en-US" dirty="0" smtClean="0">
+                <a:latin typeface="Hiragino Kaku Gothic ProN W6" charset="-128"/>
+                <a:ea typeface="Hiragino Kaku Gothic ProN W6" charset="-128"/>
+                <a:cs typeface="Hiragino Kaku Gothic ProN W6" charset="-128"/>
+              </a:rPr>
+              <a:t>マルコフ連鎖においてサンプル集団の偏りがなかなか解消されない</a:t>
+            </a:r>
+            <a:endParaRPr kumimoji="1" lang="en-US" altLang="ja-JP" dirty="0" smtClean="0">
+              <a:latin typeface="Hiragino Kaku Gothic ProN W6" charset="-128"/>
+              <a:ea typeface="Hiragino Kaku Gothic ProN W6" charset="-128"/>
+              <a:cs typeface="Hiragino Kaku Gothic ProN W6" charset="-128"/>
+            </a:endParaRPr>
+          </a:p>
+          <a:p>
+            <a:pPr lvl="1"/>
+            <a:r>
+              <a:rPr kumimoji="1" lang="ja-JP" altLang="en-US" dirty="0" smtClean="0">
+                <a:latin typeface="Hiragino Kaku Gothic ProN W6" charset="-128"/>
+                <a:ea typeface="Hiragino Kaku Gothic ProN W6" charset="-128"/>
+                <a:cs typeface="Hiragino Kaku Gothic ProN W6" charset="-128"/>
+              </a:rPr>
+              <a:t>広い状態空間を探索させるため</a:t>
+            </a:r>
+            <a:r>
+              <a:rPr lang="ja-JP" altLang="en-US" dirty="0" smtClean="0">
+                <a:latin typeface="Hiragino Kaku Gothic ProN W6" charset="-128"/>
+                <a:ea typeface="Hiragino Kaku Gothic ProN W6" charset="-128"/>
+                <a:cs typeface="Hiragino Kaku Gothic ProN W6" charset="-128"/>
+              </a:rPr>
+              <a:t>，複数の互いに異なる乱雑さをもつマルコフ連鎖を並列して用いる</a:t>
+            </a:r>
+            <a:endParaRPr lang="en-US" altLang="ja-JP" dirty="0" smtClean="0">
+              <a:latin typeface="Hiragino Kaku Gothic ProN W6" charset="-128"/>
+              <a:ea typeface="Hiragino Kaku Gothic ProN W6" charset="-128"/>
+              <a:cs typeface="Hiragino Kaku Gothic ProN W6" charset="-128"/>
+            </a:endParaRPr>
+          </a:p>
+          <a:p>
+            <a:pPr lvl="1"/>
+            <a:endParaRPr kumimoji="1" lang="en-US" altLang="ja-JP" dirty="0">
+              <a:latin typeface="Hiragino Kaku Gothic ProN W6" charset="-128"/>
+              <a:ea typeface="Hiragino Kaku Gothic ProN W6" charset="-128"/>
+              <a:cs typeface="Hiragino Kaku Gothic ProN W6" charset="-128"/>
+            </a:endParaRPr>
+          </a:p>
+          <a:p>
+            <a:pPr lvl="1"/>
+            <a:r>
+              <a:rPr lang="ja-JP" altLang="en-US" dirty="0" smtClean="0">
+                <a:latin typeface="Hiragino Kaku Gothic ProN W6" charset="-128"/>
+                <a:ea typeface="Hiragino Kaku Gothic ProN W6" charset="-128"/>
+                <a:cs typeface="Hiragino Kaku Gothic ProN W6" charset="-128"/>
+              </a:rPr>
+              <a:t>継続的</a:t>
+            </a:r>
+            <a:r>
+              <a:rPr lang="en-US" altLang="ja-JP" dirty="0" smtClean="0">
+                <a:latin typeface="Hiragino Kaku Gothic ProN W6" charset="-128"/>
+                <a:ea typeface="Hiragino Kaku Gothic ProN W6" charset="-128"/>
+                <a:cs typeface="Hiragino Kaku Gothic ProN W6" charset="-128"/>
+              </a:rPr>
+              <a:t>CD</a:t>
+            </a:r>
+            <a:r>
+              <a:rPr lang="ja-JP" altLang="en-US" dirty="0" smtClean="0">
+                <a:latin typeface="Hiragino Kaku Gothic ProN W6" charset="-128"/>
+                <a:ea typeface="Hiragino Kaku Gothic ProN W6" charset="-128"/>
+                <a:cs typeface="Hiragino Kaku Gothic ProN W6" charset="-128"/>
+              </a:rPr>
+              <a:t>法と併用することで，</a:t>
+            </a:r>
+            <a:endParaRPr lang="en-US" altLang="ja-JP" dirty="0" smtClean="0">
+              <a:latin typeface="Hiragino Kaku Gothic ProN W6" charset="-128"/>
+              <a:ea typeface="Hiragino Kaku Gothic ProN W6" charset="-128"/>
+              <a:cs typeface="Hiragino Kaku Gothic ProN W6" charset="-128"/>
+            </a:endParaRPr>
+          </a:p>
+          <a:p>
+            <a:pPr marL="457200" lvl="1" indent="0">
+              <a:buNone/>
+            </a:pPr>
+            <a:r>
+              <a:rPr lang="ja-JP" altLang="en-US" dirty="0" smtClean="0">
+                <a:latin typeface="Hiragino Kaku Gothic ProN W6" charset="-128"/>
+                <a:ea typeface="Hiragino Kaku Gothic ProN W6" charset="-128"/>
+                <a:cs typeface="Hiragino Kaku Gothic ProN W6" charset="-128"/>
+              </a:rPr>
+              <a:t>パラメータを上手く設定すれば継続的</a:t>
+            </a:r>
+            <a:r>
+              <a:rPr lang="en-US" altLang="ja-JP" dirty="0" smtClean="0">
+                <a:latin typeface="Hiragino Kaku Gothic ProN W6" charset="-128"/>
+                <a:ea typeface="Hiragino Kaku Gothic ProN W6" charset="-128"/>
+                <a:cs typeface="Hiragino Kaku Gothic ProN W6" charset="-128"/>
+              </a:rPr>
+              <a:t>CD</a:t>
+            </a:r>
+            <a:r>
+              <a:rPr lang="ja-JP" altLang="en-US" dirty="0" smtClean="0">
+                <a:latin typeface="Hiragino Kaku Gothic ProN W6" charset="-128"/>
+                <a:ea typeface="Hiragino Kaku Gothic ProN W6" charset="-128"/>
+                <a:cs typeface="Hiragino Kaku Gothic ProN W6" charset="-128"/>
+              </a:rPr>
+              <a:t>法より優れた学習性能</a:t>
+            </a:r>
+            <a:endParaRPr lang="en-US" altLang="ja-JP" dirty="0" smtClean="0">
+              <a:latin typeface="Hiragino Kaku Gothic ProN W6" charset="-128"/>
+              <a:ea typeface="Hiragino Kaku Gothic ProN W6" charset="-128"/>
+              <a:cs typeface="Hiragino Kaku Gothic ProN W6" charset="-128"/>
+            </a:endParaRPr>
+          </a:p>
+          <a:p>
+            <a:pPr lvl="1"/>
+            <a:r>
+              <a:rPr kumimoji="1" lang="ja-JP" altLang="en-US" dirty="0" smtClean="0">
+                <a:latin typeface="Hiragino Kaku Gothic ProN W6" charset="-128"/>
+                <a:ea typeface="Hiragino Kaku Gothic ProN W6" charset="-128"/>
+                <a:cs typeface="Hiragino Kaku Gothic ProN W6" charset="-128"/>
+              </a:rPr>
+              <a:t>欠点：設定するパラメータが増える</a:t>
+            </a:r>
+            <a:endParaRPr kumimoji="1" lang="en-US" altLang="ja-JP" dirty="0" smtClean="0">
+              <a:latin typeface="Hiragino Kaku Gothic ProN W6" charset="-128"/>
+              <a:ea typeface="Hiragino Kaku Gothic ProN W6" charset="-128"/>
+              <a:cs typeface="Hiragino Kaku Gothic ProN W6" charset="-128"/>
+            </a:endParaRPr>
           </a:p>
         </p:txBody>
       </p:sp>
     </p:spTree>
     <p:extLst>
       <p:ext uri="{BB962C8B-B14F-4D97-AF65-F5344CB8AC3E}">
-        <p14:creationId xmlns:p14="http://schemas.microsoft.com/office/powerpoint/2010/main" val="648899709"/>
+        <p14:creationId xmlns:p14="http://schemas.microsoft.com/office/powerpoint/2010/main" val="1330595058"/>
       </p:ext>
     </p:extLst>
   </p:cSld>
@@ -9156,58 +9369,94 @@
         </p:nvSpPr>
         <p:spPr/>
         <p:txBody>
+          <a:bodyPr>
+            <a:normAutofit fontScale="90000"/>
+          </a:bodyPr>
+          <a:lstStyle/>
+          <a:p>
+            <a:r>
+              <a:rPr kumimoji="1" lang="en-US" altLang="ja-JP" dirty="0" smtClean="0">
+                <a:latin typeface="ヒラギノ角ゴ Pro W6" charset="-128"/>
+                <a:ea typeface="ヒラギノ角ゴ Pro W6" charset="-128"/>
+              </a:rPr>
+              <a:t>3.4.7</a:t>
+            </a:r>
+            <a:r>
+              <a:rPr lang="en-US" altLang="ja-JP" dirty="0">
+                <a:latin typeface="ヒラギノ角ゴ Pro W6" charset="-128"/>
+                <a:ea typeface="ヒラギノ角ゴ Pro W6" charset="-128"/>
+              </a:rPr>
+              <a:t/>
+            </a:r>
+            <a:br>
+              <a:rPr lang="en-US" altLang="ja-JP" dirty="0">
+                <a:latin typeface="ヒラギノ角ゴ Pro W6" charset="-128"/>
+                <a:ea typeface="ヒラギノ角ゴ Pro W6" charset="-128"/>
+              </a:rPr>
+            </a:br>
+            <a:r>
+              <a:rPr kumimoji="1" lang="ja-JP" altLang="en-US" sz="3100" dirty="0" smtClean="0">
+                <a:latin typeface="ヒラギノ角ゴ Pro W6" charset="-128"/>
+                <a:ea typeface="ヒラギノ角ゴ Pro W6" charset="-128"/>
+              </a:rPr>
+              <a:t>確率的なモデルの事前学習と自己符号化器の学習の関係</a:t>
+            </a:r>
+            <a:endParaRPr kumimoji="1" lang="ja-JP" altLang="en-US" sz="3100" dirty="0">
+              <a:latin typeface="ヒラギノ角ゴ Pro W6" charset="-128"/>
+              <a:ea typeface="ヒラギノ角ゴ Pro W6" charset="-128"/>
+            </a:endParaRPr>
+          </a:p>
+        </p:txBody>
+      </p:sp>
+      <p:sp>
+        <p:nvSpPr>
+          <p:cNvPr id="3" name="コンテンツ プレースホルダー 2"/>
+          <p:cNvSpPr>
+            <a:spLocks noGrp="1"/>
+          </p:cNvSpPr>
+          <p:nvPr>
+            <p:ph idx="1"/>
+          </p:nvPr>
+        </p:nvSpPr>
+        <p:spPr/>
+        <p:txBody>
           <a:bodyPr/>
           <a:lstStyle/>
           <a:p>
             <a:r>
-              <a:rPr kumimoji="1" lang="en-US" altLang="ja-JP" dirty="0" smtClean="0">
-                <a:latin typeface="Hiragino Kaku Gothic ProN W6" charset="-128"/>
-                <a:ea typeface="Hiragino Kaku Gothic ProN W6" charset="-128"/>
-                <a:cs typeface="Hiragino Kaku Gothic ProN W6" charset="-128"/>
-              </a:rPr>
-              <a:t>3.5</a:t>
-            </a:r>
-            <a:r>
               <a:rPr kumimoji="1" lang="ja-JP" altLang="en-US" dirty="0" smtClean="0">
                 <a:latin typeface="Hiragino Kaku Gothic ProN W6" charset="-128"/>
                 <a:ea typeface="Hiragino Kaku Gothic ProN W6" charset="-128"/>
                 <a:cs typeface="Hiragino Kaku Gothic ProN W6" charset="-128"/>
               </a:rPr>
-              <a:t>　確定的なモデルを用いた事前学習</a:t>
-            </a:r>
-            <a:endParaRPr kumimoji="1" lang="ja-JP" altLang="en-US" dirty="0">
+              <a:t>事前学習</a:t>
+            </a:r>
+            <a:r>
+              <a:rPr lang="en-US" altLang="ja-JP" dirty="0" smtClean="0">
+                <a:latin typeface="Hiragino Kaku Gothic ProN W6" charset="-128"/>
+                <a:ea typeface="Hiragino Kaku Gothic ProN W6" charset="-128"/>
+                <a:cs typeface="Hiragino Kaku Gothic ProN W6" charset="-128"/>
+              </a:rPr>
+              <a:t>:</a:t>
+            </a:r>
+            <a:endParaRPr lang="en-US" altLang="ja-JP" dirty="0">
               <a:latin typeface="Hiragino Kaku Gothic ProN W6" charset="-128"/>
               <a:ea typeface="Hiragino Kaku Gothic ProN W6" charset="-128"/>
               <a:cs typeface="Hiragino Kaku Gothic ProN W6" charset="-128"/>
             </a:endParaRPr>
           </a:p>
-        </p:txBody>
-      </p:sp>
-      <p:sp>
-        <p:nvSpPr>
-          <p:cNvPr id="3" name="コンテンツ プレースホルダー 2"/>
-          <p:cNvSpPr>
-            <a:spLocks noGrp="1"/>
-          </p:cNvSpPr>
-          <p:nvPr>
-            <p:ph idx="1"/>
-          </p:nvPr>
-        </p:nvSpPr>
-        <p:spPr/>
-        <p:txBody>
-          <a:bodyPr/>
-          <a:lstStyle/>
-          <a:p>
-            <a:r>
-              <a:rPr kumimoji="1" lang="ja-JP" altLang="en-US" dirty="0" smtClean="0">
-                <a:latin typeface="Hiragino Kaku Gothic ProN W6" charset="-128"/>
-                <a:ea typeface="Hiragino Kaku Gothic ProN W6" charset="-128"/>
-                <a:cs typeface="Hiragino Kaku Gothic ProN W6" charset="-128"/>
-              </a:rPr>
-              <a:t>事前学習は後の深層</a:t>
-            </a:r>
-            <a:r>
-              <a:rPr kumimoji="1" lang="en-US" altLang="ja-JP" dirty="0" smtClean="0">
+          <a:p>
+            <a:pPr lvl="1"/>
+            <a:r>
+              <a:rPr lang="ja-JP" altLang="en-US" dirty="0" smtClean="0">
+                <a:latin typeface="Hiragino Kaku Gothic ProN W6" charset="-128"/>
+                <a:ea typeface="Hiragino Kaku Gothic ProN W6" charset="-128"/>
+                <a:cs typeface="Hiragino Kaku Gothic ProN W6" charset="-128"/>
+              </a:rPr>
+              <a:t>多層</a:t>
+            </a:r>
+            <a:r>
+              <a:rPr lang="en-US" altLang="ja-JP" dirty="0" smtClean="0">
                 <a:latin typeface="Hiragino Kaku Gothic ProN W6" charset="-128"/>
                 <a:ea typeface="Hiragino Kaku Gothic ProN W6" charset="-128"/>
                 <a:cs typeface="Hiragino Kaku Gothic ProN W6" charset="-128"/>
@@ -9215,27 +9464,12 @@
               <a:t>NN</a:t>
             </a:r>
             <a:r>
-              <a:rPr kumimoji="1" lang="ja-JP" altLang="en-US" dirty="0" smtClean="0">
-                <a:latin typeface="Hiragino Kaku Gothic ProN W6" charset="-128"/>
-                <a:ea typeface="Hiragino Kaku Gothic ProN W6" charset="-128"/>
-                <a:cs typeface="Hiragino Kaku Gothic ProN W6" charset="-128"/>
-              </a:rPr>
-              <a:t>の過学習を防ぐ</a:t>
-            </a:r>
-            <a:endParaRPr kumimoji="1" lang="en-US" altLang="ja-JP" dirty="0" smtClean="0">
-              <a:latin typeface="Hiragino Kaku Gothic ProN W6" charset="-128"/>
-              <a:ea typeface="Hiragino Kaku Gothic ProN W6" charset="-128"/>
-              <a:cs typeface="Hiragino Kaku Gothic ProN W6" charset="-128"/>
-            </a:endParaRPr>
-          </a:p>
-          <a:p>
-            <a:r>
               <a:rPr lang="ja-JP" altLang="en-US" dirty="0" smtClean="0">
                 <a:latin typeface="Hiragino Kaku Gothic ProN W6" charset="-128"/>
                 <a:ea typeface="Hiragino Kaku Gothic ProN W6" charset="-128"/>
                 <a:cs typeface="Hiragino Kaku Gothic ProN W6" charset="-128"/>
               </a:rPr>
-              <a:t>確率的なモデルは，確定的な教師あり学習の損失関数とは間接的</a:t>
+              <a:t>を隣接二層ごとに分解</a:t>
             </a:r>
             <a:endParaRPr lang="en-US" altLang="ja-JP" dirty="0" smtClean="0">
               <a:latin typeface="Hiragino Kaku Gothic ProN W6" charset="-128"/>
@@ -9244,29 +9478,22 @@
             </a:endParaRPr>
           </a:p>
           <a:p>
-            <a:r>
-              <a:rPr kumimoji="1" lang="ja-JP" altLang="en-US" dirty="0" smtClean="0">
-                <a:latin typeface="Hiragino Kaku Gothic ProN W6" charset="-128"/>
-                <a:ea typeface="Hiragino Kaku Gothic ProN W6" charset="-128"/>
-                <a:cs typeface="Hiragino Kaku Gothic ProN W6" charset="-128"/>
-              </a:rPr>
-              <a:t>確率的なモデルは直接的</a:t>
-            </a:r>
-            <a:endParaRPr kumimoji="1" lang="en-US" altLang="ja-JP" dirty="0" smtClean="0">
-              <a:latin typeface="Hiragino Kaku Gothic ProN W6" charset="-128"/>
-              <a:ea typeface="Hiragino Kaku Gothic ProN W6" charset="-128"/>
-              <a:cs typeface="Hiragino Kaku Gothic ProN W6" charset="-128"/>
-            </a:endParaRPr>
-          </a:p>
-          <a:p>
-            <a:pPr lvl="1" algn="just"/>
+            <a:pPr lvl="1"/>
+            <a:r>
+              <a:rPr lang="ja-JP" altLang="en-US" dirty="0" smtClean="0">
+                <a:latin typeface="Hiragino Kaku Gothic ProN W6" charset="-128"/>
+                <a:ea typeface="Hiragino Kaku Gothic ProN W6" charset="-128"/>
+                <a:cs typeface="Hiragino Kaku Gothic ProN W6" charset="-128"/>
+              </a:rPr>
+              <a:t>二層で</a:t>
+            </a:r>
             <a:r>
               <a:rPr lang="en-US" altLang="ja-JP" dirty="0" smtClean="0">
                 <a:latin typeface="Hiragino Kaku Gothic ProN W6" charset="-128"/>
                 <a:ea typeface="Hiragino Kaku Gothic ProN W6" charset="-128"/>
                 <a:cs typeface="Hiragino Kaku Gothic ProN W6" charset="-128"/>
               </a:rPr>
-              <a:t>3.5.1</a:t>
+              <a:t>RBM</a:t>
             </a:r>
             <a:r>
               <a:rPr lang="ja-JP" altLang="en-US" dirty="0" smtClean="0">
@@ -9274,7 +9501,7 @@
                 <a:ea typeface="Hiragino Kaku Gothic ProN W6" charset="-128"/>
                 <a:cs typeface="Hiragino Kaku Gothic ProN W6" charset="-128"/>
               </a:rPr>
-              <a:t>　教師なし学習</a:t>
+              <a:t>など小規模モデルを構成</a:t>
             </a:r>
             <a:endParaRPr lang="en-US" altLang="ja-JP" dirty="0" smtClean="0">
               <a:latin typeface="Hiragino Kaku Gothic ProN W6" charset="-128"/>
@@ -9285,33 +9512,104 @@
           <a:p>
             <a:pPr lvl="1"/>
             <a:r>
-              <a:rPr kumimoji="1" lang="en-US" altLang="ja-JP" dirty="0" smtClean="0">
-                <a:latin typeface="Hiragino Kaku Gothic ProN W6" charset="-128"/>
-                <a:ea typeface="Hiragino Kaku Gothic ProN W6" charset="-128"/>
-                <a:cs typeface="Hiragino Kaku Gothic ProN W6" charset="-128"/>
-              </a:rPr>
-              <a:t>3.5.2</a:t>
-            </a:r>
-            <a:r>
-              <a:rPr kumimoji="1" lang="ja-JP" altLang="en-US" dirty="0" smtClean="0">
-                <a:latin typeface="Hiragino Kaku Gothic ProN W6" charset="-128"/>
-                <a:ea typeface="Hiragino Kaku Gothic ProN W6" charset="-128"/>
-                <a:cs typeface="Hiragino Kaku Gothic ProN W6" charset="-128"/>
-              </a:rPr>
-              <a:t>　教師あり学習</a:t>
-            </a:r>
-            <a:endParaRPr kumimoji="1" lang="ja-JP" altLang="en-US" dirty="0">
+              <a:rPr lang="ja-JP" altLang="en-US" dirty="0" smtClean="0">
+                <a:latin typeface="Hiragino Kaku Gothic ProN W6" charset="-128"/>
+                <a:ea typeface="Hiragino Kaku Gothic ProN W6" charset="-128"/>
+                <a:cs typeface="Hiragino Kaku Gothic ProN W6" charset="-128"/>
+              </a:rPr>
+              <a:t>下層から順に学習</a:t>
+            </a:r>
+            <a:endParaRPr lang="en-US" altLang="ja-JP" dirty="0" smtClean="0">
               <a:latin typeface="Hiragino Kaku Gothic ProN W6" charset="-128"/>
               <a:ea typeface="Hiragino Kaku Gothic ProN W6" charset="-128"/>
               <a:cs typeface="Hiragino Kaku Gothic ProN W6" charset="-128"/>
             </a:endParaRPr>
           </a:p>
+          <a:p>
+            <a:r>
+              <a:rPr lang="ja-JP" altLang="en-US" dirty="0" smtClean="0">
+                <a:latin typeface="Hiragino Kaku Gothic ProN W6" charset="-128"/>
+                <a:ea typeface="Hiragino Kaku Gothic ProN W6" charset="-128"/>
+                <a:cs typeface="Hiragino Kaku Gothic ProN W6" charset="-128"/>
+              </a:rPr>
+              <a:t>式</a:t>
+            </a:r>
+            <a:r>
+              <a:rPr lang="en-US" altLang="ja-JP" dirty="0" smtClean="0">
+                <a:latin typeface="Hiragino Kaku Gothic ProN W6" charset="-128"/>
+                <a:ea typeface="Hiragino Kaku Gothic ProN W6" charset="-128"/>
+                <a:cs typeface="Hiragino Kaku Gothic ProN W6" charset="-128"/>
+              </a:rPr>
+              <a:t>(3.21)</a:t>
+            </a:r>
+            <a:r>
+              <a:rPr lang="ja-JP" altLang="en-US" dirty="0" smtClean="0">
+                <a:latin typeface="Hiragino Kaku Gothic ProN W6" charset="-128"/>
+                <a:ea typeface="Hiragino Kaku Gothic ProN W6" charset="-128"/>
+                <a:cs typeface="Hiragino Kaku Gothic ProN W6" charset="-128"/>
+              </a:rPr>
+              <a:t>の詳細釣り合い条件を満たすように，マルコフ連鎖の条件付き分布</a:t>
+            </a:r>
+            <a:r>
+              <a:rPr lang="en-US" altLang="ja-JP" dirty="0" smtClean="0">
+                <a:latin typeface="Hiragino Kaku Gothic ProN W6" charset="-128"/>
+                <a:ea typeface="Hiragino Kaku Gothic ProN W6" charset="-128"/>
+                <a:cs typeface="Hiragino Kaku Gothic ProN W6" charset="-128"/>
+              </a:rPr>
+              <a:t>p(</a:t>
+            </a:r>
+            <a:r>
+              <a:rPr lang="en-US" altLang="ja-JP" dirty="0" err="1" smtClean="0">
+                <a:latin typeface="Hiragino Kaku Gothic ProN W6" charset="-128"/>
+                <a:ea typeface="Hiragino Kaku Gothic ProN W6" charset="-128"/>
+                <a:cs typeface="Hiragino Kaku Gothic ProN W6" charset="-128"/>
+              </a:rPr>
+              <a:t>h|v,θ</a:t>
+            </a:r>
+            <a:r>
+              <a:rPr lang="en-US" altLang="ja-JP" dirty="0" smtClean="0">
+                <a:latin typeface="Hiragino Kaku Gothic ProN W6" charset="-128"/>
+                <a:ea typeface="Hiragino Kaku Gothic ProN W6" charset="-128"/>
+                <a:cs typeface="Hiragino Kaku Gothic ProN W6" charset="-128"/>
+              </a:rPr>
+              <a:t>)</a:t>
+            </a:r>
+            <a:r>
+              <a:rPr lang="ja-JP" altLang="en-US" dirty="0" smtClean="0">
+                <a:latin typeface="Hiragino Kaku Gothic ProN W6" charset="-128"/>
+                <a:ea typeface="Hiragino Kaku Gothic ProN W6" charset="-128"/>
+                <a:cs typeface="Hiragino Kaku Gothic ProN W6" charset="-128"/>
+              </a:rPr>
+              <a:t>と</a:t>
+            </a:r>
+            <a:r>
+              <a:rPr lang="en-US" altLang="ja-JP" dirty="0" err="1" smtClean="0">
+                <a:latin typeface="Hiragino Kaku Gothic ProN W6" charset="-128"/>
+                <a:ea typeface="Hiragino Kaku Gothic ProN W6" charset="-128"/>
+                <a:cs typeface="Hiragino Kaku Gothic ProN W6" charset="-128"/>
+              </a:rPr>
+              <a:t>θ</a:t>
+            </a:r>
+            <a:r>
+              <a:rPr lang="ja-JP" altLang="en-US" dirty="0" smtClean="0">
+                <a:latin typeface="Hiragino Kaku Gothic ProN W6" charset="-128"/>
+                <a:ea typeface="Hiragino Kaku Gothic ProN W6" charset="-128"/>
+                <a:cs typeface="Hiragino Kaku Gothic ProN W6" charset="-128"/>
+              </a:rPr>
+              <a:t>を学習すれば，確率的な自己符号化器が得られることがわかる</a:t>
+            </a:r>
+            <a:endParaRPr lang="en-US" altLang="ja-JP" dirty="0" smtClean="0">
+              <a:latin typeface="Hiragino Kaku Gothic ProN W6" charset="-128"/>
+              <a:ea typeface="Hiragino Kaku Gothic ProN W6" charset="-128"/>
+              <a:cs typeface="Hiragino Kaku Gothic ProN W6" charset="-128"/>
+            </a:endParaRPr>
+          </a:p>
         </p:txBody>
       </p:sp>
     </p:spTree>
     <p:extLst>
       <p:ext uri="{BB962C8B-B14F-4D97-AF65-F5344CB8AC3E}">
-        <p14:creationId xmlns:p14="http://schemas.microsoft.com/office/powerpoint/2010/main" val="353630883"/>
+        <p14:creationId xmlns:p14="http://schemas.microsoft.com/office/powerpoint/2010/main" val="648899709"/>
       </p:ext>
     </p:extLst>
   </p:cSld>
@@ -9354,35 +9652,12 @@
           <a:lstStyle/>
           <a:p>
             <a:r>
-              <a:rPr lang="en-US" altLang="ja-JP" dirty="0" smtClean="0">
-                <a:latin typeface="Hiragino Kaku Gothic ProN W6" charset="-128"/>
-                <a:ea typeface="Hiragino Kaku Gothic ProN W6" charset="-128"/>
-                <a:cs typeface="Hiragino Kaku Gothic ProN W6" charset="-128"/>
-              </a:rPr>
-              <a:t>3.5.1</a:t>
-            </a:r>
-            <a:r>
-              <a:rPr lang="en-US" altLang="ja-JP" dirty="0">
-                <a:latin typeface="Hiragino Kaku Gothic ProN W6" charset="-128"/>
-                <a:ea typeface="Hiragino Kaku Gothic ProN W6" charset="-128"/>
-                <a:cs typeface="Hiragino Kaku Gothic ProN W6" charset="-128"/>
-              </a:rPr>
-              <a:t/>
-            </a:r>
-            <a:br>
-              <a:rPr lang="en-US" altLang="ja-JP" dirty="0">
-                <a:latin typeface="Hiragino Kaku Gothic ProN W6" charset="-128"/>
-                <a:ea typeface="Hiragino Kaku Gothic ProN W6" charset="-128"/>
-                <a:cs typeface="Hiragino Kaku Gothic ProN W6" charset="-128"/>
-              </a:rPr>
-            </a:br>
-            <a:r>
-              <a:rPr lang="ja-JP" altLang="en-US" dirty="0" smtClean="0">
-                <a:latin typeface="Hiragino Kaku Gothic ProN W6" charset="-128"/>
-                <a:ea typeface="Hiragino Kaku Gothic ProN W6" charset="-128"/>
-                <a:cs typeface="Hiragino Kaku Gothic ProN W6" charset="-128"/>
-              </a:rPr>
-              <a:t>教師なし学習による確定的なモデルの学習</a:t>
+              <a:rPr kumimoji="1" lang="ja-JP" altLang="en-US" dirty="0" smtClean="0">
+                <a:latin typeface="Hiragino Kaku Gothic ProN W6" charset="-128"/>
+                <a:ea typeface="Hiragino Kaku Gothic ProN W6" charset="-128"/>
+                <a:cs typeface="Hiragino Kaku Gothic ProN W6" charset="-128"/>
+              </a:rPr>
+              <a:t>変分自己符号化器</a:t>
             </a:r>
             <a:endParaRPr kumimoji="1" lang="ja-JP" altLang="en-US" dirty="0">
               <a:latin typeface="Hiragino Kaku Gothic ProN W6" charset="-128"/>
@@ -9407,14 +9682,105 @@
           <a:bodyPr/>
           <a:lstStyle/>
           <a:p>
-            <a:endParaRPr kumimoji="1" lang="ja-JP" altLang="en-US" dirty="0"/>
+            <a:r>
+              <a:rPr lang="ja-JP" altLang="en-US" dirty="0" smtClean="0">
+                <a:latin typeface="Hiragino Kaku Gothic ProN W6" charset="-128"/>
+                <a:ea typeface="Hiragino Kaku Gothic ProN W6" charset="-128"/>
+                <a:cs typeface="Hiragino Kaku Gothic ProN W6" charset="-128"/>
+              </a:rPr>
+              <a:t>事後</a:t>
+            </a:r>
+            <a:r>
+              <a:rPr kumimoji="1" lang="ja-JP" altLang="en-US" dirty="0" smtClean="0">
+                <a:latin typeface="Hiragino Kaku Gothic ProN W6" charset="-128"/>
+                <a:ea typeface="Hiragino Kaku Gothic ProN W6" charset="-128"/>
+                <a:cs typeface="Hiragino Kaku Gothic ProN W6" charset="-128"/>
+              </a:rPr>
+              <a:t>分布</a:t>
+            </a:r>
+            <a:r>
+              <a:rPr kumimoji="1" lang="en-US" altLang="ja-JP" dirty="0" smtClean="0">
+                <a:latin typeface="Hiragino Kaku Gothic ProN W6" charset="-128"/>
+                <a:ea typeface="Hiragino Kaku Gothic ProN W6" charset="-128"/>
+                <a:cs typeface="Hiragino Kaku Gothic ProN W6" charset="-128"/>
+              </a:rPr>
+              <a:t>p(</a:t>
+            </a:r>
+            <a:r>
+              <a:rPr kumimoji="1" lang="en-US" altLang="ja-JP" dirty="0" err="1" smtClean="0">
+                <a:latin typeface="Hiragino Kaku Gothic ProN W6" charset="-128"/>
+                <a:ea typeface="Hiragino Kaku Gothic ProN W6" charset="-128"/>
+                <a:cs typeface="Hiragino Kaku Gothic ProN W6" charset="-128"/>
+              </a:rPr>
+              <a:t>h|v,θ</a:t>
+            </a:r>
+            <a:r>
+              <a:rPr kumimoji="1" lang="en-US" altLang="ja-JP" dirty="0" smtClean="0">
+                <a:latin typeface="Hiragino Kaku Gothic ProN W6" charset="-128"/>
+                <a:ea typeface="Hiragino Kaku Gothic ProN W6" charset="-128"/>
+                <a:cs typeface="Hiragino Kaku Gothic ProN W6" charset="-128"/>
+              </a:rPr>
+              <a:t>)</a:t>
+            </a:r>
+            <a:r>
+              <a:rPr kumimoji="1" lang="ja-JP" altLang="en-US" dirty="0" smtClean="0">
+                <a:latin typeface="Hiragino Kaku Gothic ProN W6" charset="-128"/>
+                <a:ea typeface="Hiragino Kaku Gothic ProN W6" charset="-128"/>
+                <a:cs typeface="Hiragino Kaku Gothic ProN W6" charset="-128"/>
+              </a:rPr>
+              <a:t>が</a:t>
+            </a:r>
+            <a:r>
+              <a:rPr lang="ja-JP" altLang="en-US" dirty="0" smtClean="0">
+                <a:latin typeface="Hiragino Kaku Gothic ProN W6" charset="-128"/>
+                <a:ea typeface="Hiragino Kaku Gothic ProN W6" charset="-128"/>
+                <a:cs typeface="Hiragino Kaku Gothic ProN W6" charset="-128"/>
+              </a:rPr>
+              <a:t>深層</a:t>
+            </a:r>
+            <a:r>
+              <a:rPr lang="en-US" altLang="ja-JP" dirty="0" smtClean="0">
+                <a:latin typeface="Hiragino Kaku Gothic ProN W6" charset="-128"/>
+                <a:ea typeface="Hiragino Kaku Gothic ProN W6" charset="-128"/>
+                <a:cs typeface="Hiragino Kaku Gothic ProN W6" charset="-128"/>
+              </a:rPr>
+              <a:t>NN</a:t>
+            </a:r>
+            <a:r>
+              <a:rPr lang="ja-JP" altLang="en-US" dirty="0" smtClean="0">
+                <a:latin typeface="Hiragino Kaku Gothic ProN W6" charset="-128"/>
+                <a:ea typeface="Hiragino Kaku Gothic ProN W6" charset="-128"/>
+                <a:cs typeface="Hiragino Kaku Gothic ProN W6" charset="-128"/>
+              </a:rPr>
+              <a:t>で近似</a:t>
+            </a:r>
+            <a:endParaRPr lang="en-US" altLang="ja-JP" dirty="0" smtClean="0">
+              <a:latin typeface="Hiragino Kaku Gothic ProN W6" charset="-128"/>
+              <a:ea typeface="Hiragino Kaku Gothic ProN W6" charset="-128"/>
+              <a:cs typeface="Hiragino Kaku Gothic ProN W6" charset="-128"/>
+            </a:endParaRPr>
+          </a:p>
+          <a:p>
+            <a:r>
+              <a:rPr kumimoji="1" lang="ja-JP" altLang="en-US" smtClean="0">
+                <a:latin typeface="Hiragino Kaku Gothic ProN W6" charset="-128"/>
+                <a:ea typeface="Hiragino Kaku Gothic ProN W6" charset="-128"/>
+                <a:cs typeface="Hiragino Kaku Gothic ProN W6" charset="-128"/>
+              </a:rPr>
+              <a:t>符号化器の分布の近似が変分法による近似と形式的に同じ近似</a:t>
+            </a:r>
+            <a:endParaRPr kumimoji="1" lang="ja-JP" altLang="en-US" dirty="0">
+              <a:latin typeface="Hiragino Kaku Gothic ProN W6" charset="-128"/>
+              <a:ea typeface="Hiragino Kaku Gothic ProN W6" charset="-128"/>
+              <a:cs typeface="Hiragino Kaku Gothic ProN W6" charset="-128"/>
+            </a:endParaRPr>
           </a:p>
         </p:txBody>
       </p:sp>
     </p:spTree>
     <p:extLst>
       <p:ext uri="{BB962C8B-B14F-4D97-AF65-F5344CB8AC3E}">
-        <p14:creationId xmlns:p14="http://schemas.microsoft.com/office/powerpoint/2010/main" val="2020181858"/>
+        <p14:creationId xmlns:p14="http://schemas.microsoft.com/office/powerpoint/2010/main" val="141558491"/>
       </p:ext>
     </p:extLst>
   </p:cSld>
@@ -9457,6 +9823,303 @@
           <a:lstStyle/>
           <a:p>
             <a:r>
+              <a:rPr kumimoji="1" lang="en-US" altLang="ja-JP" dirty="0" smtClean="0">
+                <a:latin typeface="Hiragino Kaku Gothic ProN W6" charset="-128"/>
+                <a:ea typeface="Hiragino Kaku Gothic ProN W6" charset="-128"/>
+                <a:cs typeface="Hiragino Kaku Gothic ProN W6" charset="-128"/>
+              </a:rPr>
+              <a:t>3.5</a:t>
+            </a:r>
+            <a:r>
+              <a:rPr kumimoji="1" lang="ja-JP" altLang="en-US" dirty="0" smtClean="0">
+                <a:latin typeface="Hiragino Kaku Gothic ProN W6" charset="-128"/>
+                <a:ea typeface="Hiragino Kaku Gothic ProN W6" charset="-128"/>
+                <a:cs typeface="Hiragino Kaku Gothic ProN W6" charset="-128"/>
+              </a:rPr>
+              <a:t>　確定的なモデルを用いた事前学習</a:t>
+            </a:r>
+            <a:endParaRPr kumimoji="1" lang="ja-JP" altLang="en-US" dirty="0">
+              <a:latin typeface="Hiragino Kaku Gothic ProN W6" charset="-128"/>
+              <a:ea typeface="Hiragino Kaku Gothic ProN W6" charset="-128"/>
+              <a:cs typeface="Hiragino Kaku Gothic ProN W6" charset="-128"/>
+            </a:endParaRPr>
+          </a:p>
+        </p:txBody>
+      </p:sp>
+      <p:sp>
+        <p:nvSpPr>
+          <p:cNvPr id="3" name="コンテンツ プレースホルダー 2"/>
+          <p:cNvSpPr>
+            <a:spLocks noGrp="1"/>
+          </p:cNvSpPr>
+          <p:nvPr>
+            <p:ph idx="1"/>
+          </p:nvPr>
+        </p:nvSpPr>
+        <p:spPr/>
+        <p:txBody>
+          <a:bodyPr/>
+          <a:lstStyle/>
+          <a:p>
+            <a:r>
+              <a:rPr kumimoji="1" lang="ja-JP" altLang="en-US" dirty="0" smtClean="0">
+                <a:latin typeface="Hiragino Kaku Gothic ProN W6" charset="-128"/>
+                <a:ea typeface="Hiragino Kaku Gothic ProN W6" charset="-128"/>
+                <a:cs typeface="Hiragino Kaku Gothic ProN W6" charset="-128"/>
+              </a:rPr>
+              <a:t>事前学習は後の深層</a:t>
+            </a:r>
+            <a:r>
+              <a:rPr kumimoji="1" lang="en-US" altLang="ja-JP" dirty="0" smtClean="0">
+                <a:latin typeface="Hiragino Kaku Gothic ProN W6" charset="-128"/>
+                <a:ea typeface="Hiragino Kaku Gothic ProN W6" charset="-128"/>
+                <a:cs typeface="Hiragino Kaku Gothic ProN W6" charset="-128"/>
+              </a:rPr>
+              <a:t>NN</a:t>
+            </a:r>
+            <a:r>
+              <a:rPr kumimoji="1" lang="ja-JP" altLang="en-US" dirty="0" smtClean="0">
+                <a:latin typeface="Hiragino Kaku Gothic ProN W6" charset="-128"/>
+                <a:ea typeface="Hiragino Kaku Gothic ProN W6" charset="-128"/>
+                <a:cs typeface="Hiragino Kaku Gothic ProN W6" charset="-128"/>
+              </a:rPr>
+              <a:t>の過学習を防ぐ</a:t>
+            </a:r>
+            <a:endParaRPr kumimoji="1" lang="en-US" altLang="ja-JP" dirty="0" smtClean="0">
+              <a:latin typeface="Hiragino Kaku Gothic ProN W6" charset="-128"/>
+              <a:ea typeface="Hiragino Kaku Gothic ProN W6" charset="-128"/>
+              <a:cs typeface="Hiragino Kaku Gothic ProN W6" charset="-128"/>
+            </a:endParaRPr>
+          </a:p>
+          <a:p>
+            <a:r>
+              <a:rPr lang="ja-JP" altLang="en-US" dirty="0" smtClean="0">
+                <a:latin typeface="Hiragino Kaku Gothic ProN W6" charset="-128"/>
+                <a:ea typeface="Hiragino Kaku Gothic ProN W6" charset="-128"/>
+                <a:cs typeface="Hiragino Kaku Gothic ProN W6" charset="-128"/>
+              </a:rPr>
+              <a:t>確率的なモデルは，確定的な教師あり学習の損失関数とは間接的</a:t>
+            </a:r>
+            <a:endParaRPr lang="en-US" altLang="ja-JP" dirty="0" smtClean="0">
+              <a:latin typeface="Hiragino Kaku Gothic ProN W6" charset="-128"/>
+              <a:ea typeface="Hiragino Kaku Gothic ProN W6" charset="-128"/>
+              <a:cs typeface="Hiragino Kaku Gothic ProN W6" charset="-128"/>
+            </a:endParaRPr>
+          </a:p>
+          <a:p>
+            <a:r>
+              <a:rPr kumimoji="1" lang="ja-JP" altLang="en-US" dirty="0" smtClean="0">
+                <a:latin typeface="Hiragino Kaku Gothic ProN W6" charset="-128"/>
+                <a:ea typeface="Hiragino Kaku Gothic ProN W6" charset="-128"/>
+                <a:cs typeface="Hiragino Kaku Gothic ProN W6" charset="-128"/>
+              </a:rPr>
+              <a:t>確率的なモデルは直接的</a:t>
+            </a:r>
+            <a:endParaRPr kumimoji="1" lang="en-US" altLang="ja-JP" dirty="0" smtClean="0">
+              <a:latin typeface="Hiragino Kaku Gothic ProN W6" charset="-128"/>
+              <a:ea typeface="Hiragino Kaku Gothic ProN W6" charset="-128"/>
+              <a:cs typeface="Hiragino Kaku Gothic ProN W6" charset="-128"/>
+            </a:endParaRPr>
+          </a:p>
+          <a:p>
+            <a:pPr lvl="1" algn="just"/>
+            <a:r>
+              <a:rPr lang="en-US" altLang="ja-JP" dirty="0" smtClean="0">
+                <a:latin typeface="Hiragino Kaku Gothic ProN W6" charset="-128"/>
+                <a:ea typeface="Hiragino Kaku Gothic ProN W6" charset="-128"/>
+                <a:cs typeface="Hiragino Kaku Gothic ProN W6" charset="-128"/>
+              </a:rPr>
+              <a:t>3.5.1</a:t>
+            </a:r>
+            <a:r>
+              <a:rPr lang="ja-JP" altLang="en-US" dirty="0" smtClean="0">
+                <a:latin typeface="Hiragino Kaku Gothic ProN W6" charset="-128"/>
+                <a:ea typeface="Hiragino Kaku Gothic ProN W6" charset="-128"/>
+                <a:cs typeface="Hiragino Kaku Gothic ProN W6" charset="-128"/>
+              </a:rPr>
+              <a:t>　教師なし学習</a:t>
+            </a:r>
+            <a:endParaRPr lang="en-US" altLang="ja-JP" dirty="0" smtClean="0">
+              <a:latin typeface="Hiragino Kaku Gothic ProN W6" charset="-128"/>
+              <a:ea typeface="Hiragino Kaku Gothic ProN W6" charset="-128"/>
+              <a:cs typeface="Hiragino Kaku Gothic ProN W6" charset="-128"/>
+            </a:endParaRPr>
+          </a:p>
+          <a:p>
+            <a:pPr lvl="1"/>
+            <a:r>
+              <a:rPr kumimoji="1" lang="en-US" altLang="ja-JP" dirty="0" smtClean="0">
+                <a:latin typeface="Hiragino Kaku Gothic ProN W6" charset="-128"/>
+                <a:ea typeface="Hiragino Kaku Gothic ProN W6" charset="-128"/>
+                <a:cs typeface="Hiragino Kaku Gothic ProN W6" charset="-128"/>
+              </a:rPr>
+              <a:t>3.5.2</a:t>
+            </a:r>
+            <a:r>
+              <a:rPr kumimoji="1" lang="ja-JP" altLang="en-US" dirty="0" smtClean="0">
+                <a:latin typeface="Hiragino Kaku Gothic ProN W6" charset="-128"/>
+                <a:ea typeface="Hiragino Kaku Gothic ProN W6" charset="-128"/>
+                <a:cs typeface="Hiragino Kaku Gothic ProN W6" charset="-128"/>
+              </a:rPr>
+              <a:t>　教師あり学習</a:t>
+            </a:r>
+            <a:endParaRPr kumimoji="1" lang="ja-JP" altLang="en-US" dirty="0">
+              <a:latin typeface="Hiragino Kaku Gothic ProN W6" charset="-128"/>
+              <a:ea typeface="Hiragino Kaku Gothic ProN W6" charset="-128"/>
+              <a:cs typeface="Hiragino Kaku Gothic ProN W6" charset="-128"/>
+            </a:endParaRPr>
+          </a:p>
+        </p:txBody>
+      </p:sp>
+    </p:spTree>
+    <p:extLst>
+      <p:ext uri="{BB962C8B-B14F-4D97-AF65-F5344CB8AC3E}">
+        <p14:creationId xmlns:p14="http://schemas.microsoft.com/office/powerpoint/2010/main" val="353630883"/>
+      </p:ext>
+    </p:extLst>
+  </p:cSld>
+  <p:clrMapOvr>
+    <a:masterClrMapping/>
+  </p:clrMapOvr>
+</p:sld>
+</file>
+
+<file path=ppt/slides/slide17.xml><?xml version="1.0" encoding="utf-8"?>
+<p:sld xmlns:a="http://schemas.openxmlformats.org/drawingml/2006/main" xmlns:r="http://schemas.openxmlformats.org/officeDocument/2006/relationships" xmlns:p="http://schemas.openxmlformats.org/presentationml/2006/main">
+  <p:cSld>
+    <p:spTree>
+      <p:nvGrpSpPr>
+        <p:cNvPr id="1" name=""/>
+        <p:cNvGrpSpPr/>
+        <p:nvPr/>
+      </p:nvGrpSpPr>
+      <p:grpSpPr>
+        <a:xfrm>
+          <a:off x="0" y="0"/>
+          <a:ext cx="0" cy="0"/>
+          <a:chOff x="0" y="0"/>
+          <a:chExt cx="0" cy="0"/>
+        </a:xfrm>
+      </p:grpSpPr>
+      <p:sp>
+        <p:nvSpPr>
+          <p:cNvPr id="2" name="タイトル 1"/>
+          <p:cNvSpPr>
+            <a:spLocks noGrp="1"/>
+          </p:cNvSpPr>
+          <p:nvPr>
+            <p:ph type="title"/>
+          </p:nvPr>
+        </p:nvSpPr>
+        <p:spPr/>
+        <p:txBody>
+          <a:bodyPr/>
+          <a:lstStyle/>
+          <a:p>
+            <a:r>
+              <a:rPr lang="en-US" altLang="ja-JP" dirty="0" smtClean="0">
+                <a:latin typeface="Hiragino Kaku Gothic ProN W6" charset="-128"/>
+                <a:ea typeface="Hiragino Kaku Gothic ProN W6" charset="-128"/>
+                <a:cs typeface="Hiragino Kaku Gothic ProN W6" charset="-128"/>
+              </a:rPr>
+              <a:t>3.5.1</a:t>
+            </a:r>
+            <a:r>
+              <a:rPr lang="en-US" altLang="ja-JP" dirty="0">
+                <a:latin typeface="Hiragino Kaku Gothic ProN W6" charset="-128"/>
+                <a:ea typeface="Hiragino Kaku Gothic ProN W6" charset="-128"/>
+                <a:cs typeface="Hiragino Kaku Gothic ProN W6" charset="-128"/>
+              </a:rPr>
+              <a:t/>
+            </a:r>
+            <a:br>
+              <a:rPr lang="en-US" altLang="ja-JP" dirty="0">
+                <a:latin typeface="Hiragino Kaku Gothic ProN W6" charset="-128"/>
+                <a:ea typeface="Hiragino Kaku Gothic ProN W6" charset="-128"/>
+                <a:cs typeface="Hiragino Kaku Gothic ProN W6" charset="-128"/>
+              </a:rPr>
+            </a:br>
+            <a:r>
+              <a:rPr lang="ja-JP" altLang="en-US" dirty="0" smtClean="0">
+                <a:latin typeface="Hiragino Kaku Gothic ProN W6" charset="-128"/>
+                <a:ea typeface="Hiragino Kaku Gothic ProN W6" charset="-128"/>
+                <a:cs typeface="Hiragino Kaku Gothic ProN W6" charset="-128"/>
+              </a:rPr>
+              <a:t>教師なし学習による確定的なモデルの学習</a:t>
+            </a:r>
+            <a:endParaRPr kumimoji="1" lang="ja-JP" altLang="en-US" dirty="0">
+              <a:latin typeface="Hiragino Kaku Gothic ProN W6" charset="-128"/>
+              <a:ea typeface="Hiragino Kaku Gothic ProN W6" charset="-128"/>
+              <a:cs typeface="Hiragino Kaku Gothic ProN W6" charset="-128"/>
+            </a:endParaRPr>
+          </a:p>
+        </p:txBody>
+      </p:sp>
+      <p:sp>
+        <p:nvSpPr>
+          <p:cNvPr id="3" name="コンテンツ プレースホルダー 2"/>
+          <p:cNvSpPr>
+            <a:spLocks noGrp="1"/>
+          </p:cNvSpPr>
+          <p:nvPr>
+            <p:ph idx="1"/>
+          </p:nvPr>
+        </p:nvSpPr>
+        <p:spPr/>
+        <p:txBody>
+          <a:bodyPr/>
+          <a:lstStyle/>
+          <a:p>
+            <a:endParaRPr kumimoji="1" lang="ja-JP" altLang="en-US" dirty="0"/>
+          </a:p>
+        </p:txBody>
+      </p:sp>
+    </p:spTree>
+    <p:extLst>
+      <p:ext uri="{BB962C8B-B14F-4D97-AF65-F5344CB8AC3E}">
+        <p14:creationId xmlns:p14="http://schemas.microsoft.com/office/powerpoint/2010/main" val="2020181858"/>
+      </p:ext>
+    </p:extLst>
+  </p:cSld>
+  <p:clrMapOvr>
+    <a:masterClrMapping/>
+  </p:clrMapOvr>
+</p:sld>
+</file>
+
+<file path=ppt/slides/slide18.xml><?xml version="1.0" encoding="utf-8"?>
+<p:sld xmlns:a="http://schemas.openxmlformats.org/drawingml/2006/main" xmlns:r="http://schemas.openxmlformats.org/officeDocument/2006/relationships" xmlns:p="http://schemas.openxmlformats.org/presentationml/2006/main">
+  <p:cSld>
+    <p:spTree>
+      <p:nvGrpSpPr>
+        <p:cNvPr id="1" name=""/>
+        <p:cNvGrpSpPr/>
+        <p:nvPr/>
+      </p:nvGrpSpPr>
+      <p:grpSpPr>
+        <a:xfrm>
+          <a:off x="0" y="0"/>
+          <a:ext cx="0" cy="0"/>
+          <a:chOff x="0" y="0"/>
+          <a:chExt cx="0" cy="0"/>
+        </a:xfrm>
+      </p:grpSpPr>
+      <p:sp>
+        <p:nvSpPr>
+          <p:cNvPr id="2" name="タイトル 1"/>
+          <p:cNvSpPr>
+            <a:spLocks noGrp="1"/>
+          </p:cNvSpPr>
+          <p:nvPr>
+            <p:ph type="title"/>
+          </p:nvPr>
+        </p:nvSpPr>
+        <p:spPr/>
+        <p:txBody>
+          <a:bodyPr/>
+          <a:lstStyle/>
+          <a:p>
+            <a:r>
               <a:rPr lang="en-US" altLang="ja-JP" dirty="0" smtClean="0">
                 <a:latin typeface="Hiragino Kaku Gothic ProN W6" charset="-128"/>
                 <a:ea typeface="Hiragino Kaku Gothic ProN W6" charset="-128"/>
@@ -9531,7 +10194,7 @@
 </p:sld>
 </file>
 
-<file path=ppt/slides/slide17.xml><?xml version="1.0" encoding="utf-8"?>
+<file path=ppt/slides/slide19.xml><?xml version="1.0" encoding="utf-8"?>
 <p:sld xmlns:a="http://schemas.openxmlformats.org/drawingml/2006/main" xmlns:r="http://schemas.openxmlformats.org/officeDocument/2006/relationships" xmlns:p="http://schemas.openxmlformats.org/presentationml/2006/main">
   <p:cSld>
     <p:spTree>
@@ -9731,15 +10394,7 @@
                 <a:ea typeface="Hiragino Kaku Gothic ProN W6" charset="-128"/>
                 <a:cs typeface="Hiragino Kaku Gothic ProN W6" charset="-128"/>
               </a:rPr>
-              <a:t>事前学習←自己符号化器の学習</a:t>
-            </a:r>
-            <a:r>
-              <a:rPr kumimoji="1" lang="ja-JP" altLang="en-US" b="1" dirty="0" smtClean="0">
-                <a:latin typeface="Hiragino Kaku Gothic ProN W6" charset="-128"/>
-                <a:ea typeface="Hiragino Kaku Gothic ProN W6" charset="-128"/>
-                <a:cs typeface="Hiragino Kaku Gothic ProN W6" charset="-128"/>
-              </a:rPr>
-              <a:t>に</a:t>
+              <a:t>事前学習←自己符号化器の学習に</a:t>
             </a:r>
             <a:r>
               <a:rPr lang="ja-JP" altLang="en-US" b="1" dirty="0" smtClean="0">
@@ -9795,23 +10450,7 @@
                 <a:ea typeface="Hiragino Kaku Gothic ProN W6" charset="-128"/>
                 <a:cs typeface="Hiragino Kaku Gothic ProN W6" charset="-128"/>
               </a:rPr>
-              <a:t>　</a:t>
-            </a:r>
-            <a:r>
-              <a:rPr kumimoji="1" lang="ja-JP" altLang="en-US" b="1" dirty="0" smtClean="0">
-                <a:latin typeface="Hiragino Kaku Gothic ProN W6" charset="-128"/>
-                <a:ea typeface="Hiragino Kaku Gothic ProN W6" charset="-128"/>
-                <a:cs typeface="Hiragino Kaku Gothic ProN W6" charset="-128"/>
-              </a:rPr>
-              <a:t>確定的</a:t>
-            </a:r>
-            <a:r>
-              <a:rPr kumimoji="1" lang="ja-JP" altLang="en-US" b="1" dirty="0" smtClean="0">
-                <a:latin typeface="Hiragino Kaku Gothic ProN W6" charset="-128"/>
-                <a:ea typeface="Hiragino Kaku Gothic ProN W6" charset="-128"/>
-                <a:cs typeface="Hiragino Kaku Gothic ProN W6" charset="-128"/>
-              </a:rPr>
-              <a:t>なモデル</a:t>
+              <a:t>　確定的なモデル</a:t>
             </a:r>
             <a:endParaRPr kumimoji="1" lang="en-US" altLang="ja-JP" b="1" dirty="0" smtClean="0">
               <a:latin typeface="Hiragino Kaku Gothic ProN W6" charset="-128"/>
@@ -9834,23 +10473,7 @@
                 <a:ea typeface="Hiragino Kaku Gothic ProN W6" charset="-128"/>
                 <a:cs typeface="Hiragino Kaku Gothic ProN W6" charset="-128"/>
               </a:rPr>
-              <a:t>　</a:t>
-            </a:r>
-            <a:r>
-              <a:rPr lang="ja-JP" altLang="en-US" b="1" dirty="0" smtClean="0">
-                <a:latin typeface="Hiragino Kaku Gothic ProN W6" charset="-128"/>
-                <a:ea typeface="Hiragino Kaku Gothic ProN W6" charset="-128"/>
-                <a:cs typeface="Hiragino Kaku Gothic ProN W6" charset="-128"/>
-              </a:rPr>
-              <a:t>確率的</a:t>
-            </a:r>
-            <a:r>
-              <a:rPr lang="ja-JP" altLang="en-US" b="1" dirty="0" smtClean="0">
-                <a:latin typeface="Hiragino Kaku Gothic ProN W6" charset="-128"/>
-                <a:ea typeface="Hiragino Kaku Gothic ProN W6" charset="-128"/>
-                <a:cs typeface="Hiragino Kaku Gothic ProN W6" charset="-128"/>
-              </a:rPr>
-              <a:t>なモデル</a:t>
+              <a:t>　確率的なモデル</a:t>
             </a:r>
             <a:endParaRPr lang="en-US" altLang="ja-JP" b="1" dirty="0" smtClean="0">
               <a:latin typeface="Hiragino Kaku Gothic ProN W6" charset="-128"/>
@@ -9955,15 +10578,7 @@
                 <a:ea typeface="Hiragino Kaku Gothic ProN W6" charset="-128"/>
                 <a:cs typeface="Hiragino Kaku Gothic ProN W6" charset="-128"/>
               </a:rPr>
-              <a:t>法</a:t>
-            </a:r>
-            <a:r>
-              <a:rPr lang="ja-JP" altLang="en-US" b="1" dirty="0" smtClean="0">
-                <a:latin typeface="Hiragino Kaku Gothic ProN W6" charset="-128"/>
-                <a:ea typeface="Hiragino Kaku Gothic ProN W6" charset="-128"/>
-                <a:cs typeface="Hiragino Kaku Gothic ProN W6" charset="-128"/>
-              </a:rPr>
-              <a:t>）を中心</a:t>
+              <a:t>法）を中心</a:t>
             </a:r>
             <a:endParaRPr kumimoji="1" lang="ja-JP" altLang="en-US" b="1" dirty="0">
               <a:latin typeface="Hiragino Kaku Gothic ProN W6" charset="-128"/>
@@ -10026,6 +10641,166 @@
           <a:lstStyle/>
           <a:p>
             <a:r>
+              <a:rPr lang="ja-JP" altLang="en-US" dirty="0">
+                <a:latin typeface="Hiragino Kaku Gothic ProN W6" charset="-128"/>
+                <a:ea typeface="Hiragino Kaku Gothic ProN W6" charset="-128"/>
+                <a:cs typeface="Hiragino Kaku Gothic ProN W6" charset="-128"/>
+              </a:rPr>
+              <a:t>事前学習</a:t>
+            </a:r>
+            <a:endParaRPr kumimoji="1" lang="ja-JP" altLang="en-US" dirty="0"/>
+          </a:p>
+        </p:txBody>
+      </p:sp>
+      <p:sp>
+        <p:nvSpPr>
+          <p:cNvPr id="3" name="コンテンツ プレースホルダー 2"/>
+          <p:cNvSpPr>
+            <a:spLocks noGrp="1"/>
+          </p:cNvSpPr>
+          <p:nvPr>
+            <p:ph idx="1"/>
+          </p:nvPr>
+        </p:nvSpPr>
+        <p:spPr/>
+        <p:txBody>
+          <a:bodyPr/>
+          <a:lstStyle/>
+          <a:p>
+            <a:endParaRPr lang="en-US" altLang="ja-JP" dirty="0">
+              <a:latin typeface="Hiragino Kaku Gothic ProN W6" charset="-128"/>
+              <a:ea typeface="Hiragino Kaku Gothic ProN W6" charset="-128"/>
+              <a:cs typeface="Hiragino Kaku Gothic ProN W6" charset="-128"/>
+            </a:endParaRPr>
+          </a:p>
+          <a:p>
+            <a:r>
+              <a:rPr lang="ja-JP" altLang="en-US" dirty="0">
+                <a:latin typeface="Hiragino Kaku Gothic ProN W6" charset="-128"/>
+                <a:ea typeface="Hiragino Kaku Gothic ProN W6" charset="-128"/>
+                <a:cs typeface="Hiragino Kaku Gothic ProN W6" charset="-128"/>
+              </a:rPr>
+              <a:t>多層</a:t>
+            </a:r>
+            <a:r>
+              <a:rPr lang="en-US" altLang="ja-JP" dirty="0">
+                <a:latin typeface="Hiragino Kaku Gothic ProN W6" charset="-128"/>
+                <a:ea typeface="Hiragino Kaku Gothic ProN W6" charset="-128"/>
+                <a:cs typeface="Hiragino Kaku Gothic ProN W6" charset="-128"/>
+              </a:rPr>
+              <a:t>NN</a:t>
+            </a:r>
+            <a:r>
+              <a:rPr lang="ja-JP" altLang="en-US" dirty="0">
+                <a:latin typeface="Hiragino Kaku Gothic ProN W6" charset="-128"/>
+                <a:ea typeface="Hiragino Kaku Gothic ProN W6" charset="-128"/>
+                <a:cs typeface="Hiragino Kaku Gothic ProN W6" charset="-128"/>
+              </a:rPr>
+              <a:t>を隣接二層ごとに分解</a:t>
+            </a:r>
+            <a:endParaRPr lang="en-US" altLang="ja-JP" dirty="0">
+              <a:latin typeface="Hiragino Kaku Gothic ProN W6" charset="-128"/>
+              <a:ea typeface="Hiragino Kaku Gothic ProN W6" charset="-128"/>
+              <a:cs typeface="Hiragino Kaku Gothic ProN W6" charset="-128"/>
+            </a:endParaRPr>
+          </a:p>
+          <a:p>
+            <a:r>
+              <a:rPr lang="ja-JP" altLang="en-US" dirty="0">
+                <a:latin typeface="Hiragino Kaku Gothic ProN W6" charset="-128"/>
+                <a:ea typeface="Hiragino Kaku Gothic ProN W6" charset="-128"/>
+                <a:cs typeface="Hiragino Kaku Gothic ProN W6" charset="-128"/>
+              </a:rPr>
+              <a:t>二層で</a:t>
+            </a:r>
+            <a:r>
+              <a:rPr lang="en-US" altLang="ja-JP" dirty="0">
+                <a:latin typeface="Hiragino Kaku Gothic ProN W6" charset="-128"/>
+                <a:ea typeface="Hiragino Kaku Gothic ProN W6" charset="-128"/>
+                <a:cs typeface="Hiragino Kaku Gothic ProN W6" charset="-128"/>
+              </a:rPr>
+              <a:t>RBM</a:t>
+            </a:r>
+            <a:r>
+              <a:rPr lang="ja-JP" altLang="en-US" dirty="0">
+                <a:latin typeface="Hiragino Kaku Gothic ProN W6" charset="-128"/>
+                <a:ea typeface="Hiragino Kaku Gothic ProN W6" charset="-128"/>
+                <a:cs typeface="Hiragino Kaku Gothic ProN W6" charset="-128"/>
+              </a:rPr>
+              <a:t>など小規模モデルを構成</a:t>
+            </a:r>
+            <a:endParaRPr lang="en-US" altLang="ja-JP" dirty="0">
+              <a:latin typeface="Hiragino Kaku Gothic ProN W6" charset="-128"/>
+              <a:ea typeface="Hiragino Kaku Gothic ProN W6" charset="-128"/>
+              <a:cs typeface="Hiragino Kaku Gothic ProN W6" charset="-128"/>
+            </a:endParaRPr>
+          </a:p>
+          <a:p>
+            <a:r>
+              <a:rPr lang="ja-JP" altLang="en-US" dirty="0">
+                <a:latin typeface="Hiragino Kaku Gothic ProN W6" charset="-128"/>
+                <a:ea typeface="Hiragino Kaku Gothic ProN W6" charset="-128"/>
+                <a:cs typeface="Hiragino Kaku Gothic ProN W6" charset="-128"/>
+              </a:rPr>
+              <a:t>下層から順に学習</a:t>
+            </a:r>
+            <a:endParaRPr lang="en-US" altLang="ja-JP" dirty="0">
+              <a:latin typeface="Hiragino Kaku Gothic ProN W6" charset="-128"/>
+              <a:ea typeface="Hiragino Kaku Gothic ProN W6" charset="-128"/>
+              <a:cs typeface="Hiragino Kaku Gothic ProN W6" charset="-128"/>
+            </a:endParaRPr>
+          </a:p>
+          <a:p>
+            <a:endParaRPr kumimoji="1" lang="ja-JP" altLang="en-US" dirty="0"/>
+          </a:p>
+        </p:txBody>
+      </p:sp>
+    </p:spTree>
+    <p:extLst>
+      <p:ext uri="{BB962C8B-B14F-4D97-AF65-F5344CB8AC3E}">
+        <p14:creationId xmlns:p14="http://schemas.microsoft.com/office/powerpoint/2010/main" val="1118353845"/>
+      </p:ext>
+    </p:extLst>
+  </p:cSld>
+  <p:clrMapOvr>
+    <a:masterClrMapping/>
+  </p:clrMapOvr>
+</p:sld>
+</file>
+
+<file path=ppt/slides/slide4.xml><?xml version="1.0" encoding="utf-8"?>
+<p:sld xmlns:a="http://schemas.openxmlformats.org/drawingml/2006/main" xmlns:r="http://schemas.openxmlformats.org/officeDocument/2006/relationships" xmlns:p="http://schemas.openxmlformats.org/presentationml/2006/main">
+  <p:cSld>
+    <p:spTree>
+      <p:nvGrpSpPr>
+        <p:cNvPr id="1" name=""/>
+        <p:cNvGrpSpPr/>
+        <p:nvPr/>
+      </p:nvGrpSpPr>
+      <p:grpSpPr>
+        <a:xfrm>
+          <a:off x="0" y="0"/>
+          <a:ext cx="0" cy="0"/>
+          <a:chOff x="0" y="0"/>
+          <a:chExt cx="0" cy="0"/>
+        </a:xfrm>
+      </p:grpSpPr>
+      <p:sp>
+        <p:nvSpPr>
+          <p:cNvPr id="2" name="タイトル 1"/>
+          <p:cNvSpPr>
+            <a:spLocks noGrp="1"/>
+          </p:cNvSpPr>
+          <p:nvPr>
+            <p:ph type="title"/>
+          </p:nvPr>
+        </p:nvSpPr>
+        <p:spPr/>
+        <p:txBody>
+          <a:bodyPr/>
+          <a:lstStyle/>
+          <a:p>
+            <a:r>
               <a:rPr kumimoji="1" lang="en-US" altLang="ja-JP" dirty="0" smtClean="0">
                 <a:latin typeface="Hiragino Kaku Gothic ProN W6" charset="-128"/>
                 <a:ea typeface="Hiragino Kaku Gothic ProN W6" charset="-128"/>
@@ -10156,233 +10931,6 @@
     <p:extLst>
       <p:ext uri="{BB962C8B-B14F-4D97-AF65-F5344CB8AC3E}">
         <p14:creationId xmlns:p14="http://schemas.microsoft.com/office/powerpoint/2010/main" val="2102709126"/>
-      </p:ext>
-    </p:extLst>
-  </p:cSld>
-  <p:clrMapOvr>
-    <a:masterClrMapping/>
-  </p:clrMapOvr>
-  <p:timing>
-    <p:tnLst>
-      <p:par>
-        <p:cTn id="1" dur="indefinite" restart="never" nodeType="tmRoot"/>
-      </p:par>
-    </p:tnLst>
-  </p:timing>
-</p:sld>
-</file>
-
-<file path=ppt/slides/slide4.xml><?xml version="1.0" encoding="utf-8"?>
-<p:sld xmlns:a="http://schemas.openxmlformats.org/drawingml/2006/main" xmlns:r="http://schemas.openxmlformats.org/officeDocument/2006/relationships" xmlns:p="http://schemas.openxmlformats.org/presentationml/2006/main">
-  <p:cSld>
-    <p:spTree>
-      <p:nvGrpSpPr>
-        <p:cNvPr id="1" name=""/>
-        <p:cNvGrpSpPr/>
-        <p:nvPr/>
-      </p:nvGrpSpPr>
-      <p:grpSpPr>
-        <a:xfrm>
-          <a:off x="0" y="0"/>
-          <a:ext cx="0" cy="0"/>
-          <a:chOff x="0" y="0"/>
-          <a:chExt cx="0" cy="0"/>
-        </a:xfrm>
-      </p:grpSpPr>
-      <p:sp>
-        <p:nvSpPr>
-          <p:cNvPr id="2" name="タイトル 1"/>
-          <p:cNvSpPr>
-            <a:spLocks noGrp="1"/>
-          </p:cNvSpPr>
-          <p:nvPr>
-            <p:ph type="title"/>
-          </p:nvPr>
-        </p:nvSpPr>
-        <p:spPr/>
-        <p:txBody>
-          <a:bodyPr/>
-          <a:lstStyle/>
-          <a:p>
-            <a:r>
-              <a:rPr kumimoji="1" lang="en-US" altLang="ja-JP" dirty="0" smtClean="0">
-                <a:latin typeface="Hiragino Kaku Gothic ProN W6" charset="-128"/>
-                <a:ea typeface="Hiragino Kaku Gothic ProN W6" charset="-128"/>
-                <a:cs typeface="Hiragino Kaku Gothic ProN W6" charset="-128"/>
-              </a:rPr>
-              <a:t>3.4.1</a:t>
-            </a:r>
-            <a:r>
-              <a:rPr kumimoji="1" lang="ja-JP" altLang="en-US" dirty="0" smtClean="0">
-                <a:latin typeface="Hiragino Kaku Gothic ProN W6" charset="-128"/>
-                <a:ea typeface="Hiragino Kaku Gothic ProN W6" charset="-128"/>
-                <a:cs typeface="Hiragino Kaku Gothic ProN W6" charset="-128"/>
-              </a:rPr>
-              <a:t>　</a:t>
-            </a:r>
-            <a:r>
-              <a:rPr kumimoji="1" lang="en-US" altLang="ja-JP" dirty="0" smtClean="0">
-                <a:latin typeface="Hiragino Kaku Gothic ProN W6" charset="-128"/>
-                <a:ea typeface="Hiragino Kaku Gothic ProN W6" charset="-128"/>
-                <a:cs typeface="Hiragino Kaku Gothic ProN W6" charset="-128"/>
-              </a:rPr>
-              <a:t>RBM</a:t>
-            </a:r>
-            <a:r>
-              <a:rPr kumimoji="1" lang="ja-JP" altLang="en-US" dirty="0" smtClean="0">
-                <a:latin typeface="Hiragino Kaku Gothic ProN W6" charset="-128"/>
-                <a:ea typeface="Hiragino Kaku Gothic ProN W6" charset="-128"/>
-                <a:cs typeface="Hiragino Kaku Gothic ProN W6" charset="-128"/>
-              </a:rPr>
-              <a:t>（制限ボルツマンマシン）</a:t>
-            </a:r>
-            <a:endParaRPr kumimoji="1" lang="ja-JP" altLang="en-US" dirty="0">
-              <a:latin typeface="Hiragino Kaku Gothic ProN W6" charset="-128"/>
-              <a:ea typeface="Hiragino Kaku Gothic ProN W6" charset="-128"/>
-              <a:cs typeface="Hiragino Kaku Gothic ProN W6" charset="-128"/>
-            </a:endParaRPr>
-          </a:p>
-        </p:txBody>
-      </p:sp>
-      <p:pic>
-        <p:nvPicPr>
-          <p:cNvPr id="4" name="コンテンツ プレースホルダー 3"/>
-          <p:cNvPicPr>
-            <a:picLocks noGrp="1" noChangeAspect="1"/>
-          </p:cNvPicPr>
-          <p:nvPr>
-            <p:ph idx="1"/>
-          </p:nvPr>
-        </p:nvPicPr>
-        <p:blipFill>
-          <a:blip r:embed="rId2">
-            <a:extLst>
-              <a:ext uri="{28A0092B-C50C-407E-A947-70E740481C1C}">
-                <a14:useLocalDpi xmlns:a14="http://schemas.microsoft.com/office/drawing/2010/main" val="0"/>
-              </a:ext>
-            </a:extLst>
-          </a:blip>
-          <a:stretch>
-            <a:fillRect/>
-          </a:stretch>
-        </p:blipFill>
-        <p:spPr>
-          <a:xfrm>
-            <a:off x="596957" y="2233105"/>
-            <a:ext cx="3680754" cy="443214"/>
-          </a:xfrm>
-        </p:spPr>
-      </p:pic>
-      <p:pic>
-        <p:nvPicPr>
-          <p:cNvPr id="5" name="図 4"/>
-          <p:cNvPicPr>
-            <a:picLocks noChangeAspect="1"/>
-          </p:cNvPicPr>
-          <p:nvPr/>
-        </p:nvPicPr>
-        <p:blipFill>
-          <a:blip r:embed="rId3">
-            <a:extLst>
-              <a:ext uri="{28A0092B-C50C-407E-A947-70E740481C1C}">
-                <a14:useLocalDpi xmlns:a14="http://schemas.microsoft.com/office/drawing/2010/main" val="0"/>
-              </a:ext>
-            </a:extLst>
-          </a:blip>
-          <a:stretch>
-            <a:fillRect/>
-          </a:stretch>
-        </p:blipFill>
-        <p:spPr>
-          <a:xfrm>
-            <a:off x="596956" y="2676320"/>
-            <a:ext cx="8032037" cy="1215892"/>
-          </a:xfrm>
-          <a:prstGeom prst="rect">
-            <a:avLst/>
-          </a:prstGeom>
-        </p:spPr>
-      </p:pic>
-      <p:pic>
-        <p:nvPicPr>
-          <p:cNvPr id="6" name="図 5"/>
-          <p:cNvPicPr>
-            <a:picLocks noChangeAspect="1"/>
-          </p:cNvPicPr>
-          <p:nvPr/>
-        </p:nvPicPr>
-        <p:blipFill>
-          <a:blip r:embed="rId4">
-            <a:extLst>
-              <a:ext uri="{28A0092B-C50C-407E-A947-70E740481C1C}">
-                <a14:useLocalDpi xmlns:a14="http://schemas.microsoft.com/office/drawing/2010/main" val="0"/>
-              </a:ext>
-            </a:extLst>
-          </a:blip>
-          <a:stretch>
-            <a:fillRect/>
-          </a:stretch>
-        </p:blipFill>
-        <p:spPr>
-          <a:xfrm>
-            <a:off x="596955" y="3892212"/>
-            <a:ext cx="3008093" cy="449663"/>
-          </a:xfrm>
-          <a:prstGeom prst="rect">
-            <a:avLst/>
-          </a:prstGeom>
-        </p:spPr>
-      </p:pic>
-      <p:sp>
-        <p:nvSpPr>
-          <p:cNvPr id="10" name="テキスト ボックス 9"/>
-          <p:cNvSpPr txBox="1"/>
-          <p:nvPr/>
-        </p:nvSpPr>
-        <p:spPr>
-          <a:xfrm>
-            <a:off x="680321" y="5274441"/>
-            <a:ext cx="10208396" cy="461665"/>
-          </a:xfrm>
-          <a:prstGeom prst="rect">
-            <a:avLst/>
-          </a:prstGeom>
-          <a:noFill/>
-        </p:spPr>
-        <p:txBody>
-          <a:bodyPr wrap="square" rtlCol="0">
-            <a:spAutoFit/>
-          </a:bodyPr>
-          <a:lstStyle/>
-          <a:p>
-            <a:r>
-              <a:rPr kumimoji="1" lang="en-US" altLang="ja-JP" sz="2400" dirty="0" err="1" smtClean="0">
-                <a:latin typeface="Hiragino Kaku Gothic ProN W6" charset="-128"/>
-                <a:ea typeface="Hiragino Kaku Gothic ProN W6" charset="-128"/>
-                <a:cs typeface="Hiragino Kaku Gothic ProN W6" charset="-128"/>
-              </a:rPr>
-              <a:t>θ</a:t>
-            </a:r>
-            <a:r>
-              <a:rPr kumimoji="1" lang="ja-JP" altLang="en-US" sz="2400" dirty="0" smtClean="0">
-                <a:latin typeface="Hiragino Kaku Gothic ProN W6" charset="-128"/>
-                <a:ea typeface="Hiragino Kaku Gothic ProN W6" charset="-128"/>
-                <a:cs typeface="Hiragino Kaku Gothic ProN W6" charset="-128"/>
-              </a:rPr>
-              <a:t>を最適化する</a:t>
-            </a:r>
-            <a:endParaRPr kumimoji="1" lang="ja-JP" altLang="en-US" sz="2400" dirty="0">
-              <a:latin typeface="Hiragino Kaku Gothic ProN W6" charset="-128"/>
-              <a:ea typeface="Hiragino Kaku Gothic ProN W6" charset="-128"/>
-              <a:cs typeface="Hiragino Kaku Gothic ProN W6" charset="-128"/>
-            </a:endParaRPr>
-          </a:p>
-        </p:txBody>
-      </p:sp>
-    </p:spTree>
-    <p:extLst>
-      <p:ext uri="{BB962C8B-B14F-4D97-AF65-F5344CB8AC3E}">
-        <p14:creationId xmlns:p14="http://schemas.microsoft.com/office/powerpoint/2010/main" val="1390027016"/>
       </p:ext>
     </p:extLst>
   </p:cSld>
@@ -10437,7 +10985,31 @@
                 <a:ea typeface="Hiragino Kaku Gothic ProN W6" charset="-128"/>
                 <a:cs typeface="Hiragino Kaku Gothic ProN W6" charset="-128"/>
               </a:rPr>
+              <a:t>3.4.1</a:t>
+            </a:r>
+            <a:r>
+              <a:rPr kumimoji="1" lang="ja-JP" altLang="en-US" dirty="0" smtClean="0">
+                <a:latin typeface="Hiragino Kaku Gothic ProN W6" charset="-128"/>
+                <a:ea typeface="Hiragino Kaku Gothic ProN W6" charset="-128"/>
+                <a:cs typeface="Hiragino Kaku Gothic ProN W6" charset="-128"/>
+              </a:rPr>
+              <a:t>　</a:t>
+            </a:r>
+            <a:r>
+              <a:rPr kumimoji="1" lang="en-US" altLang="ja-JP" dirty="0" smtClean="0">
+                <a:latin typeface="Hiragino Kaku Gothic ProN W6" charset="-128"/>
+                <a:ea typeface="Hiragino Kaku Gothic ProN W6" charset="-128"/>
+                <a:cs typeface="Hiragino Kaku Gothic ProN W6" charset="-128"/>
+              </a:rPr>
               <a:t>RBM</a:t>
+            </a:r>
+            <a:r>
+              <a:rPr kumimoji="1" lang="ja-JP" altLang="en-US" dirty="0" smtClean="0">
+                <a:latin typeface="Hiragino Kaku Gothic ProN W6" charset="-128"/>
+                <a:ea typeface="Hiragino Kaku Gothic ProN W6" charset="-128"/>
+                <a:cs typeface="Hiragino Kaku Gothic ProN W6" charset="-128"/>
+              </a:rPr>
+              <a:t>（制限ボルツマンマシン）</a:t>
             </a:r>
             <a:endParaRPr kumimoji="1" lang="ja-JP" altLang="en-US" dirty="0">
               <a:latin typeface="Hiragino Kaku Gothic ProN W6" charset="-128"/>
@@ -10471,125 +11043,14 @@
         </p:blipFill>
         <p:spPr>
           <a:xfrm>
-            <a:off x="2213556" y="3192630"/>
-            <a:ext cx="7706217" cy="756217"/>
-          </a:xfrm>
-          <a:prstGeom prst="rect">
-            <a:avLst/>
-          </a:prstGeom>
+            <a:off x="596957" y="2233105"/>
+            <a:ext cx="3680754" cy="443214"/>
+          </a:xfrm>
         </p:spPr>
       </p:pic>
-      <p:sp>
-        <p:nvSpPr>
-          <p:cNvPr id="5" name="テキスト ボックス 4"/>
-          <p:cNvSpPr txBox="1"/>
-          <p:nvPr/>
-        </p:nvSpPr>
-        <p:spPr>
-          <a:xfrm>
-            <a:off x="953589" y="2592466"/>
-            <a:ext cx="6673583" cy="1200329"/>
-          </a:xfrm>
-          <a:prstGeom prst="rect">
-            <a:avLst/>
-          </a:prstGeom>
-          <a:noFill/>
-        </p:spPr>
-        <p:txBody>
-          <a:bodyPr wrap="square" rtlCol="0">
-            <a:spAutoFit/>
-          </a:bodyPr>
-          <a:lstStyle/>
-          <a:p>
-            <a:r>
-              <a:rPr kumimoji="1" lang="ja-JP" altLang="en-US" sz="2400" dirty="0" smtClean="0">
-                <a:latin typeface="Hiragino Kaku Gothic ProN W6" charset="-128"/>
-                <a:ea typeface="Hiragino Kaku Gothic ProN W6" charset="-128"/>
-                <a:cs typeface="Hiragino Kaku Gothic ProN W6" charset="-128"/>
-              </a:rPr>
-              <a:t>規格化定数　</a:t>
-            </a:r>
-            <a:r>
-              <a:rPr kumimoji="1" lang="en-US" altLang="ja-JP" sz="2400" dirty="0" smtClean="0">
-                <a:latin typeface="Hiragino Kaku Gothic ProN W6" charset="-128"/>
-                <a:ea typeface="Hiragino Kaku Gothic ProN W6" charset="-128"/>
-                <a:cs typeface="Hiragino Kaku Gothic ProN W6" charset="-128"/>
-              </a:rPr>
-              <a:t>v</a:t>
-            </a:r>
-            <a:r>
-              <a:rPr kumimoji="1" lang="ja-JP" altLang="en-US" sz="2400" dirty="0" smtClean="0">
-                <a:latin typeface="Hiragino Kaku Gothic ProN W6" charset="-128"/>
-                <a:ea typeface="Hiragino Kaku Gothic ProN W6" charset="-128"/>
-                <a:cs typeface="Hiragino Kaku Gothic ProN W6" charset="-128"/>
-              </a:rPr>
-              <a:t>と</a:t>
-            </a:r>
-            <a:r>
-              <a:rPr kumimoji="1" lang="en-US" altLang="ja-JP" sz="2400" dirty="0" smtClean="0">
-                <a:latin typeface="Hiragino Kaku Gothic ProN W6" charset="-128"/>
-                <a:ea typeface="Hiragino Kaku Gothic ProN W6" charset="-128"/>
-                <a:cs typeface="Hiragino Kaku Gothic ProN W6" charset="-128"/>
-              </a:rPr>
-              <a:t>h</a:t>
-            </a:r>
-            <a:r>
-              <a:rPr kumimoji="1" lang="ja-JP" altLang="en-US" sz="2400" dirty="0" smtClean="0">
-                <a:latin typeface="Hiragino Kaku Gothic ProN W6" charset="-128"/>
-                <a:ea typeface="Hiragino Kaku Gothic ProN W6" charset="-128"/>
-                <a:cs typeface="Hiragino Kaku Gothic ProN W6" charset="-128"/>
-              </a:rPr>
-              <a:t>に依存しない</a:t>
-            </a:r>
-            <a:endParaRPr kumimoji="1" lang="en-US" altLang="ja-JP" sz="2400" dirty="0" smtClean="0">
-              <a:latin typeface="Hiragino Kaku Gothic ProN W6" charset="-128"/>
-              <a:ea typeface="Hiragino Kaku Gothic ProN W6" charset="-128"/>
-              <a:cs typeface="Hiragino Kaku Gothic ProN W6" charset="-128"/>
-            </a:endParaRPr>
-          </a:p>
-          <a:p>
-            <a:endParaRPr kumimoji="1" lang="en-US" altLang="ja-JP" sz="2400" dirty="0">
-              <a:latin typeface="Hiragino Kaku Gothic ProN W6" charset="-128"/>
-              <a:ea typeface="Hiragino Kaku Gothic ProN W6" charset="-128"/>
-              <a:cs typeface="Hiragino Kaku Gothic ProN W6" charset="-128"/>
-            </a:endParaRPr>
-          </a:p>
-          <a:p>
-            <a:r>
-              <a:rPr kumimoji="1" lang="en-US" altLang="ja-JP" sz="2400" dirty="0" smtClean="0">
-                <a:latin typeface="Hiragino Kaku Gothic ProN W6" charset="-128"/>
-                <a:ea typeface="Hiragino Kaku Gothic ProN W6" charset="-128"/>
-                <a:cs typeface="Hiragino Kaku Gothic ProN W6" charset="-128"/>
-              </a:rPr>
-              <a:t>Z(</a:t>
-            </a:r>
-            <a:r>
-              <a:rPr kumimoji="1" lang="en-US" altLang="ja-JP" sz="2400" dirty="0" err="1" smtClean="0">
-                <a:latin typeface="Hiragino Kaku Gothic ProN W6" charset="-128"/>
-                <a:ea typeface="Hiragino Kaku Gothic ProN W6" charset="-128"/>
-                <a:cs typeface="Hiragino Kaku Gothic ProN W6" charset="-128"/>
-              </a:rPr>
-              <a:t>θ</a:t>
-            </a:r>
-            <a:r>
-              <a:rPr kumimoji="1" lang="en-US" altLang="ja-JP" sz="2400" dirty="0" smtClean="0">
-                <a:latin typeface="Hiragino Kaku Gothic ProN W6" charset="-128"/>
-                <a:ea typeface="Hiragino Kaku Gothic ProN W6" charset="-128"/>
-                <a:cs typeface="Hiragino Kaku Gothic ProN W6" charset="-128"/>
-              </a:rPr>
-              <a:t>)=</a:t>
-            </a:r>
-            <a:endParaRPr kumimoji="1" lang="ja-JP" altLang="en-US" sz="2400" dirty="0">
-              <a:latin typeface="Hiragino Kaku Gothic ProN W6" charset="-128"/>
-              <a:ea typeface="Hiragino Kaku Gothic ProN W6" charset="-128"/>
-              <a:cs typeface="Hiragino Kaku Gothic ProN W6" charset="-128"/>
-            </a:endParaRPr>
-          </a:p>
-        </p:txBody>
-      </p:sp>
       <p:pic>
         <p:nvPicPr>
-          <p:cNvPr id="8" name="図 7"/>
+          <p:cNvPr id="5" name="図 4"/>
           <p:cNvPicPr>
             <a:picLocks noChangeAspect="1"/>
           </p:cNvPicPr>
@@ -10609,24 +11070,54 @@
         </p:blipFill>
         <p:spPr>
           <a:xfrm>
-            <a:off x="953589" y="4094733"/>
-            <a:ext cx="4425235" cy="635047"/>
+            <a:off x="596956" y="2676320"/>
+            <a:ext cx="8032037" cy="1215892"/>
           </a:xfrm>
           <a:prstGeom prst="rect">
             <a:avLst/>
           </a:prstGeom>
         </p:spPr>
       </p:pic>
-      <p:sp>
-        <p:nvSpPr>
-          <p:cNvPr id="9" name="テキスト ボックス 8"/>
+      <p:pic>
+        <p:nvPicPr>
+          <p:cNvPr id="6" name="図 5"/>
+          <p:cNvPicPr>
+            <a:picLocks noChangeAspect="1"/>
+          </p:cNvPicPr>
+          <p:nvPr/>
+        </p:nvPicPr>
+        <p:blipFill>
+          <a:blip r:embed="rId4">
+            <a:extLst>
+              <a:ext uri="{28A0092B-C50C-407E-A947-70E740481C1C}">
+                <a14:useLocalDpi xmlns:a14="http://schemas.microsoft.com/office/drawing/2010/main" val="0"/>
+              </a:ext>
+            </a:extLst>
+          </a:blip>
+          <a:stretch>
+            <a:fillRect/>
+          </a:stretch>
+        </p:blipFill>
+        <p:spPr>
+          <a:xfrm>
+            <a:off x="596955" y="3892212"/>
+            <a:ext cx="3008093" cy="449663"/>
+          </a:xfrm>
+          <a:prstGeom prst="rect">
+            <a:avLst/>
+          </a:prstGeom>
+        </p:spPr>
+      </p:pic>
+      <p:sp>
+        <p:nvSpPr>
+          <p:cNvPr id="10" name="テキスト ボックス 9"/>
           <p:cNvSpPr txBox="1"/>
           <p:nvPr/>
         </p:nvSpPr>
         <p:spPr>
           <a:xfrm>
-            <a:off x="871369" y="4781927"/>
-            <a:ext cx="4801314" cy="461665"/>
+            <a:off x="680321" y="5274441"/>
+            <a:ext cx="10208396" cy="461665"/>
           </a:xfrm>
           <a:prstGeom prst="rect">
             <a:avLst/>
@@ -10634,18 +11125,26 @@
           <a:noFill/>
         </p:spPr>
         <p:txBody>
-          <a:bodyPr wrap="none" rtlCol="0">
+          <a:bodyPr wrap="square" rtlCol="0">
             <a:spAutoFit/>
           </a:bodyPr>
           <a:lstStyle/>
           <a:p>
             <a:r>
+              <a:rPr kumimoji="1" lang="en-US" altLang="ja-JP" sz="2400" dirty="0" err="1" smtClean="0">
+                <a:latin typeface="Hiragino Kaku Gothic ProN W6" charset="-128"/>
+                <a:ea typeface="Hiragino Kaku Gothic ProN W6" charset="-128"/>
+                <a:cs typeface="Hiragino Kaku Gothic ProN W6" charset="-128"/>
+              </a:rPr>
+              <a:t>θ</a:t>
+            </a:r>
+            <a:r>
               <a:rPr kumimoji="1" lang="ja-JP" altLang="en-US" sz="2400" dirty="0" smtClean="0">
                 <a:latin typeface="Hiragino Kaku Gothic ProN W6" charset="-128"/>
                 <a:ea typeface="Hiragino Kaku Gothic ProN W6" charset="-128"/>
                 <a:cs typeface="Hiragino Kaku Gothic ProN W6" charset="-128"/>
               </a:rPr>
-              <a:t>となるように規格化定数を定める</a:t>
+              <a:t>を最適化する</a:t>
             </a:r>
             <a:endParaRPr kumimoji="1" lang="ja-JP" altLang="en-US" sz="2400" dirty="0">
               <a:latin typeface="Hiragino Kaku Gothic ProN W6" charset="-128"/>
@@ -10658,7 +11157,7 @@
     </p:spTree>
     <p:extLst>
       <p:ext uri="{BB962C8B-B14F-4D97-AF65-F5344CB8AC3E}">
-        <p14:creationId xmlns:p14="http://schemas.microsoft.com/office/powerpoint/2010/main" val="1764202157"/>
+        <p14:creationId xmlns:p14="http://schemas.microsoft.com/office/powerpoint/2010/main" val="1390027016"/>
       </p:ext>
     </p:extLst>
   </p:cSld>
@@ -10713,23 +11212,7 @@
                 <a:ea typeface="Hiragino Kaku Gothic ProN W6" charset="-128"/>
                 <a:cs typeface="Hiragino Kaku Gothic ProN W6" charset="-128"/>
               </a:rPr>
-              <a:t>3.4.2</a:t>
-            </a:r>
-            <a:r>
-              <a:rPr kumimoji="1" lang="ja-JP" altLang="en-US" dirty="0" smtClean="0">
-                <a:latin typeface="Hiragino Kaku Gothic ProN W6" charset="-128"/>
-                <a:ea typeface="Hiragino Kaku Gothic ProN W6" charset="-128"/>
-                <a:cs typeface="Hiragino Kaku Gothic ProN W6" charset="-128"/>
-              </a:rPr>
-              <a:t>　指数型ハーモニウム族</a:t>
-            </a:r>
-            <a:r>
-              <a:rPr kumimoji="1" lang="en-US" altLang="ja-JP" dirty="0" smtClean="0">
-                <a:latin typeface="Hiragino Kaku Gothic ProN W6" charset="-128"/>
-                <a:ea typeface="Hiragino Kaku Gothic ProN W6" charset="-128"/>
-                <a:cs typeface="Hiragino Kaku Gothic ProN W6" charset="-128"/>
-              </a:rPr>
-              <a:t>(EFH)</a:t>
+              <a:t>RBM</a:t>
             </a:r>
             <a:endParaRPr kumimoji="1" lang="ja-JP" altLang="en-US" dirty="0">
               <a:latin typeface="Hiragino Kaku Gothic ProN W6" charset="-128"/>
@@ -10763,21 +11246,24 @@
         </p:blipFill>
         <p:spPr>
           <a:xfrm>
-            <a:off x="680282" y="3182822"/>
-            <a:ext cx="9613900" cy="3001779"/>
-          </a:xfrm>
+            <a:off x="2213556" y="3192630"/>
+            <a:ext cx="7706217" cy="756217"/>
+          </a:xfrm>
+          <a:prstGeom prst="rect">
+            <a:avLst/>
+          </a:prstGeom>
         </p:spPr>
       </p:pic>
       <p:sp>
         <p:nvSpPr>
-          <p:cNvPr id="6" name="テキスト ボックス 5"/>
+          <p:cNvPr id="5" name="テキスト ボックス 4"/>
           <p:cNvSpPr txBox="1"/>
           <p:nvPr/>
         </p:nvSpPr>
         <p:spPr>
           <a:xfrm>
-            <a:off x="680282" y="2225109"/>
-            <a:ext cx="8852103" cy="830997"/>
+            <a:off x="953589" y="2592466"/>
+            <a:ext cx="6673583" cy="1200329"/>
           </a:xfrm>
           <a:prstGeom prst="rect">
             <a:avLst/>
@@ -10785,18 +11271,26 @@
           <a:noFill/>
         </p:spPr>
         <p:txBody>
-          <a:bodyPr wrap="none" rtlCol="0">
+          <a:bodyPr wrap="square" rtlCol="0">
             <a:spAutoFit/>
           </a:bodyPr>
           <a:lstStyle/>
           <a:p>
             <a:r>
+              <a:rPr kumimoji="1" lang="ja-JP" altLang="en-US" sz="2400" dirty="0" smtClean="0">
+                <a:latin typeface="Hiragino Kaku Gothic ProN W6" charset="-128"/>
+                <a:ea typeface="Hiragino Kaku Gothic ProN W6" charset="-128"/>
+                <a:cs typeface="Hiragino Kaku Gothic ProN W6" charset="-128"/>
+              </a:rPr>
+              <a:t>規格化定数　</a:t>
+            </a:r>
+            <a:r>
               <a:rPr kumimoji="1" lang="en-US" altLang="ja-JP" sz="2400" dirty="0" smtClean="0">
                 <a:latin typeface="Hiragino Kaku Gothic ProN W6" charset="-128"/>
                 <a:ea typeface="Hiragino Kaku Gothic ProN W6" charset="-128"/>
                 <a:cs typeface="Hiragino Kaku Gothic ProN W6" charset="-128"/>
               </a:rPr>
-              <a:t>RBM</a:t>
+              <a:t>v</a:t>
             </a:r>
             <a:r>
               <a:rPr kumimoji="1" lang="ja-JP" altLang="en-US" sz="2400" dirty="0" smtClean="0">
@@ -10804,7 +11298,23 @@
                 <a:ea typeface="Hiragino Kaku Gothic ProN W6" charset="-128"/>
                 <a:cs typeface="Hiragino Kaku Gothic ProN W6" charset="-128"/>
               </a:rPr>
-              <a:t>は条件付き分布が独立</a:t>
+              <a:t>と</a:t>
+            </a:r>
+            <a:r>
+              <a:rPr kumimoji="1" lang="en-US" altLang="ja-JP" sz="2400" dirty="0" smtClean="0">
+                <a:latin typeface="Hiragino Kaku Gothic ProN W6" charset="-128"/>
+                <a:ea typeface="Hiragino Kaku Gothic ProN W6" charset="-128"/>
+                <a:cs typeface="Hiragino Kaku Gothic ProN W6" charset="-128"/>
+              </a:rPr>
+              <a:t>h</a:t>
+            </a:r>
+            <a:r>
+              <a:rPr kumimoji="1" lang="ja-JP" altLang="en-US" sz="2400" dirty="0" smtClean="0">
+                <a:latin typeface="Hiragino Kaku Gothic ProN W6" charset="-128"/>
+                <a:ea typeface="Hiragino Kaku Gothic ProN W6" charset="-128"/>
+                <a:cs typeface="Hiragino Kaku Gothic ProN W6" charset="-128"/>
+              </a:rPr>
+              <a:t>に依存しない</a:t>
             </a:r>
             <a:endParaRPr kumimoji="1" lang="en-US" altLang="ja-JP" sz="2400" dirty="0" smtClean="0">
               <a:latin typeface="Hiragino Kaku Gothic ProN W6" charset="-128"/>
@@ -10813,29 +11323,36 @@
             </a:endParaRPr>
           </a:p>
           <a:p>
-            <a:r>
-              <a:rPr kumimoji="1" lang="ja-JP" altLang="en-US" sz="2400" dirty="0" smtClean="0">
-                <a:latin typeface="Hiragino Kaku Gothic ProN W6" charset="-128"/>
-                <a:ea typeface="Hiragino Kaku Gothic ProN W6" charset="-128"/>
-                <a:cs typeface="Hiragino Kaku Gothic ProN W6" charset="-128"/>
-              </a:rPr>
-              <a:t>条件付き分布が独立になる分布を一般に</a:t>
-            </a:r>
+            <a:endParaRPr kumimoji="1" lang="en-US" altLang="ja-JP" sz="2400" dirty="0">
+              <a:latin typeface="Hiragino Kaku Gothic ProN W6" charset="-128"/>
+              <a:ea typeface="Hiragino Kaku Gothic ProN W6" charset="-128"/>
+              <a:cs typeface="Hiragino Kaku Gothic ProN W6" charset="-128"/>
+            </a:endParaRPr>
+          </a:p>
+          <a:p>
             <a:r>
               <a:rPr kumimoji="1" lang="en-US" altLang="ja-JP" sz="2400" dirty="0" smtClean="0">
                 <a:latin typeface="Hiragino Kaku Gothic ProN W6" charset="-128"/>
                 <a:ea typeface="Hiragino Kaku Gothic ProN W6" charset="-128"/>
                 <a:cs typeface="Hiragino Kaku Gothic ProN W6" charset="-128"/>
               </a:rPr>
-              <a:t>EFH</a:t>
-            </a:r>
-            <a:r>
-              <a:rPr kumimoji="1" lang="ja-JP" altLang="en-US" sz="2400" dirty="0" smtClean="0">
-                <a:latin typeface="Hiragino Kaku Gothic ProN W6" charset="-128"/>
-                <a:ea typeface="Hiragino Kaku Gothic ProN W6" charset="-128"/>
-                <a:cs typeface="Hiragino Kaku Gothic ProN W6" charset="-128"/>
-              </a:rPr>
-              <a:t>といい以下で表す</a:t>
+              <a:t>Z(</a:t>
+            </a:r>
+            <a:r>
+              <a:rPr kumimoji="1" lang="en-US" altLang="ja-JP" sz="2400" dirty="0" err="1" smtClean="0">
+                <a:latin typeface="Hiragino Kaku Gothic ProN W6" charset="-128"/>
+                <a:ea typeface="Hiragino Kaku Gothic ProN W6" charset="-128"/>
+                <a:cs typeface="Hiragino Kaku Gothic ProN W6" charset="-128"/>
+              </a:rPr>
+              <a:t>θ</a:t>
+            </a:r>
+            <a:r>
+              <a:rPr kumimoji="1" lang="en-US" altLang="ja-JP" sz="2400" dirty="0" smtClean="0">
+                <a:latin typeface="Hiragino Kaku Gothic ProN W6" charset="-128"/>
+                <a:ea typeface="Hiragino Kaku Gothic ProN W6" charset="-128"/>
+                <a:cs typeface="Hiragino Kaku Gothic ProN W6" charset="-128"/>
+              </a:rPr>
+              <a:t>)=</a:t>
             </a:r>
             <a:endParaRPr kumimoji="1" lang="ja-JP" altLang="en-US" sz="2400" dirty="0">
               <a:latin typeface="Hiragino Kaku Gothic ProN W6" charset="-128"/>
@@ -10845,16 +11362,46 @@
           </a:p>
         </p:txBody>
       </p:sp>
-      <p:sp>
-        <p:nvSpPr>
-          <p:cNvPr id="7" name="テキスト ボックス 6"/>
+      <p:pic>
+        <p:nvPicPr>
+          <p:cNvPr id="8" name="図 7"/>
+          <p:cNvPicPr>
+            <a:picLocks noChangeAspect="1"/>
+          </p:cNvPicPr>
+          <p:nvPr/>
+        </p:nvPicPr>
+        <p:blipFill>
+          <a:blip r:embed="rId3">
+            <a:extLst>
+              <a:ext uri="{28A0092B-C50C-407E-A947-70E740481C1C}">
+                <a14:useLocalDpi xmlns:a14="http://schemas.microsoft.com/office/drawing/2010/main" val="0"/>
+              </a:ext>
+            </a:extLst>
+          </a:blip>
+          <a:stretch>
+            <a:fillRect/>
+          </a:stretch>
+        </p:blipFill>
+        <p:spPr>
+          <a:xfrm>
+            <a:off x="953589" y="4094733"/>
+            <a:ext cx="4425235" cy="635047"/>
+          </a:xfrm>
+          <a:prstGeom prst="rect">
+            <a:avLst/>
+          </a:prstGeom>
+        </p:spPr>
+      </p:pic>
+      <p:sp>
+        <p:nvSpPr>
+          <p:cNvPr id="9" name="テキスト ボックス 8"/>
           <p:cNvSpPr txBox="1"/>
           <p:nvPr/>
         </p:nvSpPr>
         <p:spPr>
           <a:xfrm>
-            <a:off x="680282" y="4683711"/>
-            <a:ext cx="4067503" cy="369332"/>
+            <a:off x="871369" y="4781927"/>
+            <a:ext cx="4801314" cy="461665"/>
           </a:xfrm>
           <a:prstGeom prst="rect">
             <a:avLst/>
@@ -10862,62 +11409,18 @@
           <a:noFill/>
         </p:spPr>
         <p:txBody>
-          <a:bodyPr wrap="square" rtlCol="0">
-            <a:spAutoFit/>
-          </a:bodyPr>
-          <a:lstStyle/>
-          <a:p>
-            <a:r>
-              <a:rPr kumimoji="1" lang="ja-JP" altLang="en-US" dirty="0" smtClean="0">
-                <a:solidFill>
-                  <a:srgbClr val="FF0000"/>
-                </a:solidFill>
-                <a:latin typeface="Hiragino Kaku Gothic ProN W6" charset="-128"/>
-                <a:ea typeface="Hiragino Kaku Gothic ProN W6" charset="-128"/>
-                <a:cs typeface="Hiragino Kaku Gothic ProN W6" charset="-128"/>
-              </a:rPr>
-              <a:t>エネルギー関数</a:t>
-            </a:r>
-            <a:endParaRPr kumimoji="1" lang="ja-JP" altLang="en-US" dirty="0">
-              <a:solidFill>
-                <a:srgbClr val="FF0000"/>
-              </a:solidFill>
-              <a:latin typeface="Hiragino Kaku Gothic ProN W6" charset="-128"/>
-              <a:ea typeface="Hiragino Kaku Gothic ProN W6" charset="-128"/>
-              <a:cs typeface="Hiragino Kaku Gothic ProN W6" charset="-128"/>
-            </a:endParaRPr>
-          </a:p>
-        </p:txBody>
-      </p:sp>
-      <p:sp>
-        <p:nvSpPr>
-          <p:cNvPr id="8" name="テキスト ボックス 7"/>
-          <p:cNvSpPr txBox="1"/>
-          <p:nvPr/>
-        </p:nvSpPr>
-        <p:spPr>
-          <a:xfrm>
-            <a:off x="10294182" y="4222046"/>
-            <a:ext cx="1176925" cy="461665"/>
-          </a:xfrm>
-          <a:prstGeom prst="rect">
-            <a:avLst/>
-          </a:prstGeom>
-          <a:noFill/>
-        </p:spPr>
-        <p:txBody>
           <a:bodyPr wrap="none" rtlCol="0">
             <a:spAutoFit/>
           </a:bodyPr>
           <a:lstStyle/>
           <a:p>
             <a:r>
-              <a:rPr kumimoji="1" lang="en-US" altLang="ja-JP" sz="2400" dirty="0" smtClean="0">
-                <a:latin typeface="Hiragino Kaku Gothic ProN W6" charset="-128"/>
-                <a:ea typeface="Hiragino Kaku Gothic ProN W6" charset="-128"/>
-                <a:cs typeface="Hiragino Kaku Gothic ProN W6" charset="-128"/>
-              </a:rPr>
-              <a:t>(3.12)</a:t>
+              <a:rPr kumimoji="1" lang="ja-JP" altLang="en-US" sz="2400" dirty="0" smtClean="0">
+                <a:latin typeface="Hiragino Kaku Gothic ProN W6" charset="-128"/>
+                <a:ea typeface="Hiragino Kaku Gothic ProN W6" charset="-128"/>
+                <a:cs typeface="Hiragino Kaku Gothic ProN W6" charset="-128"/>
+              </a:rPr>
+              <a:t>となるように規格化定数を定める</a:t>
             </a:r>
             <a:endParaRPr kumimoji="1" lang="ja-JP" altLang="en-US" sz="2400" dirty="0">
               <a:latin typeface="Hiragino Kaku Gothic ProN W6" charset="-128"/>
@@ -10930,13 +11433,20 @@
     </p:spTree>
     <p:extLst>
       <p:ext uri="{BB962C8B-B14F-4D97-AF65-F5344CB8AC3E}">
-        <p14:creationId xmlns:p14="http://schemas.microsoft.com/office/powerpoint/2010/main" val="1290149841"/>
+        <p14:creationId xmlns:p14="http://schemas.microsoft.com/office/powerpoint/2010/main" val="1764202157"/>
       </p:ext>
     </p:extLst>
   </p:cSld>
   <p:clrMapOvr>
     <a:masterClrMapping/>
   </p:clrMapOvr>
+  <p:timing>
+    <p:tnLst>
+      <p:par>
+        <p:cTn id="1" dur="indefinite" restart="never" nodeType="tmRoot"/>
+      </p:par>
+    </p:tnLst>
+  </p:timing>
 </p:sld>
 </file>
 
@@ -10973,51 +11483,28 @@
           <a:lstStyle/>
           <a:p>
             <a:r>
-              <a:rPr lang="en-US" altLang="ja-JP" dirty="0" smtClean="0">
-                <a:latin typeface="Hiragino Kaku Gothic ProN W6" charset="-128"/>
-                <a:ea typeface="Hiragino Kaku Gothic ProN W6" charset="-128"/>
-                <a:cs typeface="Hiragino Kaku Gothic ProN W6" charset="-128"/>
-              </a:rPr>
-              <a:t>3.4.3</a:t>
-            </a:r>
-            <a:r>
-              <a:rPr lang="en-US" altLang="ja-JP" dirty="0">
-                <a:latin typeface="Hiragino Kaku Gothic ProN W6" charset="-128"/>
-                <a:ea typeface="Hiragino Kaku Gothic ProN W6" charset="-128"/>
-                <a:cs typeface="Hiragino Kaku Gothic ProN W6" charset="-128"/>
-              </a:rPr>
-              <a:t/>
-            </a:r>
-            <a:br>
-              <a:rPr lang="en-US" altLang="ja-JP" dirty="0">
-                <a:latin typeface="Hiragino Kaku Gothic ProN W6" charset="-128"/>
-                <a:ea typeface="Hiragino Kaku Gothic ProN W6" charset="-128"/>
-                <a:cs typeface="Hiragino Kaku Gothic ProN W6" charset="-128"/>
-              </a:rPr>
-            </a:br>
-            <a:r>
-              <a:rPr lang="ja-JP" altLang="en-US" dirty="0" smtClean="0">
-                <a:latin typeface="Hiragino Kaku Gothic ProN W6" charset="-128"/>
-                <a:ea typeface="Hiragino Kaku Gothic ProN W6" charset="-128"/>
-                <a:cs typeface="Hiragino Kaku Gothic ProN W6" charset="-128"/>
-              </a:rPr>
-              <a:t>指数型ハーモニウム族の</a:t>
-            </a:r>
-            <a:r>
-              <a:rPr lang="en-US" altLang="ja-JP" dirty="0" smtClean="0">
-                <a:latin typeface="Hiragino Kaku Gothic ProN W6" charset="-128"/>
-                <a:ea typeface="Hiragino Kaku Gothic ProN W6" charset="-128"/>
-                <a:cs typeface="Hiragino Kaku Gothic ProN W6" charset="-128"/>
-              </a:rPr>
-              <a:t>CD</a:t>
-            </a:r>
-            <a:r>
-              <a:rPr lang="ja-JP" altLang="en-US" dirty="0" smtClean="0">
-                <a:latin typeface="Hiragino Kaku Gothic ProN W6" charset="-128"/>
-                <a:ea typeface="Hiragino Kaku Gothic ProN W6" charset="-128"/>
-                <a:cs typeface="Hiragino Kaku Gothic ProN W6" charset="-128"/>
-              </a:rPr>
-              <a:t>法による学習</a:t>
+              <a:rPr kumimoji="1" lang="en-US" altLang="ja-JP" dirty="0" smtClean="0">
+                <a:latin typeface="Hiragino Kaku Gothic ProN W6" charset="-128"/>
+                <a:ea typeface="Hiragino Kaku Gothic ProN W6" charset="-128"/>
+                <a:cs typeface="Hiragino Kaku Gothic ProN W6" charset="-128"/>
+              </a:rPr>
+              <a:t>3.4.2</a:t>
+            </a:r>
+            <a:r>
+              <a:rPr kumimoji="1" lang="ja-JP" altLang="en-US" dirty="0" smtClean="0">
+                <a:latin typeface="Hiragino Kaku Gothic ProN W6" charset="-128"/>
+                <a:ea typeface="Hiragino Kaku Gothic ProN W6" charset="-128"/>
+                <a:cs typeface="Hiragino Kaku Gothic ProN W6" charset="-128"/>
+              </a:rPr>
+              <a:t>　指数型ハーモニウム族</a:t>
+            </a:r>
+            <a:r>
+              <a:rPr kumimoji="1" lang="en-US" altLang="ja-JP" dirty="0" smtClean="0">
+                <a:latin typeface="Hiragino Kaku Gothic ProN W6" charset="-128"/>
+                <a:ea typeface="Hiragino Kaku Gothic ProN W6" charset="-128"/>
+                <a:cs typeface="Hiragino Kaku Gothic ProN W6" charset="-128"/>
+              </a:rPr>
+              <a:t>(EFH)</a:t>
             </a:r>
             <a:endParaRPr kumimoji="1" lang="ja-JP" altLang="en-US" dirty="0">
               <a:latin typeface="Hiragino Kaku Gothic ProN W6" charset="-128"/>
@@ -11027,203 +11514,15 @@
           </a:p>
         </p:txBody>
       </p:sp>
-      <p:sp>
-        <p:nvSpPr>
-          <p:cNvPr id="3" name="コンテンツ プレースホルダー 2"/>
-          <p:cNvSpPr>
-            <a:spLocks noGrp="1"/>
-          </p:cNvSpPr>
-          <p:nvPr>
-            <p:ph idx="1"/>
-          </p:nvPr>
-        </p:nvSpPr>
-        <p:spPr/>
-        <p:txBody>
-          <a:bodyPr/>
-          <a:lstStyle/>
-          <a:p>
-            <a:pPr marL="0" indent="0">
-              <a:buNone/>
-            </a:pPr>
-            <a:r>
-              <a:rPr kumimoji="1" lang="en-US" altLang="ja-JP" dirty="0" smtClean="0">
-                <a:latin typeface="Hiragino Kaku Gothic ProN W6" charset="-128"/>
-                <a:ea typeface="Hiragino Kaku Gothic ProN W6" charset="-128"/>
-                <a:cs typeface="Hiragino Kaku Gothic ProN W6" charset="-128"/>
-              </a:rPr>
-              <a:t>CD</a:t>
-            </a:r>
-            <a:r>
-              <a:rPr kumimoji="1" lang="ja-JP" altLang="en-US" dirty="0" smtClean="0">
-                <a:latin typeface="Hiragino Kaku Gothic ProN W6" charset="-128"/>
-                <a:ea typeface="Hiragino Kaku Gothic ProN W6" charset="-128"/>
-                <a:cs typeface="Hiragino Kaku Gothic ProN W6" charset="-128"/>
-              </a:rPr>
-              <a:t>法（</a:t>
-            </a:r>
-            <a:r>
-              <a:rPr kumimoji="1" lang="en-US" altLang="ja-JP" dirty="0" smtClean="0">
-                <a:latin typeface="Hiragino Kaku Gothic ProN W6" charset="-128"/>
-                <a:ea typeface="Hiragino Kaku Gothic ProN W6" charset="-128"/>
-                <a:cs typeface="Hiragino Kaku Gothic ProN W6" charset="-128"/>
-              </a:rPr>
-              <a:t>Contrastive Divergence</a:t>
-            </a:r>
-            <a:r>
-              <a:rPr kumimoji="1" lang="ja-JP" altLang="en-US" dirty="0" smtClean="0">
-                <a:latin typeface="Hiragino Kaku Gothic ProN W6" charset="-128"/>
-                <a:ea typeface="Hiragino Kaku Gothic ProN W6" charset="-128"/>
-                <a:cs typeface="Hiragino Kaku Gothic ProN W6" charset="-128"/>
-              </a:rPr>
-              <a:t>法）</a:t>
-            </a:r>
-            <a:endParaRPr kumimoji="1" lang="en-US" altLang="ja-JP" dirty="0" smtClean="0">
-              <a:latin typeface="Hiragino Kaku Gothic ProN W6" charset="-128"/>
-              <a:ea typeface="Hiragino Kaku Gothic ProN W6" charset="-128"/>
-              <a:cs typeface="Hiragino Kaku Gothic ProN W6" charset="-128"/>
-            </a:endParaRPr>
-          </a:p>
-          <a:p>
-            <a:r>
-              <a:rPr lang="en-US" altLang="ja-JP" dirty="0" smtClean="0">
-                <a:latin typeface="Hiragino Kaku Gothic ProN W6" charset="-128"/>
-                <a:ea typeface="Hiragino Kaku Gothic ProN W6" charset="-128"/>
-                <a:cs typeface="Hiragino Kaku Gothic ProN W6" charset="-128"/>
-              </a:rPr>
-              <a:t>EFH</a:t>
-            </a:r>
-            <a:r>
-              <a:rPr lang="ja-JP" altLang="en-US" dirty="0" smtClean="0">
-                <a:latin typeface="Hiragino Kaku Gothic ProN W6" charset="-128"/>
-                <a:ea typeface="Hiragino Kaku Gothic ProN W6" charset="-128"/>
-                <a:cs typeface="Hiragino Kaku Gothic ProN W6" charset="-128"/>
-              </a:rPr>
-              <a:t>の</a:t>
-            </a:r>
-            <a:r>
-              <a:rPr lang="en-US" altLang="ja-JP" dirty="0" err="1" smtClean="0">
-                <a:latin typeface="Hiragino Kaku Gothic ProN W6" charset="-128"/>
-                <a:ea typeface="Hiragino Kaku Gothic ProN W6" charset="-128"/>
-                <a:cs typeface="Hiragino Kaku Gothic ProN W6" charset="-128"/>
-              </a:rPr>
-              <a:t>θ</a:t>
-            </a:r>
-            <a:r>
-              <a:rPr lang="ja-JP" altLang="en-US" dirty="0" smtClean="0">
-                <a:latin typeface="Hiragino Kaku Gothic ProN W6" charset="-128"/>
-                <a:ea typeface="Hiragino Kaku Gothic ProN W6" charset="-128"/>
-                <a:cs typeface="Hiragino Kaku Gothic ProN W6" charset="-128"/>
-              </a:rPr>
-              <a:t>に関する勾配計算に</a:t>
-            </a:r>
-            <a:r>
-              <a:rPr lang="en-US" altLang="ja-JP" dirty="0" smtClean="0">
-                <a:latin typeface="Hiragino Kaku Gothic ProN W6" charset="-128"/>
-                <a:ea typeface="Hiragino Kaku Gothic ProN W6" charset="-128"/>
-                <a:cs typeface="Hiragino Kaku Gothic ProN W6" charset="-128"/>
-              </a:rPr>
-              <a:t>EFH</a:t>
-            </a:r>
-            <a:r>
-              <a:rPr lang="ja-JP" altLang="en-US" dirty="0" smtClean="0">
-                <a:latin typeface="Hiragino Kaku Gothic ProN W6" charset="-128"/>
-                <a:ea typeface="Hiragino Kaku Gothic ProN W6" charset="-128"/>
-                <a:cs typeface="Hiragino Kaku Gothic ProN W6" charset="-128"/>
-              </a:rPr>
-              <a:t>のモデル分布の期待値計算が必要→ギプスサンプリングで近似→計算時間が掛かり過ぎる</a:t>
-            </a:r>
-            <a:endParaRPr lang="en-US" altLang="ja-JP" dirty="0" smtClean="0">
-              <a:latin typeface="Hiragino Kaku Gothic ProN W6" charset="-128"/>
-              <a:ea typeface="Hiragino Kaku Gothic ProN W6" charset="-128"/>
-              <a:cs typeface="Hiragino Kaku Gothic ProN W6" charset="-128"/>
-            </a:endParaRPr>
-          </a:p>
-          <a:p>
-            <a:r>
-              <a:rPr kumimoji="1" lang="ja-JP" altLang="en-US" dirty="0" smtClean="0">
-                <a:latin typeface="Hiragino Kaku Gothic ProN W6" charset="-128"/>
-                <a:ea typeface="Hiragino Kaku Gothic ProN W6" charset="-128"/>
-                <a:cs typeface="Hiragino Kaku Gothic ProN W6" charset="-128"/>
-              </a:rPr>
-              <a:t>ギプスサンプリングを</a:t>
-            </a:r>
-            <a:r>
-              <a:rPr lang="en-US" altLang="ja-JP" dirty="0" smtClean="0">
-                <a:latin typeface="Hiragino Kaku Gothic ProN W6" charset="-128"/>
-                <a:ea typeface="Hiragino Kaku Gothic ProN W6" charset="-128"/>
-                <a:cs typeface="Hiragino Kaku Gothic ProN W6" charset="-128"/>
-              </a:rPr>
-              <a:t>k</a:t>
-            </a:r>
-            <a:r>
-              <a:rPr lang="ja-JP" altLang="en-US" dirty="0" smtClean="0">
-                <a:latin typeface="Hiragino Kaku Gothic ProN W6" charset="-128"/>
-                <a:ea typeface="Hiragino Kaku Gothic ProN W6" charset="-128"/>
-                <a:cs typeface="Hiragino Kaku Gothic ProN W6" charset="-128"/>
-              </a:rPr>
-              <a:t>回（典型的に</a:t>
-            </a:r>
-            <a:r>
-              <a:rPr lang="en-US" altLang="ja-JP" dirty="0" smtClean="0">
-                <a:latin typeface="Hiragino Kaku Gothic ProN W6" charset="-128"/>
-                <a:ea typeface="Hiragino Kaku Gothic ProN W6" charset="-128"/>
-                <a:cs typeface="Hiragino Kaku Gothic ProN W6" charset="-128"/>
-              </a:rPr>
-              <a:t>k=1</a:t>
-            </a:r>
-            <a:r>
-              <a:rPr lang="ja-JP" altLang="en-US" dirty="0" smtClean="0">
-                <a:latin typeface="Hiragino Kaku Gothic ProN W6" charset="-128"/>
-                <a:ea typeface="Hiragino Kaku Gothic ProN W6" charset="-128"/>
-                <a:cs typeface="Hiragino Kaku Gothic ProN W6" charset="-128"/>
-              </a:rPr>
-              <a:t>）だけ行う</a:t>
-            </a:r>
-            <a:endParaRPr lang="en-US" altLang="ja-JP" dirty="0" smtClean="0">
-              <a:latin typeface="Hiragino Kaku Gothic ProN W6" charset="-128"/>
-              <a:ea typeface="Hiragino Kaku Gothic ProN W6" charset="-128"/>
-              <a:cs typeface="Hiragino Kaku Gothic ProN W6" charset="-128"/>
-            </a:endParaRPr>
-          </a:p>
-          <a:p>
-            <a:r>
-              <a:rPr lang="en-US" altLang="ja-JP" dirty="0" smtClean="0">
-                <a:latin typeface="Hiragino Kaku Gothic ProN W6" charset="-128"/>
-                <a:ea typeface="Hiragino Kaku Gothic ProN W6" charset="-128"/>
-                <a:cs typeface="Hiragino Kaku Gothic ProN W6" charset="-128"/>
-              </a:rPr>
-              <a:t>CD-k</a:t>
-            </a:r>
-            <a:r>
-              <a:rPr lang="ja-JP" altLang="en-US" dirty="0" smtClean="0">
-                <a:latin typeface="Hiragino Kaku Gothic ProN W6" charset="-128"/>
-                <a:ea typeface="Hiragino Kaku Gothic ProN W6" charset="-128"/>
-                <a:cs typeface="Hiragino Kaku Gothic ProN W6" charset="-128"/>
-              </a:rPr>
-              <a:t>法では以下の近似導関数を用いてパラメータ更新</a:t>
-            </a:r>
-            <a:endParaRPr lang="en-US" altLang="ja-JP" dirty="0" smtClean="0">
-              <a:latin typeface="Hiragino Kaku Gothic ProN W6" charset="-128"/>
-              <a:ea typeface="Hiragino Kaku Gothic ProN W6" charset="-128"/>
-              <a:cs typeface="Hiragino Kaku Gothic ProN W6" charset="-128"/>
-            </a:endParaRPr>
-          </a:p>
-          <a:p>
-            <a:endParaRPr kumimoji="1" lang="ja-JP" altLang="en-US" dirty="0">
-              <a:latin typeface="Hiragino Kaku Gothic ProN W6" charset="-128"/>
-              <a:ea typeface="Hiragino Kaku Gothic ProN W6" charset="-128"/>
-              <a:cs typeface="Hiragino Kaku Gothic ProN W6" charset="-128"/>
-            </a:endParaRPr>
-          </a:p>
-        </p:txBody>
-      </p:sp>
       <p:pic>
         <p:nvPicPr>
-          <p:cNvPr id="4" name="図 3"/>
+          <p:cNvPr id="4" name="コンテンツ プレースホルダー 3"/>
           <p:cNvPicPr>
-            <a:picLocks noChangeAspect="1"/>
+            <a:picLocks noGrp="1" noChangeAspect="1"/>
           </p:cNvPicPr>
-          <p:nvPr/>
+          <p:nvPr>
+            <p:ph idx="1"/>
+          </p:nvPr>
         </p:nvPicPr>
         <p:blipFill>
           <a:blip r:embed="rId2">
@@ -11239,24 +11538,21 @@
         </p:blipFill>
         <p:spPr>
           <a:xfrm>
-            <a:off x="774914" y="4567455"/>
-            <a:ext cx="10058400" cy="1456485"/>
-          </a:xfrm>
-          <a:prstGeom prst="rect">
-            <a:avLst/>
-          </a:prstGeom>
+            <a:off x="680282" y="3182822"/>
+            <a:ext cx="9613900" cy="3001779"/>
+          </a:xfrm>
         </p:spPr>
       </p:pic>
       <p:sp>
         <p:nvSpPr>
-          <p:cNvPr id="5" name="テキスト ボックス 4"/>
+          <p:cNvPr id="6" name="テキスト ボックス 5"/>
           <p:cNvSpPr txBox="1"/>
           <p:nvPr/>
         </p:nvSpPr>
         <p:spPr>
           <a:xfrm>
-            <a:off x="10833314" y="4981903"/>
-            <a:ext cx="1202573" cy="461665"/>
+            <a:off x="680282" y="2225109"/>
+            <a:ext cx="8852103" cy="830997"/>
           </a:xfrm>
           <a:prstGeom prst="rect">
             <a:avLst/>
@@ -11271,11 +11567,34 @@
           <a:p>
             <a:r>
               <a:rPr kumimoji="1" lang="en-US" altLang="ja-JP" sz="2400" dirty="0" smtClean="0">
-                <a:latin typeface="Hiragino Kaku Gothic StdN W8" charset="-128"/>
-                <a:ea typeface="Hiragino Kaku Gothic StdN W8" charset="-128"/>
-                <a:cs typeface="Hiragino Kaku Gothic StdN W8" charset="-128"/>
-              </a:rPr>
-              <a:t>(</a:t>
+                <a:latin typeface="Hiragino Kaku Gothic ProN W6" charset="-128"/>
+                <a:ea typeface="Hiragino Kaku Gothic ProN W6" charset="-128"/>
+                <a:cs typeface="Hiragino Kaku Gothic ProN W6" charset="-128"/>
+              </a:rPr>
+              <a:t>RBM</a:t>
+            </a:r>
+            <a:r>
+              <a:rPr kumimoji="1" lang="ja-JP" altLang="en-US" sz="2400" dirty="0" smtClean="0">
+                <a:latin typeface="Hiragino Kaku Gothic ProN W6" charset="-128"/>
+                <a:ea typeface="Hiragino Kaku Gothic ProN W6" charset="-128"/>
+                <a:cs typeface="Hiragino Kaku Gothic ProN W6" charset="-128"/>
+              </a:rPr>
+              <a:t>は条件付き分布が独立</a:t>
+            </a:r>
+            <a:endParaRPr kumimoji="1" lang="en-US" altLang="ja-JP" sz="2400" dirty="0" smtClean="0">
+              <a:latin typeface="Hiragino Kaku Gothic ProN W6" charset="-128"/>
+              <a:ea typeface="Hiragino Kaku Gothic ProN W6" charset="-128"/>
+              <a:cs typeface="Hiragino Kaku Gothic ProN W6" charset="-128"/>
+            </a:endParaRPr>
+          </a:p>
+          <a:p>
+            <a:r>
+              <a:rPr kumimoji="1" lang="ja-JP" altLang="en-US" sz="2400" dirty="0" smtClean="0">
+                <a:latin typeface="Hiragino Kaku Gothic ProN W6" charset="-128"/>
+                <a:ea typeface="Hiragino Kaku Gothic ProN W6" charset="-128"/>
+                <a:cs typeface="Hiragino Kaku Gothic ProN W6" charset="-128"/>
+              </a:rPr>
+              <a:t>条件付き分布が独立になる分布を一般に</a:t>
             </a:r>
             <a:r>
               <a:rPr kumimoji="1" lang="en-US" altLang="ja-JP" sz="2400" dirty="0" smtClean="0">
@@ -11283,20 +11602,102 @@
                 <a:ea typeface="Hiragino Kaku Gothic ProN W6" charset="-128"/>
                 <a:cs typeface="Hiragino Kaku Gothic ProN W6" charset="-128"/>
               </a:rPr>
-              <a:t>3.13</a:t>
-            </a:r>
+              <a:t>EFH</a:t>
+            </a:r>
+            <a:r>
+              <a:rPr kumimoji="1" lang="ja-JP" altLang="en-US" sz="2400" dirty="0" smtClean="0">
+                <a:latin typeface="Hiragino Kaku Gothic ProN W6" charset="-128"/>
+                <a:ea typeface="Hiragino Kaku Gothic ProN W6" charset="-128"/>
+                <a:cs typeface="Hiragino Kaku Gothic ProN W6" charset="-128"/>
+              </a:rPr>
+              <a:t>といい以下で表す</a:t>
+            </a:r>
+            <a:endParaRPr kumimoji="1" lang="ja-JP" altLang="en-US" sz="2400" dirty="0">
+              <a:latin typeface="Hiragino Kaku Gothic ProN W6" charset="-128"/>
+              <a:ea typeface="Hiragino Kaku Gothic ProN W6" charset="-128"/>
+              <a:cs typeface="Hiragino Kaku Gothic ProN W6" charset="-128"/>
+            </a:endParaRPr>
+          </a:p>
+        </p:txBody>
+      </p:sp>
+      <p:sp>
+        <p:nvSpPr>
+          <p:cNvPr id="7" name="テキスト ボックス 6"/>
+          <p:cNvSpPr txBox="1"/>
+          <p:nvPr/>
+        </p:nvSpPr>
+        <p:spPr>
+          <a:xfrm>
+            <a:off x="680282" y="4683711"/>
+            <a:ext cx="4067503" cy="369332"/>
+          </a:xfrm>
+          <a:prstGeom prst="rect">
+            <a:avLst/>
+          </a:prstGeom>
+          <a:noFill/>
+        </p:spPr>
+        <p:txBody>
+          <a:bodyPr wrap="square" rtlCol="0">
+            <a:spAutoFit/>
+          </a:bodyPr>
+          <a:lstStyle/>
+          <a:p>
+            <a:r>
+              <a:rPr kumimoji="1" lang="ja-JP" altLang="en-US" dirty="0" smtClean="0">
+                <a:solidFill>
+                  <a:srgbClr val="FF0000"/>
+                </a:solidFill>
+                <a:latin typeface="Hiragino Kaku Gothic ProN W6" charset="-128"/>
+                <a:ea typeface="Hiragino Kaku Gothic ProN W6" charset="-128"/>
+                <a:cs typeface="Hiragino Kaku Gothic ProN W6" charset="-128"/>
+              </a:rPr>
+              <a:t>エネルギー関数</a:t>
+            </a:r>
+            <a:endParaRPr kumimoji="1" lang="ja-JP" altLang="en-US" dirty="0">
+              <a:solidFill>
+                <a:srgbClr val="FF0000"/>
+              </a:solidFill>
+              <a:latin typeface="Hiragino Kaku Gothic ProN W6" charset="-128"/>
+              <a:ea typeface="Hiragino Kaku Gothic ProN W6" charset="-128"/>
+              <a:cs typeface="Hiragino Kaku Gothic ProN W6" charset="-128"/>
+            </a:endParaRPr>
+          </a:p>
+        </p:txBody>
+      </p:sp>
+      <p:sp>
+        <p:nvSpPr>
+          <p:cNvPr id="8" name="テキスト ボックス 7"/>
+          <p:cNvSpPr txBox="1"/>
+          <p:nvPr/>
+        </p:nvSpPr>
+        <p:spPr>
+          <a:xfrm>
+            <a:off x="10294182" y="4222046"/>
+            <a:ext cx="1176925" cy="461665"/>
+          </a:xfrm>
+          <a:prstGeom prst="rect">
+            <a:avLst/>
+          </a:prstGeom>
+          <a:noFill/>
+        </p:spPr>
+        <p:txBody>
+          <a:bodyPr wrap="none" rtlCol="0">
+            <a:spAutoFit/>
+          </a:bodyPr>
+          <a:lstStyle/>
+          <a:p>
             <a:r>
               <a:rPr kumimoji="1" lang="en-US" altLang="ja-JP" sz="2400" dirty="0" smtClean="0">
-                <a:latin typeface="Hiragino Kaku Gothic StdN W8" charset="-128"/>
-                <a:ea typeface="Hiragino Kaku Gothic StdN W8" charset="-128"/>
-                <a:cs typeface="Hiragino Kaku Gothic StdN W8" charset="-128"/>
-              </a:rPr>
-              <a:t>)</a:t>
+                <a:latin typeface="Hiragino Kaku Gothic ProN W6" charset="-128"/>
+                <a:ea typeface="Hiragino Kaku Gothic ProN W6" charset="-128"/>
+                <a:cs typeface="Hiragino Kaku Gothic ProN W6" charset="-128"/>
+              </a:rPr>
+              <a:t>(3.12)</a:t>
             </a:r>
             <a:endParaRPr kumimoji="1" lang="ja-JP" altLang="en-US" sz="2400" dirty="0">
-              <a:latin typeface="Hiragino Kaku Gothic StdN W8" charset="-128"/>
-              <a:ea typeface="Hiragino Kaku Gothic StdN W8" charset="-128"/>
-              <a:cs typeface="Hiragino Kaku Gothic StdN W8" charset="-128"/>
+              <a:latin typeface="Hiragino Kaku Gothic ProN W6" charset="-128"/>
+              <a:ea typeface="Hiragino Kaku Gothic ProN W6" charset="-128"/>
+              <a:cs typeface="Hiragino Kaku Gothic ProN W6" charset="-128"/>
             </a:endParaRPr>
           </a:p>
         </p:txBody>
@@ -11304,7 +11705,7 @@
     </p:spTree>
     <p:extLst>
       <p:ext uri="{BB962C8B-B14F-4D97-AF65-F5344CB8AC3E}">
-        <p14:creationId xmlns:p14="http://schemas.microsoft.com/office/powerpoint/2010/main" val="1401643387"/>
+        <p14:creationId xmlns:p14="http://schemas.microsoft.com/office/powerpoint/2010/main" val="1290149841"/>
       </p:ext>
     </p:extLst>
   </p:cSld>
@@ -11347,23 +11748,38 @@
           <a:lstStyle/>
           <a:p>
             <a:r>
-              <a:rPr kumimoji="1" lang="en-US" altLang="ja-JP" dirty="0" smtClean="0">
-                <a:latin typeface="Hiragino Kaku Gothic ProN W6" charset="-128"/>
-                <a:ea typeface="Hiragino Kaku Gothic ProN W6" charset="-128"/>
-                <a:cs typeface="Hiragino Kaku Gothic ProN W6" charset="-128"/>
-              </a:rPr>
-              <a:t>3.4.4</a:t>
-            </a:r>
-            <a:r>
-              <a:rPr kumimoji="1" lang="ja-JP" altLang="en-US" dirty="0" smtClean="0">
-                <a:latin typeface="Hiragino Kaku Gothic ProN W6" charset="-128"/>
-                <a:ea typeface="Hiragino Kaku Gothic ProN W6" charset="-128"/>
-                <a:cs typeface="Hiragino Kaku Gothic ProN W6" charset="-128"/>
-              </a:rPr>
-              <a:t>　</a:t>
-            </a:r>
-            <a:r>
-              <a:rPr kumimoji="1" lang="en-US" altLang="ja-JP" dirty="0" smtClean="0">
+              <a:rPr lang="en-US" altLang="ja-JP" dirty="0" smtClean="0">
+                <a:latin typeface="Hiragino Kaku Gothic ProN W6" charset="-128"/>
+                <a:ea typeface="Hiragino Kaku Gothic ProN W6" charset="-128"/>
+                <a:cs typeface="Hiragino Kaku Gothic ProN W6" charset="-128"/>
+              </a:rPr>
+              <a:t>3.4.3</a:t>
+            </a:r>
+            <a:r>
+              <a:rPr lang="en-US" altLang="ja-JP" dirty="0">
+                <a:latin typeface="Hiragino Kaku Gothic ProN W6" charset="-128"/>
+                <a:ea typeface="Hiragino Kaku Gothic ProN W6" charset="-128"/>
+                <a:cs typeface="Hiragino Kaku Gothic ProN W6" charset="-128"/>
+              </a:rPr>
+              <a:t/>
+            </a:r>
+            <a:br>
+              <a:rPr lang="en-US" altLang="ja-JP" dirty="0">
+                <a:latin typeface="Hiragino Kaku Gothic ProN W6" charset="-128"/>
+                <a:ea typeface="Hiragino Kaku Gothic ProN W6" charset="-128"/>
+                <a:cs typeface="Hiragino Kaku Gothic ProN W6" charset="-128"/>
+              </a:rPr>
+            </a:br>
+            <a:r>
+              <a:rPr lang="ja-JP" altLang="en-US" dirty="0" smtClean="0">
+                <a:latin typeface="Hiragino Kaku Gothic ProN W6" charset="-128"/>
+                <a:ea typeface="Hiragino Kaku Gothic ProN W6" charset="-128"/>
+                <a:cs typeface="Hiragino Kaku Gothic ProN W6" charset="-128"/>
+              </a:rPr>
+              <a:t>指数型ハーモニウム族の</a:t>
+            </a:r>
+            <a:r>
+              <a:rPr lang="en-US" altLang="ja-JP" dirty="0" smtClean="0">
                 <a:latin typeface="Hiragino Kaku Gothic ProN W6" charset="-128"/>
                 <a:ea typeface="Hiragino Kaku Gothic ProN W6" charset="-128"/>
                 <a:cs typeface="Hiragino Kaku Gothic ProN W6" charset="-128"/>
@@ -11371,12 +11787,12 @@
               <a:t>CD</a:t>
             </a:r>
             <a:r>
-              <a:rPr kumimoji="1" lang="ja-JP" altLang="en-US" dirty="0" smtClean="0">
-                <a:latin typeface="Hiragino Kaku Gothic ProN W6" charset="-128"/>
-                <a:ea typeface="Hiragino Kaku Gothic ProN W6" charset="-128"/>
-                <a:cs typeface="Hiragino Kaku Gothic ProN W6" charset="-128"/>
-              </a:rPr>
-              <a:t>法が最適化している損失関数</a:t>
+              <a:rPr lang="ja-JP" altLang="en-US" dirty="0" smtClean="0">
+                <a:latin typeface="Hiragino Kaku Gothic ProN W6" charset="-128"/>
+                <a:ea typeface="Hiragino Kaku Gothic ProN W6" charset="-128"/>
+                <a:cs typeface="Hiragino Kaku Gothic ProN W6" charset="-128"/>
+              </a:rPr>
+              <a:t>法による学習</a:t>
             </a:r>
             <a:endParaRPr kumimoji="1" lang="ja-JP" altLang="en-US" dirty="0">
               <a:latin typeface="Hiragino Kaku Gothic ProN W6" charset="-128"/>
@@ -11401,13 +11817,40 @@
           <a:bodyPr/>
           <a:lstStyle/>
           <a:p>
+            <a:pPr marL="0" indent="0">
+              <a:buNone/>
+            </a:pPr>
+            <a:r>
+              <a:rPr kumimoji="1" lang="en-US" altLang="ja-JP" dirty="0" smtClean="0">
+                <a:latin typeface="Hiragino Kaku Gothic ProN W6" charset="-128"/>
+                <a:ea typeface="Hiragino Kaku Gothic ProN W6" charset="-128"/>
+                <a:cs typeface="Hiragino Kaku Gothic ProN W6" charset="-128"/>
+              </a:rPr>
+              <a:t>CD</a:t>
+            </a:r>
             <a:r>
               <a:rPr kumimoji="1" lang="ja-JP" altLang="en-US" dirty="0" smtClean="0">
                 <a:latin typeface="Hiragino Kaku Gothic ProN W6" charset="-128"/>
                 <a:ea typeface="Hiragino Kaku Gothic ProN W6" charset="-128"/>
                 <a:cs typeface="Hiragino Kaku Gothic ProN W6" charset="-128"/>
               </a:rPr>
-              <a:t>ギプスサンプリングは導関数を用いて対数尤度を最大化</a:t>
+              <a:t>法（</a:t>
+            </a:r>
+            <a:r>
+              <a:rPr kumimoji="1" lang="en-US" altLang="ja-JP" dirty="0" smtClean="0">
+                <a:latin typeface="Hiragino Kaku Gothic ProN W6" charset="-128"/>
+                <a:ea typeface="Hiragino Kaku Gothic ProN W6" charset="-128"/>
+                <a:cs typeface="Hiragino Kaku Gothic ProN W6" charset="-128"/>
+              </a:rPr>
+              <a:t>Contrastive Divergence</a:t>
+            </a:r>
+            <a:r>
+              <a:rPr kumimoji="1" lang="ja-JP" altLang="en-US" dirty="0" smtClean="0">
+                <a:latin typeface="Hiragino Kaku Gothic ProN W6" charset="-128"/>
+                <a:ea typeface="Hiragino Kaku Gothic ProN W6" charset="-128"/>
+                <a:cs typeface="Hiragino Kaku Gothic ProN W6" charset="-128"/>
+              </a:rPr>
+              <a:t>法）</a:t>
             </a:r>
             <a:endParaRPr kumimoji="1" lang="en-US" altLang="ja-JP" dirty="0" smtClean="0">
               <a:latin typeface="Hiragino Kaku Gothic ProN W6" charset="-128"/>
@@ -11422,7 +11865,7 @@
                 <a:ea typeface="Hiragino Kaku Gothic ProN W6" charset="-128"/>
                 <a:cs typeface="Hiragino Kaku Gothic ProN W6" charset="-128"/>
               </a:rPr>
-              <a:t>CD</a:t>
+              <a:t>EFH</a:t>
             </a:r>
             <a:r>
               <a:rPr lang="ja-JP" altLang="en-US" dirty="0" smtClean="0">
@@ -11430,7 +11873,39 @@
                 <a:ea typeface="Hiragino Kaku Gothic ProN W6" charset="-128"/>
                 <a:cs typeface="Hiragino Kaku Gothic ProN W6" charset="-128"/>
               </a:rPr>
-              <a:t>法も導関数の級数展開を打ち切った形なので対数尤度の最急勾配の良い近似</a:t>
+              <a:t>の</a:t>
+            </a:r>
+            <a:r>
+              <a:rPr lang="en-US" altLang="ja-JP" dirty="0" err="1" smtClean="0">
+                <a:latin typeface="Hiragino Kaku Gothic ProN W6" charset="-128"/>
+                <a:ea typeface="Hiragino Kaku Gothic ProN W6" charset="-128"/>
+                <a:cs typeface="Hiragino Kaku Gothic ProN W6" charset="-128"/>
+              </a:rPr>
+              <a:t>θ</a:t>
+            </a:r>
+            <a:r>
+              <a:rPr lang="ja-JP" altLang="en-US" dirty="0" smtClean="0">
+                <a:latin typeface="Hiragino Kaku Gothic ProN W6" charset="-128"/>
+                <a:ea typeface="Hiragino Kaku Gothic ProN W6" charset="-128"/>
+                <a:cs typeface="Hiragino Kaku Gothic ProN W6" charset="-128"/>
+              </a:rPr>
+              <a:t>に関する勾配計算に</a:t>
+            </a:r>
+            <a:r>
+              <a:rPr lang="en-US" altLang="ja-JP" dirty="0" smtClean="0">
+                <a:latin typeface="Hiragino Kaku Gothic ProN W6" charset="-128"/>
+                <a:ea typeface="Hiragino Kaku Gothic ProN W6" charset="-128"/>
+                <a:cs typeface="Hiragino Kaku Gothic ProN W6" charset="-128"/>
+              </a:rPr>
+              <a:t>EFH</a:t>
+            </a:r>
+            <a:r>
+              <a:rPr lang="ja-JP" altLang="en-US" dirty="0" smtClean="0">
+                <a:latin typeface="Hiragino Kaku Gothic ProN W6" charset="-128"/>
+                <a:ea typeface="Hiragino Kaku Gothic ProN W6" charset="-128"/>
+                <a:cs typeface="Hiragino Kaku Gothic ProN W6" charset="-128"/>
+              </a:rPr>
+              <a:t>のモデル分布の期待値計算が必要→ギプスサンプリングで近似→計算時間が掛かり過ぎる</a:t>
             </a:r>
             <a:endParaRPr lang="en-US" altLang="ja-JP" dirty="0" smtClean="0">
               <a:latin typeface="Hiragino Kaku Gothic ProN W6" charset="-128"/>
@@ -11439,46 +11914,29 @@
             </a:endParaRPr>
           </a:p>
           <a:p>
-            <a:endParaRPr kumimoji="1" lang="en-US" altLang="ja-JP" dirty="0">
-              <a:latin typeface="Hiragino Kaku Gothic ProN W6" charset="-128"/>
-              <a:ea typeface="Hiragino Kaku Gothic ProN W6" charset="-128"/>
-              <a:cs typeface="Hiragino Kaku Gothic ProN W6" charset="-128"/>
-            </a:endParaRPr>
-          </a:p>
-          <a:p>
-            <a:r>
-              <a:rPr kumimoji="1" lang="en-US" altLang="ja-JP" dirty="0" smtClean="0">
-                <a:latin typeface="Hiragino Kaku Gothic ProN W6" charset="-128"/>
-                <a:ea typeface="Hiragino Kaku Gothic ProN W6" charset="-128"/>
-                <a:cs typeface="Hiragino Kaku Gothic ProN W6" charset="-128"/>
-              </a:rPr>
-              <a:t>CD</a:t>
-            </a:r>
             <a:r>
               <a:rPr kumimoji="1" lang="ja-JP" altLang="en-US" dirty="0" smtClean="0">
                 <a:latin typeface="Hiragino Kaku Gothic ProN W6" charset="-128"/>
                 <a:ea typeface="Hiragino Kaku Gothic ProN W6" charset="-128"/>
                 <a:cs typeface="Hiragino Kaku Gothic ProN W6" charset="-128"/>
               </a:rPr>
-              <a:t>法をそもそも異なる損失関数を最適化する手法と解釈</a:t>
-            </a:r>
-            <a:endParaRPr kumimoji="1" lang="en-US" altLang="ja-JP" dirty="0" smtClean="0">
-              <a:latin typeface="Hiragino Kaku Gothic ProN W6" charset="-128"/>
-              <a:ea typeface="Hiragino Kaku Gothic ProN W6" charset="-128"/>
-              <a:cs typeface="Hiragino Kaku Gothic ProN W6" charset="-128"/>
-            </a:endParaRPr>
-          </a:p>
-          <a:p>
-            <a:pPr marL="0" indent="0">
-              <a:buNone/>
-            </a:pPr>
+              <a:t>ギプスサンプリングを</a:t>
+            </a:r>
+            <a:r>
+              <a:rPr lang="en-US" altLang="ja-JP" dirty="0" smtClean="0">
+                <a:latin typeface="Hiragino Kaku Gothic ProN W6" charset="-128"/>
+                <a:ea typeface="Hiragino Kaku Gothic ProN W6" charset="-128"/>
+                <a:cs typeface="Hiragino Kaku Gothic ProN W6" charset="-128"/>
+              </a:rPr>
+              <a:t>k</a:t>
+            </a:r>
             <a:r>
               <a:rPr lang="ja-JP" altLang="en-US" dirty="0" smtClean="0">
                 <a:latin typeface="Hiragino Kaku Gothic ProN W6" charset="-128"/>
                 <a:ea typeface="Hiragino Kaku Gothic ProN W6" charset="-128"/>
                 <a:cs typeface="Hiragino Kaku Gothic ProN W6" charset="-128"/>
               </a:rPr>
-              <a:t>ギプスサンプリングを</a:t>
+              <a:t>回（典型的に</a:t>
             </a:r>
             <a:r>
               <a:rPr lang="en-US" altLang="ja-JP" dirty="0" smtClean="0">
@@ -11486,7 +11944,7 @@
                 <a:ea typeface="Hiragino Kaku Gothic ProN W6" charset="-128"/>
                 <a:cs typeface="Hiragino Kaku Gothic ProN W6" charset="-128"/>
               </a:rPr>
-              <a:t>k</a:t>
+              <a:t>k=1</a:t>
             </a:r>
             <a:r>
               <a:rPr lang="ja-JP" altLang="en-US" dirty="0" smtClean="0">
@@ -11494,23 +11952,7 @@
                 <a:ea typeface="Hiragino Kaku Gothic ProN W6" charset="-128"/>
                 <a:cs typeface="Hiragino Kaku Gothic ProN W6" charset="-128"/>
               </a:rPr>
-              <a:t>回行った</a:t>
-            </a:r>
-            <a:r>
-              <a:rPr lang="en-US" altLang="ja-JP" dirty="0" smtClean="0">
-                <a:latin typeface="Hiragino Kaku Gothic ProN W6" charset="-128"/>
-                <a:ea typeface="Hiragino Kaku Gothic ProN W6" charset="-128"/>
-                <a:cs typeface="Hiragino Kaku Gothic ProN W6" charset="-128"/>
-              </a:rPr>
-              <a:t>CD-k</a:t>
-            </a:r>
-            <a:r>
-              <a:rPr lang="ja-JP" altLang="en-US" dirty="0" smtClean="0">
-                <a:latin typeface="Hiragino Kaku Gothic ProN W6" charset="-128"/>
-                <a:ea typeface="Hiragino Kaku Gothic ProN W6" charset="-128"/>
-                <a:cs typeface="Hiragino Kaku Gothic ProN W6" charset="-128"/>
-              </a:rPr>
-              <a:t>法の損失関数</a:t>
+              <a:t>）だけ行う</a:t>
             </a:r>
             <a:endParaRPr lang="en-US" altLang="ja-JP" dirty="0" smtClean="0">
               <a:latin typeface="Hiragino Kaku Gothic ProN W6" charset="-128"/>
@@ -11519,6 +11961,29 @@
             </a:endParaRPr>
           </a:p>
           <a:p>
+            <a:r>
+              <a:rPr lang="en-US" altLang="ja-JP" dirty="0" smtClean="0">
+                <a:latin typeface="Hiragino Kaku Gothic ProN W6" charset="-128"/>
+                <a:ea typeface="Hiragino Kaku Gothic ProN W6" charset="-128"/>
+                <a:cs typeface="Hiragino Kaku Gothic ProN W6" charset="-128"/>
+              </a:rPr>
+              <a:t>CD-k</a:t>
+            </a:r>
+            <a:r>
+              <a:rPr lang="ja-JP" altLang="en-US" dirty="0" smtClean="0">
+                <a:latin typeface="Hiragino Kaku Gothic ProN W6" charset="-128"/>
+                <a:ea typeface="Hiragino Kaku Gothic ProN W6" charset="-128"/>
+                <a:cs typeface="Hiragino Kaku Gothic ProN W6" charset="-128"/>
+              </a:rPr>
+              <a:t>法では以下の近似導関数を用いてパラメータ更新</a:t>
+            </a:r>
+            <a:endParaRPr lang="en-US" altLang="ja-JP" dirty="0" smtClean="0">
+              <a:latin typeface="Hiragino Kaku Gothic ProN W6" charset="-128"/>
+              <a:ea typeface="Hiragino Kaku Gothic ProN W6" charset="-128"/>
+              <a:cs typeface="Hiragino Kaku Gothic ProN W6" charset="-128"/>
+            </a:endParaRPr>
+          </a:p>
+          <a:p>
             <a:endParaRPr kumimoji="1" lang="ja-JP" altLang="en-US" dirty="0">
               <a:latin typeface="Hiragino Kaku Gothic ProN W6" charset="-128"/>
               <a:ea typeface="Hiragino Kaku Gothic ProN W6" charset="-128"/>
@@ -11529,7 +11994,7 @@
       </p:sp>
       <p:pic>
         <p:nvPicPr>
-          <p:cNvPr id="5" name="図 4"/>
+          <p:cNvPr id="4" name="図 3"/>
           <p:cNvPicPr>
             <a:picLocks noChangeAspect="1"/>
           </p:cNvPicPr>
@@ -11549,18 +12014,72 @@
         </p:blipFill>
         <p:spPr>
           <a:xfrm>
-            <a:off x="680321" y="5004238"/>
-            <a:ext cx="10058400" cy="803411"/>
+            <a:off x="774914" y="4567455"/>
+            <a:ext cx="10058400" cy="1456485"/>
           </a:xfrm>
           <a:prstGeom prst="rect">
             <a:avLst/>
           </a:prstGeom>
         </p:spPr>
       </p:pic>
+      <p:sp>
+        <p:nvSpPr>
+          <p:cNvPr id="5" name="テキスト ボックス 4"/>
+          <p:cNvSpPr txBox="1"/>
+          <p:nvPr/>
+        </p:nvSpPr>
+        <p:spPr>
+          <a:xfrm>
+            <a:off x="10833314" y="4981903"/>
+            <a:ext cx="1202573" cy="461665"/>
+          </a:xfrm>
+          <a:prstGeom prst="rect">
+            <a:avLst/>
+          </a:prstGeom>
+          <a:noFill/>
+        </p:spPr>
+        <p:txBody>
+          <a:bodyPr wrap="none" rtlCol="0">
+            <a:spAutoFit/>
+          </a:bodyPr>
+          <a:lstStyle/>
+          <a:p>
+            <a:r>
+              <a:rPr kumimoji="1" lang="en-US" altLang="ja-JP" sz="2400" dirty="0" smtClean="0">
+                <a:latin typeface="Hiragino Kaku Gothic StdN W8" charset="-128"/>
+                <a:ea typeface="Hiragino Kaku Gothic StdN W8" charset="-128"/>
+                <a:cs typeface="Hiragino Kaku Gothic StdN W8" charset="-128"/>
+              </a:rPr>
+              <a:t>(</a:t>
+            </a:r>
+            <a:r>
+              <a:rPr kumimoji="1" lang="en-US" altLang="ja-JP" sz="2400" dirty="0" smtClean="0">
+                <a:latin typeface="Hiragino Kaku Gothic ProN W6" charset="-128"/>
+                <a:ea typeface="Hiragino Kaku Gothic ProN W6" charset="-128"/>
+                <a:cs typeface="Hiragino Kaku Gothic ProN W6" charset="-128"/>
+              </a:rPr>
+              <a:t>3.13</a:t>
+            </a:r>
+            <a:r>
+              <a:rPr kumimoji="1" lang="en-US" altLang="ja-JP" sz="2400" dirty="0" smtClean="0">
+                <a:latin typeface="Hiragino Kaku Gothic StdN W8" charset="-128"/>
+                <a:ea typeface="Hiragino Kaku Gothic StdN W8" charset="-128"/>
+                <a:cs typeface="Hiragino Kaku Gothic StdN W8" charset="-128"/>
+              </a:rPr>
+              <a:t>)</a:t>
+            </a:r>
+            <a:endParaRPr kumimoji="1" lang="ja-JP" altLang="en-US" sz="2400" dirty="0">
+              <a:latin typeface="Hiragino Kaku Gothic StdN W8" charset="-128"/>
+              <a:ea typeface="Hiragino Kaku Gothic StdN W8" charset="-128"/>
+              <a:cs typeface="Hiragino Kaku Gothic StdN W8" charset="-128"/>
+            </a:endParaRPr>
+          </a:p>
+        </p:txBody>
+      </p:sp>
     </p:spTree>
     <p:extLst>
       <p:ext uri="{BB962C8B-B14F-4D97-AF65-F5344CB8AC3E}">
-        <p14:creationId xmlns:p14="http://schemas.microsoft.com/office/powerpoint/2010/main" val="679919611"/>
+        <p14:creationId xmlns:p14="http://schemas.microsoft.com/office/powerpoint/2010/main" val="1401643387"/>
       </p:ext>
     </p:extLst>
   </p:cSld>
@@ -11608,23 +12127,16 @@
                 <a:ea typeface="Hiragino Kaku Gothic ProN W6" charset="-128"/>
                 <a:cs typeface="Hiragino Kaku Gothic ProN W6" charset="-128"/>
               </a:rPr>
-              <a:t>3.4.5</a:t>
-            </a:r>
-            <a:r>
-              <a:rPr lang="en-US" altLang="ja-JP" dirty="0">
-                <a:latin typeface="Hiragino Kaku Gothic ProN W6" charset="-128"/>
-                <a:ea typeface="Hiragino Kaku Gothic ProN W6" charset="-128"/>
-                <a:cs typeface="Hiragino Kaku Gothic ProN W6" charset="-128"/>
-              </a:rPr>
-              <a:t/>
-            </a:r>
-            <a:br>
-              <a:rPr lang="en-US" altLang="ja-JP" dirty="0">
-                <a:latin typeface="Hiragino Kaku Gothic ProN W6" charset="-128"/>
-                <a:ea typeface="Hiragino Kaku Gothic ProN W6" charset="-128"/>
-                <a:cs typeface="Hiragino Kaku Gothic ProN W6" charset="-128"/>
-              </a:rPr>
-            </a:br>
+              <a:t>3.4.4</a:t>
+            </a:r>
+            <a:r>
+              <a:rPr kumimoji="1" lang="ja-JP" altLang="en-US" dirty="0" smtClean="0">
+                <a:latin typeface="Hiragino Kaku Gothic ProN W6" charset="-128"/>
+                <a:ea typeface="Hiragino Kaku Gothic ProN W6" charset="-128"/>
+                <a:cs typeface="Hiragino Kaku Gothic ProN W6" charset="-128"/>
+              </a:rPr>
+              <a:t>　</a:t>
+            </a:r>
             <a:r>
               <a:rPr kumimoji="1" lang="en-US" altLang="ja-JP" dirty="0" smtClean="0">
                 <a:latin typeface="Hiragino Kaku Gothic ProN W6" charset="-128"/>
@@ -11639,7 +12151,7 @@
                 <a:ea typeface="Hiragino Kaku Gothic ProN W6" charset="-128"/>
                 <a:cs typeface="Hiragino Kaku Gothic ProN W6" charset="-128"/>
               </a:rPr>
-              <a:t>法と類似した学習則を与えるアルゴリズム</a:t>
+              <a:t>法が最適化している損失関数</a:t>
             </a:r>
             <a:endParaRPr kumimoji="1" lang="ja-JP" altLang="en-US" dirty="0">
               <a:latin typeface="Hiragino Kaku Gothic ProN W6" charset="-128"/>
@@ -11664,70 +12176,36 @@
           <a:bodyPr/>
           <a:lstStyle/>
           <a:p>
-            <a:pPr marL="0" indent="0">
-              <a:buNone/>
-            </a:pPr>
-            <a:r>
-              <a:rPr kumimoji="1" lang="ja-JP" altLang="en-US" sz="3200" dirty="0" smtClean="0">
-                <a:latin typeface="Hiragino Kaku Gothic ProN W6" charset="-128"/>
-                <a:ea typeface="Hiragino Kaku Gothic ProN W6" charset="-128"/>
-                <a:cs typeface="Hiragino Kaku Gothic ProN W6" charset="-128"/>
-              </a:rPr>
-              <a:t>最小確率流法</a:t>
-            </a:r>
-            <a:r>
-              <a:rPr kumimoji="1" lang="en-US" altLang="ja-JP" sz="3200" dirty="0" smtClean="0">
-                <a:latin typeface="Hiragino Kaku Gothic ProN W6" charset="-128"/>
-                <a:ea typeface="Hiragino Kaku Gothic ProN W6" charset="-128"/>
-                <a:cs typeface="Hiragino Kaku Gothic ProN W6" charset="-128"/>
-              </a:rPr>
-              <a:t>(MPF</a:t>
-            </a:r>
-            <a:r>
-              <a:rPr kumimoji="1" lang="ja-JP" altLang="en-US" sz="3200" dirty="0" smtClean="0">
-                <a:latin typeface="Hiragino Kaku Gothic ProN W6" charset="-128"/>
-                <a:ea typeface="Hiragino Kaku Gothic ProN W6" charset="-128"/>
-                <a:cs typeface="Hiragino Kaku Gothic ProN W6" charset="-128"/>
-              </a:rPr>
-              <a:t>法</a:t>
-            </a:r>
-            <a:r>
-              <a:rPr kumimoji="1" lang="en-US" altLang="ja-JP" sz="3200" dirty="0" smtClean="0">
-                <a:latin typeface="Hiragino Kaku Gothic ProN W6" charset="-128"/>
-                <a:ea typeface="Hiragino Kaku Gothic ProN W6" charset="-128"/>
-                <a:cs typeface="Hiragino Kaku Gothic ProN W6" charset="-128"/>
-              </a:rPr>
-              <a:t>)</a:t>
-            </a:r>
-          </a:p>
-          <a:p>
-            <a:pPr marL="457200" indent="-457200">
-              <a:buFont typeface="+mj-lt"/>
-              <a:buAutoNum type="arabicPeriod"/>
-            </a:pPr>
+            <a:r>
+              <a:rPr kumimoji="1" lang="ja-JP" altLang="en-US" dirty="0" smtClean="0">
+                <a:latin typeface="Hiragino Kaku Gothic ProN W6" charset="-128"/>
+                <a:ea typeface="Hiragino Kaku Gothic ProN W6" charset="-128"/>
+                <a:cs typeface="Hiragino Kaku Gothic ProN W6" charset="-128"/>
+              </a:rPr>
+              <a:t>ギプスサンプリングは導関数を用いて対数尤度を最大化</a:t>
+            </a:r>
+            <a:endParaRPr kumimoji="1" lang="en-US" altLang="ja-JP" dirty="0" smtClean="0">
+              <a:latin typeface="Hiragino Kaku Gothic ProN W6" charset="-128"/>
+              <a:ea typeface="Hiragino Kaku Gothic ProN W6" charset="-128"/>
+              <a:cs typeface="Hiragino Kaku Gothic ProN W6" charset="-128"/>
+            </a:endParaRPr>
+          </a:p>
+          <a:p>
+            <a:r>
+              <a:rPr lang="en-US" altLang="ja-JP" dirty="0" smtClean="0">
+                <a:latin typeface="Hiragino Kaku Gothic ProN W6" charset="-128"/>
+                <a:ea typeface="Hiragino Kaku Gothic ProN W6" charset="-128"/>
+                <a:cs typeface="Hiragino Kaku Gothic ProN W6" charset="-128"/>
+              </a:rPr>
+              <a:t>CD</a:t>
+            </a:r>
             <a:r>
               <a:rPr lang="ja-JP" altLang="en-US" dirty="0" smtClean="0">
                 <a:latin typeface="Hiragino Kaku Gothic ProN W6" charset="-128"/>
                 <a:ea typeface="Hiragino Kaku Gothic ProN W6" charset="-128"/>
                 <a:cs typeface="Hiragino Kaku Gothic ProN W6" charset="-128"/>
               </a:rPr>
-              <a:t>連続時間</a:t>
-            </a:r>
-            <a:r>
-              <a:rPr lang="en-US" altLang="ja-JP" dirty="0" smtClean="0">
-                <a:latin typeface="Hiragino Kaku Gothic ProN W6" charset="-128"/>
-                <a:ea typeface="Hiragino Kaku Gothic ProN W6" charset="-128"/>
-                <a:cs typeface="Hiragino Kaku Gothic ProN W6" charset="-128"/>
-              </a:rPr>
-              <a:t>t</a:t>
-            </a:r>
-            <a:r>
-              <a:rPr lang="ja-JP" altLang="en-US" dirty="0" smtClean="0">
-                <a:latin typeface="Hiragino Kaku Gothic ProN W6" charset="-128"/>
-                <a:ea typeface="Hiragino Kaku Gothic ProN W6" charset="-128"/>
-                <a:cs typeface="Hiragino Kaku Gothic ProN W6" charset="-128"/>
-              </a:rPr>
-              <a:t>のマルコフ過程を考える</a:t>
+              <a:t>法も導関数の級数展開を打ち切った形なので対数尤度の最急勾配の良い近似</a:t>
             </a:r>
             <a:endParaRPr lang="en-US" altLang="ja-JP" dirty="0" smtClean="0">
               <a:latin typeface="Hiragino Kaku Gothic ProN W6" charset="-128"/>
@@ -11736,17 +12214,28 @@
             </a:endParaRPr>
           </a:p>
           <a:p>
-            <a:pPr marL="457200" indent="-457200">
-              <a:buFont typeface="+mj-lt"/>
-              <a:buAutoNum type="arabicPeriod"/>
-            </a:pPr>
+            <a:endParaRPr kumimoji="1" lang="en-US" altLang="ja-JP" dirty="0">
+              <a:latin typeface="Hiragino Kaku Gothic ProN W6" charset="-128"/>
+              <a:ea typeface="Hiragino Kaku Gothic ProN W6" charset="-128"/>
+              <a:cs typeface="Hiragino Kaku Gothic ProN W6" charset="-128"/>
+            </a:endParaRPr>
+          </a:p>
+          <a:p>
+            <a:r>
+              <a:rPr kumimoji="1" lang="en-US" altLang="ja-JP" dirty="0" smtClean="0">
+                <a:latin typeface="Hiragino Kaku Gothic ProN W6" charset="-128"/>
+                <a:ea typeface="Hiragino Kaku Gothic ProN W6" charset="-128"/>
+                <a:cs typeface="Hiragino Kaku Gothic ProN W6" charset="-128"/>
+              </a:rPr>
+              <a:t>CD</a:t>
+            </a:r>
             <a:r>
               <a:rPr kumimoji="1" lang="ja-JP" altLang="en-US" dirty="0" smtClean="0">
                 <a:latin typeface="Hiragino Kaku Gothic ProN W6" charset="-128"/>
                 <a:ea typeface="Hiragino Kaku Gothic ProN W6" charset="-128"/>
                 <a:cs typeface="Hiragino Kaku Gothic ProN W6" charset="-128"/>
               </a:rPr>
-              <a:t>確率過程の定常分布を経験分布に近づける損失関数を導入</a:t>
+              <a:t>法をそもそも異なる損失関数を最適化する手法と解釈</a:t>
             </a:r>
             <a:endParaRPr kumimoji="1" lang="en-US" altLang="ja-JP" dirty="0" smtClean="0">
               <a:latin typeface="Hiragino Kaku Gothic ProN W6" charset="-128"/>
@@ -11755,39 +12244,48 @@
             </a:endParaRPr>
           </a:p>
           <a:p>
-            <a:pPr marL="457200" indent="-457200">
-              <a:buFont typeface="+mj-lt"/>
-              <a:buAutoNum type="arabicPeriod"/>
+            <a:pPr marL="0" indent="0">
+              <a:buNone/>
             </a:pPr>
-            <a:endParaRPr kumimoji="1" lang="en-US" altLang="ja-JP" dirty="0" smtClean="0">
-              <a:latin typeface="Hiragino Kaku Gothic ProN W6" charset="-128"/>
-              <a:ea typeface="Hiragino Kaku Gothic ProN W6" charset="-128"/>
-              <a:cs typeface="Hiragino Kaku Gothic ProN W6" charset="-128"/>
-            </a:endParaRPr>
-          </a:p>
-          <a:p>
-            <a:pPr marL="457200" indent="-457200">
-              <a:buFont typeface="+mj-lt"/>
-              <a:buAutoNum type="arabicPeriod"/>
-            </a:pPr>
-            <a:endParaRPr kumimoji="1" lang="en-US" altLang="ja-JP" dirty="0" smtClean="0">
-              <a:latin typeface="Hiragino Kaku Gothic ProN W6" charset="-128"/>
-              <a:ea typeface="Hiragino Kaku Gothic ProN W6" charset="-128"/>
-              <a:cs typeface="Hiragino Kaku Gothic ProN W6" charset="-128"/>
-            </a:endParaRPr>
-          </a:p>
-          <a:p>
-            <a:pPr marL="457200" indent="-457200">
-              <a:buFont typeface="+mj-lt"/>
-              <a:buAutoNum type="arabicPeriod"/>
-            </a:pPr>
             <a:r>
               <a:rPr lang="ja-JP" altLang="en-US" dirty="0" smtClean="0">
                 <a:latin typeface="Hiragino Kaku Gothic ProN W6" charset="-128"/>
                 <a:ea typeface="Hiragino Kaku Gothic ProN W6" charset="-128"/>
                 <a:cs typeface="Hiragino Kaku Gothic ProN W6" charset="-128"/>
               </a:rPr>
-              <a:t>詳細釣り合い条件と類似の制約下で損失関数を最小化</a:t>
+              <a:t>ギプスサンプリングを</a:t>
+            </a:r>
+            <a:r>
+              <a:rPr lang="en-US" altLang="ja-JP" dirty="0" smtClean="0">
+                <a:latin typeface="Hiragino Kaku Gothic ProN W6" charset="-128"/>
+                <a:ea typeface="Hiragino Kaku Gothic ProN W6" charset="-128"/>
+                <a:cs typeface="Hiragino Kaku Gothic ProN W6" charset="-128"/>
+              </a:rPr>
+              <a:t>k</a:t>
+            </a:r>
+            <a:r>
+              <a:rPr lang="ja-JP" altLang="en-US" dirty="0" smtClean="0">
+                <a:latin typeface="Hiragino Kaku Gothic ProN W6" charset="-128"/>
+                <a:ea typeface="Hiragino Kaku Gothic ProN W6" charset="-128"/>
+                <a:cs typeface="Hiragino Kaku Gothic ProN W6" charset="-128"/>
+              </a:rPr>
+              <a:t>回行った</a:t>
+            </a:r>
+            <a:r>
+              <a:rPr lang="en-US" altLang="ja-JP" dirty="0" smtClean="0">
+                <a:latin typeface="Hiragino Kaku Gothic ProN W6" charset="-128"/>
+                <a:ea typeface="Hiragino Kaku Gothic ProN W6" charset="-128"/>
+                <a:cs typeface="Hiragino Kaku Gothic ProN W6" charset="-128"/>
+              </a:rPr>
+              <a:t>CD-k</a:t>
+            </a:r>
+            <a:r>
+              <a:rPr lang="ja-JP" altLang="en-US" dirty="0" smtClean="0">
+                <a:latin typeface="Hiragino Kaku Gothic ProN W6" charset="-128"/>
+                <a:ea typeface="Hiragino Kaku Gothic ProN W6" charset="-128"/>
+                <a:cs typeface="Hiragino Kaku Gothic ProN W6" charset="-128"/>
+              </a:rPr>
+              <a:t>法の損失関数</a:t>
             </a:r>
             <a:endParaRPr lang="en-US" altLang="ja-JP" dirty="0" smtClean="0">
               <a:latin typeface="Hiragino Kaku Gothic ProN W6" charset="-128"/>
@@ -11796,10 +12294,6 @@
             </a:endParaRPr>
           </a:p>
           <a:p>
-            <a:pPr marL="457200" indent="-457200">
-              <a:buFont typeface="+mj-lt"/>
-              <a:buAutoNum type="arabicPeriod"/>
-            </a:pPr>
             <a:endParaRPr kumimoji="1" lang="ja-JP" altLang="en-US" dirty="0">
               <a:latin typeface="Hiragino Kaku Gothic ProN W6" charset="-128"/>
               <a:ea typeface="Hiragino Kaku Gothic ProN W6" charset="-128"/>
@@ -11810,7 +12304,7 @@
       </p:sp>
       <p:pic>
         <p:nvPicPr>
-          <p:cNvPr id="4" name="図 3"/>
+          <p:cNvPr id="5" name="図 4"/>
           <p:cNvPicPr>
             <a:picLocks noChangeAspect="1"/>
           </p:cNvPicPr>
@@ -11830,38 +12324,8 @@
         </p:blipFill>
         <p:spPr>
           <a:xfrm>
-            <a:off x="1460937" y="3825173"/>
-            <a:ext cx="5605720" cy="830318"/>
-          </a:xfrm>
-          <a:prstGeom prst="rect">
-            <a:avLst/>
-          </a:prstGeom>
-        </p:spPr>
-      </p:pic>
-      <p:pic>
-        <p:nvPicPr>
-          <p:cNvPr id="5" name="図 4"/>
-          <p:cNvPicPr>
-            <a:picLocks noChangeAspect="1"/>
-          </p:cNvPicPr>
-          <p:nvPr/>
-        </p:nvPicPr>
-        <p:blipFill>
-          <a:blip r:embed="rId3">
-            <a:extLst>
-              <a:ext uri="{28A0092B-C50C-407E-A947-70E740481C1C}">
-                <a14:useLocalDpi xmlns:a14="http://schemas.microsoft.com/office/drawing/2010/main" val="0"/>
-              </a:ext>
-            </a:extLst>
-          </a:blip>
-          <a:stretch>
-            <a:fillRect/>
-          </a:stretch>
-        </p:blipFill>
-        <p:spPr>
-          <a:xfrm>
-            <a:off x="1460937" y="5158198"/>
-            <a:ext cx="6758152" cy="777991"/>
+            <a:off x="680321" y="5004238"/>
+            <a:ext cx="10058400" cy="803411"/>
           </a:xfrm>
           <a:prstGeom prst="rect">
             <a:avLst/>
@@ -11871,7 +12335,7 @@
     </p:spTree>
     <p:extLst>
       <p:ext uri="{BB962C8B-B14F-4D97-AF65-F5344CB8AC3E}">
-        <p14:creationId xmlns:p14="http://schemas.microsoft.com/office/powerpoint/2010/main" val="355174065"/>
+        <p14:creationId xmlns:p14="http://schemas.microsoft.com/office/powerpoint/2010/main" val="679919611"/>
       </p:ext>
     </p:extLst>
   </p:cSld>

--- a/deep_learning3.4.pptx
+++ b/deep_learning3.4.pptx
@@ -22,8 +22,10 @@
     <p:sldId id="274" r:id="rId16"/>
     <p:sldId id="267" r:id="rId17"/>
     <p:sldId id="268" r:id="rId18"/>
-    <p:sldId id="269" r:id="rId19"/>
-    <p:sldId id="270" r:id="rId20"/>
+    <p:sldId id="275" r:id="rId19"/>
+    <p:sldId id="276" r:id="rId20"/>
+    <p:sldId id="269" r:id="rId21"/>
+    <p:sldId id="270" r:id="rId22"/>
   </p:sldIdLst>
   <p:sldSz cx="12192000" cy="6858000"/>
   <p:notesSz cx="6858000" cy="9144000"/>
@@ -9762,7 +9764,7 @@
           </a:p>
           <a:p>
             <a:r>
-              <a:rPr kumimoji="1" lang="ja-JP" altLang="en-US" smtClean="0">
+              <a:rPr kumimoji="1" lang="ja-JP" altLang="en-US" dirty="0" smtClean="0">
                 <a:latin typeface="Hiragino Kaku Gothic ProN W6" charset="-128"/>
                 <a:ea typeface="Hiragino Kaku Gothic ProN W6" charset="-128"/>
                 <a:cs typeface="Hiragino Kaku Gothic ProN W6" charset="-128"/>
@@ -9856,7 +9858,12 @@
             <p:ph idx="1"/>
           </p:nvPr>
         </p:nvSpPr>
-        <p:spPr/>
+        <p:spPr>
+          <a:xfrm>
+            <a:off x="680321" y="2336873"/>
+            <a:ext cx="9613861" cy="3599316"/>
+          </a:xfrm>
+        </p:spPr>
         <p:txBody>
           <a:bodyPr/>
           <a:lstStyle/>
@@ -9867,7 +9874,23 @@
                 <a:ea typeface="Hiragino Kaku Gothic ProN W6" charset="-128"/>
                 <a:cs typeface="Hiragino Kaku Gothic ProN W6" charset="-128"/>
               </a:rPr>
-              <a:t>事前学習は後の深層</a:t>
+              <a:t>事前学習</a:t>
+            </a:r>
+            <a:r>
+              <a:rPr kumimoji="1" lang="ja-JP" altLang="en-US" dirty="0" smtClean="0">
+                <a:latin typeface="Hiragino Kaku Gothic ProN W6" charset="-128"/>
+                <a:ea typeface="Hiragino Kaku Gothic ProN W6" charset="-128"/>
+                <a:cs typeface="Hiragino Kaku Gothic ProN W6" charset="-128"/>
+              </a:rPr>
+              <a:t>は次元削減によって後</a:t>
+            </a:r>
+            <a:r>
+              <a:rPr kumimoji="1" lang="ja-JP" altLang="en-US" dirty="0" smtClean="0">
+                <a:latin typeface="Hiragino Kaku Gothic ProN W6" charset="-128"/>
+                <a:ea typeface="Hiragino Kaku Gothic ProN W6" charset="-128"/>
+                <a:cs typeface="Hiragino Kaku Gothic ProN W6" charset="-128"/>
+              </a:rPr>
+              <a:t>の深層</a:t>
             </a:r>
             <a:r>
               <a:rPr kumimoji="1" lang="en-US" altLang="ja-JP" dirty="0" smtClean="0">
@@ -9898,7 +9921,63 @@
                 <a:ea typeface="Hiragino Kaku Gothic ProN W6" charset="-128"/>
                 <a:cs typeface="Hiragino Kaku Gothic ProN W6" charset="-128"/>
               </a:rPr>
-              <a:t>確率的なモデルは，確定的な教師あり学習の損失関数とは間接的</a:t>
+              <a:t>確率的な</a:t>
+            </a:r>
+            <a:r>
+              <a:rPr lang="ja-JP" altLang="en-US" dirty="0" smtClean="0">
+                <a:latin typeface="Hiragino Kaku Gothic ProN W6" charset="-128"/>
+                <a:ea typeface="Hiragino Kaku Gothic ProN W6" charset="-128"/>
+                <a:cs typeface="Hiragino Kaku Gothic ProN W6" charset="-128"/>
+              </a:rPr>
+              <a:t>モデル</a:t>
+            </a:r>
+            <a:r>
+              <a:rPr lang="en-US" altLang="ja-JP" dirty="0" smtClean="0">
+                <a:latin typeface="Hiragino Kaku Gothic ProN W6" charset="-128"/>
+                <a:ea typeface="Hiragino Kaku Gothic ProN W6" charset="-128"/>
+                <a:cs typeface="Hiragino Kaku Gothic ProN W6" charset="-128"/>
+              </a:rPr>
+              <a:t>EFH</a:t>
+            </a:r>
+            <a:r>
+              <a:rPr lang="ja-JP" altLang="en-US" dirty="0" smtClean="0">
+                <a:latin typeface="Hiragino Kaku Gothic ProN W6" charset="-128"/>
+                <a:ea typeface="Hiragino Kaku Gothic ProN W6" charset="-128"/>
+                <a:cs typeface="Hiragino Kaku Gothic ProN W6" charset="-128"/>
+              </a:rPr>
+              <a:t>は，</a:t>
+            </a:r>
+            <a:r>
+              <a:rPr lang="ja-JP" altLang="en-US" dirty="0" smtClean="0">
+                <a:latin typeface="Hiragino Kaku Gothic ProN W6" charset="-128"/>
+                <a:ea typeface="Hiragino Kaku Gothic ProN W6" charset="-128"/>
+                <a:cs typeface="Hiragino Kaku Gothic ProN W6" charset="-128"/>
+              </a:rPr>
+              <a:t>決定論</a:t>
+            </a:r>
+            <a:r>
+              <a:rPr lang="ja-JP" altLang="en-US" dirty="0" smtClean="0">
+                <a:latin typeface="Hiragino Kaku Gothic ProN W6" charset="-128"/>
+                <a:ea typeface="Hiragino Kaku Gothic ProN W6" charset="-128"/>
+                <a:cs typeface="Hiragino Kaku Gothic ProN W6" charset="-128"/>
+              </a:rPr>
+              <a:t>的</a:t>
+            </a:r>
+            <a:r>
+              <a:rPr lang="ja-JP" altLang="en-US" dirty="0" smtClean="0">
+                <a:latin typeface="Hiragino Kaku Gothic ProN W6" charset="-128"/>
+                <a:ea typeface="Hiragino Kaku Gothic ProN W6" charset="-128"/>
+                <a:cs typeface="Hiragino Kaku Gothic ProN W6" charset="-128"/>
+              </a:rPr>
+              <a:t>な教師あり学習の損失関数とは</a:t>
+            </a:r>
+            <a:r>
+              <a:rPr lang="ja-JP" altLang="en-US" dirty="0" smtClean="0">
+                <a:latin typeface="Hiragino Kaku Gothic ProN W6" charset="-128"/>
+                <a:ea typeface="Hiragino Kaku Gothic ProN W6" charset="-128"/>
+                <a:cs typeface="Hiragino Kaku Gothic ProN W6" charset="-128"/>
+              </a:rPr>
+              <a:t>間接的関係</a:t>
             </a:r>
             <a:endParaRPr lang="en-US" altLang="ja-JP" dirty="0" smtClean="0">
               <a:latin typeface="Hiragino Kaku Gothic ProN W6" charset="-128"/>
@@ -9908,12 +9987,36 @@
           </a:p>
           <a:p>
             <a:r>
+              <a:rPr lang="ja-JP" altLang="en-US" dirty="0" smtClean="0">
+                <a:latin typeface="Hiragino Kaku Gothic ProN W6" charset="-128"/>
+                <a:ea typeface="Hiragino Kaku Gothic ProN W6" charset="-128"/>
+                <a:cs typeface="Hiragino Kaku Gothic ProN W6" charset="-128"/>
+              </a:rPr>
+              <a:t>確定</a:t>
+            </a:r>
+            <a:r>
               <a:rPr kumimoji="1" lang="ja-JP" altLang="en-US" dirty="0" smtClean="0">
                 <a:latin typeface="Hiragino Kaku Gothic ProN W6" charset="-128"/>
                 <a:ea typeface="Hiragino Kaku Gothic ProN W6" charset="-128"/>
                 <a:cs typeface="Hiragino Kaku Gothic ProN W6" charset="-128"/>
               </a:rPr>
-              <a:t>確率的なモデルは直接的</a:t>
+              <a:t>的</a:t>
+            </a:r>
+            <a:r>
+              <a:rPr kumimoji="1" lang="ja-JP" altLang="en-US" dirty="0" smtClean="0">
+                <a:latin typeface="Hiragino Kaku Gothic ProN W6" charset="-128"/>
+                <a:ea typeface="Hiragino Kaku Gothic ProN W6" charset="-128"/>
+                <a:cs typeface="Hiragino Kaku Gothic ProN W6" charset="-128"/>
+              </a:rPr>
+              <a:t>なモデルは</a:t>
+            </a:r>
+            <a:r>
+              <a:rPr kumimoji="1" lang="ja-JP" altLang="en-US" dirty="0" smtClean="0">
+                <a:latin typeface="Hiragino Kaku Gothic ProN W6" charset="-128"/>
+                <a:ea typeface="Hiragino Kaku Gothic ProN W6" charset="-128"/>
+                <a:cs typeface="Hiragino Kaku Gothic ProN W6" charset="-128"/>
+              </a:rPr>
+              <a:t>直接的関係があり，それを用いた事前学習がある</a:t>
             </a:r>
             <a:endParaRPr kumimoji="1" lang="en-US" altLang="ja-JP" dirty="0" smtClean="0">
               <a:latin typeface="Hiragino Kaku Gothic ProN W6" charset="-128"/>
@@ -10065,15 +10168,158 @@
             <p:ph idx="1"/>
           </p:nvPr>
         </p:nvSpPr>
-        <p:spPr/>
+        <p:spPr>
+          <a:xfrm>
+            <a:off x="680321" y="2336873"/>
+            <a:ext cx="6855595" cy="3599316"/>
+          </a:xfrm>
+        </p:spPr>
         <p:txBody>
           <a:bodyPr/>
           <a:lstStyle/>
           <a:p>
-            <a:endParaRPr kumimoji="1" lang="ja-JP" altLang="en-US" dirty="0"/>
-          </a:p>
-        </p:txBody>
-      </p:sp>
+            <a:r>
+              <a:rPr kumimoji="1" lang="ja-JP" altLang="en-US" dirty="0" smtClean="0">
+                <a:latin typeface="Hiragino Kaku Gothic ProN W6" charset="-128"/>
+                <a:ea typeface="Hiragino Kaku Gothic ProN W6" charset="-128"/>
+                <a:cs typeface="Hiragino Kaku Gothic ProN W6" charset="-128"/>
+              </a:rPr>
+              <a:t>積層自己符号化器による事前学習</a:t>
+            </a:r>
+            <a:endParaRPr kumimoji="1" lang="en-US" altLang="ja-JP" dirty="0" smtClean="0">
+              <a:latin typeface="Hiragino Kaku Gothic ProN W6" charset="-128"/>
+              <a:ea typeface="Hiragino Kaku Gothic ProN W6" charset="-128"/>
+              <a:cs typeface="Hiragino Kaku Gothic ProN W6" charset="-128"/>
+            </a:endParaRPr>
+          </a:p>
+          <a:p>
+            <a:pPr lvl="1"/>
+            <a:r>
+              <a:rPr lang="ja-JP" altLang="en-US" dirty="0" smtClean="0">
+                <a:latin typeface="Hiragino Kaku Gothic ProN W6" charset="-128"/>
+                <a:ea typeface="Hiragino Kaku Gothic ProN W6" charset="-128"/>
+                <a:cs typeface="Hiragino Kaku Gothic ProN W6" charset="-128"/>
+              </a:rPr>
+              <a:t>二層ごとに自己符号化器を学習</a:t>
+            </a:r>
+            <a:endParaRPr kumimoji="1" lang="en-US" altLang="ja-JP" dirty="0" smtClean="0">
+              <a:latin typeface="Hiragino Kaku Gothic ProN W6" charset="-128"/>
+              <a:ea typeface="Hiragino Kaku Gothic ProN W6" charset="-128"/>
+              <a:cs typeface="Hiragino Kaku Gothic ProN W6" charset="-128"/>
+            </a:endParaRPr>
+          </a:p>
+          <a:p>
+            <a:pPr lvl="1"/>
+            <a:r>
+              <a:rPr lang="en-US" altLang="ja-JP" dirty="0" smtClean="0">
+                <a:latin typeface="Hiragino Kaku Gothic ProN W6" charset="-128"/>
+                <a:ea typeface="Hiragino Kaku Gothic ProN W6" charset="-128"/>
+                <a:cs typeface="Hiragino Kaku Gothic ProN W6" charset="-128"/>
+              </a:rPr>
+              <a:t>EFH</a:t>
+            </a:r>
+            <a:r>
+              <a:rPr lang="ja-JP" altLang="en-US" dirty="0" smtClean="0">
+                <a:latin typeface="Hiragino Kaku Gothic ProN W6" charset="-128"/>
+                <a:ea typeface="Hiragino Kaku Gothic ProN W6" charset="-128"/>
+                <a:cs typeface="Hiragino Kaku Gothic ProN W6" charset="-128"/>
+              </a:rPr>
+              <a:t>の対数尤度の勾配法による学習則として，</a:t>
+            </a:r>
+            <a:r>
+              <a:rPr lang="en-US" altLang="ja-JP" dirty="0" smtClean="0">
+                <a:latin typeface="Hiragino Kaku Gothic ProN W6" charset="-128"/>
+                <a:ea typeface="Hiragino Kaku Gothic ProN W6" charset="-128"/>
+                <a:cs typeface="Hiragino Kaku Gothic ProN W6" charset="-128"/>
+              </a:rPr>
+              <a:t>CD</a:t>
+            </a:r>
+            <a:r>
+              <a:rPr lang="ja-JP" altLang="en-US" dirty="0" smtClean="0">
+                <a:latin typeface="Hiragino Kaku Gothic ProN W6" charset="-128"/>
+                <a:ea typeface="Hiragino Kaku Gothic ProN W6" charset="-128"/>
+                <a:cs typeface="Hiragino Kaku Gothic ProN W6" charset="-128"/>
+              </a:rPr>
+              <a:t>法と比べると，展開が一つ少なく，平均場近似が適用されておらず，劣る</a:t>
+            </a:r>
+            <a:endParaRPr lang="en-US" altLang="ja-JP" dirty="0" smtClean="0">
+              <a:latin typeface="Hiragino Kaku Gothic ProN W6" charset="-128"/>
+              <a:ea typeface="Hiragino Kaku Gothic ProN W6" charset="-128"/>
+              <a:cs typeface="Hiragino Kaku Gothic ProN W6" charset="-128"/>
+            </a:endParaRPr>
+          </a:p>
+          <a:p>
+            <a:pPr lvl="1"/>
+            <a:r>
+              <a:rPr kumimoji="1" lang="ja-JP" altLang="en-US" dirty="0" smtClean="0">
+                <a:latin typeface="Hiragino Kaku Gothic ProN W6" charset="-128"/>
+                <a:ea typeface="Hiragino Kaku Gothic ProN W6" charset="-128"/>
+                <a:cs typeface="Hiragino Kaku Gothic ProN W6" charset="-128"/>
+              </a:rPr>
+              <a:t>計算機実験</a:t>
+            </a:r>
+            <a:r>
+              <a:rPr lang="ja-JP" altLang="en-US" dirty="0" smtClean="0">
+                <a:latin typeface="Hiragino Kaku Gothic ProN W6" charset="-128"/>
+                <a:ea typeface="Hiragino Kaku Gothic ProN W6" charset="-128"/>
+                <a:cs typeface="Hiragino Kaku Gothic ProN W6" charset="-128"/>
+              </a:rPr>
+              <a:t>でも</a:t>
+            </a:r>
+            <a:r>
+              <a:rPr kumimoji="1" lang="en-US" altLang="ja-JP" dirty="0" smtClean="0">
+                <a:latin typeface="Hiragino Kaku Gothic ProN W6" charset="-128"/>
+                <a:ea typeface="Hiragino Kaku Gothic ProN W6" charset="-128"/>
+                <a:cs typeface="Hiragino Kaku Gothic ProN W6" charset="-128"/>
+              </a:rPr>
+              <a:t>CD</a:t>
+            </a:r>
+            <a:r>
+              <a:rPr kumimoji="1" lang="ja-JP" altLang="en-US" dirty="0" smtClean="0">
+                <a:latin typeface="Hiragino Kaku Gothic ProN W6" charset="-128"/>
+                <a:ea typeface="Hiragino Kaku Gothic ProN W6" charset="-128"/>
+                <a:cs typeface="Hiragino Kaku Gothic ProN W6" charset="-128"/>
+              </a:rPr>
+              <a:t>法と同等か少し劣る</a:t>
+            </a:r>
+            <a:endParaRPr kumimoji="1" lang="ja-JP" altLang="en-US" dirty="0">
+              <a:latin typeface="Hiragino Kaku Gothic ProN W6" charset="-128"/>
+              <a:ea typeface="Hiragino Kaku Gothic ProN W6" charset="-128"/>
+              <a:cs typeface="Hiragino Kaku Gothic ProN W6" charset="-128"/>
+            </a:endParaRPr>
+          </a:p>
+        </p:txBody>
+      </p:sp>
+      <p:pic>
+        <p:nvPicPr>
+          <p:cNvPr id="4" name="図 3"/>
+          <p:cNvPicPr>
+            <a:picLocks noChangeAspect="1"/>
+          </p:cNvPicPr>
+          <p:nvPr/>
+        </p:nvPicPr>
+        <p:blipFill>
+          <a:blip r:embed="rId2">
+            <a:extLst>
+              <a:ext uri="{28A0092B-C50C-407E-A947-70E740481C1C}">
+                <a14:useLocalDpi xmlns:a14="http://schemas.microsoft.com/office/drawing/2010/main" val="0"/>
+              </a:ext>
+            </a:extLst>
+          </a:blip>
+          <a:stretch>
+            <a:fillRect/>
+          </a:stretch>
+        </p:blipFill>
+        <p:spPr>
+          <a:xfrm>
+            <a:off x="7535916" y="1974926"/>
+            <a:ext cx="4656083" cy="4883074"/>
+          </a:xfrm>
+          <a:prstGeom prst="rect">
+            <a:avLst/>
+          </a:prstGeom>
+        </p:spPr>
+      </p:pic>
     </p:spTree>
     <p:extLst>
       <p:ext uri="{BB962C8B-B14F-4D97-AF65-F5344CB8AC3E}">
@@ -10120,45 +10366,18 @@
           <a:lstStyle/>
           <a:p>
             <a:r>
-              <a:rPr lang="en-US" altLang="ja-JP" dirty="0" smtClean="0">
-                <a:latin typeface="Hiragino Kaku Gothic ProN W6" charset="-128"/>
-                <a:ea typeface="Hiragino Kaku Gothic ProN W6" charset="-128"/>
-                <a:cs typeface="Hiragino Kaku Gothic ProN W6" charset="-128"/>
-              </a:rPr>
-              <a:t>3.5.2</a:t>
-            </a:r>
-            <a:r>
-              <a:rPr lang="en-US" altLang="ja-JP" dirty="0">
-                <a:latin typeface="Hiragino Kaku Gothic ProN W6" charset="-128"/>
-                <a:ea typeface="Hiragino Kaku Gothic ProN W6" charset="-128"/>
-                <a:cs typeface="Hiragino Kaku Gothic ProN W6" charset="-128"/>
-              </a:rPr>
-              <a:t/>
-            </a:r>
-            <a:br>
-              <a:rPr lang="en-US" altLang="ja-JP" dirty="0">
-                <a:latin typeface="Hiragino Kaku Gothic ProN W6" charset="-128"/>
-                <a:ea typeface="Hiragino Kaku Gothic ProN W6" charset="-128"/>
-                <a:cs typeface="Hiragino Kaku Gothic ProN W6" charset="-128"/>
-              </a:rPr>
-            </a:br>
-            <a:r>
-              <a:rPr lang="ja-JP" altLang="en-US" dirty="0" smtClean="0">
-                <a:latin typeface="Hiragino Kaku Gothic ProN W6" charset="-128"/>
-                <a:ea typeface="Hiragino Kaku Gothic ProN W6" charset="-128"/>
-                <a:cs typeface="Hiragino Kaku Gothic ProN W6" charset="-128"/>
-              </a:rPr>
-              <a:t>教師あり学習</a:t>
-            </a:r>
-            <a:r>
-              <a:rPr lang="ja-JP" altLang="en-US" dirty="0">
-                <a:latin typeface="Hiragino Kaku Gothic ProN W6" charset="-128"/>
-                <a:ea typeface="Hiragino Kaku Gothic ProN W6" charset="-128"/>
-                <a:cs typeface="Hiragino Kaku Gothic ProN W6" charset="-128"/>
-              </a:rPr>
-              <a:t>による確定的なモデルの学習</a:t>
-            </a:r>
-            <a:endParaRPr kumimoji="1" lang="ja-JP" altLang="en-US" dirty="0"/>
+              <a:rPr kumimoji="1" lang="ja-JP" altLang="en-US" dirty="0" smtClean="0">
+                <a:latin typeface="Hiragino Kaku Gothic ProN W6" charset="-128"/>
+                <a:ea typeface="Hiragino Kaku Gothic ProN W6" charset="-128"/>
+                <a:cs typeface="Hiragino Kaku Gothic ProN W6" charset="-128"/>
+              </a:rPr>
+              <a:t>雑音除去自己符号化器による事前学習</a:t>
+            </a:r>
+            <a:endParaRPr kumimoji="1" lang="ja-JP" altLang="en-US" dirty="0">
+              <a:latin typeface="Hiragino Kaku Gothic ProN W6" charset="-128"/>
+              <a:ea typeface="Hiragino Kaku Gothic ProN W6" charset="-128"/>
+              <a:cs typeface="Hiragino Kaku Gothic ProN W6" charset="-128"/>
+            </a:endParaRPr>
           </a:p>
         </p:txBody>
       </p:sp>
@@ -10177,14 +10396,182 @@
           <a:bodyPr/>
           <a:lstStyle/>
           <a:p>
-            <a:endParaRPr kumimoji="1" lang="ja-JP" altLang="en-US"/>
+            <a:r>
+              <a:rPr kumimoji="1" lang="ja-JP" altLang="en-US" dirty="0" smtClean="0">
+                <a:latin typeface="Hiragino Kaku Gothic ProN W6" charset="-128"/>
+                <a:ea typeface="Hiragino Kaku Gothic ProN W6" charset="-128"/>
+                <a:cs typeface="Hiragino Kaku Gothic ProN W6" charset="-128"/>
+              </a:rPr>
+              <a:t>自己符号化器の入力：観測データ</a:t>
+            </a:r>
+            <a:r>
+              <a:rPr kumimoji="1" lang="en-US" altLang="ja-JP" dirty="0" smtClean="0">
+                <a:latin typeface="Hiragino Kaku Gothic ProN W6" charset="-128"/>
+                <a:ea typeface="Hiragino Kaku Gothic ProN W6" charset="-128"/>
+                <a:cs typeface="Hiragino Kaku Gothic ProN W6" charset="-128"/>
+              </a:rPr>
+              <a:t>x</a:t>
+            </a:r>
+            <a:r>
+              <a:rPr kumimoji="1" lang="ja-JP" altLang="en-US" dirty="0" smtClean="0">
+                <a:latin typeface="Hiragino Kaku Gothic ProN W6" charset="-128"/>
+                <a:ea typeface="Hiragino Kaku Gothic ProN W6" charset="-128"/>
+                <a:cs typeface="Hiragino Kaku Gothic ProN W6" charset="-128"/>
+              </a:rPr>
+              <a:t>にノイズを加えた</a:t>
+            </a:r>
+            <a:r>
+              <a:rPr kumimoji="1" lang="en-US" altLang="ja-JP" dirty="0" smtClean="0">
+                <a:latin typeface="Hiragino Kaku Gothic ProN W6" charset="-128"/>
+                <a:ea typeface="Hiragino Kaku Gothic ProN W6" charset="-128"/>
+                <a:cs typeface="Hiragino Kaku Gothic ProN W6" charset="-128"/>
+              </a:rPr>
+              <a:t>x~</a:t>
+            </a:r>
+            <a:endParaRPr lang="en-US" altLang="ja-JP" dirty="0">
+              <a:latin typeface="Hiragino Kaku Gothic ProN W6" charset="-128"/>
+              <a:ea typeface="Hiragino Kaku Gothic ProN W6" charset="-128"/>
+              <a:cs typeface="Hiragino Kaku Gothic ProN W6" charset="-128"/>
+            </a:endParaRPr>
+          </a:p>
+          <a:p>
+            <a:r>
+              <a:rPr kumimoji="1" lang="ja-JP" altLang="en-US" dirty="0" smtClean="0">
+                <a:latin typeface="Hiragino Kaku Gothic ProN W6" charset="-128"/>
+                <a:ea typeface="Hiragino Kaku Gothic ProN W6" charset="-128"/>
+                <a:cs typeface="Hiragino Kaku Gothic ProN W6" charset="-128"/>
+              </a:rPr>
+              <a:t>教師信号：</a:t>
+            </a:r>
+            <a:r>
+              <a:rPr kumimoji="1" lang="en-US" altLang="ja-JP" dirty="0" smtClean="0">
+                <a:latin typeface="Hiragino Kaku Gothic ProN W6" charset="-128"/>
+                <a:ea typeface="Hiragino Kaku Gothic ProN W6" charset="-128"/>
+                <a:cs typeface="Hiragino Kaku Gothic ProN W6" charset="-128"/>
+              </a:rPr>
+              <a:t>x</a:t>
+            </a:r>
+          </a:p>
+          <a:p>
+            <a:r>
+              <a:rPr lang="en-US" altLang="ja-JP" dirty="0">
+                <a:latin typeface="Hiragino Kaku Gothic ProN W6" charset="-128"/>
+                <a:ea typeface="Hiragino Kaku Gothic ProN W6" charset="-128"/>
+                <a:cs typeface="Hiragino Kaku Gothic ProN W6" charset="-128"/>
+              </a:rPr>
+              <a:t>x</a:t>
+            </a:r>
+            <a:r>
+              <a:rPr kumimoji="1" lang="ja-JP" altLang="en-US" dirty="0" smtClean="0">
+                <a:latin typeface="Hiragino Kaku Gothic ProN W6" charset="-128"/>
+                <a:ea typeface="Hiragino Kaku Gothic ProN W6" charset="-128"/>
+                <a:cs typeface="Hiragino Kaku Gothic ProN W6" charset="-128"/>
+              </a:rPr>
+              <a:t>を復元するように学習→より効果的な特徴</a:t>
+            </a:r>
+            <a:endParaRPr kumimoji="1" lang="en-US" altLang="ja-JP" dirty="0" smtClean="0">
+              <a:latin typeface="Hiragino Kaku Gothic ProN W6" charset="-128"/>
+              <a:ea typeface="Hiragino Kaku Gothic ProN W6" charset="-128"/>
+              <a:cs typeface="Hiragino Kaku Gothic ProN W6" charset="-128"/>
+            </a:endParaRPr>
+          </a:p>
+          <a:p>
+            <a:endParaRPr lang="en-US" altLang="ja-JP" dirty="0">
+              <a:latin typeface="Hiragino Kaku Gothic ProN W6" charset="-128"/>
+              <a:ea typeface="Hiragino Kaku Gothic ProN W6" charset="-128"/>
+              <a:cs typeface="Hiragino Kaku Gothic ProN W6" charset="-128"/>
+            </a:endParaRPr>
+          </a:p>
+          <a:p>
+            <a:pPr marL="0" indent="0">
+              <a:buNone/>
+            </a:pPr>
+            <a:r>
+              <a:rPr kumimoji="1" lang="ja-JP" altLang="en-US" dirty="0" smtClean="0">
+                <a:latin typeface="Hiragino Kaku Gothic ProN W6" charset="-128"/>
+                <a:ea typeface="Hiragino Kaku Gothic ProN W6" charset="-128"/>
+                <a:cs typeface="Hiragino Kaku Gothic ProN W6" charset="-128"/>
+              </a:rPr>
+              <a:t>ノイズ</a:t>
+            </a:r>
+            <a:endParaRPr kumimoji="1" lang="en-US" altLang="ja-JP" dirty="0" smtClean="0">
+              <a:latin typeface="Hiragino Kaku Gothic ProN W6" charset="-128"/>
+              <a:ea typeface="Hiragino Kaku Gothic ProN W6" charset="-128"/>
+              <a:cs typeface="Hiragino Kaku Gothic ProN W6" charset="-128"/>
+            </a:endParaRPr>
+          </a:p>
+          <a:p>
+            <a:pPr lvl="1"/>
+            <a:r>
+              <a:rPr lang="ja-JP" altLang="en-US" dirty="0" smtClean="0">
+                <a:latin typeface="Hiragino Kaku Gothic ProN W6" charset="-128"/>
+                <a:ea typeface="Hiragino Kaku Gothic ProN W6" charset="-128"/>
+                <a:cs typeface="Hiragino Kaku Gothic ProN W6" charset="-128"/>
+              </a:rPr>
+              <a:t>欠落雑音：ランダムに値をゼロにする</a:t>
+            </a:r>
+            <a:endParaRPr lang="en-US" altLang="ja-JP" dirty="0" smtClean="0">
+              <a:latin typeface="Hiragino Kaku Gothic ProN W6" charset="-128"/>
+              <a:ea typeface="Hiragino Kaku Gothic ProN W6" charset="-128"/>
+              <a:cs typeface="Hiragino Kaku Gothic ProN W6" charset="-128"/>
+            </a:endParaRPr>
+          </a:p>
+          <a:p>
+            <a:pPr lvl="1"/>
+            <a:r>
+              <a:rPr kumimoji="1" lang="ja-JP" altLang="en-US" dirty="0" smtClean="0">
+                <a:latin typeface="Hiragino Kaku Gothic ProN W6" charset="-128"/>
+                <a:ea typeface="Hiragino Kaku Gothic ProN W6" charset="-128"/>
+                <a:cs typeface="Hiragino Kaku Gothic ProN W6" charset="-128"/>
+              </a:rPr>
+              <a:t>ガウスノイズ</a:t>
+            </a:r>
+            <a:endParaRPr kumimoji="1" lang="en-US" altLang="ja-JP" dirty="0" smtClean="0">
+              <a:latin typeface="Hiragino Kaku Gothic ProN W6" charset="-128"/>
+              <a:ea typeface="Hiragino Kaku Gothic ProN W6" charset="-128"/>
+              <a:cs typeface="Hiragino Kaku Gothic ProN W6" charset="-128"/>
+            </a:endParaRPr>
+          </a:p>
+          <a:p>
+            <a:pPr lvl="1"/>
+            <a:r>
+              <a:rPr lang="ja-JP" altLang="en-US" dirty="0" smtClean="0">
+                <a:latin typeface="Hiragino Kaku Gothic ProN W6" charset="-128"/>
+                <a:ea typeface="Hiragino Kaku Gothic ProN W6" charset="-128"/>
+                <a:cs typeface="Hiragino Kaku Gothic ProN W6" charset="-128"/>
+              </a:rPr>
+              <a:t>ランダムノイズは観測データを擬似的に増やせる</a:t>
+            </a:r>
+            <a:endParaRPr lang="en-US" altLang="ja-JP" dirty="0" smtClean="0">
+              <a:latin typeface="Hiragino Kaku Gothic ProN W6" charset="-128"/>
+              <a:ea typeface="Hiragino Kaku Gothic ProN W6" charset="-128"/>
+              <a:cs typeface="Hiragino Kaku Gothic ProN W6" charset="-128"/>
+            </a:endParaRPr>
+          </a:p>
+          <a:p>
+            <a:pPr marL="457200" lvl="1" indent="0">
+              <a:buNone/>
+            </a:pPr>
+            <a:r>
+              <a:rPr kumimoji="1" lang="ja-JP" altLang="en-US" dirty="0" smtClean="0">
+                <a:latin typeface="Hiragino Kaku Gothic ProN W6" charset="-128"/>
+                <a:ea typeface="Hiragino Kaku Gothic ProN W6" charset="-128"/>
+                <a:cs typeface="Hiragino Kaku Gothic ProN W6" charset="-128"/>
+              </a:rPr>
+              <a:t>　　→その分の計算コストが増大</a:t>
+            </a:r>
+            <a:endParaRPr kumimoji="1" lang="en-US" altLang="ja-JP" dirty="0" smtClean="0">
+              <a:latin typeface="Hiragino Kaku Gothic ProN W6" charset="-128"/>
+              <a:ea typeface="Hiragino Kaku Gothic ProN W6" charset="-128"/>
+              <a:cs typeface="Hiragino Kaku Gothic ProN W6" charset="-128"/>
+            </a:endParaRPr>
           </a:p>
         </p:txBody>
       </p:sp>
     </p:spTree>
     <p:extLst>
       <p:ext uri="{BB962C8B-B14F-4D97-AF65-F5344CB8AC3E}">
-        <p14:creationId xmlns:p14="http://schemas.microsoft.com/office/powerpoint/2010/main" val="933420855"/>
+        <p14:creationId xmlns:p14="http://schemas.microsoft.com/office/powerpoint/2010/main" val="1159309982"/>
       </p:ext>
     </p:extLst>
   </p:cSld>
@@ -10227,52 +10614,12 @@
           <a:lstStyle/>
           <a:p>
             <a:r>
-              <a:rPr kumimoji="1" lang="en-US" altLang="ja-JP" dirty="0" smtClean="0">
-                <a:latin typeface="Hiragino Kaku Gothic ProN W6" charset="-128"/>
-                <a:ea typeface="Hiragino Kaku Gothic ProN W6" charset="-128"/>
-                <a:cs typeface="Hiragino Kaku Gothic ProN W6" charset="-128"/>
-              </a:rPr>
-              <a:t>3.6</a:t>
-            </a:r>
-            <a:r>
               <a:rPr kumimoji="1" lang="ja-JP" altLang="en-US" dirty="0" smtClean="0">
                 <a:latin typeface="Hiragino Kaku Gothic ProN W6" charset="-128"/>
                 <a:ea typeface="Hiragino Kaku Gothic ProN W6" charset="-128"/>
                 <a:cs typeface="Hiragino Kaku Gothic ProN W6" charset="-128"/>
               </a:rPr>
-              <a:t>　</a:t>
-            </a:r>
-            <a:r>
-              <a:rPr lang="en-US" altLang="ja-JP" dirty="0" err="1" smtClean="0">
-                <a:latin typeface="Hiragino Kaku Gothic ProN W6" charset="-128"/>
-                <a:ea typeface="Hiragino Kaku Gothic ProN W6" charset="-128"/>
-                <a:cs typeface="Hiragino Kaku Gothic ProN W6" charset="-128"/>
-              </a:rPr>
-              <a:t>PoE</a:t>
-            </a:r>
-            <a:r>
-              <a:rPr lang="ja-JP" altLang="en-US" dirty="0" smtClean="0">
-                <a:latin typeface="Hiragino Kaku Gothic ProN W6" charset="-128"/>
-                <a:ea typeface="Hiragino Kaku Gothic ProN W6" charset="-128"/>
-                <a:cs typeface="Hiragino Kaku Gothic ProN W6" charset="-128"/>
-              </a:rPr>
-              <a:t>の学習法としての</a:t>
-            </a:r>
-            <a:r>
-              <a:rPr lang="en-US" altLang="ja-JP" dirty="0" smtClean="0">
-                <a:latin typeface="Hiragino Kaku Gothic ProN W6" charset="-128"/>
-                <a:ea typeface="Hiragino Kaku Gothic ProN W6" charset="-128"/>
-                <a:cs typeface="Hiragino Kaku Gothic ProN W6" charset="-128"/>
-              </a:rPr>
-              <a:t>CD</a:t>
-            </a:r>
-            <a:r>
-              <a:rPr lang="ja-JP" altLang="en-US" dirty="0" smtClean="0">
-                <a:latin typeface="Hiragino Kaku Gothic ProN W6" charset="-128"/>
-                <a:ea typeface="Hiragino Kaku Gothic ProN W6" charset="-128"/>
-                <a:cs typeface="Hiragino Kaku Gothic ProN W6" charset="-128"/>
-              </a:rPr>
-              <a:t>法</a:t>
+              <a:t>周辺化雑音除去自己符号化器</a:t>
             </a:r>
             <a:endParaRPr kumimoji="1" lang="ja-JP" altLang="en-US" dirty="0">
               <a:latin typeface="Hiragino Kaku Gothic ProN W6" charset="-128"/>
@@ -10297,14 +10644,153 @@
           <a:bodyPr/>
           <a:lstStyle/>
           <a:p>
-            <a:endParaRPr kumimoji="1" lang="ja-JP" altLang="en-US"/>
+            <a:r>
+              <a:rPr lang="ja-JP" altLang="en-US" dirty="0" smtClean="0">
+                <a:latin typeface="Hiragino Kaku Gothic ProN W6" charset="-128"/>
+                <a:ea typeface="Hiragino Kaku Gothic ProN W6" charset="-128"/>
+                <a:cs typeface="Hiragino Kaku Gothic ProN W6" charset="-128"/>
+              </a:rPr>
+              <a:t>ノイズの計算コストの増大を解決する手法</a:t>
+            </a:r>
+            <a:endParaRPr lang="en-US" altLang="ja-JP" dirty="0" smtClean="0">
+              <a:latin typeface="Hiragino Kaku Gothic ProN W6" charset="-128"/>
+              <a:ea typeface="Hiragino Kaku Gothic ProN W6" charset="-128"/>
+              <a:cs typeface="Hiragino Kaku Gothic ProN W6" charset="-128"/>
+            </a:endParaRPr>
+          </a:p>
+          <a:p>
+            <a:r>
+              <a:rPr lang="ja-JP" altLang="en-US" dirty="0" smtClean="0">
+                <a:latin typeface="Hiragino Kaku Gothic ProN W6" charset="-128"/>
+                <a:ea typeface="Hiragino Kaku Gothic ProN W6" charset="-128"/>
+                <a:cs typeface="Hiragino Kaku Gothic ProN W6" charset="-128"/>
+              </a:rPr>
+              <a:t>ノイズの加わった入力</a:t>
+            </a:r>
+            <a:r>
+              <a:rPr lang="en-US" altLang="ja-JP" dirty="0" smtClean="0">
+                <a:latin typeface="Hiragino Kaku Gothic ProN W6" charset="-128"/>
+                <a:ea typeface="Hiragino Kaku Gothic ProN W6" charset="-128"/>
+                <a:cs typeface="Hiragino Kaku Gothic ProN W6" charset="-128"/>
+              </a:rPr>
+              <a:t>x~</a:t>
+            </a:r>
+            <a:r>
+              <a:rPr lang="ja-JP" altLang="en-US" dirty="0" smtClean="0">
+                <a:latin typeface="Hiragino Kaku Gothic ProN W6" charset="-128"/>
+                <a:ea typeface="Hiragino Kaku Gothic ProN W6" charset="-128"/>
+                <a:cs typeface="Hiragino Kaku Gothic ProN W6" charset="-128"/>
+              </a:rPr>
+              <a:t>の平均の周りで損失関数の二次のテイラー展開をとる→解析的な近似計算</a:t>
+            </a:r>
+            <a:endParaRPr lang="en-US" altLang="ja-JP" dirty="0" smtClean="0">
+              <a:latin typeface="Hiragino Kaku Gothic ProN W6" charset="-128"/>
+              <a:ea typeface="Hiragino Kaku Gothic ProN W6" charset="-128"/>
+              <a:cs typeface="Hiragino Kaku Gothic ProN W6" charset="-128"/>
+            </a:endParaRPr>
+          </a:p>
+          <a:p>
+            <a:r>
+              <a:rPr lang="ja-JP" altLang="en-US" dirty="0" smtClean="0">
+                <a:latin typeface="Hiragino Kaku Gothic ProN W6" charset="-128"/>
+                <a:ea typeface="Hiragino Kaku Gothic ProN W6" charset="-128"/>
+                <a:cs typeface="Hiragino Kaku Gothic ProN W6" charset="-128"/>
+              </a:rPr>
+              <a:t>不要になるもの</a:t>
+            </a:r>
+            <a:endParaRPr lang="en-US" altLang="ja-JP" dirty="0" smtClean="0">
+              <a:latin typeface="Hiragino Kaku Gothic ProN W6" charset="-128"/>
+              <a:ea typeface="Hiragino Kaku Gothic ProN W6" charset="-128"/>
+              <a:cs typeface="Hiragino Kaku Gothic ProN W6" charset="-128"/>
+            </a:endParaRPr>
+          </a:p>
+          <a:p>
+            <a:pPr lvl="1"/>
+            <a:r>
+              <a:rPr kumimoji="1" lang="ja-JP" altLang="en-US" dirty="0" smtClean="0">
+                <a:latin typeface="Hiragino Kaku Gothic ProN W6" charset="-128"/>
+                <a:ea typeface="Hiragino Kaku Gothic ProN W6" charset="-128"/>
+                <a:cs typeface="Hiragino Kaku Gothic ProN W6" charset="-128"/>
+              </a:rPr>
+              <a:t>ノイズデータを多数作らなくて良い</a:t>
+            </a:r>
+            <a:endParaRPr kumimoji="1" lang="en-US" altLang="ja-JP" dirty="0" smtClean="0">
+              <a:latin typeface="Hiragino Kaku Gothic ProN W6" charset="-128"/>
+              <a:ea typeface="Hiragino Kaku Gothic ProN W6" charset="-128"/>
+              <a:cs typeface="Hiragino Kaku Gothic ProN W6" charset="-128"/>
+            </a:endParaRPr>
+          </a:p>
+          <a:p>
+            <a:pPr lvl="1"/>
+            <a:r>
+              <a:rPr lang="ja-JP" altLang="en-US" dirty="0" smtClean="0">
+                <a:latin typeface="Hiragino Kaku Gothic ProN W6" charset="-128"/>
+                <a:ea typeface="Hiragino Kaku Gothic ProN W6" charset="-128"/>
+                <a:cs typeface="Hiragino Kaku Gothic ProN W6" charset="-128"/>
+              </a:rPr>
+              <a:t>入力データによるコスト関数やそのパラメータに関する導関数の平均の計算</a:t>
+            </a:r>
+            <a:endParaRPr lang="en-US" altLang="ja-JP" dirty="0">
+              <a:latin typeface="Hiragino Kaku Gothic ProN W6" charset="-128"/>
+              <a:ea typeface="Hiragino Kaku Gothic ProN W6" charset="-128"/>
+              <a:cs typeface="Hiragino Kaku Gothic ProN W6" charset="-128"/>
+            </a:endParaRPr>
+          </a:p>
+          <a:p>
+            <a:r>
+              <a:rPr kumimoji="1" lang="ja-JP" altLang="en-US" dirty="0" smtClean="0">
+                <a:latin typeface="Hiragino Kaku Gothic ProN W6" charset="-128"/>
+                <a:ea typeface="Hiragino Kaku Gothic ProN W6" charset="-128"/>
+                <a:cs typeface="Hiragino Kaku Gothic ProN W6" charset="-128"/>
+              </a:rPr>
+              <a:t>性能</a:t>
+            </a:r>
+            <a:r>
+              <a:rPr lang="ja-JP" altLang="en-US" dirty="0" smtClean="0">
+                <a:latin typeface="Hiragino Kaku Gothic ProN W6" charset="-128"/>
+                <a:ea typeface="Hiragino Kaku Gothic ProN W6" charset="-128"/>
+                <a:cs typeface="Hiragino Kaku Gothic ProN W6" charset="-128"/>
+              </a:rPr>
+              <a:t>が従来の雑音除去自己符号化器と同等か優れている</a:t>
+            </a:r>
+            <a:endParaRPr lang="en-US" altLang="ja-JP" dirty="0" smtClean="0">
+              <a:latin typeface="Hiragino Kaku Gothic ProN W6" charset="-128"/>
+              <a:ea typeface="Hiragino Kaku Gothic ProN W6" charset="-128"/>
+              <a:cs typeface="Hiragino Kaku Gothic ProN W6" charset="-128"/>
+            </a:endParaRPr>
+          </a:p>
+          <a:p>
+            <a:r>
+              <a:rPr kumimoji="1" lang="ja-JP" altLang="en-US" dirty="0" smtClean="0">
+                <a:latin typeface="Hiragino Kaku Gothic ProN W6" charset="-128"/>
+                <a:ea typeface="Hiragino Kaku Gothic ProN W6" charset="-128"/>
+                <a:cs typeface="Hiragino Kaku Gothic ProN W6" charset="-128"/>
+              </a:rPr>
+              <a:t>多層に積み重ねるときの性能向上が小さくなる</a:t>
+            </a:r>
+            <a:endParaRPr kumimoji="1" lang="en-US" altLang="ja-JP" dirty="0" smtClean="0">
+              <a:latin typeface="Hiragino Kaku Gothic ProN W6" charset="-128"/>
+              <a:ea typeface="Hiragino Kaku Gothic ProN W6" charset="-128"/>
+              <a:cs typeface="Hiragino Kaku Gothic ProN W6" charset="-128"/>
+            </a:endParaRPr>
+          </a:p>
+          <a:p>
+            <a:pPr lvl="1"/>
+            <a:endParaRPr kumimoji="1" lang="en-US" altLang="ja-JP" dirty="0" smtClean="0">
+              <a:latin typeface="Hiragino Kaku Gothic ProN W6" charset="-128"/>
+              <a:ea typeface="Hiragino Kaku Gothic ProN W6" charset="-128"/>
+              <a:cs typeface="Hiragino Kaku Gothic ProN W6" charset="-128"/>
+            </a:endParaRPr>
+          </a:p>
+          <a:p>
+            <a:endParaRPr kumimoji="1" lang="ja-JP" altLang="en-US" dirty="0"/>
           </a:p>
         </p:txBody>
       </p:sp>
     </p:spTree>
     <p:extLst>
       <p:ext uri="{BB962C8B-B14F-4D97-AF65-F5344CB8AC3E}">
-        <p14:creationId xmlns:p14="http://schemas.microsoft.com/office/powerpoint/2010/main" val="1316789755"/>
+        <p14:creationId xmlns:p14="http://schemas.microsoft.com/office/powerpoint/2010/main" val="17825974"/>
       </p:ext>
     </p:extLst>
   </p:cSld>
@@ -10608,6 +11094,233 @@
 </p:sld>
 </file>
 
+<file path=ppt/slides/slide20.xml><?xml version="1.0" encoding="utf-8"?>
+<p:sld xmlns:a="http://schemas.openxmlformats.org/drawingml/2006/main" xmlns:r="http://schemas.openxmlformats.org/officeDocument/2006/relationships" xmlns:p="http://schemas.openxmlformats.org/presentationml/2006/main">
+  <p:cSld>
+    <p:spTree>
+      <p:nvGrpSpPr>
+        <p:cNvPr id="1" name=""/>
+        <p:cNvGrpSpPr/>
+        <p:nvPr/>
+      </p:nvGrpSpPr>
+      <p:grpSpPr>
+        <a:xfrm>
+          <a:off x="0" y="0"/>
+          <a:ext cx="0" cy="0"/>
+          <a:chOff x="0" y="0"/>
+          <a:chExt cx="0" cy="0"/>
+        </a:xfrm>
+      </p:grpSpPr>
+      <p:sp>
+        <p:nvSpPr>
+          <p:cNvPr id="2" name="タイトル 1"/>
+          <p:cNvSpPr>
+            <a:spLocks noGrp="1"/>
+          </p:cNvSpPr>
+          <p:nvPr>
+            <p:ph type="title"/>
+          </p:nvPr>
+        </p:nvSpPr>
+        <p:spPr/>
+        <p:txBody>
+          <a:bodyPr/>
+          <a:lstStyle/>
+          <a:p>
+            <a:r>
+              <a:rPr lang="en-US" altLang="ja-JP" dirty="0" smtClean="0">
+                <a:latin typeface="Hiragino Kaku Gothic ProN W6" charset="-128"/>
+                <a:ea typeface="Hiragino Kaku Gothic ProN W6" charset="-128"/>
+                <a:cs typeface="Hiragino Kaku Gothic ProN W6" charset="-128"/>
+              </a:rPr>
+              <a:t>3.5.2</a:t>
+            </a:r>
+            <a:r>
+              <a:rPr lang="en-US" altLang="ja-JP" dirty="0">
+                <a:latin typeface="Hiragino Kaku Gothic ProN W6" charset="-128"/>
+                <a:ea typeface="Hiragino Kaku Gothic ProN W6" charset="-128"/>
+                <a:cs typeface="Hiragino Kaku Gothic ProN W6" charset="-128"/>
+              </a:rPr>
+              <a:t/>
+            </a:r>
+            <a:br>
+              <a:rPr lang="en-US" altLang="ja-JP" dirty="0">
+                <a:latin typeface="Hiragino Kaku Gothic ProN W6" charset="-128"/>
+                <a:ea typeface="Hiragino Kaku Gothic ProN W6" charset="-128"/>
+                <a:cs typeface="Hiragino Kaku Gothic ProN W6" charset="-128"/>
+              </a:rPr>
+            </a:br>
+            <a:r>
+              <a:rPr lang="ja-JP" altLang="en-US" dirty="0" smtClean="0">
+                <a:latin typeface="Hiragino Kaku Gothic ProN W6" charset="-128"/>
+                <a:ea typeface="Hiragino Kaku Gothic ProN W6" charset="-128"/>
+                <a:cs typeface="Hiragino Kaku Gothic ProN W6" charset="-128"/>
+              </a:rPr>
+              <a:t>教師あり学習</a:t>
+            </a:r>
+            <a:r>
+              <a:rPr lang="ja-JP" altLang="en-US" dirty="0">
+                <a:latin typeface="Hiragino Kaku Gothic ProN W6" charset="-128"/>
+                <a:ea typeface="Hiragino Kaku Gothic ProN W6" charset="-128"/>
+                <a:cs typeface="Hiragino Kaku Gothic ProN W6" charset="-128"/>
+              </a:rPr>
+              <a:t>による確定的なモデルの学習</a:t>
+            </a:r>
+            <a:endParaRPr kumimoji="1" lang="ja-JP" altLang="en-US" dirty="0"/>
+          </a:p>
+        </p:txBody>
+      </p:sp>
+      <p:sp>
+        <p:nvSpPr>
+          <p:cNvPr id="3" name="コンテンツ プレースホルダー 2"/>
+          <p:cNvSpPr>
+            <a:spLocks noGrp="1"/>
+          </p:cNvSpPr>
+          <p:nvPr>
+            <p:ph idx="1"/>
+          </p:nvPr>
+        </p:nvSpPr>
+        <p:spPr/>
+        <p:txBody>
+          <a:bodyPr/>
+          <a:lstStyle/>
+          <a:p>
+            <a:endParaRPr kumimoji="1" lang="ja-JP" altLang="en-US"/>
+          </a:p>
+        </p:txBody>
+      </p:sp>
+    </p:spTree>
+    <p:extLst>
+      <p:ext uri="{BB962C8B-B14F-4D97-AF65-F5344CB8AC3E}">
+        <p14:creationId xmlns:p14="http://schemas.microsoft.com/office/powerpoint/2010/main" val="933420855"/>
+      </p:ext>
+    </p:extLst>
+  </p:cSld>
+  <p:clrMapOvr>
+    <a:masterClrMapping/>
+  </p:clrMapOvr>
+</p:sld>
+</file>
+
+<file path=ppt/slides/slide21.xml><?xml version="1.0" encoding="utf-8"?>
+<p:sld xmlns:a="http://schemas.openxmlformats.org/drawingml/2006/main" xmlns:r="http://schemas.openxmlformats.org/officeDocument/2006/relationships" xmlns:p="http://schemas.openxmlformats.org/presentationml/2006/main">
+  <p:cSld>
+    <p:spTree>
+      <p:nvGrpSpPr>
+        <p:cNvPr id="1" name=""/>
+        <p:cNvGrpSpPr/>
+        <p:nvPr/>
+      </p:nvGrpSpPr>
+      <p:grpSpPr>
+        <a:xfrm>
+          <a:off x="0" y="0"/>
+          <a:ext cx="0" cy="0"/>
+          <a:chOff x="0" y="0"/>
+          <a:chExt cx="0" cy="0"/>
+        </a:xfrm>
+      </p:grpSpPr>
+      <p:sp>
+        <p:nvSpPr>
+          <p:cNvPr id="2" name="タイトル 1"/>
+          <p:cNvSpPr>
+            <a:spLocks noGrp="1"/>
+          </p:cNvSpPr>
+          <p:nvPr>
+            <p:ph type="title"/>
+          </p:nvPr>
+        </p:nvSpPr>
+        <p:spPr/>
+        <p:txBody>
+          <a:bodyPr/>
+          <a:lstStyle/>
+          <a:p>
+            <a:r>
+              <a:rPr kumimoji="1" lang="en-US" altLang="ja-JP" dirty="0" smtClean="0">
+                <a:latin typeface="Hiragino Kaku Gothic ProN W6" charset="-128"/>
+                <a:ea typeface="Hiragino Kaku Gothic ProN W6" charset="-128"/>
+                <a:cs typeface="Hiragino Kaku Gothic ProN W6" charset="-128"/>
+              </a:rPr>
+              <a:t>3.6</a:t>
+            </a:r>
+            <a:r>
+              <a:rPr kumimoji="1" lang="ja-JP" altLang="en-US" dirty="0" smtClean="0">
+                <a:latin typeface="Hiragino Kaku Gothic ProN W6" charset="-128"/>
+                <a:ea typeface="Hiragino Kaku Gothic ProN W6" charset="-128"/>
+                <a:cs typeface="Hiragino Kaku Gothic ProN W6" charset="-128"/>
+              </a:rPr>
+              <a:t>　</a:t>
+            </a:r>
+            <a:r>
+              <a:rPr lang="en-US" altLang="ja-JP" dirty="0" err="1" smtClean="0">
+                <a:latin typeface="Hiragino Kaku Gothic ProN W6" charset="-128"/>
+                <a:ea typeface="Hiragino Kaku Gothic ProN W6" charset="-128"/>
+                <a:cs typeface="Hiragino Kaku Gothic ProN W6" charset="-128"/>
+              </a:rPr>
+              <a:t>PoE</a:t>
+            </a:r>
+            <a:r>
+              <a:rPr lang="ja-JP" altLang="en-US" dirty="0" smtClean="0">
+                <a:latin typeface="Hiragino Kaku Gothic ProN W6" charset="-128"/>
+                <a:ea typeface="Hiragino Kaku Gothic ProN W6" charset="-128"/>
+                <a:cs typeface="Hiragino Kaku Gothic ProN W6" charset="-128"/>
+              </a:rPr>
+              <a:t>の学習法としての</a:t>
+            </a:r>
+            <a:r>
+              <a:rPr lang="en-US" altLang="ja-JP" dirty="0" smtClean="0">
+                <a:latin typeface="Hiragino Kaku Gothic ProN W6" charset="-128"/>
+                <a:ea typeface="Hiragino Kaku Gothic ProN W6" charset="-128"/>
+                <a:cs typeface="Hiragino Kaku Gothic ProN W6" charset="-128"/>
+              </a:rPr>
+              <a:t>CD</a:t>
+            </a:r>
+            <a:r>
+              <a:rPr lang="ja-JP" altLang="en-US" dirty="0" smtClean="0">
+                <a:latin typeface="Hiragino Kaku Gothic ProN W6" charset="-128"/>
+                <a:ea typeface="Hiragino Kaku Gothic ProN W6" charset="-128"/>
+                <a:cs typeface="Hiragino Kaku Gothic ProN W6" charset="-128"/>
+              </a:rPr>
+              <a:t>法</a:t>
+            </a:r>
+            <a:endParaRPr kumimoji="1" lang="ja-JP" altLang="en-US" dirty="0">
+              <a:latin typeface="Hiragino Kaku Gothic ProN W6" charset="-128"/>
+              <a:ea typeface="Hiragino Kaku Gothic ProN W6" charset="-128"/>
+              <a:cs typeface="Hiragino Kaku Gothic ProN W6" charset="-128"/>
+            </a:endParaRPr>
+          </a:p>
+        </p:txBody>
+      </p:sp>
+      <p:sp>
+        <p:nvSpPr>
+          <p:cNvPr id="3" name="コンテンツ プレースホルダー 2"/>
+          <p:cNvSpPr>
+            <a:spLocks noGrp="1"/>
+          </p:cNvSpPr>
+          <p:nvPr>
+            <p:ph idx="1"/>
+          </p:nvPr>
+        </p:nvSpPr>
+        <p:spPr/>
+        <p:txBody>
+          <a:bodyPr/>
+          <a:lstStyle/>
+          <a:p>
+            <a:endParaRPr kumimoji="1" lang="ja-JP" altLang="en-US"/>
+          </a:p>
+        </p:txBody>
+      </p:sp>
+    </p:spTree>
+    <p:extLst>
+      <p:ext uri="{BB962C8B-B14F-4D97-AF65-F5344CB8AC3E}">
+        <p14:creationId xmlns:p14="http://schemas.microsoft.com/office/powerpoint/2010/main" val="1316789755"/>
+      </p:ext>
+    </p:extLst>
+  </p:cSld>
+  <p:clrMapOvr>
+    <a:masterClrMapping/>
+  </p:clrMapOvr>
+</p:sld>
+</file>
+
 <file path=ppt/slides/slide3.xml><?xml version="1.0" encoding="utf-8"?>
 <p:sld xmlns:a="http://schemas.openxmlformats.org/drawingml/2006/main" xmlns:r="http://schemas.openxmlformats.org/officeDocument/2006/relationships" xmlns:p="http://schemas.openxmlformats.org/presentationml/2006/main">
   <p:cSld>
@@ -10696,7 +11409,23 @@
                 <a:ea typeface="Hiragino Kaku Gothic ProN W6" charset="-128"/>
                 <a:cs typeface="Hiragino Kaku Gothic ProN W6" charset="-128"/>
               </a:rPr>
-              <a:t>を隣接二層ごとに分解</a:t>
+              <a:t>を</a:t>
+            </a:r>
+            <a:r>
+              <a:rPr lang="ja-JP" altLang="en-US" dirty="0" smtClean="0">
+                <a:latin typeface="Hiragino Kaku Gothic ProN W6" charset="-128"/>
+                <a:ea typeface="Hiragino Kaku Gothic ProN W6" charset="-128"/>
+                <a:cs typeface="Hiragino Kaku Gothic ProN W6" charset="-128"/>
+              </a:rPr>
+              <a:t>隣接二層</a:t>
+            </a:r>
+            <a:r>
+              <a:rPr lang="ja-JP" altLang="en-US" dirty="0">
+                <a:latin typeface="Hiragino Kaku Gothic ProN W6" charset="-128"/>
+                <a:ea typeface="Hiragino Kaku Gothic ProN W6" charset="-128"/>
+                <a:cs typeface="Hiragino Kaku Gothic ProN W6" charset="-128"/>
+              </a:rPr>
+              <a:t>ごとに分解</a:t>
             </a:r>
             <a:endParaRPr lang="en-US" altLang="ja-JP" dirty="0">
               <a:latin typeface="Hiragino Kaku Gothic ProN W6" charset="-128"/>
@@ -10706,12 +11435,12 @@
           </a:p>
           <a:p>
             <a:r>
-              <a:rPr lang="ja-JP" altLang="en-US" dirty="0">
-                <a:latin typeface="Hiragino Kaku Gothic ProN W6" charset="-128"/>
-                <a:ea typeface="Hiragino Kaku Gothic ProN W6" charset="-128"/>
-                <a:cs typeface="Hiragino Kaku Gothic ProN W6" charset="-128"/>
-              </a:rPr>
-              <a:t>二層で</a:t>
+              <a:rPr lang="ja-JP" altLang="en-US" dirty="0" smtClean="0">
+                <a:latin typeface="Hiragino Kaku Gothic ProN W6" charset="-128"/>
+                <a:ea typeface="Hiragino Kaku Gothic ProN W6" charset="-128"/>
+                <a:cs typeface="Hiragino Kaku Gothic ProN W6" charset="-128"/>
+              </a:rPr>
+              <a:t>二層間で</a:t>
             </a:r>
             <a:r>
               <a:rPr lang="en-US" altLang="ja-JP" dirty="0">
@@ -10755,6 +11484,36 @@
           </a:p>
         </p:txBody>
       </p:sp>
+      <p:pic>
+        <p:nvPicPr>
+          <p:cNvPr id="4" name="図 3"/>
+          <p:cNvPicPr>
+            <a:picLocks noChangeAspect="1"/>
+          </p:cNvPicPr>
+          <p:nvPr/>
+        </p:nvPicPr>
+        <p:blipFill>
+          <a:blip r:embed="rId2">
+            <a:extLst>
+              <a:ext uri="{28A0092B-C50C-407E-A947-70E740481C1C}">
+                <a14:useLocalDpi xmlns:a14="http://schemas.microsoft.com/office/drawing/2010/main" val="0"/>
+              </a:ext>
+            </a:extLst>
+          </a:blip>
+          <a:stretch>
+            <a:fillRect/>
+          </a:stretch>
+        </p:blipFill>
+        <p:spPr>
+          <a:xfrm>
+            <a:off x="6350878" y="1965434"/>
+            <a:ext cx="4915455" cy="4892565"/>
+          </a:xfrm>
+          <a:prstGeom prst="rect">
+            <a:avLst/>
+          </a:prstGeom>
+        </p:spPr>
+      </p:pic>
     </p:spTree>
     <p:extLst>
       <p:ext uri="{BB962C8B-B14F-4D97-AF65-F5344CB8AC3E}">

--- a/deep_learning3.4.pptx
+++ b/deep_learning3.4.pptx
@@ -24,8 +24,9 @@
     <p:sldId id="268" r:id="rId18"/>
     <p:sldId id="275" r:id="rId19"/>
     <p:sldId id="276" r:id="rId20"/>
-    <p:sldId id="269" r:id="rId21"/>
-    <p:sldId id="270" r:id="rId22"/>
+    <p:sldId id="277" r:id="rId21"/>
+    <p:sldId id="269" r:id="rId22"/>
+    <p:sldId id="270" r:id="rId23"/>
   </p:sldIdLst>
   <p:sldSz cx="12192000" cy="6858000"/>
   <p:notesSz cx="6858000" cy="9144000"/>
@@ -11127,6 +11128,94 @@
           <a:lstStyle/>
           <a:p>
             <a:r>
+              <a:rPr kumimoji="1" lang="ja-JP" altLang="en-US" dirty="0" smtClean="0">
+                <a:latin typeface="Hiragino Kaku Gothic ProN W6" charset="-128"/>
+                <a:ea typeface="Hiragino Kaku Gothic ProN W6" charset="-128"/>
+                <a:cs typeface="Hiragino Kaku Gothic ProN W6" charset="-128"/>
+              </a:rPr>
+              <a:t>その他の自己符号化器</a:t>
+            </a:r>
+            <a:r>
+              <a:rPr kumimoji="1" lang="ja-JP" altLang="en-US" smtClean="0">
+                <a:latin typeface="Hiragino Kaku Gothic ProN W6" charset="-128"/>
+                <a:ea typeface="Hiragino Kaku Gothic ProN W6" charset="-128"/>
+                <a:cs typeface="Hiragino Kaku Gothic ProN W6" charset="-128"/>
+              </a:rPr>
+              <a:t>による事前学習</a:t>
+            </a:r>
+            <a:endParaRPr kumimoji="1" lang="ja-JP" altLang="en-US" dirty="0">
+              <a:latin typeface="Hiragino Kaku Gothic ProN W6" charset="-128"/>
+              <a:ea typeface="Hiragino Kaku Gothic ProN W6" charset="-128"/>
+              <a:cs typeface="Hiragino Kaku Gothic ProN W6" charset="-128"/>
+            </a:endParaRPr>
+          </a:p>
+        </p:txBody>
+      </p:sp>
+      <p:sp>
+        <p:nvSpPr>
+          <p:cNvPr id="3" name="コンテンツ プレースホルダー 2"/>
+          <p:cNvSpPr>
+            <a:spLocks noGrp="1"/>
+          </p:cNvSpPr>
+          <p:nvPr>
+            <p:ph idx="1"/>
+          </p:nvPr>
+        </p:nvSpPr>
+        <p:spPr/>
+        <p:txBody>
+          <a:bodyPr/>
+          <a:lstStyle/>
+          <a:p>
+            <a:endParaRPr kumimoji="1" lang="ja-JP" altLang="en-US"/>
+          </a:p>
+        </p:txBody>
+      </p:sp>
+    </p:spTree>
+    <p:extLst>
+      <p:ext uri="{BB962C8B-B14F-4D97-AF65-F5344CB8AC3E}">
+        <p14:creationId xmlns:p14="http://schemas.microsoft.com/office/powerpoint/2010/main" val="692507794"/>
+      </p:ext>
+    </p:extLst>
+  </p:cSld>
+  <p:clrMapOvr>
+    <a:masterClrMapping/>
+  </p:clrMapOvr>
+</p:sld>
+</file>
+
+<file path=ppt/slides/slide21.xml><?xml version="1.0" encoding="utf-8"?>
+<p:sld xmlns:a="http://schemas.openxmlformats.org/drawingml/2006/main" xmlns:r="http://schemas.openxmlformats.org/officeDocument/2006/relationships" xmlns:p="http://schemas.openxmlformats.org/presentationml/2006/main">
+  <p:cSld>
+    <p:spTree>
+      <p:nvGrpSpPr>
+        <p:cNvPr id="1" name=""/>
+        <p:cNvGrpSpPr/>
+        <p:nvPr/>
+      </p:nvGrpSpPr>
+      <p:grpSpPr>
+        <a:xfrm>
+          <a:off x="0" y="0"/>
+          <a:ext cx="0" cy="0"/>
+          <a:chOff x="0" y="0"/>
+          <a:chExt cx="0" cy="0"/>
+        </a:xfrm>
+      </p:grpSpPr>
+      <p:sp>
+        <p:nvSpPr>
+          <p:cNvPr id="2" name="タイトル 1"/>
+          <p:cNvSpPr>
+            <a:spLocks noGrp="1"/>
+          </p:cNvSpPr>
+          <p:nvPr>
+            <p:ph type="title"/>
+          </p:nvPr>
+        </p:nvSpPr>
+        <p:spPr/>
+        <p:txBody>
+          <a:bodyPr/>
+          <a:lstStyle/>
+          <a:p>
+            <a:r>
               <a:rPr lang="en-US" altLang="ja-JP" dirty="0" smtClean="0">
                 <a:latin typeface="Hiragino Kaku Gothic ProN W6" charset="-128"/>
                 <a:ea typeface="Hiragino Kaku Gothic ProN W6" charset="-128"/>
@@ -11201,7 +11290,7 @@
 </p:sld>
 </file>
 
-<file path=ppt/slides/slide21.xml><?xml version="1.0" encoding="utf-8"?>
+<file path=ppt/slides/slide22.xml><?xml version="1.0" encoding="utf-8"?>
 <p:sld xmlns:a="http://schemas.openxmlformats.org/drawingml/2006/main" xmlns:r="http://schemas.openxmlformats.org/officeDocument/2006/relationships" xmlns:p="http://schemas.openxmlformats.org/presentationml/2006/main">
   <p:cSld>
     <p:spTree>

--- a/deep_learning3.4.pptx
+++ b/deep_learning3.4.pptx
@@ -25,8 +25,9 @@
     <p:sldId id="275" r:id="rId19"/>
     <p:sldId id="276" r:id="rId20"/>
     <p:sldId id="277" r:id="rId21"/>
-    <p:sldId id="269" r:id="rId22"/>
-    <p:sldId id="270" r:id="rId23"/>
+    <p:sldId id="278" r:id="rId22"/>
+    <p:sldId id="269" r:id="rId23"/>
+    <p:sldId id="270" r:id="rId24"/>
   </p:sldIdLst>
   <p:sldSz cx="12192000" cy="6858000"/>
   <p:notesSz cx="6858000" cy="9144000"/>
@@ -11133,15 +11134,7 @@
                 <a:ea typeface="Hiragino Kaku Gothic ProN W6" charset="-128"/>
                 <a:cs typeface="Hiragino Kaku Gothic ProN W6" charset="-128"/>
               </a:rPr>
-              <a:t>その他の自己符号化器</a:t>
-            </a:r>
-            <a:r>
-              <a:rPr kumimoji="1" lang="ja-JP" altLang="en-US" smtClean="0">
-                <a:latin typeface="Hiragino Kaku Gothic ProN W6" charset="-128"/>
-                <a:ea typeface="Hiragino Kaku Gothic ProN W6" charset="-128"/>
-                <a:cs typeface="Hiragino Kaku Gothic ProN W6" charset="-128"/>
-              </a:rPr>
-              <a:t>による事前学習</a:t>
+              <a:t>その他の自己符号化器による事前学習</a:t>
             </a:r>
             <a:endParaRPr kumimoji="1" lang="ja-JP" altLang="en-US" dirty="0">
               <a:latin typeface="Hiragino Kaku Gothic ProN W6" charset="-128"/>
@@ -11166,7 +11159,116 @@
           <a:bodyPr/>
           <a:lstStyle/>
           <a:p>
-            <a:endParaRPr kumimoji="1" lang="ja-JP" altLang="en-US"/>
+            <a:r>
+              <a:rPr kumimoji="1" lang="ja-JP" altLang="en-US" dirty="0" smtClean="0">
+                <a:latin typeface="Hiragino Kaku Gothic ProN W6" charset="-128"/>
+                <a:ea typeface="Hiragino Kaku Gothic ProN W6" charset="-128"/>
+                <a:cs typeface="Hiragino Kaku Gothic ProN W6" charset="-128"/>
+              </a:rPr>
+              <a:t>スパース自己符号化器</a:t>
+            </a:r>
+            <a:endParaRPr kumimoji="1" lang="en-US" altLang="ja-JP" dirty="0" smtClean="0">
+              <a:latin typeface="Hiragino Kaku Gothic ProN W6" charset="-128"/>
+              <a:ea typeface="Hiragino Kaku Gothic ProN W6" charset="-128"/>
+              <a:cs typeface="Hiragino Kaku Gothic ProN W6" charset="-128"/>
+            </a:endParaRPr>
+          </a:p>
+          <a:p>
+            <a:pPr lvl="1"/>
+            <a:r>
+              <a:rPr kumimoji="1" lang="ja-JP" altLang="en-US" dirty="0" smtClean="0">
+                <a:latin typeface="Hiragino Kaku Gothic ProN W6" charset="-128"/>
+                <a:ea typeface="Hiragino Kaku Gothic ProN W6" charset="-128"/>
+                <a:cs typeface="Hiragino Kaku Gothic ProN W6" charset="-128"/>
+              </a:rPr>
+              <a:t>自己符号化器において中間層の次元を高めると，ゼロが多くスパースに</a:t>
+            </a:r>
+            <a:endParaRPr kumimoji="1" lang="en-US" altLang="ja-JP" dirty="0" smtClean="0">
+              <a:latin typeface="Hiragino Kaku Gothic ProN W6" charset="-128"/>
+              <a:ea typeface="Hiragino Kaku Gothic ProN W6" charset="-128"/>
+              <a:cs typeface="Hiragino Kaku Gothic ProN W6" charset="-128"/>
+            </a:endParaRPr>
+          </a:p>
+          <a:p>
+            <a:r>
+              <a:rPr kumimoji="1" lang="ja-JP" altLang="en-US" dirty="0" smtClean="0">
+                <a:latin typeface="Hiragino Kaku Gothic ProN W6" charset="-128"/>
+                <a:ea typeface="Hiragino Kaku Gothic ProN W6" charset="-128"/>
+                <a:cs typeface="Hiragino Kaku Gothic ProN W6" charset="-128"/>
+              </a:rPr>
+              <a:t>縮小自己符号化器</a:t>
+            </a:r>
+            <a:endParaRPr kumimoji="1" lang="en-US" altLang="ja-JP" dirty="0" smtClean="0">
+              <a:latin typeface="Hiragino Kaku Gothic ProN W6" charset="-128"/>
+              <a:ea typeface="Hiragino Kaku Gothic ProN W6" charset="-128"/>
+              <a:cs typeface="Hiragino Kaku Gothic ProN W6" charset="-128"/>
+            </a:endParaRPr>
+          </a:p>
+          <a:p>
+            <a:pPr lvl="1"/>
+            <a:r>
+              <a:rPr kumimoji="1" lang="ja-JP" altLang="en-US" dirty="0" smtClean="0">
+                <a:latin typeface="Hiragino Kaku Gothic ProN W6" charset="-128"/>
+                <a:ea typeface="Hiragino Kaku Gothic ProN W6" charset="-128"/>
+                <a:cs typeface="Hiragino Kaku Gothic ProN W6" charset="-128"/>
+              </a:rPr>
+              <a:t>正則化項として入力</a:t>
+            </a:r>
+            <a:r>
+              <a:rPr lang="en-US" altLang="ja-JP" dirty="0" smtClean="0">
+                <a:latin typeface="Hiragino Kaku Gothic ProN W6" charset="-128"/>
+                <a:ea typeface="Hiragino Kaku Gothic ProN W6" charset="-128"/>
+                <a:cs typeface="Hiragino Kaku Gothic ProN W6" charset="-128"/>
+              </a:rPr>
+              <a:t>v</a:t>
+            </a:r>
+            <a:r>
+              <a:rPr lang="ja-JP" altLang="en-US" dirty="0" smtClean="0">
+                <a:latin typeface="Hiragino Kaku Gothic ProN W6" charset="-128"/>
+                <a:ea typeface="Hiragino Kaku Gothic ProN W6" charset="-128"/>
+                <a:cs typeface="Hiragino Kaku Gothic ProN W6" charset="-128"/>
+              </a:rPr>
+              <a:t>から特徴</a:t>
+            </a:r>
+            <a:r>
+              <a:rPr lang="en-US" altLang="ja-JP" dirty="0" smtClean="0">
+                <a:latin typeface="Hiragino Kaku Gothic ProN W6" charset="-128"/>
+                <a:ea typeface="Hiragino Kaku Gothic ProN W6" charset="-128"/>
+                <a:cs typeface="Hiragino Kaku Gothic ProN W6" charset="-128"/>
+              </a:rPr>
+              <a:t>h</a:t>
+            </a:r>
+            <a:r>
+              <a:rPr lang="ja-JP" altLang="en-US" dirty="0" smtClean="0">
+                <a:latin typeface="Hiragino Kaku Gothic ProN W6" charset="-128"/>
+                <a:ea typeface="Hiragino Kaku Gothic ProN W6" charset="-128"/>
+                <a:cs typeface="Hiragino Kaku Gothic ProN W6" charset="-128"/>
+              </a:rPr>
+              <a:t>を出力する関数の滑らかさを促進する項を付与→雑音除去符号化器と同等</a:t>
+            </a:r>
+            <a:endParaRPr lang="en-US" altLang="ja-JP" dirty="0" smtClean="0">
+              <a:latin typeface="Hiragino Kaku Gothic ProN W6" charset="-128"/>
+              <a:ea typeface="Hiragino Kaku Gothic ProN W6" charset="-128"/>
+              <a:cs typeface="Hiragino Kaku Gothic ProN W6" charset="-128"/>
+            </a:endParaRPr>
+          </a:p>
+          <a:p>
+            <a:r>
+              <a:rPr kumimoji="1" lang="ja-JP" altLang="en-US" dirty="0" smtClean="0">
+                <a:latin typeface="Hiragino Kaku Gothic ProN W6" charset="-128"/>
+                <a:ea typeface="Hiragino Kaku Gothic ProN W6" charset="-128"/>
+                <a:cs typeface="Hiragino Kaku Gothic ProN W6" charset="-128"/>
+              </a:rPr>
+              <a:t>極端学習機械</a:t>
+            </a:r>
+            <a:r>
+              <a:rPr kumimoji="1" lang="en-US" altLang="ja-JP" dirty="0" smtClean="0">
+                <a:latin typeface="Hiragino Kaku Gothic ProN W6" charset="-128"/>
+                <a:ea typeface="Hiragino Kaku Gothic ProN W6" charset="-128"/>
+                <a:cs typeface="Hiragino Kaku Gothic ProN W6" charset="-128"/>
+              </a:rPr>
+              <a:t>(ELM)</a:t>
+            </a:r>
           </a:p>
         </p:txBody>
       </p:sp>
@@ -11216,6 +11318,316 @@
           <a:lstStyle/>
           <a:p>
             <a:r>
+              <a:rPr kumimoji="1" lang="ja-JP" altLang="en-US" dirty="0" smtClean="0">
+                <a:latin typeface="Hiragino Kaku Gothic ProN W6" charset="-128"/>
+                <a:ea typeface="Hiragino Kaku Gothic ProN W6" charset="-128"/>
+                <a:cs typeface="Hiragino Kaku Gothic ProN W6" charset="-128"/>
+              </a:rPr>
+              <a:t>極端学習機械</a:t>
+            </a:r>
+            <a:r>
+              <a:rPr kumimoji="1" lang="en-US" altLang="ja-JP" dirty="0" smtClean="0">
+                <a:latin typeface="Hiragino Kaku Gothic ProN W6" charset="-128"/>
+                <a:ea typeface="Hiragino Kaku Gothic ProN W6" charset="-128"/>
+                <a:cs typeface="Hiragino Kaku Gothic ProN W6" charset="-128"/>
+              </a:rPr>
+              <a:t>(ELM)</a:t>
+            </a:r>
+            <a:endParaRPr kumimoji="1" lang="ja-JP" altLang="en-US" dirty="0">
+              <a:latin typeface="Hiragino Kaku Gothic ProN W6" charset="-128"/>
+              <a:ea typeface="Hiragino Kaku Gothic ProN W6" charset="-128"/>
+              <a:cs typeface="Hiragino Kaku Gothic ProN W6" charset="-128"/>
+            </a:endParaRPr>
+          </a:p>
+        </p:txBody>
+      </p:sp>
+      <p:sp>
+        <p:nvSpPr>
+          <p:cNvPr id="3" name="コンテンツ プレースホルダー 2"/>
+          <p:cNvSpPr>
+            <a:spLocks noGrp="1"/>
+          </p:cNvSpPr>
+          <p:nvPr>
+            <p:ph idx="1"/>
+          </p:nvPr>
+        </p:nvSpPr>
+        <p:spPr/>
+        <p:txBody>
+          <a:bodyPr/>
+          <a:lstStyle/>
+          <a:p>
+            <a:pPr marL="228600" lvl="1">
+              <a:spcBef>
+                <a:spcPts val="1000"/>
+              </a:spcBef>
+            </a:pPr>
+            <a:r>
+              <a:rPr lang="ja-JP" altLang="en-US" dirty="0">
+                <a:latin typeface="Hiragino Kaku Gothic ProN W6" charset="-128"/>
+                <a:ea typeface="Hiragino Kaku Gothic ProN W6" charset="-128"/>
+                <a:cs typeface="Hiragino Kaku Gothic ProN W6" charset="-128"/>
+              </a:rPr>
+              <a:t>多層にしないことで損失関数を凸関数にし学習（最適化）を容易</a:t>
+            </a:r>
+            <a:r>
+              <a:rPr lang="ja-JP" altLang="en-US" dirty="0" smtClean="0">
+                <a:latin typeface="Hiragino Kaku Gothic ProN W6" charset="-128"/>
+                <a:ea typeface="Hiragino Kaku Gothic ProN W6" charset="-128"/>
+                <a:cs typeface="Hiragino Kaku Gothic ProN W6" charset="-128"/>
+              </a:rPr>
+              <a:t>に</a:t>
+            </a:r>
+            <a:endParaRPr lang="en-US" altLang="ja-JP" dirty="0" smtClean="0">
+              <a:latin typeface="Hiragino Kaku Gothic ProN W6" charset="-128"/>
+              <a:ea typeface="Hiragino Kaku Gothic ProN W6" charset="-128"/>
+              <a:cs typeface="Hiragino Kaku Gothic ProN W6" charset="-128"/>
+            </a:endParaRPr>
+          </a:p>
+          <a:p>
+            <a:pPr marL="228600" lvl="1">
+              <a:spcBef>
+                <a:spcPts val="1000"/>
+              </a:spcBef>
+            </a:pPr>
+            <a:r>
+              <a:rPr lang="ja-JP" altLang="en-US" dirty="0" smtClean="0">
+                <a:latin typeface="Hiragino Kaku Gothic ProN W6" charset="-128"/>
+                <a:ea typeface="Hiragino Kaku Gothic ProN W6" charset="-128"/>
+                <a:cs typeface="Hiragino Kaku Gothic ProN W6" charset="-128"/>
+              </a:rPr>
+              <a:t>一層の隠れ変数の層</a:t>
+            </a:r>
+            <a:endParaRPr lang="en-US" altLang="ja-JP" dirty="0" smtClean="0">
+              <a:latin typeface="Hiragino Kaku Gothic ProN W6" charset="-128"/>
+              <a:ea typeface="Hiragino Kaku Gothic ProN W6" charset="-128"/>
+              <a:cs typeface="Hiragino Kaku Gothic ProN W6" charset="-128"/>
+            </a:endParaRPr>
+          </a:p>
+          <a:p>
+            <a:pPr marL="228600" lvl="1">
+              <a:spcBef>
+                <a:spcPts val="1000"/>
+              </a:spcBef>
+            </a:pPr>
+            <a:r>
+              <a:rPr lang="ja-JP" altLang="en-US" dirty="0" smtClean="0">
+                <a:latin typeface="Hiragino Kaku Gothic ProN W6" charset="-128"/>
+                <a:ea typeface="Hiragino Kaku Gothic ProN W6" charset="-128"/>
+                <a:cs typeface="Hiragino Kaku Gothic ProN W6" charset="-128"/>
+              </a:rPr>
+              <a:t>入力と隠れ変数の間の重み</a:t>
+            </a:r>
+            <a:r>
+              <a:rPr lang="en-US" altLang="ja-JP" dirty="0" smtClean="0">
+                <a:latin typeface="Hiragino Kaku Gothic ProN W6" charset="-128"/>
+                <a:ea typeface="Hiragino Kaku Gothic ProN W6" charset="-128"/>
+                <a:cs typeface="Hiragino Kaku Gothic ProN W6" charset="-128"/>
+              </a:rPr>
+              <a:t>W</a:t>
+            </a:r>
+            <a:r>
+              <a:rPr lang="ja-JP" altLang="en-US" dirty="0" smtClean="0">
+                <a:latin typeface="Hiragino Kaku Gothic ProN W6" charset="-128"/>
+                <a:ea typeface="Hiragino Kaku Gothic ProN W6" charset="-128"/>
+                <a:cs typeface="Hiragino Kaku Gothic ProN W6" charset="-128"/>
+              </a:rPr>
+              <a:t>やバイアス</a:t>
+            </a:r>
+            <a:r>
+              <a:rPr lang="en-US" altLang="ja-JP" dirty="0" smtClean="0">
+                <a:latin typeface="Hiragino Kaku Gothic ProN W6" charset="-128"/>
+                <a:ea typeface="Hiragino Kaku Gothic ProN W6" charset="-128"/>
+                <a:cs typeface="Hiragino Kaku Gothic ProN W6" charset="-128"/>
+              </a:rPr>
+              <a:t>b</a:t>
+            </a:r>
+            <a:r>
+              <a:rPr lang="ja-JP" altLang="en-US" dirty="0" smtClean="0">
+                <a:latin typeface="Hiragino Kaku Gothic ProN W6" charset="-128"/>
+                <a:ea typeface="Hiragino Kaku Gothic ProN W6" charset="-128"/>
+                <a:cs typeface="Hiragino Kaku Gothic ProN W6" charset="-128"/>
+              </a:rPr>
+              <a:t>はランダムに生成</a:t>
+            </a:r>
+            <a:endParaRPr lang="en-US" altLang="ja-JP" dirty="0" smtClean="0">
+              <a:latin typeface="Hiragino Kaku Gothic ProN W6" charset="-128"/>
+              <a:ea typeface="Hiragino Kaku Gothic ProN W6" charset="-128"/>
+              <a:cs typeface="Hiragino Kaku Gothic ProN W6" charset="-128"/>
+            </a:endParaRPr>
+          </a:p>
+          <a:p>
+            <a:pPr marL="228600" lvl="1">
+              <a:spcBef>
+                <a:spcPts val="1000"/>
+              </a:spcBef>
+            </a:pPr>
+            <a:r>
+              <a:rPr lang="en-US" altLang="ja-JP" dirty="0" smtClean="0">
+                <a:latin typeface="Hiragino Kaku Gothic ProN W6" charset="-128"/>
+                <a:ea typeface="Hiragino Kaku Gothic ProN W6" charset="-128"/>
+                <a:cs typeface="Hiragino Kaku Gothic ProN W6" charset="-128"/>
+              </a:rPr>
+              <a:t>W</a:t>
+            </a:r>
+            <a:r>
+              <a:rPr lang="ja-JP" altLang="en-US" dirty="0" smtClean="0">
+                <a:latin typeface="Hiragino Kaku Gothic ProN W6" charset="-128"/>
+                <a:ea typeface="Hiragino Kaku Gothic ProN W6" charset="-128"/>
+                <a:cs typeface="Hiragino Kaku Gothic ProN W6" charset="-128"/>
+              </a:rPr>
+              <a:t>や</a:t>
+            </a:r>
+            <a:r>
+              <a:rPr lang="en-US" altLang="ja-JP" dirty="0" smtClean="0">
+                <a:latin typeface="Hiragino Kaku Gothic ProN W6" charset="-128"/>
+                <a:ea typeface="Hiragino Kaku Gothic ProN W6" charset="-128"/>
+                <a:cs typeface="Hiragino Kaku Gothic ProN W6" charset="-128"/>
+              </a:rPr>
+              <a:t>b</a:t>
+            </a:r>
+            <a:r>
+              <a:rPr lang="ja-JP" altLang="en-US" dirty="0" smtClean="0">
+                <a:latin typeface="Hiragino Kaku Gothic ProN W6" charset="-128"/>
+                <a:ea typeface="Hiragino Kaku Gothic ProN W6" charset="-128"/>
+                <a:cs typeface="Hiragino Kaku Gothic ProN W6" charset="-128"/>
+              </a:rPr>
+              <a:t>を推定する問題が，単に二乗誤差の損失関数の下で線形回帰に</a:t>
+            </a:r>
+            <a:endParaRPr lang="en-US" altLang="ja-JP" dirty="0" smtClean="0">
+              <a:latin typeface="Hiragino Kaku Gothic ProN W6" charset="-128"/>
+              <a:ea typeface="Hiragino Kaku Gothic ProN W6" charset="-128"/>
+              <a:cs typeface="Hiragino Kaku Gothic ProN W6" charset="-128"/>
+            </a:endParaRPr>
+          </a:p>
+          <a:p>
+            <a:pPr marL="0" lvl="1" indent="0">
+              <a:spcBef>
+                <a:spcPts val="1000"/>
+              </a:spcBef>
+              <a:buNone/>
+            </a:pPr>
+            <a:r>
+              <a:rPr lang="ja-JP" altLang="en-US" dirty="0" smtClean="0">
+                <a:latin typeface="Hiragino Kaku Gothic ProN W6" charset="-128"/>
+                <a:ea typeface="Hiragino Kaku Gothic ProN W6" charset="-128"/>
+                <a:cs typeface="Hiragino Kaku Gothic ProN W6" charset="-128"/>
+              </a:rPr>
+              <a:t>　　→解析的に求められる</a:t>
+            </a:r>
+            <a:endParaRPr lang="en-US" altLang="ja-JP" dirty="0">
+              <a:latin typeface="Hiragino Kaku Gothic ProN W6" charset="-128"/>
+              <a:ea typeface="Hiragino Kaku Gothic ProN W6" charset="-128"/>
+              <a:cs typeface="Hiragino Kaku Gothic ProN W6" charset="-128"/>
+            </a:endParaRPr>
+          </a:p>
+          <a:p>
+            <a:pPr marL="342900" lvl="1" indent="-342900">
+              <a:spcBef>
+                <a:spcPts val="1000"/>
+              </a:spcBef>
+            </a:pPr>
+            <a:r>
+              <a:rPr lang="ja-JP" altLang="en-US" dirty="0" smtClean="0">
+                <a:latin typeface="Hiragino Kaku Gothic ProN W6" charset="-128"/>
+                <a:ea typeface="Hiragino Kaku Gothic ProN W6" charset="-128"/>
+                <a:cs typeface="Hiragino Kaku Gothic ProN W6" charset="-128"/>
+              </a:rPr>
+              <a:t>隠れ変数のノードを増やして，任意の有界な区分連続関数を近似できる</a:t>
+            </a:r>
+            <a:endParaRPr lang="en-US" altLang="ja-JP" dirty="0" smtClean="0">
+              <a:latin typeface="Hiragino Kaku Gothic ProN W6" charset="-128"/>
+              <a:ea typeface="Hiragino Kaku Gothic ProN W6" charset="-128"/>
+              <a:cs typeface="Hiragino Kaku Gothic ProN W6" charset="-128"/>
+            </a:endParaRPr>
+          </a:p>
+          <a:p>
+            <a:pPr marL="342900" lvl="1" indent="-342900">
+              <a:spcBef>
+                <a:spcPts val="1000"/>
+              </a:spcBef>
+            </a:pPr>
+            <a:r>
+              <a:rPr lang="en-US" altLang="ja-JP" dirty="0" smtClean="0">
+                <a:latin typeface="Hiragino Kaku Gothic ProN W6" charset="-128"/>
+                <a:ea typeface="Hiragino Kaku Gothic ProN W6" charset="-128"/>
+                <a:cs typeface="Hiragino Kaku Gothic ProN W6" charset="-128"/>
+              </a:rPr>
+              <a:t>SVM</a:t>
+            </a:r>
+            <a:r>
+              <a:rPr lang="ja-JP" altLang="en-US" dirty="0" smtClean="0">
+                <a:latin typeface="Hiragino Kaku Gothic ProN W6" charset="-128"/>
+                <a:ea typeface="Hiragino Kaku Gothic ProN W6" charset="-128"/>
+                <a:cs typeface="Hiragino Kaku Gothic ProN W6" charset="-128"/>
+              </a:rPr>
+              <a:t>と比べて大量のデータでも学習がはやく，学習後の分類器の性能が良い</a:t>
+            </a:r>
+            <a:endParaRPr lang="en-US" altLang="ja-JP" dirty="0" smtClean="0">
+              <a:latin typeface="Hiragino Kaku Gothic ProN W6" charset="-128"/>
+              <a:ea typeface="Hiragino Kaku Gothic ProN W6" charset="-128"/>
+              <a:cs typeface="Hiragino Kaku Gothic ProN W6" charset="-128"/>
+            </a:endParaRPr>
+          </a:p>
+          <a:p>
+            <a:pPr marL="342900" lvl="1" indent="-342900">
+              <a:spcBef>
+                <a:spcPts val="1000"/>
+              </a:spcBef>
+            </a:pPr>
+            <a:endParaRPr lang="en-US" altLang="ja-JP" dirty="0" smtClean="0">
+              <a:latin typeface="Hiragino Kaku Gothic ProN W6" charset="-128"/>
+              <a:ea typeface="Hiragino Kaku Gothic ProN W6" charset="-128"/>
+              <a:cs typeface="Hiragino Kaku Gothic ProN W6" charset="-128"/>
+            </a:endParaRPr>
+          </a:p>
+        </p:txBody>
+      </p:sp>
+    </p:spTree>
+    <p:extLst>
+      <p:ext uri="{BB962C8B-B14F-4D97-AF65-F5344CB8AC3E}">
+        <p14:creationId xmlns:p14="http://schemas.microsoft.com/office/powerpoint/2010/main" val="176942950"/>
+      </p:ext>
+    </p:extLst>
+  </p:cSld>
+  <p:clrMapOvr>
+    <a:masterClrMapping/>
+  </p:clrMapOvr>
+</p:sld>
+</file>
+
+<file path=ppt/slides/slide22.xml><?xml version="1.0" encoding="utf-8"?>
+<p:sld xmlns:a="http://schemas.openxmlformats.org/drawingml/2006/main" xmlns:r="http://schemas.openxmlformats.org/officeDocument/2006/relationships" xmlns:p="http://schemas.openxmlformats.org/presentationml/2006/main">
+  <p:cSld>
+    <p:spTree>
+      <p:nvGrpSpPr>
+        <p:cNvPr id="1" name=""/>
+        <p:cNvGrpSpPr/>
+        <p:nvPr/>
+      </p:nvGrpSpPr>
+      <p:grpSpPr>
+        <a:xfrm>
+          <a:off x="0" y="0"/>
+          <a:ext cx="0" cy="0"/>
+          <a:chOff x="0" y="0"/>
+          <a:chExt cx="0" cy="0"/>
+        </a:xfrm>
+      </p:grpSpPr>
+      <p:sp>
+        <p:nvSpPr>
+          <p:cNvPr id="2" name="タイトル 1"/>
+          <p:cNvSpPr>
+            <a:spLocks noGrp="1"/>
+          </p:cNvSpPr>
+          <p:nvPr>
+            <p:ph type="title"/>
+          </p:nvPr>
+        </p:nvSpPr>
+        <p:spPr/>
+        <p:txBody>
+          <a:bodyPr/>
+          <a:lstStyle/>
+          <a:p>
+            <a:r>
               <a:rPr lang="en-US" altLang="ja-JP" dirty="0" smtClean="0">
                 <a:latin typeface="Hiragino Kaku Gothic ProN W6" charset="-128"/>
                 <a:ea typeface="Hiragino Kaku Gothic ProN W6" charset="-128"/>
@@ -11290,7 +11702,7 @@
 </p:sld>
 </file>
 
-<file path=ppt/slides/slide22.xml><?xml version="1.0" encoding="utf-8"?>
+<file path=ppt/slides/slide23.xml><?xml version="1.0" encoding="utf-8"?>
 <p:sld xmlns:a="http://schemas.openxmlformats.org/drawingml/2006/main" xmlns:r="http://schemas.openxmlformats.org/officeDocument/2006/relationships" xmlns:p="http://schemas.openxmlformats.org/presentationml/2006/main">
   <p:cSld>
     <p:spTree>

--- a/deep_learning3.4.pptx
+++ b/deep_learning3.4.pptx
@@ -11351,7 +11351,12 @@
             <p:ph idx="1"/>
           </p:nvPr>
         </p:nvSpPr>
-        <p:spPr/>
+        <p:spPr>
+          <a:xfrm>
+            <a:off x="680321" y="2336873"/>
+            <a:ext cx="10460645" cy="3599316"/>
+          </a:xfrm>
+        </p:spPr>
         <p:txBody>
           <a:bodyPr/>
           <a:lstStyle/>
@@ -11375,7 +11380,7 @@
                 <a:ea typeface="Hiragino Kaku Gothic ProN W6" charset="-128"/>
                 <a:cs typeface="Hiragino Kaku Gothic ProN W6" charset="-128"/>
               </a:rPr>
-              <a:t>に</a:t>
+              <a:t>に（局所解が無い）</a:t>
             </a:r>
             <a:endParaRPr lang="en-US" altLang="ja-JP" dirty="0" smtClean="0">
               <a:latin typeface="Hiragino Kaku Gothic ProN W6" charset="-128"/>
@@ -11574,6 +11579,14 @@
                 <a:spcPts val="1000"/>
               </a:spcBef>
             </a:pPr>
+            <a:r>
+              <a:rPr lang="ja-JP" altLang="en-US" dirty="0" smtClean="0">
+                <a:latin typeface="Hiragino Kaku Gothic ProN W6" charset="-128"/>
+                <a:ea typeface="Hiragino Kaku Gothic ProN W6" charset="-128"/>
+                <a:cs typeface="Hiragino Kaku Gothic ProN W6" charset="-128"/>
+              </a:rPr>
+              <a:t>層ごとに自己符号化器による事前学習を行って高性能化</a:t>
+            </a:r>
             <a:endParaRPr lang="en-US" altLang="ja-JP" dirty="0" smtClean="0">
               <a:latin typeface="Hiragino Kaku Gothic ProN W6" charset="-128"/>
               <a:ea typeface="Hiragino Kaku Gothic ProN W6" charset="-128"/>
@@ -11680,12 +11693,122 @@
             <p:ph idx="1"/>
           </p:nvPr>
         </p:nvSpPr>
-        <p:spPr/>
+        <p:spPr>
+          <a:xfrm>
+            <a:off x="680321" y="2336873"/>
+            <a:ext cx="10187376" cy="3599316"/>
+          </a:xfrm>
+        </p:spPr>
         <p:txBody>
           <a:bodyPr/>
           <a:lstStyle/>
           <a:p>
-            <a:endParaRPr kumimoji="1" lang="ja-JP" altLang="en-US"/>
+            <a:r>
+              <a:rPr kumimoji="1" lang="ja-JP" altLang="en-US" dirty="0" smtClean="0">
+                <a:latin typeface="Hiragino Kaku Gothic ProN W6" charset="-128"/>
+                <a:ea typeface="Hiragino Kaku Gothic ProN W6" charset="-128"/>
+                <a:cs typeface="Hiragino Kaku Gothic ProN W6" charset="-128"/>
+              </a:rPr>
+              <a:t>ここまでは入力をそのまま出力する教師なし学習をする自己符号化器</a:t>
+            </a:r>
+            <a:endParaRPr kumimoji="1" lang="en-US" altLang="ja-JP" dirty="0" smtClean="0">
+              <a:latin typeface="Hiragino Kaku Gothic ProN W6" charset="-128"/>
+              <a:ea typeface="Hiragino Kaku Gothic ProN W6" charset="-128"/>
+              <a:cs typeface="Hiragino Kaku Gothic ProN W6" charset="-128"/>
+            </a:endParaRPr>
+          </a:p>
+          <a:p>
+            <a:r>
+              <a:rPr lang="ja-JP" altLang="en-US" dirty="0" smtClean="0">
+                <a:latin typeface="Hiragino Kaku Gothic ProN W6" charset="-128"/>
+                <a:ea typeface="Hiragino Kaku Gothic ProN W6" charset="-128"/>
+                <a:cs typeface="Hiragino Kaku Gothic ProN W6" charset="-128"/>
+              </a:rPr>
+              <a:t>→教師あり学習を自己符号化器に使おう（音声分野の識別的事前学習）</a:t>
+            </a:r>
+            <a:endParaRPr lang="en-US" altLang="ja-JP" dirty="0" smtClean="0">
+              <a:latin typeface="Hiragino Kaku Gothic ProN W6" charset="-128"/>
+              <a:ea typeface="Hiragino Kaku Gothic ProN W6" charset="-128"/>
+              <a:cs typeface="Hiragino Kaku Gothic ProN W6" charset="-128"/>
+            </a:endParaRPr>
+          </a:p>
+          <a:p>
+            <a:r>
+              <a:rPr kumimoji="1" lang="ja-JP" altLang="en-US" dirty="0" smtClean="0">
+                <a:latin typeface="Hiragino Kaku Gothic ProN W6" charset="-128"/>
+                <a:ea typeface="Hiragino Kaku Gothic ProN W6" charset="-128"/>
+                <a:cs typeface="Hiragino Kaku Gothic ProN W6" charset="-128"/>
+              </a:rPr>
+              <a:t>画像認識において良くない性能</a:t>
+            </a:r>
+            <a:endParaRPr lang="en-US" altLang="ja-JP" dirty="0">
+              <a:latin typeface="Hiragino Kaku Gothic ProN W6" charset="-128"/>
+              <a:ea typeface="Hiragino Kaku Gothic ProN W6" charset="-128"/>
+              <a:cs typeface="Hiragino Kaku Gothic ProN W6" charset="-128"/>
+            </a:endParaRPr>
+          </a:p>
+          <a:p>
+            <a:pPr lvl="1"/>
+            <a:r>
+              <a:rPr kumimoji="1" lang="ja-JP" altLang="en-US" dirty="0" smtClean="0">
+                <a:latin typeface="Hiragino Kaku Gothic ProN W6" charset="-128"/>
+                <a:ea typeface="Hiragino Kaku Gothic ProN W6" charset="-128"/>
+                <a:cs typeface="Hiragino Kaku Gothic ProN W6" charset="-128"/>
+              </a:rPr>
+              <a:t>三層</a:t>
+            </a:r>
+            <a:r>
+              <a:rPr kumimoji="1" lang="en-US" altLang="ja-JP" dirty="0" smtClean="0">
+                <a:latin typeface="Hiragino Kaku Gothic ProN W6" charset="-128"/>
+                <a:ea typeface="Hiragino Kaku Gothic ProN W6" charset="-128"/>
+                <a:cs typeface="Hiragino Kaku Gothic ProN W6" charset="-128"/>
+              </a:rPr>
+              <a:t>NN</a:t>
+            </a:r>
+            <a:r>
+              <a:rPr kumimoji="1" lang="ja-JP" altLang="en-US" dirty="0" smtClean="0">
+                <a:latin typeface="Hiragino Kaku Gothic ProN W6" charset="-128"/>
+                <a:ea typeface="Hiragino Kaku Gothic ProN W6" charset="-128"/>
+                <a:cs typeface="Hiragino Kaku Gothic ProN W6" charset="-128"/>
+              </a:rPr>
+              <a:t>で特徴が表現できなければ学習できないためか</a:t>
+            </a:r>
+            <a:endParaRPr kumimoji="1" lang="en-US" altLang="ja-JP" dirty="0" smtClean="0">
+              <a:latin typeface="Hiragino Kaku Gothic ProN W6" charset="-128"/>
+              <a:ea typeface="Hiragino Kaku Gothic ProN W6" charset="-128"/>
+              <a:cs typeface="Hiragino Kaku Gothic ProN W6" charset="-128"/>
+            </a:endParaRPr>
+          </a:p>
+          <a:p>
+            <a:r>
+              <a:rPr lang="ja-JP" altLang="en-US" dirty="0" smtClean="0">
+                <a:latin typeface="Hiragino Kaku Gothic ProN W6" charset="-128"/>
+                <a:ea typeface="Hiragino Kaku Gothic ProN W6" charset="-128"/>
+                <a:cs typeface="Hiragino Kaku Gothic ProN W6" charset="-128"/>
+              </a:rPr>
+              <a:t>音声認識では</a:t>
+            </a:r>
+            <a:r>
+              <a:rPr lang="en-US" altLang="ja-JP" dirty="0" smtClean="0">
+                <a:latin typeface="Hiragino Kaku Gothic ProN W6" charset="-128"/>
+                <a:ea typeface="Hiragino Kaku Gothic ProN W6" charset="-128"/>
+                <a:cs typeface="Hiragino Kaku Gothic ProN W6" charset="-128"/>
+              </a:rPr>
+              <a:t>DBN</a:t>
+            </a:r>
+            <a:r>
+              <a:rPr lang="ja-JP" altLang="en-US" dirty="0" smtClean="0">
+                <a:latin typeface="Hiragino Kaku Gothic ProN W6" charset="-128"/>
+                <a:ea typeface="Hiragino Kaku Gothic ProN W6" charset="-128"/>
+                <a:cs typeface="Hiragino Kaku Gothic ProN W6" charset="-128"/>
+              </a:rPr>
+              <a:t>による事前学習と同等</a:t>
+            </a:r>
+            <a:endParaRPr kumimoji="1" lang="en-US" altLang="ja-JP" dirty="0" smtClean="0">
+              <a:latin typeface="Hiragino Kaku Gothic ProN W6" charset="-128"/>
+              <a:ea typeface="Hiragino Kaku Gothic ProN W6" charset="-128"/>
+              <a:cs typeface="Hiragino Kaku Gothic ProN W6" charset="-128"/>
+            </a:endParaRPr>
           </a:p>
         </p:txBody>
       </p:sp>
@@ -11802,13 +11925,179 @@
         </p:nvSpPr>
         <p:spPr/>
         <p:txBody>
-          <a:bodyPr/>
+          <a:bodyPr>
+            <a:normAutofit/>
+          </a:bodyPr>
           <a:lstStyle/>
           <a:p>
-            <a:endParaRPr kumimoji="1" lang="ja-JP" altLang="en-US"/>
-          </a:p>
-        </p:txBody>
-      </p:sp>
+            <a:r>
+              <a:rPr kumimoji="1" lang="en-US" altLang="ja-JP" dirty="0" err="1" smtClean="0">
+                <a:latin typeface="Hiragino Kaku Gothic ProN W6" charset="-128"/>
+                <a:ea typeface="Hiragino Kaku Gothic ProN W6" charset="-128"/>
+                <a:cs typeface="Hiragino Kaku Gothic ProN W6" charset="-128"/>
+              </a:rPr>
+              <a:t>PoE</a:t>
+            </a:r>
+            <a:r>
+              <a:rPr kumimoji="1" lang="en-US" altLang="ja-JP" dirty="0" smtClean="0">
+                <a:latin typeface="Hiragino Kaku Gothic ProN W6" charset="-128"/>
+                <a:ea typeface="Hiragino Kaku Gothic ProN W6" charset="-128"/>
+                <a:cs typeface="Hiragino Kaku Gothic ProN W6" charset="-128"/>
+              </a:rPr>
+              <a:t>(Product of Experts)</a:t>
+            </a:r>
+            <a:r>
+              <a:rPr kumimoji="1" lang="ja-JP" altLang="en-US" dirty="0" smtClean="0">
+                <a:latin typeface="Hiragino Kaku Gothic ProN W6" charset="-128"/>
+                <a:ea typeface="Hiragino Kaku Gothic ProN W6" charset="-128"/>
+                <a:cs typeface="Hiragino Kaku Gothic ProN W6" charset="-128"/>
+              </a:rPr>
+              <a:t>　エキスパート関数</a:t>
+            </a:r>
+            <a:r>
+              <a:rPr kumimoji="1" lang="en-US" altLang="ja-JP" dirty="0" smtClean="0">
+                <a:latin typeface="Hiragino Kaku Gothic ProN W6" charset="-128"/>
+                <a:ea typeface="Hiragino Kaku Gothic ProN W6" charset="-128"/>
+                <a:cs typeface="Hiragino Kaku Gothic ProN W6" charset="-128"/>
+              </a:rPr>
+              <a:t>f</a:t>
+            </a:r>
+            <a:r>
+              <a:rPr kumimoji="1" lang="ja-JP" altLang="en-US" dirty="0" smtClean="0">
+                <a:latin typeface="Hiragino Kaku Gothic ProN W6" charset="-128"/>
+                <a:ea typeface="Hiragino Kaku Gothic ProN W6" charset="-128"/>
+                <a:cs typeface="Hiragino Kaku Gothic ProN W6" charset="-128"/>
+              </a:rPr>
+              <a:t>の積</a:t>
+            </a:r>
+            <a:endParaRPr kumimoji="1" lang="en-US" altLang="ja-JP" dirty="0" smtClean="0">
+              <a:latin typeface="Hiragino Kaku Gothic ProN W6" charset="-128"/>
+              <a:ea typeface="Hiragino Kaku Gothic ProN W6" charset="-128"/>
+              <a:cs typeface="Hiragino Kaku Gothic ProN W6" charset="-128"/>
+            </a:endParaRPr>
+          </a:p>
+          <a:p>
+            <a:endParaRPr lang="en-US" altLang="ja-JP" dirty="0">
+              <a:latin typeface="Hiragino Kaku Gothic ProN W6" charset="-128"/>
+              <a:ea typeface="Hiragino Kaku Gothic ProN W6" charset="-128"/>
+              <a:cs typeface="Hiragino Kaku Gothic ProN W6" charset="-128"/>
+            </a:endParaRPr>
+          </a:p>
+          <a:p>
+            <a:r>
+              <a:rPr kumimoji="1" lang="ja-JP" altLang="en-US" dirty="0" smtClean="0">
+                <a:latin typeface="Hiragino Kaku Gothic ProN W6" charset="-128"/>
+                <a:ea typeface="Hiragino Kaku Gothic ProN W6" charset="-128"/>
+                <a:cs typeface="Hiragino Kaku Gothic ProN W6" charset="-128"/>
+              </a:rPr>
+              <a:t>尤度</a:t>
+            </a:r>
+            <a:endParaRPr kumimoji="1" lang="en-US" altLang="ja-JP" dirty="0" smtClean="0">
+              <a:latin typeface="Hiragino Kaku Gothic ProN W6" charset="-128"/>
+              <a:ea typeface="Hiragino Kaku Gothic ProN W6" charset="-128"/>
+              <a:cs typeface="Hiragino Kaku Gothic ProN W6" charset="-128"/>
+            </a:endParaRPr>
+          </a:p>
+          <a:p>
+            <a:endParaRPr lang="en-US" altLang="ja-JP" dirty="0">
+              <a:latin typeface="Hiragino Kaku Gothic ProN W6" charset="-128"/>
+              <a:ea typeface="Hiragino Kaku Gothic ProN W6" charset="-128"/>
+              <a:cs typeface="Hiragino Kaku Gothic ProN W6" charset="-128"/>
+            </a:endParaRPr>
+          </a:p>
+          <a:p>
+            <a:endParaRPr kumimoji="1" lang="en-US" altLang="ja-JP" dirty="0" smtClean="0">
+              <a:latin typeface="Hiragino Kaku Gothic ProN W6" charset="-128"/>
+              <a:ea typeface="Hiragino Kaku Gothic ProN W6" charset="-128"/>
+              <a:cs typeface="Hiragino Kaku Gothic ProN W6" charset="-128"/>
+            </a:endParaRPr>
+          </a:p>
+          <a:p>
+            <a:endParaRPr lang="en-US" altLang="ja-JP" dirty="0">
+              <a:latin typeface="Hiragino Kaku Gothic ProN W6" charset="-128"/>
+              <a:ea typeface="Hiragino Kaku Gothic ProN W6" charset="-128"/>
+              <a:cs typeface="Hiragino Kaku Gothic ProN W6" charset="-128"/>
+            </a:endParaRPr>
+          </a:p>
+          <a:p>
+            <a:r>
+              <a:rPr kumimoji="1" lang="ja-JP" altLang="en-US" dirty="0" smtClean="0">
+                <a:latin typeface="Hiragino Kaku Gothic ProN W6" charset="-128"/>
+                <a:ea typeface="Hiragino Kaku Gothic ProN W6" charset="-128"/>
+                <a:cs typeface="Hiragino Kaku Gothic ProN W6" charset="-128"/>
+              </a:rPr>
+              <a:t>前の式で定義された</a:t>
+            </a:r>
+            <a:r>
+              <a:rPr kumimoji="1" lang="en-US" altLang="ja-JP" dirty="0" smtClean="0">
+                <a:latin typeface="Hiragino Kaku Gothic ProN W6" charset="-128"/>
+                <a:ea typeface="Hiragino Kaku Gothic ProN W6" charset="-128"/>
+                <a:cs typeface="Hiragino Kaku Gothic ProN W6" charset="-128"/>
+              </a:rPr>
+              <a:t>EFH</a:t>
+            </a:r>
+            <a:r>
+              <a:rPr kumimoji="1" lang="ja-JP" altLang="en-US" dirty="0" smtClean="0">
+                <a:latin typeface="Hiragino Kaku Gothic ProN W6" charset="-128"/>
+                <a:ea typeface="Hiragino Kaku Gothic ProN W6" charset="-128"/>
+                <a:cs typeface="Hiragino Kaku Gothic ProN W6" charset="-128"/>
+              </a:rPr>
+              <a:t>は</a:t>
+            </a:r>
+            <a:r>
+              <a:rPr lang="en-US" altLang="ja-JP" dirty="0" err="1" smtClean="0">
+                <a:latin typeface="Hiragino Kaku Gothic ProN W6" charset="-128"/>
+                <a:ea typeface="Hiragino Kaku Gothic ProN W6" charset="-128"/>
+                <a:cs typeface="Hiragino Kaku Gothic ProN W6" charset="-128"/>
+              </a:rPr>
+              <a:t>PoE</a:t>
+            </a:r>
+            <a:r>
+              <a:rPr lang="ja-JP" altLang="en-US" dirty="0" smtClean="0">
+                <a:latin typeface="Hiragino Kaku Gothic ProN W6" charset="-128"/>
+                <a:ea typeface="Hiragino Kaku Gothic ProN W6" charset="-128"/>
+                <a:cs typeface="Hiragino Kaku Gothic ProN W6" charset="-128"/>
+              </a:rPr>
+              <a:t>の一種</a:t>
+            </a:r>
+            <a:endParaRPr kumimoji="1" lang="ja-JP" altLang="en-US" dirty="0">
+              <a:latin typeface="Hiragino Kaku Gothic ProN W6" charset="-128"/>
+              <a:ea typeface="Hiragino Kaku Gothic ProN W6" charset="-128"/>
+              <a:cs typeface="Hiragino Kaku Gothic ProN W6" charset="-128"/>
+            </a:endParaRPr>
+          </a:p>
+        </p:txBody>
+      </p:sp>
+      <p:pic>
+        <p:nvPicPr>
+          <p:cNvPr id="4" name="図 3"/>
+          <p:cNvPicPr>
+            <a:picLocks noChangeAspect="1"/>
+          </p:cNvPicPr>
+          <p:nvPr/>
+        </p:nvPicPr>
+        <p:blipFill>
+          <a:blip r:embed="rId2">
+            <a:extLst>
+              <a:ext uri="{28A0092B-C50C-407E-A947-70E740481C1C}">
+                <a14:useLocalDpi xmlns:a14="http://schemas.microsoft.com/office/drawing/2010/main" val="0"/>
+              </a:ext>
+            </a:extLst>
+          </a:blip>
+          <a:stretch>
+            <a:fillRect/>
+          </a:stretch>
+        </p:blipFill>
+        <p:spPr>
+          <a:xfrm>
+            <a:off x="1944414" y="3251200"/>
+            <a:ext cx="6537434" cy="1485989"/>
+          </a:xfrm>
+          <a:prstGeom prst="rect">
+            <a:avLst/>
+          </a:prstGeom>
+        </p:spPr>
+      </p:pic>
     </p:spTree>
     <p:extLst>
       <p:ext uri="{BB962C8B-B14F-4D97-AF65-F5344CB8AC3E}">
@@ -12007,7 +12296,7 @@
         </p:blipFill>
         <p:spPr>
           <a:xfrm>
-            <a:off x="6350878" y="1965434"/>
+            <a:off x="6592616" y="1965435"/>
             <a:ext cx="4915455" cy="4892565"/>
           </a:xfrm>
           <a:prstGeom prst="rect">

--- a/deep_learning3.4.pptx
+++ b/deep_learning3.4.pptx
@@ -11,23 +11,25 @@
     <p:sldId id="258" r:id="rId5"/>
     <p:sldId id="259" r:id="rId6"/>
     <p:sldId id="260" r:id="rId7"/>
-    <p:sldId id="261" r:id="rId8"/>
-    <p:sldId id="262" r:id="rId9"/>
-    <p:sldId id="263" r:id="rId10"/>
-    <p:sldId id="264" r:id="rId11"/>
-    <p:sldId id="271" r:id="rId12"/>
-    <p:sldId id="265" r:id="rId13"/>
-    <p:sldId id="272" r:id="rId14"/>
-    <p:sldId id="266" r:id="rId15"/>
-    <p:sldId id="274" r:id="rId16"/>
-    <p:sldId id="267" r:id="rId17"/>
-    <p:sldId id="268" r:id="rId18"/>
-    <p:sldId id="275" r:id="rId19"/>
-    <p:sldId id="276" r:id="rId20"/>
-    <p:sldId id="277" r:id="rId21"/>
-    <p:sldId id="278" r:id="rId22"/>
-    <p:sldId id="269" r:id="rId23"/>
-    <p:sldId id="270" r:id="rId24"/>
+    <p:sldId id="279" r:id="rId8"/>
+    <p:sldId id="280" r:id="rId9"/>
+    <p:sldId id="261" r:id="rId10"/>
+    <p:sldId id="262" r:id="rId11"/>
+    <p:sldId id="263" r:id="rId12"/>
+    <p:sldId id="264" r:id="rId13"/>
+    <p:sldId id="271" r:id="rId14"/>
+    <p:sldId id="265" r:id="rId15"/>
+    <p:sldId id="272" r:id="rId16"/>
+    <p:sldId id="266" r:id="rId17"/>
+    <p:sldId id="274" r:id="rId18"/>
+    <p:sldId id="267" r:id="rId19"/>
+    <p:sldId id="268" r:id="rId20"/>
+    <p:sldId id="275" r:id="rId21"/>
+    <p:sldId id="276" r:id="rId22"/>
+    <p:sldId id="277" r:id="rId23"/>
+    <p:sldId id="278" r:id="rId24"/>
+    <p:sldId id="269" r:id="rId25"/>
+    <p:sldId id="270" r:id="rId26"/>
   </p:sldIdLst>
   <p:sldSz cx="12192000" cy="6858000"/>
   <p:notesSz cx="6858000" cy="9144000"/>
@@ -8143,12 +8145,12 @@
           <a:lstStyle/>
           <a:p>
             <a:r>
-              <a:rPr kumimoji="1" lang="en-US" altLang="ja-JP" dirty="0" smtClean="0">
-                <a:latin typeface="Hiragino Kaku Gothic ProN W6" charset="-128"/>
-                <a:ea typeface="Hiragino Kaku Gothic ProN W6" charset="-128"/>
-                <a:cs typeface="Hiragino Kaku Gothic ProN W6" charset="-128"/>
-              </a:rPr>
-              <a:t>3.4.5</a:t>
+              <a:rPr lang="en-US" altLang="ja-JP" dirty="0" smtClean="0">
+                <a:latin typeface="Hiragino Kaku Gothic ProN W6" charset="-128"/>
+                <a:ea typeface="Hiragino Kaku Gothic ProN W6" charset="-128"/>
+                <a:cs typeface="Hiragino Kaku Gothic ProN W6" charset="-128"/>
+              </a:rPr>
+              <a:t>3.4.3</a:t>
             </a:r>
             <a:r>
               <a:rPr lang="en-US" altLang="ja-JP" dirty="0">
@@ -8166,7 +8168,15 @@
               </a:rPr>
             </a:br>
             <a:r>
-              <a:rPr kumimoji="1" lang="en-US" altLang="ja-JP" dirty="0" smtClean="0">
+              <a:rPr lang="ja-JP" altLang="en-US" dirty="0" smtClean="0">
+                <a:latin typeface="Hiragino Kaku Gothic ProN W6" charset="-128"/>
+                <a:ea typeface="Hiragino Kaku Gothic ProN W6" charset="-128"/>
+                <a:cs typeface="Hiragino Kaku Gothic ProN W6" charset="-128"/>
+              </a:rPr>
+              <a:t>指数型ハーモニウム族の</a:t>
+            </a:r>
+            <a:r>
+              <a:rPr lang="en-US" altLang="ja-JP" dirty="0" smtClean="0">
                 <a:latin typeface="Hiragino Kaku Gothic ProN W6" charset="-128"/>
                 <a:ea typeface="Hiragino Kaku Gothic ProN W6" charset="-128"/>
                 <a:cs typeface="Hiragino Kaku Gothic ProN W6" charset="-128"/>
@@ -8174,12 +8184,12 @@
               <a:t>CD</a:t>
             </a:r>
             <a:r>
-              <a:rPr kumimoji="1" lang="ja-JP" altLang="en-US" dirty="0" smtClean="0">
-                <a:latin typeface="Hiragino Kaku Gothic ProN W6" charset="-128"/>
-                <a:ea typeface="Hiragino Kaku Gothic ProN W6" charset="-128"/>
-                <a:cs typeface="Hiragino Kaku Gothic ProN W6" charset="-128"/>
-              </a:rPr>
-              <a:t>法と類似した学習則を与えるアルゴリズム</a:t>
+              <a:rPr lang="ja-JP" altLang="en-US" dirty="0" smtClean="0">
+                <a:latin typeface="Hiragino Kaku Gothic ProN W6" charset="-128"/>
+                <a:ea typeface="Hiragino Kaku Gothic ProN W6" charset="-128"/>
+                <a:cs typeface="Hiragino Kaku Gothic ProN W6" charset="-128"/>
+              </a:rPr>
+              <a:t>法による学習</a:t>
             </a:r>
             <a:endParaRPr kumimoji="1" lang="ja-JP" altLang="en-US" dirty="0">
               <a:latin typeface="Hiragino Kaku Gothic ProN W6" charset="-128"/>
@@ -8208,50 +8218,75 @@
               <a:buNone/>
             </a:pPr>
             <a:r>
-              <a:rPr kumimoji="1" lang="ja-JP" altLang="en-US" sz="3200" dirty="0" smtClean="0">
-                <a:latin typeface="Hiragino Kaku Gothic ProN W6" charset="-128"/>
-                <a:ea typeface="Hiragino Kaku Gothic ProN W6" charset="-128"/>
-                <a:cs typeface="Hiragino Kaku Gothic ProN W6" charset="-128"/>
-              </a:rPr>
-              <a:t>最小確率流法</a:t>
-            </a:r>
-            <a:r>
-              <a:rPr kumimoji="1" lang="en-US" altLang="ja-JP" sz="3200" dirty="0" smtClean="0">
-                <a:latin typeface="Hiragino Kaku Gothic ProN W6" charset="-128"/>
-                <a:ea typeface="Hiragino Kaku Gothic ProN W6" charset="-128"/>
-                <a:cs typeface="Hiragino Kaku Gothic ProN W6" charset="-128"/>
-              </a:rPr>
-              <a:t>(MPF</a:t>
-            </a:r>
-            <a:r>
-              <a:rPr kumimoji="1" lang="ja-JP" altLang="en-US" sz="3200" dirty="0" smtClean="0">
-                <a:latin typeface="Hiragino Kaku Gothic ProN W6" charset="-128"/>
-                <a:ea typeface="Hiragino Kaku Gothic ProN W6" charset="-128"/>
-                <a:cs typeface="Hiragino Kaku Gothic ProN W6" charset="-128"/>
-              </a:rPr>
-              <a:t>法</a:t>
-            </a:r>
-            <a:r>
-              <a:rPr kumimoji="1" lang="en-US" altLang="ja-JP" sz="3200" dirty="0" smtClean="0">
-                <a:latin typeface="Hiragino Kaku Gothic ProN W6" charset="-128"/>
-                <a:ea typeface="Hiragino Kaku Gothic ProN W6" charset="-128"/>
-                <a:cs typeface="Hiragino Kaku Gothic ProN W6" charset="-128"/>
-              </a:rPr>
-              <a:t>)</a:t>
-            </a:r>
-          </a:p>
-          <a:p>
-            <a:pPr marL="457200" indent="-457200">
-              <a:buFont typeface="+mj-lt"/>
-              <a:buAutoNum type="arabicPeriod"/>
-            </a:pPr>
+              <a:rPr kumimoji="1" lang="en-US" altLang="ja-JP" dirty="0" smtClean="0">
+                <a:latin typeface="Hiragino Kaku Gothic ProN W6" charset="-128"/>
+                <a:ea typeface="Hiragino Kaku Gothic ProN W6" charset="-128"/>
+                <a:cs typeface="Hiragino Kaku Gothic ProN W6" charset="-128"/>
+              </a:rPr>
+              <a:t>CD</a:t>
+            </a:r>
+            <a:r>
+              <a:rPr kumimoji="1" lang="ja-JP" altLang="en-US" dirty="0" smtClean="0">
+                <a:latin typeface="Hiragino Kaku Gothic ProN W6" charset="-128"/>
+                <a:ea typeface="Hiragino Kaku Gothic ProN W6" charset="-128"/>
+                <a:cs typeface="Hiragino Kaku Gothic ProN W6" charset="-128"/>
+              </a:rPr>
+              <a:t>法（</a:t>
+            </a:r>
+            <a:r>
+              <a:rPr kumimoji="1" lang="en-US" altLang="ja-JP" dirty="0" smtClean="0">
+                <a:latin typeface="Hiragino Kaku Gothic ProN W6" charset="-128"/>
+                <a:ea typeface="Hiragino Kaku Gothic ProN W6" charset="-128"/>
+                <a:cs typeface="Hiragino Kaku Gothic ProN W6" charset="-128"/>
+              </a:rPr>
+              <a:t>Contrastive Divergence</a:t>
+            </a:r>
+            <a:r>
+              <a:rPr kumimoji="1" lang="ja-JP" altLang="en-US" dirty="0" smtClean="0">
+                <a:latin typeface="Hiragino Kaku Gothic ProN W6" charset="-128"/>
+                <a:ea typeface="Hiragino Kaku Gothic ProN W6" charset="-128"/>
+                <a:cs typeface="Hiragino Kaku Gothic ProN W6" charset="-128"/>
+              </a:rPr>
+              <a:t>法）</a:t>
+            </a:r>
+            <a:endParaRPr kumimoji="1" lang="en-US" altLang="ja-JP" dirty="0" smtClean="0">
+              <a:latin typeface="Hiragino Kaku Gothic ProN W6" charset="-128"/>
+              <a:ea typeface="Hiragino Kaku Gothic ProN W6" charset="-128"/>
+              <a:cs typeface="Hiragino Kaku Gothic ProN W6" charset="-128"/>
+            </a:endParaRPr>
+          </a:p>
+          <a:p>
+            <a:r>
+              <a:rPr lang="en-US" altLang="ja-JP" dirty="0" smtClean="0">
+                <a:latin typeface="Hiragino Kaku Gothic ProN W6" charset="-128"/>
+                <a:ea typeface="Hiragino Kaku Gothic ProN W6" charset="-128"/>
+                <a:cs typeface="Hiragino Kaku Gothic ProN W6" charset="-128"/>
+              </a:rPr>
+              <a:t>EFH</a:t>
+            </a:r>
             <a:r>
               <a:rPr lang="ja-JP" altLang="en-US" dirty="0" smtClean="0">
                 <a:latin typeface="Hiragino Kaku Gothic ProN W6" charset="-128"/>
                 <a:ea typeface="Hiragino Kaku Gothic ProN W6" charset="-128"/>
                 <a:cs typeface="Hiragino Kaku Gothic ProN W6" charset="-128"/>
               </a:rPr>
-              <a:t>連続時間</a:t>
+              <a:t>の</a:t>
+            </a:r>
+            <a:r>
+              <a:rPr lang="en-US" altLang="ja-JP" dirty="0" err="1" smtClean="0">
+                <a:latin typeface="Hiragino Kaku Gothic ProN W6" charset="-128"/>
+                <a:ea typeface="Hiragino Kaku Gothic ProN W6" charset="-128"/>
+                <a:cs typeface="Hiragino Kaku Gothic ProN W6" charset="-128"/>
+              </a:rPr>
+              <a:t>θ</a:t>
+            </a:r>
+            <a:r>
+              <a:rPr lang="ja-JP" altLang="en-US" dirty="0" smtClean="0">
+                <a:latin typeface="Hiragino Kaku Gothic ProN W6" charset="-128"/>
+                <a:ea typeface="Hiragino Kaku Gothic ProN W6" charset="-128"/>
+                <a:cs typeface="Hiragino Kaku Gothic ProN W6" charset="-128"/>
+              </a:rPr>
+              <a:t>に関する勾配計算に</a:t>
             </a:r>
             <a:r>
               <a:rPr lang="en-US" altLang="ja-JP" dirty="0" smtClean="0">
@@ -8259,7 +8294,7 @@
                 <a:ea typeface="Hiragino Kaku Gothic ProN W6" charset="-128"/>
                 <a:cs typeface="Hiragino Kaku Gothic ProN W6" charset="-128"/>
               </a:rPr>
-              <a:t>t</a:t>
+              <a:t>EFH</a:t>
             </a:r>
             <a:r>
               <a:rPr lang="ja-JP" altLang="en-US" dirty="0" smtClean="0">
@@ -8267,7 +8302,7 @@
                 <a:ea typeface="Hiragino Kaku Gothic ProN W6" charset="-128"/>
                 <a:cs typeface="Hiragino Kaku Gothic ProN W6" charset="-128"/>
               </a:rPr>
-              <a:t>のマルコフ過程を考える</a:t>
+              <a:t>のモデル分布の期待値計算が必要→ギプスサンプリングで近似→計算時間が掛かり過ぎる</a:t>
             </a:r>
             <a:endParaRPr lang="en-US" altLang="ja-JP" dirty="0" smtClean="0">
               <a:latin typeface="Hiragino Kaku Gothic ProN W6" charset="-128"/>
@@ -8276,58 +8311,45 @@
             </a:endParaRPr>
           </a:p>
           <a:p>
-            <a:pPr marL="457200" indent="-457200">
-              <a:buFont typeface="+mj-lt"/>
-              <a:buAutoNum type="arabicPeriod"/>
-            </a:pPr>
             <a:r>
               <a:rPr kumimoji="1" lang="ja-JP" altLang="en-US" dirty="0" smtClean="0">
                 <a:latin typeface="Hiragino Kaku Gothic ProN W6" charset="-128"/>
                 <a:ea typeface="Hiragino Kaku Gothic ProN W6" charset="-128"/>
                 <a:cs typeface="Hiragino Kaku Gothic ProN W6" charset="-128"/>
               </a:rPr>
-              <a:t>確率過程の定常分布を経験分布に近づける損失関数を導入</a:t>
-            </a:r>
-            <a:endParaRPr kumimoji="1" lang="en-US" altLang="ja-JP" dirty="0" smtClean="0">
-              <a:latin typeface="Hiragino Kaku Gothic ProN W6" charset="-128"/>
-              <a:ea typeface="Hiragino Kaku Gothic ProN W6" charset="-128"/>
-              <a:cs typeface="Hiragino Kaku Gothic ProN W6" charset="-128"/>
-            </a:endParaRPr>
-          </a:p>
-          <a:p>
-            <a:pPr marL="457200" indent="-457200">
-              <a:buFont typeface="+mj-lt"/>
-              <a:buAutoNum type="arabicPeriod"/>
-            </a:pPr>
-            <a:endParaRPr kumimoji="1" lang="en-US" altLang="ja-JP" dirty="0" smtClean="0">
-              <a:latin typeface="Hiragino Kaku Gothic ProN W6" charset="-128"/>
-              <a:ea typeface="Hiragino Kaku Gothic ProN W6" charset="-128"/>
-              <a:cs typeface="Hiragino Kaku Gothic ProN W6" charset="-128"/>
-            </a:endParaRPr>
-          </a:p>
-          <a:p>
-            <a:pPr marL="457200" indent="-457200">
-              <a:buFont typeface="+mj-lt"/>
-              <a:buAutoNum type="arabicPeriod"/>
-            </a:pPr>
-            <a:endParaRPr kumimoji="1" lang="en-US" altLang="ja-JP" dirty="0" smtClean="0">
-              <a:latin typeface="Hiragino Kaku Gothic ProN W6" charset="-128"/>
-              <a:ea typeface="Hiragino Kaku Gothic ProN W6" charset="-128"/>
-              <a:cs typeface="Hiragino Kaku Gothic ProN W6" charset="-128"/>
-            </a:endParaRPr>
-          </a:p>
-          <a:p>
-            <a:pPr marL="457200" indent="-457200">
-              <a:buFont typeface="+mj-lt"/>
-              <a:buAutoNum type="arabicPeriod"/>
-            </a:pPr>
+              <a:t>ギプスサンプリングを</a:t>
+            </a:r>
+            <a:r>
+              <a:rPr lang="en-US" altLang="ja-JP" dirty="0" smtClean="0">
+                <a:latin typeface="Hiragino Kaku Gothic ProN W6" charset="-128"/>
+                <a:ea typeface="Hiragino Kaku Gothic ProN W6" charset="-128"/>
+                <a:cs typeface="Hiragino Kaku Gothic ProN W6" charset="-128"/>
+              </a:rPr>
+              <a:t>k</a:t>
+            </a:r>
             <a:r>
               <a:rPr lang="ja-JP" altLang="en-US" dirty="0" smtClean="0">
                 <a:latin typeface="Hiragino Kaku Gothic ProN W6" charset="-128"/>
                 <a:ea typeface="Hiragino Kaku Gothic ProN W6" charset="-128"/>
                 <a:cs typeface="Hiragino Kaku Gothic ProN W6" charset="-128"/>
               </a:rPr>
-              <a:t>詳細釣り合い条件と類似の制約下で損失関数を最小化</a:t>
+              <a:t>回（典型的に</a:t>
+            </a:r>
+            <a:r>
+              <a:rPr lang="en-US" altLang="ja-JP" dirty="0" smtClean="0">
+                <a:latin typeface="Hiragino Kaku Gothic ProN W6" charset="-128"/>
+                <a:ea typeface="Hiragino Kaku Gothic ProN W6" charset="-128"/>
+                <a:cs typeface="Hiragino Kaku Gothic ProN W6" charset="-128"/>
+              </a:rPr>
+              <a:t>k=1</a:t>
+            </a:r>
+            <a:r>
+              <a:rPr lang="ja-JP" altLang="en-US" dirty="0" smtClean="0">
+                <a:latin typeface="Hiragino Kaku Gothic ProN W6" charset="-128"/>
+                <a:ea typeface="Hiragino Kaku Gothic ProN W6" charset="-128"/>
+                <a:cs typeface="Hiragino Kaku Gothic ProN W6" charset="-128"/>
+              </a:rPr>
+              <a:t>）だけ行う</a:t>
             </a:r>
             <a:endParaRPr lang="en-US" altLang="ja-JP" dirty="0" smtClean="0">
               <a:latin typeface="Hiragino Kaku Gothic ProN W6" charset="-128"/>
@@ -8336,10 +8358,29 @@
             </a:endParaRPr>
           </a:p>
           <a:p>
-            <a:pPr marL="457200" indent="-457200">
-              <a:buFont typeface="+mj-lt"/>
-              <a:buAutoNum type="arabicPeriod"/>
-            </a:pPr>
+            <a:r>
+              <a:rPr lang="en-US" altLang="ja-JP" dirty="0" smtClean="0">
+                <a:latin typeface="Hiragino Kaku Gothic ProN W6" charset="-128"/>
+                <a:ea typeface="Hiragino Kaku Gothic ProN W6" charset="-128"/>
+                <a:cs typeface="Hiragino Kaku Gothic ProN W6" charset="-128"/>
+              </a:rPr>
+              <a:t>CD-k</a:t>
+            </a:r>
+            <a:r>
+              <a:rPr lang="ja-JP" altLang="en-US" dirty="0" smtClean="0">
+                <a:latin typeface="Hiragino Kaku Gothic ProN W6" charset="-128"/>
+                <a:ea typeface="Hiragino Kaku Gothic ProN W6" charset="-128"/>
+                <a:cs typeface="Hiragino Kaku Gothic ProN W6" charset="-128"/>
+              </a:rPr>
+              <a:t>法では以下の近似導関数を用いてパラメータ更新</a:t>
+            </a:r>
+            <a:endParaRPr lang="en-US" altLang="ja-JP" dirty="0" smtClean="0">
+              <a:latin typeface="Hiragino Kaku Gothic ProN W6" charset="-128"/>
+              <a:ea typeface="Hiragino Kaku Gothic ProN W6" charset="-128"/>
+              <a:cs typeface="Hiragino Kaku Gothic ProN W6" charset="-128"/>
+            </a:endParaRPr>
+          </a:p>
+          <a:p>
             <a:endParaRPr kumimoji="1" lang="ja-JP" altLang="en-US" dirty="0">
               <a:latin typeface="Hiragino Kaku Gothic ProN W6" charset="-128"/>
               <a:ea typeface="Hiragino Kaku Gothic ProN W6" charset="-128"/>
@@ -8370,48 +8411,72 @@
         </p:blipFill>
         <p:spPr>
           <a:xfrm>
-            <a:off x="1460937" y="3825173"/>
-            <a:ext cx="5605720" cy="830318"/>
+            <a:off x="774914" y="4567455"/>
+            <a:ext cx="10058400" cy="1456485"/>
           </a:xfrm>
           <a:prstGeom prst="rect">
             <a:avLst/>
           </a:prstGeom>
         </p:spPr>
       </p:pic>
-      <p:pic>
-        <p:nvPicPr>
-          <p:cNvPr id="5" name="図 4"/>
-          <p:cNvPicPr>
-            <a:picLocks noChangeAspect="1"/>
-          </p:cNvPicPr>
+      <p:sp>
+        <p:nvSpPr>
+          <p:cNvPr id="5" name="テキスト ボックス 4"/>
+          <p:cNvSpPr txBox="1"/>
           <p:nvPr/>
-        </p:nvPicPr>
-        <p:blipFill>
-          <a:blip r:embed="rId3">
-            <a:extLst>
-              <a:ext uri="{28A0092B-C50C-407E-A947-70E740481C1C}">
-                <a14:useLocalDpi xmlns:a14="http://schemas.microsoft.com/office/drawing/2010/main" val="0"/>
-              </a:ext>
-            </a:extLst>
-          </a:blip>
-          <a:stretch>
-            <a:fillRect/>
-          </a:stretch>
-        </p:blipFill>
-        <p:spPr>
-          <a:xfrm>
-            <a:off x="1460937" y="5158198"/>
-            <a:ext cx="6758152" cy="777991"/>
+        </p:nvSpPr>
+        <p:spPr>
+          <a:xfrm>
+            <a:off x="10833314" y="4981903"/>
+            <a:ext cx="1202573" cy="461665"/>
           </a:xfrm>
           <a:prstGeom prst="rect">
             <a:avLst/>
           </a:prstGeom>
-        </p:spPr>
-      </p:pic>
+          <a:noFill/>
+        </p:spPr>
+        <p:txBody>
+          <a:bodyPr wrap="none" rtlCol="0">
+            <a:spAutoFit/>
+          </a:bodyPr>
+          <a:lstStyle/>
+          <a:p>
+            <a:r>
+              <a:rPr kumimoji="1" lang="en-US" altLang="ja-JP" sz="2400" dirty="0" smtClean="0">
+                <a:latin typeface="Hiragino Kaku Gothic StdN W8" charset="-128"/>
+                <a:ea typeface="Hiragino Kaku Gothic StdN W8" charset="-128"/>
+                <a:cs typeface="Hiragino Kaku Gothic StdN W8" charset="-128"/>
+              </a:rPr>
+              <a:t>(</a:t>
+            </a:r>
+            <a:r>
+              <a:rPr kumimoji="1" lang="en-US" altLang="ja-JP" sz="2400" dirty="0" smtClean="0">
+                <a:latin typeface="Hiragino Kaku Gothic ProN W6" charset="-128"/>
+                <a:ea typeface="Hiragino Kaku Gothic ProN W6" charset="-128"/>
+                <a:cs typeface="Hiragino Kaku Gothic ProN W6" charset="-128"/>
+              </a:rPr>
+              <a:t>3.13</a:t>
+            </a:r>
+            <a:r>
+              <a:rPr kumimoji="1" lang="en-US" altLang="ja-JP" sz="2400" dirty="0" smtClean="0">
+                <a:latin typeface="Hiragino Kaku Gothic StdN W8" charset="-128"/>
+                <a:ea typeface="Hiragino Kaku Gothic StdN W8" charset="-128"/>
+                <a:cs typeface="Hiragino Kaku Gothic StdN W8" charset="-128"/>
+              </a:rPr>
+              <a:t>)</a:t>
+            </a:r>
+            <a:endParaRPr kumimoji="1" lang="ja-JP" altLang="en-US" sz="2400" dirty="0">
+              <a:latin typeface="Hiragino Kaku Gothic StdN W8" charset="-128"/>
+              <a:ea typeface="Hiragino Kaku Gothic StdN W8" charset="-128"/>
+              <a:cs typeface="Hiragino Kaku Gothic StdN W8" charset="-128"/>
+            </a:endParaRPr>
+          </a:p>
+        </p:txBody>
+      </p:sp>
     </p:spTree>
     <p:extLst>
       <p:ext uri="{BB962C8B-B14F-4D97-AF65-F5344CB8AC3E}">
-        <p14:creationId xmlns:p14="http://schemas.microsoft.com/office/powerpoint/2010/main" val="355174065"/>
+        <p14:creationId xmlns:p14="http://schemas.microsoft.com/office/powerpoint/2010/main" val="1401643387"/>
       </p:ext>
     </p:extLst>
   </p:cSld>
@@ -8459,15 +8524,31 @@
                 <a:ea typeface="Hiragino Kaku Gothic ProN W6" charset="-128"/>
                 <a:cs typeface="Hiragino Kaku Gothic ProN W6" charset="-128"/>
               </a:rPr>
-              <a:t>MPF</a:t>
-            </a:r>
-            <a:r>
-              <a:rPr lang="ja-JP" altLang="en-US" dirty="0" smtClean="0">
-                <a:latin typeface="Hiragino Kaku Gothic ProN W6" charset="-128"/>
-                <a:ea typeface="Hiragino Kaku Gothic ProN W6" charset="-128"/>
-                <a:cs typeface="Hiragino Kaku Gothic ProN W6" charset="-128"/>
-              </a:rPr>
-              <a:t>法の利点</a:t>
+              <a:t>3.4.4</a:t>
+            </a:r>
+            <a:r>
+              <a:rPr kumimoji="1" lang="ja-JP" altLang="en-US" dirty="0" smtClean="0">
+                <a:latin typeface="Hiragino Kaku Gothic ProN W6" charset="-128"/>
+                <a:ea typeface="Hiragino Kaku Gothic ProN W6" charset="-128"/>
+                <a:cs typeface="Hiragino Kaku Gothic ProN W6" charset="-128"/>
+              </a:rPr>
+              <a:t>　</a:t>
+            </a:r>
+            <a:r>
+              <a:rPr kumimoji="1" lang="en-US" altLang="ja-JP" dirty="0" smtClean="0">
+                <a:latin typeface="Hiragino Kaku Gothic ProN W6" charset="-128"/>
+                <a:ea typeface="Hiragino Kaku Gothic ProN W6" charset="-128"/>
+                <a:cs typeface="Hiragino Kaku Gothic ProN W6" charset="-128"/>
+              </a:rPr>
+              <a:t>CD</a:t>
+            </a:r>
+            <a:r>
+              <a:rPr kumimoji="1" lang="ja-JP" altLang="en-US" dirty="0" smtClean="0">
+                <a:latin typeface="Hiragino Kaku Gothic ProN W6" charset="-128"/>
+                <a:ea typeface="Hiragino Kaku Gothic ProN W6" charset="-128"/>
+                <a:cs typeface="Hiragino Kaku Gothic ProN W6" charset="-128"/>
+              </a:rPr>
+              <a:t>法が最適化している損失関数</a:t>
             </a:r>
             <a:endParaRPr kumimoji="1" lang="ja-JP" altLang="en-US" dirty="0">
               <a:latin typeface="Hiragino Kaku Gothic ProN W6" charset="-128"/>
@@ -8498,7 +8579,7 @@
                 <a:ea typeface="Hiragino Kaku Gothic ProN W6" charset="-128"/>
                 <a:cs typeface="Hiragino Kaku Gothic ProN W6" charset="-128"/>
               </a:rPr>
-              <a:t>損失関数の最小化から導かれるため</a:t>
+              <a:t>ギプスサンプリングは導関数を用いて対数尤度を最大化</a:t>
             </a:r>
             <a:endParaRPr kumimoji="1" lang="en-US" altLang="ja-JP" dirty="0" smtClean="0">
               <a:latin typeface="Hiragino Kaku Gothic ProN W6" charset="-128"/>
@@ -8507,14 +8588,51 @@
             </a:endParaRPr>
           </a:p>
           <a:p>
-            <a:pPr lvl="1"/>
+            <a:r>
+              <a:rPr lang="en-US" altLang="ja-JP" dirty="0" smtClean="0">
+                <a:latin typeface="Hiragino Kaku Gothic ProN W6" charset="-128"/>
+                <a:ea typeface="Hiragino Kaku Gothic ProN W6" charset="-128"/>
+                <a:cs typeface="Hiragino Kaku Gothic ProN W6" charset="-128"/>
+              </a:rPr>
+              <a:t>CD</a:t>
+            </a:r>
+            <a:r>
+              <a:rPr lang="ja-JP" altLang="en-US" dirty="0" smtClean="0">
+                <a:latin typeface="Hiragino Kaku Gothic ProN W6" charset="-128"/>
+                <a:ea typeface="Hiragino Kaku Gothic ProN W6" charset="-128"/>
+                <a:cs typeface="Hiragino Kaku Gothic ProN W6" charset="-128"/>
+              </a:rPr>
+              <a:t>法も導関数の級数展開を打ち切った形なので対数尤度の最急勾配の良い近似</a:t>
+            </a:r>
+            <a:endParaRPr lang="en-US" altLang="ja-JP" dirty="0" smtClean="0">
+              <a:latin typeface="Hiragino Kaku Gothic ProN W6" charset="-128"/>
+              <a:ea typeface="Hiragino Kaku Gothic ProN W6" charset="-128"/>
+              <a:cs typeface="Hiragino Kaku Gothic ProN W6" charset="-128"/>
+            </a:endParaRPr>
+          </a:p>
+          <a:p>
+            <a:endParaRPr kumimoji="1" lang="en-US" altLang="ja-JP" dirty="0">
+              <a:latin typeface="Hiragino Kaku Gothic ProN W6" charset="-128"/>
+              <a:ea typeface="Hiragino Kaku Gothic ProN W6" charset="-128"/>
+              <a:cs typeface="Hiragino Kaku Gothic ProN W6" charset="-128"/>
+            </a:endParaRPr>
+          </a:p>
+          <a:p>
+            <a:r>
+              <a:rPr kumimoji="1" lang="en-US" altLang="ja-JP" dirty="0" smtClean="0">
+                <a:latin typeface="Hiragino Kaku Gothic ProN W6" charset="-128"/>
+                <a:ea typeface="Hiragino Kaku Gothic ProN W6" charset="-128"/>
+                <a:cs typeface="Hiragino Kaku Gothic ProN W6" charset="-128"/>
+              </a:rPr>
+              <a:t>CD</a:t>
+            </a:r>
             <a:r>
               <a:rPr kumimoji="1" lang="ja-JP" altLang="en-US" dirty="0" smtClean="0">
                 <a:latin typeface="Hiragino Kaku Gothic ProN W6" charset="-128"/>
                 <a:ea typeface="Hiragino Kaku Gothic ProN W6" charset="-128"/>
                 <a:cs typeface="Hiragino Kaku Gothic ProN W6" charset="-128"/>
               </a:rPr>
-              <a:t>収束性がある</a:t>
+              <a:t>法をそもそも異なる損失関数を最適化する手法と解釈</a:t>
             </a:r>
             <a:endParaRPr kumimoji="1" lang="en-US" altLang="ja-JP" dirty="0" smtClean="0">
               <a:latin typeface="Hiragino Kaku Gothic ProN W6" charset="-128"/>
@@ -8523,76 +8641,48 @@
             </a:endParaRPr>
           </a:p>
           <a:p>
-            <a:pPr lvl="1"/>
-            <a:r>
-              <a:rPr kumimoji="1" lang="ja-JP" altLang="en-US" dirty="0" smtClean="0">
-                <a:latin typeface="Hiragino Kaku Gothic ProN W6" charset="-128"/>
-                <a:ea typeface="Hiragino Kaku Gothic ProN W6" charset="-128"/>
-                <a:cs typeface="Hiragino Kaku Gothic ProN W6" charset="-128"/>
-              </a:rPr>
-              <a:t>適切な学習率の調整が可能</a:t>
-            </a:r>
-            <a:endParaRPr kumimoji="1" lang="en-US" altLang="ja-JP" dirty="0" smtClean="0">
-              <a:latin typeface="Hiragino Kaku Gothic ProN W6" charset="-128"/>
-              <a:ea typeface="Hiragino Kaku Gothic ProN W6" charset="-128"/>
-              <a:cs typeface="Hiragino Kaku Gothic ProN W6" charset="-128"/>
-            </a:endParaRPr>
-          </a:p>
-          <a:p>
-            <a:r>
-              <a:rPr kumimoji="1" lang="ja-JP" altLang="en-US" dirty="0" smtClean="0">
-                <a:latin typeface="Hiragino Kaku Gothic ProN W6" charset="-128"/>
-                <a:ea typeface="Hiragino Kaku Gothic ProN W6" charset="-128"/>
-                <a:cs typeface="Hiragino Kaku Gothic ProN W6" charset="-128"/>
-              </a:rPr>
-              <a:t>損失関数</a:t>
-            </a:r>
-            <a:r>
-              <a:rPr kumimoji="1" lang="en-US" altLang="ja-JP" dirty="0" smtClean="0">
-                <a:latin typeface="Hiragino Kaku Gothic ProN W6" charset="-128"/>
-                <a:ea typeface="Hiragino Kaku Gothic ProN W6" charset="-128"/>
-                <a:cs typeface="Hiragino Kaku Gothic ProN W6" charset="-128"/>
-              </a:rPr>
-              <a:t>C(</a:t>
-            </a:r>
-            <a:r>
-              <a:rPr lang="en-US" altLang="ja-JP" dirty="0" err="1" smtClean="0">
-                <a:latin typeface="Hiragino Kaku Gothic ProN W6" charset="-128"/>
-                <a:ea typeface="Hiragino Kaku Gothic ProN W6" charset="-128"/>
-                <a:cs typeface="Hiragino Kaku Gothic ProN W6" charset="-128"/>
-              </a:rPr>
-              <a:t>θ</a:t>
-            </a:r>
-            <a:r>
-              <a:rPr kumimoji="1" lang="en-US" altLang="ja-JP" dirty="0" smtClean="0">
-                <a:latin typeface="Hiragino Kaku Gothic ProN W6" charset="-128"/>
-                <a:ea typeface="Hiragino Kaku Gothic ProN W6" charset="-128"/>
-                <a:cs typeface="Hiragino Kaku Gothic ProN W6" charset="-128"/>
-              </a:rPr>
-              <a:t>)</a:t>
-            </a:r>
-            <a:r>
-              <a:rPr kumimoji="1" lang="ja-JP" altLang="en-US" dirty="0" smtClean="0">
-                <a:latin typeface="Hiragino Kaku Gothic ProN W6" charset="-128"/>
-                <a:ea typeface="Hiragino Kaku Gothic ProN W6" charset="-128"/>
-                <a:cs typeface="Hiragino Kaku Gothic ProN W6" charset="-128"/>
-              </a:rPr>
-              <a:t>が凸関数で観測データ数に比例するオーダーで評価</a:t>
-            </a:r>
-            <a:endParaRPr kumimoji="1" lang="en-US" altLang="ja-JP" dirty="0" smtClean="0">
-              <a:latin typeface="Hiragino Kaku Gothic ProN W6" charset="-128"/>
-              <a:ea typeface="Hiragino Kaku Gothic ProN W6" charset="-128"/>
-              <a:cs typeface="Hiragino Kaku Gothic ProN W6" charset="-128"/>
-            </a:endParaRPr>
-          </a:p>
-          <a:p>
+            <a:pPr marL="0" indent="0">
+              <a:buNone/>
+            </a:pPr>
             <a:r>
               <a:rPr lang="ja-JP" altLang="en-US" dirty="0" smtClean="0">
                 <a:latin typeface="Hiragino Kaku Gothic ProN W6" charset="-128"/>
                 <a:ea typeface="Hiragino Kaku Gothic ProN W6" charset="-128"/>
                 <a:cs typeface="Hiragino Kaku Gothic ProN W6" charset="-128"/>
               </a:rPr>
-              <a:t>→学習が高速</a:t>
+              <a:t>ギプスサンプリングを</a:t>
+            </a:r>
+            <a:r>
+              <a:rPr lang="en-US" altLang="ja-JP" dirty="0" smtClean="0">
+                <a:latin typeface="Hiragino Kaku Gothic ProN W6" charset="-128"/>
+                <a:ea typeface="Hiragino Kaku Gothic ProN W6" charset="-128"/>
+                <a:cs typeface="Hiragino Kaku Gothic ProN W6" charset="-128"/>
+              </a:rPr>
+              <a:t>k</a:t>
+            </a:r>
+            <a:r>
+              <a:rPr lang="ja-JP" altLang="en-US" dirty="0" smtClean="0">
+                <a:latin typeface="Hiragino Kaku Gothic ProN W6" charset="-128"/>
+                <a:ea typeface="Hiragino Kaku Gothic ProN W6" charset="-128"/>
+                <a:cs typeface="Hiragino Kaku Gothic ProN W6" charset="-128"/>
+              </a:rPr>
+              <a:t>回行った</a:t>
+            </a:r>
+            <a:r>
+              <a:rPr lang="en-US" altLang="ja-JP" dirty="0" smtClean="0">
+                <a:latin typeface="Hiragino Kaku Gothic ProN W6" charset="-128"/>
+                <a:ea typeface="Hiragino Kaku Gothic ProN W6" charset="-128"/>
+                <a:cs typeface="Hiragino Kaku Gothic ProN W6" charset="-128"/>
+              </a:rPr>
+              <a:t>CD-k</a:t>
+            </a:r>
+            <a:r>
+              <a:rPr lang="ja-JP" altLang="en-US" dirty="0" smtClean="0">
+                <a:latin typeface="Hiragino Kaku Gothic ProN W6" charset="-128"/>
+                <a:ea typeface="Hiragino Kaku Gothic ProN W6" charset="-128"/>
+                <a:cs typeface="Hiragino Kaku Gothic ProN W6" charset="-128"/>
+              </a:rPr>
+              <a:t>法の損失関数</a:t>
             </a:r>
             <a:endParaRPr lang="en-US" altLang="ja-JP" dirty="0" smtClean="0">
               <a:latin typeface="Hiragino Kaku Gothic ProN W6" charset="-128"/>
@@ -8601,22 +8691,6 @@
             </a:endParaRPr>
           </a:p>
           <a:p>
-            <a:r>
-              <a:rPr kumimoji="1" lang="en-US" altLang="ja-JP" dirty="0" smtClean="0">
-                <a:latin typeface="Hiragino Kaku Gothic ProN W6" charset="-128"/>
-                <a:ea typeface="Hiragino Kaku Gothic ProN W6" charset="-128"/>
-                <a:cs typeface="Hiragino Kaku Gothic ProN W6" charset="-128"/>
-              </a:rPr>
-              <a:t>CD</a:t>
-            </a:r>
-            <a:r>
-              <a:rPr lang="ja-JP" altLang="en-US" dirty="0" smtClean="0">
-                <a:latin typeface="Hiragino Kaku Gothic ProN W6" charset="-128"/>
-                <a:ea typeface="Hiragino Kaku Gothic ProN W6" charset="-128"/>
-                <a:cs typeface="Hiragino Kaku Gothic ProN W6" charset="-128"/>
-              </a:rPr>
-              <a:t>法では尤度が最大化されずに途中で収束してしまう問題が起こる場合があった</a:t>
-            </a:r>
             <a:endParaRPr kumimoji="1" lang="ja-JP" altLang="en-US" dirty="0">
               <a:latin typeface="Hiragino Kaku Gothic ProN W6" charset="-128"/>
               <a:ea typeface="Hiragino Kaku Gothic ProN W6" charset="-128"/>
@@ -8625,10 +8699,40 @@
           </a:p>
         </p:txBody>
       </p:sp>
+      <p:pic>
+        <p:nvPicPr>
+          <p:cNvPr id="5" name="図 4"/>
+          <p:cNvPicPr>
+            <a:picLocks noChangeAspect="1"/>
+          </p:cNvPicPr>
+          <p:nvPr/>
+        </p:nvPicPr>
+        <p:blipFill>
+          <a:blip r:embed="rId2">
+            <a:extLst>
+              <a:ext uri="{28A0092B-C50C-407E-A947-70E740481C1C}">
+                <a14:useLocalDpi xmlns:a14="http://schemas.microsoft.com/office/drawing/2010/main" val="0"/>
+              </a:ext>
+            </a:extLst>
+          </a:blip>
+          <a:stretch>
+            <a:fillRect/>
+          </a:stretch>
+        </p:blipFill>
+        <p:spPr>
+          <a:xfrm>
+            <a:off x="680321" y="5004238"/>
+            <a:ext cx="10058400" cy="803411"/>
+          </a:xfrm>
+          <a:prstGeom prst="rect">
+            <a:avLst/>
+          </a:prstGeom>
+        </p:spPr>
+      </p:pic>
     </p:spTree>
     <p:extLst>
       <p:ext uri="{BB962C8B-B14F-4D97-AF65-F5344CB8AC3E}">
-        <p14:creationId xmlns:p14="http://schemas.microsoft.com/office/powerpoint/2010/main" val="1008638540"/>
+        <p14:creationId xmlns:p14="http://schemas.microsoft.com/office/powerpoint/2010/main" val="679919611"/>
       </p:ext>
     </p:extLst>
   </p:cSld>
@@ -8676,7 +8780,30 @@
                 <a:ea typeface="Hiragino Kaku Gothic ProN W6" charset="-128"/>
                 <a:cs typeface="Hiragino Kaku Gothic ProN W6" charset="-128"/>
               </a:rPr>
-              <a:t>3.4.6</a:t>
+              <a:t>3.4.5</a:t>
+            </a:r>
+            <a:r>
+              <a:rPr lang="en-US" altLang="ja-JP" dirty="0">
+                <a:latin typeface="Hiragino Kaku Gothic ProN W6" charset="-128"/>
+                <a:ea typeface="Hiragino Kaku Gothic ProN W6" charset="-128"/>
+                <a:cs typeface="Hiragino Kaku Gothic ProN W6" charset="-128"/>
+              </a:rPr>
+              <a:t/>
+            </a:r>
+            <a:br>
+              <a:rPr lang="en-US" altLang="ja-JP" dirty="0">
+                <a:latin typeface="Hiragino Kaku Gothic ProN W6" charset="-128"/>
+                <a:ea typeface="Hiragino Kaku Gothic ProN W6" charset="-128"/>
+                <a:cs typeface="Hiragino Kaku Gothic ProN W6" charset="-128"/>
+              </a:rPr>
+            </a:br>
+            <a:r>
+              <a:rPr kumimoji="1" lang="en-US" altLang="ja-JP" dirty="0" smtClean="0">
+                <a:latin typeface="Hiragino Kaku Gothic ProN W6" charset="-128"/>
+                <a:ea typeface="Hiragino Kaku Gothic ProN W6" charset="-128"/>
+                <a:cs typeface="Hiragino Kaku Gothic ProN W6" charset="-128"/>
+              </a:rPr>
+              <a:t>CD</a:t>
             </a:r>
             <a:r>
               <a:rPr kumimoji="1" lang="ja-JP" altLang="en-US" dirty="0" smtClean="0">
@@ -8684,24 +8811,167 @@
                 <a:ea typeface="Hiragino Kaku Gothic ProN W6" charset="-128"/>
                 <a:cs typeface="Hiragino Kaku Gothic ProN W6" charset="-128"/>
               </a:rPr>
-              <a:t>　</a:t>
-            </a:r>
-            <a:r>
-              <a:rPr kumimoji="1" lang="en-US" altLang="ja-JP" dirty="0" smtClean="0">
-                <a:latin typeface="Hiragino Kaku Gothic ProN W6" charset="-128"/>
-                <a:ea typeface="Hiragino Kaku Gothic ProN W6" charset="-128"/>
-                <a:cs typeface="Hiragino Kaku Gothic ProN W6" charset="-128"/>
-              </a:rPr>
-              <a:t>CD</a:t>
-            </a:r>
+              <a:t>法と類似した学習則を与えるアルゴリズム</a:t>
+            </a:r>
+            <a:endParaRPr kumimoji="1" lang="ja-JP" altLang="en-US" dirty="0">
+              <a:latin typeface="Hiragino Kaku Gothic ProN W6" charset="-128"/>
+              <a:ea typeface="Hiragino Kaku Gothic ProN W6" charset="-128"/>
+              <a:cs typeface="Hiragino Kaku Gothic ProN W6" charset="-128"/>
+            </a:endParaRPr>
+          </a:p>
+        </p:txBody>
+      </p:sp>
+      <p:sp>
+        <p:nvSpPr>
+          <p:cNvPr id="3" name="コンテンツ プレースホルダー 2"/>
+          <p:cNvSpPr>
+            <a:spLocks noGrp="1"/>
+          </p:cNvSpPr>
+          <p:nvPr>
+            <p:ph idx="1"/>
+          </p:nvPr>
+        </p:nvSpPr>
+        <p:spPr/>
+        <p:txBody>
+          <a:bodyPr/>
+          <a:lstStyle/>
+          <a:p>
+            <a:pPr marL="0" indent="0">
+              <a:buNone/>
+            </a:pPr>
+            <a:r>
+              <a:rPr kumimoji="1" lang="ja-JP" altLang="en-US" sz="3200" dirty="0" smtClean="0">
+                <a:latin typeface="Hiragino Kaku Gothic ProN W6" charset="-128"/>
+                <a:ea typeface="Hiragino Kaku Gothic ProN W6" charset="-128"/>
+                <a:cs typeface="Hiragino Kaku Gothic ProN W6" charset="-128"/>
+              </a:rPr>
+              <a:t>最小確率流法</a:t>
+            </a:r>
+            <a:r>
+              <a:rPr kumimoji="1" lang="en-US" altLang="ja-JP" sz="3200" dirty="0" smtClean="0">
+                <a:latin typeface="Hiragino Kaku Gothic ProN W6" charset="-128"/>
+                <a:ea typeface="Hiragino Kaku Gothic ProN W6" charset="-128"/>
+                <a:cs typeface="Hiragino Kaku Gothic ProN W6" charset="-128"/>
+              </a:rPr>
+              <a:t>(MPF</a:t>
+            </a:r>
+            <a:r>
+              <a:rPr kumimoji="1" lang="ja-JP" altLang="en-US" sz="3200" dirty="0" smtClean="0">
+                <a:latin typeface="Hiragino Kaku Gothic ProN W6" charset="-128"/>
+                <a:ea typeface="Hiragino Kaku Gothic ProN W6" charset="-128"/>
+                <a:cs typeface="Hiragino Kaku Gothic ProN W6" charset="-128"/>
+              </a:rPr>
+              <a:t>法</a:t>
+            </a:r>
+            <a:r>
+              <a:rPr kumimoji="1" lang="en-US" altLang="ja-JP" sz="3200" dirty="0" smtClean="0">
+                <a:latin typeface="Hiragino Kaku Gothic ProN W6" charset="-128"/>
+                <a:ea typeface="Hiragino Kaku Gothic ProN W6" charset="-128"/>
+                <a:cs typeface="Hiragino Kaku Gothic ProN W6" charset="-128"/>
+              </a:rPr>
+              <a:t>)</a:t>
+            </a:r>
+          </a:p>
+          <a:p>
+            <a:pPr marL="457200" indent="-457200">
+              <a:buFont typeface="+mj-lt"/>
+              <a:buAutoNum type="arabicPeriod"/>
+            </a:pPr>
+            <a:r>
+              <a:rPr lang="ja-JP" altLang="en-US" dirty="0" smtClean="0">
+                <a:latin typeface="Hiragino Kaku Gothic ProN W6" charset="-128"/>
+                <a:ea typeface="Hiragino Kaku Gothic ProN W6" charset="-128"/>
+                <a:cs typeface="Hiragino Kaku Gothic ProN W6" charset="-128"/>
+              </a:rPr>
+              <a:t>連続時間</a:t>
+            </a:r>
+            <a:r>
+              <a:rPr lang="en-US" altLang="ja-JP" dirty="0" smtClean="0">
+                <a:latin typeface="Hiragino Kaku Gothic ProN W6" charset="-128"/>
+                <a:ea typeface="Hiragino Kaku Gothic ProN W6" charset="-128"/>
+                <a:cs typeface="Hiragino Kaku Gothic ProN W6" charset="-128"/>
+              </a:rPr>
+              <a:t>t</a:t>
+            </a:r>
+            <a:r>
+              <a:rPr lang="ja-JP" altLang="en-US" dirty="0" smtClean="0">
+                <a:latin typeface="Hiragino Kaku Gothic ProN W6" charset="-128"/>
+                <a:ea typeface="Hiragino Kaku Gothic ProN W6" charset="-128"/>
+                <a:cs typeface="Hiragino Kaku Gothic ProN W6" charset="-128"/>
+              </a:rPr>
+              <a:t>のマルコフ過程を考える</a:t>
+            </a:r>
+            <a:endParaRPr lang="en-US" altLang="ja-JP" dirty="0" smtClean="0">
+              <a:latin typeface="Hiragino Kaku Gothic ProN W6" charset="-128"/>
+              <a:ea typeface="Hiragino Kaku Gothic ProN W6" charset="-128"/>
+              <a:cs typeface="Hiragino Kaku Gothic ProN W6" charset="-128"/>
+            </a:endParaRPr>
+          </a:p>
+          <a:p>
+            <a:pPr marL="457200" indent="-457200">
+              <a:buFont typeface="+mj-lt"/>
+              <a:buAutoNum type="arabicPeriod"/>
+            </a:pPr>
             <a:r>
               <a:rPr kumimoji="1" lang="ja-JP" altLang="en-US" dirty="0" smtClean="0">
                 <a:latin typeface="Hiragino Kaku Gothic ProN W6" charset="-128"/>
                 <a:ea typeface="Hiragino Kaku Gothic ProN W6" charset="-128"/>
                 <a:cs typeface="Hiragino Kaku Gothic ProN W6" charset="-128"/>
               </a:rPr>
-              <a:t>法から派生した学習則</a:t>
-            </a:r>
+              <a:t>確率過程の定常分布を経験分布に近づける損失関数を導入</a:t>
+            </a:r>
+            <a:endParaRPr kumimoji="1" lang="en-US" altLang="ja-JP" dirty="0" smtClean="0">
+              <a:latin typeface="Hiragino Kaku Gothic ProN W6" charset="-128"/>
+              <a:ea typeface="Hiragino Kaku Gothic ProN W6" charset="-128"/>
+              <a:cs typeface="Hiragino Kaku Gothic ProN W6" charset="-128"/>
+            </a:endParaRPr>
+          </a:p>
+          <a:p>
+            <a:pPr marL="457200" indent="-457200">
+              <a:buFont typeface="+mj-lt"/>
+              <a:buAutoNum type="arabicPeriod"/>
+            </a:pPr>
+            <a:endParaRPr kumimoji="1" lang="en-US" altLang="ja-JP" dirty="0" smtClean="0">
+              <a:latin typeface="Hiragino Kaku Gothic ProN W6" charset="-128"/>
+              <a:ea typeface="Hiragino Kaku Gothic ProN W6" charset="-128"/>
+              <a:cs typeface="Hiragino Kaku Gothic ProN W6" charset="-128"/>
+            </a:endParaRPr>
+          </a:p>
+          <a:p>
+            <a:pPr marL="457200" indent="-457200">
+              <a:buFont typeface="+mj-lt"/>
+              <a:buAutoNum type="arabicPeriod"/>
+            </a:pPr>
+            <a:endParaRPr kumimoji="1" lang="en-US" altLang="ja-JP" dirty="0" smtClean="0">
+              <a:latin typeface="Hiragino Kaku Gothic ProN W6" charset="-128"/>
+              <a:ea typeface="Hiragino Kaku Gothic ProN W6" charset="-128"/>
+              <a:cs typeface="Hiragino Kaku Gothic ProN W6" charset="-128"/>
+            </a:endParaRPr>
+          </a:p>
+          <a:p>
+            <a:pPr marL="457200" indent="-457200">
+              <a:buFont typeface="+mj-lt"/>
+              <a:buAutoNum type="arabicPeriod"/>
+            </a:pPr>
+            <a:r>
+              <a:rPr lang="ja-JP" altLang="en-US" dirty="0" smtClean="0">
+                <a:latin typeface="Hiragino Kaku Gothic ProN W6" charset="-128"/>
+                <a:ea typeface="Hiragino Kaku Gothic ProN W6" charset="-128"/>
+                <a:cs typeface="Hiragino Kaku Gothic ProN W6" charset="-128"/>
+              </a:rPr>
+              <a:t>詳細釣り合い条件と類似の制約下で損失関数を最小化</a:t>
+            </a:r>
+            <a:endParaRPr lang="en-US" altLang="ja-JP" dirty="0" smtClean="0">
+              <a:latin typeface="Hiragino Kaku Gothic ProN W6" charset="-128"/>
+              <a:ea typeface="Hiragino Kaku Gothic ProN W6" charset="-128"/>
+              <a:cs typeface="Hiragino Kaku Gothic ProN W6" charset="-128"/>
+            </a:endParaRPr>
+          </a:p>
+          <a:p>
+            <a:pPr marL="457200" indent="-457200">
+              <a:buFont typeface="+mj-lt"/>
+              <a:buAutoNum type="arabicPeriod"/>
+            </a:pPr>
             <a:endParaRPr kumimoji="1" lang="ja-JP" altLang="en-US" dirty="0">
               <a:latin typeface="Hiragino Kaku Gothic ProN W6" charset="-128"/>
               <a:ea typeface="Hiragino Kaku Gothic ProN W6" charset="-128"/>
@@ -8710,389 +8980,70 @@
           </a:p>
         </p:txBody>
       </p:sp>
-      <p:sp>
-        <p:nvSpPr>
-          <p:cNvPr id="3" name="コンテンツ プレースホルダー 2"/>
-          <p:cNvSpPr>
-            <a:spLocks noGrp="1"/>
-          </p:cNvSpPr>
-          <p:nvPr>
-            <p:ph idx="1"/>
-          </p:nvPr>
-        </p:nvSpPr>
-        <p:spPr/>
-        <p:txBody>
-          <a:bodyPr>
-            <a:normAutofit fontScale="92500" lnSpcReduction="10000"/>
-          </a:bodyPr>
-          <a:lstStyle/>
-          <a:p>
-            <a:r>
-              <a:rPr kumimoji="1" lang="ja-JP" altLang="en-US" dirty="0" smtClean="0">
-                <a:latin typeface="Hiragino Kaku Gothic ProN W6" charset="-128"/>
-                <a:ea typeface="Hiragino Kaku Gothic ProN W6" charset="-128"/>
-                <a:cs typeface="Hiragino Kaku Gothic ProN W6" charset="-128"/>
-              </a:rPr>
-              <a:t>継続的</a:t>
-            </a:r>
-            <a:r>
-              <a:rPr kumimoji="1" lang="en-US" altLang="ja-JP" dirty="0" smtClean="0">
-                <a:latin typeface="Hiragino Kaku Gothic ProN W6" charset="-128"/>
-                <a:ea typeface="Hiragino Kaku Gothic ProN W6" charset="-128"/>
-                <a:cs typeface="Hiragino Kaku Gothic ProN W6" charset="-128"/>
-              </a:rPr>
-              <a:t>CD</a:t>
-            </a:r>
-            <a:r>
-              <a:rPr kumimoji="1" lang="ja-JP" altLang="en-US" dirty="0" smtClean="0">
-                <a:latin typeface="Hiragino Kaku Gothic ProN W6" charset="-128"/>
-                <a:ea typeface="Hiragino Kaku Gothic ProN W6" charset="-128"/>
-                <a:cs typeface="Hiragino Kaku Gothic ProN W6" charset="-128"/>
-              </a:rPr>
-              <a:t>法</a:t>
-            </a:r>
-            <a:endParaRPr kumimoji="1" lang="en-US" altLang="ja-JP" dirty="0" smtClean="0">
-              <a:latin typeface="Hiragino Kaku Gothic ProN W6" charset="-128"/>
-              <a:ea typeface="Hiragino Kaku Gothic ProN W6" charset="-128"/>
-              <a:cs typeface="Hiragino Kaku Gothic ProN W6" charset="-128"/>
-            </a:endParaRPr>
-          </a:p>
-          <a:p>
-            <a:pPr lvl="1" algn="just"/>
-            <a:r>
-              <a:rPr kumimoji="1" lang="ja-JP" altLang="en-US" dirty="0" smtClean="0">
-                <a:latin typeface="Hiragino Kaku Gothic ProN W6" charset="-128"/>
-                <a:ea typeface="Hiragino Kaku Gothic ProN W6" charset="-128"/>
-                <a:cs typeface="Hiragino Kaku Gothic ProN W6" charset="-128"/>
-              </a:rPr>
-              <a:t>近似導関数</a:t>
-            </a:r>
-            <a:r>
-              <a:rPr kumimoji="1" lang="en-US" altLang="ja-JP" dirty="0" smtClean="0">
-                <a:latin typeface="Hiragino Kaku Gothic ProN W6" charset="-128"/>
-                <a:ea typeface="Hiragino Kaku Gothic ProN W6" charset="-128"/>
-                <a:cs typeface="Hiragino Kaku Gothic ProN W6" charset="-128"/>
-              </a:rPr>
-              <a:t>(3.13)</a:t>
-            </a:r>
-            <a:r>
-              <a:rPr kumimoji="1" lang="ja-JP" altLang="en-US" dirty="0" smtClean="0">
-                <a:latin typeface="Hiragino Kaku Gothic ProN W6" charset="-128"/>
-                <a:ea typeface="Hiragino Kaku Gothic ProN W6" charset="-128"/>
-                <a:cs typeface="Hiragino Kaku Gothic ProN W6" charset="-128"/>
-              </a:rPr>
-              <a:t>を対数尤度の勾配の式</a:t>
-            </a:r>
-            <a:r>
-              <a:rPr kumimoji="1" lang="en-US" altLang="ja-JP" dirty="0" smtClean="0">
-                <a:latin typeface="Hiragino Kaku Gothic ProN W6" charset="-128"/>
-                <a:ea typeface="Hiragino Kaku Gothic ProN W6" charset="-128"/>
-                <a:cs typeface="Hiragino Kaku Gothic ProN W6" charset="-128"/>
-              </a:rPr>
-              <a:t>(3.12)</a:t>
-            </a:r>
-            <a:r>
-              <a:rPr kumimoji="1" lang="ja-JP" altLang="en-US" dirty="0" smtClean="0">
-                <a:latin typeface="Hiragino Kaku Gothic ProN W6" charset="-128"/>
-                <a:ea typeface="Hiragino Kaku Gothic ProN W6" charset="-128"/>
-                <a:cs typeface="Hiragino Kaku Gothic ProN W6" charset="-128"/>
-              </a:rPr>
-              <a:t>に近づける</a:t>
-            </a:r>
-            <a:endParaRPr lang="en-US" altLang="ja-JP" dirty="0" smtClean="0">
-              <a:latin typeface="Hiragino Kaku Gothic ProN W6" charset="-128"/>
-              <a:ea typeface="Hiragino Kaku Gothic ProN W6" charset="-128"/>
-              <a:cs typeface="Hiragino Kaku Gothic ProN W6" charset="-128"/>
-            </a:endParaRPr>
-          </a:p>
-          <a:p>
-            <a:r>
-              <a:rPr kumimoji="1" lang="en-US" altLang="ja-JP" dirty="0" smtClean="0">
-                <a:latin typeface="Hiragino Kaku Gothic ProN W6" charset="-128"/>
-                <a:ea typeface="Hiragino Kaku Gothic ProN W6" charset="-128"/>
-                <a:cs typeface="Hiragino Kaku Gothic ProN W6" charset="-128"/>
-              </a:rPr>
-              <a:t>CD</a:t>
-            </a:r>
-            <a:r>
-              <a:rPr kumimoji="1" lang="ja-JP" altLang="en-US" dirty="0" smtClean="0">
-                <a:latin typeface="Hiragino Kaku Gothic ProN W6" charset="-128"/>
-                <a:ea typeface="Hiragino Kaku Gothic ProN W6" charset="-128"/>
-                <a:cs typeface="Hiragino Kaku Gothic ProN W6" charset="-128"/>
-              </a:rPr>
-              <a:t>法</a:t>
-            </a:r>
-            <a:endParaRPr kumimoji="1" lang="en-US" altLang="ja-JP" dirty="0" smtClean="0">
-              <a:latin typeface="Hiragino Kaku Gothic ProN W6" charset="-128"/>
-              <a:ea typeface="Hiragino Kaku Gothic ProN W6" charset="-128"/>
-              <a:cs typeface="Hiragino Kaku Gothic ProN W6" charset="-128"/>
-            </a:endParaRPr>
-          </a:p>
-          <a:p>
-            <a:pPr lvl="1"/>
-            <a:r>
-              <a:rPr lang="ja-JP" altLang="en-US" dirty="0" smtClean="0">
-                <a:latin typeface="Hiragino Kaku Gothic ProN W6" charset="-128"/>
-                <a:ea typeface="Hiragino Kaku Gothic ProN W6" charset="-128"/>
-                <a:cs typeface="Hiragino Kaku Gothic ProN W6" charset="-128"/>
-              </a:rPr>
-              <a:t>式</a:t>
-            </a:r>
-            <a:r>
-              <a:rPr lang="en-US" altLang="ja-JP" dirty="0">
-                <a:latin typeface="Hiragino Kaku Gothic ProN W6" charset="-128"/>
-                <a:ea typeface="Hiragino Kaku Gothic ProN W6" charset="-128"/>
-                <a:cs typeface="Hiragino Kaku Gothic ProN W6" charset="-128"/>
-              </a:rPr>
-              <a:t>(3.12</a:t>
-            </a:r>
-            <a:r>
-              <a:rPr lang="en-US" altLang="ja-JP" dirty="0" smtClean="0">
-                <a:latin typeface="Hiragino Kaku Gothic ProN W6" charset="-128"/>
-                <a:ea typeface="Hiragino Kaku Gothic ProN W6" charset="-128"/>
-                <a:cs typeface="Hiragino Kaku Gothic ProN W6" charset="-128"/>
-              </a:rPr>
-              <a:t>)</a:t>
-            </a:r>
-            <a:r>
-              <a:rPr lang="ja-JP" altLang="en-US" dirty="0" smtClean="0">
-                <a:latin typeface="Hiragino Kaku Gothic ProN W6" charset="-128"/>
-                <a:ea typeface="Hiragino Kaku Gothic ProN W6" charset="-128"/>
-                <a:cs typeface="Hiragino Kaku Gothic ProN W6" charset="-128"/>
-              </a:rPr>
-              <a:t>の第二項の期待値計算は解析的な計算が困難</a:t>
-            </a:r>
-            <a:endParaRPr lang="en-US" altLang="ja-JP" dirty="0">
-              <a:latin typeface="Hiragino Kaku Gothic ProN W6" charset="-128"/>
-              <a:ea typeface="Hiragino Kaku Gothic ProN W6" charset="-128"/>
-              <a:cs typeface="Hiragino Kaku Gothic ProN W6" charset="-128"/>
-            </a:endParaRPr>
-          </a:p>
-          <a:p>
-            <a:pPr marL="457200" lvl="1" indent="0">
-              <a:buNone/>
-            </a:pPr>
-            <a:r>
-              <a:rPr kumimoji="1" lang="ja-JP" altLang="en-US" dirty="0" smtClean="0">
-                <a:latin typeface="Hiragino Kaku Gothic ProN W6" charset="-128"/>
-                <a:ea typeface="Hiragino Kaku Gothic ProN W6" charset="-128"/>
-                <a:cs typeface="Hiragino Kaku Gothic ProN W6" charset="-128"/>
-              </a:rPr>
-              <a:t>　　　→ギプスサンプリング無限回で近似してサンプルを定常分布に収束</a:t>
-            </a:r>
-            <a:endParaRPr kumimoji="1" lang="en-US" altLang="ja-JP" dirty="0" smtClean="0">
-              <a:latin typeface="Hiragino Kaku Gothic ProN W6" charset="-128"/>
-              <a:ea typeface="Hiragino Kaku Gothic ProN W6" charset="-128"/>
-              <a:cs typeface="Hiragino Kaku Gothic ProN W6" charset="-128"/>
-            </a:endParaRPr>
-          </a:p>
-          <a:p>
-            <a:pPr marL="457200" lvl="1" indent="0">
-              <a:buNone/>
-            </a:pPr>
-            <a:r>
-              <a:rPr lang="ja-JP" altLang="en-US" dirty="0">
-                <a:latin typeface="Hiragino Kaku Gothic ProN W6" charset="-128"/>
-                <a:ea typeface="Hiragino Kaku Gothic ProN W6" charset="-128"/>
-                <a:cs typeface="Hiragino Kaku Gothic ProN W6" charset="-128"/>
-              </a:rPr>
-              <a:t>　</a:t>
-            </a:r>
-            <a:r>
-              <a:rPr lang="ja-JP" altLang="en-US" dirty="0" smtClean="0">
-                <a:latin typeface="Hiragino Kaku Gothic ProN W6" charset="-128"/>
-                <a:ea typeface="Hiragino Kaku Gothic ProN W6" charset="-128"/>
-                <a:cs typeface="Hiragino Kaku Gothic ProN W6" charset="-128"/>
-              </a:rPr>
-              <a:t>　　→</a:t>
-            </a:r>
-            <a:r>
-              <a:rPr lang="ja-JP" altLang="en-US" dirty="0">
-                <a:latin typeface="Hiragino Kaku Gothic ProN W6" charset="-128"/>
-                <a:ea typeface="Hiragino Kaku Gothic ProN W6" charset="-128"/>
-                <a:cs typeface="Hiragino Kaku Gothic ProN W6" charset="-128"/>
-              </a:rPr>
-              <a:t>近似導関数</a:t>
-            </a:r>
-            <a:r>
-              <a:rPr lang="en-US" altLang="ja-JP" dirty="0">
-                <a:latin typeface="Hiragino Kaku Gothic ProN W6" charset="-128"/>
-                <a:ea typeface="Hiragino Kaku Gothic ProN W6" charset="-128"/>
-                <a:cs typeface="Hiragino Kaku Gothic ProN W6" charset="-128"/>
-              </a:rPr>
-              <a:t>(3.13</a:t>
-            </a:r>
-            <a:r>
-              <a:rPr lang="en-US" altLang="ja-JP" dirty="0" smtClean="0">
-                <a:latin typeface="Hiragino Kaku Gothic ProN W6" charset="-128"/>
-                <a:ea typeface="Hiragino Kaku Gothic ProN W6" charset="-128"/>
-                <a:cs typeface="Hiragino Kaku Gothic ProN W6" charset="-128"/>
-              </a:rPr>
-              <a:t>)</a:t>
-            </a:r>
-            <a:r>
-              <a:rPr lang="ja-JP" altLang="en-US" dirty="0" smtClean="0">
-                <a:latin typeface="Hiragino Kaku Gothic ProN W6" charset="-128"/>
-                <a:ea typeface="Hiragino Kaku Gothic ProN W6" charset="-128"/>
-                <a:cs typeface="Hiragino Kaku Gothic ProN W6" charset="-128"/>
-              </a:rPr>
-              <a:t>をギプスサンプリング</a:t>
-            </a:r>
-            <a:r>
-              <a:rPr lang="en-US" altLang="ja-JP" dirty="0" smtClean="0">
-                <a:latin typeface="Hiragino Kaku Gothic ProN W6" charset="-128"/>
-                <a:ea typeface="Hiragino Kaku Gothic ProN W6" charset="-128"/>
-                <a:cs typeface="Hiragino Kaku Gothic ProN W6" charset="-128"/>
-              </a:rPr>
-              <a:t>k</a:t>
-            </a:r>
-            <a:r>
-              <a:rPr lang="ja-JP" altLang="en-US" dirty="0" smtClean="0">
-                <a:latin typeface="Hiragino Kaku Gothic ProN W6" charset="-128"/>
-                <a:ea typeface="Hiragino Kaku Gothic ProN W6" charset="-128"/>
-                <a:cs typeface="Hiragino Kaku Gothic ProN W6" charset="-128"/>
-              </a:rPr>
-              <a:t>回で代用</a:t>
-            </a:r>
-            <a:endParaRPr lang="en-US" altLang="ja-JP" dirty="0" smtClean="0">
-              <a:latin typeface="Hiragino Kaku Gothic ProN W6" charset="-128"/>
-              <a:ea typeface="Hiragino Kaku Gothic ProN W6" charset="-128"/>
-              <a:cs typeface="Hiragino Kaku Gothic ProN W6" charset="-128"/>
-            </a:endParaRPr>
-          </a:p>
-          <a:p>
-            <a:pPr lvl="1"/>
-            <a:r>
-              <a:rPr kumimoji="1" lang="ja-JP" altLang="en-US" dirty="0" smtClean="0">
-                <a:latin typeface="Hiragino Kaku Gothic ProN W6" charset="-128"/>
-                <a:ea typeface="Hiragino Kaku Gothic ProN W6" charset="-128"/>
-                <a:cs typeface="Hiragino Kaku Gothic ProN W6" charset="-128"/>
-              </a:rPr>
-              <a:t>パラメータ更新のたびに初期分布を観測データからの経験分布に戻す</a:t>
-            </a:r>
-            <a:endParaRPr kumimoji="1" lang="en-US" altLang="ja-JP" dirty="0" smtClean="0">
-              <a:latin typeface="Hiragino Kaku Gothic ProN W6" charset="-128"/>
-              <a:ea typeface="Hiragino Kaku Gothic ProN W6" charset="-128"/>
-              <a:cs typeface="Hiragino Kaku Gothic ProN W6" charset="-128"/>
-            </a:endParaRPr>
-          </a:p>
-          <a:p>
-            <a:r>
-              <a:rPr lang="ja-JP" altLang="en-US" dirty="0" smtClean="0">
-                <a:latin typeface="Hiragino Kaku Gothic ProN W6" charset="-128"/>
-                <a:ea typeface="Hiragino Kaku Gothic ProN W6" charset="-128"/>
-                <a:cs typeface="Hiragino Kaku Gothic ProN W6" charset="-128"/>
-              </a:rPr>
-              <a:t>継続的</a:t>
-            </a:r>
-            <a:r>
-              <a:rPr lang="en-US" altLang="ja-JP" dirty="0" smtClean="0">
-                <a:latin typeface="Hiragino Kaku Gothic ProN W6" charset="-128"/>
-                <a:ea typeface="Hiragino Kaku Gothic ProN W6" charset="-128"/>
-                <a:cs typeface="Hiragino Kaku Gothic ProN W6" charset="-128"/>
-              </a:rPr>
-              <a:t>CD</a:t>
-            </a:r>
-            <a:r>
-              <a:rPr lang="ja-JP" altLang="en-US" dirty="0" smtClean="0">
-                <a:latin typeface="Hiragino Kaku Gothic ProN W6" charset="-128"/>
-                <a:ea typeface="Hiragino Kaku Gothic ProN W6" charset="-128"/>
-                <a:cs typeface="Hiragino Kaku Gothic ProN W6" charset="-128"/>
-              </a:rPr>
-              <a:t>法</a:t>
-            </a:r>
-            <a:endParaRPr lang="en-US" altLang="ja-JP" dirty="0" smtClean="0">
-              <a:latin typeface="Hiragino Kaku Gothic ProN W6" charset="-128"/>
-              <a:ea typeface="Hiragino Kaku Gothic ProN W6" charset="-128"/>
-              <a:cs typeface="Hiragino Kaku Gothic ProN W6" charset="-128"/>
-            </a:endParaRPr>
-          </a:p>
-          <a:p>
-            <a:pPr lvl="1"/>
-            <a:r>
-              <a:rPr kumimoji="1" lang="ja-JP" altLang="en-US" dirty="0" smtClean="0">
-                <a:latin typeface="Hiragino Kaku Gothic ProN W6" charset="-128"/>
-                <a:ea typeface="Hiragino Kaku Gothic ProN W6" charset="-128"/>
-                <a:cs typeface="Hiragino Kaku Gothic ProN W6" charset="-128"/>
-              </a:rPr>
-              <a:t>更新後にサンプルで構成される経験分布からギプスサンプリング</a:t>
-            </a:r>
-            <a:endParaRPr kumimoji="1" lang="en-US" altLang="ja-JP" dirty="0" smtClean="0">
-              <a:latin typeface="Hiragino Kaku Gothic ProN W6" charset="-128"/>
-              <a:ea typeface="Hiragino Kaku Gothic ProN W6" charset="-128"/>
-              <a:cs typeface="Hiragino Kaku Gothic ProN W6" charset="-128"/>
-            </a:endParaRPr>
-          </a:p>
-          <a:p>
-            <a:pPr lvl="1"/>
-            <a:r>
-              <a:rPr lang="ja-JP" altLang="en-US" dirty="0" smtClean="0">
-                <a:latin typeface="Hiragino Kaku Gothic ProN W6" charset="-128"/>
-                <a:ea typeface="Hiragino Kaku Gothic ProN W6" charset="-128"/>
-                <a:cs typeface="Hiragino Kaku Gothic ProN W6" charset="-128"/>
-              </a:rPr>
-              <a:t>継続的</a:t>
-            </a:r>
-            <a:r>
-              <a:rPr lang="en-US" altLang="ja-JP" dirty="0" smtClean="0">
-                <a:latin typeface="Hiragino Kaku Gothic ProN W6" charset="-128"/>
-                <a:ea typeface="Hiragino Kaku Gothic ProN W6" charset="-128"/>
-                <a:cs typeface="Hiragino Kaku Gothic ProN W6" charset="-128"/>
-              </a:rPr>
-              <a:t>CD-1</a:t>
-            </a:r>
-            <a:r>
-              <a:rPr lang="ja-JP" altLang="en-US" dirty="0" smtClean="0">
-                <a:latin typeface="Hiragino Kaku Gothic ProN W6" charset="-128"/>
-                <a:ea typeface="Hiragino Kaku Gothic ProN W6" charset="-128"/>
-                <a:cs typeface="Hiragino Kaku Gothic ProN W6" charset="-128"/>
-              </a:rPr>
-              <a:t>法　≧　</a:t>
-            </a:r>
-            <a:r>
-              <a:rPr lang="en-US" altLang="ja-JP" dirty="0" smtClean="0">
-                <a:latin typeface="Hiragino Kaku Gothic ProN W6" charset="-128"/>
-                <a:ea typeface="Hiragino Kaku Gothic ProN W6" charset="-128"/>
-                <a:cs typeface="Hiragino Kaku Gothic ProN W6" charset="-128"/>
-              </a:rPr>
-              <a:t>CD-10</a:t>
-            </a:r>
-            <a:r>
-              <a:rPr lang="ja-JP" altLang="en-US" dirty="0" smtClean="0">
-                <a:latin typeface="Hiragino Kaku Gothic ProN W6" charset="-128"/>
-                <a:ea typeface="Hiragino Kaku Gothic ProN W6" charset="-128"/>
-                <a:cs typeface="Hiragino Kaku Gothic ProN W6" charset="-128"/>
-              </a:rPr>
-              <a:t>法</a:t>
-            </a:r>
-            <a:endParaRPr lang="en-US" altLang="ja-JP" dirty="0" smtClean="0">
-              <a:latin typeface="Hiragino Kaku Gothic ProN W6" charset="-128"/>
-              <a:ea typeface="Hiragino Kaku Gothic ProN W6" charset="-128"/>
-              <a:cs typeface="Hiragino Kaku Gothic ProN W6" charset="-128"/>
-            </a:endParaRPr>
-          </a:p>
-          <a:p>
-            <a:pPr lvl="1"/>
-            <a:r>
-              <a:rPr kumimoji="1" lang="ja-JP" altLang="en-US" dirty="0" smtClean="0">
-                <a:latin typeface="Hiragino Kaku Gothic ProN W6" charset="-128"/>
-                <a:ea typeface="Hiragino Kaku Gothic ProN W6" charset="-128"/>
-                <a:cs typeface="Hiragino Kaku Gothic ProN W6" charset="-128"/>
-              </a:rPr>
-              <a:t>計算量が少ない</a:t>
-            </a:r>
-            <a:endParaRPr kumimoji="1" lang="en-US" altLang="ja-JP" dirty="0" smtClean="0">
-              <a:latin typeface="Hiragino Kaku Gothic ProN W6" charset="-128"/>
-              <a:ea typeface="Hiragino Kaku Gothic ProN W6" charset="-128"/>
-              <a:cs typeface="Hiragino Kaku Gothic ProN W6" charset="-128"/>
-            </a:endParaRPr>
-          </a:p>
-        </p:txBody>
-      </p:sp>
+      <p:pic>
+        <p:nvPicPr>
+          <p:cNvPr id="4" name="図 3"/>
+          <p:cNvPicPr>
+            <a:picLocks noChangeAspect="1"/>
+          </p:cNvPicPr>
+          <p:nvPr/>
+        </p:nvPicPr>
+        <p:blipFill>
+          <a:blip r:embed="rId2">
+            <a:extLst>
+              <a:ext uri="{28A0092B-C50C-407E-A947-70E740481C1C}">
+                <a14:useLocalDpi xmlns:a14="http://schemas.microsoft.com/office/drawing/2010/main" val="0"/>
+              </a:ext>
+            </a:extLst>
+          </a:blip>
+          <a:stretch>
+            <a:fillRect/>
+          </a:stretch>
+        </p:blipFill>
+        <p:spPr>
+          <a:xfrm>
+            <a:off x="1460937" y="3825173"/>
+            <a:ext cx="5605720" cy="830318"/>
+          </a:xfrm>
+          <a:prstGeom prst="rect">
+            <a:avLst/>
+          </a:prstGeom>
+        </p:spPr>
+      </p:pic>
+      <p:pic>
+        <p:nvPicPr>
+          <p:cNvPr id="5" name="図 4"/>
+          <p:cNvPicPr>
+            <a:picLocks noChangeAspect="1"/>
+          </p:cNvPicPr>
+          <p:nvPr/>
+        </p:nvPicPr>
+        <p:blipFill>
+          <a:blip r:embed="rId3">
+            <a:extLst>
+              <a:ext uri="{28A0092B-C50C-407E-A947-70E740481C1C}">
+                <a14:useLocalDpi xmlns:a14="http://schemas.microsoft.com/office/drawing/2010/main" val="0"/>
+              </a:ext>
+            </a:extLst>
+          </a:blip>
+          <a:stretch>
+            <a:fillRect/>
+          </a:stretch>
+        </p:blipFill>
+        <p:spPr>
+          <a:xfrm>
+            <a:off x="1460937" y="5158198"/>
+            <a:ext cx="6758152" cy="777991"/>
+          </a:xfrm>
+          <a:prstGeom prst="rect">
+            <a:avLst/>
+          </a:prstGeom>
+        </p:spPr>
+      </p:pic>
     </p:spTree>
     <p:extLst>
       <p:ext uri="{BB962C8B-B14F-4D97-AF65-F5344CB8AC3E}">
-        <p14:creationId xmlns:p14="http://schemas.microsoft.com/office/powerpoint/2010/main" val="943651070"/>
+        <p14:creationId xmlns:p14="http://schemas.microsoft.com/office/powerpoint/2010/main" val="355174065"/>
       </p:ext>
     </p:extLst>
   </p:cSld>
@@ -9135,22 +9086,26 @@
           <a:lstStyle/>
           <a:p>
             <a:r>
-              <a:rPr lang="en-US" altLang="ja-JP" dirty="0">
-                <a:latin typeface="Hiragino Kaku Gothic ProN W6" charset="-128"/>
-                <a:ea typeface="Hiragino Kaku Gothic ProN W6" charset="-128"/>
-                <a:cs typeface="Hiragino Kaku Gothic ProN W6" charset="-128"/>
-              </a:rPr>
-              <a:t>CD</a:t>
-            </a:r>
-            <a:r>
-              <a:rPr lang="ja-JP" altLang="en-US" dirty="0">
-                <a:latin typeface="Hiragino Kaku Gothic ProN W6" charset="-128"/>
-                <a:ea typeface="Hiragino Kaku Gothic ProN W6" charset="-128"/>
-                <a:cs typeface="Hiragino Kaku Gothic ProN W6" charset="-128"/>
-              </a:rPr>
-              <a:t>法から派生した学習則</a:t>
-            </a:r>
-            <a:endParaRPr kumimoji="1" lang="ja-JP" altLang="en-US" dirty="0"/>
+              <a:rPr kumimoji="1" lang="en-US" altLang="ja-JP" dirty="0" smtClean="0">
+                <a:latin typeface="Hiragino Kaku Gothic ProN W6" charset="-128"/>
+                <a:ea typeface="Hiragino Kaku Gothic ProN W6" charset="-128"/>
+                <a:cs typeface="Hiragino Kaku Gothic ProN W6" charset="-128"/>
+              </a:rPr>
+              <a:t>MPF</a:t>
+            </a:r>
+            <a:r>
+              <a:rPr lang="ja-JP" altLang="en-US" dirty="0" smtClean="0">
+                <a:latin typeface="Hiragino Kaku Gothic ProN W6" charset="-128"/>
+                <a:ea typeface="Hiragino Kaku Gothic ProN W6" charset="-128"/>
+                <a:cs typeface="Hiragino Kaku Gothic ProN W6" charset="-128"/>
+              </a:rPr>
+              <a:t>法の利点</a:t>
+            </a:r>
+            <a:endParaRPr kumimoji="1" lang="ja-JP" altLang="en-US" dirty="0">
+              <a:latin typeface="Hiragino Kaku Gothic ProN W6" charset="-128"/>
+              <a:ea typeface="Hiragino Kaku Gothic ProN W6" charset="-128"/>
+              <a:cs typeface="Hiragino Kaku Gothic ProN W6" charset="-128"/>
+            </a:endParaRPr>
           </a:p>
         </p:txBody>
       </p:sp>
@@ -9175,23 +9130,101 @@
                 <a:ea typeface="Hiragino Kaku Gothic ProN W6" charset="-128"/>
                 <a:cs typeface="Hiragino Kaku Gothic ProN W6" charset="-128"/>
               </a:rPr>
-              <a:t>パラレルテンパリング</a:t>
-            </a:r>
-            <a:r>
-              <a:rPr lang="en-US" altLang="ja-JP" dirty="0">
-                <a:latin typeface="Hiragino Kaku Gothic ProN W6" charset="-128"/>
-                <a:ea typeface="Hiragino Kaku Gothic ProN W6" charset="-128"/>
-                <a:cs typeface="Hiragino Kaku Gothic ProN W6" charset="-128"/>
-              </a:rPr>
-              <a:t>=</a:t>
-            </a:r>
+              <a:t>損失関数の最小化から導かれるため</a:t>
+            </a:r>
+            <a:endParaRPr kumimoji="1" lang="en-US" altLang="ja-JP" dirty="0" smtClean="0">
+              <a:latin typeface="Hiragino Kaku Gothic ProN W6" charset="-128"/>
+              <a:ea typeface="Hiragino Kaku Gothic ProN W6" charset="-128"/>
+              <a:cs typeface="Hiragino Kaku Gothic ProN W6" charset="-128"/>
+            </a:endParaRPr>
+          </a:p>
+          <a:p>
+            <a:pPr lvl="1"/>
+            <a:r>
+              <a:rPr kumimoji="1" lang="ja-JP" altLang="en-US" dirty="0" smtClean="0">
+                <a:latin typeface="Hiragino Kaku Gothic ProN W6" charset="-128"/>
+                <a:ea typeface="Hiragino Kaku Gothic ProN W6" charset="-128"/>
+                <a:cs typeface="Hiragino Kaku Gothic ProN W6" charset="-128"/>
+              </a:rPr>
+              <a:t>収束性がある</a:t>
+            </a:r>
+            <a:endParaRPr kumimoji="1" lang="en-US" altLang="ja-JP" dirty="0" smtClean="0">
+              <a:latin typeface="Hiragino Kaku Gothic ProN W6" charset="-128"/>
+              <a:ea typeface="Hiragino Kaku Gothic ProN W6" charset="-128"/>
+              <a:cs typeface="Hiragino Kaku Gothic ProN W6" charset="-128"/>
+            </a:endParaRPr>
+          </a:p>
+          <a:p>
+            <a:pPr lvl="1"/>
+            <a:r>
+              <a:rPr kumimoji="1" lang="ja-JP" altLang="en-US" dirty="0" smtClean="0">
+                <a:latin typeface="Hiragino Kaku Gothic ProN W6" charset="-128"/>
+                <a:ea typeface="Hiragino Kaku Gothic ProN W6" charset="-128"/>
+                <a:cs typeface="Hiragino Kaku Gothic ProN W6" charset="-128"/>
+              </a:rPr>
+              <a:t>適切な学習率の調整が可能</a:t>
+            </a:r>
+            <a:endParaRPr kumimoji="1" lang="en-US" altLang="ja-JP" dirty="0" smtClean="0">
+              <a:latin typeface="Hiragino Kaku Gothic ProN W6" charset="-128"/>
+              <a:ea typeface="Hiragino Kaku Gothic ProN W6" charset="-128"/>
+              <a:cs typeface="Hiragino Kaku Gothic ProN W6" charset="-128"/>
+            </a:endParaRPr>
+          </a:p>
+          <a:p>
+            <a:r>
+              <a:rPr kumimoji="1" lang="ja-JP" altLang="en-US" dirty="0" smtClean="0">
+                <a:latin typeface="Hiragino Kaku Gothic ProN W6" charset="-128"/>
+                <a:ea typeface="Hiragino Kaku Gothic ProN W6" charset="-128"/>
+                <a:cs typeface="Hiragino Kaku Gothic ProN W6" charset="-128"/>
+              </a:rPr>
+              <a:t>損失関数</a:t>
+            </a:r>
+            <a:r>
+              <a:rPr kumimoji="1" lang="en-US" altLang="ja-JP" dirty="0" smtClean="0">
+                <a:latin typeface="Hiragino Kaku Gothic ProN W6" charset="-128"/>
+                <a:ea typeface="Hiragino Kaku Gothic ProN W6" charset="-128"/>
+                <a:cs typeface="Hiragino Kaku Gothic ProN W6" charset="-128"/>
+              </a:rPr>
+              <a:t>C(</a:t>
+            </a:r>
+            <a:r>
+              <a:rPr lang="en-US" altLang="ja-JP" dirty="0" err="1" smtClean="0">
+                <a:latin typeface="Hiragino Kaku Gothic ProN W6" charset="-128"/>
+                <a:ea typeface="Hiragino Kaku Gothic ProN W6" charset="-128"/>
+                <a:cs typeface="Hiragino Kaku Gothic ProN W6" charset="-128"/>
+              </a:rPr>
+              <a:t>θ</a:t>
+            </a:r>
+            <a:r>
+              <a:rPr kumimoji="1" lang="en-US" altLang="ja-JP" dirty="0" smtClean="0">
+                <a:latin typeface="Hiragino Kaku Gothic ProN W6" charset="-128"/>
+                <a:ea typeface="Hiragino Kaku Gothic ProN W6" charset="-128"/>
+                <a:cs typeface="Hiragino Kaku Gothic ProN W6" charset="-128"/>
+              </a:rPr>
+              <a:t>)</a:t>
+            </a:r>
+            <a:r>
+              <a:rPr kumimoji="1" lang="ja-JP" altLang="en-US" dirty="0" smtClean="0">
+                <a:latin typeface="Hiragino Kaku Gothic ProN W6" charset="-128"/>
+                <a:ea typeface="Hiragino Kaku Gothic ProN W6" charset="-128"/>
+                <a:cs typeface="Hiragino Kaku Gothic ProN W6" charset="-128"/>
+              </a:rPr>
+              <a:t>が凸関数で観測データ数に比例するオーダーで評価</a:t>
+            </a:r>
+            <a:endParaRPr kumimoji="1" lang="en-US" altLang="ja-JP" dirty="0" smtClean="0">
+              <a:latin typeface="Hiragino Kaku Gothic ProN W6" charset="-128"/>
+              <a:ea typeface="Hiragino Kaku Gothic ProN W6" charset="-128"/>
+              <a:cs typeface="Hiragino Kaku Gothic ProN W6" charset="-128"/>
+            </a:endParaRPr>
+          </a:p>
+          <a:p>
             <a:r>
               <a:rPr lang="ja-JP" altLang="en-US" dirty="0" smtClean="0">
                 <a:latin typeface="Hiragino Kaku Gothic ProN W6" charset="-128"/>
                 <a:ea typeface="Hiragino Kaku Gothic ProN W6" charset="-128"/>
                 <a:cs typeface="Hiragino Kaku Gothic ProN W6" charset="-128"/>
               </a:rPr>
-              <a:t>交換モンテカルロ法</a:t>
+              <a:t>→学習が高速</a:t>
             </a:r>
             <a:endParaRPr lang="en-US" altLang="ja-JP" dirty="0" smtClean="0">
               <a:latin typeface="Hiragino Kaku Gothic ProN W6" charset="-128"/>
@@ -9200,30 +9233,13 @@
             </a:endParaRPr>
           </a:p>
           <a:p>
-            <a:pPr lvl="1"/>
-            <a:r>
-              <a:rPr kumimoji="1" lang="ja-JP" altLang="en-US" dirty="0" smtClean="0">
-                <a:latin typeface="Hiragino Kaku Gothic ProN W6" charset="-128"/>
-                <a:ea typeface="Hiragino Kaku Gothic ProN W6" charset="-128"/>
-                <a:cs typeface="Hiragino Kaku Gothic ProN W6" charset="-128"/>
-              </a:rPr>
-              <a:t>マルコフ連鎖においてサンプル集団の偏りがなかなか解消されない</a:t>
-            </a:r>
-            <a:endParaRPr kumimoji="1" lang="en-US" altLang="ja-JP" dirty="0" smtClean="0">
-              <a:latin typeface="Hiragino Kaku Gothic ProN W6" charset="-128"/>
-              <a:ea typeface="Hiragino Kaku Gothic ProN W6" charset="-128"/>
-              <a:cs typeface="Hiragino Kaku Gothic ProN W6" charset="-128"/>
-            </a:endParaRPr>
-          </a:p>
-          <a:p>
-            <a:pPr lvl="1"/>
-            <a:r>
-              <a:rPr kumimoji="1" lang="ja-JP" altLang="en-US" dirty="0" smtClean="0">
-                <a:latin typeface="Hiragino Kaku Gothic ProN W6" charset="-128"/>
-                <a:ea typeface="Hiragino Kaku Gothic ProN W6" charset="-128"/>
-                <a:cs typeface="Hiragino Kaku Gothic ProN W6" charset="-128"/>
-              </a:rPr>
-              <a:t>広い状態空間を探索させるため</a:t>
+            <a:r>
+              <a:rPr kumimoji="1" lang="en-US" altLang="ja-JP" dirty="0" smtClean="0">
+                <a:latin typeface="Hiragino Kaku Gothic ProN W6" charset="-128"/>
+                <a:ea typeface="Hiragino Kaku Gothic ProN W6" charset="-128"/>
+                <a:cs typeface="Hiragino Kaku Gothic ProN W6" charset="-128"/>
+              </a:rPr>
+              <a:t>CD</a:t>
             </a:r>
             <a:r>
               <a:rPr lang="ja-JP" altLang="en-US" dirty="0" smtClean="0">
@@ -9231,99 +9247,9 @@
                 <a:ea typeface="Hiragino Kaku Gothic ProN W6" charset="-128"/>
                 <a:cs typeface="Hiragino Kaku Gothic ProN W6" charset="-128"/>
               </a:rPr>
-              <a:t>，複数の互いに異なる乱雑さをもつマルコフ連鎖を並列して用いる</a:t>
-            </a:r>
-            <a:endParaRPr lang="en-US" altLang="ja-JP" dirty="0" smtClean="0">
-              <a:latin typeface="Hiragino Kaku Gothic ProN W6" charset="-128"/>
-              <a:ea typeface="Hiragino Kaku Gothic ProN W6" charset="-128"/>
-              <a:cs typeface="Hiragino Kaku Gothic ProN W6" charset="-128"/>
-            </a:endParaRPr>
-          </a:p>
-          <a:p>
-            <a:pPr lvl="1"/>
-            <a:endParaRPr kumimoji="1" lang="en-US" altLang="ja-JP" dirty="0">
-              <a:latin typeface="Hiragino Kaku Gothic ProN W6" charset="-128"/>
-              <a:ea typeface="Hiragino Kaku Gothic ProN W6" charset="-128"/>
-              <a:cs typeface="Hiragino Kaku Gothic ProN W6" charset="-128"/>
-            </a:endParaRPr>
-          </a:p>
-          <a:p>
-            <a:pPr lvl="1"/>
-            <a:r>
-              <a:rPr lang="ja-JP" altLang="en-US" dirty="0" smtClean="0">
-                <a:latin typeface="Hiragino Kaku Gothic ProN W6" charset="-128"/>
-                <a:ea typeface="Hiragino Kaku Gothic ProN W6" charset="-128"/>
-                <a:cs typeface="Hiragino Kaku Gothic ProN W6" charset="-128"/>
-              </a:rPr>
-              <a:t>継続的</a:t>
-            </a:r>
-            <a:r>
-              <a:rPr lang="en-US" altLang="ja-JP" dirty="0" smtClean="0">
-                <a:latin typeface="Hiragino Kaku Gothic ProN W6" charset="-128"/>
-                <a:ea typeface="Hiragino Kaku Gothic ProN W6" charset="-128"/>
-                <a:cs typeface="Hiragino Kaku Gothic ProN W6" charset="-128"/>
-              </a:rPr>
-              <a:t>CD</a:t>
-            </a:r>
-            <a:r>
-              <a:rPr lang="ja-JP" altLang="en-US" dirty="0" smtClean="0">
-                <a:latin typeface="Hiragino Kaku Gothic ProN W6" charset="-128"/>
-                <a:ea typeface="Hiragino Kaku Gothic ProN W6" charset="-128"/>
-                <a:cs typeface="Hiragino Kaku Gothic ProN W6" charset="-128"/>
-              </a:rPr>
-              <a:t>法と併用することで，</a:t>
-            </a:r>
-            <a:endParaRPr lang="en-US" altLang="ja-JP" dirty="0" smtClean="0">
-              <a:latin typeface="Hiragino Kaku Gothic ProN W6" charset="-128"/>
-              <a:ea typeface="Hiragino Kaku Gothic ProN W6" charset="-128"/>
-              <a:cs typeface="Hiragino Kaku Gothic ProN W6" charset="-128"/>
-            </a:endParaRPr>
-          </a:p>
-          <a:p>
-            <a:pPr marL="457200" lvl="1" indent="0">
-              <a:buNone/>
-            </a:pPr>
-            <a:r>
-              <a:rPr lang="ja-JP" altLang="en-US" dirty="0" smtClean="0">
-                <a:latin typeface="Hiragino Kaku Gothic ProN W6" charset="-128"/>
-                <a:ea typeface="Hiragino Kaku Gothic ProN W6" charset="-128"/>
-                <a:cs typeface="Hiragino Kaku Gothic ProN W6" charset="-128"/>
-              </a:rPr>
-              <a:t>パラメータを上手く設定すれば継続的</a:t>
-            </a:r>
-            <a:r>
-              <a:rPr lang="en-US" altLang="ja-JP" dirty="0" smtClean="0">
-                <a:latin typeface="Hiragino Kaku Gothic ProN W6" charset="-128"/>
-                <a:ea typeface="Hiragino Kaku Gothic ProN W6" charset="-128"/>
-                <a:cs typeface="Hiragino Kaku Gothic ProN W6" charset="-128"/>
-              </a:rPr>
-              <a:t>CD</a:t>
-            </a:r>
-            <a:r>
-              <a:rPr lang="ja-JP" altLang="en-US" dirty="0" smtClean="0">
-                <a:latin typeface="Hiragino Kaku Gothic ProN W6" charset="-128"/>
-                <a:ea typeface="Hiragino Kaku Gothic ProN W6" charset="-128"/>
-                <a:cs typeface="Hiragino Kaku Gothic ProN W6" charset="-128"/>
-              </a:rPr>
-              <a:t>法より優れた学習性能</a:t>
-            </a:r>
-            <a:endParaRPr lang="en-US" altLang="ja-JP" dirty="0" smtClean="0">
-              <a:latin typeface="Hiragino Kaku Gothic ProN W6" charset="-128"/>
-              <a:ea typeface="Hiragino Kaku Gothic ProN W6" charset="-128"/>
-              <a:cs typeface="Hiragino Kaku Gothic ProN W6" charset="-128"/>
-            </a:endParaRPr>
-          </a:p>
-          <a:p>
-            <a:pPr lvl="1"/>
-            <a:r>
-              <a:rPr kumimoji="1" lang="ja-JP" altLang="en-US" dirty="0" smtClean="0">
-                <a:latin typeface="Hiragino Kaku Gothic ProN W6" charset="-128"/>
-                <a:ea typeface="Hiragino Kaku Gothic ProN W6" charset="-128"/>
-                <a:cs typeface="Hiragino Kaku Gothic ProN W6" charset="-128"/>
-              </a:rPr>
-              <a:t>欠点：設定するパラメータが増える</a:t>
-            </a:r>
-            <a:endParaRPr kumimoji="1" lang="en-US" altLang="ja-JP" dirty="0" smtClean="0">
+              <a:t>法では尤度が最大化されずに途中で収束してしまう問題が起こる場合があった</a:t>
+            </a:r>
+            <a:endParaRPr kumimoji="1" lang="ja-JP" altLang="en-US" dirty="0">
               <a:latin typeface="Hiragino Kaku Gothic ProN W6" charset="-128"/>
               <a:ea typeface="Hiragino Kaku Gothic ProN W6" charset="-128"/>
               <a:cs typeface="Hiragino Kaku Gothic ProN W6" charset="-128"/>
@@ -9334,7 +9260,7 @@
     </p:spTree>
     <p:extLst>
       <p:ext uri="{BB962C8B-B14F-4D97-AF65-F5344CB8AC3E}">
-        <p14:creationId xmlns:p14="http://schemas.microsoft.com/office/powerpoint/2010/main" val="1330595058"/>
+        <p14:creationId xmlns:p14="http://schemas.microsoft.com/office/powerpoint/2010/main" val="1008638540"/>
       </p:ext>
     </p:extLst>
   </p:cSld>
@@ -9373,67 +9299,323 @@
         </p:nvSpPr>
         <p:spPr/>
         <p:txBody>
+          <a:bodyPr/>
+          <a:lstStyle/>
+          <a:p>
+            <a:r>
+              <a:rPr kumimoji="1" lang="en-US" altLang="ja-JP" dirty="0" smtClean="0">
+                <a:latin typeface="Hiragino Kaku Gothic ProN W6" charset="-128"/>
+                <a:ea typeface="Hiragino Kaku Gothic ProN W6" charset="-128"/>
+                <a:cs typeface="Hiragino Kaku Gothic ProN W6" charset="-128"/>
+              </a:rPr>
+              <a:t>3.4.6</a:t>
+            </a:r>
+            <a:r>
+              <a:rPr kumimoji="1" lang="ja-JP" altLang="en-US" dirty="0" smtClean="0">
+                <a:latin typeface="Hiragino Kaku Gothic ProN W6" charset="-128"/>
+                <a:ea typeface="Hiragino Kaku Gothic ProN W6" charset="-128"/>
+                <a:cs typeface="Hiragino Kaku Gothic ProN W6" charset="-128"/>
+              </a:rPr>
+              <a:t>　</a:t>
+            </a:r>
+            <a:r>
+              <a:rPr kumimoji="1" lang="en-US" altLang="ja-JP" dirty="0" smtClean="0">
+                <a:latin typeface="Hiragino Kaku Gothic ProN W6" charset="-128"/>
+                <a:ea typeface="Hiragino Kaku Gothic ProN W6" charset="-128"/>
+                <a:cs typeface="Hiragino Kaku Gothic ProN W6" charset="-128"/>
+              </a:rPr>
+              <a:t>CD</a:t>
+            </a:r>
+            <a:r>
+              <a:rPr kumimoji="1" lang="ja-JP" altLang="en-US" dirty="0" smtClean="0">
+                <a:latin typeface="Hiragino Kaku Gothic ProN W6" charset="-128"/>
+                <a:ea typeface="Hiragino Kaku Gothic ProN W6" charset="-128"/>
+                <a:cs typeface="Hiragino Kaku Gothic ProN W6" charset="-128"/>
+              </a:rPr>
+              <a:t>法から派生した学習則</a:t>
+            </a:r>
+            <a:endParaRPr kumimoji="1" lang="ja-JP" altLang="en-US" dirty="0">
+              <a:latin typeface="Hiragino Kaku Gothic ProN W6" charset="-128"/>
+              <a:ea typeface="Hiragino Kaku Gothic ProN W6" charset="-128"/>
+              <a:cs typeface="Hiragino Kaku Gothic ProN W6" charset="-128"/>
+            </a:endParaRPr>
+          </a:p>
+        </p:txBody>
+      </p:sp>
+      <p:sp>
+        <p:nvSpPr>
+          <p:cNvPr id="3" name="コンテンツ プレースホルダー 2"/>
+          <p:cNvSpPr>
+            <a:spLocks noGrp="1"/>
+          </p:cNvSpPr>
+          <p:nvPr>
+            <p:ph idx="1"/>
+          </p:nvPr>
+        </p:nvSpPr>
+        <p:spPr/>
+        <p:txBody>
           <a:bodyPr>
-            <a:normAutofit fontScale="90000"/>
+            <a:normAutofit fontScale="92500" lnSpcReduction="10000"/>
           </a:bodyPr>
           <a:lstStyle/>
           <a:p>
             <a:r>
+              <a:rPr kumimoji="1" lang="ja-JP" altLang="en-US" dirty="0" smtClean="0">
+                <a:latin typeface="Hiragino Kaku Gothic ProN W6" charset="-128"/>
+                <a:ea typeface="Hiragino Kaku Gothic ProN W6" charset="-128"/>
+                <a:cs typeface="Hiragino Kaku Gothic ProN W6" charset="-128"/>
+              </a:rPr>
+              <a:t>継続的</a:t>
+            </a:r>
+            <a:r>
               <a:rPr kumimoji="1" lang="en-US" altLang="ja-JP" dirty="0" smtClean="0">
-                <a:latin typeface="ヒラギノ角ゴ Pro W6" charset="-128"/>
-                <a:ea typeface="ヒラギノ角ゴ Pro W6" charset="-128"/>
-              </a:rPr>
-              <a:t>3.4.7</a:t>
+                <a:latin typeface="Hiragino Kaku Gothic ProN W6" charset="-128"/>
+                <a:ea typeface="Hiragino Kaku Gothic ProN W6" charset="-128"/>
+                <a:cs typeface="Hiragino Kaku Gothic ProN W6" charset="-128"/>
+              </a:rPr>
+              <a:t>CD</a:t>
+            </a:r>
+            <a:r>
+              <a:rPr kumimoji="1" lang="ja-JP" altLang="en-US" dirty="0" smtClean="0">
+                <a:latin typeface="Hiragino Kaku Gothic ProN W6" charset="-128"/>
+                <a:ea typeface="Hiragino Kaku Gothic ProN W6" charset="-128"/>
+                <a:cs typeface="Hiragino Kaku Gothic ProN W6" charset="-128"/>
+              </a:rPr>
+              <a:t>法</a:t>
+            </a:r>
+            <a:endParaRPr kumimoji="1" lang="en-US" altLang="ja-JP" dirty="0" smtClean="0">
+              <a:latin typeface="Hiragino Kaku Gothic ProN W6" charset="-128"/>
+              <a:ea typeface="Hiragino Kaku Gothic ProN W6" charset="-128"/>
+              <a:cs typeface="Hiragino Kaku Gothic ProN W6" charset="-128"/>
+            </a:endParaRPr>
+          </a:p>
+          <a:p>
+            <a:pPr lvl="1" algn="just"/>
+            <a:r>
+              <a:rPr kumimoji="1" lang="ja-JP" altLang="en-US" dirty="0" smtClean="0">
+                <a:latin typeface="Hiragino Kaku Gothic ProN W6" charset="-128"/>
+                <a:ea typeface="Hiragino Kaku Gothic ProN W6" charset="-128"/>
+                <a:cs typeface="Hiragino Kaku Gothic ProN W6" charset="-128"/>
+              </a:rPr>
+              <a:t>近似導関数</a:t>
+            </a:r>
+            <a:r>
+              <a:rPr kumimoji="1" lang="en-US" altLang="ja-JP" dirty="0" smtClean="0">
+                <a:latin typeface="Hiragino Kaku Gothic ProN W6" charset="-128"/>
+                <a:ea typeface="Hiragino Kaku Gothic ProN W6" charset="-128"/>
+                <a:cs typeface="Hiragino Kaku Gothic ProN W6" charset="-128"/>
+              </a:rPr>
+              <a:t>(3.13)</a:t>
+            </a:r>
+            <a:r>
+              <a:rPr kumimoji="1" lang="ja-JP" altLang="en-US" dirty="0" smtClean="0">
+                <a:latin typeface="Hiragino Kaku Gothic ProN W6" charset="-128"/>
+                <a:ea typeface="Hiragino Kaku Gothic ProN W6" charset="-128"/>
+                <a:cs typeface="Hiragino Kaku Gothic ProN W6" charset="-128"/>
+              </a:rPr>
+              <a:t>を対数尤度の勾配の式</a:t>
+            </a:r>
+            <a:r>
+              <a:rPr kumimoji="1" lang="en-US" altLang="ja-JP" dirty="0" smtClean="0">
+                <a:latin typeface="Hiragino Kaku Gothic ProN W6" charset="-128"/>
+                <a:ea typeface="Hiragino Kaku Gothic ProN W6" charset="-128"/>
+                <a:cs typeface="Hiragino Kaku Gothic ProN W6" charset="-128"/>
+              </a:rPr>
+              <a:t>(3.12)</a:t>
+            </a:r>
+            <a:r>
+              <a:rPr kumimoji="1" lang="ja-JP" altLang="en-US" dirty="0" smtClean="0">
+                <a:latin typeface="Hiragino Kaku Gothic ProN W6" charset="-128"/>
+                <a:ea typeface="Hiragino Kaku Gothic ProN W6" charset="-128"/>
+                <a:cs typeface="Hiragino Kaku Gothic ProN W6" charset="-128"/>
+              </a:rPr>
+              <a:t>に近づける</a:t>
+            </a:r>
+            <a:endParaRPr lang="en-US" altLang="ja-JP" dirty="0" smtClean="0">
+              <a:latin typeface="Hiragino Kaku Gothic ProN W6" charset="-128"/>
+              <a:ea typeface="Hiragino Kaku Gothic ProN W6" charset="-128"/>
+              <a:cs typeface="Hiragino Kaku Gothic ProN W6" charset="-128"/>
+            </a:endParaRPr>
+          </a:p>
+          <a:p>
+            <a:r>
+              <a:rPr kumimoji="1" lang="en-US" altLang="ja-JP" dirty="0" smtClean="0">
+                <a:latin typeface="Hiragino Kaku Gothic ProN W6" charset="-128"/>
+                <a:ea typeface="Hiragino Kaku Gothic ProN W6" charset="-128"/>
+                <a:cs typeface="Hiragino Kaku Gothic ProN W6" charset="-128"/>
+              </a:rPr>
+              <a:t>CD</a:t>
+            </a:r>
+            <a:r>
+              <a:rPr kumimoji="1" lang="ja-JP" altLang="en-US" dirty="0" smtClean="0">
+                <a:latin typeface="Hiragino Kaku Gothic ProN W6" charset="-128"/>
+                <a:ea typeface="Hiragino Kaku Gothic ProN W6" charset="-128"/>
+                <a:cs typeface="Hiragino Kaku Gothic ProN W6" charset="-128"/>
+              </a:rPr>
+              <a:t>法</a:t>
+            </a:r>
+            <a:endParaRPr kumimoji="1" lang="en-US" altLang="ja-JP" dirty="0" smtClean="0">
+              <a:latin typeface="Hiragino Kaku Gothic ProN W6" charset="-128"/>
+              <a:ea typeface="Hiragino Kaku Gothic ProN W6" charset="-128"/>
+              <a:cs typeface="Hiragino Kaku Gothic ProN W6" charset="-128"/>
+            </a:endParaRPr>
+          </a:p>
+          <a:p>
+            <a:pPr lvl="1"/>
+            <a:r>
+              <a:rPr lang="ja-JP" altLang="en-US" dirty="0" smtClean="0">
+                <a:latin typeface="Hiragino Kaku Gothic ProN W6" charset="-128"/>
+                <a:ea typeface="Hiragino Kaku Gothic ProN W6" charset="-128"/>
+                <a:cs typeface="Hiragino Kaku Gothic ProN W6" charset="-128"/>
+              </a:rPr>
+              <a:t>式</a:t>
             </a:r>
             <a:r>
               <a:rPr lang="en-US" altLang="ja-JP" dirty="0">
-                <a:latin typeface="ヒラギノ角ゴ Pro W6" charset="-128"/>
-                <a:ea typeface="ヒラギノ角ゴ Pro W6" charset="-128"/>
-              </a:rPr>
-              <a:t/>
-            </a:r>
-            <a:br>
+                <a:latin typeface="Hiragino Kaku Gothic ProN W6" charset="-128"/>
+                <a:ea typeface="Hiragino Kaku Gothic ProN W6" charset="-128"/>
+                <a:cs typeface="Hiragino Kaku Gothic ProN W6" charset="-128"/>
+              </a:rPr>
+              <a:t>(3.12</a:t>
+            </a:r>
+            <a:r>
+              <a:rPr lang="en-US" altLang="ja-JP" dirty="0" smtClean="0">
+                <a:latin typeface="Hiragino Kaku Gothic ProN W6" charset="-128"/>
+                <a:ea typeface="Hiragino Kaku Gothic ProN W6" charset="-128"/>
+                <a:cs typeface="Hiragino Kaku Gothic ProN W6" charset="-128"/>
+              </a:rPr>
+              <a:t>)</a:t>
+            </a:r>
+            <a:r>
+              <a:rPr lang="ja-JP" altLang="en-US" dirty="0" smtClean="0">
+                <a:latin typeface="Hiragino Kaku Gothic ProN W6" charset="-128"/>
+                <a:ea typeface="Hiragino Kaku Gothic ProN W6" charset="-128"/>
+                <a:cs typeface="Hiragino Kaku Gothic ProN W6" charset="-128"/>
+              </a:rPr>
+              <a:t>の第二項の期待値計算は解析的な計算が困難</a:t>
+            </a:r>
+            <a:endParaRPr lang="en-US" altLang="ja-JP" dirty="0">
+              <a:latin typeface="Hiragino Kaku Gothic ProN W6" charset="-128"/>
+              <a:ea typeface="Hiragino Kaku Gothic ProN W6" charset="-128"/>
+              <a:cs typeface="Hiragino Kaku Gothic ProN W6" charset="-128"/>
+            </a:endParaRPr>
+          </a:p>
+          <a:p>
+            <a:pPr marL="457200" lvl="1" indent="0">
+              <a:buNone/>
+            </a:pPr>
+            <a:r>
+              <a:rPr kumimoji="1" lang="ja-JP" altLang="en-US" dirty="0" smtClean="0">
+                <a:latin typeface="Hiragino Kaku Gothic ProN W6" charset="-128"/>
+                <a:ea typeface="Hiragino Kaku Gothic ProN W6" charset="-128"/>
+                <a:cs typeface="Hiragino Kaku Gothic ProN W6" charset="-128"/>
+              </a:rPr>
+              <a:t>　　　→ギプスサンプリング無限回で近似してサンプルを定常分布に収束</a:t>
+            </a:r>
+            <a:endParaRPr kumimoji="1" lang="en-US" altLang="ja-JP" dirty="0" smtClean="0">
+              <a:latin typeface="Hiragino Kaku Gothic ProN W6" charset="-128"/>
+              <a:ea typeface="Hiragino Kaku Gothic ProN W6" charset="-128"/>
+              <a:cs typeface="Hiragino Kaku Gothic ProN W6" charset="-128"/>
+            </a:endParaRPr>
+          </a:p>
+          <a:p>
+            <a:pPr marL="457200" lvl="1" indent="0">
+              <a:buNone/>
+            </a:pPr>
+            <a:r>
+              <a:rPr lang="ja-JP" altLang="en-US" dirty="0">
+                <a:latin typeface="Hiragino Kaku Gothic ProN W6" charset="-128"/>
+                <a:ea typeface="Hiragino Kaku Gothic ProN W6" charset="-128"/>
+                <a:cs typeface="Hiragino Kaku Gothic ProN W6" charset="-128"/>
+              </a:rPr>
+              <a:t>　</a:t>
+            </a:r>
+            <a:r>
+              <a:rPr lang="ja-JP" altLang="en-US" dirty="0" smtClean="0">
+                <a:latin typeface="Hiragino Kaku Gothic ProN W6" charset="-128"/>
+                <a:ea typeface="Hiragino Kaku Gothic ProN W6" charset="-128"/>
+                <a:cs typeface="Hiragino Kaku Gothic ProN W6" charset="-128"/>
+              </a:rPr>
+              <a:t>　　→</a:t>
+            </a:r>
+            <a:r>
+              <a:rPr lang="ja-JP" altLang="en-US" dirty="0">
+                <a:latin typeface="Hiragino Kaku Gothic ProN W6" charset="-128"/>
+                <a:ea typeface="Hiragino Kaku Gothic ProN W6" charset="-128"/>
+                <a:cs typeface="Hiragino Kaku Gothic ProN W6" charset="-128"/>
+              </a:rPr>
+              <a:t>近似導関数</a:t>
+            </a:r>
+            <a:r>
               <a:rPr lang="en-US" altLang="ja-JP" dirty="0">
-                <a:latin typeface="ヒラギノ角ゴ Pro W6" charset="-128"/>
-                <a:ea typeface="ヒラギノ角ゴ Pro W6" charset="-128"/>
-              </a:rPr>
-            </a:br>
-            <a:r>
-              <a:rPr kumimoji="1" lang="ja-JP" altLang="en-US" sz="3100" dirty="0" smtClean="0">
-                <a:latin typeface="ヒラギノ角ゴ Pro W6" charset="-128"/>
-                <a:ea typeface="ヒラギノ角ゴ Pro W6" charset="-128"/>
-              </a:rPr>
-              <a:t>確率的なモデルの事前学習と自己符号化器の学習の関係</a:t>
-            </a:r>
-            <a:endParaRPr kumimoji="1" lang="ja-JP" altLang="en-US" sz="3100" dirty="0">
-              <a:latin typeface="ヒラギノ角ゴ Pro W6" charset="-128"/>
-              <a:ea typeface="ヒラギノ角ゴ Pro W6" charset="-128"/>
-            </a:endParaRPr>
-          </a:p>
-        </p:txBody>
-      </p:sp>
-      <p:sp>
-        <p:nvSpPr>
-          <p:cNvPr id="3" name="コンテンツ プレースホルダー 2"/>
-          <p:cNvSpPr>
-            <a:spLocks noGrp="1"/>
-          </p:cNvSpPr>
-          <p:nvPr>
-            <p:ph idx="1"/>
-          </p:nvPr>
-        </p:nvSpPr>
-        <p:spPr/>
-        <p:txBody>
-          <a:bodyPr/>
-          <a:lstStyle/>
-          <a:p>
+                <a:latin typeface="Hiragino Kaku Gothic ProN W6" charset="-128"/>
+                <a:ea typeface="Hiragino Kaku Gothic ProN W6" charset="-128"/>
+                <a:cs typeface="Hiragino Kaku Gothic ProN W6" charset="-128"/>
+              </a:rPr>
+              <a:t>(3.13</a:t>
+            </a:r>
+            <a:r>
+              <a:rPr lang="en-US" altLang="ja-JP" dirty="0" smtClean="0">
+                <a:latin typeface="Hiragino Kaku Gothic ProN W6" charset="-128"/>
+                <a:ea typeface="Hiragino Kaku Gothic ProN W6" charset="-128"/>
+                <a:cs typeface="Hiragino Kaku Gothic ProN W6" charset="-128"/>
+              </a:rPr>
+              <a:t>)</a:t>
+            </a:r>
+            <a:r>
+              <a:rPr lang="ja-JP" altLang="en-US" dirty="0" smtClean="0">
+                <a:latin typeface="Hiragino Kaku Gothic ProN W6" charset="-128"/>
+                <a:ea typeface="Hiragino Kaku Gothic ProN W6" charset="-128"/>
+                <a:cs typeface="Hiragino Kaku Gothic ProN W6" charset="-128"/>
+              </a:rPr>
+              <a:t>をギプスサンプリング</a:t>
+            </a:r>
+            <a:r>
+              <a:rPr lang="en-US" altLang="ja-JP" dirty="0" smtClean="0">
+                <a:latin typeface="Hiragino Kaku Gothic ProN W6" charset="-128"/>
+                <a:ea typeface="Hiragino Kaku Gothic ProN W6" charset="-128"/>
+                <a:cs typeface="Hiragino Kaku Gothic ProN W6" charset="-128"/>
+              </a:rPr>
+              <a:t>k</a:t>
+            </a:r>
+            <a:r>
+              <a:rPr lang="ja-JP" altLang="en-US" dirty="0" smtClean="0">
+                <a:latin typeface="Hiragino Kaku Gothic ProN W6" charset="-128"/>
+                <a:ea typeface="Hiragino Kaku Gothic ProN W6" charset="-128"/>
+                <a:cs typeface="Hiragino Kaku Gothic ProN W6" charset="-128"/>
+              </a:rPr>
+              <a:t>回で代用</a:t>
+            </a:r>
+            <a:endParaRPr lang="en-US" altLang="ja-JP" dirty="0" smtClean="0">
+              <a:latin typeface="Hiragino Kaku Gothic ProN W6" charset="-128"/>
+              <a:ea typeface="Hiragino Kaku Gothic ProN W6" charset="-128"/>
+              <a:cs typeface="Hiragino Kaku Gothic ProN W6" charset="-128"/>
+            </a:endParaRPr>
+          </a:p>
+          <a:p>
+            <a:pPr lvl="1"/>
             <a:r>
               <a:rPr kumimoji="1" lang="ja-JP" altLang="en-US" dirty="0" smtClean="0">
                 <a:latin typeface="Hiragino Kaku Gothic ProN W6" charset="-128"/>
                 <a:ea typeface="Hiragino Kaku Gothic ProN W6" charset="-128"/>
                 <a:cs typeface="Hiragino Kaku Gothic ProN W6" charset="-128"/>
               </a:rPr>
-              <a:t>事前学習</a:t>
+              <a:t>パラメータ更新のたびに初期分布を観測データからの経験分布に戻す</a:t>
+            </a:r>
+            <a:endParaRPr kumimoji="1" lang="en-US" altLang="ja-JP" dirty="0" smtClean="0">
+              <a:latin typeface="Hiragino Kaku Gothic ProN W6" charset="-128"/>
+              <a:ea typeface="Hiragino Kaku Gothic ProN W6" charset="-128"/>
+              <a:cs typeface="Hiragino Kaku Gothic ProN W6" charset="-128"/>
+            </a:endParaRPr>
+          </a:p>
+          <a:p>
+            <a:r>
+              <a:rPr lang="ja-JP" altLang="en-US" dirty="0" smtClean="0">
+                <a:latin typeface="Hiragino Kaku Gothic ProN W6" charset="-128"/>
+                <a:ea typeface="Hiragino Kaku Gothic ProN W6" charset="-128"/>
+                <a:cs typeface="Hiragino Kaku Gothic ProN W6" charset="-128"/>
+              </a:rPr>
+              <a:t>継続的</a:t>
             </a:r>
             <a:r>
               <a:rPr lang="en-US" altLang="ja-JP" dirty="0" smtClean="0">
@@ -9441,9 +9623,17 @@
                 <a:ea typeface="Hiragino Kaku Gothic ProN W6" charset="-128"/>
                 <a:cs typeface="Hiragino Kaku Gothic ProN W6" charset="-128"/>
               </a:rPr>
-              <a:t>:</a:t>
-            </a:r>
-            <a:endParaRPr lang="en-US" altLang="ja-JP" dirty="0">
+              <a:t>CD</a:t>
+            </a:r>
+            <a:r>
+              <a:rPr lang="ja-JP" altLang="en-US" dirty="0" smtClean="0">
+                <a:latin typeface="Hiragino Kaku Gothic ProN W6" charset="-128"/>
+                <a:ea typeface="Hiragino Kaku Gothic ProN W6" charset="-128"/>
+                <a:cs typeface="Hiragino Kaku Gothic ProN W6" charset="-128"/>
+              </a:rPr>
+              <a:t>法</a:t>
+            </a:r>
+            <a:endParaRPr lang="en-US" altLang="ja-JP" dirty="0" smtClean="0">
               <a:latin typeface="Hiragino Kaku Gothic ProN W6" charset="-128"/>
               <a:ea typeface="Hiragino Kaku Gothic ProN W6" charset="-128"/>
               <a:cs typeface="Hiragino Kaku Gothic ProN W6" charset="-128"/>
@@ -9452,12 +9642,28 @@
           <a:p>
             <a:pPr lvl="1"/>
             <a:r>
+              <a:rPr kumimoji="1" lang="ja-JP" altLang="en-US" dirty="0" smtClean="0">
+                <a:latin typeface="Hiragino Kaku Gothic ProN W6" charset="-128"/>
+                <a:ea typeface="Hiragino Kaku Gothic ProN W6" charset="-128"/>
+                <a:cs typeface="Hiragino Kaku Gothic ProN W6" charset="-128"/>
+              </a:rPr>
+              <a:t>更新後にサンプルで構成される経験分布からギプスサンプリング</a:t>
+            </a:r>
+            <a:endParaRPr kumimoji="1" lang="en-US" altLang="ja-JP" dirty="0" smtClean="0">
+              <a:latin typeface="Hiragino Kaku Gothic ProN W6" charset="-128"/>
+              <a:ea typeface="Hiragino Kaku Gothic ProN W6" charset="-128"/>
+              <a:cs typeface="Hiragino Kaku Gothic ProN W6" charset="-128"/>
+            </a:endParaRPr>
+          </a:p>
+          <a:p>
+            <a:pPr lvl="1"/>
+            <a:r>
               <a:rPr lang="ja-JP" altLang="en-US" dirty="0" smtClean="0">
                 <a:latin typeface="Hiragino Kaku Gothic ProN W6" charset="-128"/>
                 <a:ea typeface="Hiragino Kaku Gothic ProN W6" charset="-128"/>
                 <a:cs typeface="Hiragino Kaku Gothic ProN W6" charset="-128"/>
               </a:rPr>
-              <a:t>多層</a:t>
+              <a:t>継続的</a:t>
             </a:r>
             <a:r>
               <a:rPr lang="en-US" altLang="ja-JP" dirty="0" smtClean="0">
@@ -9465,7 +9671,7 @@
                 <a:ea typeface="Hiragino Kaku Gothic ProN W6" charset="-128"/>
                 <a:cs typeface="Hiragino Kaku Gothic ProN W6" charset="-128"/>
               </a:rPr>
-              <a:t>NN</a:t>
+              <a:t>CD-1</a:t>
             </a:r>
             <a:r>
               <a:rPr lang="ja-JP" altLang="en-US" dirty="0" smtClean="0">
@@ -9473,7 +9679,23 @@
                 <a:ea typeface="Hiragino Kaku Gothic ProN W6" charset="-128"/>
                 <a:cs typeface="Hiragino Kaku Gothic ProN W6" charset="-128"/>
               </a:rPr>
-              <a:t>を隣接二層ごとに分解</a:t>
+              <a:t>法　≧　</a:t>
+            </a:r>
+            <a:r>
+              <a:rPr lang="en-US" altLang="ja-JP" dirty="0" smtClean="0">
+                <a:latin typeface="Hiragino Kaku Gothic ProN W6" charset="-128"/>
+                <a:ea typeface="Hiragino Kaku Gothic ProN W6" charset="-128"/>
+                <a:cs typeface="Hiragino Kaku Gothic ProN W6" charset="-128"/>
+              </a:rPr>
+              <a:t>CD-10</a:t>
+            </a:r>
+            <a:r>
+              <a:rPr lang="ja-JP" altLang="en-US" dirty="0" smtClean="0">
+                <a:latin typeface="Hiragino Kaku Gothic ProN W6" charset="-128"/>
+                <a:ea typeface="Hiragino Kaku Gothic ProN W6" charset="-128"/>
+                <a:cs typeface="Hiragino Kaku Gothic ProN W6" charset="-128"/>
+              </a:rPr>
+              <a:t>法</a:t>
             </a:r>
             <a:endParaRPr lang="en-US" altLang="ja-JP" dirty="0" smtClean="0">
               <a:latin typeface="Hiragino Kaku Gothic ProN W6" charset="-128"/>
@@ -9484,125 +9706,14 @@
           <a:p>
             <a:pPr lvl="1"/>
             <a:r>
-              <a:rPr lang="ja-JP" altLang="en-US" dirty="0" smtClean="0">
-                <a:latin typeface="Hiragino Kaku Gothic ProN W6" charset="-128"/>
-                <a:ea typeface="Hiragino Kaku Gothic ProN W6" charset="-128"/>
-                <a:cs typeface="Hiragino Kaku Gothic ProN W6" charset="-128"/>
-              </a:rPr>
-              <a:t>二層で</a:t>
-            </a:r>
-            <a:r>
-              <a:rPr lang="en-US" altLang="ja-JP" dirty="0" smtClean="0">
-                <a:latin typeface="Hiragino Kaku Gothic ProN W6" charset="-128"/>
-                <a:ea typeface="Hiragino Kaku Gothic ProN W6" charset="-128"/>
-                <a:cs typeface="Hiragino Kaku Gothic ProN W6" charset="-128"/>
-              </a:rPr>
-              <a:t>RBM</a:t>
-            </a:r>
-            <a:r>
-              <a:rPr lang="ja-JP" altLang="en-US" dirty="0" smtClean="0">
-                <a:latin typeface="Hiragino Kaku Gothic ProN W6" charset="-128"/>
-                <a:ea typeface="Hiragino Kaku Gothic ProN W6" charset="-128"/>
-                <a:cs typeface="Hiragino Kaku Gothic ProN W6" charset="-128"/>
-              </a:rPr>
-              <a:t>など小規模モデルを構成</a:t>
-            </a:r>
-            <a:endParaRPr lang="en-US" altLang="ja-JP" dirty="0" smtClean="0">
-              <a:latin typeface="Hiragino Kaku Gothic ProN W6" charset="-128"/>
-              <a:ea typeface="Hiragino Kaku Gothic ProN W6" charset="-128"/>
-              <a:cs typeface="Hiragino Kaku Gothic ProN W6" charset="-128"/>
-            </a:endParaRPr>
-          </a:p>
-          <a:p>
-            <a:pPr lvl="1"/>
-            <a:r>
-              <a:rPr lang="ja-JP" altLang="en-US" dirty="0" smtClean="0">
-                <a:latin typeface="Hiragino Kaku Gothic ProN W6" charset="-128"/>
-                <a:ea typeface="Hiragino Kaku Gothic ProN W6" charset="-128"/>
-                <a:cs typeface="Hiragino Kaku Gothic ProN W6" charset="-128"/>
-              </a:rPr>
-              <a:t>下層から順に学習</a:t>
-            </a:r>
-            <a:endParaRPr lang="en-US" altLang="ja-JP" dirty="0" smtClean="0">
-              <a:latin typeface="Hiragino Kaku Gothic ProN W6" charset="-128"/>
-              <a:ea typeface="Hiragino Kaku Gothic ProN W6" charset="-128"/>
-              <a:cs typeface="Hiragino Kaku Gothic ProN W6" charset="-128"/>
-            </a:endParaRPr>
-          </a:p>
-          <a:p>
-            <a:r>
-              <a:rPr lang="ja-JP" altLang="en-US" dirty="0" smtClean="0">
-                <a:latin typeface="Hiragino Kaku Gothic ProN W6" charset="-128"/>
-                <a:ea typeface="Hiragino Kaku Gothic ProN W6" charset="-128"/>
-                <a:cs typeface="Hiragino Kaku Gothic ProN W6" charset="-128"/>
-              </a:rPr>
-              <a:t>式</a:t>
-            </a:r>
-            <a:r>
-              <a:rPr lang="en-US" altLang="ja-JP" dirty="0" smtClean="0">
-                <a:latin typeface="Hiragino Kaku Gothic ProN W6" charset="-128"/>
-                <a:ea typeface="Hiragino Kaku Gothic ProN W6" charset="-128"/>
-                <a:cs typeface="Hiragino Kaku Gothic ProN W6" charset="-128"/>
-              </a:rPr>
-              <a:t>(3.21)</a:t>
-            </a:r>
-            <a:r>
-              <a:rPr lang="ja-JP" altLang="en-US" dirty="0" smtClean="0">
-                <a:latin typeface="Hiragino Kaku Gothic ProN W6" charset="-128"/>
-                <a:ea typeface="Hiragino Kaku Gothic ProN W6" charset="-128"/>
-                <a:cs typeface="Hiragino Kaku Gothic ProN W6" charset="-128"/>
-              </a:rPr>
-              <a:t>の詳細釣り合い条件を満たすように，マルコフ連鎖の条件付き分布</a:t>
-            </a:r>
-            <a:r>
-              <a:rPr lang="en-US" altLang="ja-JP" dirty="0" smtClean="0">
-                <a:latin typeface="Hiragino Kaku Gothic ProN W6" charset="-128"/>
-                <a:ea typeface="Hiragino Kaku Gothic ProN W6" charset="-128"/>
-                <a:cs typeface="Hiragino Kaku Gothic ProN W6" charset="-128"/>
-              </a:rPr>
-              <a:t>p(</a:t>
-            </a:r>
-            <a:r>
-              <a:rPr lang="en-US" altLang="ja-JP" dirty="0" err="1" smtClean="0">
-                <a:latin typeface="Hiragino Kaku Gothic ProN W6" charset="-128"/>
-                <a:ea typeface="Hiragino Kaku Gothic ProN W6" charset="-128"/>
-                <a:cs typeface="Hiragino Kaku Gothic ProN W6" charset="-128"/>
-              </a:rPr>
-              <a:t>h|v,θ</a:t>
-            </a:r>
-            <a:r>
-              <a:rPr lang="en-US" altLang="ja-JP" dirty="0" smtClean="0">
-                <a:latin typeface="Hiragino Kaku Gothic ProN W6" charset="-128"/>
-                <a:ea typeface="Hiragino Kaku Gothic ProN W6" charset="-128"/>
-                <a:cs typeface="Hiragino Kaku Gothic ProN W6" charset="-128"/>
-              </a:rPr>
-              <a:t>)</a:t>
-            </a:r>
-            <a:r>
-              <a:rPr lang="ja-JP" altLang="en-US" dirty="0" smtClean="0">
-                <a:latin typeface="Hiragino Kaku Gothic ProN W6" charset="-128"/>
-                <a:ea typeface="Hiragino Kaku Gothic ProN W6" charset="-128"/>
-                <a:cs typeface="Hiragino Kaku Gothic ProN W6" charset="-128"/>
-              </a:rPr>
-              <a:t>と</a:t>
-            </a:r>
-            <a:r>
-              <a:rPr lang="en-US" altLang="ja-JP" dirty="0" err="1" smtClean="0">
-                <a:latin typeface="Hiragino Kaku Gothic ProN W6" charset="-128"/>
-                <a:ea typeface="Hiragino Kaku Gothic ProN W6" charset="-128"/>
-                <a:cs typeface="Hiragino Kaku Gothic ProN W6" charset="-128"/>
-              </a:rPr>
-              <a:t>θ</a:t>
-            </a:r>
-            <a:r>
-              <a:rPr lang="ja-JP" altLang="en-US" dirty="0" smtClean="0">
-                <a:latin typeface="Hiragino Kaku Gothic ProN W6" charset="-128"/>
-                <a:ea typeface="Hiragino Kaku Gothic ProN W6" charset="-128"/>
-                <a:cs typeface="Hiragino Kaku Gothic ProN W6" charset="-128"/>
-              </a:rPr>
-              <a:t>を学習すれば，確率的な自己符号化器が得られることがわかる</a:t>
-            </a:r>
-            <a:endParaRPr lang="en-US" altLang="ja-JP" dirty="0" smtClean="0">
+              <a:rPr kumimoji="1" lang="ja-JP" altLang="en-US" dirty="0" smtClean="0">
+                <a:latin typeface="Hiragino Kaku Gothic ProN W6" charset="-128"/>
+                <a:ea typeface="Hiragino Kaku Gothic ProN W6" charset="-128"/>
+                <a:cs typeface="Hiragino Kaku Gothic ProN W6" charset="-128"/>
+              </a:rPr>
+              <a:t>計算量が少ない</a:t>
+            </a:r>
+            <a:endParaRPr kumimoji="1" lang="en-US" altLang="ja-JP" dirty="0" smtClean="0">
               <a:latin typeface="Hiragino Kaku Gothic ProN W6" charset="-128"/>
               <a:ea typeface="Hiragino Kaku Gothic ProN W6" charset="-128"/>
               <a:cs typeface="Hiragino Kaku Gothic ProN W6" charset="-128"/>
@@ -9613,7 +9724,7 @@
     </p:spTree>
     <p:extLst>
       <p:ext uri="{BB962C8B-B14F-4D97-AF65-F5344CB8AC3E}">
-        <p14:creationId xmlns:p14="http://schemas.microsoft.com/office/powerpoint/2010/main" val="648899709"/>
+        <p14:creationId xmlns:p14="http://schemas.microsoft.com/office/powerpoint/2010/main" val="943651070"/>
       </p:ext>
     </p:extLst>
   </p:cSld>
@@ -9656,18 +9767,22 @@
           <a:lstStyle/>
           <a:p>
             <a:r>
-              <a:rPr kumimoji="1" lang="ja-JP" altLang="en-US" dirty="0" smtClean="0">
-                <a:latin typeface="Hiragino Kaku Gothic ProN W6" charset="-128"/>
-                <a:ea typeface="Hiragino Kaku Gothic ProN W6" charset="-128"/>
-                <a:cs typeface="Hiragino Kaku Gothic ProN W6" charset="-128"/>
-              </a:rPr>
-              <a:t>変分自己符号化器</a:t>
-            </a:r>
-            <a:endParaRPr kumimoji="1" lang="ja-JP" altLang="en-US" dirty="0">
-              <a:latin typeface="Hiragino Kaku Gothic ProN W6" charset="-128"/>
-              <a:ea typeface="Hiragino Kaku Gothic ProN W6" charset="-128"/>
-              <a:cs typeface="Hiragino Kaku Gothic ProN W6" charset="-128"/>
-            </a:endParaRPr>
+              <a:rPr lang="en-US" altLang="ja-JP" dirty="0">
+                <a:latin typeface="Hiragino Kaku Gothic ProN W6" charset="-128"/>
+                <a:ea typeface="Hiragino Kaku Gothic ProN W6" charset="-128"/>
+                <a:cs typeface="Hiragino Kaku Gothic ProN W6" charset="-128"/>
+              </a:rPr>
+              <a:t>CD</a:t>
+            </a:r>
+            <a:r>
+              <a:rPr lang="ja-JP" altLang="en-US" dirty="0">
+                <a:latin typeface="Hiragino Kaku Gothic ProN W6" charset="-128"/>
+                <a:ea typeface="Hiragino Kaku Gothic ProN W6" charset="-128"/>
+                <a:cs typeface="Hiragino Kaku Gothic ProN W6" charset="-128"/>
+              </a:rPr>
+              <a:t>法から派生した学習則</a:t>
+            </a:r>
+            <a:endParaRPr kumimoji="1" lang="ja-JP" altLang="en-US" dirty="0"/>
           </a:p>
         </p:txBody>
       </p:sp>
@@ -9687,52 +9802,60 @@
           <a:lstStyle/>
           <a:p>
             <a:r>
+              <a:rPr kumimoji="1" lang="ja-JP" altLang="en-US" dirty="0" smtClean="0">
+                <a:latin typeface="Hiragino Kaku Gothic ProN W6" charset="-128"/>
+                <a:ea typeface="Hiragino Kaku Gothic ProN W6" charset="-128"/>
+                <a:cs typeface="Hiragino Kaku Gothic ProN W6" charset="-128"/>
+              </a:rPr>
+              <a:t>パラレルテンパリング</a:t>
+            </a:r>
+            <a:r>
+              <a:rPr lang="en-US" altLang="ja-JP" dirty="0">
+                <a:latin typeface="Hiragino Kaku Gothic ProN W6" charset="-128"/>
+                <a:ea typeface="Hiragino Kaku Gothic ProN W6" charset="-128"/>
+                <a:cs typeface="Hiragino Kaku Gothic ProN W6" charset="-128"/>
+              </a:rPr>
+              <a:t>=</a:t>
+            </a:r>
+            <a:r>
               <a:rPr lang="ja-JP" altLang="en-US" dirty="0" smtClean="0">
                 <a:latin typeface="Hiragino Kaku Gothic ProN W6" charset="-128"/>
                 <a:ea typeface="Hiragino Kaku Gothic ProN W6" charset="-128"/>
                 <a:cs typeface="Hiragino Kaku Gothic ProN W6" charset="-128"/>
               </a:rPr>
-              <a:t>事後</a:t>
-            </a:r>
+              <a:t>交換モンテカルロ法</a:t>
+            </a:r>
+            <a:endParaRPr lang="en-US" altLang="ja-JP" dirty="0" smtClean="0">
+              <a:latin typeface="Hiragino Kaku Gothic ProN W6" charset="-128"/>
+              <a:ea typeface="Hiragino Kaku Gothic ProN W6" charset="-128"/>
+              <a:cs typeface="Hiragino Kaku Gothic ProN W6" charset="-128"/>
+            </a:endParaRPr>
+          </a:p>
+          <a:p>
+            <a:pPr lvl="1"/>
             <a:r>
               <a:rPr kumimoji="1" lang="ja-JP" altLang="en-US" dirty="0" smtClean="0">
                 <a:latin typeface="Hiragino Kaku Gothic ProN W6" charset="-128"/>
                 <a:ea typeface="Hiragino Kaku Gothic ProN W6" charset="-128"/>
                 <a:cs typeface="Hiragino Kaku Gothic ProN W6" charset="-128"/>
               </a:rPr>
-              <a:t>分布</a:t>
-            </a:r>
-            <a:r>
-              <a:rPr kumimoji="1" lang="en-US" altLang="ja-JP" dirty="0" smtClean="0">
-                <a:latin typeface="Hiragino Kaku Gothic ProN W6" charset="-128"/>
-                <a:ea typeface="Hiragino Kaku Gothic ProN W6" charset="-128"/>
-                <a:cs typeface="Hiragino Kaku Gothic ProN W6" charset="-128"/>
-              </a:rPr>
-              <a:t>p(</a:t>
-            </a:r>
-            <a:r>
-              <a:rPr kumimoji="1" lang="en-US" altLang="ja-JP" dirty="0" err="1" smtClean="0">
-                <a:latin typeface="Hiragino Kaku Gothic ProN W6" charset="-128"/>
-                <a:ea typeface="Hiragino Kaku Gothic ProN W6" charset="-128"/>
-                <a:cs typeface="Hiragino Kaku Gothic ProN W6" charset="-128"/>
-              </a:rPr>
-              <a:t>h|v,θ</a:t>
-            </a:r>
-            <a:r>
-              <a:rPr kumimoji="1" lang="en-US" altLang="ja-JP" dirty="0" smtClean="0">
-                <a:latin typeface="Hiragino Kaku Gothic ProN W6" charset="-128"/>
-                <a:ea typeface="Hiragino Kaku Gothic ProN W6" charset="-128"/>
-                <a:cs typeface="Hiragino Kaku Gothic ProN W6" charset="-128"/>
-              </a:rPr>
-              <a:t>)</a:t>
-            </a:r>
+              <a:t>マルコフ連鎖においてサンプル集団の偏りがなかなか解消されない</a:t>
+            </a:r>
+            <a:endParaRPr kumimoji="1" lang="en-US" altLang="ja-JP" dirty="0" smtClean="0">
+              <a:latin typeface="Hiragino Kaku Gothic ProN W6" charset="-128"/>
+              <a:ea typeface="Hiragino Kaku Gothic ProN W6" charset="-128"/>
+              <a:cs typeface="Hiragino Kaku Gothic ProN W6" charset="-128"/>
+            </a:endParaRPr>
+          </a:p>
+          <a:p>
+            <a:pPr lvl="1"/>
             <a:r>
               <a:rPr kumimoji="1" lang="ja-JP" altLang="en-US" dirty="0" smtClean="0">
                 <a:latin typeface="Hiragino Kaku Gothic ProN W6" charset="-128"/>
                 <a:ea typeface="Hiragino Kaku Gothic ProN W6" charset="-128"/>
                 <a:cs typeface="Hiragino Kaku Gothic ProN W6" charset="-128"/>
               </a:rPr>
-              <a:t>が</a:t>
+              <a:t>広い状態空間を探索させるため</a:t>
             </a:r>
             <a:r>
               <a:rPr lang="ja-JP" altLang="en-US" dirty="0" smtClean="0">
@@ -9740,7 +9863,31 @@
                 <a:ea typeface="Hiragino Kaku Gothic ProN W6" charset="-128"/>
                 <a:cs typeface="Hiragino Kaku Gothic ProN W6" charset="-128"/>
               </a:rPr>
-              <a:t>深層</a:t>
+              <a:t>，複数の互いに異なる乱雑さをもつマルコフ連鎖を並列して用いる</a:t>
+            </a:r>
+            <a:endParaRPr lang="en-US" altLang="ja-JP" dirty="0" smtClean="0">
+              <a:latin typeface="Hiragino Kaku Gothic ProN W6" charset="-128"/>
+              <a:ea typeface="Hiragino Kaku Gothic ProN W6" charset="-128"/>
+              <a:cs typeface="Hiragino Kaku Gothic ProN W6" charset="-128"/>
+            </a:endParaRPr>
+          </a:p>
+          <a:p>
+            <a:pPr lvl="1"/>
+            <a:endParaRPr kumimoji="1" lang="en-US" altLang="ja-JP" dirty="0">
+              <a:latin typeface="Hiragino Kaku Gothic ProN W6" charset="-128"/>
+              <a:ea typeface="Hiragino Kaku Gothic ProN W6" charset="-128"/>
+              <a:cs typeface="Hiragino Kaku Gothic ProN W6" charset="-128"/>
+            </a:endParaRPr>
+          </a:p>
+          <a:p>
+            <a:pPr lvl="1"/>
+            <a:r>
+              <a:rPr lang="ja-JP" altLang="en-US" dirty="0" smtClean="0">
+                <a:latin typeface="Hiragino Kaku Gothic ProN W6" charset="-128"/>
+                <a:ea typeface="Hiragino Kaku Gothic ProN W6" charset="-128"/>
+                <a:cs typeface="Hiragino Kaku Gothic ProN W6" charset="-128"/>
+              </a:rPr>
+              <a:t>継続的</a:t>
             </a:r>
             <a:r>
               <a:rPr lang="en-US" altLang="ja-JP" dirty="0" smtClean="0">
@@ -9748,7 +9895,7 @@
                 <a:ea typeface="Hiragino Kaku Gothic ProN W6" charset="-128"/>
                 <a:cs typeface="Hiragino Kaku Gothic ProN W6" charset="-128"/>
               </a:rPr>
-              <a:t>NN</a:t>
+              <a:t>CD</a:t>
             </a:r>
             <a:r>
               <a:rPr lang="ja-JP" altLang="en-US" dirty="0" smtClean="0">
@@ -9756,7 +9903,7 @@
                 <a:ea typeface="Hiragino Kaku Gothic ProN W6" charset="-128"/>
                 <a:cs typeface="Hiragino Kaku Gothic ProN W6" charset="-128"/>
               </a:rPr>
-              <a:t>で近似</a:t>
+              <a:t>法と併用することで，</a:t>
             </a:r>
             <a:endParaRPr lang="en-US" altLang="ja-JP" dirty="0" smtClean="0">
               <a:latin typeface="Hiragino Kaku Gothic ProN W6" charset="-128"/>
@@ -9765,15 +9912,50 @@
             </a:endParaRPr>
           </a:p>
           <a:p>
+            <a:pPr marL="457200" lvl="1" indent="0">
+              <a:buNone/>
+            </a:pPr>
+            <a:r>
+              <a:rPr lang="ja-JP" altLang="en-US" dirty="0" smtClean="0">
+                <a:latin typeface="Hiragino Kaku Gothic ProN W6" charset="-128"/>
+                <a:ea typeface="Hiragino Kaku Gothic ProN W6" charset="-128"/>
+                <a:cs typeface="Hiragino Kaku Gothic ProN W6" charset="-128"/>
+              </a:rPr>
+              <a:t>パラメータを上手く設定すれば継続的</a:t>
+            </a:r>
+            <a:r>
+              <a:rPr lang="en-US" altLang="ja-JP" dirty="0" smtClean="0">
+                <a:latin typeface="Hiragino Kaku Gothic ProN W6" charset="-128"/>
+                <a:ea typeface="Hiragino Kaku Gothic ProN W6" charset="-128"/>
+                <a:cs typeface="Hiragino Kaku Gothic ProN W6" charset="-128"/>
+              </a:rPr>
+              <a:t>CD</a:t>
+            </a:r>
+            <a:r>
+              <a:rPr lang="ja-JP" altLang="en-US" dirty="0" smtClean="0">
+                <a:latin typeface="Hiragino Kaku Gothic ProN W6" charset="-128"/>
+                <a:ea typeface="Hiragino Kaku Gothic ProN W6" charset="-128"/>
+                <a:cs typeface="Hiragino Kaku Gothic ProN W6" charset="-128"/>
+              </a:rPr>
+              <a:t>法より優れた学習性能</a:t>
+            </a:r>
+            <a:endParaRPr lang="en-US" altLang="ja-JP" dirty="0" smtClean="0">
+              <a:latin typeface="Hiragino Kaku Gothic ProN W6" charset="-128"/>
+              <a:ea typeface="Hiragino Kaku Gothic ProN W6" charset="-128"/>
+              <a:cs typeface="Hiragino Kaku Gothic ProN W6" charset="-128"/>
+            </a:endParaRPr>
+          </a:p>
+          <a:p>
+            <a:pPr lvl="1"/>
             <a:r>
               <a:rPr kumimoji="1" lang="ja-JP" altLang="en-US" dirty="0" smtClean="0">
                 <a:latin typeface="Hiragino Kaku Gothic ProN W6" charset="-128"/>
                 <a:ea typeface="Hiragino Kaku Gothic ProN W6" charset="-128"/>
                 <a:cs typeface="Hiragino Kaku Gothic ProN W6" charset="-128"/>
               </a:rPr>
-              <a:t>符号化器の分布の近似が変分法による近似と形式的に同じ近似</a:t>
-            </a:r>
-            <a:endParaRPr kumimoji="1" lang="ja-JP" altLang="en-US" dirty="0">
+              <a:t>欠点：設定するパラメータが増える</a:t>
+            </a:r>
+            <a:endParaRPr kumimoji="1" lang="en-US" altLang="ja-JP" dirty="0" smtClean="0">
               <a:latin typeface="Hiragino Kaku Gothic ProN W6" charset="-128"/>
               <a:ea typeface="Hiragino Kaku Gothic ProN W6" charset="-128"/>
               <a:cs typeface="Hiragino Kaku Gothic ProN W6" charset="-128"/>
@@ -9784,7 +9966,7 @@
     </p:spTree>
     <p:extLst>
       <p:ext uri="{BB962C8B-B14F-4D97-AF65-F5344CB8AC3E}">
-        <p14:creationId xmlns:p14="http://schemas.microsoft.com/office/powerpoint/2010/main" val="141558491"/>
+        <p14:creationId xmlns:p14="http://schemas.microsoft.com/office/powerpoint/2010/main" val="1330595058"/>
       </p:ext>
     </p:extLst>
   </p:cSld>
@@ -9823,79 +10005,105 @@
         </p:nvSpPr>
         <p:spPr/>
         <p:txBody>
+          <a:bodyPr>
+            <a:normAutofit fontScale="90000"/>
+          </a:bodyPr>
+          <a:lstStyle/>
+          <a:p>
+            <a:r>
+              <a:rPr kumimoji="1" lang="en-US" altLang="ja-JP" dirty="0" smtClean="0">
+                <a:latin typeface="ヒラギノ角ゴ Pro W6" charset="-128"/>
+                <a:ea typeface="ヒラギノ角ゴ Pro W6" charset="-128"/>
+              </a:rPr>
+              <a:t>3.4.7</a:t>
+            </a:r>
+            <a:r>
+              <a:rPr lang="en-US" altLang="ja-JP" dirty="0">
+                <a:latin typeface="ヒラギノ角ゴ Pro W6" charset="-128"/>
+                <a:ea typeface="ヒラギノ角ゴ Pro W6" charset="-128"/>
+              </a:rPr>
+              <a:t/>
+            </a:r>
+            <a:br>
+              <a:rPr lang="en-US" altLang="ja-JP" dirty="0">
+                <a:latin typeface="ヒラギノ角ゴ Pro W6" charset="-128"/>
+                <a:ea typeface="ヒラギノ角ゴ Pro W6" charset="-128"/>
+              </a:rPr>
+            </a:br>
+            <a:r>
+              <a:rPr kumimoji="1" lang="ja-JP" altLang="en-US" sz="3100" dirty="0" smtClean="0">
+                <a:latin typeface="ヒラギノ角ゴ Pro W6" charset="-128"/>
+                <a:ea typeface="ヒラギノ角ゴ Pro W6" charset="-128"/>
+              </a:rPr>
+              <a:t>確率的なモデルの事前学習と自己符号化器の学習の関係</a:t>
+            </a:r>
+            <a:endParaRPr kumimoji="1" lang="ja-JP" altLang="en-US" sz="3100" dirty="0">
+              <a:latin typeface="ヒラギノ角ゴ Pro W6" charset="-128"/>
+              <a:ea typeface="ヒラギノ角ゴ Pro W6" charset="-128"/>
+            </a:endParaRPr>
+          </a:p>
+        </p:txBody>
+      </p:sp>
+      <p:sp>
+        <p:nvSpPr>
+          <p:cNvPr id="3" name="コンテンツ プレースホルダー 2"/>
+          <p:cNvSpPr>
+            <a:spLocks noGrp="1"/>
+          </p:cNvSpPr>
+          <p:nvPr>
+            <p:ph idx="1"/>
+          </p:nvPr>
+        </p:nvSpPr>
+        <p:spPr/>
+        <p:txBody>
           <a:bodyPr/>
           <a:lstStyle/>
           <a:p>
             <a:r>
-              <a:rPr kumimoji="1" lang="en-US" altLang="ja-JP" dirty="0" smtClean="0">
-                <a:latin typeface="Hiragino Kaku Gothic ProN W6" charset="-128"/>
-                <a:ea typeface="Hiragino Kaku Gothic ProN W6" charset="-128"/>
-                <a:cs typeface="Hiragino Kaku Gothic ProN W6" charset="-128"/>
-              </a:rPr>
-              <a:t>3.5</a:t>
-            </a:r>
-            <a:r>
               <a:rPr kumimoji="1" lang="ja-JP" altLang="en-US" dirty="0" smtClean="0">
                 <a:latin typeface="Hiragino Kaku Gothic ProN W6" charset="-128"/>
                 <a:ea typeface="Hiragino Kaku Gothic ProN W6" charset="-128"/>
                 <a:cs typeface="Hiragino Kaku Gothic ProN W6" charset="-128"/>
               </a:rPr>
-              <a:t>　確定的なモデルを用いた事前学習</a:t>
-            </a:r>
-            <a:endParaRPr kumimoji="1" lang="ja-JP" altLang="en-US" dirty="0">
-              <a:latin typeface="Hiragino Kaku Gothic ProN W6" charset="-128"/>
-              <a:ea typeface="Hiragino Kaku Gothic ProN W6" charset="-128"/>
-              <a:cs typeface="Hiragino Kaku Gothic ProN W6" charset="-128"/>
-            </a:endParaRPr>
-          </a:p>
-        </p:txBody>
-      </p:sp>
-      <p:sp>
-        <p:nvSpPr>
-          <p:cNvPr id="3" name="コンテンツ プレースホルダー 2"/>
-          <p:cNvSpPr>
-            <a:spLocks noGrp="1"/>
-          </p:cNvSpPr>
-          <p:nvPr>
-            <p:ph idx="1"/>
-          </p:nvPr>
-        </p:nvSpPr>
-        <p:spPr>
-          <a:xfrm>
-            <a:off x="680321" y="2336873"/>
-            <a:ext cx="9613861" cy="3599316"/>
-          </a:xfrm>
-        </p:spPr>
-        <p:txBody>
-          <a:bodyPr/>
-          <a:lstStyle/>
-          <a:p>
-            <a:r>
-              <a:rPr kumimoji="1" lang="ja-JP" altLang="en-US" dirty="0" smtClean="0">
-                <a:latin typeface="Hiragino Kaku Gothic ProN W6" charset="-128"/>
-                <a:ea typeface="Hiragino Kaku Gothic ProN W6" charset="-128"/>
-                <a:cs typeface="Hiragino Kaku Gothic ProN W6" charset="-128"/>
-              </a:rPr>
               <a:t>事前学習</a:t>
             </a:r>
             <a:r>
-              <a:rPr kumimoji="1" lang="ja-JP" altLang="en-US" dirty="0" smtClean="0">
-                <a:latin typeface="Hiragino Kaku Gothic ProN W6" charset="-128"/>
-                <a:ea typeface="Hiragino Kaku Gothic ProN W6" charset="-128"/>
-                <a:cs typeface="Hiragino Kaku Gothic ProN W6" charset="-128"/>
-              </a:rPr>
-              <a:t>は次元削減によって後</a:t>
-            </a:r>
-            <a:r>
-              <a:rPr kumimoji="1" lang="ja-JP" altLang="en-US" dirty="0" smtClean="0">
-                <a:latin typeface="Hiragino Kaku Gothic ProN W6" charset="-128"/>
-                <a:ea typeface="Hiragino Kaku Gothic ProN W6" charset="-128"/>
-                <a:cs typeface="Hiragino Kaku Gothic ProN W6" charset="-128"/>
-              </a:rPr>
-              <a:t>の深層</a:t>
-            </a:r>
-            <a:r>
-              <a:rPr kumimoji="1" lang="en-US" altLang="ja-JP" dirty="0" smtClean="0">
+              <a:rPr lang="en-US" altLang="ja-JP" dirty="0" smtClean="0">
+                <a:latin typeface="Hiragino Kaku Gothic ProN W6" charset="-128"/>
+                <a:ea typeface="Hiragino Kaku Gothic ProN W6" charset="-128"/>
+                <a:cs typeface="Hiragino Kaku Gothic ProN W6" charset="-128"/>
+              </a:rPr>
+              <a:t>:</a:t>
+            </a:r>
+          </a:p>
+          <a:p>
+            <a:pPr lvl="1"/>
+            <a:r>
+              <a:rPr lang="ja-JP" altLang="en-US" dirty="0" smtClean="0">
+                <a:latin typeface="Hiragino Kaku Gothic ProN W6" charset="-128"/>
+                <a:ea typeface="Hiragino Kaku Gothic ProN W6" charset="-128"/>
+                <a:cs typeface="Hiragino Kaku Gothic ProN W6" charset="-128"/>
+              </a:rPr>
+              <a:t>後の教師あり学習の良い初期値を与えるため一般的なモデルで用いる</a:t>
+            </a:r>
+            <a:endParaRPr lang="en-US" altLang="ja-JP" dirty="0">
+              <a:latin typeface="Hiragino Kaku Gothic ProN W6" charset="-128"/>
+              <a:ea typeface="Hiragino Kaku Gothic ProN W6" charset="-128"/>
+              <a:cs typeface="Hiragino Kaku Gothic ProN W6" charset="-128"/>
+            </a:endParaRPr>
+          </a:p>
+          <a:p>
+            <a:pPr lvl="1"/>
+            <a:r>
+              <a:rPr lang="ja-JP" altLang="en-US" dirty="0" smtClean="0">
+                <a:latin typeface="Hiragino Kaku Gothic ProN W6" charset="-128"/>
+                <a:ea typeface="Hiragino Kaku Gothic ProN W6" charset="-128"/>
+                <a:cs typeface="Hiragino Kaku Gothic ProN W6" charset="-128"/>
+              </a:rPr>
+              <a:t>多層</a:t>
+            </a:r>
+            <a:r>
+              <a:rPr lang="en-US" altLang="ja-JP" dirty="0" smtClean="0">
                 <a:latin typeface="Hiragino Kaku Gothic ProN W6" charset="-128"/>
                 <a:ea typeface="Hiragino Kaku Gothic ProN W6" charset="-128"/>
                 <a:cs typeface="Hiragino Kaku Gothic ProN W6" charset="-128"/>
@@ -9903,35 +10111,28 @@
               <a:t>NN</a:t>
             </a:r>
             <a:r>
-              <a:rPr kumimoji="1" lang="ja-JP" altLang="en-US" dirty="0" smtClean="0">
-                <a:latin typeface="Hiragino Kaku Gothic ProN W6" charset="-128"/>
-                <a:ea typeface="Hiragino Kaku Gothic ProN W6" charset="-128"/>
-                <a:cs typeface="Hiragino Kaku Gothic ProN W6" charset="-128"/>
-              </a:rPr>
-              <a:t>の過学習を防ぐ</a:t>
-            </a:r>
-            <a:endParaRPr kumimoji="1" lang="en-US" altLang="ja-JP" dirty="0" smtClean="0">
-              <a:latin typeface="Hiragino Kaku Gothic ProN W6" charset="-128"/>
-              <a:ea typeface="Hiragino Kaku Gothic ProN W6" charset="-128"/>
-              <a:cs typeface="Hiragino Kaku Gothic ProN W6" charset="-128"/>
-            </a:endParaRPr>
-          </a:p>
-          <a:p>
-            <a:r>
               <a:rPr lang="ja-JP" altLang="en-US" dirty="0" smtClean="0">
                 <a:latin typeface="Hiragino Kaku Gothic ProN W6" charset="-128"/>
                 <a:ea typeface="Hiragino Kaku Gothic ProN W6" charset="-128"/>
                 <a:cs typeface="Hiragino Kaku Gothic ProN W6" charset="-128"/>
               </a:rPr>
-              <a:t>確率的な</a:t>
-            </a:r>
+              <a:t>を隣接二層ごとに分解</a:t>
+            </a:r>
+            <a:endParaRPr lang="en-US" altLang="ja-JP" dirty="0" smtClean="0">
+              <a:latin typeface="Hiragino Kaku Gothic ProN W6" charset="-128"/>
+              <a:ea typeface="Hiragino Kaku Gothic ProN W6" charset="-128"/>
+              <a:cs typeface="Hiragino Kaku Gothic ProN W6" charset="-128"/>
+            </a:endParaRPr>
+          </a:p>
+          <a:p>
+            <a:pPr lvl="1"/>
             <a:r>
               <a:rPr lang="ja-JP" altLang="en-US" dirty="0" smtClean="0">
                 <a:latin typeface="Hiragino Kaku Gothic ProN W6" charset="-128"/>
                 <a:ea typeface="Hiragino Kaku Gothic ProN W6" charset="-128"/>
                 <a:cs typeface="Hiragino Kaku Gothic ProN W6" charset="-128"/>
               </a:rPr>
-              <a:t>モデル</a:t>
+              <a:t>二層で</a:t>
             </a:r>
             <a:r>
               <a:rPr lang="en-US" altLang="ja-JP" dirty="0" smtClean="0">
@@ -9939,7 +10140,7 @@
                 <a:ea typeface="Hiragino Kaku Gothic ProN W6" charset="-128"/>
                 <a:cs typeface="Hiragino Kaku Gothic ProN W6" charset="-128"/>
               </a:rPr>
-              <a:t>EFH</a:t>
+              <a:t>RBM</a:t>
             </a:r>
             <a:r>
               <a:rPr lang="ja-JP" altLang="en-US" dirty="0" smtClean="0">
@@ -9947,23 +10148,46 @@
                 <a:ea typeface="Hiragino Kaku Gothic ProN W6" charset="-128"/>
                 <a:cs typeface="Hiragino Kaku Gothic ProN W6" charset="-128"/>
               </a:rPr>
-              <a:t>は，</a:t>
-            </a:r>
+              <a:t>など小規模モデルを構成</a:t>
+            </a:r>
+            <a:endParaRPr lang="en-US" altLang="ja-JP" dirty="0" smtClean="0">
+              <a:latin typeface="Hiragino Kaku Gothic ProN W6" charset="-128"/>
+              <a:ea typeface="Hiragino Kaku Gothic ProN W6" charset="-128"/>
+              <a:cs typeface="Hiragino Kaku Gothic ProN W6" charset="-128"/>
+            </a:endParaRPr>
+          </a:p>
+          <a:p>
+            <a:pPr lvl="1"/>
             <a:r>
               <a:rPr lang="ja-JP" altLang="en-US" dirty="0" smtClean="0">
                 <a:latin typeface="Hiragino Kaku Gothic ProN W6" charset="-128"/>
                 <a:ea typeface="Hiragino Kaku Gothic ProN W6" charset="-128"/>
                 <a:cs typeface="Hiragino Kaku Gothic ProN W6" charset="-128"/>
               </a:rPr>
-              <a:t>決定論</a:t>
-            </a:r>
+              <a:t>下層から順に学習</a:t>
+            </a:r>
+            <a:endParaRPr lang="en-US" altLang="ja-JP" dirty="0" smtClean="0">
+              <a:latin typeface="Hiragino Kaku Gothic ProN W6" charset="-128"/>
+              <a:ea typeface="Hiragino Kaku Gothic ProN W6" charset="-128"/>
+              <a:cs typeface="Hiragino Kaku Gothic ProN W6" charset="-128"/>
+            </a:endParaRPr>
+          </a:p>
+          <a:p>
             <a:r>
               <a:rPr lang="ja-JP" altLang="en-US" dirty="0" smtClean="0">
                 <a:latin typeface="Hiragino Kaku Gothic ProN W6" charset="-128"/>
                 <a:ea typeface="Hiragino Kaku Gothic ProN W6" charset="-128"/>
                 <a:cs typeface="Hiragino Kaku Gothic ProN W6" charset="-128"/>
               </a:rPr>
-              <a:t>的</a:t>
+              <a:t>式</a:t>
+            </a:r>
+            <a:r>
+              <a:rPr lang="en-US" altLang="ja-JP" dirty="0" smtClean="0">
+                <a:latin typeface="Hiragino Kaku Gothic ProN W6" charset="-128"/>
+                <a:ea typeface="Hiragino Kaku Gothic ProN W6" charset="-128"/>
+                <a:cs typeface="Hiragino Kaku Gothic ProN W6" charset="-128"/>
+              </a:rPr>
+              <a:t>(3.21)</a:t>
             </a:r>
             <a:r>
               <a:rPr lang="ja-JP" altLang="en-US" dirty="0" smtClean="0">
@@ -9971,7 +10195,31 @@
                 <a:ea typeface="Hiragino Kaku Gothic ProN W6" charset="-128"/>
                 <a:cs typeface="Hiragino Kaku Gothic ProN W6" charset="-128"/>
               </a:rPr>
-              <a:t>な教師あり学習の損失関数とは</a:t>
+              <a:t>の詳細釣り合い条件を満たすように，マルコフ連鎖の条件付き分布</a:t>
+            </a:r>
+            <a:r>
+              <a:rPr lang="en-US" altLang="ja-JP" dirty="0" smtClean="0">
+                <a:latin typeface="Hiragino Kaku Gothic ProN W6" charset="-128"/>
+                <a:ea typeface="Hiragino Kaku Gothic ProN W6" charset="-128"/>
+                <a:cs typeface="Hiragino Kaku Gothic ProN W6" charset="-128"/>
+              </a:rPr>
+              <a:t>p(</a:t>
+            </a:r>
+            <a:r>
+              <a:rPr lang="en-US" altLang="ja-JP" dirty="0" err="1" smtClean="0">
+                <a:latin typeface="Hiragino Kaku Gothic ProN W6" charset="-128"/>
+                <a:ea typeface="Hiragino Kaku Gothic ProN W6" charset="-128"/>
+                <a:cs typeface="Hiragino Kaku Gothic ProN W6" charset="-128"/>
+              </a:rPr>
+              <a:t>h|v,θ</a:t>
+            </a:r>
+            <a:r>
+              <a:rPr lang="en-US" altLang="ja-JP" dirty="0" smtClean="0">
+                <a:latin typeface="Hiragino Kaku Gothic ProN W6" charset="-128"/>
+                <a:ea typeface="Hiragino Kaku Gothic ProN W6" charset="-128"/>
+                <a:cs typeface="Hiragino Kaku Gothic ProN W6" charset="-128"/>
+              </a:rPr>
+              <a:t>)</a:t>
             </a:r>
             <a:r>
               <a:rPr lang="ja-JP" altLang="en-US" dirty="0" smtClean="0">
@@ -9979,96 +10227,25 @@
                 <a:ea typeface="Hiragino Kaku Gothic ProN W6" charset="-128"/>
                 <a:cs typeface="Hiragino Kaku Gothic ProN W6" charset="-128"/>
               </a:rPr>
-              <a:t>間接的関係</a:t>
+              <a:t>と</a:t>
+            </a:r>
+            <a:r>
+              <a:rPr lang="en-US" altLang="ja-JP" dirty="0" err="1" smtClean="0">
+                <a:latin typeface="Hiragino Kaku Gothic ProN W6" charset="-128"/>
+                <a:ea typeface="Hiragino Kaku Gothic ProN W6" charset="-128"/>
+                <a:cs typeface="Hiragino Kaku Gothic ProN W6" charset="-128"/>
+              </a:rPr>
+              <a:t>θ</a:t>
+            </a:r>
+            <a:r>
+              <a:rPr lang="ja-JP" altLang="en-US" dirty="0" smtClean="0">
+                <a:latin typeface="Hiragino Kaku Gothic ProN W6" charset="-128"/>
+                <a:ea typeface="Hiragino Kaku Gothic ProN W6" charset="-128"/>
+                <a:cs typeface="Hiragino Kaku Gothic ProN W6" charset="-128"/>
+              </a:rPr>
+              <a:t>を学習すれば，確率的な自己符号化器が得られることがわかる</a:t>
             </a:r>
             <a:endParaRPr lang="en-US" altLang="ja-JP" dirty="0" smtClean="0">
-              <a:latin typeface="Hiragino Kaku Gothic ProN W6" charset="-128"/>
-              <a:ea typeface="Hiragino Kaku Gothic ProN W6" charset="-128"/>
-              <a:cs typeface="Hiragino Kaku Gothic ProN W6" charset="-128"/>
-            </a:endParaRPr>
-          </a:p>
-          <a:p>
-            <a:r>
-              <a:rPr lang="ja-JP" altLang="en-US" dirty="0" smtClean="0">
-                <a:latin typeface="Hiragino Kaku Gothic ProN W6" charset="-128"/>
-                <a:ea typeface="Hiragino Kaku Gothic ProN W6" charset="-128"/>
-                <a:cs typeface="Hiragino Kaku Gothic ProN W6" charset="-128"/>
-              </a:rPr>
-              <a:t>確定</a:t>
-            </a:r>
-            <a:r>
-              <a:rPr kumimoji="1" lang="ja-JP" altLang="en-US" dirty="0" smtClean="0">
-                <a:latin typeface="Hiragino Kaku Gothic ProN W6" charset="-128"/>
-                <a:ea typeface="Hiragino Kaku Gothic ProN W6" charset="-128"/>
-                <a:cs typeface="Hiragino Kaku Gothic ProN W6" charset="-128"/>
-              </a:rPr>
-              <a:t>的</a:t>
-            </a:r>
-            <a:r>
-              <a:rPr kumimoji="1" lang="ja-JP" altLang="en-US" dirty="0" smtClean="0">
-                <a:latin typeface="Hiragino Kaku Gothic ProN W6" charset="-128"/>
-                <a:ea typeface="Hiragino Kaku Gothic ProN W6" charset="-128"/>
-                <a:cs typeface="Hiragino Kaku Gothic ProN W6" charset="-128"/>
-              </a:rPr>
-              <a:t>なモデルは</a:t>
-            </a:r>
-            <a:r>
-              <a:rPr kumimoji="1" lang="ja-JP" altLang="en-US" dirty="0" smtClean="0">
-                <a:latin typeface="Hiragino Kaku Gothic ProN W6" charset="-128"/>
-                <a:ea typeface="Hiragino Kaku Gothic ProN W6" charset="-128"/>
-                <a:cs typeface="Hiragino Kaku Gothic ProN W6" charset="-128"/>
-              </a:rPr>
-              <a:t>直接的関係があり，それを用いた事前学習がある</a:t>
-            </a:r>
-            <a:endParaRPr kumimoji="1" lang="en-US" altLang="ja-JP" dirty="0" smtClean="0">
-              <a:latin typeface="Hiragino Kaku Gothic ProN W6" charset="-128"/>
-              <a:ea typeface="Hiragino Kaku Gothic ProN W6" charset="-128"/>
-              <a:cs typeface="Hiragino Kaku Gothic ProN W6" charset="-128"/>
-            </a:endParaRPr>
-          </a:p>
-          <a:p>
-            <a:pPr lvl="1" algn="just"/>
-            <a:r>
-              <a:rPr lang="en-US" altLang="ja-JP" dirty="0" smtClean="0">
-                <a:latin typeface="Hiragino Kaku Gothic ProN W6" charset="-128"/>
-                <a:ea typeface="Hiragino Kaku Gothic ProN W6" charset="-128"/>
-                <a:cs typeface="Hiragino Kaku Gothic ProN W6" charset="-128"/>
-              </a:rPr>
-              <a:t>3.5.1</a:t>
-            </a:r>
-            <a:r>
-              <a:rPr lang="ja-JP" altLang="en-US" dirty="0" smtClean="0">
-                <a:latin typeface="Hiragino Kaku Gothic ProN W6" charset="-128"/>
-                <a:ea typeface="Hiragino Kaku Gothic ProN W6" charset="-128"/>
-                <a:cs typeface="Hiragino Kaku Gothic ProN W6" charset="-128"/>
-              </a:rPr>
-              <a:t>　教師なし学習</a:t>
-            </a:r>
-            <a:endParaRPr lang="en-US" altLang="ja-JP" dirty="0" smtClean="0">
-              <a:latin typeface="Hiragino Kaku Gothic ProN W6" charset="-128"/>
-              <a:ea typeface="Hiragino Kaku Gothic ProN W6" charset="-128"/>
-              <a:cs typeface="Hiragino Kaku Gothic ProN W6" charset="-128"/>
-            </a:endParaRPr>
-          </a:p>
-          <a:p>
-            <a:pPr lvl="1"/>
-            <a:r>
-              <a:rPr kumimoji="1" lang="en-US" altLang="ja-JP" dirty="0" smtClean="0">
-                <a:latin typeface="Hiragino Kaku Gothic ProN W6" charset="-128"/>
-                <a:ea typeface="Hiragino Kaku Gothic ProN W6" charset="-128"/>
-                <a:cs typeface="Hiragino Kaku Gothic ProN W6" charset="-128"/>
-              </a:rPr>
-              <a:t>3.5.2</a:t>
-            </a:r>
-            <a:r>
-              <a:rPr kumimoji="1" lang="ja-JP" altLang="en-US" dirty="0" smtClean="0">
-                <a:latin typeface="Hiragino Kaku Gothic ProN W6" charset="-128"/>
-                <a:ea typeface="Hiragino Kaku Gothic ProN W6" charset="-128"/>
-                <a:cs typeface="Hiragino Kaku Gothic ProN W6" charset="-128"/>
-              </a:rPr>
-              <a:t>　教師あり学習</a:t>
-            </a:r>
-            <a:endParaRPr kumimoji="1" lang="ja-JP" altLang="en-US" dirty="0">
               <a:latin typeface="Hiragino Kaku Gothic ProN W6" charset="-128"/>
               <a:ea typeface="Hiragino Kaku Gothic ProN W6" charset="-128"/>
               <a:cs typeface="Hiragino Kaku Gothic ProN W6" charset="-128"/>
@@ -10079,7 +10256,7 @@
     </p:spTree>
     <p:extLst>
       <p:ext uri="{BB962C8B-B14F-4D97-AF65-F5344CB8AC3E}">
-        <p14:creationId xmlns:p14="http://schemas.microsoft.com/office/powerpoint/2010/main" val="353630883"/>
+        <p14:creationId xmlns:p14="http://schemas.microsoft.com/office/powerpoint/2010/main" val="648899709"/>
       </p:ext>
     </p:extLst>
   </p:cSld>
@@ -10122,35 +10299,12 @@
           <a:lstStyle/>
           <a:p>
             <a:r>
-              <a:rPr lang="en-US" altLang="ja-JP" dirty="0" smtClean="0">
-                <a:latin typeface="Hiragino Kaku Gothic ProN W6" charset="-128"/>
-                <a:ea typeface="Hiragino Kaku Gothic ProN W6" charset="-128"/>
-                <a:cs typeface="Hiragino Kaku Gothic ProN W6" charset="-128"/>
-              </a:rPr>
-              <a:t>3.5.1</a:t>
-            </a:r>
-            <a:r>
-              <a:rPr lang="en-US" altLang="ja-JP" dirty="0">
-                <a:latin typeface="Hiragino Kaku Gothic ProN W6" charset="-128"/>
-                <a:ea typeface="Hiragino Kaku Gothic ProN W6" charset="-128"/>
-                <a:cs typeface="Hiragino Kaku Gothic ProN W6" charset="-128"/>
-              </a:rPr>
-              <a:t/>
-            </a:r>
-            <a:br>
-              <a:rPr lang="en-US" altLang="ja-JP" dirty="0">
-                <a:latin typeface="Hiragino Kaku Gothic ProN W6" charset="-128"/>
-                <a:ea typeface="Hiragino Kaku Gothic ProN W6" charset="-128"/>
-                <a:cs typeface="Hiragino Kaku Gothic ProN W6" charset="-128"/>
-              </a:rPr>
-            </a:br>
-            <a:r>
-              <a:rPr lang="ja-JP" altLang="en-US" dirty="0" smtClean="0">
-                <a:latin typeface="Hiragino Kaku Gothic ProN W6" charset="-128"/>
-                <a:ea typeface="Hiragino Kaku Gothic ProN W6" charset="-128"/>
-                <a:cs typeface="Hiragino Kaku Gothic ProN W6" charset="-128"/>
-              </a:rPr>
-              <a:t>教師なし学習による確定的なモデルの学習</a:t>
+              <a:rPr kumimoji="1" lang="ja-JP" altLang="en-US" dirty="0" smtClean="0">
+                <a:latin typeface="Hiragino Kaku Gothic ProN W6" charset="-128"/>
+                <a:ea typeface="Hiragino Kaku Gothic ProN W6" charset="-128"/>
+                <a:cs typeface="Hiragino Kaku Gothic ProN W6" charset="-128"/>
+              </a:rPr>
+              <a:t>変分自己符号化器</a:t>
             </a:r>
             <a:endParaRPr kumimoji="1" lang="ja-JP" altLang="en-US" dirty="0">
               <a:latin typeface="Hiragino Kaku Gothic ProN W6" charset="-128"/>
@@ -10170,55 +10324,74 @@
             <p:ph idx="1"/>
           </p:nvPr>
         </p:nvSpPr>
-        <p:spPr>
-          <a:xfrm>
-            <a:off x="680321" y="2336873"/>
-            <a:ext cx="6855595" cy="3599316"/>
-          </a:xfrm>
-        </p:spPr>
+        <p:spPr/>
         <p:txBody>
           <a:bodyPr/>
           <a:lstStyle/>
           <a:p>
             <a:r>
+              <a:rPr lang="ja-JP" altLang="en-US" dirty="0" smtClean="0">
+                <a:latin typeface="Hiragino Kaku Gothic ProN W6" charset="-128"/>
+                <a:ea typeface="Hiragino Kaku Gothic ProN W6" charset="-128"/>
+                <a:cs typeface="Hiragino Kaku Gothic ProN W6" charset="-128"/>
+              </a:rPr>
+              <a:t>事後</a:t>
+            </a:r>
+            <a:r>
               <a:rPr kumimoji="1" lang="ja-JP" altLang="en-US" dirty="0" smtClean="0">
                 <a:latin typeface="Hiragino Kaku Gothic ProN W6" charset="-128"/>
                 <a:ea typeface="Hiragino Kaku Gothic ProN W6" charset="-128"/>
                 <a:cs typeface="Hiragino Kaku Gothic ProN W6" charset="-128"/>
               </a:rPr>
-              <a:t>積層自己符号化器による事前学習</a:t>
-            </a:r>
-            <a:endParaRPr kumimoji="1" lang="en-US" altLang="ja-JP" dirty="0" smtClean="0">
-              <a:latin typeface="Hiragino Kaku Gothic ProN W6" charset="-128"/>
-              <a:ea typeface="Hiragino Kaku Gothic ProN W6" charset="-128"/>
-              <a:cs typeface="Hiragino Kaku Gothic ProN W6" charset="-128"/>
-            </a:endParaRPr>
-          </a:p>
-          <a:p>
-            <a:pPr lvl="1"/>
+              <a:t>分布</a:t>
+            </a:r>
+            <a:r>
+              <a:rPr kumimoji="1" lang="en-US" altLang="ja-JP" dirty="0" smtClean="0">
+                <a:latin typeface="Hiragino Kaku Gothic ProN W6" charset="-128"/>
+                <a:ea typeface="Hiragino Kaku Gothic ProN W6" charset="-128"/>
+                <a:cs typeface="Hiragino Kaku Gothic ProN W6" charset="-128"/>
+              </a:rPr>
+              <a:t>p(</a:t>
+            </a:r>
+            <a:r>
+              <a:rPr kumimoji="1" lang="en-US" altLang="ja-JP" dirty="0" err="1" smtClean="0">
+                <a:latin typeface="Hiragino Kaku Gothic ProN W6" charset="-128"/>
+                <a:ea typeface="Hiragino Kaku Gothic ProN W6" charset="-128"/>
+                <a:cs typeface="Hiragino Kaku Gothic ProN W6" charset="-128"/>
+              </a:rPr>
+              <a:t>h|v,θ</a:t>
+            </a:r>
+            <a:r>
+              <a:rPr kumimoji="1" lang="en-US" altLang="ja-JP" dirty="0" smtClean="0">
+                <a:latin typeface="Hiragino Kaku Gothic ProN W6" charset="-128"/>
+                <a:ea typeface="Hiragino Kaku Gothic ProN W6" charset="-128"/>
+                <a:cs typeface="Hiragino Kaku Gothic ProN W6" charset="-128"/>
+              </a:rPr>
+              <a:t>)</a:t>
+            </a:r>
+            <a:r>
+              <a:rPr kumimoji="1" lang="ja-JP" altLang="en-US" dirty="0" smtClean="0">
+                <a:latin typeface="Hiragino Kaku Gothic ProN W6" charset="-128"/>
+                <a:ea typeface="Hiragino Kaku Gothic ProN W6" charset="-128"/>
+                <a:cs typeface="Hiragino Kaku Gothic ProN W6" charset="-128"/>
+              </a:rPr>
+              <a:t>が</a:t>
+            </a:r>
             <a:r>
               <a:rPr lang="ja-JP" altLang="en-US" dirty="0" smtClean="0">
                 <a:latin typeface="Hiragino Kaku Gothic ProN W6" charset="-128"/>
                 <a:ea typeface="Hiragino Kaku Gothic ProN W6" charset="-128"/>
                 <a:cs typeface="Hiragino Kaku Gothic ProN W6" charset="-128"/>
               </a:rPr>
-              <a:t>二層ごとに自己符号化器を学習</a:t>
-            </a:r>
-            <a:endParaRPr kumimoji="1" lang="en-US" altLang="ja-JP" dirty="0" smtClean="0">
-              <a:latin typeface="Hiragino Kaku Gothic ProN W6" charset="-128"/>
-              <a:ea typeface="Hiragino Kaku Gothic ProN W6" charset="-128"/>
-              <a:cs typeface="Hiragino Kaku Gothic ProN W6" charset="-128"/>
-            </a:endParaRPr>
-          </a:p>
-          <a:p>
-            <a:pPr lvl="1"/>
+              <a:t>深層</a:t>
+            </a:r>
             <a:r>
               <a:rPr lang="en-US" altLang="ja-JP" dirty="0" smtClean="0">
                 <a:latin typeface="Hiragino Kaku Gothic ProN W6" charset="-128"/>
                 <a:ea typeface="Hiragino Kaku Gothic ProN W6" charset="-128"/>
                 <a:cs typeface="Hiragino Kaku Gothic ProN W6" charset="-128"/>
               </a:rPr>
-              <a:t>EFH</a:t>
+              <a:t>NN</a:t>
             </a:r>
             <a:r>
               <a:rPr lang="ja-JP" altLang="en-US" dirty="0" smtClean="0">
@@ -10226,23 +10399,7 @@
                 <a:ea typeface="Hiragino Kaku Gothic ProN W6" charset="-128"/>
                 <a:cs typeface="Hiragino Kaku Gothic ProN W6" charset="-128"/>
               </a:rPr>
-              <a:t>の対数尤度の勾配法による学習則として，</a:t>
-            </a:r>
-            <a:r>
-              <a:rPr lang="en-US" altLang="ja-JP" dirty="0" smtClean="0">
-                <a:latin typeface="Hiragino Kaku Gothic ProN W6" charset="-128"/>
-                <a:ea typeface="Hiragino Kaku Gothic ProN W6" charset="-128"/>
-                <a:cs typeface="Hiragino Kaku Gothic ProN W6" charset="-128"/>
-              </a:rPr>
-              <a:t>CD</a:t>
-            </a:r>
-            <a:r>
-              <a:rPr lang="ja-JP" altLang="en-US" dirty="0" smtClean="0">
-                <a:latin typeface="Hiragino Kaku Gothic ProN W6" charset="-128"/>
-                <a:ea typeface="Hiragino Kaku Gothic ProN W6" charset="-128"/>
-                <a:cs typeface="Hiragino Kaku Gothic ProN W6" charset="-128"/>
-              </a:rPr>
-              <a:t>法と比べると，展開が一つ少なく，平均場近似が適用されておらず，劣る</a:t>
+              <a:t>で近似</a:t>
             </a:r>
             <a:endParaRPr lang="en-US" altLang="ja-JP" dirty="0" smtClean="0">
               <a:latin typeface="Hiragino Kaku Gothic ProN W6" charset="-128"/>
@@ -10251,38 +10408,13 @@
             </a:endParaRPr>
           </a:p>
           <a:p>
-            <a:pPr lvl="1"/>
             <a:r>
               <a:rPr kumimoji="1" lang="ja-JP" altLang="en-US" dirty="0" smtClean="0">
                 <a:latin typeface="Hiragino Kaku Gothic ProN W6" charset="-128"/>
                 <a:ea typeface="Hiragino Kaku Gothic ProN W6" charset="-128"/>
                 <a:cs typeface="Hiragino Kaku Gothic ProN W6" charset="-128"/>
               </a:rPr>
-              <a:t>計算機実験</a:t>
-            </a:r>
-            <a:r>
-              <a:rPr lang="ja-JP" altLang="en-US" dirty="0" smtClean="0">
-                <a:latin typeface="Hiragino Kaku Gothic ProN W6" charset="-128"/>
-                <a:ea typeface="Hiragino Kaku Gothic ProN W6" charset="-128"/>
-                <a:cs typeface="Hiragino Kaku Gothic ProN W6" charset="-128"/>
-              </a:rPr>
-              <a:t>でも</a:t>
-            </a:r>
-            <a:r>
-              <a:rPr kumimoji="1" lang="en-US" altLang="ja-JP" dirty="0" smtClean="0">
-                <a:latin typeface="Hiragino Kaku Gothic ProN W6" charset="-128"/>
-                <a:ea typeface="Hiragino Kaku Gothic ProN W6" charset="-128"/>
-                <a:cs typeface="Hiragino Kaku Gothic ProN W6" charset="-128"/>
-              </a:rPr>
-              <a:t>CD</a:t>
-            </a:r>
-            <a:r>
-              <a:rPr kumimoji="1" lang="ja-JP" altLang="en-US" dirty="0" smtClean="0">
-                <a:latin typeface="Hiragino Kaku Gothic ProN W6" charset="-128"/>
-                <a:ea typeface="Hiragino Kaku Gothic ProN W6" charset="-128"/>
-                <a:cs typeface="Hiragino Kaku Gothic ProN W6" charset="-128"/>
-              </a:rPr>
-              <a:t>法と同等か少し劣る</a:t>
+              <a:t>符号化器の分布の近似が変分法による近似と形式的に同じ近似</a:t>
             </a:r>
             <a:endParaRPr kumimoji="1" lang="ja-JP" altLang="en-US" dirty="0">
               <a:latin typeface="Hiragino Kaku Gothic ProN W6" charset="-128"/>
@@ -10292,40 +10424,10 @@
           </a:p>
         </p:txBody>
       </p:sp>
-      <p:pic>
-        <p:nvPicPr>
-          <p:cNvPr id="4" name="図 3"/>
-          <p:cNvPicPr>
-            <a:picLocks noChangeAspect="1"/>
-          </p:cNvPicPr>
-          <p:nvPr/>
-        </p:nvPicPr>
-        <p:blipFill>
-          <a:blip r:embed="rId2">
-            <a:extLst>
-              <a:ext uri="{28A0092B-C50C-407E-A947-70E740481C1C}">
-                <a14:useLocalDpi xmlns:a14="http://schemas.microsoft.com/office/drawing/2010/main" val="0"/>
-              </a:ext>
-            </a:extLst>
-          </a:blip>
-          <a:stretch>
-            <a:fillRect/>
-          </a:stretch>
-        </p:blipFill>
-        <p:spPr>
-          <a:xfrm>
-            <a:off x="7535916" y="1974926"/>
-            <a:ext cx="4656083" cy="4883074"/>
-          </a:xfrm>
-          <a:prstGeom prst="rect">
-            <a:avLst/>
-          </a:prstGeom>
-        </p:spPr>
-      </p:pic>
     </p:spTree>
     <p:extLst>
       <p:ext uri="{BB962C8B-B14F-4D97-AF65-F5344CB8AC3E}">
-        <p14:creationId xmlns:p14="http://schemas.microsoft.com/office/powerpoint/2010/main" val="2020181858"/>
+        <p14:creationId xmlns:p14="http://schemas.microsoft.com/office/powerpoint/2010/main" val="141558491"/>
       </p:ext>
     </p:extLst>
   </p:cSld>
@@ -10368,12 +10470,20 @@
           <a:lstStyle/>
           <a:p>
             <a:r>
+              <a:rPr kumimoji="1" lang="en-US" altLang="ja-JP" dirty="0" smtClean="0">
+                <a:latin typeface="Hiragino Kaku Gothic ProN W6" charset="-128"/>
+                <a:ea typeface="Hiragino Kaku Gothic ProN W6" charset="-128"/>
+                <a:cs typeface="Hiragino Kaku Gothic ProN W6" charset="-128"/>
+              </a:rPr>
+              <a:t>3.5</a:t>
+            </a:r>
+            <a:r>
               <a:rPr kumimoji="1" lang="ja-JP" altLang="en-US" dirty="0" smtClean="0">
                 <a:latin typeface="Hiragino Kaku Gothic ProN W6" charset="-128"/>
                 <a:ea typeface="Hiragino Kaku Gothic ProN W6" charset="-128"/>
                 <a:cs typeface="Hiragino Kaku Gothic ProN W6" charset="-128"/>
               </a:rPr>
-              <a:t>雑音除去自己符号化器による事前学習</a:t>
+              <a:t>　確定的なモデルを用いた事前学習</a:t>
             </a:r>
             <a:endParaRPr kumimoji="1" lang="ja-JP" altLang="en-US" dirty="0">
               <a:latin typeface="Hiragino Kaku Gothic ProN W6" charset="-128"/>
@@ -10393,7 +10503,12 @@
             <p:ph idx="1"/>
           </p:nvPr>
         </p:nvSpPr>
-        <p:spPr/>
+        <p:spPr>
+          <a:xfrm>
+            <a:off x="680321" y="2336873"/>
+            <a:ext cx="9613861" cy="3599316"/>
+          </a:xfrm>
+        </p:spPr>
         <p:txBody>
           <a:bodyPr/>
           <a:lstStyle/>
@@ -10404,7 +10519,23 @@
                 <a:ea typeface="Hiragino Kaku Gothic ProN W6" charset="-128"/>
                 <a:cs typeface="Hiragino Kaku Gothic ProN W6" charset="-128"/>
               </a:rPr>
-              <a:t>自己符号化器の入力：観測データ</a:t>
+              <a:t>事前学習</a:t>
+            </a:r>
+            <a:r>
+              <a:rPr kumimoji="1" lang="ja-JP" altLang="en-US" dirty="0" smtClean="0">
+                <a:latin typeface="Hiragino Kaku Gothic ProN W6" charset="-128"/>
+                <a:ea typeface="Hiragino Kaku Gothic ProN W6" charset="-128"/>
+                <a:cs typeface="Hiragino Kaku Gothic ProN W6" charset="-128"/>
+              </a:rPr>
+              <a:t>は次元削減によって後</a:t>
+            </a:r>
+            <a:r>
+              <a:rPr kumimoji="1" lang="ja-JP" altLang="en-US" dirty="0" smtClean="0">
+                <a:latin typeface="Hiragino Kaku Gothic ProN W6" charset="-128"/>
+                <a:ea typeface="Hiragino Kaku Gothic ProN W6" charset="-128"/>
+                <a:cs typeface="Hiragino Kaku Gothic ProN W6" charset="-128"/>
+              </a:rPr>
+              <a:t>の深層</a:t>
             </a:r>
             <a:r>
               <a:rPr kumimoji="1" lang="en-US" altLang="ja-JP" dirty="0" smtClean="0">
@@ -10412,7 +10543,7 @@
                 <a:ea typeface="Hiragino Kaku Gothic ProN W6" charset="-128"/>
                 <a:cs typeface="Hiragino Kaku Gothic ProN W6" charset="-128"/>
               </a:rPr>
-              <a:t>x</a:t>
+              <a:t>NN</a:t>
             </a:r>
             <a:r>
               <a:rPr kumimoji="1" lang="ja-JP" altLang="en-US" dirty="0" smtClean="0">
@@ -10420,149 +10551,167 @@
                 <a:ea typeface="Hiragino Kaku Gothic ProN W6" charset="-128"/>
                 <a:cs typeface="Hiragino Kaku Gothic ProN W6" charset="-128"/>
               </a:rPr>
-              <a:t>にノイズを加えた</a:t>
-            </a:r>
+              <a:t>の過学習を防ぐ</a:t>
+            </a:r>
+            <a:endParaRPr kumimoji="1" lang="en-US" altLang="ja-JP" dirty="0" smtClean="0">
+              <a:latin typeface="Hiragino Kaku Gothic ProN W6" charset="-128"/>
+              <a:ea typeface="Hiragino Kaku Gothic ProN W6" charset="-128"/>
+              <a:cs typeface="Hiragino Kaku Gothic ProN W6" charset="-128"/>
+            </a:endParaRPr>
+          </a:p>
+          <a:p>
+            <a:r>
+              <a:rPr lang="ja-JP" altLang="en-US" dirty="0" smtClean="0">
+                <a:latin typeface="Hiragino Kaku Gothic ProN W6" charset="-128"/>
+                <a:ea typeface="Hiragino Kaku Gothic ProN W6" charset="-128"/>
+                <a:cs typeface="Hiragino Kaku Gothic ProN W6" charset="-128"/>
+              </a:rPr>
+              <a:t>確率的な</a:t>
+            </a:r>
+            <a:r>
+              <a:rPr lang="ja-JP" altLang="en-US" dirty="0" smtClean="0">
+                <a:latin typeface="Hiragino Kaku Gothic ProN W6" charset="-128"/>
+                <a:ea typeface="Hiragino Kaku Gothic ProN W6" charset="-128"/>
+                <a:cs typeface="Hiragino Kaku Gothic ProN W6" charset="-128"/>
+              </a:rPr>
+              <a:t>モデル</a:t>
+            </a:r>
+            <a:r>
+              <a:rPr lang="en-US" altLang="ja-JP" dirty="0" smtClean="0">
+                <a:latin typeface="Hiragino Kaku Gothic ProN W6" charset="-128"/>
+                <a:ea typeface="Hiragino Kaku Gothic ProN W6" charset="-128"/>
+                <a:cs typeface="Hiragino Kaku Gothic ProN W6" charset="-128"/>
+              </a:rPr>
+              <a:t>EFH</a:t>
+            </a:r>
+            <a:r>
+              <a:rPr lang="ja-JP" altLang="en-US" dirty="0" smtClean="0">
+                <a:latin typeface="Hiragino Kaku Gothic ProN W6" charset="-128"/>
+                <a:ea typeface="Hiragino Kaku Gothic ProN W6" charset="-128"/>
+                <a:cs typeface="Hiragino Kaku Gothic ProN W6" charset="-128"/>
+              </a:rPr>
+              <a:t>は，</a:t>
+            </a:r>
+            <a:r>
+              <a:rPr lang="ja-JP" altLang="en-US" dirty="0" smtClean="0">
+                <a:latin typeface="Hiragino Kaku Gothic ProN W6" charset="-128"/>
+                <a:ea typeface="Hiragino Kaku Gothic ProN W6" charset="-128"/>
+                <a:cs typeface="Hiragino Kaku Gothic ProN W6" charset="-128"/>
+              </a:rPr>
+              <a:t>決定論</a:t>
+            </a:r>
+            <a:r>
+              <a:rPr lang="ja-JP" altLang="en-US" dirty="0" smtClean="0">
+                <a:latin typeface="Hiragino Kaku Gothic ProN W6" charset="-128"/>
+                <a:ea typeface="Hiragino Kaku Gothic ProN W6" charset="-128"/>
+                <a:cs typeface="Hiragino Kaku Gothic ProN W6" charset="-128"/>
+              </a:rPr>
+              <a:t>的</a:t>
+            </a:r>
+            <a:r>
+              <a:rPr lang="ja-JP" altLang="en-US" dirty="0" smtClean="0">
+                <a:latin typeface="Hiragino Kaku Gothic ProN W6" charset="-128"/>
+                <a:ea typeface="Hiragino Kaku Gothic ProN W6" charset="-128"/>
+                <a:cs typeface="Hiragino Kaku Gothic ProN W6" charset="-128"/>
+              </a:rPr>
+              <a:t>な教師あり学習の損失関数とは</a:t>
+            </a:r>
+            <a:r>
+              <a:rPr lang="ja-JP" altLang="en-US" dirty="0" smtClean="0">
+                <a:latin typeface="Hiragino Kaku Gothic ProN W6" charset="-128"/>
+                <a:ea typeface="Hiragino Kaku Gothic ProN W6" charset="-128"/>
+                <a:cs typeface="Hiragino Kaku Gothic ProN W6" charset="-128"/>
+              </a:rPr>
+              <a:t>間接的関係</a:t>
+            </a:r>
+            <a:endParaRPr lang="en-US" altLang="ja-JP" dirty="0" smtClean="0">
+              <a:latin typeface="Hiragino Kaku Gothic ProN W6" charset="-128"/>
+              <a:ea typeface="Hiragino Kaku Gothic ProN W6" charset="-128"/>
+              <a:cs typeface="Hiragino Kaku Gothic ProN W6" charset="-128"/>
+            </a:endParaRPr>
+          </a:p>
+          <a:p>
+            <a:r>
+              <a:rPr lang="ja-JP" altLang="en-US" dirty="0" smtClean="0">
+                <a:latin typeface="Hiragino Kaku Gothic ProN W6" charset="-128"/>
+                <a:ea typeface="Hiragino Kaku Gothic ProN W6" charset="-128"/>
+                <a:cs typeface="Hiragino Kaku Gothic ProN W6" charset="-128"/>
+              </a:rPr>
+              <a:t>確定</a:t>
+            </a:r>
+            <a:r>
+              <a:rPr kumimoji="1" lang="ja-JP" altLang="en-US" dirty="0" smtClean="0">
+                <a:latin typeface="Hiragino Kaku Gothic ProN W6" charset="-128"/>
+                <a:ea typeface="Hiragino Kaku Gothic ProN W6" charset="-128"/>
+                <a:cs typeface="Hiragino Kaku Gothic ProN W6" charset="-128"/>
+              </a:rPr>
+              <a:t>的</a:t>
+            </a:r>
+            <a:r>
+              <a:rPr kumimoji="1" lang="ja-JP" altLang="en-US" dirty="0" smtClean="0">
+                <a:latin typeface="Hiragino Kaku Gothic ProN W6" charset="-128"/>
+                <a:ea typeface="Hiragino Kaku Gothic ProN W6" charset="-128"/>
+                <a:cs typeface="Hiragino Kaku Gothic ProN W6" charset="-128"/>
+              </a:rPr>
+              <a:t>なモデルは</a:t>
+            </a:r>
+            <a:r>
+              <a:rPr kumimoji="1" lang="ja-JP" altLang="en-US" dirty="0" smtClean="0">
+                <a:latin typeface="Hiragino Kaku Gothic ProN W6" charset="-128"/>
+                <a:ea typeface="Hiragino Kaku Gothic ProN W6" charset="-128"/>
+                <a:cs typeface="Hiragino Kaku Gothic ProN W6" charset="-128"/>
+              </a:rPr>
+              <a:t>直接的関係があり，それを用いた事前学習がある</a:t>
+            </a:r>
+            <a:endParaRPr kumimoji="1" lang="en-US" altLang="ja-JP" dirty="0" smtClean="0">
+              <a:latin typeface="Hiragino Kaku Gothic ProN W6" charset="-128"/>
+              <a:ea typeface="Hiragino Kaku Gothic ProN W6" charset="-128"/>
+              <a:cs typeface="Hiragino Kaku Gothic ProN W6" charset="-128"/>
+            </a:endParaRPr>
+          </a:p>
+          <a:p>
+            <a:pPr lvl="1" algn="just"/>
+            <a:r>
+              <a:rPr lang="en-US" altLang="ja-JP" dirty="0" smtClean="0">
+                <a:latin typeface="Hiragino Kaku Gothic ProN W6" charset="-128"/>
+                <a:ea typeface="Hiragino Kaku Gothic ProN W6" charset="-128"/>
+                <a:cs typeface="Hiragino Kaku Gothic ProN W6" charset="-128"/>
+              </a:rPr>
+              <a:t>3.5.1</a:t>
+            </a:r>
+            <a:r>
+              <a:rPr lang="ja-JP" altLang="en-US" dirty="0" smtClean="0">
+                <a:latin typeface="Hiragino Kaku Gothic ProN W6" charset="-128"/>
+                <a:ea typeface="Hiragino Kaku Gothic ProN W6" charset="-128"/>
+                <a:cs typeface="Hiragino Kaku Gothic ProN W6" charset="-128"/>
+              </a:rPr>
+              <a:t>　教師なし学習</a:t>
+            </a:r>
+            <a:endParaRPr lang="en-US" altLang="ja-JP" dirty="0" smtClean="0">
+              <a:latin typeface="Hiragino Kaku Gothic ProN W6" charset="-128"/>
+              <a:ea typeface="Hiragino Kaku Gothic ProN W6" charset="-128"/>
+              <a:cs typeface="Hiragino Kaku Gothic ProN W6" charset="-128"/>
+            </a:endParaRPr>
+          </a:p>
+          <a:p>
+            <a:pPr lvl="1"/>
             <a:r>
               <a:rPr kumimoji="1" lang="en-US" altLang="ja-JP" dirty="0" smtClean="0">
                 <a:latin typeface="Hiragino Kaku Gothic ProN W6" charset="-128"/>
                 <a:ea typeface="Hiragino Kaku Gothic ProN W6" charset="-128"/>
                 <a:cs typeface="Hiragino Kaku Gothic ProN W6" charset="-128"/>
               </a:rPr>
-              <a:t>x~</a:t>
-            </a:r>
-            <a:endParaRPr lang="en-US" altLang="ja-JP" dirty="0">
-              <a:latin typeface="Hiragino Kaku Gothic ProN W6" charset="-128"/>
-              <a:ea typeface="Hiragino Kaku Gothic ProN W6" charset="-128"/>
-              <a:cs typeface="Hiragino Kaku Gothic ProN W6" charset="-128"/>
-            </a:endParaRPr>
-          </a:p>
-          <a:p>
+              <a:t>3.5.2</a:t>
+            </a:r>
             <a:r>
               <a:rPr kumimoji="1" lang="ja-JP" altLang="en-US" dirty="0" smtClean="0">
                 <a:latin typeface="Hiragino Kaku Gothic ProN W6" charset="-128"/>
                 <a:ea typeface="Hiragino Kaku Gothic ProN W6" charset="-128"/>
                 <a:cs typeface="Hiragino Kaku Gothic ProN W6" charset="-128"/>
               </a:rPr>
-              <a:t>教師信号：</a:t>
-            </a:r>
-            <a:r>
-              <a:rPr kumimoji="1" lang="en-US" altLang="ja-JP" dirty="0" smtClean="0">
-                <a:latin typeface="Hiragino Kaku Gothic ProN W6" charset="-128"/>
-                <a:ea typeface="Hiragino Kaku Gothic ProN W6" charset="-128"/>
-                <a:cs typeface="Hiragino Kaku Gothic ProN W6" charset="-128"/>
-              </a:rPr>
-              <a:t>x</a:t>
-            </a:r>
-          </a:p>
-          <a:p>
-            <a:r>
-              <a:rPr lang="en-US" altLang="ja-JP" dirty="0">
-                <a:latin typeface="Hiragino Kaku Gothic ProN W6" charset="-128"/>
-                <a:ea typeface="Hiragino Kaku Gothic ProN W6" charset="-128"/>
-                <a:cs typeface="Hiragino Kaku Gothic ProN W6" charset="-128"/>
-              </a:rPr>
-              <a:t>x</a:t>
-            </a:r>
-            <a:r>
-              <a:rPr kumimoji="1" lang="ja-JP" altLang="en-US" dirty="0" smtClean="0">
-                <a:latin typeface="Hiragino Kaku Gothic ProN W6" charset="-128"/>
-                <a:ea typeface="Hiragino Kaku Gothic ProN W6" charset="-128"/>
-                <a:cs typeface="Hiragino Kaku Gothic ProN W6" charset="-128"/>
-              </a:rPr>
-              <a:t>を復元するように学習→より効果的な特徴</a:t>
-            </a:r>
-            <a:endParaRPr kumimoji="1" lang="en-US" altLang="ja-JP" dirty="0" smtClean="0">
-              <a:latin typeface="Hiragino Kaku Gothic ProN W6" charset="-128"/>
-              <a:ea typeface="Hiragino Kaku Gothic ProN W6" charset="-128"/>
-              <a:cs typeface="Hiragino Kaku Gothic ProN W6" charset="-128"/>
-            </a:endParaRPr>
-          </a:p>
-          <a:p>
-            <a:endParaRPr lang="en-US" altLang="ja-JP" dirty="0">
-              <a:latin typeface="Hiragino Kaku Gothic ProN W6" charset="-128"/>
-              <a:ea typeface="Hiragino Kaku Gothic ProN W6" charset="-128"/>
-              <a:cs typeface="Hiragino Kaku Gothic ProN W6" charset="-128"/>
-            </a:endParaRPr>
-          </a:p>
-          <a:p>
-            <a:pPr marL="0" indent="0">
-              <a:buNone/>
-            </a:pPr>
-            <a:r>
-              <a:rPr kumimoji="1" lang="ja-JP" altLang="en-US" dirty="0" smtClean="0">
-                <a:latin typeface="Hiragino Kaku Gothic ProN W6" charset="-128"/>
-                <a:ea typeface="Hiragino Kaku Gothic ProN W6" charset="-128"/>
-                <a:cs typeface="Hiragino Kaku Gothic ProN W6" charset="-128"/>
-              </a:rPr>
-              <a:t>ノイズ</a:t>
-            </a:r>
-            <a:endParaRPr kumimoji="1" lang="en-US" altLang="ja-JP" dirty="0" smtClean="0">
-              <a:latin typeface="Hiragino Kaku Gothic ProN W6" charset="-128"/>
-              <a:ea typeface="Hiragino Kaku Gothic ProN W6" charset="-128"/>
-              <a:cs typeface="Hiragino Kaku Gothic ProN W6" charset="-128"/>
-            </a:endParaRPr>
-          </a:p>
-          <a:p>
-            <a:pPr lvl="1"/>
-            <a:r>
-              <a:rPr lang="ja-JP" altLang="en-US" dirty="0" smtClean="0">
-                <a:latin typeface="Hiragino Kaku Gothic ProN W6" charset="-128"/>
-                <a:ea typeface="Hiragino Kaku Gothic ProN W6" charset="-128"/>
-                <a:cs typeface="Hiragino Kaku Gothic ProN W6" charset="-128"/>
-              </a:rPr>
-              <a:t>欠落雑音：ランダムに値をゼロにする</a:t>
-            </a:r>
-            <a:endParaRPr lang="en-US" altLang="ja-JP" dirty="0" smtClean="0">
-              <a:latin typeface="Hiragino Kaku Gothic ProN W6" charset="-128"/>
-              <a:ea typeface="Hiragino Kaku Gothic ProN W6" charset="-128"/>
-              <a:cs typeface="Hiragino Kaku Gothic ProN W6" charset="-128"/>
-            </a:endParaRPr>
-          </a:p>
-          <a:p>
-            <a:pPr lvl="1"/>
-            <a:r>
-              <a:rPr kumimoji="1" lang="ja-JP" altLang="en-US" dirty="0" smtClean="0">
-                <a:latin typeface="Hiragino Kaku Gothic ProN W6" charset="-128"/>
-                <a:ea typeface="Hiragino Kaku Gothic ProN W6" charset="-128"/>
-                <a:cs typeface="Hiragino Kaku Gothic ProN W6" charset="-128"/>
-              </a:rPr>
-              <a:t>ガウスノイズ</a:t>
-            </a:r>
-            <a:endParaRPr kumimoji="1" lang="en-US" altLang="ja-JP" dirty="0" smtClean="0">
-              <a:latin typeface="Hiragino Kaku Gothic ProN W6" charset="-128"/>
-              <a:ea typeface="Hiragino Kaku Gothic ProN W6" charset="-128"/>
-              <a:cs typeface="Hiragino Kaku Gothic ProN W6" charset="-128"/>
-            </a:endParaRPr>
-          </a:p>
-          <a:p>
-            <a:pPr lvl="1"/>
-            <a:r>
-              <a:rPr lang="ja-JP" altLang="en-US" dirty="0" smtClean="0">
-                <a:latin typeface="Hiragino Kaku Gothic ProN W6" charset="-128"/>
-                <a:ea typeface="Hiragino Kaku Gothic ProN W6" charset="-128"/>
-                <a:cs typeface="Hiragino Kaku Gothic ProN W6" charset="-128"/>
-              </a:rPr>
-              <a:t>ランダムノイズは観測データを擬似的に増やせる</a:t>
-            </a:r>
-            <a:endParaRPr lang="en-US" altLang="ja-JP" dirty="0" smtClean="0">
-              <a:latin typeface="Hiragino Kaku Gothic ProN W6" charset="-128"/>
-              <a:ea typeface="Hiragino Kaku Gothic ProN W6" charset="-128"/>
-              <a:cs typeface="Hiragino Kaku Gothic ProN W6" charset="-128"/>
-            </a:endParaRPr>
-          </a:p>
-          <a:p>
-            <a:pPr marL="457200" lvl="1" indent="0">
-              <a:buNone/>
-            </a:pPr>
-            <a:r>
-              <a:rPr kumimoji="1" lang="ja-JP" altLang="en-US" dirty="0" smtClean="0">
-                <a:latin typeface="Hiragino Kaku Gothic ProN W6" charset="-128"/>
-                <a:ea typeface="Hiragino Kaku Gothic ProN W6" charset="-128"/>
-                <a:cs typeface="Hiragino Kaku Gothic ProN W6" charset="-128"/>
-              </a:rPr>
-              <a:t>　　→その分の計算コストが増大</a:t>
-            </a:r>
-            <a:endParaRPr kumimoji="1" lang="en-US" altLang="ja-JP" dirty="0" smtClean="0">
+              <a:t>　教師あり学習</a:t>
+            </a:r>
+            <a:endParaRPr kumimoji="1" lang="ja-JP" altLang="en-US" dirty="0">
               <a:latin typeface="Hiragino Kaku Gothic ProN W6" charset="-128"/>
               <a:ea typeface="Hiragino Kaku Gothic ProN W6" charset="-128"/>
               <a:cs typeface="Hiragino Kaku Gothic ProN W6" charset="-128"/>
@@ -10573,7 +10722,7 @@
     </p:spTree>
     <p:extLst>
       <p:ext uri="{BB962C8B-B14F-4D97-AF65-F5344CB8AC3E}">
-        <p14:creationId xmlns:p14="http://schemas.microsoft.com/office/powerpoint/2010/main" val="1159309982"/>
+        <p14:creationId xmlns:p14="http://schemas.microsoft.com/office/powerpoint/2010/main" val="353630883"/>
       </p:ext>
     </p:extLst>
   </p:cSld>
@@ -10616,12 +10765,35 @@
           <a:lstStyle/>
           <a:p>
             <a:r>
-              <a:rPr kumimoji="1" lang="ja-JP" altLang="en-US" dirty="0" smtClean="0">
-                <a:latin typeface="Hiragino Kaku Gothic ProN W6" charset="-128"/>
-                <a:ea typeface="Hiragino Kaku Gothic ProN W6" charset="-128"/>
-                <a:cs typeface="Hiragino Kaku Gothic ProN W6" charset="-128"/>
-              </a:rPr>
-              <a:t>周辺化雑音除去自己符号化器</a:t>
+              <a:rPr lang="en-US" altLang="ja-JP" dirty="0" smtClean="0">
+                <a:latin typeface="Hiragino Kaku Gothic ProN W6" charset="-128"/>
+                <a:ea typeface="Hiragino Kaku Gothic ProN W6" charset="-128"/>
+                <a:cs typeface="Hiragino Kaku Gothic ProN W6" charset="-128"/>
+              </a:rPr>
+              <a:t>3.5.1</a:t>
+            </a:r>
+            <a:r>
+              <a:rPr lang="en-US" altLang="ja-JP" dirty="0">
+                <a:latin typeface="Hiragino Kaku Gothic ProN W6" charset="-128"/>
+                <a:ea typeface="Hiragino Kaku Gothic ProN W6" charset="-128"/>
+                <a:cs typeface="Hiragino Kaku Gothic ProN W6" charset="-128"/>
+              </a:rPr>
+              <a:t/>
+            </a:r>
+            <a:br>
+              <a:rPr lang="en-US" altLang="ja-JP" dirty="0">
+                <a:latin typeface="Hiragino Kaku Gothic ProN W6" charset="-128"/>
+                <a:ea typeface="Hiragino Kaku Gothic ProN W6" charset="-128"/>
+                <a:cs typeface="Hiragino Kaku Gothic ProN W6" charset="-128"/>
+              </a:rPr>
+            </a:br>
+            <a:r>
+              <a:rPr lang="ja-JP" altLang="en-US" dirty="0" smtClean="0">
+                <a:latin typeface="Hiragino Kaku Gothic ProN W6" charset="-128"/>
+                <a:ea typeface="Hiragino Kaku Gothic ProN W6" charset="-128"/>
+                <a:cs typeface="Hiragino Kaku Gothic ProN W6" charset="-128"/>
+              </a:rPr>
+              <a:t>教師なし学習による確定的なモデルの学習</a:t>
             </a:r>
             <a:endParaRPr kumimoji="1" lang="ja-JP" altLang="en-US" dirty="0">
               <a:latin typeface="Hiragino Kaku Gothic ProN W6" charset="-128"/>
@@ -10641,18 +10813,79 @@
             <p:ph idx="1"/>
           </p:nvPr>
         </p:nvSpPr>
-        <p:spPr/>
+        <p:spPr>
+          <a:xfrm>
+            <a:off x="680321" y="2336873"/>
+            <a:ext cx="6855595" cy="3599316"/>
+          </a:xfrm>
+        </p:spPr>
         <p:txBody>
           <a:bodyPr/>
           <a:lstStyle/>
           <a:p>
             <a:r>
+              <a:rPr kumimoji="1" lang="ja-JP" altLang="en-US" dirty="0" smtClean="0">
+                <a:latin typeface="Hiragino Kaku Gothic ProN W6" charset="-128"/>
+                <a:ea typeface="Hiragino Kaku Gothic ProN W6" charset="-128"/>
+                <a:cs typeface="Hiragino Kaku Gothic ProN W6" charset="-128"/>
+              </a:rPr>
+              <a:t>積層自己符号化器による事前学習</a:t>
+            </a:r>
+            <a:endParaRPr kumimoji="1" lang="en-US" altLang="ja-JP" dirty="0" smtClean="0">
+              <a:latin typeface="Hiragino Kaku Gothic ProN W6" charset="-128"/>
+              <a:ea typeface="Hiragino Kaku Gothic ProN W6" charset="-128"/>
+              <a:cs typeface="Hiragino Kaku Gothic ProN W6" charset="-128"/>
+            </a:endParaRPr>
+          </a:p>
+          <a:p>
+            <a:pPr lvl="1"/>
+            <a:r>
               <a:rPr lang="ja-JP" altLang="en-US" dirty="0" smtClean="0">
                 <a:latin typeface="Hiragino Kaku Gothic ProN W6" charset="-128"/>
                 <a:ea typeface="Hiragino Kaku Gothic ProN W6" charset="-128"/>
                 <a:cs typeface="Hiragino Kaku Gothic ProN W6" charset="-128"/>
               </a:rPr>
-              <a:t>ノイズの計算コストの増大を解決する手法</a:t>
+              <a:t>二層ごとに自己符号化器を学習</a:t>
+            </a:r>
+            <a:endParaRPr kumimoji="1" lang="en-US" altLang="ja-JP" dirty="0" smtClean="0">
+              <a:latin typeface="Hiragino Kaku Gothic ProN W6" charset="-128"/>
+              <a:ea typeface="Hiragino Kaku Gothic ProN W6" charset="-128"/>
+              <a:cs typeface="Hiragino Kaku Gothic ProN W6" charset="-128"/>
+            </a:endParaRPr>
+          </a:p>
+          <a:p>
+            <a:pPr lvl="1"/>
+            <a:r>
+              <a:rPr lang="en-US" altLang="ja-JP" dirty="0" smtClean="0">
+                <a:latin typeface="Hiragino Kaku Gothic ProN W6" charset="-128"/>
+                <a:ea typeface="Hiragino Kaku Gothic ProN W6" charset="-128"/>
+                <a:cs typeface="Hiragino Kaku Gothic ProN W6" charset="-128"/>
+              </a:rPr>
+              <a:t>EFH</a:t>
+            </a:r>
+            <a:r>
+              <a:rPr lang="ja-JP" altLang="en-US" dirty="0" smtClean="0">
+                <a:latin typeface="Hiragino Kaku Gothic ProN W6" charset="-128"/>
+                <a:ea typeface="Hiragino Kaku Gothic ProN W6" charset="-128"/>
+                <a:cs typeface="Hiragino Kaku Gothic ProN W6" charset="-128"/>
+              </a:rPr>
+              <a:t>の対数尤度の勾配法による学習則として，</a:t>
+            </a:r>
+            <a:r>
+              <a:rPr lang="en-US" altLang="ja-JP" dirty="0" smtClean="0">
+                <a:latin typeface="Hiragino Kaku Gothic ProN W6" charset="-128"/>
+                <a:ea typeface="Hiragino Kaku Gothic ProN W6" charset="-128"/>
+                <a:cs typeface="Hiragino Kaku Gothic ProN W6" charset="-128"/>
+              </a:rPr>
+              <a:t>CD</a:t>
+            </a:r>
+            <a:r>
+              <a:rPr lang="ja-JP" altLang="en-US" dirty="0" smtClean="0">
+                <a:latin typeface="Hiragino Kaku Gothic ProN W6" charset="-128"/>
+                <a:ea typeface="Hiragino Kaku Gothic ProN W6" charset="-128"/>
+                <a:cs typeface="Hiragino Kaku Gothic ProN W6" charset="-128"/>
+              </a:rPr>
+              <a:t>法と比べると，展開が一つ少なく，平均場近似が適用されておらず，劣る</a:t>
             </a:r>
             <a:endParaRPr lang="en-US" altLang="ja-JP" dirty="0" smtClean="0">
               <a:latin typeface="Hiragino Kaku Gothic ProN W6" charset="-128"/>
@@ -10661,138 +10894,81 @@
             </a:endParaRPr>
           </a:p>
           <a:p>
+            <a:pPr lvl="1"/>
+            <a:r>
+              <a:rPr kumimoji="1" lang="ja-JP" altLang="en-US" dirty="0" smtClean="0">
+                <a:latin typeface="Hiragino Kaku Gothic ProN W6" charset="-128"/>
+                <a:ea typeface="Hiragino Kaku Gothic ProN W6" charset="-128"/>
+                <a:cs typeface="Hiragino Kaku Gothic ProN W6" charset="-128"/>
+              </a:rPr>
+              <a:t>計算機実験</a:t>
+            </a:r>
             <a:r>
               <a:rPr lang="ja-JP" altLang="en-US" dirty="0" smtClean="0">
                 <a:latin typeface="Hiragino Kaku Gothic ProN W6" charset="-128"/>
                 <a:ea typeface="Hiragino Kaku Gothic ProN W6" charset="-128"/>
                 <a:cs typeface="Hiragino Kaku Gothic ProN W6" charset="-128"/>
               </a:rPr>
-              <a:t>ノイズの加わった入力</a:t>
-            </a:r>
-            <a:r>
-              <a:rPr lang="en-US" altLang="ja-JP" dirty="0" smtClean="0">
-                <a:latin typeface="Hiragino Kaku Gothic ProN W6" charset="-128"/>
-                <a:ea typeface="Hiragino Kaku Gothic ProN W6" charset="-128"/>
-                <a:cs typeface="Hiragino Kaku Gothic ProN W6" charset="-128"/>
-              </a:rPr>
-              <a:t>x~</a:t>
-            </a:r>
-            <a:r>
-              <a:rPr lang="ja-JP" altLang="en-US" dirty="0" smtClean="0">
-                <a:latin typeface="Hiragino Kaku Gothic ProN W6" charset="-128"/>
-                <a:ea typeface="Hiragino Kaku Gothic ProN W6" charset="-128"/>
-                <a:cs typeface="Hiragino Kaku Gothic ProN W6" charset="-128"/>
-              </a:rPr>
-              <a:t>の平均の周りで損失関数の二次のテイラー展開をとる→解析的な近似計算</a:t>
-            </a:r>
-            <a:endParaRPr lang="en-US" altLang="ja-JP" dirty="0" smtClean="0">
-              <a:latin typeface="Hiragino Kaku Gothic ProN W6" charset="-128"/>
-              <a:ea typeface="Hiragino Kaku Gothic ProN W6" charset="-128"/>
-              <a:cs typeface="Hiragino Kaku Gothic ProN W6" charset="-128"/>
-            </a:endParaRPr>
-          </a:p>
-          <a:p>
-            <a:r>
-              <a:rPr lang="ja-JP" altLang="en-US" dirty="0" smtClean="0">
-                <a:latin typeface="Hiragino Kaku Gothic ProN W6" charset="-128"/>
-                <a:ea typeface="Hiragino Kaku Gothic ProN W6" charset="-128"/>
-                <a:cs typeface="Hiragino Kaku Gothic ProN W6" charset="-128"/>
-              </a:rPr>
-              <a:t>不要になるもの</a:t>
-            </a:r>
-            <a:endParaRPr lang="en-US" altLang="ja-JP" dirty="0" smtClean="0">
-              <a:latin typeface="Hiragino Kaku Gothic ProN W6" charset="-128"/>
-              <a:ea typeface="Hiragino Kaku Gothic ProN W6" charset="-128"/>
-              <a:cs typeface="Hiragino Kaku Gothic ProN W6" charset="-128"/>
-            </a:endParaRPr>
-          </a:p>
-          <a:p>
-            <a:pPr lvl="1"/>
+              <a:t>でも</a:t>
+            </a:r>
+            <a:r>
+              <a:rPr kumimoji="1" lang="en-US" altLang="ja-JP" dirty="0" smtClean="0">
+                <a:latin typeface="Hiragino Kaku Gothic ProN W6" charset="-128"/>
+                <a:ea typeface="Hiragino Kaku Gothic ProN W6" charset="-128"/>
+                <a:cs typeface="Hiragino Kaku Gothic ProN W6" charset="-128"/>
+              </a:rPr>
+              <a:t>CD</a:t>
+            </a:r>
             <a:r>
               <a:rPr kumimoji="1" lang="ja-JP" altLang="en-US" dirty="0" smtClean="0">
                 <a:latin typeface="Hiragino Kaku Gothic ProN W6" charset="-128"/>
                 <a:ea typeface="Hiragino Kaku Gothic ProN W6" charset="-128"/>
                 <a:cs typeface="Hiragino Kaku Gothic ProN W6" charset="-128"/>
               </a:rPr>
-              <a:t>ノイズデータを多数作らなくて良い</a:t>
-            </a:r>
-            <a:endParaRPr kumimoji="1" lang="en-US" altLang="ja-JP" dirty="0" smtClean="0">
-              <a:latin typeface="Hiragino Kaku Gothic ProN W6" charset="-128"/>
-              <a:ea typeface="Hiragino Kaku Gothic ProN W6" charset="-128"/>
-              <a:cs typeface="Hiragino Kaku Gothic ProN W6" charset="-128"/>
-            </a:endParaRPr>
-          </a:p>
-          <a:p>
-            <a:pPr lvl="1"/>
-            <a:r>
-              <a:rPr lang="ja-JP" altLang="en-US" dirty="0" smtClean="0">
-                <a:latin typeface="Hiragino Kaku Gothic ProN W6" charset="-128"/>
-                <a:ea typeface="Hiragino Kaku Gothic ProN W6" charset="-128"/>
-                <a:cs typeface="Hiragino Kaku Gothic ProN W6" charset="-128"/>
-              </a:rPr>
-              <a:t>入力データによるコスト関数やそのパラメータに関する導関数の平均の計算</a:t>
-            </a:r>
-            <a:endParaRPr lang="en-US" altLang="ja-JP" dirty="0">
-              <a:latin typeface="Hiragino Kaku Gothic ProN W6" charset="-128"/>
-              <a:ea typeface="Hiragino Kaku Gothic ProN W6" charset="-128"/>
-              <a:cs typeface="Hiragino Kaku Gothic ProN W6" charset="-128"/>
-            </a:endParaRPr>
-          </a:p>
-          <a:p>
-            <a:r>
-              <a:rPr kumimoji="1" lang="ja-JP" altLang="en-US" dirty="0" smtClean="0">
-                <a:latin typeface="Hiragino Kaku Gothic ProN W6" charset="-128"/>
-                <a:ea typeface="Hiragino Kaku Gothic ProN W6" charset="-128"/>
-                <a:cs typeface="Hiragino Kaku Gothic ProN W6" charset="-128"/>
-              </a:rPr>
-              <a:t>性能</a:t>
-            </a:r>
-            <a:r>
-              <a:rPr lang="ja-JP" altLang="en-US" dirty="0" smtClean="0">
-                <a:latin typeface="Hiragino Kaku Gothic ProN W6" charset="-128"/>
-                <a:ea typeface="Hiragino Kaku Gothic ProN W6" charset="-128"/>
-                <a:cs typeface="Hiragino Kaku Gothic ProN W6" charset="-128"/>
-              </a:rPr>
-              <a:t>が従来の雑音除去自己符号化器と同等か優れている</a:t>
-            </a:r>
-            <a:endParaRPr lang="en-US" altLang="ja-JP" dirty="0" smtClean="0">
-              <a:latin typeface="Hiragino Kaku Gothic ProN W6" charset="-128"/>
-              <a:ea typeface="Hiragino Kaku Gothic ProN W6" charset="-128"/>
-              <a:cs typeface="Hiragino Kaku Gothic ProN W6" charset="-128"/>
-            </a:endParaRPr>
-          </a:p>
-          <a:p>
-            <a:r>
-              <a:rPr kumimoji="1" lang="ja-JP" altLang="en-US" dirty="0" smtClean="0">
-                <a:latin typeface="Hiragino Kaku Gothic ProN W6" charset="-128"/>
-                <a:ea typeface="Hiragino Kaku Gothic ProN W6" charset="-128"/>
-                <a:cs typeface="Hiragino Kaku Gothic ProN W6" charset="-128"/>
-              </a:rPr>
-              <a:t>多層に積み重ねるときの性能向上が小さくなる</a:t>
-            </a:r>
-            <a:endParaRPr kumimoji="1" lang="en-US" altLang="ja-JP" dirty="0" smtClean="0">
-              <a:latin typeface="Hiragino Kaku Gothic ProN W6" charset="-128"/>
-              <a:ea typeface="Hiragino Kaku Gothic ProN W6" charset="-128"/>
-              <a:cs typeface="Hiragino Kaku Gothic ProN W6" charset="-128"/>
-            </a:endParaRPr>
-          </a:p>
-          <a:p>
-            <a:pPr lvl="1"/>
-            <a:endParaRPr kumimoji="1" lang="en-US" altLang="ja-JP" dirty="0" smtClean="0">
-              <a:latin typeface="Hiragino Kaku Gothic ProN W6" charset="-128"/>
-              <a:ea typeface="Hiragino Kaku Gothic ProN W6" charset="-128"/>
-              <a:cs typeface="Hiragino Kaku Gothic ProN W6" charset="-128"/>
-            </a:endParaRPr>
-          </a:p>
-          <a:p>
-            <a:endParaRPr kumimoji="1" lang="ja-JP" altLang="en-US" dirty="0"/>
-          </a:p>
-        </p:txBody>
-      </p:sp>
+              <a:t>法と同等か少し劣る</a:t>
+            </a:r>
+            <a:endParaRPr kumimoji="1" lang="ja-JP" altLang="en-US" dirty="0">
+              <a:latin typeface="Hiragino Kaku Gothic ProN W6" charset="-128"/>
+              <a:ea typeface="Hiragino Kaku Gothic ProN W6" charset="-128"/>
+              <a:cs typeface="Hiragino Kaku Gothic ProN W6" charset="-128"/>
+            </a:endParaRPr>
+          </a:p>
+        </p:txBody>
+      </p:sp>
+      <p:pic>
+        <p:nvPicPr>
+          <p:cNvPr id="4" name="図 3"/>
+          <p:cNvPicPr>
+            <a:picLocks noChangeAspect="1"/>
+          </p:cNvPicPr>
+          <p:nvPr/>
+        </p:nvPicPr>
+        <p:blipFill>
+          <a:blip r:embed="rId2">
+            <a:extLst>
+              <a:ext uri="{28A0092B-C50C-407E-A947-70E740481C1C}">
+                <a14:useLocalDpi xmlns:a14="http://schemas.microsoft.com/office/drawing/2010/main" val="0"/>
+              </a:ext>
+            </a:extLst>
+          </a:blip>
+          <a:stretch>
+            <a:fillRect/>
+          </a:stretch>
+        </p:blipFill>
+        <p:spPr>
+          <a:xfrm>
+            <a:off x="7535916" y="1974926"/>
+            <a:ext cx="4656083" cy="4883074"/>
+          </a:xfrm>
+          <a:prstGeom prst="rect">
+            <a:avLst/>
+          </a:prstGeom>
+        </p:spPr>
+      </p:pic>
     </p:spTree>
     <p:extLst>
       <p:ext uri="{BB962C8B-B14F-4D97-AF65-F5344CB8AC3E}">
-        <p14:creationId xmlns:p14="http://schemas.microsoft.com/office/powerpoint/2010/main" val="17825974"/>
+        <p14:creationId xmlns:p14="http://schemas.microsoft.com/office/powerpoint/2010/main" val="2020181858"/>
       </p:ext>
     </p:extLst>
   </p:cSld>
@@ -11134,7 +11310,7 @@
                 <a:ea typeface="Hiragino Kaku Gothic ProN W6" charset="-128"/>
                 <a:cs typeface="Hiragino Kaku Gothic ProN W6" charset="-128"/>
               </a:rPr>
-              <a:t>その他の自己符号化器による事前学習</a:t>
+              <a:t>雑音除去自己符号化器による事前学習</a:t>
             </a:r>
             <a:endParaRPr kumimoji="1" lang="ja-JP" altLang="en-US" dirty="0">
               <a:latin typeface="Hiragino Kaku Gothic ProN W6" charset="-128"/>
@@ -11165,7 +11341,72 @@
                 <a:ea typeface="Hiragino Kaku Gothic ProN W6" charset="-128"/>
                 <a:cs typeface="Hiragino Kaku Gothic ProN W6" charset="-128"/>
               </a:rPr>
-              <a:t>スパース自己符号化器</a:t>
+              <a:t>自己符号化器の入力：観測データ</a:t>
+            </a:r>
+            <a:r>
+              <a:rPr kumimoji="1" lang="en-US" altLang="ja-JP" dirty="0" smtClean="0">
+                <a:latin typeface="Hiragino Kaku Gothic ProN W6" charset="-128"/>
+                <a:ea typeface="Hiragino Kaku Gothic ProN W6" charset="-128"/>
+                <a:cs typeface="Hiragino Kaku Gothic ProN W6" charset="-128"/>
+              </a:rPr>
+              <a:t>x</a:t>
+            </a:r>
+            <a:r>
+              <a:rPr kumimoji="1" lang="ja-JP" altLang="en-US" dirty="0" smtClean="0">
+                <a:latin typeface="Hiragino Kaku Gothic ProN W6" charset="-128"/>
+                <a:ea typeface="Hiragino Kaku Gothic ProN W6" charset="-128"/>
+                <a:cs typeface="Hiragino Kaku Gothic ProN W6" charset="-128"/>
+              </a:rPr>
+              <a:t>にノイズを加えた</a:t>
+            </a:r>
+            <a:r>
+              <a:rPr kumimoji="1" lang="en-US" altLang="ja-JP" dirty="0" smtClean="0">
+                <a:latin typeface="Hiragino Kaku Gothic ProN W6" charset="-128"/>
+                <a:ea typeface="Hiragino Kaku Gothic ProN W6" charset="-128"/>
+                <a:cs typeface="Hiragino Kaku Gothic ProN W6" charset="-128"/>
+              </a:rPr>
+              <a:t>x~</a:t>
+            </a:r>
+            <a:endParaRPr lang="en-US" altLang="ja-JP" dirty="0">
+              <a:latin typeface="Hiragino Kaku Gothic ProN W6" charset="-128"/>
+              <a:ea typeface="Hiragino Kaku Gothic ProN W6" charset="-128"/>
+              <a:cs typeface="Hiragino Kaku Gothic ProN W6" charset="-128"/>
+            </a:endParaRPr>
+          </a:p>
+          <a:p>
+            <a:r>
+              <a:rPr kumimoji="1" lang="ja-JP" altLang="en-US" dirty="0" smtClean="0">
+                <a:latin typeface="Hiragino Kaku Gothic ProN W6" charset="-128"/>
+                <a:ea typeface="Hiragino Kaku Gothic ProN W6" charset="-128"/>
+                <a:cs typeface="Hiragino Kaku Gothic ProN W6" charset="-128"/>
+              </a:rPr>
+              <a:t>教師信号：</a:t>
+            </a:r>
+            <a:r>
+              <a:rPr kumimoji="1" lang="en-US" altLang="ja-JP" dirty="0" smtClean="0">
+                <a:latin typeface="Hiragino Kaku Gothic ProN W6" charset="-128"/>
+                <a:ea typeface="Hiragino Kaku Gothic ProN W6" charset="-128"/>
+                <a:cs typeface="Hiragino Kaku Gothic ProN W6" charset="-128"/>
+              </a:rPr>
+              <a:t>x</a:t>
+            </a:r>
+          </a:p>
+          <a:p>
+            <a:r>
+              <a:rPr lang="en-US" altLang="ja-JP" dirty="0">
+                <a:latin typeface="Hiragino Kaku Gothic ProN W6" charset="-128"/>
+                <a:ea typeface="Hiragino Kaku Gothic ProN W6" charset="-128"/>
+                <a:cs typeface="Hiragino Kaku Gothic ProN W6" charset="-128"/>
+              </a:rPr>
+              <a:t>x</a:t>
+            </a:r>
+            <a:r>
+              <a:rPr kumimoji="1" lang="ja-JP" altLang="en-US" dirty="0" smtClean="0">
+                <a:latin typeface="Hiragino Kaku Gothic ProN W6" charset="-128"/>
+                <a:ea typeface="Hiragino Kaku Gothic ProN W6" charset="-128"/>
+                <a:cs typeface="Hiragino Kaku Gothic ProN W6" charset="-128"/>
+              </a:rPr>
+              <a:t>を復元するように学習→より効果的な特徴</a:t>
             </a:r>
             <a:endParaRPr kumimoji="1" lang="en-US" altLang="ja-JP" dirty="0" smtClean="0">
               <a:latin typeface="Hiragino Kaku Gothic ProN W6" charset="-128"/>
@@ -11174,14 +11415,55 @@
             </a:endParaRPr>
           </a:p>
           <a:p>
+            <a:endParaRPr lang="en-US" altLang="ja-JP" dirty="0">
+              <a:latin typeface="Hiragino Kaku Gothic ProN W6" charset="-128"/>
+              <a:ea typeface="Hiragino Kaku Gothic ProN W6" charset="-128"/>
+              <a:cs typeface="Hiragino Kaku Gothic ProN W6" charset="-128"/>
+            </a:endParaRPr>
+          </a:p>
+          <a:p>
+            <a:pPr marL="0" indent="0">
+              <a:buNone/>
+            </a:pPr>
+            <a:r>
+              <a:rPr kumimoji="1" lang="ja-JP" altLang="en-US" dirty="0" smtClean="0">
+                <a:latin typeface="Hiragino Kaku Gothic ProN W6" charset="-128"/>
+                <a:ea typeface="Hiragino Kaku Gothic ProN W6" charset="-128"/>
+                <a:cs typeface="Hiragino Kaku Gothic ProN W6" charset="-128"/>
+              </a:rPr>
+              <a:t>ノイズ</a:t>
+            </a:r>
+            <a:endParaRPr kumimoji="1" lang="en-US" altLang="ja-JP" dirty="0" smtClean="0">
+              <a:latin typeface="Hiragino Kaku Gothic ProN W6" charset="-128"/>
+              <a:ea typeface="Hiragino Kaku Gothic ProN W6" charset="-128"/>
+              <a:cs typeface="Hiragino Kaku Gothic ProN W6" charset="-128"/>
+            </a:endParaRPr>
+          </a:p>
+          <a:p>
             <a:pPr lvl="1"/>
             <a:r>
+              <a:rPr lang="ja-JP" altLang="en-US" dirty="0" smtClean="0">
+                <a:latin typeface="Hiragino Kaku Gothic ProN W6" charset="-128"/>
+                <a:ea typeface="Hiragino Kaku Gothic ProN W6" charset="-128"/>
+                <a:cs typeface="Hiragino Kaku Gothic ProN W6" charset="-128"/>
+              </a:rPr>
+              <a:t>欠落雑音：ランダムに値をゼロにする</a:t>
+            </a:r>
+            <a:endParaRPr lang="en-US" altLang="ja-JP" dirty="0" smtClean="0">
+              <a:latin typeface="Hiragino Kaku Gothic ProN W6" charset="-128"/>
+              <a:ea typeface="Hiragino Kaku Gothic ProN W6" charset="-128"/>
+              <a:cs typeface="Hiragino Kaku Gothic ProN W6" charset="-128"/>
+            </a:endParaRPr>
+          </a:p>
+          <a:p>
+            <a:pPr lvl="1"/>
+            <a:r>
               <a:rPr kumimoji="1" lang="ja-JP" altLang="en-US" dirty="0" smtClean="0">
                 <a:latin typeface="Hiragino Kaku Gothic ProN W6" charset="-128"/>
                 <a:ea typeface="Hiragino Kaku Gothic ProN W6" charset="-128"/>
                 <a:cs typeface="Hiragino Kaku Gothic ProN W6" charset="-128"/>
               </a:rPr>
-              <a:t>自己符号化器において中間層の次元を高めると，ゼロが多くスパースに</a:t>
+              <a:t>ガウスノイズ</a:t>
             </a:r>
             <a:endParaRPr kumimoji="1" lang="en-US" altLang="ja-JP" dirty="0" smtClean="0">
               <a:latin typeface="Hiragino Kaku Gothic ProN W6" charset="-128"/>
@@ -11190,92 +11472,45 @@
             </a:endParaRPr>
           </a:p>
           <a:p>
+            <a:pPr lvl="1"/>
+            <a:r>
+              <a:rPr lang="ja-JP" altLang="en-US" dirty="0" smtClean="0">
+                <a:latin typeface="Hiragino Kaku Gothic ProN W6" charset="-128"/>
+                <a:ea typeface="Hiragino Kaku Gothic ProN W6" charset="-128"/>
+                <a:cs typeface="Hiragino Kaku Gothic ProN W6" charset="-128"/>
+              </a:rPr>
+              <a:t>ランダムノイズは観測データを擬似的に増やせる</a:t>
+            </a:r>
+            <a:endParaRPr lang="en-US" altLang="ja-JP" dirty="0" smtClean="0">
+              <a:latin typeface="Hiragino Kaku Gothic ProN W6" charset="-128"/>
+              <a:ea typeface="Hiragino Kaku Gothic ProN W6" charset="-128"/>
+              <a:cs typeface="Hiragino Kaku Gothic ProN W6" charset="-128"/>
+            </a:endParaRPr>
+          </a:p>
+          <a:p>
+            <a:pPr marL="457200" lvl="1" indent="0">
+              <a:buNone/>
+            </a:pPr>
             <a:r>
               <a:rPr kumimoji="1" lang="ja-JP" altLang="en-US" dirty="0" smtClean="0">
                 <a:latin typeface="Hiragino Kaku Gothic ProN W6" charset="-128"/>
                 <a:ea typeface="Hiragino Kaku Gothic ProN W6" charset="-128"/>
                 <a:cs typeface="Hiragino Kaku Gothic ProN W6" charset="-128"/>
               </a:rPr>
-              <a:t>縮小自己符号化器</a:t>
+              <a:t>　　→その分の計算コストが増大</a:t>
             </a:r>
             <a:endParaRPr kumimoji="1" lang="en-US" altLang="ja-JP" dirty="0" smtClean="0">
               <a:latin typeface="Hiragino Kaku Gothic ProN W6" charset="-128"/>
               <a:ea typeface="Hiragino Kaku Gothic ProN W6" charset="-128"/>
               <a:cs typeface="Hiragino Kaku Gothic ProN W6" charset="-128"/>
             </a:endParaRPr>
-          </a:p>
-          <a:p>
-            <a:pPr lvl="1"/>
-            <a:r>
-              <a:rPr kumimoji="1" lang="ja-JP" altLang="en-US" dirty="0" smtClean="0">
-                <a:latin typeface="Hiragino Kaku Gothic ProN W6" charset="-128"/>
-                <a:ea typeface="Hiragino Kaku Gothic ProN W6" charset="-128"/>
-                <a:cs typeface="Hiragino Kaku Gothic ProN W6" charset="-128"/>
-              </a:rPr>
-              <a:t>正則化項として入力</a:t>
-            </a:r>
-            <a:r>
-              <a:rPr lang="en-US" altLang="ja-JP" dirty="0" smtClean="0">
-                <a:latin typeface="Hiragino Kaku Gothic ProN W6" charset="-128"/>
-                <a:ea typeface="Hiragino Kaku Gothic ProN W6" charset="-128"/>
-                <a:cs typeface="Hiragino Kaku Gothic ProN W6" charset="-128"/>
-              </a:rPr>
-              <a:t>v</a:t>
-            </a:r>
-            <a:r>
-              <a:rPr lang="ja-JP" altLang="en-US" dirty="0" smtClean="0">
-                <a:latin typeface="Hiragino Kaku Gothic ProN W6" charset="-128"/>
-                <a:ea typeface="Hiragino Kaku Gothic ProN W6" charset="-128"/>
-                <a:cs typeface="Hiragino Kaku Gothic ProN W6" charset="-128"/>
-              </a:rPr>
-              <a:t>から特徴</a:t>
-            </a:r>
-            <a:r>
-              <a:rPr lang="en-US" altLang="ja-JP" dirty="0" smtClean="0">
-                <a:latin typeface="Hiragino Kaku Gothic ProN W6" charset="-128"/>
-                <a:ea typeface="Hiragino Kaku Gothic ProN W6" charset="-128"/>
-                <a:cs typeface="Hiragino Kaku Gothic ProN W6" charset="-128"/>
-              </a:rPr>
-              <a:t>h</a:t>
-            </a:r>
-            <a:r>
-              <a:rPr lang="ja-JP" altLang="en-US" dirty="0" smtClean="0">
-                <a:latin typeface="Hiragino Kaku Gothic ProN W6" charset="-128"/>
-                <a:ea typeface="Hiragino Kaku Gothic ProN W6" charset="-128"/>
-                <a:cs typeface="Hiragino Kaku Gothic ProN W6" charset="-128"/>
-              </a:rPr>
-              <a:t>を出力する関数の滑らかさを促進する項を付与→雑音除去符号化器と同等</a:t>
-            </a:r>
-            <a:endParaRPr lang="en-US" altLang="ja-JP" dirty="0" smtClean="0">
-              <a:latin typeface="Hiragino Kaku Gothic ProN W6" charset="-128"/>
-              <a:ea typeface="Hiragino Kaku Gothic ProN W6" charset="-128"/>
-              <a:cs typeface="Hiragino Kaku Gothic ProN W6" charset="-128"/>
-            </a:endParaRPr>
-          </a:p>
-          <a:p>
-            <a:r>
-              <a:rPr kumimoji="1" lang="ja-JP" altLang="en-US" dirty="0" smtClean="0">
-                <a:latin typeface="Hiragino Kaku Gothic ProN W6" charset="-128"/>
-                <a:ea typeface="Hiragino Kaku Gothic ProN W6" charset="-128"/>
-                <a:cs typeface="Hiragino Kaku Gothic ProN W6" charset="-128"/>
-              </a:rPr>
-              <a:t>極端学習機械</a:t>
-            </a:r>
-            <a:r>
-              <a:rPr kumimoji="1" lang="en-US" altLang="ja-JP" dirty="0" smtClean="0">
-                <a:latin typeface="Hiragino Kaku Gothic ProN W6" charset="-128"/>
-                <a:ea typeface="Hiragino Kaku Gothic ProN W6" charset="-128"/>
-                <a:cs typeface="Hiragino Kaku Gothic ProN W6" charset="-128"/>
-              </a:rPr>
-              <a:t>(ELM)</a:t>
-            </a:r>
           </a:p>
         </p:txBody>
       </p:sp>
     </p:spTree>
     <p:extLst>
       <p:ext uri="{BB962C8B-B14F-4D97-AF65-F5344CB8AC3E}">
-        <p14:creationId xmlns:p14="http://schemas.microsoft.com/office/powerpoint/2010/main" val="692507794"/>
+        <p14:creationId xmlns:p14="http://schemas.microsoft.com/office/powerpoint/2010/main" val="1159309982"/>
       </p:ext>
     </p:extLst>
   </p:cSld>
@@ -11323,15 +11558,7 @@
                 <a:ea typeface="Hiragino Kaku Gothic ProN W6" charset="-128"/>
                 <a:cs typeface="Hiragino Kaku Gothic ProN W6" charset="-128"/>
               </a:rPr>
-              <a:t>極端学習機械</a:t>
-            </a:r>
-            <a:r>
-              <a:rPr kumimoji="1" lang="en-US" altLang="ja-JP" dirty="0" smtClean="0">
-                <a:latin typeface="Hiragino Kaku Gothic ProN W6" charset="-128"/>
-                <a:ea typeface="Hiragino Kaku Gothic ProN W6" charset="-128"/>
-                <a:cs typeface="Hiragino Kaku Gothic ProN W6" charset="-128"/>
-              </a:rPr>
-              <a:t>(ELM)</a:t>
+              <a:t>周辺化雑音除去自己符号化器</a:t>
             </a:r>
             <a:endParaRPr kumimoji="1" lang="ja-JP" altLang="en-US" dirty="0">
               <a:latin typeface="Hiragino Kaku Gothic ProN W6" charset="-128"/>
@@ -11351,36 +11578,18 @@
             <p:ph idx="1"/>
           </p:nvPr>
         </p:nvSpPr>
-        <p:spPr>
-          <a:xfrm>
-            <a:off x="680321" y="2336873"/>
-            <a:ext cx="10460645" cy="3599316"/>
-          </a:xfrm>
-        </p:spPr>
+        <p:spPr/>
         <p:txBody>
           <a:bodyPr/>
           <a:lstStyle/>
           <a:p>
-            <a:pPr marL="228600" lvl="1">
-              <a:spcBef>
-                <a:spcPts val="1000"/>
-              </a:spcBef>
-            </a:pPr>
-            <a:r>
-              <a:rPr lang="ja-JP" altLang="en-US" dirty="0">
-                <a:latin typeface="Hiragino Kaku Gothic ProN W6" charset="-128"/>
-                <a:ea typeface="Hiragino Kaku Gothic ProN W6" charset="-128"/>
-                <a:cs typeface="Hiragino Kaku Gothic ProN W6" charset="-128"/>
-              </a:rPr>
-              <a:t>多層にしないことで損失関数を凸関数にし学習（最適化）を容易</a:t>
-            </a:r>
             <a:r>
               <a:rPr lang="ja-JP" altLang="en-US" dirty="0" smtClean="0">
                 <a:latin typeface="Hiragino Kaku Gothic ProN W6" charset="-128"/>
                 <a:ea typeface="Hiragino Kaku Gothic ProN W6" charset="-128"/>
                 <a:cs typeface="Hiragino Kaku Gothic ProN W6" charset="-128"/>
               </a:rPr>
-              <a:t>に（局所解が無い）</a:t>
+              <a:t>ノイズの計算コストの増大を解決する手法</a:t>
             </a:r>
             <a:endParaRPr lang="en-US" altLang="ja-JP" dirty="0" smtClean="0">
               <a:latin typeface="Hiragino Kaku Gothic ProN W6" charset="-128"/>
@@ -11389,18 +11598,29 @@
             </a:endParaRPr>
           </a:p>
           <a:p>
-            <a:pPr marL="228600" lvl="1">
-              <a:spcBef>
-                <a:spcPts val="1000"/>
-              </a:spcBef>
-            </a:pPr>
             <a:r>
               <a:rPr lang="ja-JP" altLang="en-US" dirty="0" smtClean="0">
                 <a:latin typeface="Hiragino Kaku Gothic ProN W6" charset="-128"/>
                 <a:ea typeface="Hiragino Kaku Gothic ProN W6" charset="-128"/>
                 <a:cs typeface="Hiragino Kaku Gothic ProN W6" charset="-128"/>
               </a:rPr>
-              <a:t>一層の隠れ変数の層</a:t>
+              <a:t>ノイズの加わった入力</a:t>
+            </a:r>
+            <a:r>
+              <a:rPr lang="en-US" altLang="ja-JP" dirty="0" smtClean="0">
+                <a:latin typeface="Hiragino Kaku Gothic ProN W6" charset="-128"/>
+                <a:ea typeface="Hiragino Kaku Gothic ProN W6" charset="-128"/>
+                <a:cs typeface="Hiragino Kaku Gothic ProN W6" charset="-128"/>
+              </a:rPr>
+              <a:t>x~</a:t>
+            </a:r>
+            <a:r>
+              <a:rPr lang="ja-JP" altLang="en-US" dirty="0" smtClean="0">
+                <a:latin typeface="Hiragino Kaku Gothic ProN W6" charset="-128"/>
+                <a:ea typeface="Hiragino Kaku Gothic ProN W6" charset="-128"/>
+                <a:cs typeface="Hiragino Kaku Gothic ProN W6" charset="-128"/>
+              </a:rPr>
+              <a:t>の平均の周りで損失関数の二次のテイラー展開をとる→解析的な近似計算</a:t>
             </a:r>
             <a:endParaRPr lang="en-US" altLang="ja-JP" dirty="0" smtClean="0">
               <a:latin typeface="Hiragino Kaku Gothic ProN W6" charset="-128"/>
@@ -11409,42 +11629,60 @@
             </a:endParaRPr>
           </a:p>
           <a:p>
-            <a:pPr marL="228600" lvl="1">
-              <a:spcBef>
-                <a:spcPts val="1000"/>
-              </a:spcBef>
-            </a:pPr>
             <a:r>
               <a:rPr lang="ja-JP" altLang="en-US" dirty="0" smtClean="0">
                 <a:latin typeface="Hiragino Kaku Gothic ProN W6" charset="-128"/>
                 <a:ea typeface="Hiragino Kaku Gothic ProN W6" charset="-128"/>
                 <a:cs typeface="Hiragino Kaku Gothic ProN W6" charset="-128"/>
               </a:rPr>
-              <a:t>入力と隠れ変数の間の重み</a:t>
-            </a:r>
-            <a:r>
-              <a:rPr lang="en-US" altLang="ja-JP" dirty="0" smtClean="0">
-                <a:latin typeface="Hiragino Kaku Gothic ProN W6" charset="-128"/>
-                <a:ea typeface="Hiragino Kaku Gothic ProN W6" charset="-128"/>
-                <a:cs typeface="Hiragino Kaku Gothic ProN W6" charset="-128"/>
-              </a:rPr>
-              <a:t>W</a:t>
-            </a:r>
+              <a:t>不要になるもの</a:t>
+            </a:r>
+            <a:endParaRPr lang="en-US" altLang="ja-JP" dirty="0" smtClean="0">
+              <a:latin typeface="Hiragino Kaku Gothic ProN W6" charset="-128"/>
+              <a:ea typeface="Hiragino Kaku Gothic ProN W6" charset="-128"/>
+              <a:cs typeface="Hiragino Kaku Gothic ProN W6" charset="-128"/>
+            </a:endParaRPr>
+          </a:p>
+          <a:p>
+            <a:pPr lvl="1"/>
+            <a:r>
+              <a:rPr kumimoji="1" lang="ja-JP" altLang="en-US" dirty="0" smtClean="0">
+                <a:latin typeface="Hiragino Kaku Gothic ProN W6" charset="-128"/>
+                <a:ea typeface="Hiragino Kaku Gothic ProN W6" charset="-128"/>
+                <a:cs typeface="Hiragino Kaku Gothic ProN W6" charset="-128"/>
+              </a:rPr>
+              <a:t>ノイズデータを多数作らなくて良い</a:t>
+            </a:r>
+            <a:endParaRPr kumimoji="1" lang="en-US" altLang="ja-JP" dirty="0" smtClean="0">
+              <a:latin typeface="Hiragino Kaku Gothic ProN W6" charset="-128"/>
+              <a:ea typeface="Hiragino Kaku Gothic ProN W6" charset="-128"/>
+              <a:cs typeface="Hiragino Kaku Gothic ProN W6" charset="-128"/>
+            </a:endParaRPr>
+          </a:p>
+          <a:p>
+            <a:pPr lvl="1"/>
             <a:r>
               <a:rPr lang="ja-JP" altLang="en-US" dirty="0" smtClean="0">
                 <a:latin typeface="Hiragino Kaku Gothic ProN W6" charset="-128"/>
                 <a:ea typeface="Hiragino Kaku Gothic ProN W6" charset="-128"/>
                 <a:cs typeface="Hiragino Kaku Gothic ProN W6" charset="-128"/>
               </a:rPr>
-              <a:t>やバイアス</a:t>
-            </a:r>
-            <a:r>
-              <a:rPr lang="en-US" altLang="ja-JP" dirty="0" smtClean="0">
-                <a:latin typeface="Hiragino Kaku Gothic ProN W6" charset="-128"/>
-                <a:ea typeface="Hiragino Kaku Gothic ProN W6" charset="-128"/>
-                <a:cs typeface="Hiragino Kaku Gothic ProN W6" charset="-128"/>
-              </a:rPr>
-              <a:t>b</a:t>
+              <a:t>入力データによるコスト関数やそのパラメータに関する導関数の平均の計算</a:t>
+            </a:r>
+            <a:endParaRPr lang="en-US" altLang="ja-JP" dirty="0">
+              <a:latin typeface="Hiragino Kaku Gothic ProN W6" charset="-128"/>
+              <a:ea typeface="Hiragino Kaku Gothic ProN W6" charset="-128"/>
+              <a:cs typeface="Hiragino Kaku Gothic ProN W6" charset="-128"/>
+            </a:endParaRPr>
+          </a:p>
+          <a:p>
+            <a:r>
+              <a:rPr kumimoji="1" lang="ja-JP" altLang="en-US" dirty="0" smtClean="0">
+                <a:latin typeface="Hiragino Kaku Gothic ProN W6" charset="-128"/>
+                <a:ea typeface="Hiragino Kaku Gothic ProN W6" charset="-128"/>
+                <a:cs typeface="Hiragino Kaku Gothic ProN W6" charset="-128"/>
+              </a:rPr>
+              <a:t>性能</a:t>
             </a:r>
             <a:r>
               <a:rPr lang="ja-JP" altLang="en-US" dirty="0" smtClean="0">
@@ -11452,7 +11690,7 @@
                 <a:ea typeface="Hiragino Kaku Gothic ProN W6" charset="-128"/>
                 <a:cs typeface="Hiragino Kaku Gothic ProN W6" charset="-128"/>
               </a:rPr>
-              <a:t>はランダムに生成</a:t>
+              <a:t>が従来の雑音除去自己符号化器と同等か優れている</a:t>
             </a:r>
             <a:endParaRPr lang="en-US" altLang="ja-JP" dirty="0" smtClean="0">
               <a:latin typeface="Hiragino Kaku Gothic ProN W6" charset="-128"/>
@@ -11461,144 +11699,37 @@
             </a:endParaRPr>
           </a:p>
           <a:p>
-            <a:pPr marL="228600" lvl="1">
-              <a:spcBef>
-                <a:spcPts val="1000"/>
-              </a:spcBef>
-            </a:pPr>
-            <a:r>
-              <a:rPr lang="en-US" altLang="ja-JP" dirty="0" smtClean="0">
-                <a:latin typeface="Hiragino Kaku Gothic ProN W6" charset="-128"/>
-                <a:ea typeface="Hiragino Kaku Gothic ProN W6" charset="-128"/>
-                <a:cs typeface="Hiragino Kaku Gothic ProN W6" charset="-128"/>
-              </a:rPr>
-              <a:t>W</a:t>
-            </a:r>
-            <a:r>
-              <a:rPr lang="ja-JP" altLang="en-US" dirty="0" smtClean="0">
-                <a:latin typeface="Hiragino Kaku Gothic ProN W6" charset="-128"/>
-                <a:ea typeface="Hiragino Kaku Gothic ProN W6" charset="-128"/>
-                <a:cs typeface="Hiragino Kaku Gothic ProN W6" charset="-128"/>
-              </a:rPr>
-              <a:t>や</a:t>
-            </a:r>
-            <a:r>
-              <a:rPr lang="en-US" altLang="ja-JP" dirty="0" smtClean="0">
-                <a:latin typeface="Hiragino Kaku Gothic ProN W6" charset="-128"/>
-                <a:ea typeface="Hiragino Kaku Gothic ProN W6" charset="-128"/>
-                <a:cs typeface="Hiragino Kaku Gothic ProN W6" charset="-128"/>
-              </a:rPr>
-              <a:t>b</a:t>
-            </a:r>
-            <a:r>
-              <a:rPr lang="ja-JP" altLang="en-US" dirty="0" smtClean="0">
-                <a:latin typeface="Hiragino Kaku Gothic ProN W6" charset="-128"/>
-                <a:ea typeface="Hiragino Kaku Gothic ProN W6" charset="-128"/>
-                <a:cs typeface="Hiragino Kaku Gothic ProN W6" charset="-128"/>
-              </a:rPr>
-              <a:t>を推定する問題が，単に二乗誤差の損失関数の下で線形回帰に</a:t>
-            </a:r>
-            <a:endParaRPr lang="en-US" altLang="ja-JP" dirty="0" smtClean="0">
-              <a:latin typeface="Hiragino Kaku Gothic ProN W6" charset="-128"/>
-              <a:ea typeface="Hiragino Kaku Gothic ProN W6" charset="-128"/>
-              <a:cs typeface="Hiragino Kaku Gothic ProN W6" charset="-128"/>
-            </a:endParaRPr>
-          </a:p>
-          <a:p>
-            <a:pPr marL="0" lvl="1" indent="0">
-              <a:spcBef>
-                <a:spcPts val="1000"/>
-              </a:spcBef>
-              <a:buNone/>
-            </a:pPr>
-            <a:r>
-              <a:rPr lang="ja-JP" altLang="en-US" dirty="0" smtClean="0">
-                <a:latin typeface="Hiragino Kaku Gothic ProN W6" charset="-128"/>
-                <a:ea typeface="Hiragino Kaku Gothic ProN W6" charset="-128"/>
-                <a:cs typeface="Hiragino Kaku Gothic ProN W6" charset="-128"/>
-              </a:rPr>
-              <a:t>　　→解析的に求められる</a:t>
-            </a:r>
-            <a:endParaRPr lang="en-US" altLang="ja-JP" dirty="0">
-              <a:latin typeface="Hiragino Kaku Gothic ProN W6" charset="-128"/>
-              <a:ea typeface="Hiragino Kaku Gothic ProN W6" charset="-128"/>
-              <a:cs typeface="Hiragino Kaku Gothic ProN W6" charset="-128"/>
-            </a:endParaRPr>
-          </a:p>
-          <a:p>
-            <a:pPr marL="342900" lvl="1" indent="-342900">
-              <a:spcBef>
-                <a:spcPts val="1000"/>
-              </a:spcBef>
-            </a:pPr>
-            <a:r>
-              <a:rPr lang="ja-JP" altLang="en-US" dirty="0" smtClean="0">
-                <a:latin typeface="Hiragino Kaku Gothic ProN W6" charset="-128"/>
-                <a:ea typeface="Hiragino Kaku Gothic ProN W6" charset="-128"/>
-                <a:cs typeface="Hiragino Kaku Gothic ProN W6" charset="-128"/>
-              </a:rPr>
-              <a:t>隠れ変数のノードを増やして，任意の有界な区分連続関数を近似できる</a:t>
-            </a:r>
-            <a:endParaRPr lang="en-US" altLang="ja-JP" dirty="0" smtClean="0">
-              <a:latin typeface="Hiragino Kaku Gothic ProN W6" charset="-128"/>
-              <a:ea typeface="Hiragino Kaku Gothic ProN W6" charset="-128"/>
-              <a:cs typeface="Hiragino Kaku Gothic ProN W6" charset="-128"/>
-            </a:endParaRPr>
-          </a:p>
-          <a:p>
-            <a:pPr marL="342900" lvl="1" indent="-342900">
-              <a:spcBef>
-                <a:spcPts val="1000"/>
-              </a:spcBef>
-            </a:pPr>
-            <a:r>
-              <a:rPr lang="en-US" altLang="ja-JP" dirty="0" smtClean="0">
-                <a:latin typeface="Hiragino Kaku Gothic ProN W6" charset="-128"/>
-                <a:ea typeface="Hiragino Kaku Gothic ProN W6" charset="-128"/>
-                <a:cs typeface="Hiragino Kaku Gothic ProN W6" charset="-128"/>
-              </a:rPr>
-              <a:t>SVM</a:t>
-            </a:r>
-            <a:r>
-              <a:rPr lang="ja-JP" altLang="en-US" dirty="0" smtClean="0">
-                <a:latin typeface="Hiragino Kaku Gothic ProN W6" charset="-128"/>
-                <a:ea typeface="Hiragino Kaku Gothic ProN W6" charset="-128"/>
-                <a:cs typeface="Hiragino Kaku Gothic ProN W6" charset="-128"/>
-              </a:rPr>
-              <a:t>と比べて大量のデータでも学習がはやく，学習後の分類器の性能が良い</a:t>
-            </a:r>
-            <a:endParaRPr lang="en-US" altLang="ja-JP" dirty="0" smtClean="0">
-              <a:latin typeface="Hiragino Kaku Gothic ProN W6" charset="-128"/>
-              <a:ea typeface="Hiragino Kaku Gothic ProN W6" charset="-128"/>
-              <a:cs typeface="Hiragino Kaku Gothic ProN W6" charset="-128"/>
-            </a:endParaRPr>
-          </a:p>
-          <a:p>
-            <a:pPr marL="342900" lvl="1" indent="-342900">
-              <a:spcBef>
-                <a:spcPts val="1000"/>
-              </a:spcBef>
-            </a:pPr>
-            <a:r>
-              <a:rPr lang="ja-JP" altLang="en-US" dirty="0" smtClean="0">
-                <a:latin typeface="Hiragino Kaku Gothic ProN W6" charset="-128"/>
-                <a:ea typeface="Hiragino Kaku Gothic ProN W6" charset="-128"/>
-                <a:cs typeface="Hiragino Kaku Gothic ProN W6" charset="-128"/>
-              </a:rPr>
-              <a:t>層ごとに自己符号化器による事前学習を行って高性能化</a:t>
-            </a:r>
-            <a:endParaRPr lang="en-US" altLang="ja-JP" dirty="0" smtClean="0">
-              <a:latin typeface="Hiragino Kaku Gothic ProN W6" charset="-128"/>
-              <a:ea typeface="Hiragino Kaku Gothic ProN W6" charset="-128"/>
-              <a:cs typeface="Hiragino Kaku Gothic ProN W6" charset="-128"/>
-            </a:endParaRPr>
+            <a:r>
+              <a:rPr kumimoji="1" lang="ja-JP" altLang="en-US" dirty="0" smtClean="0">
+                <a:latin typeface="Hiragino Kaku Gothic ProN W6" charset="-128"/>
+                <a:ea typeface="Hiragino Kaku Gothic ProN W6" charset="-128"/>
+                <a:cs typeface="Hiragino Kaku Gothic ProN W6" charset="-128"/>
+              </a:rPr>
+              <a:t>多層に積み重ねるときの性能向上が小さくなる</a:t>
+            </a:r>
+            <a:endParaRPr kumimoji="1" lang="en-US" altLang="ja-JP" dirty="0" smtClean="0">
+              <a:latin typeface="Hiragino Kaku Gothic ProN W6" charset="-128"/>
+              <a:ea typeface="Hiragino Kaku Gothic ProN W6" charset="-128"/>
+              <a:cs typeface="Hiragino Kaku Gothic ProN W6" charset="-128"/>
+            </a:endParaRPr>
+          </a:p>
+          <a:p>
+            <a:pPr lvl="1"/>
+            <a:endParaRPr kumimoji="1" lang="en-US" altLang="ja-JP" dirty="0" smtClean="0">
+              <a:latin typeface="Hiragino Kaku Gothic ProN W6" charset="-128"/>
+              <a:ea typeface="Hiragino Kaku Gothic ProN W6" charset="-128"/>
+              <a:cs typeface="Hiragino Kaku Gothic ProN W6" charset="-128"/>
+            </a:endParaRPr>
+          </a:p>
+          <a:p>
+            <a:endParaRPr kumimoji="1" lang="ja-JP" altLang="en-US" dirty="0"/>
           </a:p>
         </p:txBody>
       </p:sp>
     </p:spTree>
     <p:extLst>
       <p:ext uri="{BB962C8B-B14F-4D97-AF65-F5344CB8AC3E}">
-        <p14:creationId xmlns:p14="http://schemas.microsoft.com/office/powerpoint/2010/main" val="176942950"/>
+        <p14:creationId xmlns:p14="http://schemas.microsoft.com/office/powerpoint/2010/main" val="17825974"/>
       </p:ext>
     </p:extLst>
   </p:cSld>
@@ -11641,6 +11772,518 @@
           <a:lstStyle/>
           <a:p>
             <a:r>
+              <a:rPr kumimoji="1" lang="ja-JP" altLang="en-US" dirty="0" smtClean="0">
+                <a:latin typeface="Hiragino Kaku Gothic ProN W6" charset="-128"/>
+                <a:ea typeface="Hiragino Kaku Gothic ProN W6" charset="-128"/>
+                <a:cs typeface="Hiragino Kaku Gothic ProN W6" charset="-128"/>
+              </a:rPr>
+              <a:t>その他の自己符号化器による事前学習</a:t>
+            </a:r>
+            <a:endParaRPr kumimoji="1" lang="ja-JP" altLang="en-US" dirty="0">
+              <a:latin typeface="Hiragino Kaku Gothic ProN W6" charset="-128"/>
+              <a:ea typeface="Hiragino Kaku Gothic ProN W6" charset="-128"/>
+              <a:cs typeface="Hiragino Kaku Gothic ProN W6" charset="-128"/>
+            </a:endParaRPr>
+          </a:p>
+        </p:txBody>
+      </p:sp>
+      <p:sp>
+        <p:nvSpPr>
+          <p:cNvPr id="3" name="コンテンツ プレースホルダー 2"/>
+          <p:cNvSpPr>
+            <a:spLocks noGrp="1"/>
+          </p:cNvSpPr>
+          <p:nvPr>
+            <p:ph idx="1"/>
+          </p:nvPr>
+        </p:nvSpPr>
+        <p:spPr/>
+        <p:txBody>
+          <a:bodyPr/>
+          <a:lstStyle/>
+          <a:p>
+            <a:r>
+              <a:rPr kumimoji="1" lang="ja-JP" altLang="en-US" dirty="0" smtClean="0">
+                <a:latin typeface="Hiragino Kaku Gothic ProN W6" charset="-128"/>
+                <a:ea typeface="Hiragino Kaku Gothic ProN W6" charset="-128"/>
+                <a:cs typeface="Hiragino Kaku Gothic ProN W6" charset="-128"/>
+              </a:rPr>
+              <a:t>スパース自己符号化器</a:t>
+            </a:r>
+            <a:endParaRPr kumimoji="1" lang="en-US" altLang="ja-JP" dirty="0" smtClean="0">
+              <a:latin typeface="Hiragino Kaku Gothic ProN W6" charset="-128"/>
+              <a:ea typeface="Hiragino Kaku Gothic ProN W6" charset="-128"/>
+              <a:cs typeface="Hiragino Kaku Gothic ProN W6" charset="-128"/>
+            </a:endParaRPr>
+          </a:p>
+          <a:p>
+            <a:pPr lvl="1"/>
+            <a:r>
+              <a:rPr kumimoji="1" lang="ja-JP" altLang="en-US" dirty="0" smtClean="0">
+                <a:latin typeface="Hiragino Kaku Gothic ProN W6" charset="-128"/>
+                <a:ea typeface="Hiragino Kaku Gothic ProN W6" charset="-128"/>
+                <a:cs typeface="Hiragino Kaku Gothic ProN W6" charset="-128"/>
+              </a:rPr>
+              <a:t>自己符号化器において中間層の次元を高めると，ゼロが多くスパースに</a:t>
+            </a:r>
+            <a:endParaRPr kumimoji="1" lang="en-US" altLang="ja-JP" dirty="0" smtClean="0">
+              <a:latin typeface="Hiragino Kaku Gothic ProN W6" charset="-128"/>
+              <a:ea typeface="Hiragino Kaku Gothic ProN W6" charset="-128"/>
+              <a:cs typeface="Hiragino Kaku Gothic ProN W6" charset="-128"/>
+            </a:endParaRPr>
+          </a:p>
+          <a:p>
+            <a:r>
+              <a:rPr kumimoji="1" lang="ja-JP" altLang="en-US" dirty="0" smtClean="0">
+                <a:latin typeface="Hiragino Kaku Gothic ProN W6" charset="-128"/>
+                <a:ea typeface="Hiragino Kaku Gothic ProN W6" charset="-128"/>
+                <a:cs typeface="Hiragino Kaku Gothic ProN W6" charset="-128"/>
+              </a:rPr>
+              <a:t>縮小自己符号化器</a:t>
+            </a:r>
+            <a:endParaRPr kumimoji="1" lang="en-US" altLang="ja-JP" dirty="0" smtClean="0">
+              <a:latin typeface="Hiragino Kaku Gothic ProN W6" charset="-128"/>
+              <a:ea typeface="Hiragino Kaku Gothic ProN W6" charset="-128"/>
+              <a:cs typeface="Hiragino Kaku Gothic ProN W6" charset="-128"/>
+            </a:endParaRPr>
+          </a:p>
+          <a:p>
+            <a:pPr lvl="1"/>
+            <a:r>
+              <a:rPr kumimoji="1" lang="ja-JP" altLang="en-US" dirty="0" smtClean="0">
+                <a:latin typeface="Hiragino Kaku Gothic ProN W6" charset="-128"/>
+                <a:ea typeface="Hiragino Kaku Gothic ProN W6" charset="-128"/>
+                <a:cs typeface="Hiragino Kaku Gothic ProN W6" charset="-128"/>
+              </a:rPr>
+              <a:t>正則化項として入力</a:t>
+            </a:r>
+            <a:r>
+              <a:rPr lang="en-US" altLang="ja-JP" dirty="0" smtClean="0">
+                <a:latin typeface="Hiragino Kaku Gothic ProN W6" charset="-128"/>
+                <a:ea typeface="Hiragino Kaku Gothic ProN W6" charset="-128"/>
+                <a:cs typeface="Hiragino Kaku Gothic ProN W6" charset="-128"/>
+              </a:rPr>
+              <a:t>v</a:t>
+            </a:r>
+            <a:r>
+              <a:rPr lang="ja-JP" altLang="en-US" dirty="0" smtClean="0">
+                <a:latin typeface="Hiragino Kaku Gothic ProN W6" charset="-128"/>
+                <a:ea typeface="Hiragino Kaku Gothic ProN W6" charset="-128"/>
+                <a:cs typeface="Hiragino Kaku Gothic ProN W6" charset="-128"/>
+              </a:rPr>
+              <a:t>から特徴</a:t>
+            </a:r>
+            <a:r>
+              <a:rPr lang="en-US" altLang="ja-JP" dirty="0" smtClean="0">
+                <a:latin typeface="Hiragino Kaku Gothic ProN W6" charset="-128"/>
+                <a:ea typeface="Hiragino Kaku Gothic ProN W6" charset="-128"/>
+                <a:cs typeface="Hiragino Kaku Gothic ProN W6" charset="-128"/>
+              </a:rPr>
+              <a:t>h</a:t>
+            </a:r>
+            <a:r>
+              <a:rPr lang="ja-JP" altLang="en-US" dirty="0" smtClean="0">
+                <a:latin typeface="Hiragino Kaku Gothic ProN W6" charset="-128"/>
+                <a:ea typeface="Hiragino Kaku Gothic ProN W6" charset="-128"/>
+                <a:cs typeface="Hiragino Kaku Gothic ProN W6" charset="-128"/>
+              </a:rPr>
+              <a:t>を出力する関数の滑らかさを促進する項を付与→雑音除去符号化器と同等</a:t>
+            </a:r>
+            <a:endParaRPr lang="en-US" altLang="ja-JP" dirty="0" smtClean="0">
+              <a:latin typeface="Hiragino Kaku Gothic ProN W6" charset="-128"/>
+              <a:ea typeface="Hiragino Kaku Gothic ProN W6" charset="-128"/>
+              <a:cs typeface="Hiragino Kaku Gothic ProN W6" charset="-128"/>
+            </a:endParaRPr>
+          </a:p>
+          <a:p>
+            <a:r>
+              <a:rPr kumimoji="1" lang="ja-JP" altLang="en-US" dirty="0" smtClean="0">
+                <a:latin typeface="Hiragino Kaku Gothic ProN W6" charset="-128"/>
+                <a:ea typeface="Hiragino Kaku Gothic ProN W6" charset="-128"/>
+                <a:cs typeface="Hiragino Kaku Gothic ProN W6" charset="-128"/>
+              </a:rPr>
+              <a:t>極端学習機械</a:t>
+            </a:r>
+            <a:r>
+              <a:rPr kumimoji="1" lang="en-US" altLang="ja-JP" dirty="0" smtClean="0">
+                <a:latin typeface="Hiragino Kaku Gothic ProN W6" charset="-128"/>
+                <a:ea typeface="Hiragino Kaku Gothic ProN W6" charset="-128"/>
+                <a:cs typeface="Hiragino Kaku Gothic ProN W6" charset="-128"/>
+              </a:rPr>
+              <a:t>(ELM)</a:t>
+            </a:r>
+          </a:p>
+        </p:txBody>
+      </p:sp>
+    </p:spTree>
+    <p:extLst>
+      <p:ext uri="{BB962C8B-B14F-4D97-AF65-F5344CB8AC3E}">
+        <p14:creationId xmlns:p14="http://schemas.microsoft.com/office/powerpoint/2010/main" val="692507794"/>
+      </p:ext>
+    </p:extLst>
+  </p:cSld>
+  <p:clrMapOvr>
+    <a:masterClrMapping/>
+  </p:clrMapOvr>
+</p:sld>
+</file>
+
+<file path=ppt/slides/slide23.xml><?xml version="1.0" encoding="utf-8"?>
+<p:sld xmlns:a="http://schemas.openxmlformats.org/drawingml/2006/main" xmlns:r="http://schemas.openxmlformats.org/officeDocument/2006/relationships" xmlns:p="http://schemas.openxmlformats.org/presentationml/2006/main">
+  <p:cSld>
+    <p:spTree>
+      <p:nvGrpSpPr>
+        <p:cNvPr id="1" name=""/>
+        <p:cNvGrpSpPr/>
+        <p:nvPr/>
+      </p:nvGrpSpPr>
+      <p:grpSpPr>
+        <a:xfrm>
+          <a:off x="0" y="0"/>
+          <a:ext cx="0" cy="0"/>
+          <a:chOff x="0" y="0"/>
+          <a:chExt cx="0" cy="0"/>
+        </a:xfrm>
+      </p:grpSpPr>
+      <p:sp>
+        <p:nvSpPr>
+          <p:cNvPr id="2" name="タイトル 1"/>
+          <p:cNvSpPr>
+            <a:spLocks noGrp="1"/>
+          </p:cNvSpPr>
+          <p:nvPr>
+            <p:ph type="title"/>
+          </p:nvPr>
+        </p:nvSpPr>
+        <p:spPr/>
+        <p:txBody>
+          <a:bodyPr/>
+          <a:lstStyle/>
+          <a:p>
+            <a:r>
+              <a:rPr kumimoji="1" lang="ja-JP" altLang="en-US" dirty="0" smtClean="0">
+                <a:latin typeface="Hiragino Kaku Gothic ProN W6" charset="-128"/>
+                <a:ea typeface="Hiragino Kaku Gothic ProN W6" charset="-128"/>
+                <a:cs typeface="Hiragino Kaku Gothic ProN W6" charset="-128"/>
+              </a:rPr>
+              <a:t>極端学習機械</a:t>
+            </a:r>
+            <a:r>
+              <a:rPr kumimoji="1" lang="en-US" altLang="ja-JP" dirty="0" smtClean="0">
+                <a:latin typeface="Hiragino Kaku Gothic ProN W6" charset="-128"/>
+                <a:ea typeface="Hiragino Kaku Gothic ProN W6" charset="-128"/>
+                <a:cs typeface="Hiragino Kaku Gothic ProN W6" charset="-128"/>
+              </a:rPr>
+              <a:t>(ELM)</a:t>
+            </a:r>
+            <a:endParaRPr kumimoji="1" lang="ja-JP" altLang="en-US" dirty="0">
+              <a:latin typeface="Hiragino Kaku Gothic ProN W6" charset="-128"/>
+              <a:ea typeface="Hiragino Kaku Gothic ProN W6" charset="-128"/>
+              <a:cs typeface="Hiragino Kaku Gothic ProN W6" charset="-128"/>
+            </a:endParaRPr>
+          </a:p>
+        </p:txBody>
+      </p:sp>
+      <p:sp>
+        <p:nvSpPr>
+          <p:cNvPr id="3" name="コンテンツ プレースホルダー 2"/>
+          <p:cNvSpPr>
+            <a:spLocks noGrp="1"/>
+          </p:cNvSpPr>
+          <p:nvPr>
+            <p:ph idx="1"/>
+          </p:nvPr>
+        </p:nvSpPr>
+        <p:spPr>
+          <a:xfrm>
+            <a:off x="680321" y="2336873"/>
+            <a:ext cx="10460645" cy="3599316"/>
+          </a:xfrm>
+        </p:spPr>
+        <p:txBody>
+          <a:bodyPr/>
+          <a:lstStyle/>
+          <a:p>
+            <a:pPr marL="228600" lvl="1">
+              <a:spcBef>
+                <a:spcPts val="1000"/>
+              </a:spcBef>
+            </a:pPr>
+            <a:r>
+              <a:rPr lang="ja-JP" altLang="en-US" dirty="0">
+                <a:latin typeface="Hiragino Kaku Gothic ProN W6" charset="-128"/>
+                <a:ea typeface="Hiragino Kaku Gothic ProN W6" charset="-128"/>
+                <a:cs typeface="Hiragino Kaku Gothic ProN W6" charset="-128"/>
+              </a:rPr>
+              <a:t>多層にしないことで損失関数を凸関数にし学習（最適化）を容易</a:t>
+            </a:r>
+            <a:r>
+              <a:rPr lang="ja-JP" altLang="en-US" dirty="0" smtClean="0">
+                <a:latin typeface="Hiragino Kaku Gothic ProN W6" charset="-128"/>
+                <a:ea typeface="Hiragino Kaku Gothic ProN W6" charset="-128"/>
+                <a:cs typeface="Hiragino Kaku Gothic ProN W6" charset="-128"/>
+              </a:rPr>
+              <a:t>に（局所解が無い）</a:t>
+            </a:r>
+            <a:endParaRPr lang="en-US" altLang="ja-JP" dirty="0" smtClean="0">
+              <a:latin typeface="Hiragino Kaku Gothic ProN W6" charset="-128"/>
+              <a:ea typeface="Hiragino Kaku Gothic ProN W6" charset="-128"/>
+              <a:cs typeface="Hiragino Kaku Gothic ProN W6" charset="-128"/>
+            </a:endParaRPr>
+          </a:p>
+          <a:p>
+            <a:pPr marL="228600" lvl="1">
+              <a:spcBef>
+                <a:spcPts val="1000"/>
+              </a:spcBef>
+            </a:pPr>
+            <a:r>
+              <a:rPr lang="ja-JP" altLang="en-US" dirty="0" smtClean="0">
+                <a:latin typeface="Hiragino Kaku Gothic ProN W6" charset="-128"/>
+                <a:ea typeface="Hiragino Kaku Gothic ProN W6" charset="-128"/>
+                <a:cs typeface="Hiragino Kaku Gothic ProN W6" charset="-128"/>
+              </a:rPr>
+              <a:t>一層の隠れ変数の層</a:t>
+            </a:r>
+            <a:endParaRPr lang="en-US" altLang="ja-JP" dirty="0" smtClean="0">
+              <a:latin typeface="Hiragino Kaku Gothic ProN W6" charset="-128"/>
+              <a:ea typeface="Hiragino Kaku Gothic ProN W6" charset="-128"/>
+              <a:cs typeface="Hiragino Kaku Gothic ProN W6" charset="-128"/>
+            </a:endParaRPr>
+          </a:p>
+          <a:p>
+            <a:pPr marL="228600" lvl="1">
+              <a:spcBef>
+                <a:spcPts val="1000"/>
+              </a:spcBef>
+            </a:pPr>
+            <a:r>
+              <a:rPr lang="ja-JP" altLang="en-US" dirty="0" smtClean="0">
+                <a:latin typeface="Hiragino Kaku Gothic ProN W6" charset="-128"/>
+                <a:ea typeface="Hiragino Kaku Gothic ProN W6" charset="-128"/>
+                <a:cs typeface="Hiragino Kaku Gothic ProN W6" charset="-128"/>
+              </a:rPr>
+              <a:t>入力と隠れ変数の間の重み</a:t>
+            </a:r>
+            <a:r>
+              <a:rPr lang="en-US" altLang="ja-JP" dirty="0" smtClean="0">
+                <a:latin typeface="Hiragino Kaku Gothic ProN W6" charset="-128"/>
+                <a:ea typeface="Hiragino Kaku Gothic ProN W6" charset="-128"/>
+                <a:cs typeface="Hiragino Kaku Gothic ProN W6" charset="-128"/>
+              </a:rPr>
+              <a:t>W</a:t>
+            </a:r>
+            <a:r>
+              <a:rPr lang="ja-JP" altLang="en-US" dirty="0" smtClean="0">
+                <a:latin typeface="Hiragino Kaku Gothic ProN W6" charset="-128"/>
+                <a:ea typeface="Hiragino Kaku Gothic ProN W6" charset="-128"/>
+                <a:cs typeface="Hiragino Kaku Gothic ProN W6" charset="-128"/>
+              </a:rPr>
+              <a:t>やバイアス</a:t>
+            </a:r>
+            <a:r>
+              <a:rPr lang="en-US" altLang="ja-JP" dirty="0" smtClean="0">
+                <a:latin typeface="Hiragino Kaku Gothic ProN W6" charset="-128"/>
+                <a:ea typeface="Hiragino Kaku Gothic ProN W6" charset="-128"/>
+                <a:cs typeface="Hiragino Kaku Gothic ProN W6" charset="-128"/>
+              </a:rPr>
+              <a:t>b</a:t>
+            </a:r>
+            <a:r>
+              <a:rPr lang="ja-JP" altLang="en-US" dirty="0" smtClean="0">
+                <a:latin typeface="Hiragino Kaku Gothic ProN W6" charset="-128"/>
+                <a:ea typeface="Hiragino Kaku Gothic ProN W6" charset="-128"/>
+                <a:cs typeface="Hiragino Kaku Gothic ProN W6" charset="-128"/>
+              </a:rPr>
+              <a:t>はランダムに生成</a:t>
+            </a:r>
+            <a:endParaRPr lang="en-US" altLang="ja-JP" dirty="0" smtClean="0">
+              <a:latin typeface="Hiragino Kaku Gothic ProN W6" charset="-128"/>
+              <a:ea typeface="Hiragino Kaku Gothic ProN W6" charset="-128"/>
+              <a:cs typeface="Hiragino Kaku Gothic ProN W6" charset="-128"/>
+            </a:endParaRPr>
+          </a:p>
+          <a:p>
+            <a:pPr marL="228600" lvl="1">
+              <a:spcBef>
+                <a:spcPts val="1000"/>
+              </a:spcBef>
+            </a:pPr>
+            <a:r>
+              <a:rPr lang="en-US" altLang="ja-JP" dirty="0" smtClean="0">
+                <a:latin typeface="Hiragino Kaku Gothic ProN W6" charset="-128"/>
+                <a:ea typeface="Hiragino Kaku Gothic ProN W6" charset="-128"/>
+                <a:cs typeface="Hiragino Kaku Gothic ProN W6" charset="-128"/>
+              </a:rPr>
+              <a:t>W</a:t>
+            </a:r>
+            <a:r>
+              <a:rPr lang="ja-JP" altLang="en-US" dirty="0" smtClean="0">
+                <a:latin typeface="Hiragino Kaku Gothic ProN W6" charset="-128"/>
+                <a:ea typeface="Hiragino Kaku Gothic ProN W6" charset="-128"/>
+                <a:cs typeface="Hiragino Kaku Gothic ProN W6" charset="-128"/>
+              </a:rPr>
+              <a:t>や</a:t>
+            </a:r>
+            <a:r>
+              <a:rPr lang="en-US" altLang="ja-JP" dirty="0" smtClean="0">
+                <a:latin typeface="Hiragino Kaku Gothic ProN W6" charset="-128"/>
+                <a:ea typeface="Hiragino Kaku Gothic ProN W6" charset="-128"/>
+                <a:cs typeface="Hiragino Kaku Gothic ProN W6" charset="-128"/>
+              </a:rPr>
+              <a:t>b</a:t>
+            </a:r>
+            <a:r>
+              <a:rPr lang="ja-JP" altLang="en-US" dirty="0" smtClean="0">
+                <a:latin typeface="Hiragino Kaku Gothic ProN W6" charset="-128"/>
+                <a:ea typeface="Hiragino Kaku Gothic ProN W6" charset="-128"/>
+                <a:cs typeface="Hiragino Kaku Gothic ProN W6" charset="-128"/>
+              </a:rPr>
+              <a:t>を推定する問題が，単に二乗誤差の損失関数の下で線形回帰に</a:t>
+            </a:r>
+            <a:endParaRPr lang="en-US" altLang="ja-JP" dirty="0" smtClean="0">
+              <a:latin typeface="Hiragino Kaku Gothic ProN W6" charset="-128"/>
+              <a:ea typeface="Hiragino Kaku Gothic ProN W6" charset="-128"/>
+              <a:cs typeface="Hiragino Kaku Gothic ProN W6" charset="-128"/>
+            </a:endParaRPr>
+          </a:p>
+          <a:p>
+            <a:pPr marL="0" lvl="1" indent="0">
+              <a:spcBef>
+                <a:spcPts val="1000"/>
+              </a:spcBef>
+              <a:buNone/>
+            </a:pPr>
+            <a:r>
+              <a:rPr lang="ja-JP" altLang="en-US" dirty="0" smtClean="0">
+                <a:latin typeface="Hiragino Kaku Gothic ProN W6" charset="-128"/>
+                <a:ea typeface="Hiragino Kaku Gothic ProN W6" charset="-128"/>
+                <a:cs typeface="Hiragino Kaku Gothic ProN W6" charset="-128"/>
+              </a:rPr>
+              <a:t>　　→解析的に求められる</a:t>
+            </a:r>
+            <a:endParaRPr lang="en-US" altLang="ja-JP" dirty="0">
+              <a:latin typeface="Hiragino Kaku Gothic ProN W6" charset="-128"/>
+              <a:ea typeface="Hiragino Kaku Gothic ProN W6" charset="-128"/>
+              <a:cs typeface="Hiragino Kaku Gothic ProN W6" charset="-128"/>
+            </a:endParaRPr>
+          </a:p>
+          <a:p>
+            <a:pPr marL="342900" lvl="1" indent="-342900">
+              <a:spcBef>
+                <a:spcPts val="1000"/>
+              </a:spcBef>
+            </a:pPr>
+            <a:r>
+              <a:rPr lang="ja-JP" altLang="en-US" dirty="0" smtClean="0">
+                <a:latin typeface="Hiragino Kaku Gothic ProN W6" charset="-128"/>
+                <a:ea typeface="Hiragino Kaku Gothic ProN W6" charset="-128"/>
+                <a:cs typeface="Hiragino Kaku Gothic ProN W6" charset="-128"/>
+              </a:rPr>
+              <a:t>隠れ変数のノードを増やして，任意の有界な区分連続関数を近似できる</a:t>
+            </a:r>
+            <a:endParaRPr lang="en-US" altLang="ja-JP" dirty="0" smtClean="0">
+              <a:latin typeface="Hiragino Kaku Gothic ProN W6" charset="-128"/>
+              <a:ea typeface="Hiragino Kaku Gothic ProN W6" charset="-128"/>
+              <a:cs typeface="Hiragino Kaku Gothic ProN W6" charset="-128"/>
+            </a:endParaRPr>
+          </a:p>
+          <a:p>
+            <a:pPr marL="342900" lvl="1" indent="-342900">
+              <a:spcBef>
+                <a:spcPts val="1000"/>
+              </a:spcBef>
+            </a:pPr>
+            <a:r>
+              <a:rPr lang="en-US" altLang="ja-JP" dirty="0" smtClean="0">
+                <a:latin typeface="Hiragino Kaku Gothic ProN W6" charset="-128"/>
+                <a:ea typeface="Hiragino Kaku Gothic ProN W6" charset="-128"/>
+                <a:cs typeface="Hiragino Kaku Gothic ProN W6" charset="-128"/>
+              </a:rPr>
+              <a:t>SVM</a:t>
+            </a:r>
+            <a:r>
+              <a:rPr lang="ja-JP" altLang="en-US" dirty="0" smtClean="0">
+                <a:latin typeface="Hiragino Kaku Gothic ProN W6" charset="-128"/>
+                <a:ea typeface="Hiragino Kaku Gothic ProN W6" charset="-128"/>
+                <a:cs typeface="Hiragino Kaku Gothic ProN W6" charset="-128"/>
+              </a:rPr>
+              <a:t>と比べて大量のデータでも学習がはやく，学習後の分類器の性能が良い</a:t>
+            </a:r>
+            <a:endParaRPr lang="en-US" altLang="ja-JP" dirty="0" smtClean="0">
+              <a:latin typeface="Hiragino Kaku Gothic ProN W6" charset="-128"/>
+              <a:ea typeface="Hiragino Kaku Gothic ProN W6" charset="-128"/>
+              <a:cs typeface="Hiragino Kaku Gothic ProN W6" charset="-128"/>
+            </a:endParaRPr>
+          </a:p>
+          <a:p>
+            <a:pPr marL="342900" lvl="1" indent="-342900">
+              <a:spcBef>
+                <a:spcPts val="1000"/>
+              </a:spcBef>
+            </a:pPr>
+            <a:r>
+              <a:rPr lang="ja-JP" altLang="en-US" dirty="0" smtClean="0">
+                <a:latin typeface="Hiragino Kaku Gothic ProN W6" charset="-128"/>
+                <a:ea typeface="Hiragino Kaku Gothic ProN W6" charset="-128"/>
+                <a:cs typeface="Hiragino Kaku Gothic ProN W6" charset="-128"/>
+              </a:rPr>
+              <a:t>層ごとに自己符号化器による事前学習を行って高性能化</a:t>
+            </a:r>
+            <a:endParaRPr lang="en-US" altLang="ja-JP" dirty="0" smtClean="0">
+              <a:latin typeface="Hiragino Kaku Gothic ProN W6" charset="-128"/>
+              <a:ea typeface="Hiragino Kaku Gothic ProN W6" charset="-128"/>
+              <a:cs typeface="Hiragino Kaku Gothic ProN W6" charset="-128"/>
+            </a:endParaRPr>
+          </a:p>
+        </p:txBody>
+      </p:sp>
+    </p:spTree>
+    <p:extLst>
+      <p:ext uri="{BB962C8B-B14F-4D97-AF65-F5344CB8AC3E}">
+        <p14:creationId xmlns:p14="http://schemas.microsoft.com/office/powerpoint/2010/main" val="176942950"/>
+      </p:ext>
+    </p:extLst>
+  </p:cSld>
+  <p:clrMapOvr>
+    <a:masterClrMapping/>
+  </p:clrMapOvr>
+</p:sld>
+</file>
+
+<file path=ppt/slides/slide24.xml><?xml version="1.0" encoding="utf-8"?>
+<p:sld xmlns:a="http://schemas.openxmlformats.org/drawingml/2006/main" xmlns:r="http://schemas.openxmlformats.org/officeDocument/2006/relationships" xmlns:p="http://schemas.openxmlformats.org/presentationml/2006/main">
+  <p:cSld>
+    <p:spTree>
+      <p:nvGrpSpPr>
+        <p:cNvPr id="1" name=""/>
+        <p:cNvGrpSpPr/>
+        <p:nvPr/>
+      </p:nvGrpSpPr>
+      <p:grpSpPr>
+        <a:xfrm>
+          <a:off x="0" y="0"/>
+          <a:ext cx="0" cy="0"/>
+          <a:chOff x="0" y="0"/>
+          <a:chExt cx="0" cy="0"/>
+        </a:xfrm>
+      </p:grpSpPr>
+      <p:sp>
+        <p:nvSpPr>
+          <p:cNvPr id="2" name="タイトル 1"/>
+          <p:cNvSpPr>
+            <a:spLocks noGrp="1"/>
+          </p:cNvSpPr>
+          <p:nvPr>
+            <p:ph type="title"/>
+          </p:nvPr>
+        </p:nvSpPr>
+        <p:spPr/>
+        <p:txBody>
+          <a:bodyPr/>
+          <a:lstStyle/>
+          <a:p>
+            <a:r>
               <a:rPr lang="en-US" altLang="ja-JP" dirty="0" smtClean="0">
                 <a:latin typeface="Hiragino Kaku Gothic ProN W6" charset="-128"/>
                 <a:ea typeface="Hiragino Kaku Gothic ProN W6" charset="-128"/>
@@ -11825,7 +12468,7 @@
 </p:sld>
 </file>
 
-<file path=ppt/slides/slide23.xml><?xml version="1.0" encoding="utf-8"?>
+<file path=ppt/slides/slide25.xml><?xml version="1.0" encoding="utf-8"?>
 <p:sld xmlns:a="http://schemas.openxmlformats.org/drawingml/2006/main" xmlns:r="http://schemas.openxmlformats.org/officeDocument/2006/relationships" xmlns:p="http://schemas.openxmlformats.org/presentationml/2006/main">
   <p:cSld>
     <p:spTree>
@@ -12665,7 +13308,7 @@
         </p:nvSpPr>
         <p:spPr>
           <a:xfrm>
-            <a:off x="680321" y="5274441"/>
+            <a:off x="680321" y="5096102"/>
             <a:ext cx="10208396" cy="461665"/>
           </a:xfrm>
           <a:prstGeom prst="rect">
@@ -13032,12 +13675,122 @@
           <a:lstStyle/>
           <a:p>
             <a:r>
+              <a:rPr lang="en-US" altLang="ja-JP" dirty="0" smtClean="0">
+                <a:latin typeface="Hiragino Kaku Gothic ProN W6" charset="-128"/>
+                <a:ea typeface="Hiragino Kaku Gothic ProN W6" charset="-128"/>
+                <a:cs typeface="Hiragino Kaku Gothic ProN W6" charset="-128"/>
+              </a:rPr>
+              <a:t>RBM</a:t>
+            </a:r>
+            <a:endParaRPr kumimoji="1" lang="ja-JP" altLang="en-US" dirty="0">
+              <a:latin typeface="Hiragino Kaku Gothic ProN W6" charset="-128"/>
+              <a:ea typeface="Hiragino Kaku Gothic ProN W6" charset="-128"/>
+              <a:cs typeface="Hiragino Kaku Gothic ProN W6" charset="-128"/>
+            </a:endParaRPr>
+          </a:p>
+        </p:txBody>
+      </p:sp>
+      <p:sp>
+        <p:nvSpPr>
+          <p:cNvPr id="3" name="コンテンツ プレースホルダー 2"/>
+          <p:cNvSpPr>
+            <a:spLocks noGrp="1"/>
+          </p:cNvSpPr>
+          <p:nvPr>
+            <p:ph idx="1"/>
+          </p:nvPr>
+        </p:nvSpPr>
+        <p:spPr/>
+        <p:txBody>
+          <a:bodyPr/>
+          <a:lstStyle/>
+          <a:p>
+            <a:r>
+              <a:rPr lang="en-US" altLang="ja-JP" dirty="0" smtClean="0">
+                <a:latin typeface="Hiragino Kaku Gothic ProN W6" charset="-128"/>
+                <a:ea typeface="Hiragino Kaku Gothic ProN W6" charset="-128"/>
+                <a:cs typeface="Hiragino Kaku Gothic ProN W6" charset="-128"/>
+              </a:rPr>
+              <a:t>b(1), b(2)</a:t>
+            </a:r>
+            <a:r>
+              <a:rPr lang="ja-JP" altLang="en-US" dirty="0" smtClean="0">
+                <a:latin typeface="Hiragino Kaku Gothic ProN W6" charset="-128"/>
+                <a:ea typeface="Hiragino Kaku Gothic ProN W6" charset="-128"/>
+                <a:cs typeface="Hiragino Kaku Gothic ProN W6" charset="-128"/>
+              </a:rPr>
+              <a:t>の各要素</a:t>
+            </a:r>
+            <a:endParaRPr lang="en-US" altLang="ja-JP" dirty="0" smtClean="0">
+              <a:latin typeface="Hiragino Kaku Gothic ProN W6" charset="-128"/>
+              <a:ea typeface="Hiragino Kaku Gothic ProN W6" charset="-128"/>
+              <a:cs typeface="Hiragino Kaku Gothic ProN W6" charset="-128"/>
+            </a:endParaRPr>
+          </a:p>
+          <a:p>
+            <a:pPr lvl="1"/>
+            <a:r>
+              <a:rPr kumimoji="1" lang="ja-JP" altLang="en-US" dirty="0" smtClean="0">
+                <a:latin typeface="Hiragino Kaku Gothic ProN W6" charset="-128"/>
+                <a:ea typeface="Hiragino Kaku Gothic ProN W6" charset="-128"/>
+                <a:cs typeface="Hiragino Kaku Gothic ProN W6" charset="-128"/>
+              </a:rPr>
+              <a:t>正：</a:t>
+            </a:r>
+            <a:r>
+              <a:rPr lang="en-US" altLang="ja-JP" dirty="0" smtClean="0">
+                <a:latin typeface="Hiragino Kaku Gothic ProN W6" charset="-128"/>
+                <a:ea typeface="Hiragino Kaku Gothic ProN W6" charset="-128"/>
+                <a:cs typeface="Hiragino Kaku Gothic ProN W6" charset="-128"/>
+              </a:rPr>
+              <a:t>v, h</a:t>
+            </a:r>
+            <a:r>
+              <a:rPr lang="ja-JP" altLang="en-US" dirty="0" smtClean="0">
+                <a:latin typeface="Hiragino Kaku Gothic ProN W6" charset="-128"/>
+                <a:ea typeface="Hiragino Kaku Gothic ProN W6" charset="-128"/>
+                <a:cs typeface="Hiragino Kaku Gothic ProN W6" charset="-128"/>
+              </a:rPr>
+              <a:t>の対応する要素が１を取りやすくする</a:t>
+            </a:r>
+            <a:endParaRPr lang="en-US" altLang="ja-JP" dirty="0" smtClean="0">
+              <a:latin typeface="Hiragino Kaku Gothic ProN W6" charset="-128"/>
+              <a:ea typeface="Hiragino Kaku Gothic ProN W6" charset="-128"/>
+              <a:cs typeface="Hiragino Kaku Gothic ProN W6" charset="-128"/>
+            </a:endParaRPr>
+          </a:p>
+          <a:p>
+            <a:pPr lvl="1"/>
+            <a:r>
+              <a:rPr kumimoji="1" lang="ja-JP" altLang="en-US" dirty="0" smtClean="0">
+                <a:latin typeface="Hiragino Kaku Gothic ProN W6" charset="-128"/>
+                <a:ea typeface="Hiragino Kaku Gothic ProN W6" charset="-128"/>
+                <a:cs typeface="Hiragino Kaku Gothic ProN W6" charset="-128"/>
+              </a:rPr>
+              <a:t>負：０を取りやすくする</a:t>
+            </a:r>
+            <a:endParaRPr kumimoji="1" lang="en-US" altLang="ja-JP" dirty="0" smtClean="0">
+              <a:latin typeface="Hiragino Kaku Gothic ProN W6" charset="-128"/>
+              <a:ea typeface="Hiragino Kaku Gothic ProN W6" charset="-128"/>
+              <a:cs typeface="Hiragino Kaku Gothic ProN W6" charset="-128"/>
+            </a:endParaRPr>
+          </a:p>
+          <a:p>
+            <a:r>
+              <a:rPr kumimoji="1" lang="ja-JP" altLang="en-US" dirty="0" smtClean="0">
+                <a:latin typeface="Hiragino Kaku Gothic ProN W6" charset="-128"/>
+                <a:ea typeface="Hiragino Kaku Gothic ProN W6" charset="-128"/>
+                <a:cs typeface="Hiragino Kaku Gothic ProN W6" charset="-128"/>
+              </a:rPr>
+              <a:t>結合重みの行列</a:t>
+            </a:r>
+            <a:r>
               <a:rPr kumimoji="1" lang="en-US" altLang="ja-JP" dirty="0" smtClean="0">
                 <a:latin typeface="Hiragino Kaku Gothic ProN W6" charset="-128"/>
                 <a:ea typeface="Hiragino Kaku Gothic ProN W6" charset="-128"/>
                 <a:cs typeface="Hiragino Kaku Gothic ProN W6" charset="-128"/>
               </a:rPr>
-              <a:t>3.4.2</a:t>
+              <a:t>W</a:t>
             </a:r>
             <a:r>
               <a:rPr kumimoji="1" lang="ja-JP" altLang="en-US" dirty="0" smtClean="0">
@@ -13045,205 +13798,160 @@
                 <a:ea typeface="Hiragino Kaku Gothic ProN W6" charset="-128"/>
                 <a:cs typeface="Hiragino Kaku Gothic ProN W6" charset="-128"/>
               </a:rPr>
-              <a:t>　指数型ハーモニウム族</a:t>
-            </a:r>
-            <a:r>
-              <a:rPr kumimoji="1" lang="en-US" altLang="ja-JP" dirty="0" smtClean="0">
-                <a:latin typeface="Hiragino Kaku Gothic ProN W6" charset="-128"/>
-                <a:ea typeface="Hiragino Kaku Gothic ProN W6" charset="-128"/>
-                <a:cs typeface="Hiragino Kaku Gothic ProN W6" charset="-128"/>
-              </a:rPr>
-              <a:t>(EFH)</a:t>
-            </a:r>
-            <a:endParaRPr kumimoji="1" lang="ja-JP" altLang="en-US" dirty="0">
-              <a:latin typeface="Hiragino Kaku Gothic ProN W6" charset="-128"/>
-              <a:ea typeface="Hiragino Kaku Gothic ProN W6" charset="-128"/>
-              <a:cs typeface="Hiragino Kaku Gothic ProN W6" charset="-128"/>
-            </a:endParaRPr>
-          </a:p>
-        </p:txBody>
-      </p:sp>
-      <p:pic>
-        <p:nvPicPr>
-          <p:cNvPr id="4" name="コンテンツ プレースホルダー 3"/>
-          <p:cNvPicPr>
-            <a:picLocks noGrp="1" noChangeAspect="1"/>
-          </p:cNvPicPr>
-          <p:nvPr>
-            <p:ph idx="1"/>
-          </p:nvPr>
-        </p:nvPicPr>
-        <p:blipFill>
-          <a:blip r:embed="rId2">
-            <a:extLst>
-              <a:ext uri="{28A0092B-C50C-407E-A947-70E740481C1C}">
-                <a14:useLocalDpi xmlns:a14="http://schemas.microsoft.com/office/drawing/2010/main" val="0"/>
-              </a:ext>
-            </a:extLst>
-          </a:blip>
-          <a:stretch>
-            <a:fillRect/>
-          </a:stretch>
-        </p:blipFill>
-        <p:spPr>
-          <a:xfrm>
-            <a:off x="680282" y="3182822"/>
-            <a:ext cx="9613900" cy="3001779"/>
-          </a:xfrm>
-        </p:spPr>
-      </p:pic>
-      <p:sp>
-        <p:nvSpPr>
-          <p:cNvPr id="6" name="テキスト ボックス 5"/>
-          <p:cNvSpPr txBox="1"/>
-          <p:nvPr/>
-        </p:nvSpPr>
-        <p:spPr>
-          <a:xfrm>
-            <a:off x="680282" y="2225109"/>
-            <a:ext cx="8852103" cy="830997"/>
-          </a:xfrm>
-          <a:prstGeom prst="rect">
-            <a:avLst/>
-          </a:prstGeom>
-          <a:noFill/>
-        </p:spPr>
-        <p:txBody>
-          <a:bodyPr wrap="none" rtlCol="0">
-            <a:spAutoFit/>
-          </a:bodyPr>
-          <a:lstStyle/>
-          <a:p>
-            <a:r>
-              <a:rPr kumimoji="1" lang="en-US" altLang="ja-JP" sz="2400" dirty="0" smtClean="0">
-                <a:latin typeface="Hiragino Kaku Gothic ProN W6" charset="-128"/>
-                <a:ea typeface="Hiragino Kaku Gothic ProN W6" charset="-128"/>
-                <a:cs typeface="Hiragino Kaku Gothic ProN W6" charset="-128"/>
-              </a:rPr>
-              <a:t>RBM</a:t>
-            </a:r>
-            <a:r>
-              <a:rPr kumimoji="1" lang="ja-JP" altLang="en-US" sz="2400" dirty="0" smtClean="0">
-                <a:latin typeface="Hiragino Kaku Gothic ProN W6" charset="-128"/>
-                <a:ea typeface="Hiragino Kaku Gothic ProN W6" charset="-128"/>
-                <a:cs typeface="Hiragino Kaku Gothic ProN W6" charset="-128"/>
-              </a:rPr>
-              <a:t>は条件付き分布が独立</a:t>
-            </a:r>
-            <a:endParaRPr kumimoji="1" lang="en-US" altLang="ja-JP" sz="2400" dirty="0" smtClean="0">
-              <a:latin typeface="Hiragino Kaku Gothic ProN W6" charset="-128"/>
-              <a:ea typeface="Hiragino Kaku Gothic ProN W6" charset="-128"/>
-              <a:cs typeface="Hiragino Kaku Gothic ProN W6" charset="-128"/>
-            </a:endParaRPr>
-          </a:p>
-          <a:p>
-            <a:r>
-              <a:rPr kumimoji="1" lang="ja-JP" altLang="en-US" sz="2400" dirty="0" smtClean="0">
-                <a:latin typeface="Hiragino Kaku Gothic ProN W6" charset="-128"/>
-                <a:ea typeface="Hiragino Kaku Gothic ProN W6" charset="-128"/>
-                <a:cs typeface="Hiragino Kaku Gothic ProN W6" charset="-128"/>
-              </a:rPr>
-              <a:t>条件付き分布が独立になる分布を一般に</a:t>
-            </a:r>
-            <a:r>
-              <a:rPr kumimoji="1" lang="en-US" altLang="ja-JP" sz="2400" dirty="0" smtClean="0">
-                <a:latin typeface="Hiragino Kaku Gothic ProN W6" charset="-128"/>
-                <a:ea typeface="Hiragino Kaku Gothic ProN W6" charset="-128"/>
-                <a:cs typeface="Hiragino Kaku Gothic ProN W6" charset="-128"/>
-              </a:rPr>
-              <a:t>EFH</a:t>
-            </a:r>
-            <a:r>
-              <a:rPr kumimoji="1" lang="ja-JP" altLang="en-US" sz="2400" dirty="0" smtClean="0">
-                <a:latin typeface="Hiragino Kaku Gothic ProN W6" charset="-128"/>
-                <a:ea typeface="Hiragino Kaku Gothic ProN W6" charset="-128"/>
-                <a:cs typeface="Hiragino Kaku Gothic ProN W6" charset="-128"/>
-              </a:rPr>
-              <a:t>といい以下で表す</a:t>
-            </a:r>
-            <a:endParaRPr kumimoji="1" lang="ja-JP" altLang="en-US" sz="2400" dirty="0">
-              <a:latin typeface="Hiragino Kaku Gothic ProN W6" charset="-128"/>
-              <a:ea typeface="Hiragino Kaku Gothic ProN W6" charset="-128"/>
-              <a:cs typeface="Hiragino Kaku Gothic ProN W6" charset="-128"/>
-            </a:endParaRPr>
-          </a:p>
-        </p:txBody>
-      </p:sp>
-      <p:sp>
-        <p:nvSpPr>
-          <p:cNvPr id="7" name="テキスト ボックス 6"/>
-          <p:cNvSpPr txBox="1"/>
-          <p:nvPr/>
-        </p:nvSpPr>
-        <p:spPr>
-          <a:xfrm>
-            <a:off x="680282" y="4683711"/>
-            <a:ext cx="4067503" cy="369332"/>
-          </a:xfrm>
-          <a:prstGeom prst="rect">
-            <a:avLst/>
-          </a:prstGeom>
-          <a:noFill/>
-        </p:spPr>
-        <p:txBody>
-          <a:bodyPr wrap="square" rtlCol="0">
-            <a:spAutoFit/>
-          </a:bodyPr>
-          <a:lstStyle/>
-          <a:p>
-            <a:r>
-              <a:rPr kumimoji="1" lang="ja-JP" altLang="en-US" dirty="0" smtClean="0">
-                <a:solidFill>
-                  <a:srgbClr val="FF0000"/>
-                </a:solidFill>
-                <a:latin typeface="Hiragino Kaku Gothic ProN W6" charset="-128"/>
-                <a:ea typeface="Hiragino Kaku Gothic ProN W6" charset="-128"/>
-                <a:cs typeface="Hiragino Kaku Gothic ProN W6" charset="-128"/>
-              </a:rPr>
-              <a:t>エネルギー関数</a:t>
-            </a:r>
-            <a:endParaRPr kumimoji="1" lang="ja-JP" altLang="en-US" dirty="0">
-              <a:solidFill>
-                <a:srgbClr val="FF0000"/>
-              </a:solidFill>
-              <a:latin typeface="Hiragino Kaku Gothic ProN W6" charset="-128"/>
-              <a:ea typeface="Hiragino Kaku Gothic ProN W6" charset="-128"/>
-              <a:cs typeface="Hiragino Kaku Gothic ProN W6" charset="-128"/>
-            </a:endParaRPr>
-          </a:p>
-        </p:txBody>
-      </p:sp>
-      <p:sp>
-        <p:nvSpPr>
-          <p:cNvPr id="8" name="テキスト ボックス 7"/>
-          <p:cNvSpPr txBox="1"/>
-          <p:nvPr/>
-        </p:nvSpPr>
-        <p:spPr>
-          <a:xfrm>
-            <a:off x="10294182" y="4222046"/>
-            <a:ext cx="1176925" cy="461665"/>
-          </a:xfrm>
-          <a:prstGeom prst="rect">
-            <a:avLst/>
-          </a:prstGeom>
-          <a:noFill/>
-        </p:spPr>
-        <p:txBody>
-          <a:bodyPr wrap="none" rtlCol="0">
-            <a:spAutoFit/>
-          </a:bodyPr>
-          <a:lstStyle/>
-          <a:p>
-            <a:r>
-              <a:rPr kumimoji="1" lang="en-US" altLang="ja-JP" sz="2400" dirty="0" smtClean="0">
-                <a:latin typeface="Hiragino Kaku Gothic ProN W6" charset="-128"/>
-                <a:ea typeface="Hiragino Kaku Gothic ProN W6" charset="-128"/>
-                <a:cs typeface="Hiragino Kaku Gothic ProN W6" charset="-128"/>
-              </a:rPr>
-              <a:t>(3.12)</a:t>
-            </a:r>
-            <a:endParaRPr kumimoji="1" lang="ja-JP" altLang="en-US" sz="2400" dirty="0">
+              <a:t>は</a:t>
+            </a:r>
+            <a:r>
+              <a:rPr lang="en-US" altLang="ja-JP" dirty="0" smtClean="0">
+                <a:latin typeface="Hiragino Kaku Gothic ProN W6" charset="-128"/>
+                <a:ea typeface="Hiragino Kaku Gothic ProN W6" charset="-128"/>
+                <a:cs typeface="Hiragino Kaku Gothic ProN W6" charset="-128"/>
+              </a:rPr>
+              <a:t>v</a:t>
+            </a:r>
+            <a:r>
+              <a:rPr lang="ja-JP" altLang="en-US" dirty="0" smtClean="0">
+                <a:latin typeface="Hiragino Kaku Gothic ProN W6" charset="-128"/>
+                <a:ea typeface="Hiragino Kaku Gothic ProN W6" charset="-128"/>
+                <a:cs typeface="Hiragino Kaku Gothic ProN W6" charset="-128"/>
+              </a:rPr>
+              <a:t>と</a:t>
+            </a:r>
+            <a:r>
+              <a:rPr lang="en-US" altLang="ja-JP" dirty="0" smtClean="0">
+                <a:latin typeface="Hiragino Kaku Gothic ProN W6" charset="-128"/>
+                <a:ea typeface="Hiragino Kaku Gothic ProN W6" charset="-128"/>
+                <a:cs typeface="Hiragino Kaku Gothic ProN W6" charset="-128"/>
+              </a:rPr>
+              <a:t>h</a:t>
+            </a:r>
+            <a:r>
+              <a:rPr lang="ja-JP" altLang="en-US" dirty="0" smtClean="0">
+                <a:latin typeface="Hiragino Kaku Gothic ProN W6" charset="-128"/>
+                <a:ea typeface="Hiragino Kaku Gothic ProN W6" charset="-128"/>
+                <a:cs typeface="Hiragino Kaku Gothic ProN W6" charset="-128"/>
+              </a:rPr>
+              <a:t>の相関関係を定める</a:t>
+            </a:r>
+            <a:endParaRPr lang="en-US" altLang="ja-JP" dirty="0" smtClean="0">
+              <a:latin typeface="Hiragino Kaku Gothic ProN W6" charset="-128"/>
+              <a:ea typeface="Hiragino Kaku Gothic ProN W6" charset="-128"/>
+              <a:cs typeface="Hiragino Kaku Gothic ProN W6" charset="-128"/>
+            </a:endParaRPr>
+          </a:p>
+          <a:p>
+            <a:pPr lvl="1"/>
+            <a:r>
+              <a:rPr lang="en-US" altLang="ja-JP" dirty="0" err="1" smtClean="0">
+                <a:latin typeface="Hiragino Kaku Gothic ProN W6" charset="-128"/>
+                <a:ea typeface="Hiragino Kaku Gothic ProN W6" charset="-128"/>
+                <a:cs typeface="Hiragino Kaku Gothic ProN W6" charset="-128"/>
+              </a:rPr>
+              <a:t>Wij</a:t>
+            </a:r>
+            <a:r>
+              <a:rPr lang="ja-JP" altLang="en-US" dirty="0" smtClean="0">
+                <a:latin typeface="Hiragino Kaku Gothic ProN W6" charset="-128"/>
+                <a:ea typeface="Hiragino Kaku Gothic ProN W6" charset="-128"/>
+                <a:cs typeface="Hiragino Kaku Gothic ProN W6" charset="-128"/>
+              </a:rPr>
+              <a:t>が正：</a:t>
+            </a:r>
+            <a:r>
+              <a:rPr lang="en-US" altLang="ja-JP" dirty="0" smtClean="0">
+                <a:latin typeface="Hiragino Kaku Gothic ProN W6" charset="-128"/>
+                <a:ea typeface="Hiragino Kaku Gothic ProN W6" charset="-128"/>
+                <a:cs typeface="Hiragino Kaku Gothic ProN W6" charset="-128"/>
+              </a:rPr>
+              <a:t>vi</a:t>
+            </a:r>
+            <a:r>
+              <a:rPr lang="ja-JP" altLang="en-US" dirty="0" smtClean="0">
+                <a:latin typeface="Hiragino Kaku Gothic ProN W6" charset="-128"/>
+                <a:ea typeface="Hiragino Kaku Gothic ProN W6" charset="-128"/>
+                <a:cs typeface="Hiragino Kaku Gothic ProN W6" charset="-128"/>
+              </a:rPr>
+              <a:t>と</a:t>
+            </a:r>
+            <a:r>
+              <a:rPr lang="en-US" altLang="ja-JP" dirty="0" err="1" smtClean="0">
+                <a:latin typeface="Hiragino Kaku Gothic ProN W6" charset="-128"/>
+                <a:ea typeface="Hiragino Kaku Gothic ProN W6" charset="-128"/>
+                <a:cs typeface="Hiragino Kaku Gothic ProN W6" charset="-128"/>
+              </a:rPr>
+              <a:t>hj</a:t>
+            </a:r>
+            <a:r>
+              <a:rPr lang="ja-JP" altLang="en-US" dirty="0" smtClean="0">
+                <a:latin typeface="Hiragino Kaku Gothic ProN W6" charset="-128"/>
+                <a:ea typeface="Hiragino Kaku Gothic ProN W6" charset="-128"/>
+                <a:cs typeface="Hiragino Kaku Gothic ProN W6" charset="-128"/>
+              </a:rPr>
+              <a:t>が同時に１を取りやすくなり，負であれば取りにくくなる</a:t>
+            </a:r>
+            <a:endParaRPr lang="en-US" altLang="ja-JP" dirty="0" smtClean="0">
+              <a:latin typeface="Hiragino Kaku Gothic ProN W6" charset="-128"/>
+              <a:ea typeface="Hiragino Kaku Gothic ProN W6" charset="-128"/>
+              <a:cs typeface="Hiragino Kaku Gothic ProN W6" charset="-128"/>
+            </a:endParaRPr>
+          </a:p>
+          <a:p>
+            <a:pPr lvl="1"/>
+            <a:r>
+              <a:rPr lang="en-US" altLang="ja-JP" dirty="0" err="1" smtClean="0">
+                <a:latin typeface="Hiragino Kaku Gothic ProN W6" charset="-128"/>
+                <a:ea typeface="Hiragino Kaku Gothic ProN W6" charset="-128"/>
+                <a:cs typeface="Hiragino Kaku Gothic ProN W6" charset="-128"/>
+              </a:rPr>
+              <a:t>Wij</a:t>
+            </a:r>
+            <a:r>
+              <a:rPr lang="ja-JP" altLang="en-US" dirty="0" smtClean="0">
+                <a:latin typeface="Hiragino Kaku Gothic ProN W6" charset="-128"/>
+                <a:ea typeface="Hiragino Kaku Gothic ProN W6" charset="-128"/>
+                <a:cs typeface="Hiragino Kaku Gothic ProN W6" charset="-128"/>
+              </a:rPr>
+              <a:t>がゼロならグラフ表記において</a:t>
+            </a:r>
+            <a:r>
+              <a:rPr lang="en-US" altLang="ja-JP" dirty="0" smtClean="0">
+                <a:latin typeface="Hiragino Kaku Gothic ProN W6" charset="-128"/>
+                <a:ea typeface="Hiragino Kaku Gothic ProN W6" charset="-128"/>
+                <a:cs typeface="Hiragino Kaku Gothic ProN W6" charset="-128"/>
+              </a:rPr>
+              <a:t>vi</a:t>
+            </a:r>
+            <a:r>
+              <a:rPr lang="ja-JP" altLang="en-US" dirty="0" smtClean="0">
+                <a:latin typeface="Hiragino Kaku Gothic ProN W6" charset="-128"/>
+                <a:ea typeface="Hiragino Kaku Gothic ProN W6" charset="-128"/>
+                <a:cs typeface="Hiragino Kaku Gothic ProN W6" charset="-128"/>
+              </a:rPr>
+              <a:t>と</a:t>
+            </a:r>
+            <a:r>
+              <a:rPr lang="en-US" altLang="ja-JP" dirty="0" err="1" smtClean="0">
+                <a:latin typeface="Hiragino Kaku Gothic ProN W6" charset="-128"/>
+                <a:ea typeface="Hiragino Kaku Gothic ProN W6" charset="-128"/>
+                <a:cs typeface="Hiragino Kaku Gothic ProN W6" charset="-128"/>
+              </a:rPr>
+              <a:t>hj</a:t>
+            </a:r>
+            <a:r>
+              <a:rPr lang="ja-JP" altLang="en-US" dirty="0" smtClean="0">
+                <a:latin typeface="Hiragino Kaku Gothic ProN W6" charset="-128"/>
+                <a:ea typeface="Hiragino Kaku Gothic ProN W6" charset="-128"/>
+                <a:cs typeface="Hiragino Kaku Gothic ProN W6" charset="-128"/>
+              </a:rPr>
+              <a:t>間に線が無い</a:t>
+            </a:r>
+            <a:endParaRPr lang="en-US" altLang="ja-JP" dirty="0">
+              <a:latin typeface="Hiragino Kaku Gothic ProN W6" charset="-128"/>
+              <a:ea typeface="Hiragino Kaku Gothic ProN W6" charset="-128"/>
+              <a:cs typeface="Hiragino Kaku Gothic ProN W6" charset="-128"/>
+            </a:endParaRPr>
+          </a:p>
+          <a:p>
+            <a:endParaRPr lang="en-US" altLang="ja-JP" dirty="0" smtClean="0">
               <a:latin typeface="Hiragino Kaku Gothic ProN W6" charset="-128"/>
               <a:ea typeface="Hiragino Kaku Gothic ProN W6" charset="-128"/>
               <a:cs typeface="Hiragino Kaku Gothic ProN W6" charset="-128"/>
@@ -13254,7 +13962,7 @@
     </p:spTree>
     <p:extLst>
       <p:ext uri="{BB962C8B-B14F-4D97-AF65-F5344CB8AC3E}">
-        <p14:creationId xmlns:p14="http://schemas.microsoft.com/office/powerpoint/2010/main" val="1290149841"/>
+        <p14:creationId xmlns:p14="http://schemas.microsoft.com/office/powerpoint/2010/main" val="1653023152"/>
       </p:ext>
     </p:extLst>
   </p:cSld>
@@ -13302,46 +14010,15 @@
                 <a:ea typeface="Hiragino Kaku Gothic ProN W6" charset="-128"/>
                 <a:cs typeface="Hiragino Kaku Gothic ProN W6" charset="-128"/>
               </a:rPr>
-              <a:t>3.4.3</a:t>
-            </a:r>
-            <a:r>
-              <a:rPr lang="en-US" altLang="ja-JP" dirty="0">
-                <a:latin typeface="Hiragino Kaku Gothic ProN W6" charset="-128"/>
-                <a:ea typeface="Hiragino Kaku Gothic ProN W6" charset="-128"/>
-                <a:cs typeface="Hiragino Kaku Gothic ProN W6" charset="-128"/>
-              </a:rPr>
-              <a:t/>
-            </a:r>
-            <a:br>
-              <a:rPr lang="en-US" altLang="ja-JP" dirty="0">
-                <a:latin typeface="Hiragino Kaku Gothic ProN W6" charset="-128"/>
-                <a:ea typeface="Hiragino Kaku Gothic ProN W6" charset="-128"/>
-                <a:cs typeface="Hiragino Kaku Gothic ProN W6" charset="-128"/>
-              </a:rPr>
-            </a:br>
+              <a:t>RBM</a:t>
+            </a:r>
             <a:r>
               <a:rPr lang="ja-JP" altLang="en-US" dirty="0" smtClean="0">
                 <a:latin typeface="Hiragino Kaku Gothic ProN W6" charset="-128"/>
                 <a:ea typeface="Hiragino Kaku Gothic ProN W6" charset="-128"/>
                 <a:cs typeface="Hiragino Kaku Gothic ProN W6" charset="-128"/>
               </a:rPr>
-              <a:t>指数型ハーモニウム族の</a:t>
-            </a:r>
-            <a:r>
-              <a:rPr lang="en-US" altLang="ja-JP" dirty="0" smtClean="0">
-                <a:latin typeface="Hiragino Kaku Gothic ProN W6" charset="-128"/>
-                <a:ea typeface="Hiragino Kaku Gothic ProN W6" charset="-128"/>
-                <a:cs typeface="Hiragino Kaku Gothic ProN W6" charset="-128"/>
-              </a:rPr>
-              <a:t>CD</a:t>
-            </a:r>
-            <a:r>
-              <a:rPr lang="ja-JP" altLang="en-US" dirty="0" smtClean="0">
-                <a:latin typeface="Hiragino Kaku Gothic ProN W6" charset="-128"/>
-                <a:ea typeface="Hiragino Kaku Gothic ProN W6" charset="-128"/>
-                <a:cs typeface="Hiragino Kaku Gothic ProN W6" charset="-128"/>
-              </a:rPr>
-              <a:t>法による学習</a:t>
+              <a:t>の条件付き確率</a:t>
             </a:r>
             <a:endParaRPr kumimoji="1" lang="ja-JP" altLang="en-US" dirty="0">
               <a:latin typeface="Hiragino Kaku Gothic ProN W6" charset="-128"/>
@@ -13366,174 +14043,39 @@
           <a:bodyPr/>
           <a:lstStyle/>
           <a:p>
-            <a:pPr marL="0" indent="0">
-              <a:buNone/>
-            </a:pPr>
-            <a:r>
-              <a:rPr kumimoji="1" lang="en-US" altLang="ja-JP" dirty="0" smtClean="0">
-                <a:latin typeface="Hiragino Kaku Gothic ProN W6" charset="-128"/>
-                <a:ea typeface="Hiragino Kaku Gothic ProN W6" charset="-128"/>
-                <a:cs typeface="Hiragino Kaku Gothic ProN W6" charset="-128"/>
-              </a:rPr>
-              <a:t>CD</a:t>
-            </a:r>
-            <a:r>
-              <a:rPr kumimoji="1" lang="ja-JP" altLang="en-US" dirty="0" smtClean="0">
-                <a:latin typeface="Hiragino Kaku Gothic ProN W6" charset="-128"/>
-                <a:ea typeface="Hiragino Kaku Gothic ProN W6" charset="-128"/>
-                <a:cs typeface="Hiragino Kaku Gothic ProN W6" charset="-128"/>
-              </a:rPr>
-              <a:t>法（</a:t>
-            </a:r>
-            <a:r>
-              <a:rPr kumimoji="1" lang="en-US" altLang="ja-JP" dirty="0" smtClean="0">
-                <a:latin typeface="Hiragino Kaku Gothic ProN W6" charset="-128"/>
-                <a:ea typeface="Hiragino Kaku Gothic ProN W6" charset="-128"/>
-                <a:cs typeface="Hiragino Kaku Gothic ProN W6" charset="-128"/>
-              </a:rPr>
-              <a:t>Contrastive Divergence</a:t>
-            </a:r>
-            <a:r>
-              <a:rPr kumimoji="1" lang="ja-JP" altLang="en-US" dirty="0" smtClean="0">
-                <a:latin typeface="Hiragino Kaku Gothic ProN W6" charset="-128"/>
-                <a:ea typeface="Hiragino Kaku Gothic ProN W6" charset="-128"/>
-                <a:cs typeface="Hiragino Kaku Gothic ProN W6" charset="-128"/>
-              </a:rPr>
-              <a:t>法）</a:t>
-            </a:r>
-            <a:endParaRPr kumimoji="1" lang="en-US" altLang="ja-JP" dirty="0" smtClean="0">
-              <a:latin typeface="Hiragino Kaku Gothic ProN W6" charset="-128"/>
-              <a:ea typeface="Hiragino Kaku Gothic ProN W6" charset="-128"/>
-              <a:cs typeface="Hiragino Kaku Gothic ProN W6" charset="-128"/>
-            </a:endParaRPr>
-          </a:p>
-          <a:p>
-            <a:r>
-              <a:rPr lang="en-US" altLang="ja-JP" dirty="0" smtClean="0">
-                <a:latin typeface="Hiragino Kaku Gothic ProN W6" charset="-128"/>
-                <a:ea typeface="Hiragino Kaku Gothic ProN W6" charset="-128"/>
-                <a:cs typeface="Hiragino Kaku Gothic ProN W6" charset="-128"/>
-              </a:rPr>
-              <a:t>EFH</a:t>
-            </a:r>
-            <a:r>
-              <a:rPr lang="ja-JP" altLang="en-US" dirty="0" smtClean="0">
-                <a:latin typeface="Hiragino Kaku Gothic ProN W6" charset="-128"/>
-                <a:ea typeface="Hiragino Kaku Gothic ProN W6" charset="-128"/>
-                <a:cs typeface="Hiragino Kaku Gothic ProN W6" charset="-128"/>
-              </a:rPr>
-              <a:t>の</a:t>
-            </a:r>
-            <a:r>
-              <a:rPr lang="en-US" altLang="ja-JP" dirty="0" err="1" smtClean="0">
-                <a:latin typeface="Hiragino Kaku Gothic ProN W6" charset="-128"/>
-                <a:ea typeface="Hiragino Kaku Gothic ProN W6" charset="-128"/>
-                <a:cs typeface="Hiragino Kaku Gothic ProN W6" charset="-128"/>
-              </a:rPr>
-              <a:t>θ</a:t>
-            </a:r>
-            <a:r>
-              <a:rPr lang="ja-JP" altLang="en-US" dirty="0" smtClean="0">
-                <a:latin typeface="Hiragino Kaku Gothic ProN W6" charset="-128"/>
-                <a:ea typeface="Hiragino Kaku Gothic ProN W6" charset="-128"/>
-                <a:cs typeface="Hiragino Kaku Gothic ProN W6" charset="-128"/>
-              </a:rPr>
-              <a:t>に関する勾配計算に</a:t>
-            </a:r>
-            <a:r>
-              <a:rPr lang="en-US" altLang="ja-JP" dirty="0" smtClean="0">
-                <a:latin typeface="Hiragino Kaku Gothic ProN W6" charset="-128"/>
-                <a:ea typeface="Hiragino Kaku Gothic ProN W6" charset="-128"/>
-                <a:cs typeface="Hiragino Kaku Gothic ProN W6" charset="-128"/>
-              </a:rPr>
-              <a:t>EFH</a:t>
-            </a:r>
-            <a:r>
-              <a:rPr lang="ja-JP" altLang="en-US" dirty="0" smtClean="0">
-                <a:latin typeface="Hiragino Kaku Gothic ProN W6" charset="-128"/>
-                <a:ea typeface="Hiragino Kaku Gothic ProN W6" charset="-128"/>
-                <a:cs typeface="Hiragino Kaku Gothic ProN W6" charset="-128"/>
-              </a:rPr>
-              <a:t>のモデル分布の期待値計算が必要→ギプスサンプリングで近似→計算時間が掛かり過ぎる</a:t>
-            </a:r>
-            <a:endParaRPr lang="en-US" altLang="ja-JP" dirty="0" smtClean="0">
-              <a:latin typeface="Hiragino Kaku Gothic ProN W6" charset="-128"/>
-              <a:ea typeface="Hiragino Kaku Gothic ProN W6" charset="-128"/>
-              <a:cs typeface="Hiragino Kaku Gothic ProN W6" charset="-128"/>
-            </a:endParaRPr>
-          </a:p>
-          <a:p>
-            <a:r>
-              <a:rPr kumimoji="1" lang="ja-JP" altLang="en-US" dirty="0" smtClean="0">
-                <a:latin typeface="Hiragino Kaku Gothic ProN W6" charset="-128"/>
-                <a:ea typeface="Hiragino Kaku Gothic ProN W6" charset="-128"/>
-                <a:cs typeface="Hiragino Kaku Gothic ProN W6" charset="-128"/>
-              </a:rPr>
-              <a:t>ギプスサンプリングを</a:t>
-            </a:r>
-            <a:r>
-              <a:rPr lang="en-US" altLang="ja-JP" dirty="0" smtClean="0">
-                <a:latin typeface="Hiragino Kaku Gothic ProN W6" charset="-128"/>
-                <a:ea typeface="Hiragino Kaku Gothic ProN W6" charset="-128"/>
-                <a:cs typeface="Hiragino Kaku Gothic ProN W6" charset="-128"/>
-              </a:rPr>
-              <a:t>k</a:t>
-            </a:r>
-            <a:r>
-              <a:rPr lang="ja-JP" altLang="en-US" dirty="0" smtClean="0">
-                <a:latin typeface="Hiragino Kaku Gothic ProN W6" charset="-128"/>
-                <a:ea typeface="Hiragino Kaku Gothic ProN W6" charset="-128"/>
-                <a:cs typeface="Hiragino Kaku Gothic ProN W6" charset="-128"/>
-              </a:rPr>
-              <a:t>回（典型的に</a:t>
-            </a:r>
-            <a:r>
-              <a:rPr lang="en-US" altLang="ja-JP" dirty="0" smtClean="0">
-                <a:latin typeface="Hiragino Kaku Gothic ProN W6" charset="-128"/>
-                <a:ea typeface="Hiragino Kaku Gothic ProN W6" charset="-128"/>
-                <a:cs typeface="Hiragino Kaku Gothic ProN W6" charset="-128"/>
-              </a:rPr>
-              <a:t>k=1</a:t>
-            </a:r>
-            <a:r>
-              <a:rPr lang="ja-JP" altLang="en-US" dirty="0" smtClean="0">
-                <a:latin typeface="Hiragino Kaku Gothic ProN W6" charset="-128"/>
-                <a:ea typeface="Hiragino Kaku Gothic ProN W6" charset="-128"/>
-                <a:cs typeface="Hiragino Kaku Gothic ProN W6" charset="-128"/>
-              </a:rPr>
-              <a:t>）だけ行う</a:t>
-            </a:r>
-            <a:endParaRPr lang="en-US" altLang="ja-JP" dirty="0" smtClean="0">
-              <a:latin typeface="Hiragino Kaku Gothic ProN W6" charset="-128"/>
-              <a:ea typeface="Hiragino Kaku Gothic ProN W6" charset="-128"/>
-              <a:cs typeface="Hiragino Kaku Gothic ProN W6" charset="-128"/>
-            </a:endParaRPr>
-          </a:p>
-          <a:p>
-            <a:r>
-              <a:rPr lang="en-US" altLang="ja-JP" dirty="0" smtClean="0">
-                <a:latin typeface="Hiragino Kaku Gothic ProN W6" charset="-128"/>
-                <a:ea typeface="Hiragino Kaku Gothic ProN W6" charset="-128"/>
-                <a:cs typeface="Hiragino Kaku Gothic ProN W6" charset="-128"/>
-              </a:rPr>
-              <a:t>CD-k</a:t>
-            </a:r>
-            <a:r>
-              <a:rPr lang="ja-JP" altLang="en-US" dirty="0" smtClean="0">
-                <a:latin typeface="Hiragino Kaku Gothic ProN W6" charset="-128"/>
-                <a:ea typeface="Hiragino Kaku Gothic ProN W6" charset="-128"/>
-                <a:cs typeface="Hiragino Kaku Gothic ProN W6" charset="-128"/>
-              </a:rPr>
-              <a:t>法では以下の近似導関数を用いてパラメータ更新</a:t>
-            </a:r>
-            <a:endParaRPr lang="en-US" altLang="ja-JP" dirty="0" smtClean="0">
-              <a:latin typeface="Hiragino Kaku Gothic ProN W6" charset="-128"/>
-              <a:ea typeface="Hiragino Kaku Gothic ProN W6" charset="-128"/>
-              <a:cs typeface="Hiragino Kaku Gothic ProN W6" charset="-128"/>
-            </a:endParaRPr>
-          </a:p>
-          <a:p>
-            <a:endParaRPr kumimoji="1" lang="ja-JP" altLang="en-US" dirty="0">
+            <a:r>
+              <a:rPr lang="en-US" altLang="ja-JP" dirty="0">
+                <a:latin typeface="Hiragino Kaku Gothic ProN W6" charset="-128"/>
+                <a:ea typeface="Hiragino Kaku Gothic ProN W6" charset="-128"/>
+                <a:cs typeface="Hiragino Kaku Gothic ProN W6" charset="-128"/>
+              </a:rPr>
+              <a:t>v</a:t>
+            </a:r>
+            <a:r>
+              <a:rPr lang="ja-JP" altLang="en-US" dirty="0">
+                <a:latin typeface="Hiragino Kaku Gothic ProN W6" charset="-128"/>
+                <a:ea typeface="Hiragino Kaku Gothic ProN W6" charset="-128"/>
+                <a:cs typeface="Hiragino Kaku Gothic ProN W6" charset="-128"/>
+              </a:rPr>
+              <a:t>同士や</a:t>
+            </a:r>
+            <a:r>
+              <a:rPr lang="en-US" altLang="ja-JP" dirty="0">
+                <a:latin typeface="Hiragino Kaku Gothic ProN W6" charset="-128"/>
+                <a:ea typeface="Hiragino Kaku Gothic ProN W6" charset="-128"/>
+                <a:cs typeface="Hiragino Kaku Gothic ProN W6" charset="-128"/>
+              </a:rPr>
+              <a:t>h</a:t>
+            </a:r>
+            <a:r>
+              <a:rPr lang="ja-JP" altLang="en-US" dirty="0">
+                <a:latin typeface="Hiragino Kaku Gothic ProN W6" charset="-128"/>
+                <a:ea typeface="Hiragino Kaku Gothic ProN W6" charset="-128"/>
+                <a:cs typeface="Hiragino Kaku Gothic ProN W6" charset="-128"/>
+              </a:rPr>
+              <a:t>同士が独立であることから</a:t>
+            </a:r>
+            <a:endParaRPr lang="en-US" altLang="ja-JP" dirty="0">
               <a:latin typeface="Hiragino Kaku Gothic ProN W6" charset="-128"/>
               <a:ea typeface="Hiragino Kaku Gothic ProN W6" charset="-128"/>
               <a:cs typeface="Hiragino Kaku Gothic ProN W6" charset="-128"/>
@@ -13563,72 +14105,18 @@
         </p:blipFill>
         <p:spPr>
           <a:xfrm>
-            <a:off x="774914" y="4567455"/>
-            <a:ext cx="10058400" cy="1456485"/>
+            <a:off x="935421" y="2847865"/>
+            <a:ext cx="10058400" cy="3739843"/>
           </a:xfrm>
           <a:prstGeom prst="rect">
             <a:avLst/>
           </a:prstGeom>
         </p:spPr>
       </p:pic>
-      <p:sp>
-        <p:nvSpPr>
-          <p:cNvPr id="5" name="テキスト ボックス 4"/>
-          <p:cNvSpPr txBox="1"/>
-          <p:nvPr/>
-        </p:nvSpPr>
-        <p:spPr>
-          <a:xfrm>
-            <a:off x="10833314" y="4981903"/>
-            <a:ext cx="1202573" cy="461665"/>
-          </a:xfrm>
-          <a:prstGeom prst="rect">
-            <a:avLst/>
-          </a:prstGeom>
-          <a:noFill/>
-        </p:spPr>
-        <p:txBody>
-          <a:bodyPr wrap="none" rtlCol="0">
-            <a:spAutoFit/>
-          </a:bodyPr>
-          <a:lstStyle/>
-          <a:p>
-            <a:r>
-              <a:rPr kumimoji="1" lang="en-US" altLang="ja-JP" sz="2400" dirty="0" smtClean="0">
-                <a:latin typeface="Hiragino Kaku Gothic StdN W8" charset="-128"/>
-                <a:ea typeface="Hiragino Kaku Gothic StdN W8" charset="-128"/>
-                <a:cs typeface="Hiragino Kaku Gothic StdN W8" charset="-128"/>
-              </a:rPr>
-              <a:t>(</a:t>
-            </a:r>
-            <a:r>
-              <a:rPr kumimoji="1" lang="en-US" altLang="ja-JP" sz="2400" dirty="0" smtClean="0">
-                <a:latin typeface="Hiragino Kaku Gothic ProN W6" charset="-128"/>
-                <a:ea typeface="Hiragino Kaku Gothic ProN W6" charset="-128"/>
-                <a:cs typeface="Hiragino Kaku Gothic ProN W6" charset="-128"/>
-              </a:rPr>
-              <a:t>3.13</a:t>
-            </a:r>
-            <a:r>
-              <a:rPr kumimoji="1" lang="en-US" altLang="ja-JP" sz="2400" dirty="0" smtClean="0">
-                <a:latin typeface="Hiragino Kaku Gothic StdN W8" charset="-128"/>
-                <a:ea typeface="Hiragino Kaku Gothic StdN W8" charset="-128"/>
-                <a:cs typeface="Hiragino Kaku Gothic StdN W8" charset="-128"/>
-              </a:rPr>
-              <a:t>)</a:t>
-            </a:r>
-            <a:endParaRPr kumimoji="1" lang="ja-JP" altLang="en-US" sz="2400" dirty="0">
-              <a:latin typeface="Hiragino Kaku Gothic StdN W8" charset="-128"/>
-              <a:ea typeface="Hiragino Kaku Gothic StdN W8" charset="-128"/>
-              <a:cs typeface="Hiragino Kaku Gothic StdN W8" charset="-128"/>
-            </a:endParaRPr>
-          </a:p>
-        </p:txBody>
-      </p:sp>
     </p:spTree>
     <p:extLst>
       <p:ext uri="{BB962C8B-B14F-4D97-AF65-F5344CB8AC3E}">
-        <p14:creationId xmlns:p14="http://schemas.microsoft.com/office/powerpoint/2010/main" val="1401643387"/>
+        <p14:creationId xmlns:p14="http://schemas.microsoft.com/office/powerpoint/2010/main" val="1133169321"/>
       </p:ext>
     </p:extLst>
   </p:cSld>
@@ -13676,7 +14164,7 @@
                 <a:ea typeface="Hiragino Kaku Gothic ProN W6" charset="-128"/>
                 <a:cs typeface="Hiragino Kaku Gothic ProN W6" charset="-128"/>
               </a:rPr>
-              <a:t>3.4.4</a:t>
+              <a:t>3.4.2</a:t>
             </a:r>
             <a:r>
               <a:rPr kumimoji="1" lang="ja-JP" altLang="en-US" dirty="0" smtClean="0">
@@ -13684,7 +14172,7 @@
                 <a:ea typeface="Hiragino Kaku Gothic ProN W6" charset="-128"/>
                 <a:cs typeface="Hiragino Kaku Gothic ProN W6" charset="-128"/>
               </a:rPr>
-              <a:t>　</a:t>
+              <a:t>　指数型ハーモニウム族</a:t>
             </a:r>
             <a:r>
               <a:rPr kumimoji="1" lang="en-US" altLang="ja-JP" dirty="0" smtClean="0">
@@ -13692,157 +14180,8 @@
                 <a:ea typeface="Hiragino Kaku Gothic ProN W6" charset="-128"/>
                 <a:cs typeface="Hiragino Kaku Gothic ProN W6" charset="-128"/>
               </a:rPr>
-              <a:t>CD</a:t>
-            </a:r>
-            <a:r>
-              <a:rPr kumimoji="1" lang="ja-JP" altLang="en-US" dirty="0" smtClean="0">
-                <a:latin typeface="Hiragino Kaku Gothic ProN W6" charset="-128"/>
-                <a:ea typeface="Hiragino Kaku Gothic ProN W6" charset="-128"/>
-                <a:cs typeface="Hiragino Kaku Gothic ProN W6" charset="-128"/>
-              </a:rPr>
-              <a:t>法が最適化している損失関数</a:t>
-            </a:r>
-            <a:endParaRPr kumimoji="1" lang="ja-JP" altLang="en-US" dirty="0">
-              <a:latin typeface="Hiragino Kaku Gothic ProN W6" charset="-128"/>
-              <a:ea typeface="Hiragino Kaku Gothic ProN W6" charset="-128"/>
-              <a:cs typeface="Hiragino Kaku Gothic ProN W6" charset="-128"/>
-            </a:endParaRPr>
-          </a:p>
-        </p:txBody>
-      </p:sp>
-      <p:sp>
-        <p:nvSpPr>
-          <p:cNvPr id="3" name="コンテンツ プレースホルダー 2"/>
-          <p:cNvSpPr>
-            <a:spLocks noGrp="1"/>
-          </p:cNvSpPr>
-          <p:nvPr>
-            <p:ph idx="1"/>
-          </p:nvPr>
-        </p:nvSpPr>
-        <p:spPr/>
-        <p:txBody>
-          <a:bodyPr/>
-          <a:lstStyle/>
-          <a:p>
-            <a:r>
-              <a:rPr kumimoji="1" lang="ja-JP" altLang="en-US" dirty="0" smtClean="0">
-                <a:latin typeface="Hiragino Kaku Gothic ProN W6" charset="-128"/>
-                <a:ea typeface="Hiragino Kaku Gothic ProN W6" charset="-128"/>
-                <a:cs typeface="Hiragino Kaku Gothic ProN W6" charset="-128"/>
-              </a:rPr>
-              <a:t>ギプスサンプリングは導関数を用いて対数尤度を最大化</a:t>
-            </a:r>
-            <a:endParaRPr kumimoji="1" lang="en-US" altLang="ja-JP" dirty="0" smtClean="0">
-              <a:latin typeface="Hiragino Kaku Gothic ProN W6" charset="-128"/>
-              <a:ea typeface="Hiragino Kaku Gothic ProN W6" charset="-128"/>
-              <a:cs typeface="Hiragino Kaku Gothic ProN W6" charset="-128"/>
-            </a:endParaRPr>
-          </a:p>
-          <a:p>
-            <a:r>
-              <a:rPr lang="en-US" altLang="ja-JP" dirty="0" smtClean="0">
-                <a:latin typeface="Hiragino Kaku Gothic ProN W6" charset="-128"/>
-                <a:ea typeface="Hiragino Kaku Gothic ProN W6" charset="-128"/>
-                <a:cs typeface="Hiragino Kaku Gothic ProN W6" charset="-128"/>
-              </a:rPr>
-              <a:t>CD</a:t>
-            </a:r>
-            <a:r>
-              <a:rPr lang="ja-JP" altLang="en-US" dirty="0" smtClean="0">
-                <a:latin typeface="Hiragino Kaku Gothic ProN W6" charset="-128"/>
-                <a:ea typeface="Hiragino Kaku Gothic ProN W6" charset="-128"/>
-                <a:cs typeface="Hiragino Kaku Gothic ProN W6" charset="-128"/>
-              </a:rPr>
-              <a:t>法も導関数の級数展開を打ち切った形なので対数尤度の最急勾配の良い近似</a:t>
-            </a:r>
-            <a:endParaRPr lang="en-US" altLang="ja-JP" dirty="0" smtClean="0">
-              <a:latin typeface="Hiragino Kaku Gothic ProN W6" charset="-128"/>
-              <a:ea typeface="Hiragino Kaku Gothic ProN W6" charset="-128"/>
-              <a:cs typeface="Hiragino Kaku Gothic ProN W6" charset="-128"/>
-            </a:endParaRPr>
-          </a:p>
-          <a:p>
-            <a:endParaRPr kumimoji="1" lang="en-US" altLang="ja-JP" dirty="0">
-              <a:latin typeface="Hiragino Kaku Gothic ProN W6" charset="-128"/>
-              <a:ea typeface="Hiragino Kaku Gothic ProN W6" charset="-128"/>
-              <a:cs typeface="Hiragino Kaku Gothic ProN W6" charset="-128"/>
-            </a:endParaRPr>
-          </a:p>
-          <a:p>
-            <a:r>
-              <a:rPr kumimoji="1" lang="en-US" altLang="ja-JP" dirty="0" smtClean="0">
-                <a:latin typeface="Hiragino Kaku Gothic ProN W6" charset="-128"/>
-                <a:ea typeface="Hiragino Kaku Gothic ProN W6" charset="-128"/>
-                <a:cs typeface="Hiragino Kaku Gothic ProN W6" charset="-128"/>
-              </a:rPr>
-              <a:t>CD</a:t>
-            </a:r>
-            <a:r>
-              <a:rPr kumimoji="1" lang="ja-JP" altLang="en-US" dirty="0" smtClean="0">
-                <a:latin typeface="Hiragino Kaku Gothic ProN W6" charset="-128"/>
-                <a:ea typeface="Hiragino Kaku Gothic ProN W6" charset="-128"/>
-                <a:cs typeface="Hiragino Kaku Gothic ProN W6" charset="-128"/>
-              </a:rPr>
-              <a:t>法をそもそも異なる損失関数を最適化する手法と解釈</a:t>
-            </a:r>
-            <a:endParaRPr kumimoji="1" lang="en-US" altLang="ja-JP" dirty="0" smtClean="0">
-              <a:latin typeface="Hiragino Kaku Gothic ProN W6" charset="-128"/>
-              <a:ea typeface="Hiragino Kaku Gothic ProN W6" charset="-128"/>
-              <a:cs typeface="Hiragino Kaku Gothic ProN W6" charset="-128"/>
-            </a:endParaRPr>
-          </a:p>
-          <a:p>
-            <a:pPr marL="0" indent="0">
-              <a:buNone/>
-            </a:pPr>
-            <a:r>
-              <a:rPr lang="ja-JP" altLang="en-US" dirty="0" smtClean="0">
-                <a:latin typeface="Hiragino Kaku Gothic ProN W6" charset="-128"/>
-                <a:ea typeface="Hiragino Kaku Gothic ProN W6" charset="-128"/>
-                <a:cs typeface="Hiragino Kaku Gothic ProN W6" charset="-128"/>
-              </a:rPr>
-              <a:t>ギプスサンプリングを</a:t>
-            </a:r>
-            <a:r>
-              <a:rPr lang="en-US" altLang="ja-JP" dirty="0" smtClean="0">
-                <a:latin typeface="Hiragino Kaku Gothic ProN W6" charset="-128"/>
-                <a:ea typeface="Hiragino Kaku Gothic ProN W6" charset="-128"/>
-                <a:cs typeface="Hiragino Kaku Gothic ProN W6" charset="-128"/>
-              </a:rPr>
-              <a:t>k</a:t>
-            </a:r>
-            <a:r>
-              <a:rPr lang="ja-JP" altLang="en-US" dirty="0" smtClean="0">
-                <a:latin typeface="Hiragino Kaku Gothic ProN W6" charset="-128"/>
-                <a:ea typeface="Hiragino Kaku Gothic ProN W6" charset="-128"/>
-                <a:cs typeface="Hiragino Kaku Gothic ProN W6" charset="-128"/>
-              </a:rPr>
-              <a:t>回行った</a:t>
-            </a:r>
-            <a:r>
-              <a:rPr lang="en-US" altLang="ja-JP" dirty="0" smtClean="0">
-                <a:latin typeface="Hiragino Kaku Gothic ProN W6" charset="-128"/>
-                <a:ea typeface="Hiragino Kaku Gothic ProN W6" charset="-128"/>
-                <a:cs typeface="Hiragino Kaku Gothic ProN W6" charset="-128"/>
-              </a:rPr>
-              <a:t>CD-k</a:t>
-            </a:r>
-            <a:r>
-              <a:rPr lang="ja-JP" altLang="en-US" dirty="0" smtClean="0">
-                <a:latin typeface="Hiragino Kaku Gothic ProN W6" charset="-128"/>
-                <a:ea typeface="Hiragino Kaku Gothic ProN W6" charset="-128"/>
-                <a:cs typeface="Hiragino Kaku Gothic ProN W6" charset="-128"/>
-              </a:rPr>
-              <a:t>法の損失関数</a:t>
-            </a:r>
-            <a:endParaRPr lang="en-US" altLang="ja-JP" dirty="0" smtClean="0">
-              <a:latin typeface="Hiragino Kaku Gothic ProN W6" charset="-128"/>
-              <a:ea typeface="Hiragino Kaku Gothic ProN W6" charset="-128"/>
-              <a:cs typeface="Hiragino Kaku Gothic ProN W6" charset="-128"/>
-            </a:endParaRPr>
-          </a:p>
-          <a:p>
+              <a:t>(EFH)</a:t>
+            </a:r>
             <a:endParaRPr kumimoji="1" lang="ja-JP" altLang="en-US" dirty="0">
               <a:latin typeface="Hiragino Kaku Gothic ProN W6" charset="-128"/>
               <a:ea typeface="Hiragino Kaku Gothic ProN W6" charset="-128"/>
@@ -13853,11 +14192,13 @@
       </p:sp>
       <p:pic>
         <p:nvPicPr>
-          <p:cNvPr id="5" name="図 4"/>
+          <p:cNvPr id="4" name="コンテンツ プレースホルダー 3"/>
           <p:cNvPicPr>
-            <a:picLocks noChangeAspect="1"/>
+            <a:picLocks noGrp="1" noChangeAspect="1"/>
           </p:cNvPicPr>
-          <p:nvPr/>
+          <p:nvPr>
+            <p:ph idx="1"/>
+          </p:nvPr>
         </p:nvPicPr>
         <p:blipFill>
           <a:blip r:embed="rId2">
@@ -13873,18 +14214,174 @@
         </p:blipFill>
         <p:spPr>
           <a:xfrm>
-            <a:off x="680321" y="5004238"/>
-            <a:ext cx="10058400" cy="803411"/>
+            <a:off x="680282" y="3182822"/>
+            <a:ext cx="9613900" cy="3001779"/>
+          </a:xfrm>
+        </p:spPr>
+      </p:pic>
+      <p:sp>
+        <p:nvSpPr>
+          <p:cNvPr id="6" name="テキスト ボックス 5"/>
+          <p:cNvSpPr txBox="1"/>
+          <p:nvPr/>
+        </p:nvSpPr>
+        <p:spPr>
+          <a:xfrm>
+            <a:off x="680282" y="2225109"/>
+            <a:ext cx="8852103" cy="830997"/>
           </a:xfrm>
           <a:prstGeom prst="rect">
             <a:avLst/>
           </a:prstGeom>
-        </p:spPr>
-      </p:pic>
+          <a:noFill/>
+        </p:spPr>
+        <p:txBody>
+          <a:bodyPr wrap="none" rtlCol="0">
+            <a:spAutoFit/>
+          </a:bodyPr>
+          <a:lstStyle/>
+          <a:p>
+            <a:r>
+              <a:rPr kumimoji="1" lang="en-US" altLang="ja-JP" sz="2400" dirty="0" smtClean="0">
+                <a:latin typeface="Hiragino Kaku Gothic ProN W6" charset="-128"/>
+                <a:ea typeface="Hiragino Kaku Gothic ProN W6" charset="-128"/>
+                <a:cs typeface="Hiragino Kaku Gothic ProN W6" charset="-128"/>
+              </a:rPr>
+              <a:t>RBM</a:t>
+            </a:r>
+            <a:r>
+              <a:rPr kumimoji="1" lang="ja-JP" altLang="en-US" sz="2400" dirty="0" smtClean="0">
+                <a:latin typeface="Hiragino Kaku Gothic ProN W6" charset="-128"/>
+                <a:ea typeface="Hiragino Kaku Gothic ProN W6" charset="-128"/>
+                <a:cs typeface="Hiragino Kaku Gothic ProN W6" charset="-128"/>
+              </a:rPr>
+              <a:t>は条件付き分布が独立</a:t>
+            </a:r>
+            <a:endParaRPr kumimoji="1" lang="en-US" altLang="ja-JP" sz="2400" dirty="0" smtClean="0">
+              <a:latin typeface="Hiragino Kaku Gothic ProN W6" charset="-128"/>
+              <a:ea typeface="Hiragino Kaku Gothic ProN W6" charset="-128"/>
+              <a:cs typeface="Hiragino Kaku Gothic ProN W6" charset="-128"/>
+            </a:endParaRPr>
+          </a:p>
+          <a:p>
+            <a:r>
+              <a:rPr kumimoji="1" lang="ja-JP" altLang="en-US" sz="2400" dirty="0" smtClean="0">
+                <a:latin typeface="Hiragino Kaku Gothic ProN W6" charset="-128"/>
+                <a:ea typeface="Hiragino Kaku Gothic ProN W6" charset="-128"/>
+                <a:cs typeface="Hiragino Kaku Gothic ProN W6" charset="-128"/>
+              </a:rPr>
+              <a:t>条件付き分布が独立になる分布を一般に</a:t>
+            </a:r>
+            <a:r>
+              <a:rPr kumimoji="1" lang="en-US" altLang="ja-JP" sz="2400" dirty="0" smtClean="0">
+                <a:latin typeface="Hiragino Kaku Gothic ProN W6" charset="-128"/>
+                <a:ea typeface="Hiragino Kaku Gothic ProN W6" charset="-128"/>
+                <a:cs typeface="Hiragino Kaku Gothic ProN W6" charset="-128"/>
+              </a:rPr>
+              <a:t>EFH</a:t>
+            </a:r>
+            <a:r>
+              <a:rPr kumimoji="1" lang="ja-JP" altLang="en-US" sz="2400" dirty="0" smtClean="0">
+                <a:latin typeface="Hiragino Kaku Gothic ProN W6" charset="-128"/>
+                <a:ea typeface="Hiragino Kaku Gothic ProN W6" charset="-128"/>
+                <a:cs typeface="Hiragino Kaku Gothic ProN W6" charset="-128"/>
+              </a:rPr>
+              <a:t>といい以下で表す</a:t>
+            </a:r>
+            <a:endParaRPr kumimoji="1" lang="ja-JP" altLang="en-US" sz="2400" dirty="0">
+              <a:latin typeface="Hiragino Kaku Gothic ProN W6" charset="-128"/>
+              <a:ea typeface="Hiragino Kaku Gothic ProN W6" charset="-128"/>
+              <a:cs typeface="Hiragino Kaku Gothic ProN W6" charset="-128"/>
+            </a:endParaRPr>
+          </a:p>
+        </p:txBody>
+      </p:sp>
+      <p:sp>
+        <p:nvSpPr>
+          <p:cNvPr id="7" name="テキスト ボックス 6"/>
+          <p:cNvSpPr txBox="1"/>
+          <p:nvPr/>
+        </p:nvSpPr>
+        <p:spPr>
+          <a:xfrm>
+            <a:off x="680282" y="4683711"/>
+            <a:ext cx="4067503" cy="369332"/>
+          </a:xfrm>
+          <a:prstGeom prst="rect">
+            <a:avLst/>
+          </a:prstGeom>
+          <a:noFill/>
+        </p:spPr>
+        <p:txBody>
+          <a:bodyPr wrap="square" rtlCol="0">
+            <a:spAutoFit/>
+          </a:bodyPr>
+          <a:lstStyle/>
+          <a:p>
+            <a:r>
+              <a:rPr kumimoji="1" lang="ja-JP" altLang="en-US" dirty="0" smtClean="0">
+                <a:solidFill>
+                  <a:srgbClr val="FF0000"/>
+                </a:solidFill>
+                <a:latin typeface="Hiragino Kaku Gothic ProN W6" charset="-128"/>
+                <a:ea typeface="Hiragino Kaku Gothic ProN W6" charset="-128"/>
+                <a:cs typeface="Hiragino Kaku Gothic ProN W6" charset="-128"/>
+              </a:rPr>
+              <a:t>エネルギー関数</a:t>
+            </a:r>
+            <a:endParaRPr kumimoji="1" lang="ja-JP" altLang="en-US" dirty="0">
+              <a:solidFill>
+                <a:srgbClr val="FF0000"/>
+              </a:solidFill>
+              <a:latin typeface="Hiragino Kaku Gothic ProN W6" charset="-128"/>
+              <a:ea typeface="Hiragino Kaku Gothic ProN W6" charset="-128"/>
+              <a:cs typeface="Hiragino Kaku Gothic ProN W6" charset="-128"/>
+            </a:endParaRPr>
+          </a:p>
+        </p:txBody>
+      </p:sp>
+      <p:sp>
+        <p:nvSpPr>
+          <p:cNvPr id="8" name="テキスト ボックス 7"/>
+          <p:cNvSpPr txBox="1"/>
+          <p:nvPr/>
+        </p:nvSpPr>
+        <p:spPr>
+          <a:xfrm>
+            <a:off x="10294182" y="4222046"/>
+            <a:ext cx="1176925" cy="461665"/>
+          </a:xfrm>
+          <a:prstGeom prst="rect">
+            <a:avLst/>
+          </a:prstGeom>
+          <a:noFill/>
+        </p:spPr>
+        <p:txBody>
+          <a:bodyPr wrap="none" rtlCol="0">
+            <a:spAutoFit/>
+          </a:bodyPr>
+          <a:lstStyle/>
+          <a:p>
+            <a:r>
+              <a:rPr kumimoji="1" lang="en-US" altLang="ja-JP" sz="2400" dirty="0" smtClean="0">
+                <a:latin typeface="Hiragino Kaku Gothic ProN W6" charset="-128"/>
+                <a:ea typeface="Hiragino Kaku Gothic ProN W6" charset="-128"/>
+                <a:cs typeface="Hiragino Kaku Gothic ProN W6" charset="-128"/>
+              </a:rPr>
+              <a:t>(3.12)</a:t>
+            </a:r>
+            <a:endParaRPr kumimoji="1" lang="ja-JP" altLang="en-US" sz="2400" dirty="0">
+              <a:latin typeface="Hiragino Kaku Gothic ProN W6" charset="-128"/>
+              <a:ea typeface="Hiragino Kaku Gothic ProN W6" charset="-128"/>
+              <a:cs typeface="Hiragino Kaku Gothic ProN W6" charset="-128"/>
+            </a:endParaRPr>
+          </a:p>
+        </p:txBody>
+      </p:sp>
     </p:spTree>
     <p:extLst>
       <p:ext uri="{BB962C8B-B14F-4D97-AF65-F5344CB8AC3E}">
-        <p14:creationId xmlns:p14="http://schemas.microsoft.com/office/powerpoint/2010/main" val="679919611"/>
+        <p14:creationId xmlns:p14="http://schemas.microsoft.com/office/powerpoint/2010/main" val="1290149841"/>
       </p:ext>
     </p:extLst>
   </p:cSld>

--- a/deep_learning3.4.pptx
+++ b/deep_learning3.4.pptx
@@ -13,23 +13,26 @@
     <p:sldId id="260" r:id="rId7"/>
     <p:sldId id="279" r:id="rId8"/>
     <p:sldId id="280" r:id="rId9"/>
-    <p:sldId id="261" r:id="rId10"/>
-    <p:sldId id="262" r:id="rId11"/>
-    <p:sldId id="263" r:id="rId12"/>
-    <p:sldId id="264" r:id="rId13"/>
-    <p:sldId id="271" r:id="rId14"/>
-    <p:sldId id="265" r:id="rId15"/>
-    <p:sldId id="272" r:id="rId16"/>
-    <p:sldId id="266" r:id="rId17"/>
-    <p:sldId id="274" r:id="rId18"/>
-    <p:sldId id="267" r:id="rId19"/>
-    <p:sldId id="268" r:id="rId20"/>
-    <p:sldId id="275" r:id="rId21"/>
-    <p:sldId id="276" r:id="rId22"/>
-    <p:sldId id="277" r:id="rId23"/>
-    <p:sldId id="278" r:id="rId24"/>
-    <p:sldId id="269" r:id="rId25"/>
-    <p:sldId id="270" r:id="rId26"/>
+    <p:sldId id="281" r:id="rId10"/>
+    <p:sldId id="261" r:id="rId11"/>
+    <p:sldId id="283" r:id="rId12"/>
+    <p:sldId id="262" r:id="rId13"/>
+    <p:sldId id="263" r:id="rId14"/>
+    <p:sldId id="282" r:id="rId15"/>
+    <p:sldId id="264" r:id="rId16"/>
+    <p:sldId id="271" r:id="rId17"/>
+    <p:sldId id="265" r:id="rId18"/>
+    <p:sldId id="272" r:id="rId19"/>
+    <p:sldId id="266" r:id="rId20"/>
+    <p:sldId id="274" r:id="rId21"/>
+    <p:sldId id="267" r:id="rId22"/>
+    <p:sldId id="268" r:id="rId23"/>
+    <p:sldId id="275" r:id="rId24"/>
+    <p:sldId id="276" r:id="rId25"/>
+    <p:sldId id="277" r:id="rId26"/>
+    <p:sldId id="278" r:id="rId27"/>
+    <p:sldId id="269" r:id="rId28"/>
+    <p:sldId id="270" r:id="rId29"/>
   </p:sldIdLst>
   <p:sldSz cx="12192000" cy="6858000"/>
   <p:notesSz cx="6858000" cy="9144000"/>
@@ -8145,6 +8148,467 @@
           <a:lstStyle/>
           <a:p>
             <a:r>
+              <a:rPr kumimoji="1" lang="en-US" altLang="ja-JP" dirty="0" smtClean="0">
+                <a:latin typeface="Hiragino Kaku Gothic ProN W6" charset="-128"/>
+                <a:ea typeface="Hiragino Kaku Gothic ProN W6" charset="-128"/>
+                <a:cs typeface="Hiragino Kaku Gothic ProN W6" charset="-128"/>
+              </a:rPr>
+              <a:t>3.4.2</a:t>
+            </a:r>
+            <a:r>
+              <a:rPr kumimoji="1" lang="ja-JP" altLang="en-US" dirty="0" smtClean="0">
+                <a:latin typeface="Hiragino Kaku Gothic ProN W6" charset="-128"/>
+                <a:ea typeface="Hiragino Kaku Gothic ProN W6" charset="-128"/>
+                <a:cs typeface="Hiragino Kaku Gothic ProN W6" charset="-128"/>
+              </a:rPr>
+              <a:t>　指数型ハーモニウム族</a:t>
+            </a:r>
+            <a:r>
+              <a:rPr kumimoji="1" lang="en-US" altLang="ja-JP" dirty="0" smtClean="0">
+                <a:latin typeface="Hiragino Kaku Gothic ProN W6" charset="-128"/>
+                <a:ea typeface="Hiragino Kaku Gothic ProN W6" charset="-128"/>
+                <a:cs typeface="Hiragino Kaku Gothic ProN W6" charset="-128"/>
+              </a:rPr>
+              <a:t>(EFH)</a:t>
+            </a:r>
+            <a:endParaRPr kumimoji="1" lang="ja-JP" altLang="en-US" dirty="0">
+              <a:latin typeface="Hiragino Kaku Gothic ProN W6" charset="-128"/>
+              <a:ea typeface="Hiragino Kaku Gothic ProN W6" charset="-128"/>
+              <a:cs typeface="Hiragino Kaku Gothic ProN W6" charset="-128"/>
+            </a:endParaRPr>
+          </a:p>
+        </p:txBody>
+      </p:sp>
+      <p:pic>
+        <p:nvPicPr>
+          <p:cNvPr id="4" name="コンテンツ プレースホルダー 3"/>
+          <p:cNvPicPr>
+            <a:picLocks noGrp="1" noChangeAspect="1"/>
+          </p:cNvPicPr>
+          <p:nvPr>
+            <p:ph idx="1"/>
+          </p:nvPr>
+        </p:nvPicPr>
+        <p:blipFill>
+          <a:blip r:embed="rId2">
+            <a:extLst>
+              <a:ext uri="{28A0092B-C50C-407E-A947-70E740481C1C}">
+                <a14:useLocalDpi xmlns:a14="http://schemas.microsoft.com/office/drawing/2010/main" val="0"/>
+              </a:ext>
+            </a:extLst>
+          </a:blip>
+          <a:stretch>
+            <a:fillRect/>
+          </a:stretch>
+        </p:blipFill>
+        <p:spPr>
+          <a:xfrm>
+            <a:off x="680282" y="3182822"/>
+            <a:ext cx="9613900" cy="3001779"/>
+          </a:xfrm>
+        </p:spPr>
+      </p:pic>
+      <p:sp>
+        <p:nvSpPr>
+          <p:cNvPr id="6" name="テキスト ボックス 5"/>
+          <p:cNvSpPr txBox="1"/>
+          <p:nvPr/>
+        </p:nvSpPr>
+        <p:spPr>
+          <a:xfrm>
+            <a:off x="680282" y="2225109"/>
+            <a:ext cx="8852103" cy="830997"/>
+          </a:xfrm>
+          <a:prstGeom prst="rect">
+            <a:avLst/>
+          </a:prstGeom>
+          <a:noFill/>
+        </p:spPr>
+        <p:txBody>
+          <a:bodyPr wrap="none" rtlCol="0">
+            <a:spAutoFit/>
+          </a:bodyPr>
+          <a:lstStyle/>
+          <a:p>
+            <a:r>
+              <a:rPr kumimoji="1" lang="en-US" altLang="ja-JP" sz="2400" dirty="0" smtClean="0">
+                <a:latin typeface="Hiragino Kaku Gothic ProN W6" charset="-128"/>
+                <a:ea typeface="Hiragino Kaku Gothic ProN W6" charset="-128"/>
+                <a:cs typeface="Hiragino Kaku Gothic ProN W6" charset="-128"/>
+              </a:rPr>
+              <a:t>RBM</a:t>
+            </a:r>
+            <a:r>
+              <a:rPr kumimoji="1" lang="ja-JP" altLang="en-US" sz="2400" dirty="0" smtClean="0">
+                <a:latin typeface="Hiragino Kaku Gothic ProN W6" charset="-128"/>
+                <a:ea typeface="Hiragino Kaku Gothic ProN W6" charset="-128"/>
+                <a:cs typeface="Hiragino Kaku Gothic ProN W6" charset="-128"/>
+              </a:rPr>
+              <a:t>は条件付き分布が独立</a:t>
+            </a:r>
+            <a:endParaRPr kumimoji="1" lang="en-US" altLang="ja-JP" sz="2400" dirty="0" smtClean="0">
+              <a:latin typeface="Hiragino Kaku Gothic ProN W6" charset="-128"/>
+              <a:ea typeface="Hiragino Kaku Gothic ProN W6" charset="-128"/>
+              <a:cs typeface="Hiragino Kaku Gothic ProN W6" charset="-128"/>
+            </a:endParaRPr>
+          </a:p>
+          <a:p>
+            <a:r>
+              <a:rPr kumimoji="1" lang="ja-JP" altLang="en-US" sz="2400" dirty="0" smtClean="0">
+                <a:latin typeface="Hiragino Kaku Gothic ProN W6" charset="-128"/>
+                <a:ea typeface="Hiragino Kaku Gothic ProN W6" charset="-128"/>
+                <a:cs typeface="Hiragino Kaku Gothic ProN W6" charset="-128"/>
+              </a:rPr>
+              <a:t>条件付き分布が独立になる分布を一般に</a:t>
+            </a:r>
+            <a:r>
+              <a:rPr kumimoji="1" lang="en-US" altLang="ja-JP" sz="2400" dirty="0" smtClean="0">
+                <a:latin typeface="Hiragino Kaku Gothic ProN W6" charset="-128"/>
+                <a:ea typeface="Hiragino Kaku Gothic ProN W6" charset="-128"/>
+                <a:cs typeface="Hiragino Kaku Gothic ProN W6" charset="-128"/>
+              </a:rPr>
+              <a:t>EFH</a:t>
+            </a:r>
+            <a:r>
+              <a:rPr kumimoji="1" lang="ja-JP" altLang="en-US" sz="2400" dirty="0" smtClean="0">
+                <a:latin typeface="Hiragino Kaku Gothic ProN W6" charset="-128"/>
+                <a:ea typeface="Hiragino Kaku Gothic ProN W6" charset="-128"/>
+                <a:cs typeface="Hiragino Kaku Gothic ProN W6" charset="-128"/>
+              </a:rPr>
+              <a:t>といい以下で表す</a:t>
+            </a:r>
+            <a:endParaRPr kumimoji="1" lang="ja-JP" altLang="en-US" sz="2400" dirty="0">
+              <a:latin typeface="Hiragino Kaku Gothic ProN W6" charset="-128"/>
+              <a:ea typeface="Hiragino Kaku Gothic ProN W6" charset="-128"/>
+              <a:cs typeface="Hiragino Kaku Gothic ProN W6" charset="-128"/>
+            </a:endParaRPr>
+          </a:p>
+        </p:txBody>
+      </p:sp>
+      <p:sp>
+        <p:nvSpPr>
+          <p:cNvPr id="7" name="テキスト ボックス 6"/>
+          <p:cNvSpPr txBox="1"/>
+          <p:nvPr/>
+        </p:nvSpPr>
+        <p:spPr>
+          <a:xfrm>
+            <a:off x="680282" y="4683711"/>
+            <a:ext cx="4067503" cy="369332"/>
+          </a:xfrm>
+          <a:prstGeom prst="rect">
+            <a:avLst/>
+          </a:prstGeom>
+          <a:noFill/>
+        </p:spPr>
+        <p:txBody>
+          <a:bodyPr wrap="square" rtlCol="0">
+            <a:spAutoFit/>
+          </a:bodyPr>
+          <a:lstStyle/>
+          <a:p>
+            <a:r>
+              <a:rPr kumimoji="1" lang="ja-JP" altLang="en-US" dirty="0" smtClean="0">
+                <a:solidFill>
+                  <a:srgbClr val="FF0000"/>
+                </a:solidFill>
+                <a:latin typeface="Hiragino Kaku Gothic ProN W6" charset="-128"/>
+                <a:ea typeface="Hiragino Kaku Gothic ProN W6" charset="-128"/>
+                <a:cs typeface="Hiragino Kaku Gothic ProN W6" charset="-128"/>
+              </a:rPr>
+              <a:t>エネルギー関数</a:t>
+            </a:r>
+            <a:endParaRPr kumimoji="1" lang="ja-JP" altLang="en-US" dirty="0">
+              <a:solidFill>
+                <a:srgbClr val="FF0000"/>
+              </a:solidFill>
+              <a:latin typeface="Hiragino Kaku Gothic ProN W6" charset="-128"/>
+              <a:ea typeface="Hiragino Kaku Gothic ProN W6" charset="-128"/>
+              <a:cs typeface="Hiragino Kaku Gothic ProN W6" charset="-128"/>
+            </a:endParaRPr>
+          </a:p>
+        </p:txBody>
+      </p:sp>
+      <p:sp>
+        <p:nvSpPr>
+          <p:cNvPr id="8" name="テキスト ボックス 7"/>
+          <p:cNvSpPr txBox="1"/>
+          <p:nvPr/>
+        </p:nvSpPr>
+        <p:spPr>
+          <a:xfrm>
+            <a:off x="10294182" y="4222046"/>
+            <a:ext cx="1176925" cy="461665"/>
+          </a:xfrm>
+          <a:prstGeom prst="rect">
+            <a:avLst/>
+          </a:prstGeom>
+          <a:noFill/>
+        </p:spPr>
+        <p:txBody>
+          <a:bodyPr wrap="none" rtlCol="0">
+            <a:spAutoFit/>
+          </a:bodyPr>
+          <a:lstStyle/>
+          <a:p>
+            <a:r>
+              <a:rPr kumimoji="1" lang="en-US" altLang="ja-JP" sz="2400" dirty="0" smtClean="0">
+                <a:latin typeface="Hiragino Kaku Gothic ProN W6" charset="-128"/>
+                <a:ea typeface="Hiragino Kaku Gothic ProN W6" charset="-128"/>
+                <a:cs typeface="Hiragino Kaku Gothic ProN W6" charset="-128"/>
+              </a:rPr>
+              <a:t>(3.12)</a:t>
+            </a:r>
+            <a:endParaRPr kumimoji="1" lang="ja-JP" altLang="en-US" sz="2400" dirty="0">
+              <a:latin typeface="Hiragino Kaku Gothic ProN W6" charset="-128"/>
+              <a:ea typeface="Hiragino Kaku Gothic ProN W6" charset="-128"/>
+              <a:cs typeface="Hiragino Kaku Gothic ProN W6" charset="-128"/>
+            </a:endParaRPr>
+          </a:p>
+        </p:txBody>
+      </p:sp>
+    </p:spTree>
+    <p:extLst>
+      <p:ext uri="{BB962C8B-B14F-4D97-AF65-F5344CB8AC3E}">
+        <p14:creationId xmlns:p14="http://schemas.microsoft.com/office/powerpoint/2010/main" val="1290149841"/>
+      </p:ext>
+    </p:extLst>
+  </p:cSld>
+  <p:clrMapOvr>
+    <a:masterClrMapping/>
+  </p:clrMapOvr>
+  <p:timing>
+    <p:tnLst>
+      <p:par>
+        <p:cTn id="1" dur="indefinite" restart="never" nodeType="tmRoot"/>
+      </p:par>
+    </p:tnLst>
+  </p:timing>
+</p:sld>
+</file>
+
+<file path=ppt/slides/slide11.xml><?xml version="1.0" encoding="utf-8"?>
+<p:sld xmlns:a="http://schemas.openxmlformats.org/drawingml/2006/main" xmlns:r="http://schemas.openxmlformats.org/officeDocument/2006/relationships" xmlns:p="http://schemas.openxmlformats.org/presentationml/2006/main">
+  <p:cSld>
+    <p:spTree>
+      <p:nvGrpSpPr>
+        <p:cNvPr id="1" name=""/>
+        <p:cNvGrpSpPr/>
+        <p:nvPr/>
+      </p:nvGrpSpPr>
+      <p:grpSpPr>
+        <a:xfrm>
+          <a:off x="0" y="0"/>
+          <a:ext cx="0" cy="0"/>
+          <a:chOff x="0" y="0"/>
+          <a:chExt cx="0" cy="0"/>
+        </a:xfrm>
+      </p:grpSpPr>
+      <p:sp>
+        <p:nvSpPr>
+          <p:cNvPr id="2" name="タイトル 1"/>
+          <p:cNvSpPr>
+            <a:spLocks noGrp="1"/>
+          </p:cNvSpPr>
+          <p:nvPr>
+            <p:ph type="title"/>
+          </p:nvPr>
+        </p:nvSpPr>
+        <p:spPr/>
+        <p:txBody>
+          <a:bodyPr/>
+          <a:lstStyle/>
+          <a:p>
+            <a:r>
+              <a:rPr kumimoji="1" lang="ja-JP" altLang="en-US" dirty="0" smtClean="0">
+                <a:latin typeface="Hiragino Kaku Gothic ProN W6" charset="-128"/>
+                <a:ea typeface="Hiragino Kaku Gothic ProN W6" charset="-128"/>
+                <a:cs typeface="Hiragino Kaku Gothic ProN W6" charset="-128"/>
+              </a:rPr>
+              <a:t>ギプスサンプリング</a:t>
+            </a:r>
+            <a:endParaRPr kumimoji="1" lang="ja-JP" altLang="en-US" dirty="0">
+              <a:latin typeface="Hiragino Kaku Gothic ProN W6" charset="-128"/>
+              <a:ea typeface="Hiragino Kaku Gothic ProN W6" charset="-128"/>
+              <a:cs typeface="Hiragino Kaku Gothic ProN W6" charset="-128"/>
+            </a:endParaRPr>
+          </a:p>
+        </p:txBody>
+      </p:sp>
+      <p:pic>
+        <p:nvPicPr>
+          <p:cNvPr id="4" name="コンテンツ プレースホルダー 3"/>
+          <p:cNvPicPr>
+            <a:picLocks noGrp="1" noChangeAspect="1"/>
+          </p:cNvPicPr>
+          <p:nvPr>
+            <p:ph idx="1"/>
+          </p:nvPr>
+        </p:nvPicPr>
+        <p:blipFill>
+          <a:blip r:embed="rId2">
+            <a:extLst>
+              <a:ext uri="{28A0092B-C50C-407E-A947-70E740481C1C}">
+                <a14:useLocalDpi xmlns:a14="http://schemas.microsoft.com/office/drawing/2010/main" val="0"/>
+              </a:ext>
+            </a:extLst>
+          </a:blip>
+          <a:stretch>
+            <a:fillRect/>
+          </a:stretch>
+        </p:blipFill>
+        <p:spPr>
+          <a:xfrm>
+            <a:off x="680282" y="3458903"/>
+            <a:ext cx="9613900" cy="1081389"/>
+          </a:xfrm>
+        </p:spPr>
+      </p:pic>
+      <p:sp>
+        <p:nvSpPr>
+          <p:cNvPr id="5" name="テキスト ボックス 4"/>
+          <p:cNvSpPr txBox="1"/>
+          <p:nvPr/>
+        </p:nvSpPr>
+        <p:spPr>
+          <a:xfrm>
+            <a:off x="680321" y="2585544"/>
+            <a:ext cx="8387232" cy="461665"/>
+          </a:xfrm>
+          <a:prstGeom prst="rect">
+            <a:avLst/>
+          </a:prstGeom>
+          <a:noFill/>
+        </p:spPr>
+        <p:txBody>
+          <a:bodyPr wrap="none" rtlCol="0">
+            <a:spAutoFit/>
+          </a:bodyPr>
+          <a:lstStyle/>
+          <a:p>
+            <a:r>
+              <a:rPr kumimoji="1" lang="ja-JP" altLang="en-US" sz="2400" dirty="0" smtClean="0">
+                <a:latin typeface="Hiragino Kaku Gothic ProN W6" charset="-128"/>
+                <a:ea typeface="Hiragino Kaku Gothic ProN W6" charset="-128"/>
+                <a:cs typeface="Hiragino Kaku Gothic ProN W6" charset="-128"/>
+              </a:rPr>
+              <a:t>ギプスサンプリングを</a:t>
+            </a:r>
+            <a:r>
+              <a:rPr kumimoji="1" lang="en-US" altLang="ja-JP" sz="2400" dirty="0" smtClean="0">
+                <a:latin typeface="Hiragino Kaku Gothic ProN W6" charset="-128"/>
+                <a:ea typeface="Hiragino Kaku Gothic ProN W6" charset="-128"/>
+                <a:cs typeface="Hiragino Kaku Gothic ProN W6" charset="-128"/>
+              </a:rPr>
+              <a:t>k</a:t>
+            </a:r>
+            <a:r>
+              <a:rPr kumimoji="1" lang="ja-JP" altLang="en-US" sz="2400" dirty="0" smtClean="0">
+                <a:latin typeface="Hiragino Kaku Gothic ProN W6" charset="-128"/>
+                <a:ea typeface="Hiragino Kaku Gothic ProN W6" charset="-128"/>
+                <a:cs typeface="Hiragino Kaku Gothic ProN W6" charset="-128"/>
+              </a:rPr>
+              <a:t>回繰り返した後の分布を左辺として</a:t>
+            </a:r>
+            <a:endParaRPr kumimoji="1" lang="ja-JP" altLang="en-US" sz="2400" dirty="0">
+              <a:latin typeface="Hiragino Kaku Gothic ProN W6" charset="-128"/>
+              <a:ea typeface="Hiragino Kaku Gothic ProN W6" charset="-128"/>
+              <a:cs typeface="Hiragino Kaku Gothic ProN W6" charset="-128"/>
+            </a:endParaRPr>
+          </a:p>
+        </p:txBody>
+      </p:sp>
+      <p:sp>
+        <p:nvSpPr>
+          <p:cNvPr id="6" name="テキスト ボックス 5"/>
+          <p:cNvSpPr txBox="1"/>
+          <p:nvPr/>
+        </p:nvSpPr>
+        <p:spPr>
+          <a:xfrm>
+            <a:off x="861848" y="4951986"/>
+            <a:ext cx="7571303" cy="461665"/>
+          </a:xfrm>
+          <a:prstGeom prst="rect">
+            <a:avLst/>
+          </a:prstGeom>
+          <a:noFill/>
+        </p:spPr>
+        <p:txBody>
+          <a:bodyPr wrap="none" rtlCol="0">
+            <a:spAutoFit/>
+          </a:bodyPr>
+          <a:lstStyle/>
+          <a:p>
+            <a:r>
+              <a:rPr kumimoji="1" lang="ja-JP" altLang="en-US" sz="2400" smtClean="0">
+                <a:latin typeface="Hiragino Kaku Gothic ProN W6" charset="-128"/>
+                <a:ea typeface="Hiragino Kaku Gothic ProN W6" charset="-128"/>
+                <a:cs typeface="Hiragino Kaku Gothic ProN W6" charset="-128"/>
+              </a:rPr>
+              <a:t>この式による分布の更新をギプスサンプリングという</a:t>
+            </a:r>
+            <a:endParaRPr kumimoji="1" lang="ja-JP" altLang="en-US" sz="2400">
+              <a:latin typeface="Hiragino Kaku Gothic ProN W6" charset="-128"/>
+              <a:ea typeface="Hiragino Kaku Gothic ProN W6" charset="-128"/>
+              <a:cs typeface="Hiragino Kaku Gothic ProN W6" charset="-128"/>
+            </a:endParaRPr>
+          </a:p>
+        </p:txBody>
+      </p:sp>
+    </p:spTree>
+    <p:extLst>
+      <p:ext uri="{BB962C8B-B14F-4D97-AF65-F5344CB8AC3E}">
+        <p14:creationId xmlns:p14="http://schemas.microsoft.com/office/powerpoint/2010/main" val="1717839965"/>
+      </p:ext>
+    </p:extLst>
+  </p:cSld>
+  <p:clrMapOvr>
+    <a:masterClrMapping/>
+  </p:clrMapOvr>
+  <p:timing>
+    <p:tnLst>
+      <p:par>
+        <p:cTn id="1" dur="indefinite" restart="never" nodeType="tmRoot"/>
+      </p:par>
+    </p:tnLst>
+  </p:timing>
+</p:sld>
+</file>
+
+<file path=ppt/slides/slide12.xml><?xml version="1.0" encoding="utf-8"?>
+<p:sld xmlns:a="http://schemas.openxmlformats.org/drawingml/2006/main" xmlns:r="http://schemas.openxmlformats.org/officeDocument/2006/relationships" xmlns:p="http://schemas.openxmlformats.org/presentationml/2006/main">
+  <p:cSld>
+    <p:spTree>
+      <p:nvGrpSpPr>
+        <p:cNvPr id="1" name=""/>
+        <p:cNvGrpSpPr/>
+        <p:nvPr/>
+      </p:nvGrpSpPr>
+      <p:grpSpPr>
+        <a:xfrm>
+          <a:off x="0" y="0"/>
+          <a:ext cx="0" cy="0"/>
+          <a:chOff x="0" y="0"/>
+          <a:chExt cx="0" cy="0"/>
+        </a:xfrm>
+      </p:grpSpPr>
+      <p:sp>
+        <p:nvSpPr>
+          <p:cNvPr id="2" name="タイトル 1"/>
+          <p:cNvSpPr>
+            <a:spLocks noGrp="1"/>
+          </p:cNvSpPr>
+          <p:nvPr>
+            <p:ph type="title"/>
+          </p:nvPr>
+        </p:nvSpPr>
+        <p:spPr/>
+        <p:txBody>
+          <a:bodyPr/>
+          <a:lstStyle/>
+          <a:p>
+            <a:r>
               <a:rPr lang="en-US" altLang="ja-JP" dirty="0" smtClean="0">
                 <a:latin typeface="Hiragino Kaku Gothic ProN W6" charset="-128"/>
                 <a:ea typeface="Hiragino Kaku Gothic ProN W6" charset="-128"/>
@@ -8477,573 +8941,6 @@
     <p:extLst>
       <p:ext uri="{BB962C8B-B14F-4D97-AF65-F5344CB8AC3E}">
         <p14:creationId xmlns:p14="http://schemas.microsoft.com/office/powerpoint/2010/main" val="1401643387"/>
-      </p:ext>
-    </p:extLst>
-  </p:cSld>
-  <p:clrMapOvr>
-    <a:masterClrMapping/>
-  </p:clrMapOvr>
-</p:sld>
-</file>
-
-<file path=ppt/slides/slide11.xml><?xml version="1.0" encoding="utf-8"?>
-<p:sld xmlns:a="http://schemas.openxmlformats.org/drawingml/2006/main" xmlns:r="http://schemas.openxmlformats.org/officeDocument/2006/relationships" xmlns:p="http://schemas.openxmlformats.org/presentationml/2006/main">
-  <p:cSld>
-    <p:spTree>
-      <p:nvGrpSpPr>
-        <p:cNvPr id="1" name=""/>
-        <p:cNvGrpSpPr/>
-        <p:nvPr/>
-      </p:nvGrpSpPr>
-      <p:grpSpPr>
-        <a:xfrm>
-          <a:off x="0" y="0"/>
-          <a:ext cx="0" cy="0"/>
-          <a:chOff x="0" y="0"/>
-          <a:chExt cx="0" cy="0"/>
-        </a:xfrm>
-      </p:grpSpPr>
-      <p:sp>
-        <p:nvSpPr>
-          <p:cNvPr id="2" name="タイトル 1"/>
-          <p:cNvSpPr>
-            <a:spLocks noGrp="1"/>
-          </p:cNvSpPr>
-          <p:nvPr>
-            <p:ph type="title"/>
-          </p:nvPr>
-        </p:nvSpPr>
-        <p:spPr/>
-        <p:txBody>
-          <a:bodyPr/>
-          <a:lstStyle/>
-          <a:p>
-            <a:r>
-              <a:rPr kumimoji="1" lang="en-US" altLang="ja-JP" dirty="0" smtClean="0">
-                <a:latin typeface="Hiragino Kaku Gothic ProN W6" charset="-128"/>
-                <a:ea typeface="Hiragino Kaku Gothic ProN W6" charset="-128"/>
-                <a:cs typeface="Hiragino Kaku Gothic ProN W6" charset="-128"/>
-              </a:rPr>
-              <a:t>3.4.4</a:t>
-            </a:r>
-            <a:r>
-              <a:rPr kumimoji="1" lang="ja-JP" altLang="en-US" dirty="0" smtClean="0">
-                <a:latin typeface="Hiragino Kaku Gothic ProN W6" charset="-128"/>
-                <a:ea typeface="Hiragino Kaku Gothic ProN W6" charset="-128"/>
-                <a:cs typeface="Hiragino Kaku Gothic ProN W6" charset="-128"/>
-              </a:rPr>
-              <a:t>　</a:t>
-            </a:r>
-            <a:r>
-              <a:rPr kumimoji="1" lang="en-US" altLang="ja-JP" dirty="0" smtClean="0">
-                <a:latin typeface="Hiragino Kaku Gothic ProN W6" charset="-128"/>
-                <a:ea typeface="Hiragino Kaku Gothic ProN W6" charset="-128"/>
-                <a:cs typeface="Hiragino Kaku Gothic ProN W6" charset="-128"/>
-              </a:rPr>
-              <a:t>CD</a:t>
-            </a:r>
-            <a:r>
-              <a:rPr kumimoji="1" lang="ja-JP" altLang="en-US" dirty="0" smtClean="0">
-                <a:latin typeface="Hiragino Kaku Gothic ProN W6" charset="-128"/>
-                <a:ea typeface="Hiragino Kaku Gothic ProN W6" charset="-128"/>
-                <a:cs typeface="Hiragino Kaku Gothic ProN W6" charset="-128"/>
-              </a:rPr>
-              <a:t>法が最適化している損失関数</a:t>
-            </a:r>
-            <a:endParaRPr kumimoji="1" lang="ja-JP" altLang="en-US" dirty="0">
-              <a:latin typeface="Hiragino Kaku Gothic ProN W6" charset="-128"/>
-              <a:ea typeface="Hiragino Kaku Gothic ProN W6" charset="-128"/>
-              <a:cs typeface="Hiragino Kaku Gothic ProN W6" charset="-128"/>
-            </a:endParaRPr>
-          </a:p>
-        </p:txBody>
-      </p:sp>
-      <p:sp>
-        <p:nvSpPr>
-          <p:cNvPr id="3" name="コンテンツ プレースホルダー 2"/>
-          <p:cNvSpPr>
-            <a:spLocks noGrp="1"/>
-          </p:cNvSpPr>
-          <p:nvPr>
-            <p:ph idx="1"/>
-          </p:nvPr>
-        </p:nvSpPr>
-        <p:spPr/>
-        <p:txBody>
-          <a:bodyPr/>
-          <a:lstStyle/>
-          <a:p>
-            <a:r>
-              <a:rPr kumimoji="1" lang="ja-JP" altLang="en-US" dirty="0" smtClean="0">
-                <a:latin typeface="Hiragino Kaku Gothic ProN W6" charset="-128"/>
-                <a:ea typeface="Hiragino Kaku Gothic ProN W6" charset="-128"/>
-                <a:cs typeface="Hiragino Kaku Gothic ProN W6" charset="-128"/>
-              </a:rPr>
-              <a:t>ギプスサンプリングは導関数を用いて対数尤度を最大化</a:t>
-            </a:r>
-            <a:endParaRPr kumimoji="1" lang="en-US" altLang="ja-JP" dirty="0" smtClean="0">
-              <a:latin typeface="Hiragino Kaku Gothic ProN W6" charset="-128"/>
-              <a:ea typeface="Hiragino Kaku Gothic ProN W6" charset="-128"/>
-              <a:cs typeface="Hiragino Kaku Gothic ProN W6" charset="-128"/>
-            </a:endParaRPr>
-          </a:p>
-          <a:p>
-            <a:r>
-              <a:rPr lang="en-US" altLang="ja-JP" dirty="0" smtClean="0">
-                <a:latin typeface="Hiragino Kaku Gothic ProN W6" charset="-128"/>
-                <a:ea typeface="Hiragino Kaku Gothic ProN W6" charset="-128"/>
-                <a:cs typeface="Hiragino Kaku Gothic ProN W6" charset="-128"/>
-              </a:rPr>
-              <a:t>CD</a:t>
-            </a:r>
-            <a:r>
-              <a:rPr lang="ja-JP" altLang="en-US" dirty="0" smtClean="0">
-                <a:latin typeface="Hiragino Kaku Gothic ProN W6" charset="-128"/>
-                <a:ea typeface="Hiragino Kaku Gothic ProN W6" charset="-128"/>
-                <a:cs typeface="Hiragino Kaku Gothic ProN W6" charset="-128"/>
-              </a:rPr>
-              <a:t>法も導関数の級数展開を打ち切った形なので対数尤度の最急勾配の良い近似</a:t>
-            </a:r>
-            <a:endParaRPr lang="en-US" altLang="ja-JP" dirty="0" smtClean="0">
-              <a:latin typeface="Hiragino Kaku Gothic ProN W6" charset="-128"/>
-              <a:ea typeface="Hiragino Kaku Gothic ProN W6" charset="-128"/>
-              <a:cs typeface="Hiragino Kaku Gothic ProN W6" charset="-128"/>
-            </a:endParaRPr>
-          </a:p>
-          <a:p>
-            <a:endParaRPr kumimoji="1" lang="en-US" altLang="ja-JP" dirty="0">
-              <a:latin typeface="Hiragino Kaku Gothic ProN W6" charset="-128"/>
-              <a:ea typeface="Hiragino Kaku Gothic ProN W6" charset="-128"/>
-              <a:cs typeface="Hiragino Kaku Gothic ProN W6" charset="-128"/>
-            </a:endParaRPr>
-          </a:p>
-          <a:p>
-            <a:r>
-              <a:rPr kumimoji="1" lang="en-US" altLang="ja-JP" dirty="0" smtClean="0">
-                <a:latin typeface="Hiragino Kaku Gothic ProN W6" charset="-128"/>
-                <a:ea typeface="Hiragino Kaku Gothic ProN W6" charset="-128"/>
-                <a:cs typeface="Hiragino Kaku Gothic ProN W6" charset="-128"/>
-              </a:rPr>
-              <a:t>CD</a:t>
-            </a:r>
-            <a:r>
-              <a:rPr kumimoji="1" lang="ja-JP" altLang="en-US" dirty="0" smtClean="0">
-                <a:latin typeface="Hiragino Kaku Gothic ProN W6" charset="-128"/>
-                <a:ea typeface="Hiragino Kaku Gothic ProN W6" charset="-128"/>
-                <a:cs typeface="Hiragino Kaku Gothic ProN W6" charset="-128"/>
-              </a:rPr>
-              <a:t>法をそもそも異なる損失関数を最適化する手法と解釈</a:t>
-            </a:r>
-            <a:endParaRPr kumimoji="1" lang="en-US" altLang="ja-JP" dirty="0" smtClean="0">
-              <a:latin typeface="Hiragino Kaku Gothic ProN W6" charset="-128"/>
-              <a:ea typeface="Hiragino Kaku Gothic ProN W6" charset="-128"/>
-              <a:cs typeface="Hiragino Kaku Gothic ProN W6" charset="-128"/>
-            </a:endParaRPr>
-          </a:p>
-          <a:p>
-            <a:pPr marL="0" indent="0">
-              <a:buNone/>
-            </a:pPr>
-            <a:r>
-              <a:rPr lang="ja-JP" altLang="en-US" dirty="0" smtClean="0">
-                <a:latin typeface="Hiragino Kaku Gothic ProN W6" charset="-128"/>
-                <a:ea typeface="Hiragino Kaku Gothic ProN W6" charset="-128"/>
-                <a:cs typeface="Hiragino Kaku Gothic ProN W6" charset="-128"/>
-              </a:rPr>
-              <a:t>ギプスサンプリングを</a:t>
-            </a:r>
-            <a:r>
-              <a:rPr lang="en-US" altLang="ja-JP" dirty="0" smtClean="0">
-                <a:latin typeface="Hiragino Kaku Gothic ProN W6" charset="-128"/>
-                <a:ea typeface="Hiragino Kaku Gothic ProN W6" charset="-128"/>
-                <a:cs typeface="Hiragino Kaku Gothic ProN W6" charset="-128"/>
-              </a:rPr>
-              <a:t>k</a:t>
-            </a:r>
-            <a:r>
-              <a:rPr lang="ja-JP" altLang="en-US" dirty="0" smtClean="0">
-                <a:latin typeface="Hiragino Kaku Gothic ProN W6" charset="-128"/>
-                <a:ea typeface="Hiragino Kaku Gothic ProN W6" charset="-128"/>
-                <a:cs typeface="Hiragino Kaku Gothic ProN W6" charset="-128"/>
-              </a:rPr>
-              <a:t>回行った</a:t>
-            </a:r>
-            <a:r>
-              <a:rPr lang="en-US" altLang="ja-JP" dirty="0" smtClean="0">
-                <a:latin typeface="Hiragino Kaku Gothic ProN W6" charset="-128"/>
-                <a:ea typeface="Hiragino Kaku Gothic ProN W6" charset="-128"/>
-                <a:cs typeface="Hiragino Kaku Gothic ProN W6" charset="-128"/>
-              </a:rPr>
-              <a:t>CD-k</a:t>
-            </a:r>
-            <a:r>
-              <a:rPr lang="ja-JP" altLang="en-US" dirty="0" smtClean="0">
-                <a:latin typeface="Hiragino Kaku Gothic ProN W6" charset="-128"/>
-                <a:ea typeface="Hiragino Kaku Gothic ProN W6" charset="-128"/>
-                <a:cs typeface="Hiragino Kaku Gothic ProN W6" charset="-128"/>
-              </a:rPr>
-              <a:t>法の損失関数</a:t>
-            </a:r>
-            <a:endParaRPr lang="en-US" altLang="ja-JP" dirty="0" smtClean="0">
-              <a:latin typeface="Hiragino Kaku Gothic ProN W6" charset="-128"/>
-              <a:ea typeface="Hiragino Kaku Gothic ProN W6" charset="-128"/>
-              <a:cs typeface="Hiragino Kaku Gothic ProN W6" charset="-128"/>
-            </a:endParaRPr>
-          </a:p>
-          <a:p>
-            <a:endParaRPr kumimoji="1" lang="ja-JP" altLang="en-US" dirty="0">
-              <a:latin typeface="Hiragino Kaku Gothic ProN W6" charset="-128"/>
-              <a:ea typeface="Hiragino Kaku Gothic ProN W6" charset="-128"/>
-              <a:cs typeface="Hiragino Kaku Gothic ProN W6" charset="-128"/>
-            </a:endParaRPr>
-          </a:p>
-        </p:txBody>
-      </p:sp>
-      <p:pic>
-        <p:nvPicPr>
-          <p:cNvPr id="5" name="図 4"/>
-          <p:cNvPicPr>
-            <a:picLocks noChangeAspect="1"/>
-          </p:cNvPicPr>
-          <p:nvPr/>
-        </p:nvPicPr>
-        <p:blipFill>
-          <a:blip r:embed="rId2">
-            <a:extLst>
-              <a:ext uri="{28A0092B-C50C-407E-A947-70E740481C1C}">
-                <a14:useLocalDpi xmlns:a14="http://schemas.microsoft.com/office/drawing/2010/main" val="0"/>
-              </a:ext>
-            </a:extLst>
-          </a:blip>
-          <a:stretch>
-            <a:fillRect/>
-          </a:stretch>
-        </p:blipFill>
-        <p:spPr>
-          <a:xfrm>
-            <a:off x="680321" y="5004238"/>
-            <a:ext cx="10058400" cy="803411"/>
-          </a:xfrm>
-          <a:prstGeom prst="rect">
-            <a:avLst/>
-          </a:prstGeom>
-        </p:spPr>
-      </p:pic>
-    </p:spTree>
-    <p:extLst>
-      <p:ext uri="{BB962C8B-B14F-4D97-AF65-F5344CB8AC3E}">
-        <p14:creationId xmlns:p14="http://schemas.microsoft.com/office/powerpoint/2010/main" val="679919611"/>
-      </p:ext>
-    </p:extLst>
-  </p:cSld>
-  <p:clrMapOvr>
-    <a:masterClrMapping/>
-  </p:clrMapOvr>
-</p:sld>
-</file>
-
-<file path=ppt/slides/slide12.xml><?xml version="1.0" encoding="utf-8"?>
-<p:sld xmlns:a="http://schemas.openxmlformats.org/drawingml/2006/main" xmlns:r="http://schemas.openxmlformats.org/officeDocument/2006/relationships" xmlns:p="http://schemas.openxmlformats.org/presentationml/2006/main">
-  <p:cSld>
-    <p:spTree>
-      <p:nvGrpSpPr>
-        <p:cNvPr id="1" name=""/>
-        <p:cNvGrpSpPr/>
-        <p:nvPr/>
-      </p:nvGrpSpPr>
-      <p:grpSpPr>
-        <a:xfrm>
-          <a:off x="0" y="0"/>
-          <a:ext cx="0" cy="0"/>
-          <a:chOff x="0" y="0"/>
-          <a:chExt cx="0" cy="0"/>
-        </a:xfrm>
-      </p:grpSpPr>
-      <p:sp>
-        <p:nvSpPr>
-          <p:cNvPr id="2" name="タイトル 1"/>
-          <p:cNvSpPr>
-            <a:spLocks noGrp="1"/>
-          </p:cNvSpPr>
-          <p:nvPr>
-            <p:ph type="title"/>
-          </p:nvPr>
-        </p:nvSpPr>
-        <p:spPr/>
-        <p:txBody>
-          <a:bodyPr/>
-          <a:lstStyle/>
-          <a:p>
-            <a:r>
-              <a:rPr kumimoji="1" lang="en-US" altLang="ja-JP" dirty="0" smtClean="0">
-                <a:latin typeface="Hiragino Kaku Gothic ProN W6" charset="-128"/>
-                <a:ea typeface="Hiragino Kaku Gothic ProN W6" charset="-128"/>
-                <a:cs typeface="Hiragino Kaku Gothic ProN W6" charset="-128"/>
-              </a:rPr>
-              <a:t>3.4.5</a:t>
-            </a:r>
-            <a:r>
-              <a:rPr lang="en-US" altLang="ja-JP" dirty="0">
-                <a:latin typeface="Hiragino Kaku Gothic ProN W6" charset="-128"/>
-                <a:ea typeface="Hiragino Kaku Gothic ProN W6" charset="-128"/>
-                <a:cs typeface="Hiragino Kaku Gothic ProN W6" charset="-128"/>
-              </a:rPr>
-              <a:t/>
-            </a:r>
-            <a:br>
-              <a:rPr lang="en-US" altLang="ja-JP" dirty="0">
-                <a:latin typeface="Hiragino Kaku Gothic ProN W6" charset="-128"/>
-                <a:ea typeface="Hiragino Kaku Gothic ProN W6" charset="-128"/>
-                <a:cs typeface="Hiragino Kaku Gothic ProN W6" charset="-128"/>
-              </a:rPr>
-            </a:br>
-            <a:r>
-              <a:rPr kumimoji="1" lang="en-US" altLang="ja-JP" dirty="0" smtClean="0">
-                <a:latin typeface="Hiragino Kaku Gothic ProN W6" charset="-128"/>
-                <a:ea typeface="Hiragino Kaku Gothic ProN W6" charset="-128"/>
-                <a:cs typeface="Hiragino Kaku Gothic ProN W6" charset="-128"/>
-              </a:rPr>
-              <a:t>CD</a:t>
-            </a:r>
-            <a:r>
-              <a:rPr kumimoji="1" lang="ja-JP" altLang="en-US" dirty="0" smtClean="0">
-                <a:latin typeface="Hiragino Kaku Gothic ProN W6" charset="-128"/>
-                <a:ea typeface="Hiragino Kaku Gothic ProN W6" charset="-128"/>
-                <a:cs typeface="Hiragino Kaku Gothic ProN W6" charset="-128"/>
-              </a:rPr>
-              <a:t>法と類似した学習則を与えるアルゴリズム</a:t>
-            </a:r>
-            <a:endParaRPr kumimoji="1" lang="ja-JP" altLang="en-US" dirty="0">
-              <a:latin typeface="Hiragino Kaku Gothic ProN W6" charset="-128"/>
-              <a:ea typeface="Hiragino Kaku Gothic ProN W6" charset="-128"/>
-              <a:cs typeface="Hiragino Kaku Gothic ProN W6" charset="-128"/>
-            </a:endParaRPr>
-          </a:p>
-        </p:txBody>
-      </p:sp>
-      <p:sp>
-        <p:nvSpPr>
-          <p:cNvPr id="3" name="コンテンツ プレースホルダー 2"/>
-          <p:cNvSpPr>
-            <a:spLocks noGrp="1"/>
-          </p:cNvSpPr>
-          <p:nvPr>
-            <p:ph idx="1"/>
-          </p:nvPr>
-        </p:nvSpPr>
-        <p:spPr/>
-        <p:txBody>
-          <a:bodyPr/>
-          <a:lstStyle/>
-          <a:p>
-            <a:pPr marL="0" indent="0">
-              <a:buNone/>
-            </a:pPr>
-            <a:r>
-              <a:rPr kumimoji="1" lang="ja-JP" altLang="en-US" sz="3200" dirty="0" smtClean="0">
-                <a:latin typeface="Hiragino Kaku Gothic ProN W6" charset="-128"/>
-                <a:ea typeface="Hiragino Kaku Gothic ProN W6" charset="-128"/>
-                <a:cs typeface="Hiragino Kaku Gothic ProN W6" charset="-128"/>
-              </a:rPr>
-              <a:t>最小確率流法</a:t>
-            </a:r>
-            <a:r>
-              <a:rPr kumimoji="1" lang="en-US" altLang="ja-JP" sz="3200" dirty="0" smtClean="0">
-                <a:latin typeface="Hiragino Kaku Gothic ProN W6" charset="-128"/>
-                <a:ea typeface="Hiragino Kaku Gothic ProN W6" charset="-128"/>
-                <a:cs typeface="Hiragino Kaku Gothic ProN W6" charset="-128"/>
-              </a:rPr>
-              <a:t>(MPF</a:t>
-            </a:r>
-            <a:r>
-              <a:rPr kumimoji="1" lang="ja-JP" altLang="en-US" sz="3200" dirty="0" smtClean="0">
-                <a:latin typeface="Hiragino Kaku Gothic ProN W6" charset="-128"/>
-                <a:ea typeface="Hiragino Kaku Gothic ProN W6" charset="-128"/>
-                <a:cs typeface="Hiragino Kaku Gothic ProN W6" charset="-128"/>
-              </a:rPr>
-              <a:t>法</a:t>
-            </a:r>
-            <a:r>
-              <a:rPr kumimoji="1" lang="en-US" altLang="ja-JP" sz="3200" dirty="0" smtClean="0">
-                <a:latin typeface="Hiragino Kaku Gothic ProN W6" charset="-128"/>
-                <a:ea typeface="Hiragino Kaku Gothic ProN W6" charset="-128"/>
-                <a:cs typeface="Hiragino Kaku Gothic ProN W6" charset="-128"/>
-              </a:rPr>
-              <a:t>)</a:t>
-            </a:r>
-          </a:p>
-          <a:p>
-            <a:pPr marL="457200" indent="-457200">
-              <a:buFont typeface="+mj-lt"/>
-              <a:buAutoNum type="arabicPeriod"/>
-            </a:pPr>
-            <a:r>
-              <a:rPr lang="ja-JP" altLang="en-US" dirty="0" smtClean="0">
-                <a:latin typeface="Hiragino Kaku Gothic ProN W6" charset="-128"/>
-                <a:ea typeface="Hiragino Kaku Gothic ProN W6" charset="-128"/>
-                <a:cs typeface="Hiragino Kaku Gothic ProN W6" charset="-128"/>
-              </a:rPr>
-              <a:t>連続時間</a:t>
-            </a:r>
-            <a:r>
-              <a:rPr lang="en-US" altLang="ja-JP" dirty="0" smtClean="0">
-                <a:latin typeface="Hiragino Kaku Gothic ProN W6" charset="-128"/>
-                <a:ea typeface="Hiragino Kaku Gothic ProN W6" charset="-128"/>
-                <a:cs typeface="Hiragino Kaku Gothic ProN W6" charset="-128"/>
-              </a:rPr>
-              <a:t>t</a:t>
-            </a:r>
-            <a:r>
-              <a:rPr lang="ja-JP" altLang="en-US" dirty="0" smtClean="0">
-                <a:latin typeface="Hiragino Kaku Gothic ProN W6" charset="-128"/>
-                <a:ea typeface="Hiragino Kaku Gothic ProN W6" charset="-128"/>
-                <a:cs typeface="Hiragino Kaku Gothic ProN W6" charset="-128"/>
-              </a:rPr>
-              <a:t>のマルコフ過程を考える</a:t>
-            </a:r>
-            <a:endParaRPr lang="en-US" altLang="ja-JP" dirty="0" smtClean="0">
-              <a:latin typeface="Hiragino Kaku Gothic ProN W6" charset="-128"/>
-              <a:ea typeface="Hiragino Kaku Gothic ProN W6" charset="-128"/>
-              <a:cs typeface="Hiragino Kaku Gothic ProN W6" charset="-128"/>
-            </a:endParaRPr>
-          </a:p>
-          <a:p>
-            <a:pPr marL="457200" indent="-457200">
-              <a:buFont typeface="+mj-lt"/>
-              <a:buAutoNum type="arabicPeriod"/>
-            </a:pPr>
-            <a:r>
-              <a:rPr kumimoji="1" lang="ja-JP" altLang="en-US" dirty="0" smtClean="0">
-                <a:latin typeface="Hiragino Kaku Gothic ProN W6" charset="-128"/>
-                <a:ea typeface="Hiragino Kaku Gothic ProN W6" charset="-128"/>
-                <a:cs typeface="Hiragino Kaku Gothic ProN W6" charset="-128"/>
-              </a:rPr>
-              <a:t>確率過程の定常分布を経験分布に近づける損失関数を導入</a:t>
-            </a:r>
-            <a:endParaRPr kumimoji="1" lang="en-US" altLang="ja-JP" dirty="0" smtClean="0">
-              <a:latin typeface="Hiragino Kaku Gothic ProN W6" charset="-128"/>
-              <a:ea typeface="Hiragino Kaku Gothic ProN W6" charset="-128"/>
-              <a:cs typeface="Hiragino Kaku Gothic ProN W6" charset="-128"/>
-            </a:endParaRPr>
-          </a:p>
-          <a:p>
-            <a:pPr marL="457200" indent="-457200">
-              <a:buFont typeface="+mj-lt"/>
-              <a:buAutoNum type="arabicPeriod"/>
-            </a:pPr>
-            <a:endParaRPr kumimoji="1" lang="en-US" altLang="ja-JP" dirty="0" smtClean="0">
-              <a:latin typeface="Hiragino Kaku Gothic ProN W6" charset="-128"/>
-              <a:ea typeface="Hiragino Kaku Gothic ProN W6" charset="-128"/>
-              <a:cs typeface="Hiragino Kaku Gothic ProN W6" charset="-128"/>
-            </a:endParaRPr>
-          </a:p>
-          <a:p>
-            <a:pPr marL="457200" indent="-457200">
-              <a:buFont typeface="+mj-lt"/>
-              <a:buAutoNum type="arabicPeriod"/>
-            </a:pPr>
-            <a:endParaRPr kumimoji="1" lang="en-US" altLang="ja-JP" dirty="0" smtClean="0">
-              <a:latin typeface="Hiragino Kaku Gothic ProN W6" charset="-128"/>
-              <a:ea typeface="Hiragino Kaku Gothic ProN W6" charset="-128"/>
-              <a:cs typeface="Hiragino Kaku Gothic ProN W6" charset="-128"/>
-            </a:endParaRPr>
-          </a:p>
-          <a:p>
-            <a:pPr marL="457200" indent="-457200">
-              <a:buFont typeface="+mj-lt"/>
-              <a:buAutoNum type="arabicPeriod"/>
-            </a:pPr>
-            <a:r>
-              <a:rPr lang="ja-JP" altLang="en-US" dirty="0" smtClean="0">
-                <a:latin typeface="Hiragino Kaku Gothic ProN W6" charset="-128"/>
-                <a:ea typeface="Hiragino Kaku Gothic ProN W6" charset="-128"/>
-                <a:cs typeface="Hiragino Kaku Gothic ProN W6" charset="-128"/>
-              </a:rPr>
-              <a:t>詳細釣り合い条件と類似の制約下で損失関数を最小化</a:t>
-            </a:r>
-            <a:endParaRPr lang="en-US" altLang="ja-JP" dirty="0" smtClean="0">
-              <a:latin typeface="Hiragino Kaku Gothic ProN W6" charset="-128"/>
-              <a:ea typeface="Hiragino Kaku Gothic ProN W6" charset="-128"/>
-              <a:cs typeface="Hiragino Kaku Gothic ProN W6" charset="-128"/>
-            </a:endParaRPr>
-          </a:p>
-          <a:p>
-            <a:pPr marL="457200" indent="-457200">
-              <a:buFont typeface="+mj-lt"/>
-              <a:buAutoNum type="arabicPeriod"/>
-            </a:pPr>
-            <a:endParaRPr kumimoji="1" lang="ja-JP" altLang="en-US" dirty="0">
-              <a:latin typeface="Hiragino Kaku Gothic ProN W6" charset="-128"/>
-              <a:ea typeface="Hiragino Kaku Gothic ProN W6" charset="-128"/>
-              <a:cs typeface="Hiragino Kaku Gothic ProN W6" charset="-128"/>
-            </a:endParaRPr>
-          </a:p>
-        </p:txBody>
-      </p:sp>
-      <p:pic>
-        <p:nvPicPr>
-          <p:cNvPr id="4" name="図 3"/>
-          <p:cNvPicPr>
-            <a:picLocks noChangeAspect="1"/>
-          </p:cNvPicPr>
-          <p:nvPr/>
-        </p:nvPicPr>
-        <p:blipFill>
-          <a:blip r:embed="rId2">
-            <a:extLst>
-              <a:ext uri="{28A0092B-C50C-407E-A947-70E740481C1C}">
-                <a14:useLocalDpi xmlns:a14="http://schemas.microsoft.com/office/drawing/2010/main" val="0"/>
-              </a:ext>
-            </a:extLst>
-          </a:blip>
-          <a:stretch>
-            <a:fillRect/>
-          </a:stretch>
-        </p:blipFill>
-        <p:spPr>
-          <a:xfrm>
-            <a:off x="1460937" y="3825173"/>
-            <a:ext cx="5605720" cy="830318"/>
-          </a:xfrm>
-          <a:prstGeom prst="rect">
-            <a:avLst/>
-          </a:prstGeom>
-        </p:spPr>
-      </p:pic>
-      <p:pic>
-        <p:nvPicPr>
-          <p:cNvPr id="5" name="図 4"/>
-          <p:cNvPicPr>
-            <a:picLocks noChangeAspect="1"/>
-          </p:cNvPicPr>
-          <p:nvPr/>
-        </p:nvPicPr>
-        <p:blipFill>
-          <a:blip r:embed="rId3">
-            <a:extLst>
-              <a:ext uri="{28A0092B-C50C-407E-A947-70E740481C1C}">
-                <a14:useLocalDpi xmlns:a14="http://schemas.microsoft.com/office/drawing/2010/main" val="0"/>
-              </a:ext>
-            </a:extLst>
-          </a:blip>
-          <a:stretch>
-            <a:fillRect/>
-          </a:stretch>
-        </p:blipFill>
-        <p:spPr>
-          <a:xfrm>
-            <a:off x="1460937" y="5158198"/>
-            <a:ext cx="6758152" cy="777991"/>
-          </a:xfrm>
-          <a:prstGeom prst="rect">
-            <a:avLst/>
-          </a:prstGeom>
-        </p:spPr>
-      </p:pic>
-    </p:spTree>
-    <p:extLst>
-      <p:ext uri="{BB962C8B-B14F-4D97-AF65-F5344CB8AC3E}">
-        <p14:creationId xmlns:p14="http://schemas.microsoft.com/office/powerpoint/2010/main" val="355174065"/>
       </p:ext>
     </p:extLst>
   </p:cSld>
@@ -9091,15 +8988,31 @@
                 <a:ea typeface="Hiragino Kaku Gothic ProN W6" charset="-128"/>
                 <a:cs typeface="Hiragino Kaku Gothic ProN W6" charset="-128"/>
               </a:rPr>
-              <a:t>MPF</a:t>
-            </a:r>
-            <a:r>
-              <a:rPr lang="ja-JP" altLang="en-US" dirty="0" smtClean="0">
-                <a:latin typeface="Hiragino Kaku Gothic ProN W6" charset="-128"/>
-                <a:ea typeface="Hiragino Kaku Gothic ProN W6" charset="-128"/>
-                <a:cs typeface="Hiragino Kaku Gothic ProN W6" charset="-128"/>
-              </a:rPr>
-              <a:t>法の利点</a:t>
+              <a:t>3.4.4</a:t>
+            </a:r>
+            <a:r>
+              <a:rPr kumimoji="1" lang="ja-JP" altLang="en-US" dirty="0" smtClean="0">
+                <a:latin typeface="Hiragino Kaku Gothic ProN W6" charset="-128"/>
+                <a:ea typeface="Hiragino Kaku Gothic ProN W6" charset="-128"/>
+                <a:cs typeface="Hiragino Kaku Gothic ProN W6" charset="-128"/>
+              </a:rPr>
+              <a:t>　</a:t>
+            </a:r>
+            <a:r>
+              <a:rPr kumimoji="1" lang="en-US" altLang="ja-JP" dirty="0" smtClean="0">
+                <a:latin typeface="Hiragino Kaku Gothic ProN W6" charset="-128"/>
+                <a:ea typeface="Hiragino Kaku Gothic ProN W6" charset="-128"/>
+                <a:cs typeface="Hiragino Kaku Gothic ProN W6" charset="-128"/>
+              </a:rPr>
+              <a:t>CD</a:t>
+            </a:r>
+            <a:r>
+              <a:rPr kumimoji="1" lang="ja-JP" altLang="en-US" dirty="0" smtClean="0">
+                <a:latin typeface="Hiragino Kaku Gothic ProN W6" charset="-128"/>
+                <a:ea typeface="Hiragino Kaku Gothic ProN W6" charset="-128"/>
+                <a:cs typeface="Hiragino Kaku Gothic ProN W6" charset="-128"/>
+              </a:rPr>
+              <a:t>法が最適化している損失関数</a:t>
             </a:r>
             <a:endParaRPr kumimoji="1" lang="ja-JP" altLang="en-US" dirty="0">
               <a:latin typeface="Hiragino Kaku Gothic ProN W6" charset="-128"/>
@@ -9130,7 +9043,7 @@
                 <a:ea typeface="Hiragino Kaku Gothic ProN W6" charset="-128"/>
                 <a:cs typeface="Hiragino Kaku Gothic ProN W6" charset="-128"/>
               </a:rPr>
-              <a:t>損失関数の最小化から導かれるため</a:t>
+              <a:t>ギプスサンプリングは導関数を用いて対数尤度を最大化</a:t>
             </a:r>
             <a:endParaRPr kumimoji="1" lang="en-US" altLang="ja-JP" dirty="0" smtClean="0">
               <a:latin typeface="Hiragino Kaku Gothic ProN W6" charset="-128"/>
@@ -9139,14 +9052,67 @@
             </a:endParaRPr>
           </a:p>
           <a:p>
-            <a:pPr lvl="1"/>
+            <a:r>
+              <a:rPr lang="en-US" altLang="ja-JP" dirty="0" smtClean="0">
+                <a:latin typeface="Hiragino Kaku Gothic ProN W6" charset="-128"/>
+                <a:ea typeface="Hiragino Kaku Gothic ProN W6" charset="-128"/>
+                <a:cs typeface="Hiragino Kaku Gothic ProN W6" charset="-128"/>
+              </a:rPr>
+              <a:t>CD</a:t>
+            </a:r>
+            <a:r>
+              <a:rPr lang="ja-JP" altLang="en-US" dirty="0" smtClean="0">
+                <a:latin typeface="Hiragino Kaku Gothic ProN W6" charset="-128"/>
+                <a:ea typeface="Hiragino Kaku Gothic ProN W6" charset="-128"/>
+                <a:cs typeface="Hiragino Kaku Gothic ProN W6" charset="-128"/>
+              </a:rPr>
+              <a:t>法も導関数の級数展開を打ち切った形なので対数尤度の最急勾配の良い近似</a:t>
+            </a:r>
+            <a:endParaRPr lang="en-US" altLang="ja-JP" dirty="0" smtClean="0">
+              <a:latin typeface="Hiragino Kaku Gothic ProN W6" charset="-128"/>
+              <a:ea typeface="Hiragino Kaku Gothic ProN W6" charset="-128"/>
+              <a:cs typeface="Hiragino Kaku Gothic ProN W6" charset="-128"/>
+            </a:endParaRPr>
+          </a:p>
+          <a:p>
+            <a:endParaRPr kumimoji="1" lang="en-US" altLang="ja-JP" dirty="0">
+              <a:latin typeface="Hiragino Kaku Gothic ProN W6" charset="-128"/>
+              <a:ea typeface="Hiragino Kaku Gothic ProN W6" charset="-128"/>
+              <a:cs typeface="Hiragino Kaku Gothic ProN W6" charset="-128"/>
+            </a:endParaRPr>
+          </a:p>
+          <a:p>
+            <a:r>
+              <a:rPr kumimoji="1" lang="en-US" altLang="ja-JP" dirty="0" smtClean="0">
+                <a:latin typeface="Hiragino Kaku Gothic ProN W6" charset="-128"/>
+                <a:ea typeface="Hiragino Kaku Gothic ProN W6" charset="-128"/>
+                <a:cs typeface="Hiragino Kaku Gothic ProN W6" charset="-128"/>
+              </a:rPr>
+              <a:t>CD</a:t>
+            </a:r>
             <a:r>
               <a:rPr kumimoji="1" lang="ja-JP" altLang="en-US" dirty="0" smtClean="0">
                 <a:latin typeface="Hiragino Kaku Gothic ProN W6" charset="-128"/>
                 <a:ea typeface="Hiragino Kaku Gothic ProN W6" charset="-128"/>
                 <a:cs typeface="Hiragino Kaku Gothic ProN W6" charset="-128"/>
               </a:rPr>
-              <a:t>収束性がある</a:t>
+              <a:t>法</a:t>
+            </a:r>
+            <a:r>
+              <a:rPr kumimoji="1" lang="ja-JP" altLang="en-US" dirty="0" smtClean="0">
+                <a:latin typeface="Hiragino Kaku Gothic ProN W6" charset="-128"/>
+                <a:ea typeface="Hiragino Kaku Gothic ProN W6" charset="-128"/>
+                <a:cs typeface="Hiragino Kaku Gothic ProN W6" charset="-128"/>
+              </a:rPr>
+              <a:t>を損失</a:t>
+            </a:r>
+            <a:r>
+              <a:rPr kumimoji="1" lang="ja-JP" altLang="en-US" dirty="0" smtClean="0">
+                <a:latin typeface="Hiragino Kaku Gothic ProN W6" charset="-128"/>
+                <a:ea typeface="Hiragino Kaku Gothic ProN W6" charset="-128"/>
+                <a:cs typeface="Hiragino Kaku Gothic ProN W6" charset="-128"/>
+              </a:rPr>
+              <a:t>関数を最適化する手法と解釈</a:t>
             </a:r>
             <a:endParaRPr kumimoji="1" lang="en-US" altLang="ja-JP" dirty="0" smtClean="0">
               <a:latin typeface="Hiragino Kaku Gothic ProN W6" charset="-128"/>
@@ -9155,76 +9121,48 @@
             </a:endParaRPr>
           </a:p>
           <a:p>
-            <a:pPr lvl="1"/>
-            <a:r>
-              <a:rPr kumimoji="1" lang="ja-JP" altLang="en-US" dirty="0" smtClean="0">
-                <a:latin typeface="Hiragino Kaku Gothic ProN W6" charset="-128"/>
-                <a:ea typeface="Hiragino Kaku Gothic ProN W6" charset="-128"/>
-                <a:cs typeface="Hiragino Kaku Gothic ProN W6" charset="-128"/>
-              </a:rPr>
-              <a:t>適切な学習率の調整が可能</a:t>
-            </a:r>
-            <a:endParaRPr kumimoji="1" lang="en-US" altLang="ja-JP" dirty="0" smtClean="0">
-              <a:latin typeface="Hiragino Kaku Gothic ProN W6" charset="-128"/>
-              <a:ea typeface="Hiragino Kaku Gothic ProN W6" charset="-128"/>
-              <a:cs typeface="Hiragino Kaku Gothic ProN W6" charset="-128"/>
-            </a:endParaRPr>
-          </a:p>
-          <a:p>
-            <a:r>
-              <a:rPr kumimoji="1" lang="ja-JP" altLang="en-US" dirty="0" smtClean="0">
-                <a:latin typeface="Hiragino Kaku Gothic ProN W6" charset="-128"/>
-                <a:ea typeface="Hiragino Kaku Gothic ProN W6" charset="-128"/>
-                <a:cs typeface="Hiragino Kaku Gothic ProN W6" charset="-128"/>
-              </a:rPr>
-              <a:t>損失関数</a:t>
-            </a:r>
-            <a:r>
-              <a:rPr kumimoji="1" lang="en-US" altLang="ja-JP" dirty="0" smtClean="0">
-                <a:latin typeface="Hiragino Kaku Gothic ProN W6" charset="-128"/>
-                <a:ea typeface="Hiragino Kaku Gothic ProN W6" charset="-128"/>
-                <a:cs typeface="Hiragino Kaku Gothic ProN W6" charset="-128"/>
-              </a:rPr>
-              <a:t>C(</a:t>
-            </a:r>
-            <a:r>
-              <a:rPr lang="en-US" altLang="ja-JP" dirty="0" err="1" smtClean="0">
-                <a:latin typeface="Hiragino Kaku Gothic ProN W6" charset="-128"/>
-                <a:ea typeface="Hiragino Kaku Gothic ProN W6" charset="-128"/>
-                <a:cs typeface="Hiragino Kaku Gothic ProN W6" charset="-128"/>
-              </a:rPr>
-              <a:t>θ</a:t>
-            </a:r>
-            <a:r>
-              <a:rPr kumimoji="1" lang="en-US" altLang="ja-JP" dirty="0" smtClean="0">
-                <a:latin typeface="Hiragino Kaku Gothic ProN W6" charset="-128"/>
-                <a:ea typeface="Hiragino Kaku Gothic ProN W6" charset="-128"/>
-                <a:cs typeface="Hiragino Kaku Gothic ProN W6" charset="-128"/>
-              </a:rPr>
-              <a:t>)</a:t>
-            </a:r>
-            <a:r>
-              <a:rPr kumimoji="1" lang="ja-JP" altLang="en-US" dirty="0" smtClean="0">
-                <a:latin typeface="Hiragino Kaku Gothic ProN W6" charset="-128"/>
-                <a:ea typeface="Hiragino Kaku Gothic ProN W6" charset="-128"/>
-                <a:cs typeface="Hiragino Kaku Gothic ProN W6" charset="-128"/>
-              </a:rPr>
-              <a:t>が凸関数で観測データ数に比例するオーダーで評価</a:t>
-            </a:r>
-            <a:endParaRPr kumimoji="1" lang="en-US" altLang="ja-JP" dirty="0" smtClean="0">
-              <a:latin typeface="Hiragino Kaku Gothic ProN W6" charset="-128"/>
-              <a:ea typeface="Hiragino Kaku Gothic ProN W6" charset="-128"/>
-              <a:cs typeface="Hiragino Kaku Gothic ProN W6" charset="-128"/>
-            </a:endParaRPr>
-          </a:p>
-          <a:p>
+            <a:pPr marL="0" indent="0">
+              <a:buNone/>
+            </a:pPr>
             <a:r>
               <a:rPr lang="ja-JP" altLang="en-US" dirty="0" smtClean="0">
                 <a:latin typeface="Hiragino Kaku Gothic ProN W6" charset="-128"/>
                 <a:ea typeface="Hiragino Kaku Gothic ProN W6" charset="-128"/>
                 <a:cs typeface="Hiragino Kaku Gothic ProN W6" charset="-128"/>
               </a:rPr>
-              <a:t>→学習が高速</a:t>
+              <a:t>ギプスサンプリングを</a:t>
+            </a:r>
+            <a:r>
+              <a:rPr lang="en-US" altLang="ja-JP" dirty="0" smtClean="0">
+                <a:latin typeface="Hiragino Kaku Gothic ProN W6" charset="-128"/>
+                <a:ea typeface="Hiragino Kaku Gothic ProN W6" charset="-128"/>
+                <a:cs typeface="Hiragino Kaku Gothic ProN W6" charset="-128"/>
+              </a:rPr>
+              <a:t>k</a:t>
+            </a:r>
+            <a:r>
+              <a:rPr lang="ja-JP" altLang="en-US" dirty="0" smtClean="0">
+                <a:latin typeface="Hiragino Kaku Gothic ProN W6" charset="-128"/>
+                <a:ea typeface="Hiragino Kaku Gothic ProN W6" charset="-128"/>
+                <a:cs typeface="Hiragino Kaku Gothic ProN W6" charset="-128"/>
+              </a:rPr>
+              <a:t>回行った</a:t>
+            </a:r>
+            <a:r>
+              <a:rPr lang="en-US" altLang="ja-JP" dirty="0" smtClean="0">
+                <a:latin typeface="Hiragino Kaku Gothic ProN W6" charset="-128"/>
+                <a:ea typeface="Hiragino Kaku Gothic ProN W6" charset="-128"/>
+                <a:cs typeface="Hiragino Kaku Gothic ProN W6" charset="-128"/>
+              </a:rPr>
+              <a:t>CD-k</a:t>
+            </a:r>
+            <a:r>
+              <a:rPr lang="ja-JP" altLang="en-US" dirty="0" smtClean="0">
+                <a:latin typeface="Hiragino Kaku Gothic ProN W6" charset="-128"/>
+                <a:ea typeface="Hiragino Kaku Gothic ProN W6" charset="-128"/>
+                <a:cs typeface="Hiragino Kaku Gothic ProN W6" charset="-128"/>
+              </a:rPr>
+              <a:t>法の損失関数</a:t>
             </a:r>
             <a:endParaRPr lang="en-US" altLang="ja-JP" dirty="0" smtClean="0">
               <a:latin typeface="Hiragino Kaku Gothic ProN W6" charset="-128"/>
@@ -9233,22 +9171,6 @@
             </a:endParaRPr>
           </a:p>
           <a:p>
-            <a:r>
-              <a:rPr kumimoji="1" lang="en-US" altLang="ja-JP" dirty="0" smtClean="0">
-                <a:latin typeface="Hiragino Kaku Gothic ProN W6" charset="-128"/>
-                <a:ea typeface="Hiragino Kaku Gothic ProN W6" charset="-128"/>
-                <a:cs typeface="Hiragino Kaku Gothic ProN W6" charset="-128"/>
-              </a:rPr>
-              <a:t>CD</a:t>
-            </a:r>
-            <a:r>
-              <a:rPr lang="ja-JP" altLang="en-US" dirty="0" smtClean="0">
-                <a:latin typeface="Hiragino Kaku Gothic ProN W6" charset="-128"/>
-                <a:ea typeface="Hiragino Kaku Gothic ProN W6" charset="-128"/>
-                <a:cs typeface="Hiragino Kaku Gothic ProN W6" charset="-128"/>
-              </a:rPr>
-              <a:t>法では尤度が最大化されずに途中で収束してしまう問題が起こる場合があった</a:t>
-            </a:r>
             <a:endParaRPr kumimoji="1" lang="ja-JP" altLang="en-US" dirty="0">
               <a:latin typeface="Hiragino Kaku Gothic ProN W6" charset="-128"/>
               <a:ea typeface="Hiragino Kaku Gothic ProN W6" charset="-128"/>
@@ -9257,10 +9179,40 @@
           </a:p>
         </p:txBody>
       </p:sp>
+      <p:pic>
+        <p:nvPicPr>
+          <p:cNvPr id="5" name="図 4"/>
+          <p:cNvPicPr>
+            <a:picLocks noChangeAspect="1"/>
+          </p:cNvPicPr>
+          <p:nvPr/>
+        </p:nvPicPr>
+        <p:blipFill>
+          <a:blip r:embed="rId2">
+            <a:extLst>
+              <a:ext uri="{28A0092B-C50C-407E-A947-70E740481C1C}">
+                <a14:useLocalDpi xmlns:a14="http://schemas.microsoft.com/office/drawing/2010/main" val="0"/>
+              </a:ext>
+            </a:extLst>
+          </a:blip>
+          <a:stretch>
+            <a:fillRect/>
+          </a:stretch>
+        </p:blipFill>
+        <p:spPr>
+          <a:xfrm>
+            <a:off x="680321" y="5004238"/>
+            <a:ext cx="10058400" cy="803411"/>
+          </a:xfrm>
+          <a:prstGeom prst="rect">
+            <a:avLst/>
+          </a:prstGeom>
+        </p:spPr>
+      </p:pic>
     </p:spTree>
     <p:extLst>
       <p:ext uri="{BB962C8B-B14F-4D97-AF65-F5344CB8AC3E}">
-        <p14:creationId xmlns:p14="http://schemas.microsoft.com/office/powerpoint/2010/main" val="1008638540"/>
+        <p14:creationId xmlns:p14="http://schemas.microsoft.com/office/powerpoint/2010/main" val="679919611"/>
       </p:ext>
     </p:extLst>
   </p:cSld>
@@ -9303,417 +9255,258 @@
           <a:lstStyle/>
           <a:p>
             <a:r>
-              <a:rPr kumimoji="1" lang="en-US" altLang="ja-JP" dirty="0" smtClean="0">
-                <a:latin typeface="Hiragino Kaku Gothic ProN W6" charset="-128"/>
-                <a:ea typeface="Hiragino Kaku Gothic ProN W6" charset="-128"/>
-                <a:cs typeface="Hiragino Kaku Gothic ProN W6" charset="-128"/>
-              </a:rPr>
-              <a:t>3.4.6</a:t>
-            </a:r>
+              <a:rPr lang="en-US" altLang="ja-JP" dirty="0" smtClean="0">
+                <a:latin typeface="Hiragino Kaku Gothic ProN W6" charset="-128"/>
+                <a:ea typeface="Hiragino Kaku Gothic ProN W6" charset="-128"/>
+                <a:cs typeface="Hiragino Kaku Gothic ProN W6" charset="-128"/>
+              </a:rPr>
+              <a:t>Detailed balance learning</a:t>
+            </a:r>
+            <a:r>
+              <a:rPr lang="ja-JP" altLang="en-US" dirty="0" smtClean="0">
+                <a:latin typeface="Hiragino Kaku Gothic ProN W6" charset="-128"/>
+                <a:ea typeface="Hiragino Kaku Gothic ProN W6" charset="-128"/>
+                <a:cs typeface="Hiragino Kaku Gothic ProN W6" charset="-128"/>
+              </a:rPr>
+              <a:t>法</a:t>
+            </a:r>
+            <a:r>
+              <a:rPr lang="en-US" altLang="ja-JP" dirty="0" smtClean="0">
+                <a:latin typeface="Hiragino Kaku Gothic ProN W6" charset="-128"/>
+                <a:ea typeface="Hiragino Kaku Gothic ProN W6" charset="-128"/>
+                <a:cs typeface="Hiragino Kaku Gothic ProN W6" charset="-128"/>
+              </a:rPr>
+              <a:t>(DBL</a:t>
+            </a:r>
+            <a:r>
+              <a:rPr lang="ja-JP" altLang="en-US" dirty="0" smtClean="0">
+                <a:latin typeface="Hiragino Kaku Gothic ProN W6" charset="-128"/>
+                <a:ea typeface="Hiragino Kaku Gothic ProN W6" charset="-128"/>
+                <a:cs typeface="Hiragino Kaku Gothic ProN W6" charset="-128"/>
+              </a:rPr>
+              <a:t>法</a:t>
+            </a:r>
+            <a:r>
+              <a:rPr lang="en-US" altLang="ja-JP" dirty="0" smtClean="0">
+                <a:latin typeface="Hiragino Kaku Gothic ProN W6" charset="-128"/>
+                <a:ea typeface="Hiragino Kaku Gothic ProN W6" charset="-128"/>
+                <a:cs typeface="Hiragino Kaku Gothic ProN W6" charset="-128"/>
+              </a:rPr>
+              <a:t>)</a:t>
+            </a:r>
+            <a:endParaRPr kumimoji="1" lang="ja-JP" altLang="en-US" dirty="0">
+              <a:latin typeface="Hiragino Kaku Gothic ProN W6" charset="-128"/>
+              <a:ea typeface="Hiragino Kaku Gothic ProN W6" charset="-128"/>
+              <a:cs typeface="Hiragino Kaku Gothic ProN W6" charset="-128"/>
+            </a:endParaRPr>
+          </a:p>
+        </p:txBody>
+      </p:sp>
+      <p:sp>
+        <p:nvSpPr>
+          <p:cNvPr id="3" name="コンテンツ プレースホルダー 2"/>
+          <p:cNvSpPr>
+            <a:spLocks noGrp="1"/>
+          </p:cNvSpPr>
+          <p:nvPr>
+            <p:ph idx="1"/>
+          </p:nvPr>
+        </p:nvSpPr>
+        <p:spPr/>
+        <p:txBody>
+          <a:bodyPr/>
+          <a:lstStyle/>
+          <a:p>
+            <a:r>
+              <a:rPr lang="en-US" altLang="ja-JP" dirty="0" smtClean="0">
+                <a:latin typeface="Hiragino Kaku Gothic ProN W6" charset="-128"/>
+                <a:ea typeface="Hiragino Kaku Gothic ProN W6" charset="-128"/>
+                <a:cs typeface="Hiragino Kaku Gothic ProN W6" charset="-128"/>
+              </a:rPr>
+              <a:t>RBM</a:t>
+            </a:r>
+            <a:r>
+              <a:rPr lang="ja-JP" altLang="en-US" dirty="0" smtClean="0">
+                <a:latin typeface="Hiragino Kaku Gothic ProN W6" charset="-128"/>
+                <a:ea typeface="Hiragino Kaku Gothic ProN W6" charset="-128"/>
+                <a:cs typeface="Hiragino Kaku Gothic ProN W6" charset="-128"/>
+              </a:rPr>
+              <a:t>を含む</a:t>
+            </a:r>
+            <a:r>
+              <a:rPr lang="en-US" altLang="ja-JP" dirty="0" smtClean="0">
+                <a:latin typeface="Hiragino Kaku Gothic ProN W6" charset="-128"/>
+                <a:ea typeface="Hiragino Kaku Gothic ProN W6" charset="-128"/>
+                <a:cs typeface="Hiragino Kaku Gothic ProN W6" charset="-128"/>
+              </a:rPr>
+              <a:t>EFH</a:t>
+            </a:r>
+            <a:r>
+              <a:rPr lang="ja-JP" altLang="en-US" dirty="0" smtClean="0">
+                <a:latin typeface="Hiragino Kaku Gothic ProN W6" charset="-128"/>
+                <a:ea typeface="Hiragino Kaku Gothic ProN W6" charset="-128"/>
+                <a:cs typeface="Hiragino Kaku Gothic ProN W6" charset="-128"/>
+              </a:rPr>
+              <a:t>の学習法として利用できる</a:t>
+            </a:r>
+            <a:endParaRPr lang="en-US" altLang="ja-JP" dirty="0" smtClean="0">
+              <a:latin typeface="Hiragino Kaku Gothic ProN W6" charset="-128"/>
+              <a:ea typeface="Hiragino Kaku Gothic ProN W6" charset="-128"/>
+              <a:cs typeface="Hiragino Kaku Gothic ProN W6" charset="-128"/>
+            </a:endParaRPr>
+          </a:p>
+          <a:p>
             <a:r>
               <a:rPr kumimoji="1" lang="ja-JP" altLang="en-US" dirty="0" smtClean="0">
                 <a:latin typeface="Hiragino Kaku Gothic ProN W6" charset="-128"/>
                 <a:ea typeface="Hiragino Kaku Gothic ProN W6" charset="-128"/>
                 <a:cs typeface="Hiragino Kaku Gothic ProN W6" charset="-128"/>
               </a:rPr>
-              <a:t>　</a:t>
-            </a:r>
-            <a:r>
-              <a:rPr kumimoji="1" lang="en-US" altLang="ja-JP" dirty="0" smtClean="0">
-                <a:latin typeface="Hiragino Kaku Gothic ProN W6" charset="-128"/>
-                <a:ea typeface="Hiragino Kaku Gothic ProN W6" charset="-128"/>
-                <a:cs typeface="Hiragino Kaku Gothic ProN W6" charset="-128"/>
-              </a:rPr>
-              <a:t>CD</a:t>
-            </a:r>
-            <a:r>
-              <a:rPr kumimoji="1" lang="ja-JP" altLang="en-US" dirty="0" smtClean="0">
-                <a:latin typeface="Hiragino Kaku Gothic ProN W6" charset="-128"/>
-                <a:ea typeface="Hiragino Kaku Gothic ProN W6" charset="-128"/>
-                <a:cs typeface="Hiragino Kaku Gothic ProN W6" charset="-128"/>
-              </a:rPr>
-              <a:t>法から派生した学習則</a:t>
+              <a:t>マルコフ連鎖を定義する条件付き分布</a:t>
+            </a:r>
+            <a:r>
+              <a:rPr lang="en-US" altLang="ja-JP" dirty="0" smtClean="0">
+                <a:latin typeface="Hiragino Kaku Gothic ProN W6" charset="-128"/>
+                <a:ea typeface="Hiragino Kaku Gothic ProN W6" charset="-128"/>
+                <a:cs typeface="Hiragino Kaku Gothic ProN W6" charset="-128"/>
+              </a:rPr>
+              <a:t>p(</a:t>
+            </a:r>
+            <a:r>
+              <a:rPr lang="en-US" altLang="ja-JP" dirty="0" err="1" smtClean="0">
+                <a:latin typeface="Hiragino Kaku Gothic ProN W6" charset="-128"/>
+                <a:ea typeface="Hiragino Kaku Gothic ProN W6" charset="-128"/>
+                <a:cs typeface="Hiragino Kaku Gothic ProN W6" charset="-128"/>
+              </a:rPr>
+              <a:t>h|v,θ</a:t>
+            </a:r>
+            <a:r>
+              <a:rPr lang="en-US" altLang="ja-JP" dirty="0" smtClean="0">
+                <a:latin typeface="Hiragino Kaku Gothic ProN W6" charset="-128"/>
+                <a:ea typeface="Hiragino Kaku Gothic ProN W6" charset="-128"/>
+                <a:cs typeface="Hiragino Kaku Gothic ProN W6" charset="-128"/>
+              </a:rPr>
+              <a:t>)</a:t>
+            </a:r>
+            <a:r>
+              <a:rPr lang="ja-JP" altLang="en-US" dirty="0" smtClean="0">
+                <a:latin typeface="Hiragino Kaku Gothic ProN W6" charset="-128"/>
+                <a:ea typeface="Hiragino Kaku Gothic ProN W6" charset="-128"/>
+                <a:cs typeface="Hiragino Kaku Gothic ProN W6" charset="-128"/>
+              </a:rPr>
+              <a:t>と</a:t>
+            </a:r>
+            <a:endParaRPr lang="en-US" altLang="ja-JP" dirty="0">
+              <a:latin typeface="Hiragino Kaku Gothic ProN W6" charset="-128"/>
+              <a:ea typeface="Hiragino Kaku Gothic ProN W6" charset="-128"/>
+              <a:cs typeface="Hiragino Kaku Gothic ProN W6" charset="-128"/>
+            </a:endParaRPr>
+          </a:p>
+          <a:p>
+            <a:r>
+              <a:rPr lang="ja-JP" altLang="en-US" dirty="0" smtClean="0">
+                <a:latin typeface="Hiragino Kaku Gothic ProN W6" charset="-128"/>
+                <a:ea typeface="Hiragino Kaku Gothic ProN W6" charset="-128"/>
+                <a:cs typeface="Hiragino Kaku Gothic ProN W6" charset="-128"/>
+              </a:rPr>
+              <a:t>そのパラメータ</a:t>
+            </a:r>
+            <a:r>
+              <a:rPr lang="en-US" altLang="ja-JP" dirty="0" err="1" smtClean="0">
+                <a:latin typeface="Hiragino Kaku Gothic ProN W6" charset="-128"/>
+                <a:ea typeface="Hiragino Kaku Gothic ProN W6" charset="-128"/>
+                <a:cs typeface="Hiragino Kaku Gothic ProN W6" charset="-128"/>
+              </a:rPr>
+              <a:t>θ</a:t>
+            </a:r>
+            <a:r>
+              <a:rPr lang="ja-JP" altLang="en-US" dirty="0" smtClean="0">
+                <a:latin typeface="Hiragino Kaku Gothic ProN W6" charset="-128"/>
+                <a:ea typeface="Hiragino Kaku Gothic ProN W6" charset="-128"/>
+                <a:cs typeface="Hiragino Kaku Gothic ProN W6" charset="-128"/>
+              </a:rPr>
+              <a:t>を学習する</a:t>
+            </a:r>
+            <a:endParaRPr lang="en-US" altLang="ja-JP" dirty="0" smtClean="0">
+              <a:latin typeface="Hiragino Kaku Gothic ProN W6" charset="-128"/>
+              <a:ea typeface="Hiragino Kaku Gothic ProN W6" charset="-128"/>
+              <a:cs typeface="Hiragino Kaku Gothic ProN W6" charset="-128"/>
+            </a:endParaRPr>
+          </a:p>
+          <a:p>
+            <a:r>
+              <a:rPr lang="ja-JP" altLang="en-US" dirty="0" smtClean="0">
+                <a:latin typeface="Hiragino Kaku Gothic ProN W6" charset="-128"/>
+                <a:ea typeface="Hiragino Kaku Gothic ProN W6" charset="-128"/>
+                <a:cs typeface="Hiragino Kaku Gothic ProN W6" charset="-128"/>
+              </a:rPr>
+              <a:t>マルコフ連鎖の定常分布</a:t>
+            </a:r>
+            <a:r>
+              <a:rPr lang="en-US" altLang="ja-JP" dirty="0" smtClean="0">
+                <a:latin typeface="Hiragino Kaku Gothic ProN W6" charset="-128"/>
+                <a:ea typeface="Hiragino Kaku Gothic ProN W6" charset="-128"/>
+                <a:cs typeface="Hiragino Kaku Gothic ProN W6" charset="-128"/>
+              </a:rPr>
+              <a:t>p(</a:t>
+            </a:r>
+            <a:r>
+              <a:rPr lang="ja-JP" altLang="en-US" dirty="0" smtClean="0">
+                <a:latin typeface="Hiragino Kaku Gothic ProN W6" charset="-128"/>
+                <a:ea typeface="Hiragino Kaku Gothic ProN W6" charset="-128"/>
+                <a:cs typeface="Hiragino Kaku Gothic ProN W6" charset="-128"/>
+              </a:rPr>
+              <a:t>∞</a:t>
+            </a:r>
+            <a:r>
+              <a:rPr lang="en-US" altLang="ja-JP" dirty="0" smtClean="0">
+                <a:latin typeface="Hiragino Kaku Gothic ProN W6" charset="-128"/>
+                <a:ea typeface="Hiragino Kaku Gothic ProN W6" charset="-128"/>
+                <a:cs typeface="Hiragino Kaku Gothic ProN W6" charset="-128"/>
+              </a:rPr>
+              <a:t>)(</a:t>
+            </a:r>
+            <a:r>
+              <a:rPr lang="en-US" altLang="ja-JP" dirty="0" err="1" smtClean="0">
+                <a:latin typeface="Hiragino Kaku Gothic ProN W6" charset="-128"/>
+                <a:ea typeface="Hiragino Kaku Gothic ProN W6" charset="-128"/>
+                <a:cs typeface="Hiragino Kaku Gothic ProN W6" charset="-128"/>
+              </a:rPr>
+              <a:t>v,h|θ</a:t>
+            </a:r>
+            <a:r>
+              <a:rPr lang="en-US" altLang="ja-JP" dirty="0" smtClean="0">
+                <a:latin typeface="Hiragino Kaku Gothic ProN W6" charset="-128"/>
+                <a:ea typeface="Hiragino Kaku Gothic ProN W6" charset="-128"/>
+                <a:cs typeface="Hiragino Kaku Gothic ProN W6" charset="-128"/>
+              </a:rPr>
+              <a:t>)</a:t>
+            </a:r>
+            <a:r>
+              <a:rPr lang="ja-JP" altLang="en-US" dirty="0" smtClean="0">
+                <a:latin typeface="Hiragino Kaku Gothic ProN W6" charset="-128"/>
+                <a:ea typeface="Hiragino Kaku Gothic ProN W6" charset="-128"/>
+                <a:cs typeface="Hiragino Kaku Gothic ProN W6" charset="-128"/>
+              </a:rPr>
+              <a:t>が真の分布</a:t>
+            </a:r>
+            <a:r>
+              <a:rPr lang="en-US" altLang="ja-JP" dirty="0" smtClean="0">
+                <a:latin typeface="Hiragino Kaku Gothic ProN W6" charset="-128"/>
+                <a:ea typeface="Hiragino Kaku Gothic ProN W6" charset="-128"/>
+                <a:cs typeface="Hiragino Kaku Gothic ProN W6" charset="-128"/>
+              </a:rPr>
+              <a:t>q(v)</a:t>
+            </a:r>
+            <a:r>
+              <a:rPr lang="ja-JP" altLang="en-US" dirty="0" smtClean="0">
+                <a:latin typeface="Hiragino Kaku Gothic ProN W6" charset="-128"/>
+                <a:ea typeface="Hiragino Kaku Gothic ProN W6" charset="-128"/>
+                <a:cs typeface="Hiragino Kaku Gothic ProN W6" charset="-128"/>
+              </a:rPr>
+              <a:t>に近づくようにする</a:t>
             </a:r>
             <a:endParaRPr kumimoji="1" lang="ja-JP" altLang="en-US" dirty="0">
-              <a:latin typeface="Hiragino Kaku Gothic ProN W6" charset="-128"/>
-              <a:ea typeface="Hiragino Kaku Gothic ProN W6" charset="-128"/>
-              <a:cs typeface="Hiragino Kaku Gothic ProN W6" charset="-128"/>
-            </a:endParaRPr>
-          </a:p>
-        </p:txBody>
-      </p:sp>
-      <p:sp>
-        <p:nvSpPr>
-          <p:cNvPr id="3" name="コンテンツ プレースホルダー 2"/>
-          <p:cNvSpPr>
-            <a:spLocks noGrp="1"/>
-          </p:cNvSpPr>
-          <p:nvPr>
-            <p:ph idx="1"/>
-          </p:nvPr>
-        </p:nvSpPr>
-        <p:spPr/>
-        <p:txBody>
-          <a:bodyPr>
-            <a:normAutofit fontScale="92500" lnSpcReduction="10000"/>
-          </a:bodyPr>
-          <a:lstStyle/>
-          <a:p>
-            <a:r>
-              <a:rPr kumimoji="1" lang="ja-JP" altLang="en-US" dirty="0" smtClean="0">
-                <a:latin typeface="Hiragino Kaku Gothic ProN W6" charset="-128"/>
-                <a:ea typeface="Hiragino Kaku Gothic ProN W6" charset="-128"/>
-                <a:cs typeface="Hiragino Kaku Gothic ProN W6" charset="-128"/>
-              </a:rPr>
-              <a:t>継続的</a:t>
-            </a:r>
-            <a:r>
-              <a:rPr kumimoji="1" lang="en-US" altLang="ja-JP" dirty="0" smtClean="0">
-                <a:latin typeface="Hiragino Kaku Gothic ProN W6" charset="-128"/>
-                <a:ea typeface="Hiragino Kaku Gothic ProN W6" charset="-128"/>
-                <a:cs typeface="Hiragino Kaku Gothic ProN W6" charset="-128"/>
-              </a:rPr>
-              <a:t>CD</a:t>
-            </a:r>
-            <a:r>
-              <a:rPr kumimoji="1" lang="ja-JP" altLang="en-US" dirty="0" smtClean="0">
-                <a:latin typeface="Hiragino Kaku Gothic ProN W6" charset="-128"/>
-                <a:ea typeface="Hiragino Kaku Gothic ProN W6" charset="-128"/>
-                <a:cs typeface="Hiragino Kaku Gothic ProN W6" charset="-128"/>
-              </a:rPr>
-              <a:t>法</a:t>
-            </a:r>
-            <a:endParaRPr kumimoji="1" lang="en-US" altLang="ja-JP" dirty="0" smtClean="0">
-              <a:latin typeface="Hiragino Kaku Gothic ProN W6" charset="-128"/>
-              <a:ea typeface="Hiragino Kaku Gothic ProN W6" charset="-128"/>
-              <a:cs typeface="Hiragino Kaku Gothic ProN W6" charset="-128"/>
-            </a:endParaRPr>
-          </a:p>
-          <a:p>
-            <a:pPr lvl="1" algn="just"/>
-            <a:r>
-              <a:rPr kumimoji="1" lang="ja-JP" altLang="en-US" dirty="0" smtClean="0">
-                <a:latin typeface="Hiragino Kaku Gothic ProN W6" charset="-128"/>
-                <a:ea typeface="Hiragino Kaku Gothic ProN W6" charset="-128"/>
-                <a:cs typeface="Hiragino Kaku Gothic ProN W6" charset="-128"/>
-              </a:rPr>
-              <a:t>近似導関数</a:t>
-            </a:r>
-            <a:r>
-              <a:rPr kumimoji="1" lang="en-US" altLang="ja-JP" dirty="0" smtClean="0">
-                <a:latin typeface="Hiragino Kaku Gothic ProN W6" charset="-128"/>
-                <a:ea typeface="Hiragino Kaku Gothic ProN W6" charset="-128"/>
-                <a:cs typeface="Hiragino Kaku Gothic ProN W6" charset="-128"/>
-              </a:rPr>
-              <a:t>(3.13)</a:t>
-            </a:r>
-            <a:r>
-              <a:rPr kumimoji="1" lang="ja-JP" altLang="en-US" dirty="0" smtClean="0">
-                <a:latin typeface="Hiragino Kaku Gothic ProN W6" charset="-128"/>
-                <a:ea typeface="Hiragino Kaku Gothic ProN W6" charset="-128"/>
-                <a:cs typeface="Hiragino Kaku Gothic ProN W6" charset="-128"/>
-              </a:rPr>
-              <a:t>を対数尤度の勾配の式</a:t>
-            </a:r>
-            <a:r>
-              <a:rPr kumimoji="1" lang="en-US" altLang="ja-JP" dirty="0" smtClean="0">
-                <a:latin typeface="Hiragino Kaku Gothic ProN W6" charset="-128"/>
-                <a:ea typeface="Hiragino Kaku Gothic ProN W6" charset="-128"/>
-                <a:cs typeface="Hiragino Kaku Gothic ProN W6" charset="-128"/>
-              </a:rPr>
-              <a:t>(3.12)</a:t>
-            </a:r>
-            <a:r>
-              <a:rPr kumimoji="1" lang="ja-JP" altLang="en-US" dirty="0" smtClean="0">
-                <a:latin typeface="Hiragino Kaku Gothic ProN W6" charset="-128"/>
-                <a:ea typeface="Hiragino Kaku Gothic ProN W6" charset="-128"/>
-                <a:cs typeface="Hiragino Kaku Gothic ProN W6" charset="-128"/>
-              </a:rPr>
-              <a:t>に近づける</a:t>
-            </a:r>
-            <a:endParaRPr lang="en-US" altLang="ja-JP" dirty="0" smtClean="0">
-              <a:latin typeface="Hiragino Kaku Gothic ProN W6" charset="-128"/>
-              <a:ea typeface="Hiragino Kaku Gothic ProN W6" charset="-128"/>
-              <a:cs typeface="Hiragino Kaku Gothic ProN W6" charset="-128"/>
-            </a:endParaRPr>
-          </a:p>
-          <a:p>
-            <a:r>
-              <a:rPr kumimoji="1" lang="en-US" altLang="ja-JP" dirty="0" smtClean="0">
-                <a:latin typeface="Hiragino Kaku Gothic ProN W6" charset="-128"/>
-                <a:ea typeface="Hiragino Kaku Gothic ProN W6" charset="-128"/>
-                <a:cs typeface="Hiragino Kaku Gothic ProN W6" charset="-128"/>
-              </a:rPr>
-              <a:t>CD</a:t>
-            </a:r>
-            <a:r>
-              <a:rPr kumimoji="1" lang="ja-JP" altLang="en-US" dirty="0" smtClean="0">
-                <a:latin typeface="Hiragino Kaku Gothic ProN W6" charset="-128"/>
-                <a:ea typeface="Hiragino Kaku Gothic ProN W6" charset="-128"/>
-                <a:cs typeface="Hiragino Kaku Gothic ProN W6" charset="-128"/>
-              </a:rPr>
-              <a:t>法</a:t>
-            </a:r>
-            <a:endParaRPr kumimoji="1" lang="en-US" altLang="ja-JP" dirty="0" smtClean="0">
-              <a:latin typeface="Hiragino Kaku Gothic ProN W6" charset="-128"/>
-              <a:ea typeface="Hiragino Kaku Gothic ProN W6" charset="-128"/>
-              <a:cs typeface="Hiragino Kaku Gothic ProN W6" charset="-128"/>
-            </a:endParaRPr>
-          </a:p>
-          <a:p>
-            <a:pPr lvl="1"/>
-            <a:r>
-              <a:rPr lang="ja-JP" altLang="en-US" dirty="0" smtClean="0">
-                <a:latin typeface="Hiragino Kaku Gothic ProN W6" charset="-128"/>
-                <a:ea typeface="Hiragino Kaku Gothic ProN W6" charset="-128"/>
-                <a:cs typeface="Hiragino Kaku Gothic ProN W6" charset="-128"/>
-              </a:rPr>
-              <a:t>式</a:t>
-            </a:r>
-            <a:r>
-              <a:rPr lang="en-US" altLang="ja-JP" dirty="0">
-                <a:latin typeface="Hiragino Kaku Gothic ProN W6" charset="-128"/>
-                <a:ea typeface="Hiragino Kaku Gothic ProN W6" charset="-128"/>
-                <a:cs typeface="Hiragino Kaku Gothic ProN W6" charset="-128"/>
-              </a:rPr>
-              <a:t>(3.12</a:t>
-            </a:r>
-            <a:r>
-              <a:rPr lang="en-US" altLang="ja-JP" dirty="0" smtClean="0">
-                <a:latin typeface="Hiragino Kaku Gothic ProN W6" charset="-128"/>
-                <a:ea typeface="Hiragino Kaku Gothic ProN W6" charset="-128"/>
-                <a:cs typeface="Hiragino Kaku Gothic ProN W6" charset="-128"/>
-              </a:rPr>
-              <a:t>)</a:t>
-            </a:r>
-            <a:r>
-              <a:rPr lang="ja-JP" altLang="en-US" dirty="0" smtClean="0">
-                <a:latin typeface="Hiragino Kaku Gothic ProN W6" charset="-128"/>
-                <a:ea typeface="Hiragino Kaku Gothic ProN W6" charset="-128"/>
-                <a:cs typeface="Hiragino Kaku Gothic ProN W6" charset="-128"/>
-              </a:rPr>
-              <a:t>の第二項の期待値計算は解析的な計算が困難</a:t>
-            </a:r>
-            <a:endParaRPr lang="en-US" altLang="ja-JP" dirty="0">
-              <a:latin typeface="Hiragino Kaku Gothic ProN W6" charset="-128"/>
-              <a:ea typeface="Hiragino Kaku Gothic ProN W6" charset="-128"/>
-              <a:cs typeface="Hiragino Kaku Gothic ProN W6" charset="-128"/>
-            </a:endParaRPr>
-          </a:p>
-          <a:p>
-            <a:pPr marL="457200" lvl="1" indent="0">
-              <a:buNone/>
-            </a:pPr>
-            <a:r>
-              <a:rPr kumimoji="1" lang="ja-JP" altLang="en-US" dirty="0" smtClean="0">
-                <a:latin typeface="Hiragino Kaku Gothic ProN W6" charset="-128"/>
-                <a:ea typeface="Hiragino Kaku Gothic ProN W6" charset="-128"/>
-                <a:cs typeface="Hiragino Kaku Gothic ProN W6" charset="-128"/>
-              </a:rPr>
-              <a:t>　　　→ギプスサンプリング無限回で近似してサンプルを定常分布に収束</a:t>
-            </a:r>
-            <a:endParaRPr kumimoji="1" lang="en-US" altLang="ja-JP" dirty="0" smtClean="0">
-              <a:latin typeface="Hiragino Kaku Gothic ProN W6" charset="-128"/>
-              <a:ea typeface="Hiragino Kaku Gothic ProN W6" charset="-128"/>
-              <a:cs typeface="Hiragino Kaku Gothic ProN W6" charset="-128"/>
-            </a:endParaRPr>
-          </a:p>
-          <a:p>
-            <a:pPr marL="457200" lvl="1" indent="0">
-              <a:buNone/>
-            </a:pPr>
-            <a:r>
-              <a:rPr lang="ja-JP" altLang="en-US" dirty="0">
-                <a:latin typeface="Hiragino Kaku Gothic ProN W6" charset="-128"/>
-                <a:ea typeface="Hiragino Kaku Gothic ProN W6" charset="-128"/>
-                <a:cs typeface="Hiragino Kaku Gothic ProN W6" charset="-128"/>
-              </a:rPr>
-              <a:t>　</a:t>
-            </a:r>
-            <a:r>
-              <a:rPr lang="ja-JP" altLang="en-US" dirty="0" smtClean="0">
-                <a:latin typeface="Hiragino Kaku Gothic ProN W6" charset="-128"/>
-                <a:ea typeface="Hiragino Kaku Gothic ProN W6" charset="-128"/>
-                <a:cs typeface="Hiragino Kaku Gothic ProN W6" charset="-128"/>
-              </a:rPr>
-              <a:t>　　→</a:t>
-            </a:r>
-            <a:r>
-              <a:rPr lang="ja-JP" altLang="en-US" dirty="0">
-                <a:latin typeface="Hiragino Kaku Gothic ProN W6" charset="-128"/>
-                <a:ea typeface="Hiragino Kaku Gothic ProN W6" charset="-128"/>
-                <a:cs typeface="Hiragino Kaku Gothic ProN W6" charset="-128"/>
-              </a:rPr>
-              <a:t>近似導関数</a:t>
-            </a:r>
-            <a:r>
-              <a:rPr lang="en-US" altLang="ja-JP" dirty="0">
-                <a:latin typeface="Hiragino Kaku Gothic ProN W6" charset="-128"/>
-                <a:ea typeface="Hiragino Kaku Gothic ProN W6" charset="-128"/>
-                <a:cs typeface="Hiragino Kaku Gothic ProN W6" charset="-128"/>
-              </a:rPr>
-              <a:t>(3.13</a:t>
-            </a:r>
-            <a:r>
-              <a:rPr lang="en-US" altLang="ja-JP" dirty="0" smtClean="0">
-                <a:latin typeface="Hiragino Kaku Gothic ProN W6" charset="-128"/>
-                <a:ea typeface="Hiragino Kaku Gothic ProN W6" charset="-128"/>
-                <a:cs typeface="Hiragino Kaku Gothic ProN W6" charset="-128"/>
-              </a:rPr>
-              <a:t>)</a:t>
-            </a:r>
-            <a:r>
-              <a:rPr lang="ja-JP" altLang="en-US" dirty="0" smtClean="0">
-                <a:latin typeface="Hiragino Kaku Gothic ProN W6" charset="-128"/>
-                <a:ea typeface="Hiragino Kaku Gothic ProN W6" charset="-128"/>
-                <a:cs typeface="Hiragino Kaku Gothic ProN W6" charset="-128"/>
-              </a:rPr>
-              <a:t>をギプスサンプリング</a:t>
-            </a:r>
-            <a:r>
-              <a:rPr lang="en-US" altLang="ja-JP" dirty="0" smtClean="0">
-                <a:latin typeface="Hiragino Kaku Gothic ProN W6" charset="-128"/>
-                <a:ea typeface="Hiragino Kaku Gothic ProN W6" charset="-128"/>
-                <a:cs typeface="Hiragino Kaku Gothic ProN W6" charset="-128"/>
-              </a:rPr>
-              <a:t>k</a:t>
-            </a:r>
-            <a:r>
-              <a:rPr lang="ja-JP" altLang="en-US" dirty="0" smtClean="0">
-                <a:latin typeface="Hiragino Kaku Gothic ProN W6" charset="-128"/>
-                <a:ea typeface="Hiragino Kaku Gothic ProN W6" charset="-128"/>
-                <a:cs typeface="Hiragino Kaku Gothic ProN W6" charset="-128"/>
-              </a:rPr>
-              <a:t>回で代用</a:t>
-            </a:r>
-            <a:endParaRPr lang="en-US" altLang="ja-JP" dirty="0" smtClean="0">
-              <a:latin typeface="Hiragino Kaku Gothic ProN W6" charset="-128"/>
-              <a:ea typeface="Hiragino Kaku Gothic ProN W6" charset="-128"/>
-              <a:cs typeface="Hiragino Kaku Gothic ProN W6" charset="-128"/>
-            </a:endParaRPr>
-          </a:p>
-          <a:p>
-            <a:pPr lvl="1"/>
-            <a:r>
-              <a:rPr kumimoji="1" lang="ja-JP" altLang="en-US" dirty="0" smtClean="0">
-                <a:latin typeface="Hiragino Kaku Gothic ProN W6" charset="-128"/>
-                <a:ea typeface="Hiragino Kaku Gothic ProN W6" charset="-128"/>
-                <a:cs typeface="Hiragino Kaku Gothic ProN W6" charset="-128"/>
-              </a:rPr>
-              <a:t>パラメータ更新のたびに初期分布を観測データからの経験分布に戻す</a:t>
-            </a:r>
-            <a:endParaRPr kumimoji="1" lang="en-US" altLang="ja-JP" dirty="0" smtClean="0">
-              <a:latin typeface="Hiragino Kaku Gothic ProN W6" charset="-128"/>
-              <a:ea typeface="Hiragino Kaku Gothic ProN W6" charset="-128"/>
-              <a:cs typeface="Hiragino Kaku Gothic ProN W6" charset="-128"/>
-            </a:endParaRPr>
-          </a:p>
-          <a:p>
-            <a:r>
-              <a:rPr lang="ja-JP" altLang="en-US" dirty="0" smtClean="0">
-                <a:latin typeface="Hiragino Kaku Gothic ProN W6" charset="-128"/>
-                <a:ea typeface="Hiragino Kaku Gothic ProN W6" charset="-128"/>
-                <a:cs typeface="Hiragino Kaku Gothic ProN W6" charset="-128"/>
-              </a:rPr>
-              <a:t>継続的</a:t>
-            </a:r>
-            <a:r>
-              <a:rPr lang="en-US" altLang="ja-JP" dirty="0" smtClean="0">
-                <a:latin typeface="Hiragino Kaku Gothic ProN W6" charset="-128"/>
-                <a:ea typeface="Hiragino Kaku Gothic ProN W6" charset="-128"/>
-                <a:cs typeface="Hiragino Kaku Gothic ProN W6" charset="-128"/>
-              </a:rPr>
-              <a:t>CD</a:t>
-            </a:r>
-            <a:r>
-              <a:rPr lang="ja-JP" altLang="en-US" dirty="0" smtClean="0">
-                <a:latin typeface="Hiragino Kaku Gothic ProN W6" charset="-128"/>
-                <a:ea typeface="Hiragino Kaku Gothic ProN W6" charset="-128"/>
-                <a:cs typeface="Hiragino Kaku Gothic ProN W6" charset="-128"/>
-              </a:rPr>
-              <a:t>法</a:t>
-            </a:r>
-            <a:endParaRPr lang="en-US" altLang="ja-JP" dirty="0" smtClean="0">
-              <a:latin typeface="Hiragino Kaku Gothic ProN W6" charset="-128"/>
-              <a:ea typeface="Hiragino Kaku Gothic ProN W6" charset="-128"/>
-              <a:cs typeface="Hiragino Kaku Gothic ProN W6" charset="-128"/>
-            </a:endParaRPr>
-          </a:p>
-          <a:p>
-            <a:pPr lvl="1"/>
-            <a:r>
-              <a:rPr kumimoji="1" lang="ja-JP" altLang="en-US" dirty="0" smtClean="0">
-                <a:latin typeface="Hiragino Kaku Gothic ProN W6" charset="-128"/>
-                <a:ea typeface="Hiragino Kaku Gothic ProN W6" charset="-128"/>
-                <a:cs typeface="Hiragino Kaku Gothic ProN W6" charset="-128"/>
-              </a:rPr>
-              <a:t>更新後にサンプルで構成される経験分布からギプスサンプリング</a:t>
-            </a:r>
-            <a:endParaRPr kumimoji="1" lang="en-US" altLang="ja-JP" dirty="0" smtClean="0">
-              <a:latin typeface="Hiragino Kaku Gothic ProN W6" charset="-128"/>
-              <a:ea typeface="Hiragino Kaku Gothic ProN W6" charset="-128"/>
-              <a:cs typeface="Hiragino Kaku Gothic ProN W6" charset="-128"/>
-            </a:endParaRPr>
-          </a:p>
-          <a:p>
-            <a:pPr lvl="1"/>
-            <a:r>
-              <a:rPr lang="ja-JP" altLang="en-US" dirty="0" smtClean="0">
-                <a:latin typeface="Hiragino Kaku Gothic ProN W6" charset="-128"/>
-                <a:ea typeface="Hiragino Kaku Gothic ProN W6" charset="-128"/>
-                <a:cs typeface="Hiragino Kaku Gothic ProN W6" charset="-128"/>
-              </a:rPr>
-              <a:t>継続的</a:t>
-            </a:r>
-            <a:r>
-              <a:rPr lang="en-US" altLang="ja-JP" dirty="0" smtClean="0">
-                <a:latin typeface="Hiragino Kaku Gothic ProN W6" charset="-128"/>
-                <a:ea typeface="Hiragino Kaku Gothic ProN W6" charset="-128"/>
-                <a:cs typeface="Hiragino Kaku Gothic ProN W6" charset="-128"/>
-              </a:rPr>
-              <a:t>CD-1</a:t>
-            </a:r>
-            <a:r>
-              <a:rPr lang="ja-JP" altLang="en-US" dirty="0" smtClean="0">
-                <a:latin typeface="Hiragino Kaku Gothic ProN W6" charset="-128"/>
-                <a:ea typeface="Hiragino Kaku Gothic ProN W6" charset="-128"/>
-                <a:cs typeface="Hiragino Kaku Gothic ProN W6" charset="-128"/>
-              </a:rPr>
-              <a:t>法　≧　</a:t>
-            </a:r>
-            <a:r>
-              <a:rPr lang="en-US" altLang="ja-JP" dirty="0" smtClean="0">
-                <a:latin typeface="Hiragino Kaku Gothic ProN W6" charset="-128"/>
-                <a:ea typeface="Hiragino Kaku Gothic ProN W6" charset="-128"/>
-                <a:cs typeface="Hiragino Kaku Gothic ProN W6" charset="-128"/>
-              </a:rPr>
-              <a:t>CD-10</a:t>
-            </a:r>
-            <a:r>
-              <a:rPr lang="ja-JP" altLang="en-US" dirty="0" smtClean="0">
-                <a:latin typeface="Hiragino Kaku Gothic ProN W6" charset="-128"/>
-                <a:ea typeface="Hiragino Kaku Gothic ProN W6" charset="-128"/>
-                <a:cs typeface="Hiragino Kaku Gothic ProN W6" charset="-128"/>
-              </a:rPr>
-              <a:t>法</a:t>
-            </a:r>
-            <a:endParaRPr lang="en-US" altLang="ja-JP" dirty="0" smtClean="0">
-              <a:latin typeface="Hiragino Kaku Gothic ProN W6" charset="-128"/>
-              <a:ea typeface="Hiragino Kaku Gothic ProN W6" charset="-128"/>
-              <a:cs typeface="Hiragino Kaku Gothic ProN W6" charset="-128"/>
-            </a:endParaRPr>
-          </a:p>
-          <a:p>
-            <a:pPr lvl="1"/>
-            <a:r>
-              <a:rPr kumimoji="1" lang="ja-JP" altLang="en-US" dirty="0" smtClean="0">
-                <a:latin typeface="Hiragino Kaku Gothic ProN W6" charset="-128"/>
-                <a:ea typeface="Hiragino Kaku Gothic ProN W6" charset="-128"/>
-                <a:cs typeface="Hiragino Kaku Gothic ProN W6" charset="-128"/>
-              </a:rPr>
-              <a:t>計算量が少ない</a:t>
-            </a:r>
-            <a:endParaRPr kumimoji="1" lang="en-US" altLang="ja-JP" dirty="0" smtClean="0">
               <a:latin typeface="Hiragino Kaku Gothic ProN W6" charset="-128"/>
               <a:ea typeface="Hiragino Kaku Gothic ProN W6" charset="-128"/>
               <a:cs typeface="Hiragino Kaku Gothic ProN W6" charset="-128"/>
@@ -9724,7 +9517,7 @@
     </p:spTree>
     <p:extLst>
       <p:ext uri="{BB962C8B-B14F-4D97-AF65-F5344CB8AC3E}">
-        <p14:creationId xmlns:p14="http://schemas.microsoft.com/office/powerpoint/2010/main" val="943651070"/>
+        <p14:creationId xmlns:p14="http://schemas.microsoft.com/office/powerpoint/2010/main" val="818905270"/>
       </p:ext>
     </p:extLst>
   </p:cSld>
@@ -9767,22 +9560,49 @@
           <a:lstStyle/>
           <a:p>
             <a:r>
+              <a:rPr kumimoji="1" lang="en-US" altLang="ja-JP" dirty="0" smtClean="0">
+                <a:latin typeface="Hiragino Kaku Gothic ProN W6" charset="-128"/>
+                <a:ea typeface="Hiragino Kaku Gothic ProN W6" charset="-128"/>
+                <a:cs typeface="Hiragino Kaku Gothic ProN W6" charset="-128"/>
+              </a:rPr>
+              <a:t>3.4.5</a:t>
+            </a:r>
+            <a:r>
               <a:rPr lang="en-US" altLang="ja-JP" dirty="0">
                 <a:latin typeface="Hiragino Kaku Gothic ProN W6" charset="-128"/>
                 <a:ea typeface="Hiragino Kaku Gothic ProN W6" charset="-128"/>
                 <a:cs typeface="Hiragino Kaku Gothic ProN W6" charset="-128"/>
               </a:rPr>
+              <a:t/>
+            </a:r>
+            <a:br>
+              <a:rPr lang="en-US" altLang="ja-JP" dirty="0">
+                <a:latin typeface="Hiragino Kaku Gothic ProN W6" charset="-128"/>
+                <a:ea typeface="Hiragino Kaku Gothic ProN W6" charset="-128"/>
+                <a:cs typeface="Hiragino Kaku Gothic ProN W6" charset="-128"/>
+              </a:rPr>
+            </a:br>
+            <a:r>
+              <a:rPr kumimoji="1" lang="en-US" altLang="ja-JP" dirty="0" smtClean="0">
+                <a:latin typeface="Hiragino Kaku Gothic ProN W6" charset="-128"/>
+                <a:ea typeface="Hiragino Kaku Gothic ProN W6" charset="-128"/>
+                <a:cs typeface="Hiragino Kaku Gothic ProN W6" charset="-128"/>
+              </a:rPr>
               <a:t>CD</a:t>
             </a:r>
             <a:r>
-              <a:rPr lang="ja-JP" altLang="en-US" dirty="0">
-                <a:latin typeface="Hiragino Kaku Gothic ProN W6" charset="-128"/>
-                <a:ea typeface="Hiragino Kaku Gothic ProN W6" charset="-128"/>
-                <a:cs typeface="Hiragino Kaku Gothic ProN W6" charset="-128"/>
-              </a:rPr>
-              <a:t>法から派生した学習則</a:t>
-            </a:r>
-            <a:endParaRPr kumimoji="1" lang="ja-JP" altLang="en-US" dirty="0"/>
+              <a:rPr kumimoji="1" lang="ja-JP" altLang="en-US" dirty="0" smtClean="0">
+                <a:latin typeface="Hiragino Kaku Gothic ProN W6" charset="-128"/>
+                <a:ea typeface="Hiragino Kaku Gothic ProN W6" charset="-128"/>
+                <a:cs typeface="Hiragino Kaku Gothic ProN W6" charset="-128"/>
+              </a:rPr>
+              <a:t>法と類似した学習則を与えるアルゴリズム</a:t>
+            </a:r>
+            <a:endParaRPr kumimoji="1" lang="ja-JP" altLang="en-US" dirty="0">
+              <a:latin typeface="Hiragino Kaku Gothic ProN W6" charset="-128"/>
+              <a:ea typeface="Hiragino Kaku Gothic ProN W6" charset="-128"/>
+              <a:cs typeface="Hiragino Kaku Gothic ProN W6" charset="-128"/>
+            </a:endParaRPr>
           </a:p>
         </p:txBody>
       </p:sp>
@@ -9801,29 +9621,130 @@
           <a:bodyPr/>
           <a:lstStyle/>
           <a:p>
+            <a:pPr marL="0" indent="0">
+              <a:buNone/>
+            </a:pPr>
+            <a:r>
+              <a:rPr kumimoji="1" lang="ja-JP" altLang="en-US" sz="3200" dirty="0" smtClean="0">
+                <a:latin typeface="Hiragino Kaku Gothic ProN W6" charset="-128"/>
+                <a:ea typeface="Hiragino Kaku Gothic ProN W6" charset="-128"/>
+                <a:cs typeface="Hiragino Kaku Gothic ProN W6" charset="-128"/>
+              </a:rPr>
+              <a:t>最小確率流法</a:t>
+            </a:r>
+            <a:r>
+              <a:rPr kumimoji="1" lang="en-US" altLang="ja-JP" sz="3200" dirty="0" smtClean="0">
+                <a:latin typeface="Hiragino Kaku Gothic ProN W6" charset="-128"/>
+                <a:ea typeface="Hiragino Kaku Gothic ProN W6" charset="-128"/>
+                <a:cs typeface="Hiragino Kaku Gothic ProN W6" charset="-128"/>
+              </a:rPr>
+              <a:t>(MPF</a:t>
+            </a:r>
+            <a:r>
+              <a:rPr kumimoji="1" lang="ja-JP" altLang="en-US" sz="3200" dirty="0" smtClean="0">
+                <a:latin typeface="Hiragino Kaku Gothic ProN W6" charset="-128"/>
+                <a:ea typeface="Hiragino Kaku Gothic ProN W6" charset="-128"/>
+                <a:cs typeface="Hiragino Kaku Gothic ProN W6" charset="-128"/>
+              </a:rPr>
+              <a:t>法</a:t>
+            </a:r>
+            <a:r>
+              <a:rPr kumimoji="1" lang="en-US" altLang="ja-JP" sz="3200" dirty="0" smtClean="0">
+                <a:latin typeface="Hiragino Kaku Gothic ProN W6" charset="-128"/>
+                <a:ea typeface="Hiragino Kaku Gothic ProN W6" charset="-128"/>
+                <a:cs typeface="Hiragino Kaku Gothic ProN W6" charset="-128"/>
+              </a:rPr>
+              <a:t>)</a:t>
+            </a:r>
+          </a:p>
+          <a:p>
+            <a:pPr marL="457200" indent="-457200">
+              <a:buFont typeface="+mj-lt"/>
+              <a:buAutoNum type="arabicPeriod"/>
+            </a:pPr>
+            <a:r>
+              <a:rPr lang="ja-JP" altLang="en-US" dirty="0" smtClean="0">
+                <a:latin typeface="Hiragino Kaku Gothic ProN W6" charset="-128"/>
+                <a:ea typeface="Hiragino Kaku Gothic ProN W6" charset="-128"/>
+                <a:cs typeface="Hiragino Kaku Gothic ProN W6" charset="-128"/>
+              </a:rPr>
+              <a:t>連続時間</a:t>
+            </a:r>
+            <a:r>
+              <a:rPr lang="en-US" altLang="ja-JP" dirty="0" smtClean="0">
+                <a:latin typeface="Hiragino Kaku Gothic ProN W6" charset="-128"/>
+                <a:ea typeface="Hiragino Kaku Gothic ProN W6" charset="-128"/>
+                <a:cs typeface="Hiragino Kaku Gothic ProN W6" charset="-128"/>
+              </a:rPr>
+              <a:t>t</a:t>
+            </a:r>
+            <a:r>
+              <a:rPr lang="ja-JP" altLang="en-US" dirty="0" smtClean="0">
+                <a:latin typeface="Hiragino Kaku Gothic ProN W6" charset="-128"/>
+                <a:ea typeface="Hiragino Kaku Gothic ProN W6" charset="-128"/>
+                <a:cs typeface="Hiragino Kaku Gothic ProN W6" charset="-128"/>
+              </a:rPr>
+              <a:t>のマルコフ過程を考える</a:t>
+            </a:r>
+            <a:endParaRPr lang="en-US" altLang="ja-JP" dirty="0" smtClean="0">
+              <a:latin typeface="Hiragino Kaku Gothic ProN W6" charset="-128"/>
+              <a:ea typeface="Hiragino Kaku Gothic ProN W6" charset="-128"/>
+              <a:cs typeface="Hiragino Kaku Gothic ProN W6" charset="-128"/>
+            </a:endParaRPr>
+          </a:p>
+          <a:p>
+            <a:pPr marL="457200" indent="-457200">
+              <a:buFont typeface="+mj-lt"/>
+              <a:buAutoNum type="arabicPeriod"/>
+            </a:pPr>
             <a:r>
               <a:rPr kumimoji="1" lang="ja-JP" altLang="en-US" dirty="0" smtClean="0">
                 <a:latin typeface="Hiragino Kaku Gothic ProN W6" charset="-128"/>
                 <a:ea typeface="Hiragino Kaku Gothic ProN W6" charset="-128"/>
                 <a:cs typeface="Hiragino Kaku Gothic ProN W6" charset="-128"/>
               </a:rPr>
-              <a:t>パラレルテンパリング</a:t>
-            </a:r>
-            <a:r>
-              <a:rPr lang="en-US" altLang="ja-JP" dirty="0">
-                <a:latin typeface="Hiragino Kaku Gothic ProN W6" charset="-128"/>
-                <a:ea typeface="Hiragino Kaku Gothic ProN W6" charset="-128"/>
-                <a:cs typeface="Hiragino Kaku Gothic ProN W6" charset="-128"/>
-              </a:rPr>
-              <a:t>=</a:t>
-            </a:r>
+              <a:t>確率過程の定常分布を経験分布に近づける損失関数を導入</a:t>
+            </a:r>
+            <a:endParaRPr kumimoji="1" lang="en-US" altLang="ja-JP" dirty="0" smtClean="0">
+              <a:latin typeface="Hiragino Kaku Gothic ProN W6" charset="-128"/>
+              <a:ea typeface="Hiragino Kaku Gothic ProN W6" charset="-128"/>
+              <a:cs typeface="Hiragino Kaku Gothic ProN W6" charset="-128"/>
+            </a:endParaRPr>
+          </a:p>
+          <a:p>
+            <a:pPr marL="457200" indent="-457200">
+              <a:buFont typeface="+mj-lt"/>
+              <a:buAutoNum type="arabicPeriod"/>
+            </a:pPr>
+            <a:endParaRPr kumimoji="1" lang="en-US" altLang="ja-JP" dirty="0" smtClean="0">
+              <a:latin typeface="Hiragino Kaku Gothic ProN W6" charset="-128"/>
+              <a:ea typeface="Hiragino Kaku Gothic ProN W6" charset="-128"/>
+              <a:cs typeface="Hiragino Kaku Gothic ProN W6" charset="-128"/>
+            </a:endParaRPr>
+          </a:p>
+          <a:p>
+            <a:pPr marL="457200" indent="-457200">
+              <a:buFont typeface="+mj-lt"/>
+              <a:buAutoNum type="arabicPeriod"/>
+            </a:pPr>
+            <a:endParaRPr kumimoji="1" lang="en-US" altLang="ja-JP" dirty="0" smtClean="0">
+              <a:latin typeface="Hiragino Kaku Gothic ProN W6" charset="-128"/>
+              <a:ea typeface="Hiragino Kaku Gothic ProN W6" charset="-128"/>
+              <a:cs typeface="Hiragino Kaku Gothic ProN W6" charset="-128"/>
+            </a:endParaRPr>
+          </a:p>
+          <a:p>
+            <a:pPr marL="457200" indent="-457200">
+              <a:buFont typeface="+mj-lt"/>
+              <a:buAutoNum type="arabicPeriod"/>
+            </a:pPr>
             <a:r>
               <a:rPr lang="ja-JP" altLang="en-US" dirty="0" smtClean="0">
                 <a:latin typeface="Hiragino Kaku Gothic ProN W6" charset="-128"/>
                 <a:ea typeface="Hiragino Kaku Gothic ProN W6" charset="-128"/>
                 <a:cs typeface="Hiragino Kaku Gothic ProN W6" charset="-128"/>
               </a:rPr>
-              <a:t>交換モンテカルロ法</a:t>
+              <a:t>詳細釣り合い条件と類似の制約下で損失関数を最小化</a:t>
             </a:r>
             <a:endParaRPr lang="en-US" altLang="ja-JP" dirty="0" smtClean="0">
               <a:latin typeface="Hiragino Kaku Gothic ProN W6" charset="-128"/>
@@ -9832,141 +9753,82 @@
             </a:endParaRPr>
           </a:p>
           <a:p>
-            <a:pPr lvl="1"/>
-            <a:r>
-              <a:rPr kumimoji="1" lang="ja-JP" altLang="en-US" dirty="0" smtClean="0">
-                <a:latin typeface="Hiragino Kaku Gothic ProN W6" charset="-128"/>
-                <a:ea typeface="Hiragino Kaku Gothic ProN W6" charset="-128"/>
-                <a:cs typeface="Hiragino Kaku Gothic ProN W6" charset="-128"/>
-              </a:rPr>
-              <a:t>マルコフ連鎖においてサンプル集団の偏りがなかなか解消されない</a:t>
-            </a:r>
-            <a:endParaRPr kumimoji="1" lang="en-US" altLang="ja-JP" dirty="0" smtClean="0">
-              <a:latin typeface="Hiragino Kaku Gothic ProN W6" charset="-128"/>
-              <a:ea typeface="Hiragino Kaku Gothic ProN W6" charset="-128"/>
-              <a:cs typeface="Hiragino Kaku Gothic ProN W6" charset="-128"/>
-            </a:endParaRPr>
-          </a:p>
-          <a:p>
-            <a:pPr lvl="1"/>
-            <a:r>
-              <a:rPr kumimoji="1" lang="ja-JP" altLang="en-US" dirty="0" smtClean="0">
-                <a:latin typeface="Hiragino Kaku Gothic ProN W6" charset="-128"/>
-                <a:ea typeface="Hiragino Kaku Gothic ProN W6" charset="-128"/>
-                <a:cs typeface="Hiragino Kaku Gothic ProN W6" charset="-128"/>
-              </a:rPr>
-              <a:t>広い状態空間を探索させるため</a:t>
-            </a:r>
-            <a:r>
-              <a:rPr lang="ja-JP" altLang="en-US" dirty="0" smtClean="0">
-                <a:latin typeface="Hiragino Kaku Gothic ProN W6" charset="-128"/>
-                <a:ea typeface="Hiragino Kaku Gothic ProN W6" charset="-128"/>
-                <a:cs typeface="Hiragino Kaku Gothic ProN W6" charset="-128"/>
-              </a:rPr>
-              <a:t>，複数の互いに異なる乱雑さをもつマルコフ連鎖を並列して用いる</a:t>
-            </a:r>
-            <a:endParaRPr lang="en-US" altLang="ja-JP" dirty="0" smtClean="0">
-              <a:latin typeface="Hiragino Kaku Gothic ProN W6" charset="-128"/>
-              <a:ea typeface="Hiragino Kaku Gothic ProN W6" charset="-128"/>
-              <a:cs typeface="Hiragino Kaku Gothic ProN W6" charset="-128"/>
-            </a:endParaRPr>
-          </a:p>
-          <a:p>
-            <a:pPr lvl="1"/>
-            <a:endParaRPr kumimoji="1" lang="en-US" altLang="ja-JP" dirty="0">
-              <a:latin typeface="Hiragino Kaku Gothic ProN W6" charset="-128"/>
-              <a:ea typeface="Hiragino Kaku Gothic ProN W6" charset="-128"/>
-              <a:cs typeface="Hiragino Kaku Gothic ProN W6" charset="-128"/>
-            </a:endParaRPr>
-          </a:p>
-          <a:p>
-            <a:pPr lvl="1"/>
-            <a:r>
-              <a:rPr lang="ja-JP" altLang="en-US" dirty="0" smtClean="0">
-                <a:latin typeface="Hiragino Kaku Gothic ProN W6" charset="-128"/>
-                <a:ea typeface="Hiragino Kaku Gothic ProN W6" charset="-128"/>
-                <a:cs typeface="Hiragino Kaku Gothic ProN W6" charset="-128"/>
-              </a:rPr>
-              <a:t>継続的</a:t>
-            </a:r>
-            <a:r>
-              <a:rPr lang="en-US" altLang="ja-JP" dirty="0" smtClean="0">
-                <a:latin typeface="Hiragino Kaku Gothic ProN W6" charset="-128"/>
-                <a:ea typeface="Hiragino Kaku Gothic ProN W6" charset="-128"/>
-                <a:cs typeface="Hiragino Kaku Gothic ProN W6" charset="-128"/>
-              </a:rPr>
-              <a:t>CD</a:t>
-            </a:r>
-            <a:r>
-              <a:rPr lang="ja-JP" altLang="en-US" dirty="0" smtClean="0">
-                <a:latin typeface="Hiragino Kaku Gothic ProN W6" charset="-128"/>
-                <a:ea typeface="Hiragino Kaku Gothic ProN W6" charset="-128"/>
-                <a:cs typeface="Hiragino Kaku Gothic ProN W6" charset="-128"/>
-              </a:rPr>
-              <a:t>法と併用することで，</a:t>
-            </a:r>
-            <a:endParaRPr lang="en-US" altLang="ja-JP" dirty="0" smtClean="0">
-              <a:latin typeface="Hiragino Kaku Gothic ProN W6" charset="-128"/>
-              <a:ea typeface="Hiragino Kaku Gothic ProN W6" charset="-128"/>
-              <a:cs typeface="Hiragino Kaku Gothic ProN W6" charset="-128"/>
-            </a:endParaRPr>
-          </a:p>
-          <a:p>
-            <a:pPr marL="457200" lvl="1" indent="0">
-              <a:buNone/>
+            <a:pPr marL="457200" indent="-457200">
+              <a:buFont typeface="+mj-lt"/>
+              <a:buAutoNum type="arabicPeriod"/>
             </a:pPr>
-            <a:r>
-              <a:rPr lang="ja-JP" altLang="en-US" dirty="0" smtClean="0">
-                <a:latin typeface="Hiragino Kaku Gothic ProN W6" charset="-128"/>
-                <a:ea typeface="Hiragino Kaku Gothic ProN W6" charset="-128"/>
-                <a:cs typeface="Hiragino Kaku Gothic ProN W6" charset="-128"/>
-              </a:rPr>
-              <a:t>パラメータを上手く設定すれば継続的</a:t>
-            </a:r>
-            <a:r>
-              <a:rPr lang="en-US" altLang="ja-JP" dirty="0" smtClean="0">
-                <a:latin typeface="Hiragino Kaku Gothic ProN W6" charset="-128"/>
-                <a:ea typeface="Hiragino Kaku Gothic ProN W6" charset="-128"/>
-                <a:cs typeface="Hiragino Kaku Gothic ProN W6" charset="-128"/>
-              </a:rPr>
-              <a:t>CD</a:t>
-            </a:r>
-            <a:r>
-              <a:rPr lang="ja-JP" altLang="en-US" dirty="0" smtClean="0">
-                <a:latin typeface="Hiragino Kaku Gothic ProN W6" charset="-128"/>
-                <a:ea typeface="Hiragino Kaku Gothic ProN W6" charset="-128"/>
-                <a:cs typeface="Hiragino Kaku Gothic ProN W6" charset="-128"/>
-              </a:rPr>
-              <a:t>法より優れた学習性能</a:t>
-            </a:r>
-            <a:endParaRPr lang="en-US" altLang="ja-JP" dirty="0" smtClean="0">
-              <a:latin typeface="Hiragino Kaku Gothic ProN W6" charset="-128"/>
-              <a:ea typeface="Hiragino Kaku Gothic ProN W6" charset="-128"/>
-              <a:cs typeface="Hiragino Kaku Gothic ProN W6" charset="-128"/>
-            </a:endParaRPr>
-          </a:p>
-          <a:p>
-            <a:pPr lvl="1"/>
-            <a:r>
-              <a:rPr kumimoji="1" lang="ja-JP" altLang="en-US" dirty="0" smtClean="0">
-                <a:latin typeface="Hiragino Kaku Gothic ProN W6" charset="-128"/>
-                <a:ea typeface="Hiragino Kaku Gothic ProN W6" charset="-128"/>
-                <a:cs typeface="Hiragino Kaku Gothic ProN W6" charset="-128"/>
-              </a:rPr>
-              <a:t>欠点：設定するパラメータが増える</a:t>
-            </a:r>
-            <a:endParaRPr kumimoji="1" lang="en-US" altLang="ja-JP" dirty="0" smtClean="0">
-              <a:latin typeface="Hiragino Kaku Gothic ProN W6" charset="-128"/>
-              <a:ea typeface="Hiragino Kaku Gothic ProN W6" charset="-128"/>
-              <a:cs typeface="Hiragino Kaku Gothic ProN W6" charset="-128"/>
-            </a:endParaRPr>
-          </a:p>
-        </p:txBody>
-      </p:sp>
+            <a:endParaRPr kumimoji="1" lang="ja-JP" altLang="en-US" dirty="0">
+              <a:latin typeface="Hiragino Kaku Gothic ProN W6" charset="-128"/>
+              <a:ea typeface="Hiragino Kaku Gothic ProN W6" charset="-128"/>
+              <a:cs typeface="Hiragino Kaku Gothic ProN W6" charset="-128"/>
+            </a:endParaRPr>
+          </a:p>
+        </p:txBody>
+      </p:sp>
+      <p:pic>
+        <p:nvPicPr>
+          <p:cNvPr id="4" name="図 3"/>
+          <p:cNvPicPr>
+            <a:picLocks noChangeAspect="1"/>
+          </p:cNvPicPr>
+          <p:nvPr/>
+        </p:nvPicPr>
+        <p:blipFill>
+          <a:blip r:embed="rId2">
+            <a:extLst>
+              <a:ext uri="{28A0092B-C50C-407E-A947-70E740481C1C}">
+                <a14:useLocalDpi xmlns:a14="http://schemas.microsoft.com/office/drawing/2010/main" val="0"/>
+              </a:ext>
+            </a:extLst>
+          </a:blip>
+          <a:stretch>
+            <a:fillRect/>
+          </a:stretch>
+        </p:blipFill>
+        <p:spPr>
+          <a:xfrm>
+            <a:off x="1460937" y="3825173"/>
+            <a:ext cx="5605720" cy="830318"/>
+          </a:xfrm>
+          <a:prstGeom prst="rect">
+            <a:avLst/>
+          </a:prstGeom>
+        </p:spPr>
+      </p:pic>
+      <p:pic>
+        <p:nvPicPr>
+          <p:cNvPr id="5" name="図 4"/>
+          <p:cNvPicPr>
+            <a:picLocks noChangeAspect="1"/>
+          </p:cNvPicPr>
+          <p:nvPr/>
+        </p:nvPicPr>
+        <p:blipFill>
+          <a:blip r:embed="rId3">
+            <a:extLst>
+              <a:ext uri="{28A0092B-C50C-407E-A947-70E740481C1C}">
+                <a14:useLocalDpi xmlns:a14="http://schemas.microsoft.com/office/drawing/2010/main" val="0"/>
+              </a:ext>
+            </a:extLst>
+          </a:blip>
+          <a:stretch>
+            <a:fillRect/>
+          </a:stretch>
+        </p:blipFill>
+        <p:spPr>
+          <a:xfrm>
+            <a:off x="1460937" y="5158198"/>
+            <a:ext cx="6758152" cy="777991"/>
+          </a:xfrm>
+          <a:prstGeom prst="rect">
+            <a:avLst/>
+          </a:prstGeom>
+        </p:spPr>
+      </p:pic>
     </p:spTree>
     <p:extLst>
       <p:ext uri="{BB962C8B-B14F-4D97-AF65-F5344CB8AC3E}">
-        <p14:creationId xmlns:p14="http://schemas.microsoft.com/office/powerpoint/2010/main" val="1330595058"/>
+        <p14:creationId xmlns:p14="http://schemas.microsoft.com/office/powerpoint/2010/main" val="355174065"/>
       </p:ext>
     </p:extLst>
   </p:cSld>
@@ -10005,247 +9867,174 @@
         </p:nvSpPr>
         <p:spPr/>
         <p:txBody>
-          <a:bodyPr>
-            <a:normAutofit fontScale="90000"/>
-          </a:bodyPr>
-          <a:lstStyle/>
-          <a:p>
-            <a:r>
-              <a:rPr kumimoji="1" lang="en-US" altLang="ja-JP" dirty="0" smtClean="0">
-                <a:latin typeface="ヒラギノ角ゴ Pro W6" charset="-128"/>
-                <a:ea typeface="ヒラギノ角ゴ Pro W6" charset="-128"/>
-              </a:rPr>
-              <a:t>3.4.7</a:t>
-            </a:r>
-            <a:r>
-              <a:rPr lang="en-US" altLang="ja-JP" dirty="0">
-                <a:latin typeface="ヒラギノ角ゴ Pro W6" charset="-128"/>
-                <a:ea typeface="ヒラギノ角ゴ Pro W6" charset="-128"/>
-              </a:rPr>
-              <a:t/>
-            </a:r>
-            <a:br>
-              <a:rPr lang="en-US" altLang="ja-JP" dirty="0">
-                <a:latin typeface="ヒラギノ角ゴ Pro W6" charset="-128"/>
-                <a:ea typeface="ヒラギノ角ゴ Pro W6" charset="-128"/>
-              </a:rPr>
-            </a:br>
-            <a:r>
-              <a:rPr kumimoji="1" lang="ja-JP" altLang="en-US" sz="3100" dirty="0" smtClean="0">
-                <a:latin typeface="ヒラギノ角ゴ Pro W6" charset="-128"/>
-                <a:ea typeface="ヒラギノ角ゴ Pro W6" charset="-128"/>
-              </a:rPr>
-              <a:t>確率的なモデルの事前学習と自己符号化器の学習の関係</a:t>
-            </a:r>
-            <a:endParaRPr kumimoji="1" lang="ja-JP" altLang="en-US" sz="3100" dirty="0">
-              <a:latin typeface="ヒラギノ角ゴ Pro W6" charset="-128"/>
-              <a:ea typeface="ヒラギノ角ゴ Pro W6" charset="-128"/>
-            </a:endParaRPr>
-          </a:p>
-        </p:txBody>
-      </p:sp>
-      <p:sp>
-        <p:nvSpPr>
-          <p:cNvPr id="3" name="コンテンツ プレースホルダー 2"/>
-          <p:cNvSpPr>
-            <a:spLocks noGrp="1"/>
-          </p:cNvSpPr>
-          <p:nvPr>
-            <p:ph idx="1"/>
-          </p:nvPr>
-        </p:nvSpPr>
-        <p:spPr/>
-        <p:txBody>
           <a:bodyPr/>
           <a:lstStyle/>
           <a:p>
             <a:r>
+              <a:rPr kumimoji="1" lang="en-US" altLang="ja-JP" dirty="0" smtClean="0">
+                <a:latin typeface="Hiragino Kaku Gothic ProN W6" charset="-128"/>
+                <a:ea typeface="Hiragino Kaku Gothic ProN W6" charset="-128"/>
+                <a:cs typeface="Hiragino Kaku Gothic ProN W6" charset="-128"/>
+              </a:rPr>
+              <a:t>MPF</a:t>
+            </a:r>
+            <a:r>
+              <a:rPr lang="ja-JP" altLang="en-US" dirty="0" smtClean="0">
+                <a:latin typeface="Hiragino Kaku Gothic ProN W6" charset="-128"/>
+                <a:ea typeface="Hiragino Kaku Gothic ProN W6" charset="-128"/>
+                <a:cs typeface="Hiragino Kaku Gothic ProN W6" charset="-128"/>
+              </a:rPr>
+              <a:t>法の利点</a:t>
+            </a:r>
+            <a:endParaRPr kumimoji="1" lang="ja-JP" altLang="en-US" dirty="0">
+              <a:latin typeface="Hiragino Kaku Gothic ProN W6" charset="-128"/>
+              <a:ea typeface="Hiragino Kaku Gothic ProN W6" charset="-128"/>
+              <a:cs typeface="Hiragino Kaku Gothic ProN W6" charset="-128"/>
+            </a:endParaRPr>
+          </a:p>
+        </p:txBody>
+      </p:sp>
+      <p:sp>
+        <p:nvSpPr>
+          <p:cNvPr id="3" name="コンテンツ プレースホルダー 2"/>
+          <p:cNvSpPr>
+            <a:spLocks noGrp="1"/>
+          </p:cNvSpPr>
+          <p:nvPr>
+            <p:ph idx="1"/>
+          </p:nvPr>
+        </p:nvSpPr>
+        <p:spPr/>
+        <p:txBody>
+          <a:bodyPr/>
+          <a:lstStyle/>
+          <a:p>
+            <a:r>
               <a:rPr kumimoji="1" lang="ja-JP" altLang="en-US" dirty="0" smtClean="0">
                 <a:latin typeface="Hiragino Kaku Gothic ProN W6" charset="-128"/>
                 <a:ea typeface="Hiragino Kaku Gothic ProN W6" charset="-128"/>
                 <a:cs typeface="Hiragino Kaku Gothic ProN W6" charset="-128"/>
               </a:rPr>
-              <a:t>事前学習</a:t>
-            </a:r>
-            <a:r>
-              <a:rPr lang="en-US" altLang="ja-JP" dirty="0" smtClean="0">
-                <a:latin typeface="Hiragino Kaku Gothic ProN W6" charset="-128"/>
-                <a:ea typeface="Hiragino Kaku Gothic ProN W6" charset="-128"/>
-                <a:cs typeface="Hiragino Kaku Gothic ProN W6" charset="-128"/>
-              </a:rPr>
-              <a:t>:</a:t>
-            </a:r>
+              <a:t>損失関数の最小化から導かれるため</a:t>
+            </a:r>
+            <a:endParaRPr kumimoji="1" lang="en-US" altLang="ja-JP" dirty="0" smtClean="0">
+              <a:latin typeface="Hiragino Kaku Gothic ProN W6" charset="-128"/>
+              <a:ea typeface="Hiragino Kaku Gothic ProN W6" charset="-128"/>
+              <a:cs typeface="Hiragino Kaku Gothic ProN W6" charset="-128"/>
+            </a:endParaRPr>
           </a:p>
           <a:p>
             <a:pPr lvl="1"/>
             <a:r>
+              <a:rPr kumimoji="1" lang="ja-JP" altLang="en-US" dirty="0" smtClean="0">
+                <a:latin typeface="Hiragino Kaku Gothic ProN W6" charset="-128"/>
+                <a:ea typeface="Hiragino Kaku Gothic ProN W6" charset="-128"/>
+                <a:cs typeface="Hiragino Kaku Gothic ProN W6" charset="-128"/>
+              </a:rPr>
+              <a:t>収束性がある</a:t>
+            </a:r>
+            <a:endParaRPr kumimoji="1" lang="en-US" altLang="ja-JP" dirty="0" smtClean="0">
+              <a:latin typeface="Hiragino Kaku Gothic ProN W6" charset="-128"/>
+              <a:ea typeface="Hiragino Kaku Gothic ProN W6" charset="-128"/>
+              <a:cs typeface="Hiragino Kaku Gothic ProN W6" charset="-128"/>
+            </a:endParaRPr>
+          </a:p>
+          <a:p>
+            <a:pPr lvl="1"/>
+            <a:r>
+              <a:rPr kumimoji="1" lang="ja-JP" altLang="en-US" dirty="0" smtClean="0">
+                <a:latin typeface="Hiragino Kaku Gothic ProN W6" charset="-128"/>
+                <a:ea typeface="Hiragino Kaku Gothic ProN W6" charset="-128"/>
+                <a:cs typeface="Hiragino Kaku Gothic ProN W6" charset="-128"/>
+              </a:rPr>
+              <a:t>適切な学習率の調整が可能</a:t>
+            </a:r>
+            <a:endParaRPr kumimoji="1" lang="en-US" altLang="ja-JP" dirty="0" smtClean="0">
+              <a:latin typeface="Hiragino Kaku Gothic ProN W6" charset="-128"/>
+              <a:ea typeface="Hiragino Kaku Gothic ProN W6" charset="-128"/>
+              <a:cs typeface="Hiragino Kaku Gothic ProN W6" charset="-128"/>
+            </a:endParaRPr>
+          </a:p>
+          <a:p>
+            <a:r>
+              <a:rPr kumimoji="1" lang="ja-JP" altLang="en-US" dirty="0" smtClean="0">
+                <a:latin typeface="Hiragino Kaku Gothic ProN W6" charset="-128"/>
+                <a:ea typeface="Hiragino Kaku Gothic ProN W6" charset="-128"/>
+                <a:cs typeface="Hiragino Kaku Gothic ProN W6" charset="-128"/>
+              </a:rPr>
+              <a:t>損失関数</a:t>
+            </a:r>
+            <a:r>
+              <a:rPr kumimoji="1" lang="en-US" altLang="ja-JP" dirty="0" smtClean="0">
+                <a:latin typeface="Hiragino Kaku Gothic ProN W6" charset="-128"/>
+                <a:ea typeface="Hiragino Kaku Gothic ProN W6" charset="-128"/>
+                <a:cs typeface="Hiragino Kaku Gothic ProN W6" charset="-128"/>
+              </a:rPr>
+              <a:t>C(</a:t>
+            </a:r>
+            <a:r>
+              <a:rPr lang="en-US" altLang="ja-JP" dirty="0" err="1" smtClean="0">
+                <a:latin typeface="Hiragino Kaku Gothic ProN W6" charset="-128"/>
+                <a:ea typeface="Hiragino Kaku Gothic ProN W6" charset="-128"/>
+                <a:cs typeface="Hiragino Kaku Gothic ProN W6" charset="-128"/>
+              </a:rPr>
+              <a:t>θ</a:t>
+            </a:r>
+            <a:r>
+              <a:rPr kumimoji="1" lang="en-US" altLang="ja-JP" dirty="0" smtClean="0">
+                <a:latin typeface="Hiragino Kaku Gothic ProN W6" charset="-128"/>
+                <a:ea typeface="Hiragino Kaku Gothic ProN W6" charset="-128"/>
+                <a:cs typeface="Hiragino Kaku Gothic ProN W6" charset="-128"/>
+              </a:rPr>
+              <a:t>)</a:t>
+            </a:r>
+            <a:r>
+              <a:rPr kumimoji="1" lang="ja-JP" altLang="en-US" dirty="0" smtClean="0">
+                <a:latin typeface="Hiragino Kaku Gothic ProN W6" charset="-128"/>
+                <a:ea typeface="Hiragino Kaku Gothic ProN W6" charset="-128"/>
+                <a:cs typeface="Hiragino Kaku Gothic ProN W6" charset="-128"/>
+              </a:rPr>
+              <a:t>が凸関数で観測データ数に比例するオーダーで評価</a:t>
+            </a:r>
+            <a:endParaRPr kumimoji="1" lang="en-US" altLang="ja-JP" dirty="0" smtClean="0">
+              <a:latin typeface="Hiragino Kaku Gothic ProN W6" charset="-128"/>
+              <a:ea typeface="Hiragino Kaku Gothic ProN W6" charset="-128"/>
+              <a:cs typeface="Hiragino Kaku Gothic ProN W6" charset="-128"/>
+            </a:endParaRPr>
+          </a:p>
+          <a:p>
+            <a:r>
               <a:rPr lang="ja-JP" altLang="en-US" dirty="0" smtClean="0">
                 <a:latin typeface="Hiragino Kaku Gothic ProN W6" charset="-128"/>
                 <a:ea typeface="Hiragino Kaku Gothic ProN W6" charset="-128"/>
                 <a:cs typeface="Hiragino Kaku Gothic ProN W6" charset="-128"/>
               </a:rPr>
-              <a:t>後の教師あり学習の良い初期値を与えるため一般的なモデルで用いる</a:t>
-            </a:r>
-            <a:endParaRPr lang="en-US" altLang="ja-JP" dirty="0">
-              <a:latin typeface="Hiragino Kaku Gothic ProN W6" charset="-128"/>
-              <a:ea typeface="Hiragino Kaku Gothic ProN W6" charset="-128"/>
-              <a:cs typeface="Hiragino Kaku Gothic ProN W6" charset="-128"/>
-            </a:endParaRPr>
-          </a:p>
-          <a:p>
-            <a:pPr lvl="1"/>
+              <a:t>→学習が高速</a:t>
+            </a:r>
+            <a:endParaRPr lang="en-US" altLang="ja-JP" dirty="0" smtClean="0">
+              <a:latin typeface="Hiragino Kaku Gothic ProN W6" charset="-128"/>
+              <a:ea typeface="Hiragino Kaku Gothic ProN W6" charset="-128"/>
+              <a:cs typeface="Hiragino Kaku Gothic ProN W6" charset="-128"/>
+            </a:endParaRPr>
+          </a:p>
+          <a:p>
+            <a:r>
+              <a:rPr kumimoji="1" lang="en-US" altLang="ja-JP" dirty="0" smtClean="0">
+                <a:latin typeface="Hiragino Kaku Gothic ProN W6" charset="-128"/>
+                <a:ea typeface="Hiragino Kaku Gothic ProN W6" charset="-128"/>
+                <a:cs typeface="Hiragino Kaku Gothic ProN W6" charset="-128"/>
+              </a:rPr>
+              <a:t>CD</a:t>
+            </a:r>
             <a:r>
               <a:rPr lang="ja-JP" altLang="en-US" dirty="0" smtClean="0">
                 <a:latin typeface="Hiragino Kaku Gothic ProN W6" charset="-128"/>
                 <a:ea typeface="Hiragino Kaku Gothic ProN W6" charset="-128"/>
                 <a:cs typeface="Hiragino Kaku Gothic ProN W6" charset="-128"/>
               </a:rPr>
-              <a:t>多層</a:t>
-            </a:r>
-            <a:r>
-              <a:rPr lang="en-US" altLang="ja-JP" dirty="0" smtClean="0">
-                <a:latin typeface="Hiragino Kaku Gothic ProN W6" charset="-128"/>
-                <a:ea typeface="Hiragino Kaku Gothic ProN W6" charset="-128"/>
-                <a:cs typeface="Hiragino Kaku Gothic ProN W6" charset="-128"/>
-              </a:rPr>
-              <a:t>NN</a:t>
-            </a:r>
-            <a:r>
-              <a:rPr lang="ja-JP" altLang="en-US" dirty="0" smtClean="0">
-                <a:latin typeface="Hiragino Kaku Gothic ProN W6" charset="-128"/>
-                <a:ea typeface="Hiragino Kaku Gothic ProN W6" charset="-128"/>
-                <a:cs typeface="Hiragino Kaku Gothic ProN W6" charset="-128"/>
-              </a:rPr>
-              <a:t>を隣接二層ごとに分解</a:t>
-            </a:r>
-            <a:endParaRPr lang="en-US" altLang="ja-JP" dirty="0" smtClean="0">
-              <a:latin typeface="Hiragino Kaku Gothic ProN W6" charset="-128"/>
-              <a:ea typeface="Hiragino Kaku Gothic ProN W6" charset="-128"/>
-              <a:cs typeface="Hiragino Kaku Gothic ProN W6" charset="-128"/>
-            </a:endParaRPr>
-          </a:p>
-          <a:p>
-            <a:pPr lvl="1"/>
-            <a:r>
-              <a:rPr lang="ja-JP" altLang="en-US" dirty="0" smtClean="0">
-                <a:latin typeface="Hiragino Kaku Gothic ProN W6" charset="-128"/>
-                <a:ea typeface="Hiragino Kaku Gothic ProN W6" charset="-128"/>
-                <a:cs typeface="Hiragino Kaku Gothic ProN W6" charset="-128"/>
-              </a:rPr>
-              <a:t>二層で</a:t>
-            </a:r>
-            <a:r>
-              <a:rPr lang="en-US" altLang="ja-JP" dirty="0" smtClean="0">
-                <a:latin typeface="Hiragino Kaku Gothic ProN W6" charset="-128"/>
-                <a:ea typeface="Hiragino Kaku Gothic ProN W6" charset="-128"/>
-                <a:cs typeface="Hiragino Kaku Gothic ProN W6" charset="-128"/>
-              </a:rPr>
-              <a:t>RBM</a:t>
-            </a:r>
-            <a:r>
-              <a:rPr lang="ja-JP" altLang="en-US" dirty="0" smtClean="0">
-                <a:latin typeface="Hiragino Kaku Gothic ProN W6" charset="-128"/>
-                <a:ea typeface="Hiragino Kaku Gothic ProN W6" charset="-128"/>
-                <a:cs typeface="Hiragino Kaku Gothic ProN W6" charset="-128"/>
-              </a:rPr>
-              <a:t>など小規模モデルを構成</a:t>
-            </a:r>
-            <a:endParaRPr lang="en-US" altLang="ja-JP" dirty="0" smtClean="0">
-              <a:latin typeface="Hiragino Kaku Gothic ProN W6" charset="-128"/>
-              <a:ea typeface="Hiragino Kaku Gothic ProN W6" charset="-128"/>
-              <a:cs typeface="Hiragino Kaku Gothic ProN W6" charset="-128"/>
-            </a:endParaRPr>
-          </a:p>
-          <a:p>
-            <a:pPr lvl="1"/>
-            <a:r>
-              <a:rPr lang="ja-JP" altLang="en-US" dirty="0" smtClean="0">
-                <a:latin typeface="Hiragino Kaku Gothic ProN W6" charset="-128"/>
-                <a:ea typeface="Hiragino Kaku Gothic ProN W6" charset="-128"/>
-                <a:cs typeface="Hiragino Kaku Gothic ProN W6" charset="-128"/>
-              </a:rPr>
-              <a:t>下層から順に学習</a:t>
-            </a:r>
-            <a:endParaRPr lang="en-US" altLang="ja-JP" dirty="0" smtClean="0">
-              <a:latin typeface="Hiragino Kaku Gothic ProN W6" charset="-128"/>
-              <a:ea typeface="Hiragino Kaku Gothic ProN W6" charset="-128"/>
-              <a:cs typeface="Hiragino Kaku Gothic ProN W6" charset="-128"/>
-            </a:endParaRPr>
-          </a:p>
-          <a:p>
-            <a:r>
-              <a:rPr lang="ja-JP" altLang="en-US" dirty="0" smtClean="0">
-                <a:latin typeface="Hiragino Kaku Gothic ProN W6" charset="-128"/>
-                <a:ea typeface="Hiragino Kaku Gothic ProN W6" charset="-128"/>
-                <a:cs typeface="Hiragino Kaku Gothic ProN W6" charset="-128"/>
-              </a:rPr>
-              <a:t>式</a:t>
-            </a:r>
-            <a:r>
-              <a:rPr lang="en-US" altLang="ja-JP" dirty="0" smtClean="0">
-                <a:latin typeface="Hiragino Kaku Gothic ProN W6" charset="-128"/>
-                <a:ea typeface="Hiragino Kaku Gothic ProN W6" charset="-128"/>
-                <a:cs typeface="Hiragino Kaku Gothic ProN W6" charset="-128"/>
-              </a:rPr>
-              <a:t>(3.21)</a:t>
-            </a:r>
-            <a:r>
-              <a:rPr lang="ja-JP" altLang="en-US" dirty="0" smtClean="0">
-                <a:latin typeface="Hiragino Kaku Gothic ProN W6" charset="-128"/>
-                <a:ea typeface="Hiragino Kaku Gothic ProN W6" charset="-128"/>
-                <a:cs typeface="Hiragino Kaku Gothic ProN W6" charset="-128"/>
-              </a:rPr>
-              <a:t>の詳細釣り合い条件を満たすように，マルコフ連鎖の条件付き分布</a:t>
-            </a:r>
-            <a:r>
-              <a:rPr lang="en-US" altLang="ja-JP" dirty="0" smtClean="0">
-                <a:latin typeface="Hiragino Kaku Gothic ProN W6" charset="-128"/>
-                <a:ea typeface="Hiragino Kaku Gothic ProN W6" charset="-128"/>
-                <a:cs typeface="Hiragino Kaku Gothic ProN W6" charset="-128"/>
-              </a:rPr>
-              <a:t>p(</a:t>
-            </a:r>
-            <a:r>
-              <a:rPr lang="en-US" altLang="ja-JP" dirty="0" err="1" smtClean="0">
-                <a:latin typeface="Hiragino Kaku Gothic ProN W6" charset="-128"/>
-                <a:ea typeface="Hiragino Kaku Gothic ProN W6" charset="-128"/>
-                <a:cs typeface="Hiragino Kaku Gothic ProN W6" charset="-128"/>
-              </a:rPr>
-              <a:t>h|v,θ</a:t>
-            </a:r>
-            <a:r>
-              <a:rPr lang="en-US" altLang="ja-JP" dirty="0" smtClean="0">
-                <a:latin typeface="Hiragino Kaku Gothic ProN W6" charset="-128"/>
-                <a:ea typeface="Hiragino Kaku Gothic ProN W6" charset="-128"/>
-                <a:cs typeface="Hiragino Kaku Gothic ProN W6" charset="-128"/>
-              </a:rPr>
-              <a:t>)</a:t>
-            </a:r>
-            <a:r>
-              <a:rPr lang="ja-JP" altLang="en-US" dirty="0" smtClean="0">
-                <a:latin typeface="Hiragino Kaku Gothic ProN W6" charset="-128"/>
-                <a:ea typeface="Hiragino Kaku Gothic ProN W6" charset="-128"/>
-                <a:cs typeface="Hiragino Kaku Gothic ProN W6" charset="-128"/>
-              </a:rPr>
-              <a:t>と</a:t>
-            </a:r>
-            <a:r>
-              <a:rPr lang="en-US" altLang="ja-JP" dirty="0" err="1" smtClean="0">
-                <a:latin typeface="Hiragino Kaku Gothic ProN W6" charset="-128"/>
-                <a:ea typeface="Hiragino Kaku Gothic ProN W6" charset="-128"/>
-                <a:cs typeface="Hiragino Kaku Gothic ProN W6" charset="-128"/>
-              </a:rPr>
-              <a:t>θ</a:t>
-            </a:r>
-            <a:r>
-              <a:rPr lang="ja-JP" altLang="en-US" dirty="0" smtClean="0">
-                <a:latin typeface="Hiragino Kaku Gothic ProN W6" charset="-128"/>
-                <a:ea typeface="Hiragino Kaku Gothic ProN W6" charset="-128"/>
-                <a:cs typeface="Hiragino Kaku Gothic ProN W6" charset="-128"/>
-              </a:rPr>
-              <a:t>を学習すれば，確率的な自己符号化器が得られることがわかる</a:t>
-            </a:r>
-            <a:endParaRPr lang="en-US" altLang="ja-JP" dirty="0" smtClean="0">
+              <a:t>法では尤度が最大化されずに途中で収束してしまう問題が起こる場合があった</a:t>
+            </a:r>
+            <a:endParaRPr kumimoji="1" lang="ja-JP" altLang="en-US" dirty="0">
               <a:latin typeface="Hiragino Kaku Gothic ProN W6" charset="-128"/>
               <a:ea typeface="Hiragino Kaku Gothic ProN W6" charset="-128"/>
               <a:cs typeface="Hiragino Kaku Gothic ProN W6" charset="-128"/>
@@ -10256,7 +10045,7 @@
     </p:spTree>
     <p:extLst>
       <p:ext uri="{BB962C8B-B14F-4D97-AF65-F5344CB8AC3E}">
-        <p14:creationId xmlns:p14="http://schemas.microsoft.com/office/powerpoint/2010/main" val="648899709"/>
+        <p14:creationId xmlns:p14="http://schemas.microsoft.com/office/powerpoint/2010/main" val="1008638540"/>
       </p:ext>
     </p:extLst>
   </p:cSld>
@@ -10299,12 +10088,36 @@
           <a:lstStyle/>
           <a:p>
             <a:r>
+              <a:rPr kumimoji="1" lang="en-US" altLang="ja-JP" dirty="0" smtClean="0">
+                <a:latin typeface="Hiragino Kaku Gothic ProN W6" charset="-128"/>
+                <a:ea typeface="Hiragino Kaku Gothic ProN W6" charset="-128"/>
+                <a:cs typeface="Hiragino Kaku Gothic ProN W6" charset="-128"/>
+              </a:rPr>
+              <a:t>3.4.6</a:t>
+            </a:r>
+            <a:r>
               <a:rPr kumimoji="1" lang="ja-JP" altLang="en-US" dirty="0" smtClean="0">
                 <a:latin typeface="Hiragino Kaku Gothic ProN W6" charset="-128"/>
                 <a:ea typeface="Hiragino Kaku Gothic ProN W6" charset="-128"/>
                 <a:cs typeface="Hiragino Kaku Gothic ProN W6" charset="-128"/>
               </a:rPr>
-              <a:t>変分自己符号化器</a:t>
+              <a:t>　</a:t>
+            </a:r>
+            <a:r>
+              <a:rPr kumimoji="1" lang="en-US" altLang="ja-JP" dirty="0" smtClean="0">
+                <a:latin typeface="Hiragino Kaku Gothic ProN W6" charset="-128"/>
+                <a:ea typeface="Hiragino Kaku Gothic ProN W6" charset="-128"/>
+                <a:cs typeface="Hiragino Kaku Gothic ProN W6" charset="-128"/>
+              </a:rPr>
+              <a:t>CD</a:t>
+            </a:r>
+            <a:r>
+              <a:rPr kumimoji="1" lang="ja-JP" altLang="en-US" dirty="0" smtClean="0">
+                <a:latin typeface="Hiragino Kaku Gothic ProN W6" charset="-128"/>
+                <a:ea typeface="Hiragino Kaku Gothic ProN W6" charset="-128"/>
+                <a:cs typeface="Hiragino Kaku Gothic ProN W6" charset="-128"/>
+              </a:rPr>
+              <a:t>法から派生した学習則</a:t>
             </a:r>
             <a:endParaRPr kumimoji="1" lang="ja-JP" altLang="en-US" dirty="0">
               <a:latin typeface="Hiragino Kaku Gothic ProN W6" charset="-128"/>
@@ -10326,43 +10139,208 @@
         </p:nvSpPr>
         <p:spPr/>
         <p:txBody>
-          <a:bodyPr/>
+          <a:bodyPr>
+            <a:normAutofit fontScale="92500" lnSpcReduction="10000"/>
+          </a:bodyPr>
           <a:lstStyle/>
           <a:p>
             <a:r>
+              <a:rPr kumimoji="1" lang="ja-JP" altLang="en-US" dirty="0" smtClean="0">
+                <a:latin typeface="Hiragino Kaku Gothic ProN W6" charset="-128"/>
+                <a:ea typeface="Hiragino Kaku Gothic ProN W6" charset="-128"/>
+                <a:cs typeface="Hiragino Kaku Gothic ProN W6" charset="-128"/>
+              </a:rPr>
+              <a:t>継続的</a:t>
+            </a:r>
+            <a:r>
+              <a:rPr kumimoji="1" lang="en-US" altLang="ja-JP" dirty="0" smtClean="0">
+                <a:latin typeface="Hiragino Kaku Gothic ProN W6" charset="-128"/>
+                <a:ea typeface="Hiragino Kaku Gothic ProN W6" charset="-128"/>
+                <a:cs typeface="Hiragino Kaku Gothic ProN W6" charset="-128"/>
+              </a:rPr>
+              <a:t>CD</a:t>
+            </a:r>
+            <a:r>
+              <a:rPr kumimoji="1" lang="ja-JP" altLang="en-US" dirty="0" smtClean="0">
+                <a:latin typeface="Hiragino Kaku Gothic ProN W6" charset="-128"/>
+                <a:ea typeface="Hiragino Kaku Gothic ProN W6" charset="-128"/>
+                <a:cs typeface="Hiragino Kaku Gothic ProN W6" charset="-128"/>
+              </a:rPr>
+              <a:t>法</a:t>
+            </a:r>
+            <a:endParaRPr kumimoji="1" lang="en-US" altLang="ja-JP" dirty="0" smtClean="0">
+              <a:latin typeface="Hiragino Kaku Gothic ProN W6" charset="-128"/>
+              <a:ea typeface="Hiragino Kaku Gothic ProN W6" charset="-128"/>
+              <a:cs typeface="Hiragino Kaku Gothic ProN W6" charset="-128"/>
+            </a:endParaRPr>
+          </a:p>
+          <a:p>
+            <a:pPr lvl="1" algn="just"/>
+            <a:r>
+              <a:rPr kumimoji="1" lang="ja-JP" altLang="en-US" dirty="0" smtClean="0">
+                <a:latin typeface="Hiragino Kaku Gothic ProN W6" charset="-128"/>
+                <a:ea typeface="Hiragino Kaku Gothic ProN W6" charset="-128"/>
+                <a:cs typeface="Hiragino Kaku Gothic ProN W6" charset="-128"/>
+              </a:rPr>
+              <a:t>近似導関数</a:t>
+            </a:r>
+            <a:r>
+              <a:rPr kumimoji="1" lang="en-US" altLang="ja-JP" dirty="0" smtClean="0">
+                <a:latin typeface="Hiragino Kaku Gothic ProN W6" charset="-128"/>
+                <a:ea typeface="Hiragino Kaku Gothic ProN W6" charset="-128"/>
+                <a:cs typeface="Hiragino Kaku Gothic ProN W6" charset="-128"/>
+              </a:rPr>
+              <a:t>(3.13)</a:t>
+            </a:r>
+            <a:r>
+              <a:rPr kumimoji="1" lang="ja-JP" altLang="en-US" dirty="0" smtClean="0">
+                <a:latin typeface="Hiragino Kaku Gothic ProN W6" charset="-128"/>
+                <a:ea typeface="Hiragino Kaku Gothic ProN W6" charset="-128"/>
+                <a:cs typeface="Hiragino Kaku Gothic ProN W6" charset="-128"/>
+              </a:rPr>
+              <a:t>を対数尤度の勾配の式</a:t>
+            </a:r>
+            <a:r>
+              <a:rPr kumimoji="1" lang="en-US" altLang="ja-JP" dirty="0" smtClean="0">
+                <a:latin typeface="Hiragino Kaku Gothic ProN W6" charset="-128"/>
+                <a:ea typeface="Hiragino Kaku Gothic ProN W6" charset="-128"/>
+                <a:cs typeface="Hiragino Kaku Gothic ProN W6" charset="-128"/>
+              </a:rPr>
+              <a:t>(3.12)</a:t>
+            </a:r>
+            <a:r>
+              <a:rPr kumimoji="1" lang="ja-JP" altLang="en-US" dirty="0" smtClean="0">
+                <a:latin typeface="Hiragino Kaku Gothic ProN W6" charset="-128"/>
+                <a:ea typeface="Hiragino Kaku Gothic ProN W6" charset="-128"/>
+                <a:cs typeface="Hiragino Kaku Gothic ProN W6" charset="-128"/>
+              </a:rPr>
+              <a:t>に近づける</a:t>
+            </a:r>
+            <a:endParaRPr lang="en-US" altLang="ja-JP" dirty="0" smtClean="0">
+              <a:latin typeface="Hiragino Kaku Gothic ProN W6" charset="-128"/>
+              <a:ea typeface="Hiragino Kaku Gothic ProN W6" charset="-128"/>
+              <a:cs typeface="Hiragino Kaku Gothic ProN W6" charset="-128"/>
+            </a:endParaRPr>
+          </a:p>
+          <a:p>
+            <a:r>
+              <a:rPr kumimoji="1" lang="en-US" altLang="ja-JP" dirty="0" smtClean="0">
+                <a:latin typeface="Hiragino Kaku Gothic ProN W6" charset="-128"/>
+                <a:ea typeface="Hiragino Kaku Gothic ProN W6" charset="-128"/>
+                <a:cs typeface="Hiragino Kaku Gothic ProN W6" charset="-128"/>
+              </a:rPr>
+              <a:t>CD</a:t>
+            </a:r>
+            <a:r>
+              <a:rPr kumimoji="1" lang="ja-JP" altLang="en-US" dirty="0" smtClean="0">
+                <a:latin typeface="Hiragino Kaku Gothic ProN W6" charset="-128"/>
+                <a:ea typeface="Hiragino Kaku Gothic ProN W6" charset="-128"/>
+                <a:cs typeface="Hiragino Kaku Gothic ProN W6" charset="-128"/>
+              </a:rPr>
+              <a:t>法</a:t>
+            </a:r>
+            <a:endParaRPr kumimoji="1" lang="en-US" altLang="ja-JP" dirty="0" smtClean="0">
+              <a:latin typeface="Hiragino Kaku Gothic ProN W6" charset="-128"/>
+              <a:ea typeface="Hiragino Kaku Gothic ProN W6" charset="-128"/>
+              <a:cs typeface="Hiragino Kaku Gothic ProN W6" charset="-128"/>
+            </a:endParaRPr>
+          </a:p>
+          <a:p>
+            <a:pPr lvl="1"/>
+            <a:r>
               <a:rPr lang="ja-JP" altLang="en-US" dirty="0" smtClean="0">
                 <a:latin typeface="Hiragino Kaku Gothic ProN W6" charset="-128"/>
                 <a:ea typeface="Hiragino Kaku Gothic ProN W6" charset="-128"/>
                 <a:cs typeface="Hiragino Kaku Gothic ProN W6" charset="-128"/>
               </a:rPr>
-              <a:t>事後</a:t>
-            </a:r>
+              <a:t>式</a:t>
+            </a:r>
+            <a:r>
+              <a:rPr lang="en-US" altLang="ja-JP" dirty="0">
+                <a:latin typeface="Hiragino Kaku Gothic ProN W6" charset="-128"/>
+                <a:ea typeface="Hiragino Kaku Gothic ProN W6" charset="-128"/>
+                <a:cs typeface="Hiragino Kaku Gothic ProN W6" charset="-128"/>
+              </a:rPr>
+              <a:t>(3.12</a:t>
+            </a:r>
+            <a:r>
+              <a:rPr lang="en-US" altLang="ja-JP" dirty="0" smtClean="0">
+                <a:latin typeface="Hiragino Kaku Gothic ProN W6" charset="-128"/>
+                <a:ea typeface="Hiragino Kaku Gothic ProN W6" charset="-128"/>
+                <a:cs typeface="Hiragino Kaku Gothic ProN W6" charset="-128"/>
+              </a:rPr>
+              <a:t>)</a:t>
+            </a:r>
+            <a:r>
+              <a:rPr lang="ja-JP" altLang="en-US" dirty="0" smtClean="0">
+                <a:latin typeface="Hiragino Kaku Gothic ProN W6" charset="-128"/>
+                <a:ea typeface="Hiragino Kaku Gothic ProN W6" charset="-128"/>
+                <a:cs typeface="Hiragino Kaku Gothic ProN W6" charset="-128"/>
+              </a:rPr>
+              <a:t>の第二項の期待値計算は解析的な計算が困難</a:t>
+            </a:r>
+            <a:endParaRPr lang="en-US" altLang="ja-JP" dirty="0">
+              <a:latin typeface="Hiragino Kaku Gothic ProN W6" charset="-128"/>
+              <a:ea typeface="Hiragino Kaku Gothic ProN W6" charset="-128"/>
+              <a:cs typeface="Hiragino Kaku Gothic ProN W6" charset="-128"/>
+            </a:endParaRPr>
+          </a:p>
+          <a:p>
+            <a:pPr marL="457200" lvl="1" indent="0">
+              <a:buNone/>
+            </a:pPr>
             <a:r>
               <a:rPr kumimoji="1" lang="ja-JP" altLang="en-US" dirty="0" smtClean="0">
                 <a:latin typeface="Hiragino Kaku Gothic ProN W6" charset="-128"/>
                 <a:ea typeface="Hiragino Kaku Gothic ProN W6" charset="-128"/>
                 <a:cs typeface="Hiragino Kaku Gothic ProN W6" charset="-128"/>
               </a:rPr>
-              <a:t>分布</a:t>
-            </a:r>
-            <a:r>
-              <a:rPr kumimoji="1" lang="en-US" altLang="ja-JP" dirty="0" smtClean="0">
-                <a:latin typeface="Hiragino Kaku Gothic ProN W6" charset="-128"/>
-                <a:ea typeface="Hiragino Kaku Gothic ProN W6" charset="-128"/>
-                <a:cs typeface="Hiragino Kaku Gothic ProN W6" charset="-128"/>
-              </a:rPr>
-              <a:t>p(</a:t>
-            </a:r>
-            <a:r>
-              <a:rPr kumimoji="1" lang="en-US" altLang="ja-JP" dirty="0" err="1" smtClean="0">
-                <a:latin typeface="Hiragino Kaku Gothic ProN W6" charset="-128"/>
-                <a:ea typeface="Hiragino Kaku Gothic ProN W6" charset="-128"/>
-                <a:cs typeface="Hiragino Kaku Gothic ProN W6" charset="-128"/>
-              </a:rPr>
-              <a:t>h|v,θ</a:t>
-            </a:r>
-            <a:r>
-              <a:rPr kumimoji="1" lang="en-US" altLang="ja-JP" dirty="0" smtClean="0">
+              <a:t>　　　→ギプスサンプリング無限回で近似してサンプルを定常分布に収束</a:t>
+            </a:r>
+            <a:endParaRPr kumimoji="1" lang="en-US" altLang="ja-JP" dirty="0" smtClean="0">
+              <a:latin typeface="Hiragino Kaku Gothic ProN W6" charset="-128"/>
+              <a:ea typeface="Hiragino Kaku Gothic ProN W6" charset="-128"/>
+              <a:cs typeface="Hiragino Kaku Gothic ProN W6" charset="-128"/>
+            </a:endParaRPr>
+          </a:p>
+          <a:p>
+            <a:pPr marL="457200" lvl="1" indent="0">
+              <a:buNone/>
+            </a:pPr>
+            <a:r>
+              <a:rPr lang="ja-JP" altLang="en-US" dirty="0">
+                <a:latin typeface="Hiragino Kaku Gothic ProN W6" charset="-128"/>
+                <a:ea typeface="Hiragino Kaku Gothic ProN W6" charset="-128"/>
+                <a:cs typeface="Hiragino Kaku Gothic ProN W6" charset="-128"/>
+              </a:rPr>
+              <a:t>　</a:t>
+            </a:r>
+            <a:r>
+              <a:rPr lang="ja-JP" altLang="en-US" dirty="0" smtClean="0">
+                <a:latin typeface="Hiragino Kaku Gothic ProN W6" charset="-128"/>
+                <a:ea typeface="Hiragino Kaku Gothic ProN W6" charset="-128"/>
+                <a:cs typeface="Hiragino Kaku Gothic ProN W6" charset="-128"/>
+              </a:rPr>
+              <a:t>　　→</a:t>
+            </a:r>
+            <a:r>
+              <a:rPr lang="ja-JP" altLang="en-US" dirty="0">
+                <a:latin typeface="Hiragino Kaku Gothic ProN W6" charset="-128"/>
+                <a:ea typeface="Hiragino Kaku Gothic ProN W6" charset="-128"/>
+                <a:cs typeface="Hiragino Kaku Gothic ProN W6" charset="-128"/>
+              </a:rPr>
+              <a:t>近似導関数</a:t>
+            </a:r>
+            <a:r>
+              <a:rPr lang="en-US" altLang="ja-JP" dirty="0">
+                <a:latin typeface="Hiragino Kaku Gothic ProN W6" charset="-128"/>
+                <a:ea typeface="Hiragino Kaku Gothic ProN W6" charset="-128"/>
+                <a:cs typeface="Hiragino Kaku Gothic ProN W6" charset="-128"/>
+              </a:rPr>
+              <a:t>(3.13</a:t>
+            </a:r>
+            <a:r>
+              <a:rPr lang="en-US" altLang="ja-JP" dirty="0" smtClean="0">
                 <a:latin typeface="Hiragino Kaku Gothic ProN W6" charset="-128"/>
                 <a:ea typeface="Hiragino Kaku Gothic ProN W6" charset="-128"/>
                 <a:cs typeface="Hiragino Kaku Gothic ProN W6" charset="-128"/>
@@ -10370,20 +10348,59 @@
               <a:t>)</a:t>
             </a:r>
             <a:r>
+              <a:rPr lang="ja-JP" altLang="en-US" dirty="0" smtClean="0">
+                <a:latin typeface="Hiragino Kaku Gothic ProN W6" charset="-128"/>
+                <a:ea typeface="Hiragino Kaku Gothic ProN W6" charset="-128"/>
+                <a:cs typeface="Hiragino Kaku Gothic ProN W6" charset="-128"/>
+              </a:rPr>
+              <a:t>をギプスサンプリング</a:t>
+            </a:r>
+            <a:r>
+              <a:rPr lang="en-US" altLang="ja-JP" dirty="0" smtClean="0">
+                <a:latin typeface="Hiragino Kaku Gothic ProN W6" charset="-128"/>
+                <a:ea typeface="Hiragino Kaku Gothic ProN W6" charset="-128"/>
+                <a:cs typeface="Hiragino Kaku Gothic ProN W6" charset="-128"/>
+              </a:rPr>
+              <a:t>k</a:t>
+            </a:r>
+            <a:r>
+              <a:rPr lang="ja-JP" altLang="en-US" dirty="0" smtClean="0">
+                <a:latin typeface="Hiragino Kaku Gothic ProN W6" charset="-128"/>
+                <a:ea typeface="Hiragino Kaku Gothic ProN W6" charset="-128"/>
+                <a:cs typeface="Hiragino Kaku Gothic ProN W6" charset="-128"/>
+              </a:rPr>
+              <a:t>回で代用</a:t>
+            </a:r>
+            <a:endParaRPr lang="en-US" altLang="ja-JP" dirty="0" smtClean="0">
+              <a:latin typeface="Hiragino Kaku Gothic ProN W6" charset="-128"/>
+              <a:ea typeface="Hiragino Kaku Gothic ProN W6" charset="-128"/>
+              <a:cs typeface="Hiragino Kaku Gothic ProN W6" charset="-128"/>
+            </a:endParaRPr>
+          </a:p>
+          <a:p>
+            <a:pPr lvl="1"/>
+            <a:r>
               <a:rPr kumimoji="1" lang="ja-JP" altLang="en-US" dirty="0" smtClean="0">
                 <a:latin typeface="Hiragino Kaku Gothic ProN W6" charset="-128"/>
                 <a:ea typeface="Hiragino Kaku Gothic ProN W6" charset="-128"/>
                 <a:cs typeface="Hiragino Kaku Gothic ProN W6" charset="-128"/>
               </a:rPr>
-              <a:t>が</a:t>
-            </a:r>
+              <a:t>パラメータ更新のたびに初期分布を観測データからの経験分布に戻す</a:t>
+            </a:r>
+            <a:endParaRPr kumimoji="1" lang="en-US" altLang="ja-JP" dirty="0" smtClean="0">
+              <a:latin typeface="Hiragino Kaku Gothic ProN W6" charset="-128"/>
+              <a:ea typeface="Hiragino Kaku Gothic ProN W6" charset="-128"/>
+              <a:cs typeface="Hiragino Kaku Gothic ProN W6" charset="-128"/>
+            </a:endParaRPr>
+          </a:p>
+          <a:p>
             <a:r>
               <a:rPr lang="ja-JP" altLang="en-US" dirty="0" smtClean="0">
                 <a:latin typeface="Hiragino Kaku Gothic ProN W6" charset="-128"/>
                 <a:ea typeface="Hiragino Kaku Gothic ProN W6" charset="-128"/>
                 <a:cs typeface="Hiragino Kaku Gothic ProN W6" charset="-128"/>
               </a:rPr>
-              <a:t>深層</a:t>
+              <a:t>継続的</a:t>
             </a:r>
             <a:r>
               <a:rPr lang="en-US" altLang="ja-JP" dirty="0" smtClean="0">
@@ -10391,7 +10408,7 @@
                 <a:ea typeface="Hiragino Kaku Gothic ProN W6" charset="-128"/>
                 <a:cs typeface="Hiragino Kaku Gothic ProN W6" charset="-128"/>
               </a:rPr>
-              <a:t>NN</a:t>
+              <a:t>CD</a:t>
             </a:r>
             <a:r>
               <a:rPr lang="ja-JP" altLang="en-US" dirty="0" smtClean="0">
@@ -10399,7 +10416,7 @@
                 <a:ea typeface="Hiragino Kaku Gothic ProN W6" charset="-128"/>
                 <a:cs typeface="Hiragino Kaku Gothic ProN W6" charset="-128"/>
               </a:rPr>
-              <a:t>で近似</a:t>
+              <a:t>法</a:t>
             </a:r>
             <a:endParaRPr lang="en-US" altLang="ja-JP" dirty="0" smtClean="0">
               <a:latin typeface="Hiragino Kaku Gothic ProN W6" charset="-128"/>
@@ -10408,15 +10425,80 @@
             </a:endParaRPr>
           </a:p>
           <a:p>
+            <a:pPr lvl="1"/>
             <a:r>
               <a:rPr kumimoji="1" lang="ja-JP" altLang="en-US" dirty="0" smtClean="0">
                 <a:latin typeface="Hiragino Kaku Gothic ProN W6" charset="-128"/>
                 <a:ea typeface="Hiragino Kaku Gothic ProN W6" charset="-128"/>
                 <a:cs typeface="Hiragino Kaku Gothic ProN W6" charset="-128"/>
               </a:rPr>
-              <a:t>符号化器の分布の近似が変分法による近似と形式的に同じ近似</a:t>
-            </a:r>
-            <a:endParaRPr kumimoji="1" lang="ja-JP" altLang="en-US" dirty="0">
+              <a:t>更新後にサンプルで構成される経験分布からギプスサンプリング</a:t>
+            </a:r>
+            <a:endParaRPr kumimoji="1" lang="en-US" altLang="ja-JP" dirty="0" smtClean="0">
+              <a:latin typeface="Hiragino Kaku Gothic ProN W6" charset="-128"/>
+              <a:ea typeface="Hiragino Kaku Gothic ProN W6" charset="-128"/>
+              <a:cs typeface="Hiragino Kaku Gothic ProN W6" charset="-128"/>
+            </a:endParaRPr>
+          </a:p>
+          <a:p>
+            <a:pPr lvl="1"/>
+            <a:r>
+              <a:rPr lang="ja-JP" altLang="en-US" dirty="0" smtClean="0">
+                <a:latin typeface="Hiragino Kaku Gothic ProN W6" charset="-128"/>
+                <a:ea typeface="Hiragino Kaku Gothic ProN W6" charset="-128"/>
+                <a:cs typeface="Hiragino Kaku Gothic ProN W6" charset="-128"/>
+              </a:rPr>
+              <a:t>継続的</a:t>
+            </a:r>
+            <a:r>
+              <a:rPr lang="en-US" altLang="ja-JP" dirty="0" smtClean="0">
+                <a:latin typeface="Hiragino Kaku Gothic ProN W6" charset="-128"/>
+                <a:ea typeface="Hiragino Kaku Gothic ProN W6" charset="-128"/>
+                <a:cs typeface="Hiragino Kaku Gothic ProN W6" charset="-128"/>
+              </a:rPr>
+              <a:t>CD-1</a:t>
+            </a:r>
+            <a:r>
+              <a:rPr lang="ja-JP" altLang="en-US" dirty="0" smtClean="0">
+                <a:latin typeface="Hiragino Kaku Gothic ProN W6" charset="-128"/>
+                <a:ea typeface="Hiragino Kaku Gothic ProN W6" charset="-128"/>
+                <a:cs typeface="Hiragino Kaku Gothic ProN W6" charset="-128"/>
+              </a:rPr>
+              <a:t>法　≧　</a:t>
+            </a:r>
+            <a:r>
+              <a:rPr lang="en-US" altLang="ja-JP" dirty="0" smtClean="0">
+                <a:latin typeface="Hiragino Kaku Gothic ProN W6" charset="-128"/>
+                <a:ea typeface="Hiragino Kaku Gothic ProN W6" charset="-128"/>
+                <a:cs typeface="Hiragino Kaku Gothic ProN W6" charset="-128"/>
+              </a:rPr>
+              <a:t>CD-10</a:t>
+            </a:r>
+            <a:r>
+              <a:rPr lang="ja-JP" altLang="en-US" dirty="0" smtClean="0">
+                <a:latin typeface="Hiragino Kaku Gothic ProN W6" charset="-128"/>
+                <a:ea typeface="Hiragino Kaku Gothic ProN W6" charset="-128"/>
+                <a:cs typeface="Hiragino Kaku Gothic ProN W6" charset="-128"/>
+              </a:rPr>
+              <a:t>法</a:t>
+            </a:r>
+            <a:endParaRPr lang="en-US" altLang="ja-JP" dirty="0" smtClean="0">
+              <a:latin typeface="Hiragino Kaku Gothic ProN W6" charset="-128"/>
+              <a:ea typeface="Hiragino Kaku Gothic ProN W6" charset="-128"/>
+              <a:cs typeface="Hiragino Kaku Gothic ProN W6" charset="-128"/>
+            </a:endParaRPr>
+          </a:p>
+          <a:p>
+            <a:pPr lvl="1"/>
+            <a:r>
+              <a:rPr kumimoji="1" lang="ja-JP" altLang="en-US" dirty="0" smtClean="0">
+                <a:latin typeface="Hiragino Kaku Gothic ProN W6" charset="-128"/>
+                <a:ea typeface="Hiragino Kaku Gothic ProN W6" charset="-128"/>
+                <a:cs typeface="Hiragino Kaku Gothic ProN W6" charset="-128"/>
+              </a:rPr>
+              <a:t>計算量が少ない</a:t>
+            </a:r>
+            <a:endParaRPr kumimoji="1" lang="en-US" altLang="ja-JP" dirty="0" smtClean="0">
               <a:latin typeface="Hiragino Kaku Gothic ProN W6" charset="-128"/>
               <a:ea typeface="Hiragino Kaku Gothic ProN W6" charset="-128"/>
               <a:cs typeface="Hiragino Kaku Gothic ProN W6" charset="-128"/>
@@ -10427,7 +10509,7 @@
     </p:spTree>
     <p:extLst>
       <p:ext uri="{BB962C8B-B14F-4D97-AF65-F5344CB8AC3E}">
-        <p14:creationId xmlns:p14="http://schemas.microsoft.com/office/powerpoint/2010/main" val="141558491"/>
+        <p14:creationId xmlns:p14="http://schemas.microsoft.com/office/powerpoint/2010/main" val="943651070"/>
       </p:ext>
     </p:extLst>
   </p:cSld>
@@ -10470,26 +10552,22 @@
           <a:lstStyle/>
           <a:p>
             <a:r>
-              <a:rPr kumimoji="1" lang="en-US" altLang="ja-JP" dirty="0" smtClean="0">
-                <a:latin typeface="Hiragino Kaku Gothic ProN W6" charset="-128"/>
-                <a:ea typeface="Hiragino Kaku Gothic ProN W6" charset="-128"/>
-                <a:cs typeface="Hiragino Kaku Gothic ProN W6" charset="-128"/>
-              </a:rPr>
-              <a:t>3.5</a:t>
-            </a:r>
-            <a:r>
-              <a:rPr kumimoji="1" lang="ja-JP" altLang="en-US" dirty="0" smtClean="0">
-                <a:latin typeface="Hiragino Kaku Gothic ProN W6" charset="-128"/>
-                <a:ea typeface="Hiragino Kaku Gothic ProN W6" charset="-128"/>
-                <a:cs typeface="Hiragino Kaku Gothic ProN W6" charset="-128"/>
-              </a:rPr>
-              <a:t>　確定的なモデルを用いた事前学習</a:t>
-            </a:r>
-            <a:endParaRPr kumimoji="1" lang="ja-JP" altLang="en-US" dirty="0">
-              <a:latin typeface="Hiragino Kaku Gothic ProN W6" charset="-128"/>
-              <a:ea typeface="Hiragino Kaku Gothic ProN W6" charset="-128"/>
-              <a:cs typeface="Hiragino Kaku Gothic ProN W6" charset="-128"/>
-            </a:endParaRPr>
+              <a:rPr lang="en-US" altLang="ja-JP" dirty="0">
+                <a:latin typeface="Hiragino Kaku Gothic ProN W6" charset="-128"/>
+                <a:ea typeface="Hiragino Kaku Gothic ProN W6" charset="-128"/>
+                <a:cs typeface="Hiragino Kaku Gothic ProN W6" charset="-128"/>
+              </a:rPr>
+              <a:t>CD</a:t>
+            </a:r>
+            <a:r>
+              <a:rPr lang="ja-JP" altLang="en-US" dirty="0">
+                <a:latin typeface="Hiragino Kaku Gothic ProN W6" charset="-128"/>
+                <a:ea typeface="Hiragino Kaku Gothic ProN W6" charset="-128"/>
+                <a:cs typeface="Hiragino Kaku Gothic ProN W6" charset="-128"/>
+              </a:rPr>
+              <a:t>法から派生した学習則</a:t>
+            </a:r>
+            <a:endParaRPr kumimoji="1" lang="ja-JP" altLang="en-US" dirty="0"/>
           </a:p>
         </p:txBody>
       </p:sp>
@@ -10503,12 +10581,7 @@
             <p:ph idx="1"/>
           </p:nvPr>
         </p:nvSpPr>
-        <p:spPr>
-          <a:xfrm>
-            <a:off x="680321" y="2336873"/>
-            <a:ext cx="9613861" cy="3599316"/>
-          </a:xfrm>
-        </p:spPr>
+        <p:spPr/>
         <p:txBody>
           <a:bodyPr/>
           <a:lstStyle/>
@@ -10519,199 +10592,155 @@
                 <a:ea typeface="Hiragino Kaku Gothic ProN W6" charset="-128"/>
                 <a:cs typeface="Hiragino Kaku Gothic ProN W6" charset="-128"/>
               </a:rPr>
-              <a:t>事前学習</a:t>
-            </a:r>
+              <a:t>パラレルテンパリング</a:t>
+            </a:r>
+            <a:r>
+              <a:rPr lang="en-US" altLang="ja-JP" dirty="0">
+                <a:latin typeface="Hiragino Kaku Gothic ProN W6" charset="-128"/>
+                <a:ea typeface="Hiragino Kaku Gothic ProN W6" charset="-128"/>
+                <a:cs typeface="Hiragino Kaku Gothic ProN W6" charset="-128"/>
+              </a:rPr>
+              <a:t>=</a:t>
+            </a:r>
+            <a:r>
+              <a:rPr lang="ja-JP" altLang="en-US" dirty="0" smtClean="0">
+                <a:latin typeface="Hiragino Kaku Gothic ProN W6" charset="-128"/>
+                <a:ea typeface="Hiragino Kaku Gothic ProN W6" charset="-128"/>
+                <a:cs typeface="Hiragino Kaku Gothic ProN W6" charset="-128"/>
+              </a:rPr>
+              <a:t>交換モンテカルロ法</a:t>
+            </a:r>
+            <a:endParaRPr lang="en-US" altLang="ja-JP" dirty="0" smtClean="0">
+              <a:latin typeface="Hiragino Kaku Gothic ProN W6" charset="-128"/>
+              <a:ea typeface="Hiragino Kaku Gothic ProN W6" charset="-128"/>
+              <a:cs typeface="Hiragino Kaku Gothic ProN W6" charset="-128"/>
+            </a:endParaRPr>
+          </a:p>
+          <a:p>
+            <a:pPr lvl="1"/>
             <a:r>
               <a:rPr kumimoji="1" lang="ja-JP" altLang="en-US" dirty="0" smtClean="0">
                 <a:latin typeface="Hiragino Kaku Gothic ProN W6" charset="-128"/>
                 <a:ea typeface="Hiragino Kaku Gothic ProN W6" charset="-128"/>
                 <a:cs typeface="Hiragino Kaku Gothic ProN W6" charset="-128"/>
               </a:rPr>
-              <a:t>は次元削減によって後</a:t>
-            </a:r>
+              <a:t>マルコフ連鎖においてサンプル集団の偏りがなかなか解消されない</a:t>
+            </a:r>
+            <a:endParaRPr kumimoji="1" lang="en-US" altLang="ja-JP" dirty="0" smtClean="0">
+              <a:latin typeface="Hiragino Kaku Gothic ProN W6" charset="-128"/>
+              <a:ea typeface="Hiragino Kaku Gothic ProN W6" charset="-128"/>
+              <a:cs typeface="Hiragino Kaku Gothic ProN W6" charset="-128"/>
+            </a:endParaRPr>
+          </a:p>
+          <a:p>
+            <a:pPr lvl="1"/>
             <a:r>
               <a:rPr kumimoji="1" lang="ja-JP" altLang="en-US" dirty="0" smtClean="0">
                 <a:latin typeface="Hiragino Kaku Gothic ProN W6" charset="-128"/>
                 <a:ea typeface="Hiragino Kaku Gothic ProN W6" charset="-128"/>
                 <a:cs typeface="Hiragino Kaku Gothic ProN W6" charset="-128"/>
               </a:rPr>
-              <a:t>の深層</a:t>
-            </a:r>
-            <a:r>
-              <a:rPr kumimoji="1" lang="en-US" altLang="ja-JP" dirty="0" smtClean="0">
-                <a:latin typeface="Hiragino Kaku Gothic ProN W6" charset="-128"/>
-                <a:ea typeface="Hiragino Kaku Gothic ProN W6" charset="-128"/>
-                <a:cs typeface="Hiragino Kaku Gothic ProN W6" charset="-128"/>
-              </a:rPr>
-              <a:t>NN</a:t>
-            </a:r>
+              <a:t>広い状態空間を探索させるため</a:t>
+            </a:r>
+            <a:r>
+              <a:rPr lang="ja-JP" altLang="en-US" dirty="0" smtClean="0">
+                <a:latin typeface="Hiragino Kaku Gothic ProN W6" charset="-128"/>
+                <a:ea typeface="Hiragino Kaku Gothic ProN W6" charset="-128"/>
+                <a:cs typeface="Hiragino Kaku Gothic ProN W6" charset="-128"/>
+              </a:rPr>
+              <a:t>，複数の互いに異なる乱雑さをもつマルコフ連鎖を並列して用いる</a:t>
+            </a:r>
+            <a:endParaRPr lang="en-US" altLang="ja-JP" dirty="0" smtClean="0">
+              <a:latin typeface="Hiragino Kaku Gothic ProN W6" charset="-128"/>
+              <a:ea typeface="Hiragino Kaku Gothic ProN W6" charset="-128"/>
+              <a:cs typeface="Hiragino Kaku Gothic ProN W6" charset="-128"/>
+            </a:endParaRPr>
+          </a:p>
+          <a:p>
+            <a:pPr lvl="1"/>
+            <a:endParaRPr kumimoji="1" lang="en-US" altLang="ja-JP" dirty="0">
+              <a:latin typeface="Hiragino Kaku Gothic ProN W6" charset="-128"/>
+              <a:ea typeface="Hiragino Kaku Gothic ProN W6" charset="-128"/>
+              <a:cs typeface="Hiragino Kaku Gothic ProN W6" charset="-128"/>
+            </a:endParaRPr>
+          </a:p>
+          <a:p>
+            <a:pPr lvl="1"/>
+            <a:r>
+              <a:rPr lang="ja-JP" altLang="en-US" dirty="0" smtClean="0">
+                <a:latin typeface="Hiragino Kaku Gothic ProN W6" charset="-128"/>
+                <a:ea typeface="Hiragino Kaku Gothic ProN W6" charset="-128"/>
+                <a:cs typeface="Hiragino Kaku Gothic ProN W6" charset="-128"/>
+              </a:rPr>
+              <a:t>継続的</a:t>
+            </a:r>
+            <a:r>
+              <a:rPr lang="en-US" altLang="ja-JP" dirty="0" smtClean="0">
+                <a:latin typeface="Hiragino Kaku Gothic ProN W6" charset="-128"/>
+                <a:ea typeface="Hiragino Kaku Gothic ProN W6" charset="-128"/>
+                <a:cs typeface="Hiragino Kaku Gothic ProN W6" charset="-128"/>
+              </a:rPr>
+              <a:t>CD</a:t>
+            </a:r>
+            <a:r>
+              <a:rPr lang="ja-JP" altLang="en-US" dirty="0" smtClean="0">
+                <a:latin typeface="Hiragino Kaku Gothic ProN W6" charset="-128"/>
+                <a:ea typeface="Hiragino Kaku Gothic ProN W6" charset="-128"/>
+                <a:cs typeface="Hiragino Kaku Gothic ProN W6" charset="-128"/>
+              </a:rPr>
+              <a:t>法と併用することで，</a:t>
+            </a:r>
+            <a:endParaRPr lang="en-US" altLang="ja-JP" dirty="0" smtClean="0">
+              <a:latin typeface="Hiragino Kaku Gothic ProN W6" charset="-128"/>
+              <a:ea typeface="Hiragino Kaku Gothic ProN W6" charset="-128"/>
+              <a:cs typeface="Hiragino Kaku Gothic ProN W6" charset="-128"/>
+            </a:endParaRPr>
+          </a:p>
+          <a:p>
+            <a:pPr marL="457200" lvl="1" indent="0">
+              <a:buNone/>
+            </a:pPr>
+            <a:r>
+              <a:rPr lang="ja-JP" altLang="en-US" dirty="0" smtClean="0">
+                <a:latin typeface="Hiragino Kaku Gothic ProN W6" charset="-128"/>
+                <a:ea typeface="Hiragino Kaku Gothic ProN W6" charset="-128"/>
+                <a:cs typeface="Hiragino Kaku Gothic ProN W6" charset="-128"/>
+              </a:rPr>
+              <a:t>パラメータを上手く設定すれば継続的</a:t>
+            </a:r>
+            <a:r>
+              <a:rPr lang="en-US" altLang="ja-JP" dirty="0" smtClean="0">
+                <a:latin typeface="Hiragino Kaku Gothic ProN W6" charset="-128"/>
+                <a:ea typeface="Hiragino Kaku Gothic ProN W6" charset="-128"/>
+                <a:cs typeface="Hiragino Kaku Gothic ProN W6" charset="-128"/>
+              </a:rPr>
+              <a:t>CD</a:t>
+            </a:r>
+            <a:r>
+              <a:rPr lang="ja-JP" altLang="en-US" dirty="0" smtClean="0">
+                <a:latin typeface="Hiragino Kaku Gothic ProN W6" charset="-128"/>
+                <a:ea typeface="Hiragino Kaku Gothic ProN W6" charset="-128"/>
+                <a:cs typeface="Hiragino Kaku Gothic ProN W6" charset="-128"/>
+              </a:rPr>
+              <a:t>法より優れた学習性能</a:t>
+            </a:r>
+            <a:endParaRPr lang="en-US" altLang="ja-JP" dirty="0" smtClean="0">
+              <a:latin typeface="Hiragino Kaku Gothic ProN W6" charset="-128"/>
+              <a:ea typeface="Hiragino Kaku Gothic ProN W6" charset="-128"/>
+              <a:cs typeface="Hiragino Kaku Gothic ProN W6" charset="-128"/>
+            </a:endParaRPr>
+          </a:p>
+          <a:p>
+            <a:pPr lvl="1"/>
             <a:r>
               <a:rPr kumimoji="1" lang="ja-JP" altLang="en-US" dirty="0" smtClean="0">
                 <a:latin typeface="Hiragino Kaku Gothic ProN W6" charset="-128"/>
                 <a:ea typeface="Hiragino Kaku Gothic ProN W6" charset="-128"/>
                 <a:cs typeface="Hiragino Kaku Gothic ProN W6" charset="-128"/>
               </a:rPr>
-              <a:t>の過学習を防ぐ</a:t>
+              <a:t>欠点：設定するパラメータが増える</a:t>
             </a:r>
             <a:endParaRPr kumimoji="1" lang="en-US" altLang="ja-JP" dirty="0" smtClean="0">
-              <a:latin typeface="Hiragino Kaku Gothic ProN W6" charset="-128"/>
-              <a:ea typeface="Hiragino Kaku Gothic ProN W6" charset="-128"/>
-              <a:cs typeface="Hiragino Kaku Gothic ProN W6" charset="-128"/>
-            </a:endParaRPr>
-          </a:p>
-          <a:p>
-            <a:r>
-              <a:rPr lang="ja-JP" altLang="en-US" dirty="0" smtClean="0">
-                <a:latin typeface="Hiragino Kaku Gothic ProN W6" charset="-128"/>
-                <a:ea typeface="Hiragino Kaku Gothic ProN W6" charset="-128"/>
-                <a:cs typeface="Hiragino Kaku Gothic ProN W6" charset="-128"/>
-              </a:rPr>
-              <a:t>確率的な</a:t>
-            </a:r>
-            <a:r>
-              <a:rPr lang="ja-JP" altLang="en-US" dirty="0" smtClean="0">
-                <a:latin typeface="Hiragino Kaku Gothic ProN W6" charset="-128"/>
-                <a:ea typeface="Hiragino Kaku Gothic ProN W6" charset="-128"/>
-                <a:cs typeface="Hiragino Kaku Gothic ProN W6" charset="-128"/>
-              </a:rPr>
-              <a:t>モデル</a:t>
-            </a:r>
-            <a:r>
-              <a:rPr lang="en-US" altLang="ja-JP" dirty="0" smtClean="0">
-                <a:latin typeface="Hiragino Kaku Gothic ProN W6" charset="-128"/>
-                <a:ea typeface="Hiragino Kaku Gothic ProN W6" charset="-128"/>
-                <a:cs typeface="Hiragino Kaku Gothic ProN W6" charset="-128"/>
-              </a:rPr>
-              <a:t>EFH</a:t>
-            </a:r>
-            <a:r>
-              <a:rPr lang="ja-JP" altLang="en-US" dirty="0" smtClean="0">
-                <a:latin typeface="Hiragino Kaku Gothic ProN W6" charset="-128"/>
-                <a:ea typeface="Hiragino Kaku Gothic ProN W6" charset="-128"/>
-                <a:cs typeface="Hiragino Kaku Gothic ProN W6" charset="-128"/>
-              </a:rPr>
-              <a:t>は，</a:t>
-            </a:r>
-            <a:r>
-              <a:rPr lang="ja-JP" altLang="en-US" dirty="0" smtClean="0">
-                <a:latin typeface="Hiragino Kaku Gothic ProN W6" charset="-128"/>
-                <a:ea typeface="Hiragino Kaku Gothic ProN W6" charset="-128"/>
-                <a:cs typeface="Hiragino Kaku Gothic ProN W6" charset="-128"/>
-              </a:rPr>
-              <a:t>決定論</a:t>
-            </a:r>
-            <a:r>
-              <a:rPr lang="ja-JP" altLang="en-US" dirty="0" smtClean="0">
-                <a:latin typeface="Hiragino Kaku Gothic ProN W6" charset="-128"/>
-                <a:ea typeface="Hiragino Kaku Gothic ProN W6" charset="-128"/>
-                <a:cs typeface="Hiragino Kaku Gothic ProN W6" charset="-128"/>
-              </a:rPr>
-              <a:t>的</a:t>
-            </a:r>
-            <a:r>
-              <a:rPr lang="ja-JP" altLang="en-US" dirty="0" smtClean="0">
-                <a:latin typeface="Hiragino Kaku Gothic ProN W6" charset="-128"/>
-                <a:ea typeface="Hiragino Kaku Gothic ProN W6" charset="-128"/>
-                <a:cs typeface="Hiragino Kaku Gothic ProN W6" charset="-128"/>
-              </a:rPr>
-              <a:t>な教師あり学習の損失関数とは</a:t>
-            </a:r>
-            <a:r>
-              <a:rPr lang="ja-JP" altLang="en-US" dirty="0" smtClean="0">
-                <a:latin typeface="Hiragino Kaku Gothic ProN W6" charset="-128"/>
-                <a:ea typeface="Hiragino Kaku Gothic ProN W6" charset="-128"/>
-                <a:cs typeface="Hiragino Kaku Gothic ProN W6" charset="-128"/>
-              </a:rPr>
-              <a:t>間接的関係</a:t>
-            </a:r>
-            <a:endParaRPr lang="en-US" altLang="ja-JP" dirty="0" smtClean="0">
-              <a:latin typeface="Hiragino Kaku Gothic ProN W6" charset="-128"/>
-              <a:ea typeface="Hiragino Kaku Gothic ProN W6" charset="-128"/>
-              <a:cs typeface="Hiragino Kaku Gothic ProN W6" charset="-128"/>
-            </a:endParaRPr>
-          </a:p>
-          <a:p>
-            <a:r>
-              <a:rPr lang="ja-JP" altLang="en-US" dirty="0" smtClean="0">
-                <a:latin typeface="Hiragino Kaku Gothic ProN W6" charset="-128"/>
-                <a:ea typeface="Hiragino Kaku Gothic ProN W6" charset="-128"/>
-                <a:cs typeface="Hiragino Kaku Gothic ProN W6" charset="-128"/>
-              </a:rPr>
-              <a:t>確定</a:t>
-            </a:r>
-            <a:r>
-              <a:rPr kumimoji="1" lang="ja-JP" altLang="en-US" dirty="0" smtClean="0">
-                <a:latin typeface="Hiragino Kaku Gothic ProN W6" charset="-128"/>
-                <a:ea typeface="Hiragino Kaku Gothic ProN W6" charset="-128"/>
-                <a:cs typeface="Hiragino Kaku Gothic ProN W6" charset="-128"/>
-              </a:rPr>
-              <a:t>的</a:t>
-            </a:r>
-            <a:r>
-              <a:rPr kumimoji="1" lang="ja-JP" altLang="en-US" dirty="0" smtClean="0">
-                <a:latin typeface="Hiragino Kaku Gothic ProN W6" charset="-128"/>
-                <a:ea typeface="Hiragino Kaku Gothic ProN W6" charset="-128"/>
-                <a:cs typeface="Hiragino Kaku Gothic ProN W6" charset="-128"/>
-              </a:rPr>
-              <a:t>なモデルは</a:t>
-            </a:r>
-            <a:r>
-              <a:rPr kumimoji="1" lang="ja-JP" altLang="en-US" dirty="0" smtClean="0">
-                <a:latin typeface="Hiragino Kaku Gothic ProN W6" charset="-128"/>
-                <a:ea typeface="Hiragino Kaku Gothic ProN W6" charset="-128"/>
-                <a:cs typeface="Hiragino Kaku Gothic ProN W6" charset="-128"/>
-              </a:rPr>
-              <a:t>直接的関係があり，それを用いた事前学習がある</a:t>
-            </a:r>
-            <a:endParaRPr kumimoji="1" lang="en-US" altLang="ja-JP" dirty="0" smtClean="0">
-              <a:latin typeface="Hiragino Kaku Gothic ProN W6" charset="-128"/>
-              <a:ea typeface="Hiragino Kaku Gothic ProN W6" charset="-128"/>
-              <a:cs typeface="Hiragino Kaku Gothic ProN W6" charset="-128"/>
-            </a:endParaRPr>
-          </a:p>
-          <a:p>
-            <a:pPr lvl="1" algn="just"/>
-            <a:r>
-              <a:rPr lang="en-US" altLang="ja-JP" dirty="0" smtClean="0">
-                <a:latin typeface="Hiragino Kaku Gothic ProN W6" charset="-128"/>
-                <a:ea typeface="Hiragino Kaku Gothic ProN W6" charset="-128"/>
-                <a:cs typeface="Hiragino Kaku Gothic ProN W6" charset="-128"/>
-              </a:rPr>
-              <a:t>3.5.1</a:t>
-            </a:r>
-            <a:r>
-              <a:rPr lang="ja-JP" altLang="en-US" dirty="0" smtClean="0">
-                <a:latin typeface="Hiragino Kaku Gothic ProN W6" charset="-128"/>
-                <a:ea typeface="Hiragino Kaku Gothic ProN W6" charset="-128"/>
-                <a:cs typeface="Hiragino Kaku Gothic ProN W6" charset="-128"/>
-              </a:rPr>
-              <a:t>　教師なし学習</a:t>
-            </a:r>
-            <a:endParaRPr lang="en-US" altLang="ja-JP" dirty="0" smtClean="0">
-              <a:latin typeface="Hiragino Kaku Gothic ProN W6" charset="-128"/>
-              <a:ea typeface="Hiragino Kaku Gothic ProN W6" charset="-128"/>
-              <a:cs typeface="Hiragino Kaku Gothic ProN W6" charset="-128"/>
-            </a:endParaRPr>
-          </a:p>
-          <a:p>
-            <a:pPr lvl="1"/>
-            <a:r>
-              <a:rPr kumimoji="1" lang="en-US" altLang="ja-JP" dirty="0" smtClean="0">
-                <a:latin typeface="Hiragino Kaku Gothic ProN W6" charset="-128"/>
-                <a:ea typeface="Hiragino Kaku Gothic ProN W6" charset="-128"/>
-                <a:cs typeface="Hiragino Kaku Gothic ProN W6" charset="-128"/>
-              </a:rPr>
-              <a:t>3.5.2</a:t>
-            </a:r>
-            <a:r>
-              <a:rPr kumimoji="1" lang="ja-JP" altLang="en-US" dirty="0" smtClean="0">
-                <a:latin typeface="Hiragino Kaku Gothic ProN W6" charset="-128"/>
-                <a:ea typeface="Hiragino Kaku Gothic ProN W6" charset="-128"/>
-                <a:cs typeface="Hiragino Kaku Gothic ProN W6" charset="-128"/>
-              </a:rPr>
-              <a:t>　教師あり学習</a:t>
-            </a:r>
-            <a:endParaRPr kumimoji="1" lang="ja-JP" altLang="en-US" dirty="0">
               <a:latin typeface="Hiragino Kaku Gothic ProN W6" charset="-128"/>
               <a:ea typeface="Hiragino Kaku Gothic ProN W6" charset="-128"/>
               <a:cs typeface="Hiragino Kaku Gothic ProN W6" charset="-128"/>
@@ -10722,7 +10751,7 @@
     </p:spTree>
     <p:extLst>
       <p:ext uri="{BB962C8B-B14F-4D97-AF65-F5344CB8AC3E}">
-        <p14:creationId xmlns:p14="http://schemas.microsoft.com/office/powerpoint/2010/main" val="353630883"/>
+        <p14:creationId xmlns:p14="http://schemas.microsoft.com/office/powerpoint/2010/main" val="1330595058"/>
       </p:ext>
     </p:extLst>
   </p:cSld>
@@ -10761,77 +10790,88 @@
         </p:nvSpPr>
         <p:spPr/>
         <p:txBody>
+          <a:bodyPr>
+            <a:normAutofit fontScale="90000"/>
+          </a:bodyPr>
+          <a:lstStyle/>
+          <a:p>
+            <a:r>
+              <a:rPr kumimoji="1" lang="en-US" altLang="ja-JP" dirty="0" smtClean="0">
+                <a:latin typeface="ヒラギノ角ゴ Pro W6" charset="-128"/>
+                <a:ea typeface="ヒラギノ角ゴ Pro W6" charset="-128"/>
+              </a:rPr>
+              <a:t>3.4.7</a:t>
+            </a:r>
+            <a:r>
+              <a:rPr lang="en-US" altLang="ja-JP" dirty="0">
+                <a:latin typeface="ヒラギノ角ゴ Pro W6" charset="-128"/>
+                <a:ea typeface="ヒラギノ角ゴ Pro W6" charset="-128"/>
+              </a:rPr>
+              <a:t/>
+            </a:r>
+            <a:br>
+              <a:rPr lang="en-US" altLang="ja-JP" dirty="0">
+                <a:latin typeface="ヒラギノ角ゴ Pro W6" charset="-128"/>
+                <a:ea typeface="ヒラギノ角ゴ Pro W6" charset="-128"/>
+              </a:rPr>
+            </a:br>
+            <a:r>
+              <a:rPr kumimoji="1" lang="ja-JP" altLang="en-US" sz="3100" dirty="0" smtClean="0">
+                <a:latin typeface="ヒラギノ角ゴ Pro W6" charset="-128"/>
+                <a:ea typeface="ヒラギノ角ゴ Pro W6" charset="-128"/>
+              </a:rPr>
+              <a:t>確率的なモデルの事前学習と自己符号化器の学習の関係</a:t>
+            </a:r>
+            <a:endParaRPr kumimoji="1" lang="ja-JP" altLang="en-US" sz="3100" dirty="0">
+              <a:latin typeface="ヒラギノ角ゴ Pro W6" charset="-128"/>
+              <a:ea typeface="ヒラギノ角ゴ Pro W6" charset="-128"/>
+            </a:endParaRPr>
+          </a:p>
+        </p:txBody>
+      </p:sp>
+      <p:sp>
+        <p:nvSpPr>
+          <p:cNvPr id="3" name="コンテンツ プレースホルダー 2"/>
+          <p:cNvSpPr>
+            <a:spLocks noGrp="1"/>
+          </p:cNvSpPr>
+          <p:nvPr>
+            <p:ph idx="1"/>
+          </p:nvPr>
+        </p:nvSpPr>
+        <p:spPr/>
+        <p:txBody>
           <a:bodyPr/>
           <a:lstStyle/>
           <a:p>
             <a:r>
+              <a:rPr kumimoji="1" lang="ja-JP" altLang="en-US" dirty="0" smtClean="0">
+                <a:latin typeface="Hiragino Kaku Gothic ProN W6" charset="-128"/>
+                <a:ea typeface="Hiragino Kaku Gothic ProN W6" charset="-128"/>
+                <a:cs typeface="Hiragino Kaku Gothic ProN W6" charset="-128"/>
+              </a:rPr>
+              <a:t>事前学習</a:t>
+            </a:r>
+            <a:r>
               <a:rPr lang="en-US" altLang="ja-JP" dirty="0" smtClean="0">
                 <a:latin typeface="Hiragino Kaku Gothic ProN W6" charset="-128"/>
                 <a:ea typeface="Hiragino Kaku Gothic ProN W6" charset="-128"/>
                 <a:cs typeface="Hiragino Kaku Gothic ProN W6" charset="-128"/>
               </a:rPr>
-              <a:t>3.5.1</a:t>
-            </a:r>
-            <a:r>
-              <a:rPr lang="en-US" altLang="ja-JP" dirty="0">
-                <a:latin typeface="Hiragino Kaku Gothic ProN W6" charset="-128"/>
-                <a:ea typeface="Hiragino Kaku Gothic ProN W6" charset="-128"/>
-                <a:cs typeface="Hiragino Kaku Gothic ProN W6" charset="-128"/>
-              </a:rPr>
-              <a:t/>
-            </a:r>
-            <a:br>
-              <a:rPr lang="en-US" altLang="ja-JP" dirty="0">
-                <a:latin typeface="Hiragino Kaku Gothic ProN W6" charset="-128"/>
-                <a:ea typeface="Hiragino Kaku Gothic ProN W6" charset="-128"/>
-                <a:cs typeface="Hiragino Kaku Gothic ProN W6" charset="-128"/>
-              </a:rPr>
-            </a:br>
+              <a:t>:</a:t>
+            </a:r>
+          </a:p>
+          <a:p>
+            <a:pPr lvl="1"/>
             <a:r>
               <a:rPr lang="ja-JP" altLang="en-US" dirty="0" smtClean="0">
                 <a:latin typeface="Hiragino Kaku Gothic ProN W6" charset="-128"/>
                 <a:ea typeface="Hiragino Kaku Gothic ProN W6" charset="-128"/>
                 <a:cs typeface="Hiragino Kaku Gothic ProN W6" charset="-128"/>
               </a:rPr>
-              <a:t>教師なし学習による確定的なモデルの学習</a:t>
-            </a:r>
-            <a:endParaRPr kumimoji="1" lang="ja-JP" altLang="en-US" dirty="0">
-              <a:latin typeface="Hiragino Kaku Gothic ProN W6" charset="-128"/>
-              <a:ea typeface="Hiragino Kaku Gothic ProN W6" charset="-128"/>
-              <a:cs typeface="Hiragino Kaku Gothic ProN W6" charset="-128"/>
-            </a:endParaRPr>
-          </a:p>
-        </p:txBody>
-      </p:sp>
-      <p:sp>
-        <p:nvSpPr>
-          <p:cNvPr id="3" name="コンテンツ プレースホルダー 2"/>
-          <p:cNvSpPr>
-            <a:spLocks noGrp="1"/>
-          </p:cNvSpPr>
-          <p:nvPr>
-            <p:ph idx="1"/>
-          </p:nvPr>
-        </p:nvSpPr>
-        <p:spPr>
-          <a:xfrm>
-            <a:off x="680321" y="2336873"/>
-            <a:ext cx="6855595" cy="3599316"/>
-          </a:xfrm>
-        </p:spPr>
-        <p:txBody>
-          <a:bodyPr/>
-          <a:lstStyle/>
-          <a:p>
-            <a:r>
-              <a:rPr kumimoji="1" lang="ja-JP" altLang="en-US" dirty="0" smtClean="0">
-                <a:latin typeface="Hiragino Kaku Gothic ProN W6" charset="-128"/>
-                <a:ea typeface="Hiragino Kaku Gothic ProN W6" charset="-128"/>
-                <a:cs typeface="Hiragino Kaku Gothic ProN W6" charset="-128"/>
-              </a:rPr>
-              <a:t>積層自己符号化器による事前学習</a:t>
-            </a:r>
-            <a:endParaRPr kumimoji="1" lang="en-US" altLang="ja-JP" dirty="0" smtClean="0">
+              <a:t>後の教師あり学習の良い初期値を与えるため一般的なモデルで用いる</a:t>
+            </a:r>
+            <a:endParaRPr lang="en-US" altLang="ja-JP" dirty="0">
               <a:latin typeface="Hiragino Kaku Gothic ProN W6" charset="-128"/>
               <a:ea typeface="Hiragino Kaku Gothic ProN W6" charset="-128"/>
               <a:cs typeface="Hiragino Kaku Gothic ProN W6" charset="-128"/>
@@ -10845,9 +10885,25 @@
                 <a:ea typeface="Hiragino Kaku Gothic ProN W6" charset="-128"/>
                 <a:cs typeface="Hiragino Kaku Gothic ProN W6" charset="-128"/>
               </a:rPr>
-              <a:t>二層ごとに自己符号化器を学習</a:t>
-            </a:r>
-            <a:endParaRPr kumimoji="1" lang="en-US" altLang="ja-JP" dirty="0" smtClean="0">
+              <a:t>多層</a:t>
+            </a:r>
+            <a:r>
+              <a:rPr lang="en-US" altLang="ja-JP" dirty="0" smtClean="0">
+                <a:latin typeface="Hiragino Kaku Gothic ProN W6" charset="-128"/>
+                <a:ea typeface="Hiragino Kaku Gothic ProN W6" charset="-128"/>
+                <a:cs typeface="Hiragino Kaku Gothic ProN W6" charset="-128"/>
+              </a:rPr>
+              <a:t>NN</a:t>
+            </a:r>
+            <a:r>
+              <a:rPr lang="ja-JP" altLang="en-US" dirty="0" smtClean="0">
+                <a:latin typeface="Hiragino Kaku Gothic ProN W6" charset="-128"/>
+                <a:ea typeface="Hiragino Kaku Gothic ProN W6" charset="-128"/>
+                <a:cs typeface="Hiragino Kaku Gothic ProN W6" charset="-128"/>
+              </a:rPr>
+              <a:t>を隣接二層ごとに分解</a:t>
+            </a:r>
+            <a:endParaRPr lang="en-US" altLang="ja-JP" dirty="0" smtClean="0">
               <a:latin typeface="Hiragino Kaku Gothic ProN W6" charset="-128"/>
               <a:ea typeface="Hiragino Kaku Gothic ProN W6" charset="-128"/>
               <a:cs typeface="Hiragino Kaku Gothic ProN W6" charset="-128"/>
@@ -10856,11 +10912,58 @@
           <a:p>
             <a:pPr lvl="1"/>
             <a:r>
+              <a:rPr lang="ja-JP" altLang="en-US" dirty="0" smtClean="0">
+                <a:latin typeface="Hiragino Kaku Gothic ProN W6" charset="-128"/>
+                <a:ea typeface="Hiragino Kaku Gothic ProN W6" charset="-128"/>
+                <a:cs typeface="Hiragino Kaku Gothic ProN W6" charset="-128"/>
+              </a:rPr>
+              <a:t>二層で</a:t>
+            </a:r>
+            <a:r>
               <a:rPr lang="en-US" altLang="ja-JP" dirty="0" smtClean="0">
                 <a:latin typeface="Hiragino Kaku Gothic ProN W6" charset="-128"/>
                 <a:ea typeface="Hiragino Kaku Gothic ProN W6" charset="-128"/>
                 <a:cs typeface="Hiragino Kaku Gothic ProN W6" charset="-128"/>
               </a:rPr>
+              <a:t>RBM</a:t>
+            </a:r>
+            <a:r>
+              <a:rPr lang="ja-JP" altLang="en-US" dirty="0" smtClean="0">
+                <a:latin typeface="Hiragino Kaku Gothic ProN W6" charset="-128"/>
+                <a:ea typeface="Hiragino Kaku Gothic ProN W6" charset="-128"/>
+                <a:cs typeface="Hiragino Kaku Gothic ProN W6" charset="-128"/>
+              </a:rPr>
+              <a:t>など小規模モデルを構成</a:t>
+            </a:r>
+            <a:endParaRPr lang="en-US" altLang="ja-JP" dirty="0" smtClean="0">
+              <a:latin typeface="Hiragino Kaku Gothic ProN W6" charset="-128"/>
+              <a:ea typeface="Hiragino Kaku Gothic ProN W6" charset="-128"/>
+              <a:cs typeface="Hiragino Kaku Gothic ProN W6" charset="-128"/>
+            </a:endParaRPr>
+          </a:p>
+          <a:p>
+            <a:pPr lvl="1"/>
+            <a:r>
+              <a:rPr lang="ja-JP" altLang="en-US" dirty="0" smtClean="0">
+                <a:latin typeface="Hiragino Kaku Gothic ProN W6" charset="-128"/>
+                <a:ea typeface="Hiragino Kaku Gothic ProN W6" charset="-128"/>
+                <a:cs typeface="Hiragino Kaku Gothic ProN W6" charset="-128"/>
+              </a:rPr>
+              <a:t>下層から順に学習</a:t>
+            </a:r>
+            <a:endParaRPr lang="en-US" altLang="ja-JP" dirty="0" smtClean="0">
+              <a:latin typeface="Hiragino Kaku Gothic ProN W6" charset="-128"/>
+              <a:ea typeface="Hiragino Kaku Gothic ProN W6" charset="-128"/>
+              <a:cs typeface="Hiragino Kaku Gothic ProN W6" charset="-128"/>
+            </a:endParaRPr>
+          </a:p>
+          <a:p>
+            <a:r>
+              <a:rPr lang="en-US" altLang="ja-JP" dirty="0" smtClean="0">
+                <a:latin typeface="Hiragino Kaku Gothic ProN W6" charset="-128"/>
+                <a:ea typeface="Hiragino Kaku Gothic ProN W6" charset="-128"/>
+                <a:cs typeface="Hiragino Kaku Gothic ProN W6" charset="-128"/>
+              </a:rPr>
               <a:t>EFH</a:t>
             </a:r>
             <a:r>
@@ -10869,7 +10972,7 @@
                 <a:ea typeface="Hiragino Kaku Gothic ProN W6" charset="-128"/>
                 <a:cs typeface="Hiragino Kaku Gothic ProN W6" charset="-128"/>
               </a:rPr>
-              <a:t>の対数尤度の勾配法による学習則として，</a:t>
+              <a:t>は同時分布</a:t>
             </a:r>
             <a:r>
               <a:rPr lang="en-US" altLang="ja-JP" dirty="0" smtClean="0">
@@ -10877,7 +10980,23 @@
                 <a:ea typeface="Hiragino Kaku Gothic ProN W6" charset="-128"/>
                 <a:cs typeface="Hiragino Kaku Gothic ProN W6" charset="-128"/>
               </a:rPr>
-              <a:t>CD</a:t>
+              <a:t>p(</a:t>
+            </a:r>
+            <a:r>
+              <a:rPr lang="en-US" altLang="ja-JP" dirty="0" err="1" smtClean="0">
+                <a:latin typeface="Hiragino Kaku Gothic ProN W6" charset="-128"/>
+                <a:ea typeface="Hiragino Kaku Gothic ProN W6" charset="-128"/>
+                <a:cs typeface="Hiragino Kaku Gothic ProN W6" charset="-128"/>
+              </a:rPr>
+              <a:t>v,h|θ</a:t>
+            </a:r>
+            <a:r>
+              <a:rPr lang="en-US" altLang="ja-JP" dirty="0" smtClean="0">
+                <a:latin typeface="Hiragino Kaku Gothic ProN W6" charset="-128"/>
+                <a:ea typeface="Hiragino Kaku Gothic ProN W6" charset="-128"/>
+                <a:cs typeface="Hiragino Kaku Gothic ProN W6" charset="-128"/>
+              </a:rPr>
+              <a:t>)</a:t>
             </a:r>
             <a:r>
               <a:rPr lang="ja-JP" altLang="en-US" dirty="0" smtClean="0">
@@ -10885,7 +11004,7 @@
                 <a:ea typeface="Hiragino Kaku Gothic ProN W6" charset="-128"/>
                 <a:cs typeface="Hiragino Kaku Gothic ProN W6" charset="-128"/>
               </a:rPr>
-              <a:t>法と比べると，展開が一つ少なく，平均場近似が適用されておらず，劣る</a:t>
+              <a:t>が与えられる</a:t>
             </a:r>
             <a:endParaRPr lang="en-US" altLang="ja-JP" dirty="0" smtClean="0">
               <a:latin typeface="Hiragino Kaku Gothic ProN W6" charset="-128"/>
@@ -10894,40 +11013,118 @@
             </a:endParaRPr>
           </a:p>
           <a:p>
-            <a:pPr lvl="1"/>
-            <a:r>
-              <a:rPr kumimoji="1" lang="ja-JP" altLang="en-US" dirty="0" smtClean="0">
-                <a:latin typeface="Hiragino Kaku Gothic ProN W6" charset="-128"/>
-                <a:ea typeface="Hiragino Kaku Gothic ProN W6" charset="-128"/>
-                <a:cs typeface="Hiragino Kaku Gothic ProN W6" charset="-128"/>
-              </a:rPr>
-              <a:t>計算機実験</a:t>
-            </a:r>
             <a:r>
               <a:rPr lang="ja-JP" altLang="en-US" dirty="0" smtClean="0">
                 <a:latin typeface="Hiragino Kaku Gothic ProN W6" charset="-128"/>
                 <a:ea typeface="Hiragino Kaku Gothic ProN W6" charset="-128"/>
                 <a:cs typeface="Hiragino Kaku Gothic ProN W6" charset="-128"/>
               </a:rPr>
-              <a:t>でも</a:t>
-            </a:r>
-            <a:r>
-              <a:rPr kumimoji="1" lang="en-US" altLang="ja-JP" dirty="0" smtClean="0">
-                <a:latin typeface="Hiragino Kaku Gothic ProN W6" charset="-128"/>
-                <a:ea typeface="Hiragino Kaku Gothic ProN W6" charset="-128"/>
-                <a:cs typeface="Hiragino Kaku Gothic ProN W6" charset="-128"/>
-              </a:rPr>
-              <a:t>CD</a:t>
-            </a:r>
-            <a:r>
-              <a:rPr kumimoji="1" lang="ja-JP" altLang="en-US" dirty="0" smtClean="0">
-                <a:latin typeface="Hiragino Kaku Gothic ProN W6" charset="-128"/>
-                <a:ea typeface="Hiragino Kaku Gothic ProN W6" charset="-128"/>
-                <a:cs typeface="Hiragino Kaku Gothic ProN W6" charset="-128"/>
-              </a:rPr>
-              <a:t>法と同等か少し劣る</a:t>
-            </a:r>
-            <a:endParaRPr kumimoji="1" lang="ja-JP" altLang="en-US" dirty="0">
+              <a:t>式</a:t>
+            </a:r>
+            <a:r>
+              <a:rPr lang="en-US" altLang="ja-JP" dirty="0" smtClean="0">
+                <a:latin typeface="Hiragino Kaku Gothic ProN W6" charset="-128"/>
+                <a:ea typeface="Hiragino Kaku Gothic ProN W6" charset="-128"/>
+                <a:cs typeface="Hiragino Kaku Gothic ProN W6" charset="-128"/>
+              </a:rPr>
+              <a:t>(3.21)</a:t>
+            </a:r>
+            <a:r>
+              <a:rPr lang="ja-JP" altLang="en-US" dirty="0" smtClean="0">
+                <a:latin typeface="Hiragino Kaku Gothic ProN W6" charset="-128"/>
+                <a:ea typeface="Hiragino Kaku Gothic ProN W6" charset="-128"/>
+                <a:cs typeface="Hiragino Kaku Gothic ProN W6" charset="-128"/>
+              </a:rPr>
+              <a:t>の詳細釣り合い条件を満たすように，マルコフ連鎖の条件付き分布</a:t>
+            </a:r>
+            <a:r>
+              <a:rPr lang="en-US" altLang="ja-JP" dirty="0" smtClean="0">
+                <a:latin typeface="Hiragino Kaku Gothic ProN W6" charset="-128"/>
+                <a:ea typeface="Hiragino Kaku Gothic ProN W6" charset="-128"/>
+                <a:cs typeface="Hiragino Kaku Gothic ProN W6" charset="-128"/>
+              </a:rPr>
+              <a:t>p(</a:t>
+            </a:r>
+            <a:r>
+              <a:rPr lang="en-US" altLang="ja-JP" dirty="0" err="1" smtClean="0">
+                <a:latin typeface="Hiragino Kaku Gothic ProN W6" charset="-128"/>
+                <a:ea typeface="Hiragino Kaku Gothic ProN W6" charset="-128"/>
+                <a:cs typeface="Hiragino Kaku Gothic ProN W6" charset="-128"/>
+              </a:rPr>
+              <a:t>v|h,θ</a:t>
+            </a:r>
+            <a:r>
+              <a:rPr lang="en-US" altLang="ja-JP" dirty="0" smtClean="0">
+                <a:latin typeface="Hiragino Kaku Gothic ProN W6" charset="-128"/>
+                <a:ea typeface="Hiragino Kaku Gothic ProN W6" charset="-128"/>
+                <a:cs typeface="Hiragino Kaku Gothic ProN W6" charset="-128"/>
+              </a:rPr>
+              <a:t>)</a:t>
+            </a:r>
+            <a:r>
+              <a:rPr lang="ja-JP" altLang="en-US" dirty="0" smtClean="0">
+                <a:latin typeface="Hiragino Kaku Gothic ProN W6" charset="-128"/>
+                <a:ea typeface="Hiragino Kaku Gothic ProN W6" charset="-128"/>
+                <a:cs typeface="Hiragino Kaku Gothic ProN W6" charset="-128"/>
+              </a:rPr>
+              <a:t>と</a:t>
+            </a:r>
+            <a:r>
+              <a:rPr lang="en-US" altLang="ja-JP" dirty="0" smtClean="0">
+                <a:latin typeface="Hiragino Kaku Gothic ProN W6" charset="-128"/>
+                <a:ea typeface="Hiragino Kaku Gothic ProN W6" charset="-128"/>
+                <a:cs typeface="Hiragino Kaku Gothic ProN W6" charset="-128"/>
+              </a:rPr>
+              <a:t>p(</a:t>
+            </a:r>
+            <a:r>
+              <a:rPr lang="en-US" altLang="ja-JP" dirty="0" err="1" smtClean="0">
+                <a:latin typeface="Hiragino Kaku Gothic ProN W6" charset="-128"/>
+                <a:ea typeface="Hiragino Kaku Gothic ProN W6" charset="-128"/>
+                <a:cs typeface="Hiragino Kaku Gothic ProN W6" charset="-128"/>
+              </a:rPr>
+              <a:t>h|v,θ</a:t>
+            </a:r>
+            <a:r>
+              <a:rPr lang="en-US" altLang="ja-JP" dirty="0" smtClean="0">
+                <a:latin typeface="Hiragino Kaku Gothic ProN W6" charset="-128"/>
+                <a:ea typeface="Hiragino Kaku Gothic ProN W6" charset="-128"/>
+                <a:cs typeface="Hiragino Kaku Gothic ProN W6" charset="-128"/>
+              </a:rPr>
+              <a:t>)</a:t>
+            </a:r>
+            <a:r>
+              <a:rPr lang="ja-JP" altLang="en-US" dirty="0" smtClean="0">
+                <a:latin typeface="Hiragino Kaku Gothic ProN W6" charset="-128"/>
+                <a:ea typeface="Hiragino Kaku Gothic ProN W6" charset="-128"/>
+                <a:cs typeface="Hiragino Kaku Gothic ProN W6" charset="-128"/>
+              </a:rPr>
+              <a:t>と</a:t>
+            </a:r>
+            <a:r>
+              <a:rPr lang="en-US" altLang="ja-JP" dirty="0" err="1" smtClean="0">
+                <a:latin typeface="Hiragino Kaku Gothic ProN W6" charset="-128"/>
+                <a:ea typeface="Hiragino Kaku Gothic ProN W6" charset="-128"/>
+                <a:cs typeface="Hiragino Kaku Gothic ProN W6" charset="-128"/>
+              </a:rPr>
+              <a:t>θ</a:t>
+            </a:r>
+            <a:r>
+              <a:rPr lang="ja-JP" altLang="en-US" dirty="0" smtClean="0">
+                <a:latin typeface="Hiragino Kaku Gothic ProN W6" charset="-128"/>
+                <a:ea typeface="Hiragino Kaku Gothic ProN W6" charset="-128"/>
+                <a:cs typeface="Hiragino Kaku Gothic ProN W6" charset="-128"/>
+              </a:rPr>
+              <a:t>を学習すれば，確率的な自己符号化器が得られることがわかる</a:t>
+            </a:r>
+            <a:endParaRPr lang="en-US" altLang="ja-JP" dirty="0" smtClean="0">
+              <a:latin typeface="Hiragino Kaku Gothic ProN W6" charset="-128"/>
+              <a:ea typeface="Hiragino Kaku Gothic ProN W6" charset="-128"/>
+              <a:cs typeface="Hiragino Kaku Gothic ProN W6" charset="-128"/>
+            </a:endParaRPr>
+          </a:p>
+          <a:p>
+            <a:endParaRPr lang="en-US" altLang="ja-JP" dirty="0" smtClean="0">
               <a:latin typeface="Hiragino Kaku Gothic ProN W6" charset="-128"/>
               <a:ea typeface="Hiragino Kaku Gothic ProN W6" charset="-128"/>
               <a:cs typeface="Hiragino Kaku Gothic ProN W6" charset="-128"/>
@@ -10957,8 +11154,8 @@
         </p:blipFill>
         <p:spPr>
           <a:xfrm>
-            <a:off x="7535916" y="1974926"/>
-            <a:ext cx="4656083" cy="4883074"/>
+            <a:off x="956441" y="5828856"/>
+            <a:ext cx="10058400" cy="610040"/>
           </a:xfrm>
           <a:prstGeom prst="rect">
             <a:avLst/>
@@ -10968,7 +11165,7 @@
     </p:spTree>
     <p:extLst>
       <p:ext uri="{BB962C8B-B14F-4D97-AF65-F5344CB8AC3E}">
-        <p14:creationId xmlns:p14="http://schemas.microsoft.com/office/powerpoint/2010/main" val="2020181858"/>
+        <p14:creationId xmlns:p14="http://schemas.microsoft.com/office/powerpoint/2010/main" val="648899709"/>
       </p:ext>
     </p:extLst>
   </p:cSld>
@@ -11011,6 +11208,14 @@
           <a:lstStyle/>
           <a:p>
             <a:r>
+              <a:rPr lang="ja-JP" altLang="en-US" dirty="0" smtClean="0">
+                <a:latin typeface="Hiragino Kaku Gothic ProN W6" charset="-128"/>
+                <a:ea typeface="Hiragino Kaku Gothic ProN W6" charset="-128"/>
+                <a:cs typeface="Hiragino Kaku Gothic ProN W6" charset="-128"/>
+              </a:rPr>
+              <a:t>復習</a:t>
+            </a:r>
+            <a:r>
               <a:rPr kumimoji="1" lang="en-US" altLang="ja-JP" dirty="0" smtClean="0">
                 <a:latin typeface="Hiragino Kaku Gothic ProN W6" charset="-128"/>
                 <a:ea typeface="Hiragino Kaku Gothic ProN W6" charset="-128"/>
@@ -11019,12 +11224,35 @@
               <a:t>3.3</a:t>
             </a:r>
             <a:r>
+              <a:rPr lang="en-US" altLang="ja-JP" dirty="0">
+                <a:latin typeface="Hiragino Kaku Gothic ProN W6" charset="-128"/>
+                <a:ea typeface="Hiragino Kaku Gothic ProN W6" charset="-128"/>
+                <a:cs typeface="Hiragino Kaku Gothic ProN W6" charset="-128"/>
+              </a:rPr>
+              <a:t/>
+            </a:r>
+            <a:br>
+              <a:rPr lang="en-US" altLang="ja-JP" dirty="0">
+                <a:latin typeface="Hiragino Kaku Gothic ProN W6" charset="-128"/>
+                <a:ea typeface="Hiragino Kaku Gothic ProN W6" charset="-128"/>
+                <a:cs typeface="Hiragino Kaku Gothic ProN W6" charset="-128"/>
+              </a:rPr>
+            </a:br>
+            <a:r>
               <a:rPr kumimoji="1" lang="ja-JP" altLang="en-US" dirty="0" smtClean="0">
                 <a:latin typeface="Hiragino Kaku Gothic ProN W6" charset="-128"/>
                 <a:ea typeface="Hiragino Kaku Gothic ProN W6" charset="-128"/>
                 <a:cs typeface="Hiragino Kaku Gothic ProN W6" charset="-128"/>
               </a:rPr>
-              <a:t>　自己符号化器による内部表現の学習</a:t>
+              <a:t>自己</a:t>
+            </a:r>
+            <a:r>
+              <a:rPr kumimoji="1" lang="ja-JP" altLang="en-US" dirty="0" smtClean="0">
+                <a:latin typeface="Hiragino Kaku Gothic ProN W6" charset="-128"/>
+                <a:ea typeface="Hiragino Kaku Gothic ProN W6" charset="-128"/>
+                <a:cs typeface="Hiragino Kaku Gothic ProN W6" charset="-128"/>
+              </a:rPr>
+              <a:t>符号化器による内部表現の学習</a:t>
             </a:r>
             <a:endParaRPr kumimoji="1" lang="ja-JP" altLang="en-US" dirty="0">
               <a:latin typeface="Hiragino Kaku Gothic ProN W6" charset="-128"/>
@@ -11310,7 +11538,7 @@
                 <a:ea typeface="Hiragino Kaku Gothic ProN W6" charset="-128"/>
                 <a:cs typeface="Hiragino Kaku Gothic ProN W6" charset="-128"/>
               </a:rPr>
-              <a:t>雑音除去自己符号化器による事前学習</a:t>
+              <a:t>変分自己符号化器</a:t>
             </a:r>
             <a:endParaRPr kumimoji="1" lang="ja-JP" altLang="en-US" dirty="0">
               <a:latin typeface="Hiragino Kaku Gothic ProN W6" charset="-128"/>
@@ -11336,12 +11564,20 @@
           <a:lstStyle/>
           <a:p>
             <a:r>
+              <a:rPr lang="ja-JP" altLang="en-US" dirty="0" smtClean="0">
+                <a:latin typeface="Hiragino Kaku Gothic ProN W6" charset="-128"/>
+                <a:ea typeface="Hiragino Kaku Gothic ProN W6" charset="-128"/>
+                <a:cs typeface="Hiragino Kaku Gothic ProN W6" charset="-128"/>
+              </a:rPr>
+              <a:t>事後</a:t>
+            </a:r>
+            <a:r>
               <a:rPr kumimoji="1" lang="ja-JP" altLang="en-US" dirty="0" smtClean="0">
                 <a:latin typeface="Hiragino Kaku Gothic ProN W6" charset="-128"/>
                 <a:ea typeface="Hiragino Kaku Gothic ProN W6" charset="-128"/>
                 <a:cs typeface="Hiragino Kaku Gothic ProN W6" charset="-128"/>
               </a:rPr>
-              <a:t>自己符号化器の入力：観測データ</a:t>
+              <a:t>分布</a:t>
             </a:r>
             <a:r>
               <a:rPr kumimoji="1" lang="en-US" altLang="ja-JP" dirty="0" smtClean="0">
@@ -11349,7 +11585,23 @@
                 <a:ea typeface="Hiragino Kaku Gothic ProN W6" charset="-128"/>
                 <a:cs typeface="Hiragino Kaku Gothic ProN W6" charset="-128"/>
               </a:rPr>
-              <a:t>x</a:t>
+              <a:t>p(</a:t>
+            </a:r>
+            <a:r>
+              <a:rPr kumimoji="1" lang="en-US" altLang="ja-JP" dirty="0" err="1" smtClean="0">
+                <a:latin typeface="Hiragino Kaku Gothic ProN W6" charset="-128"/>
+                <a:ea typeface="Hiragino Kaku Gothic ProN W6" charset="-128"/>
+                <a:cs typeface="Hiragino Kaku Gothic ProN W6" charset="-128"/>
+              </a:rPr>
+              <a:t>h|v,θ</a:t>
+            </a:r>
+            <a:r>
+              <a:rPr kumimoji="1" lang="en-US" altLang="ja-JP" dirty="0" smtClean="0">
+                <a:latin typeface="Hiragino Kaku Gothic ProN W6" charset="-128"/>
+                <a:ea typeface="Hiragino Kaku Gothic ProN W6" charset="-128"/>
+                <a:cs typeface="Hiragino Kaku Gothic ProN W6" charset="-128"/>
+              </a:rPr>
+              <a:t>)</a:t>
             </a:r>
             <a:r>
               <a:rPr kumimoji="1" lang="ja-JP" altLang="en-US" dirty="0" smtClean="0">
@@ -11357,17 +11609,33 @@
                 <a:ea typeface="Hiragino Kaku Gothic ProN W6" charset="-128"/>
                 <a:cs typeface="Hiragino Kaku Gothic ProN W6" charset="-128"/>
               </a:rPr>
-              <a:t>にノイズを加えた</a:t>
-            </a:r>
-            <a:r>
-              <a:rPr kumimoji="1" lang="en-US" altLang="ja-JP" dirty="0" smtClean="0">
-                <a:latin typeface="Hiragino Kaku Gothic ProN W6" charset="-128"/>
-                <a:ea typeface="Hiragino Kaku Gothic ProN W6" charset="-128"/>
-                <a:cs typeface="Hiragino Kaku Gothic ProN W6" charset="-128"/>
-              </a:rPr>
-              <a:t>x~</a:t>
-            </a:r>
-            <a:endParaRPr lang="en-US" altLang="ja-JP" dirty="0">
+              <a:t>が</a:t>
+            </a:r>
+            <a:r>
+              <a:rPr lang="ja-JP" altLang="en-US" dirty="0" smtClean="0">
+                <a:latin typeface="Hiragino Kaku Gothic ProN W6" charset="-128"/>
+                <a:ea typeface="Hiragino Kaku Gothic ProN W6" charset="-128"/>
+                <a:cs typeface="Hiragino Kaku Gothic ProN W6" charset="-128"/>
+              </a:rPr>
+              <a:t>深層</a:t>
+            </a:r>
+            <a:r>
+              <a:rPr lang="en-US" altLang="ja-JP" dirty="0" smtClean="0">
+                <a:latin typeface="Hiragino Kaku Gothic ProN W6" charset="-128"/>
+                <a:ea typeface="Hiragino Kaku Gothic ProN W6" charset="-128"/>
+                <a:cs typeface="Hiragino Kaku Gothic ProN W6" charset="-128"/>
+              </a:rPr>
+              <a:t>NN</a:t>
+            </a:r>
+            <a:r>
+              <a:rPr lang="ja-JP" altLang="en-US" dirty="0" smtClean="0">
+                <a:latin typeface="Hiragino Kaku Gothic ProN W6" charset="-128"/>
+                <a:ea typeface="Hiragino Kaku Gothic ProN W6" charset="-128"/>
+                <a:cs typeface="Hiragino Kaku Gothic ProN W6" charset="-128"/>
+              </a:rPr>
+              <a:t>で近似</a:t>
+            </a:r>
+            <a:endParaRPr lang="en-US" altLang="ja-JP" dirty="0" smtClean="0">
               <a:latin typeface="Hiragino Kaku Gothic ProN W6" charset="-128"/>
               <a:ea typeface="Hiragino Kaku Gothic ProN W6" charset="-128"/>
               <a:cs typeface="Hiragino Kaku Gothic ProN W6" charset="-128"/>
@@ -11380,126 +11648,9 @@
                 <a:ea typeface="Hiragino Kaku Gothic ProN W6" charset="-128"/>
                 <a:cs typeface="Hiragino Kaku Gothic ProN W6" charset="-128"/>
               </a:rPr>
-              <a:t>教師信号：</a:t>
-            </a:r>
-            <a:r>
-              <a:rPr kumimoji="1" lang="en-US" altLang="ja-JP" dirty="0" smtClean="0">
-                <a:latin typeface="Hiragino Kaku Gothic ProN W6" charset="-128"/>
-                <a:ea typeface="Hiragino Kaku Gothic ProN W6" charset="-128"/>
-                <a:cs typeface="Hiragino Kaku Gothic ProN W6" charset="-128"/>
-              </a:rPr>
-              <a:t>x</a:t>
-            </a:r>
-          </a:p>
-          <a:p>
-            <a:r>
-              <a:rPr lang="en-US" altLang="ja-JP" dirty="0">
-                <a:latin typeface="Hiragino Kaku Gothic ProN W6" charset="-128"/>
-                <a:ea typeface="Hiragino Kaku Gothic ProN W6" charset="-128"/>
-                <a:cs typeface="Hiragino Kaku Gothic ProN W6" charset="-128"/>
-              </a:rPr>
-              <a:t>x</a:t>
-            </a:r>
-            <a:r>
-              <a:rPr kumimoji="1" lang="ja-JP" altLang="en-US" dirty="0" smtClean="0">
-                <a:latin typeface="Hiragino Kaku Gothic ProN W6" charset="-128"/>
-                <a:ea typeface="Hiragino Kaku Gothic ProN W6" charset="-128"/>
-                <a:cs typeface="Hiragino Kaku Gothic ProN W6" charset="-128"/>
-              </a:rPr>
-              <a:t>を復元するように学習→より効果的な特徴</a:t>
-            </a:r>
-            <a:endParaRPr kumimoji="1" lang="en-US" altLang="ja-JP" dirty="0" smtClean="0">
-              <a:latin typeface="Hiragino Kaku Gothic ProN W6" charset="-128"/>
-              <a:ea typeface="Hiragino Kaku Gothic ProN W6" charset="-128"/>
-              <a:cs typeface="Hiragino Kaku Gothic ProN W6" charset="-128"/>
-            </a:endParaRPr>
-          </a:p>
-          <a:p>
-            <a:endParaRPr lang="en-US" altLang="ja-JP" dirty="0">
-              <a:latin typeface="Hiragino Kaku Gothic ProN W6" charset="-128"/>
-              <a:ea typeface="Hiragino Kaku Gothic ProN W6" charset="-128"/>
-              <a:cs typeface="Hiragino Kaku Gothic ProN W6" charset="-128"/>
-            </a:endParaRPr>
-          </a:p>
-          <a:p>
-            <a:pPr marL="0" indent="0">
-              <a:buNone/>
-            </a:pPr>
-            <a:r>
-              <a:rPr kumimoji="1" lang="ja-JP" altLang="en-US" dirty="0" smtClean="0">
-                <a:latin typeface="Hiragino Kaku Gothic ProN W6" charset="-128"/>
-                <a:ea typeface="Hiragino Kaku Gothic ProN W6" charset="-128"/>
-                <a:cs typeface="Hiragino Kaku Gothic ProN W6" charset="-128"/>
-              </a:rPr>
-              <a:t>ノイズ</a:t>
-            </a:r>
-            <a:endParaRPr kumimoji="1" lang="en-US" altLang="ja-JP" dirty="0" smtClean="0">
-              <a:latin typeface="Hiragino Kaku Gothic ProN W6" charset="-128"/>
-              <a:ea typeface="Hiragino Kaku Gothic ProN W6" charset="-128"/>
-              <a:cs typeface="Hiragino Kaku Gothic ProN W6" charset="-128"/>
-            </a:endParaRPr>
-          </a:p>
-          <a:p>
-            <a:pPr lvl="1"/>
-            <a:r>
-              <a:rPr lang="ja-JP" altLang="en-US" dirty="0" smtClean="0">
-                <a:latin typeface="Hiragino Kaku Gothic ProN W6" charset="-128"/>
-                <a:ea typeface="Hiragino Kaku Gothic ProN W6" charset="-128"/>
-                <a:cs typeface="Hiragino Kaku Gothic ProN W6" charset="-128"/>
-              </a:rPr>
-              <a:t>欠落雑音：ランダムに値をゼロにする</a:t>
-            </a:r>
-            <a:endParaRPr lang="en-US" altLang="ja-JP" dirty="0" smtClean="0">
-              <a:latin typeface="Hiragino Kaku Gothic ProN W6" charset="-128"/>
-              <a:ea typeface="Hiragino Kaku Gothic ProN W6" charset="-128"/>
-              <a:cs typeface="Hiragino Kaku Gothic ProN W6" charset="-128"/>
-            </a:endParaRPr>
-          </a:p>
-          <a:p>
-            <a:pPr lvl="1"/>
-            <a:r>
-              <a:rPr kumimoji="1" lang="ja-JP" altLang="en-US" dirty="0" smtClean="0">
-                <a:latin typeface="Hiragino Kaku Gothic ProN W6" charset="-128"/>
-                <a:ea typeface="Hiragino Kaku Gothic ProN W6" charset="-128"/>
-                <a:cs typeface="Hiragino Kaku Gothic ProN W6" charset="-128"/>
-              </a:rPr>
-              <a:t>ガウスノイズ</a:t>
-            </a:r>
-            <a:endParaRPr kumimoji="1" lang="en-US" altLang="ja-JP" dirty="0" smtClean="0">
-              <a:latin typeface="Hiragino Kaku Gothic ProN W6" charset="-128"/>
-              <a:ea typeface="Hiragino Kaku Gothic ProN W6" charset="-128"/>
-              <a:cs typeface="Hiragino Kaku Gothic ProN W6" charset="-128"/>
-            </a:endParaRPr>
-          </a:p>
-          <a:p>
-            <a:pPr lvl="1"/>
-            <a:r>
-              <a:rPr lang="ja-JP" altLang="en-US" dirty="0" smtClean="0">
-                <a:latin typeface="Hiragino Kaku Gothic ProN W6" charset="-128"/>
-                <a:ea typeface="Hiragino Kaku Gothic ProN W6" charset="-128"/>
-                <a:cs typeface="Hiragino Kaku Gothic ProN W6" charset="-128"/>
-              </a:rPr>
-              <a:t>ランダムノイズは観測データを擬似的に増やせる</a:t>
-            </a:r>
-            <a:endParaRPr lang="en-US" altLang="ja-JP" dirty="0" smtClean="0">
-              <a:latin typeface="Hiragino Kaku Gothic ProN W6" charset="-128"/>
-              <a:ea typeface="Hiragino Kaku Gothic ProN W6" charset="-128"/>
-              <a:cs typeface="Hiragino Kaku Gothic ProN W6" charset="-128"/>
-            </a:endParaRPr>
-          </a:p>
-          <a:p>
-            <a:pPr marL="457200" lvl="1" indent="0">
-              <a:buNone/>
-            </a:pPr>
-            <a:r>
-              <a:rPr kumimoji="1" lang="ja-JP" altLang="en-US" dirty="0" smtClean="0">
-                <a:latin typeface="Hiragino Kaku Gothic ProN W6" charset="-128"/>
-                <a:ea typeface="Hiragino Kaku Gothic ProN W6" charset="-128"/>
-                <a:cs typeface="Hiragino Kaku Gothic ProN W6" charset="-128"/>
-              </a:rPr>
-              <a:t>　　→その分の計算コストが増大</a:t>
-            </a:r>
-            <a:endParaRPr kumimoji="1" lang="en-US" altLang="ja-JP" dirty="0" smtClean="0">
+              <a:t>符号化器の分布の近似が変分法による近似と形式的に同じ近似</a:t>
+            </a:r>
+            <a:endParaRPr kumimoji="1" lang="ja-JP" altLang="en-US" dirty="0">
               <a:latin typeface="Hiragino Kaku Gothic ProN W6" charset="-128"/>
               <a:ea typeface="Hiragino Kaku Gothic ProN W6" charset="-128"/>
               <a:cs typeface="Hiragino Kaku Gothic ProN W6" charset="-128"/>
@@ -11510,7 +11661,7 @@
     </p:spTree>
     <p:extLst>
       <p:ext uri="{BB962C8B-B14F-4D97-AF65-F5344CB8AC3E}">
-        <p14:creationId xmlns:p14="http://schemas.microsoft.com/office/powerpoint/2010/main" val="1159309982"/>
+        <p14:creationId xmlns:p14="http://schemas.microsoft.com/office/powerpoint/2010/main" val="141558491"/>
       </p:ext>
     </p:extLst>
   </p:cSld>
@@ -11553,12 +11704,20 @@
           <a:lstStyle/>
           <a:p>
             <a:r>
+              <a:rPr kumimoji="1" lang="en-US" altLang="ja-JP" dirty="0" smtClean="0">
+                <a:latin typeface="Hiragino Kaku Gothic ProN W6" charset="-128"/>
+                <a:ea typeface="Hiragino Kaku Gothic ProN W6" charset="-128"/>
+                <a:cs typeface="Hiragino Kaku Gothic ProN W6" charset="-128"/>
+              </a:rPr>
+              <a:t>3.5</a:t>
+            </a:r>
+            <a:r>
               <a:rPr kumimoji="1" lang="ja-JP" altLang="en-US" dirty="0" smtClean="0">
                 <a:latin typeface="Hiragino Kaku Gothic ProN W6" charset="-128"/>
                 <a:ea typeface="Hiragino Kaku Gothic ProN W6" charset="-128"/>
                 <a:cs typeface="Hiragino Kaku Gothic ProN W6" charset="-128"/>
               </a:rPr>
-              <a:t>周辺化雑音除去自己符号化器</a:t>
+              <a:t>　確定的なモデルを用いた事前学習</a:t>
             </a:r>
             <a:endParaRPr kumimoji="1" lang="ja-JP" altLang="en-US" dirty="0">
               <a:latin typeface="Hiragino Kaku Gothic ProN W6" charset="-128"/>
@@ -11578,18 +11737,126 @@
             <p:ph idx="1"/>
           </p:nvPr>
         </p:nvSpPr>
-        <p:spPr/>
+        <p:spPr>
+          <a:xfrm>
+            <a:off x="680321" y="2336873"/>
+            <a:ext cx="9613861" cy="3599316"/>
+          </a:xfrm>
+        </p:spPr>
         <p:txBody>
           <a:bodyPr/>
           <a:lstStyle/>
           <a:p>
             <a:r>
+              <a:rPr kumimoji="1" lang="ja-JP" altLang="en-US" dirty="0" smtClean="0">
+                <a:latin typeface="Hiragino Kaku Gothic ProN W6" charset="-128"/>
+                <a:ea typeface="Hiragino Kaku Gothic ProN W6" charset="-128"/>
+                <a:cs typeface="Hiragino Kaku Gothic ProN W6" charset="-128"/>
+              </a:rPr>
+              <a:t>事前学習</a:t>
+            </a:r>
+            <a:r>
+              <a:rPr kumimoji="1" lang="ja-JP" altLang="en-US" dirty="0" smtClean="0">
+                <a:latin typeface="Hiragino Kaku Gothic ProN W6" charset="-128"/>
+                <a:ea typeface="Hiragino Kaku Gothic ProN W6" charset="-128"/>
+                <a:cs typeface="Hiragino Kaku Gothic ProN W6" charset="-128"/>
+              </a:rPr>
+              <a:t>は次元削減によって後</a:t>
+            </a:r>
+            <a:r>
+              <a:rPr kumimoji="1" lang="ja-JP" altLang="en-US" dirty="0" smtClean="0">
+                <a:latin typeface="Hiragino Kaku Gothic ProN W6" charset="-128"/>
+                <a:ea typeface="Hiragino Kaku Gothic ProN W6" charset="-128"/>
+                <a:cs typeface="Hiragino Kaku Gothic ProN W6" charset="-128"/>
+              </a:rPr>
+              <a:t>の深層</a:t>
+            </a:r>
+            <a:r>
+              <a:rPr kumimoji="1" lang="en-US" altLang="ja-JP" dirty="0" smtClean="0">
+                <a:latin typeface="Hiragino Kaku Gothic ProN W6" charset="-128"/>
+                <a:ea typeface="Hiragino Kaku Gothic ProN W6" charset="-128"/>
+                <a:cs typeface="Hiragino Kaku Gothic ProN W6" charset="-128"/>
+              </a:rPr>
+              <a:t>NN</a:t>
+            </a:r>
+            <a:r>
+              <a:rPr kumimoji="1" lang="ja-JP" altLang="en-US" dirty="0" smtClean="0">
+                <a:latin typeface="Hiragino Kaku Gothic ProN W6" charset="-128"/>
+                <a:ea typeface="Hiragino Kaku Gothic ProN W6" charset="-128"/>
+                <a:cs typeface="Hiragino Kaku Gothic ProN W6" charset="-128"/>
+              </a:rPr>
+              <a:t>の過学習を防ぐ</a:t>
+            </a:r>
+            <a:endParaRPr kumimoji="1" lang="en-US" altLang="ja-JP" dirty="0" smtClean="0">
+              <a:latin typeface="Hiragino Kaku Gothic ProN W6" charset="-128"/>
+              <a:ea typeface="Hiragino Kaku Gothic ProN W6" charset="-128"/>
+              <a:cs typeface="Hiragino Kaku Gothic ProN W6" charset="-128"/>
+            </a:endParaRPr>
+          </a:p>
+          <a:p>
+            <a:r>
               <a:rPr lang="ja-JP" altLang="en-US" dirty="0" smtClean="0">
                 <a:latin typeface="Hiragino Kaku Gothic ProN W6" charset="-128"/>
                 <a:ea typeface="Hiragino Kaku Gothic ProN W6" charset="-128"/>
                 <a:cs typeface="Hiragino Kaku Gothic ProN W6" charset="-128"/>
               </a:rPr>
-              <a:t>ノイズの計算コストの増大を解決する手法</a:t>
+              <a:t>確率的な</a:t>
+            </a:r>
+            <a:r>
+              <a:rPr lang="ja-JP" altLang="en-US" dirty="0" smtClean="0">
+                <a:latin typeface="Hiragino Kaku Gothic ProN W6" charset="-128"/>
+                <a:ea typeface="Hiragino Kaku Gothic ProN W6" charset="-128"/>
+                <a:cs typeface="Hiragino Kaku Gothic ProN W6" charset="-128"/>
+              </a:rPr>
+              <a:t>モデル</a:t>
+            </a:r>
+            <a:r>
+              <a:rPr lang="en-US" altLang="ja-JP" dirty="0" smtClean="0">
+                <a:latin typeface="Hiragino Kaku Gothic ProN W6" charset="-128"/>
+                <a:ea typeface="Hiragino Kaku Gothic ProN W6" charset="-128"/>
+                <a:cs typeface="Hiragino Kaku Gothic ProN W6" charset="-128"/>
+              </a:rPr>
+              <a:t>EFH</a:t>
+            </a:r>
+            <a:r>
+              <a:rPr lang="ja-JP" altLang="en-US" dirty="0" smtClean="0">
+                <a:latin typeface="Hiragino Kaku Gothic ProN W6" charset="-128"/>
+                <a:ea typeface="Hiragino Kaku Gothic ProN W6" charset="-128"/>
+                <a:cs typeface="Hiragino Kaku Gothic ProN W6" charset="-128"/>
+              </a:rPr>
+              <a:t>は，</a:t>
+            </a:r>
+            <a:r>
+              <a:rPr lang="ja-JP" altLang="en-US" dirty="0" smtClean="0">
+                <a:latin typeface="Hiragino Kaku Gothic ProN W6" charset="-128"/>
+                <a:ea typeface="Hiragino Kaku Gothic ProN W6" charset="-128"/>
+                <a:cs typeface="Hiragino Kaku Gothic ProN W6" charset="-128"/>
+              </a:rPr>
+              <a:t>決定論</a:t>
+            </a:r>
+            <a:r>
+              <a:rPr lang="ja-JP" altLang="en-US" dirty="0" smtClean="0">
+                <a:latin typeface="Hiragino Kaku Gothic ProN W6" charset="-128"/>
+                <a:ea typeface="Hiragino Kaku Gothic ProN W6" charset="-128"/>
+                <a:cs typeface="Hiragino Kaku Gothic ProN W6" charset="-128"/>
+              </a:rPr>
+              <a:t>的</a:t>
+            </a:r>
+            <a:r>
+              <a:rPr lang="ja-JP" altLang="en-US" dirty="0" smtClean="0">
+                <a:latin typeface="Hiragino Kaku Gothic ProN W6" charset="-128"/>
+                <a:ea typeface="Hiragino Kaku Gothic ProN W6" charset="-128"/>
+                <a:cs typeface="Hiragino Kaku Gothic ProN W6" charset="-128"/>
+              </a:rPr>
+              <a:t>な教師あり学習の損失関数とは</a:t>
+            </a:r>
+            <a:r>
+              <a:rPr lang="ja-JP" altLang="en-US" dirty="0" smtClean="0">
+                <a:latin typeface="Hiragino Kaku Gothic ProN W6" charset="-128"/>
+                <a:ea typeface="Hiragino Kaku Gothic ProN W6" charset="-128"/>
+                <a:cs typeface="Hiragino Kaku Gothic ProN W6" charset="-128"/>
+              </a:rPr>
+              <a:t>間接的関係</a:t>
             </a:r>
             <a:endParaRPr lang="en-US" altLang="ja-JP" dirty="0" smtClean="0">
               <a:latin typeface="Hiragino Kaku Gothic ProN W6" charset="-128"/>
@@ -11604,15 +11871,47 @@
                 <a:ea typeface="Hiragino Kaku Gothic ProN W6" charset="-128"/>
                 <a:cs typeface="Hiragino Kaku Gothic ProN W6" charset="-128"/>
               </a:rPr>
-              <a:t>ノイズの加わった入力</a:t>
-            </a:r>
+              <a:t>確定</a:t>
+            </a:r>
+            <a:r>
+              <a:rPr kumimoji="1" lang="ja-JP" altLang="en-US" dirty="0" smtClean="0">
+                <a:latin typeface="Hiragino Kaku Gothic ProN W6" charset="-128"/>
+                <a:ea typeface="Hiragino Kaku Gothic ProN W6" charset="-128"/>
+                <a:cs typeface="Hiragino Kaku Gothic ProN W6" charset="-128"/>
+              </a:rPr>
+              <a:t>的</a:t>
+            </a:r>
+            <a:r>
+              <a:rPr kumimoji="1" lang="ja-JP" altLang="en-US" dirty="0" smtClean="0">
+                <a:latin typeface="Hiragino Kaku Gothic ProN W6" charset="-128"/>
+                <a:ea typeface="Hiragino Kaku Gothic ProN W6" charset="-128"/>
+                <a:cs typeface="Hiragino Kaku Gothic ProN W6" charset="-128"/>
+              </a:rPr>
+              <a:t>なモデルは</a:t>
+            </a:r>
+            <a:r>
+              <a:rPr kumimoji="1" lang="ja-JP" altLang="en-US" dirty="0" smtClean="0">
+                <a:latin typeface="Hiragino Kaku Gothic ProN W6" charset="-128"/>
+                <a:ea typeface="Hiragino Kaku Gothic ProN W6" charset="-128"/>
+                <a:cs typeface="Hiragino Kaku Gothic ProN W6" charset="-128"/>
+              </a:rPr>
+              <a:t>直接的関係があり，それを用いた事前学習がある</a:t>
+            </a:r>
+            <a:endParaRPr kumimoji="1" lang="en-US" altLang="ja-JP" dirty="0" smtClean="0">
+              <a:latin typeface="Hiragino Kaku Gothic ProN W6" charset="-128"/>
+              <a:ea typeface="Hiragino Kaku Gothic ProN W6" charset="-128"/>
+              <a:cs typeface="Hiragino Kaku Gothic ProN W6" charset="-128"/>
+            </a:endParaRPr>
+          </a:p>
+          <a:p>
+            <a:pPr lvl="1" algn="just"/>
             <a:r>
               <a:rPr lang="en-US" altLang="ja-JP" dirty="0" smtClean="0">
                 <a:latin typeface="Hiragino Kaku Gothic ProN W6" charset="-128"/>
                 <a:ea typeface="Hiragino Kaku Gothic ProN W6" charset="-128"/>
                 <a:cs typeface="Hiragino Kaku Gothic ProN W6" charset="-128"/>
               </a:rPr>
-              <a:t>x~</a:t>
+              <a:t>3.5.1</a:t>
             </a:r>
             <a:r>
               <a:rPr lang="ja-JP" altLang="en-US" dirty="0" smtClean="0">
@@ -11620,7 +11919,7 @@
                 <a:ea typeface="Hiragino Kaku Gothic ProN W6" charset="-128"/>
                 <a:cs typeface="Hiragino Kaku Gothic ProN W6" charset="-128"/>
               </a:rPr>
-              <a:t>の平均の周りで損失関数の二次のテイラー展開をとる→解析的な近似計算</a:t>
+              <a:t>　教師なし学習</a:t>
             </a:r>
             <a:endParaRPr lang="en-US" altLang="ja-JP" dirty="0" smtClean="0">
               <a:latin typeface="Hiragino Kaku Gothic ProN W6" charset="-128"/>
@@ -11629,107 +11928,35 @@
             </a:endParaRPr>
           </a:p>
           <a:p>
-            <a:r>
-              <a:rPr lang="ja-JP" altLang="en-US" dirty="0" smtClean="0">
-                <a:latin typeface="Hiragino Kaku Gothic ProN W6" charset="-128"/>
-                <a:ea typeface="Hiragino Kaku Gothic ProN W6" charset="-128"/>
-                <a:cs typeface="Hiragino Kaku Gothic ProN W6" charset="-128"/>
-              </a:rPr>
-              <a:t>不要になるもの</a:t>
-            </a:r>
-            <a:endParaRPr lang="en-US" altLang="ja-JP" dirty="0" smtClean="0">
-              <a:latin typeface="Hiragino Kaku Gothic ProN W6" charset="-128"/>
-              <a:ea typeface="Hiragino Kaku Gothic ProN W6" charset="-128"/>
-              <a:cs typeface="Hiragino Kaku Gothic ProN W6" charset="-128"/>
-            </a:endParaRPr>
-          </a:p>
-          <a:p>
             <a:pPr lvl="1"/>
             <a:r>
+              <a:rPr kumimoji="1" lang="en-US" altLang="ja-JP" dirty="0" smtClean="0">
+                <a:latin typeface="Hiragino Kaku Gothic ProN W6" charset="-128"/>
+                <a:ea typeface="Hiragino Kaku Gothic ProN W6" charset="-128"/>
+                <a:cs typeface="Hiragino Kaku Gothic ProN W6" charset="-128"/>
+              </a:rPr>
+              <a:t>3.5.2</a:t>
+            </a:r>
+            <a:r>
               <a:rPr kumimoji="1" lang="ja-JP" altLang="en-US" dirty="0" smtClean="0">
                 <a:latin typeface="Hiragino Kaku Gothic ProN W6" charset="-128"/>
                 <a:ea typeface="Hiragino Kaku Gothic ProN W6" charset="-128"/>
                 <a:cs typeface="Hiragino Kaku Gothic ProN W6" charset="-128"/>
               </a:rPr>
-              <a:t>ノイズデータを多数作らなくて良い</a:t>
-            </a:r>
-            <a:endParaRPr kumimoji="1" lang="en-US" altLang="ja-JP" dirty="0" smtClean="0">
-              <a:latin typeface="Hiragino Kaku Gothic ProN W6" charset="-128"/>
-              <a:ea typeface="Hiragino Kaku Gothic ProN W6" charset="-128"/>
-              <a:cs typeface="Hiragino Kaku Gothic ProN W6" charset="-128"/>
-            </a:endParaRPr>
-          </a:p>
-          <a:p>
-            <a:pPr lvl="1"/>
-            <a:r>
-              <a:rPr lang="ja-JP" altLang="en-US" dirty="0" smtClean="0">
-                <a:latin typeface="Hiragino Kaku Gothic ProN W6" charset="-128"/>
-                <a:ea typeface="Hiragino Kaku Gothic ProN W6" charset="-128"/>
-                <a:cs typeface="Hiragino Kaku Gothic ProN W6" charset="-128"/>
-              </a:rPr>
-              <a:t>入力データによるコスト関数やそのパラメータに関する導関数の平均の計算</a:t>
-            </a:r>
-            <a:endParaRPr lang="en-US" altLang="ja-JP" dirty="0">
-              <a:latin typeface="Hiragino Kaku Gothic ProN W6" charset="-128"/>
-              <a:ea typeface="Hiragino Kaku Gothic ProN W6" charset="-128"/>
-              <a:cs typeface="Hiragino Kaku Gothic ProN W6" charset="-128"/>
-            </a:endParaRPr>
-          </a:p>
-          <a:p>
-            <a:r>
-              <a:rPr kumimoji="1" lang="ja-JP" altLang="en-US" dirty="0" smtClean="0">
-                <a:latin typeface="Hiragino Kaku Gothic ProN W6" charset="-128"/>
-                <a:ea typeface="Hiragino Kaku Gothic ProN W6" charset="-128"/>
-                <a:cs typeface="Hiragino Kaku Gothic ProN W6" charset="-128"/>
-              </a:rPr>
-              <a:t>性能</a:t>
-            </a:r>
-            <a:r>
-              <a:rPr lang="ja-JP" altLang="en-US" dirty="0" smtClean="0">
-                <a:latin typeface="Hiragino Kaku Gothic ProN W6" charset="-128"/>
-                <a:ea typeface="Hiragino Kaku Gothic ProN W6" charset="-128"/>
-                <a:cs typeface="Hiragino Kaku Gothic ProN W6" charset="-128"/>
-              </a:rPr>
-              <a:t>が従来の雑音除去自己符号化器と同等か優れている</a:t>
-            </a:r>
-            <a:endParaRPr lang="en-US" altLang="ja-JP" dirty="0" smtClean="0">
-              <a:latin typeface="Hiragino Kaku Gothic ProN W6" charset="-128"/>
-              <a:ea typeface="Hiragino Kaku Gothic ProN W6" charset="-128"/>
-              <a:cs typeface="Hiragino Kaku Gothic ProN W6" charset="-128"/>
-            </a:endParaRPr>
-          </a:p>
-          <a:p>
-            <a:r>
-              <a:rPr kumimoji="1" lang="ja-JP" altLang="en-US" dirty="0" smtClean="0">
-                <a:latin typeface="Hiragino Kaku Gothic ProN W6" charset="-128"/>
-                <a:ea typeface="Hiragino Kaku Gothic ProN W6" charset="-128"/>
-                <a:cs typeface="Hiragino Kaku Gothic ProN W6" charset="-128"/>
-              </a:rPr>
-              <a:t>多層に積み重ねるときの性能向上が小さくなる</a:t>
-            </a:r>
-            <a:endParaRPr kumimoji="1" lang="en-US" altLang="ja-JP" dirty="0" smtClean="0">
-              <a:latin typeface="Hiragino Kaku Gothic ProN W6" charset="-128"/>
-              <a:ea typeface="Hiragino Kaku Gothic ProN W6" charset="-128"/>
-              <a:cs typeface="Hiragino Kaku Gothic ProN W6" charset="-128"/>
-            </a:endParaRPr>
-          </a:p>
-          <a:p>
-            <a:pPr lvl="1"/>
-            <a:endParaRPr kumimoji="1" lang="en-US" altLang="ja-JP" dirty="0" smtClean="0">
-              <a:latin typeface="Hiragino Kaku Gothic ProN W6" charset="-128"/>
-              <a:ea typeface="Hiragino Kaku Gothic ProN W6" charset="-128"/>
-              <a:cs typeface="Hiragino Kaku Gothic ProN W6" charset="-128"/>
-            </a:endParaRPr>
-          </a:p>
-          <a:p>
-            <a:endParaRPr kumimoji="1" lang="ja-JP" altLang="en-US" dirty="0"/>
+              <a:t>　教師あり学習</a:t>
+            </a:r>
+            <a:endParaRPr kumimoji="1" lang="ja-JP" altLang="en-US" dirty="0">
+              <a:latin typeface="Hiragino Kaku Gothic ProN W6" charset="-128"/>
+              <a:ea typeface="Hiragino Kaku Gothic ProN W6" charset="-128"/>
+              <a:cs typeface="Hiragino Kaku Gothic ProN W6" charset="-128"/>
+            </a:endParaRPr>
           </a:p>
         </p:txBody>
       </p:sp>
     </p:spTree>
     <p:extLst>
       <p:ext uri="{BB962C8B-B14F-4D97-AF65-F5344CB8AC3E}">
-        <p14:creationId xmlns:p14="http://schemas.microsoft.com/office/powerpoint/2010/main" val="17825974"/>
+        <p14:creationId xmlns:p14="http://schemas.microsoft.com/office/powerpoint/2010/main" val="353630883"/>
       </p:ext>
     </p:extLst>
   </p:cSld>
@@ -11772,12 +11999,35 @@
           <a:lstStyle/>
           <a:p>
             <a:r>
-              <a:rPr kumimoji="1" lang="ja-JP" altLang="en-US" dirty="0" smtClean="0">
-                <a:latin typeface="Hiragino Kaku Gothic ProN W6" charset="-128"/>
-                <a:ea typeface="Hiragino Kaku Gothic ProN W6" charset="-128"/>
-                <a:cs typeface="Hiragino Kaku Gothic ProN W6" charset="-128"/>
-              </a:rPr>
-              <a:t>その他の自己符号化器による事前学習</a:t>
+              <a:rPr lang="en-US" altLang="ja-JP" dirty="0" smtClean="0">
+                <a:latin typeface="Hiragino Kaku Gothic ProN W6" charset="-128"/>
+                <a:ea typeface="Hiragino Kaku Gothic ProN W6" charset="-128"/>
+                <a:cs typeface="Hiragino Kaku Gothic ProN W6" charset="-128"/>
+              </a:rPr>
+              <a:t>3.5.1</a:t>
+            </a:r>
+            <a:r>
+              <a:rPr lang="en-US" altLang="ja-JP" dirty="0">
+                <a:latin typeface="Hiragino Kaku Gothic ProN W6" charset="-128"/>
+                <a:ea typeface="Hiragino Kaku Gothic ProN W6" charset="-128"/>
+                <a:cs typeface="Hiragino Kaku Gothic ProN W6" charset="-128"/>
+              </a:rPr>
+              <a:t/>
+            </a:r>
+            <a:br>
+              <a:rPr lang="en-US" altLang="ja-JP" dirty="0">
+                <a:latin typeface="Hiragino Kaku Gothic ProN W6" charset="-128"/>
+                <a:ea typeface="Hiragino Kaku Gothic ProN W6" charset="-128"/>
+                <a:cs typeface="Hiragino Kaku Gothic ProN W6" charset="-128"/>
+              </a:rPr>
+            </a:br>
+            <a:r>
+              <a:rPr lang="ja-JP" altLang="en-US" dirty="0" smtClean="0">
+                <a:latin typeface="Hiragino Kaku Gothic ProN W6" charset="-128"/>
+                <a:ea typeface="Hiragino Kaku Gothic ProN W6" charset="-128"/>
+                <a:cs typeface="Hiragino Kaku Gothic ProN W6" charset="-128"/>
+              </a:rPr>
+              <a:t>教師なし学習による確定的なモデルの学習</a:t>
             </a:r>
             <a:endParaRPr kumimoji="1" lang="ja-JP" altLang="en-US" dirty="0">
               <a:latin typeface="Hiragino Kaku Gothic ProN W6" charset="-128"/>
@@ -11797,7 +12047,12 @@
             <p:ph idx="1"/>
           </p:nvPr>
         </p:nvSpPr>
-        <p:spPr/>
+        <p:spPr>
+          <a:xfrm>
+            <a:off x="680321" y="2336873"/>
+            <a:ext cx="6855595" cy="3599316"/>
+          </a:xfrm>
+        </p:spPr>
         <p:txBody>
           <a:bodyPr/>
           <a:lstStyle/>
@@ -11808,7 +12063,7 @@
                 <a:ea typeface="Hiragino Kaku Gothic ProN W6" charset="-128"/>
                 <a:cs typeface="Hiragino Kaku Gothic ProN W6" charset="-128"/>
               </a:rPr>
-              <a:t>スパース自己符号化器</a:t>
+              <a:t>積層自己符号化器による事前学習</a:t>
             </a:r>
             <a:endParaRPr kumimoji="1" lang="en-US" altLang="ja-JP" dirty="0" smtClean="0">
               <a:latin typeface="Hiragino Kaku Gothic ProN W6" charset="-128"/>
@@ -11819,106 +12074,135 @@
           <a:p>
             <a:pPr lvl="1"/>
             <a:r>
+              <a:rPr lang="ja-JP" altLang="en-US" dirty="0" smtClean="0">
+                <a:latin typeface="Hiragino Kaku Gothic ProN W6" charset="-128"/>
+                <a:ea typeface="Hiragino Kaku Gothic ProN W6" charset="-128"/>
+                <a:cs typeface="Hiragino Kaku Gothic ProN W6" charset="-128"/>
+              </a:rPr>
+              <a:t>二層ごとに自己符号化器を学習</a:t>
+            </a:r>
+            <a:endParaRPr kumimoji="1" lang="en-US" altLang="ja-JP" dirty="0" smtClean="0">
+              <a:latin typeface="Hiragino Kaku Gothic ProN W6" charset="-128"/>
+              <a:ea typeface="Hiragino Kaku Gothic ProN W6" charset="-128"/>
+              <a:cs typeface="Hiragino Kaku Gothic ProN W6" charset="-128"/>
+            </a:endParaRPr>
+          </a:p>
+          <a:p>
+            <a:pPr lvl="1"/>
+            <a:r>
+              <a:rPr lang="en-US" altLang="ja-JP" dirty="0" smtClean="0">
+                <a:latin typeface="Hiragino Kaku Gothic ProN W6" charset="-128"/>
+                <a:ea typeface="Hiragino Kaku Gothic ProN W6" charset="-128"/>
+                <a:cs typeface="Hiragino Kaku Gothic ProN W6" charset="-128"/>
+              </a:rPr>
+              <a:t>EFH</a:t>
+            </a:r>
+            <a:r>
+              <a:rPr lang="ja-JP" altLang="en-US" dirty="0" smtClean="0">
+                <a:latin typeface="Hiragino Kaku Gothic ProN W6" charset="-128"/>
+                <a:ea typeface="Hiragino Kaku Gothic ProN W6" charset="-128"/>
+                <a:cs typeface="Hiragino Kaku Gothic ProN W6" charset="-128"/>
+              </a:rPr>
+              <a:t>の対数尤度の勾配法による学習則として，</a:t>
+            </a:r>
+            <a:r>
+              <a:rPr lang="en-US" altLang="ja-JP" dirty="0" smtClean="0">
+                <a:latin typeface="Hiragino Kaku Gothic ProN W6" charset="-128"/>
+                <a:ea typeface="Hiragino Kaku Gothic ProN W6" charset="-128"/>
+                <a:cs typeface="Hiragino Kaku Gothic ProN W6" charset="-128"/>
+              </a:rPr>
+              <a:t>CD</a:t>
+            </a:r>
+            <a:r>
+              <a:rPr lang="ja-JP" altLang="en-US" dirty="0" smtClean="0">
+                <a:latin typeface="Hiragino Kaku Gothic ProN W6" charset="-128"/>
+                <a:ea typeface="Hiragino Kaku Gothic ProN W6" charset="-128"/>
+                <a:cs typeface="Hiragino Kaku Gothic ProN W6" charset="-128"/>
+              </a:rPr>
+              <a:t>法と比べると，展開が一つ少なく，平均場近似が適用されておらず，劣る</a:t>
+            </a:r>
+            <a:endParaRPr lang="en-US" altLang="ja-JP" dirty="0" smtClean="0">
+              <a:latin typeface="Hiragino Kaku Gothic ProN W6" charset="-128"/>
+              <a:ea typeface="Hiragino Kaku Gothic ProN W6" charset="-128"/>
+              <a:cs typeface="Hiragino Kaku Gothic ProN W6" charset="-128"/>
+            </a:endParaRPr>
+          </a:p>
+          <a:p>
+            <a:pPr lvl="1"/>
+            <a:r>
               <a:rPr kumimoji="1" lang="ja-JP" altLang="en-US" dirty="0" smtClean="0">
                 <a:latin typeface="Hiragino Kaku Gothic ProN W6" charset="-128"/>
                 <a:ea typeface="Hiragino Kaku Gothic ProN W6" charset="-128"/>
                 <a:cs typeface="Hiragino Kaku Gothic ProN W6" charset="-128"/>
               </a:rPr>
-              <a:t>自己符号化器において中間層の次元を高めると，ゼロが多くスパースに</a:t>
-            </a:r>
-            <a:endParaRPr kumimoji="1" lang="en-US" altLang="ja-JP" dirty="0" smtClean="0">
-              <a:latin typeface="Hiragino Kaku Gothic ProN W6" charset="-128"/>
-              <a:ea typeface="Hiragino Kaku Gothic ProN W6" charset="-128"/>
-              <a:cs typeface="Hiragino Kaku Gothic ProN W6" charset="-128"/>
-            </a:endParaRPr>
-          </a:p>
-          <a:p>
+              <a:t>計算機実験</a:t>
+            </a:r>
+            <a:r>
+              <a:rPr lang="ja-JP" altLang="en-US" dirty="0" smtClean="0">
+                <a:latin typeface="Hiragino Kaku Gothic ProN W6" charset="-128"/>
+                <a:ea typeface="Hiragino Kaku Gothic ProN W6" charset="-128"/>
+                <a:cs typeface="Hiragino Kaku Gothic ProN W6" charset="-128"/>
+              </a:rPr>
+              <a:t>でも</a:t>
+            </a:r>
+            <a:r>
+              <a:rPr kumimoji="1" lang="en-US" altLang="ja-JP" dirty="0" smtClean="0">
+                <a:latin typeface="Hiragino Kaku Gothic ProN W6" charset="-128"/>
+                <a:ea typeface="Hiragino Kaku Gothic ProN W6" charset="-128"/>
+                <a:cs typeface="Hiragino Kaku Gothic ProN W6" charset="-128"/>
+              </a:rPr>
+              <a:t>CD</a:t>
+            </a:r>
             <a:r>
               <a:rPr kumimoji="1" lang="ja-JP" altLang="en-US" dirty="0" smtClean="0">
                 <a:latin typeface="Hiragino Kaku Gothic ProN W6" charset="-128"/>
                 <a:ea typeface="Hiragino Kaku Gothic ProN W6" charset="-128"/>
                 <a:cs typeface="Hiragino Kaku Gothic ProN W6" charset="-128"/>
               </a:rPr>
-              <a:t>縮小自己符号化器</a:t>
-            </a:r>
-            <a:endParaRPr kumimoji="1" lang="en-US" altLang="ja-JP" dirty="0" smtClean="0">
-              <a:latin typeface="Hiragino Kaku Gothic ProN W6" charset="-128"/>
-              <a:ea typeface="Hiragino Kaku Gothic ProN W6" charset="-128"/>
-              <a:cs typeface="Hiragino Kaku Gothic ProN W6" charset="-128"/>
-            </a:endParaRPr>
-          </a:p>
-          <a:p>
-            <a:pPr lvl="1"/>
-            <a:r>
-              <a:rPr kumimoji="1" lang="ja-JP" altLang="en-US" dirty="0" smtClean="0">
-                <a:latin typeface="Hiragino Kaku Gothic ProN W6" charset="-128"/>
-                <a:ea typeface="Hiragino Kaku Gothic ProN W6" charset="-128"/>
-                <a:cs typeface="Hiragino Kaku Gothic ProN W6" charset="-128"/>
-              </a:rPr>
-              <a:t>正則化項として入力</a:t>
-            </a:r>
-            <a:r>
-              <a:rPr lang="en-US" altLang="ja-JP" dirty="0" smtClean="0">
-                <a:latin typeface="Hiragino Kaku Gothic ProN W6" charset="-128"/>
-                <a:ea typeface="Hiragino Kaku Gothic ProN W6" charset="-128"/>
-                <a:cs typeface="Hiragino Kaku Gothic ProN W6" charset="-128"/>
-              </a:rPr>
-              <a:t>v</a:t>
-            </a:r>
-            <a:r>
-              <a:rPr lang="ja-JP" altLang="en-US" dirty="0" smtClean="0">
-                <a:latin typeface="Hiragino Kaku Gothic ProN W6" charset="-128"/>
-                <a:ea typeface="Hiragino Kaku Gothic ProN W6" charset="-128"/>
-                <a:cs typeface="Hiragino Kaku Gothic ProN W6" charset="-128"/>
-              </a:rPr>
-              <a:t>から特徴</a:t>
-            </a:r>
-            <a:r>
-              <a:rPr lang="en-US" altLang="ja-JP" dirty="0" smtClean="0">
-                <a:latin typeface="Hiragino Kaku Gothic ProN W6" charset="-128"/>
-                <a:ea typeface="Hiragino Kaku Gothic ProN W6" charset="-128"/>
-                <a:cs typeface="Hiragino Kaku Gothic ProN W6" charset="-128"/>
-              </a:rPr>
-              <a:t>h</a:t>
-            </a:r>
-            <a:r>
-              <a:rPr lang="ja-JP" altLang="en-US" dirty="0" smtClean="0">
-                <a:latin typeface="Hiragino Kaku Gothic ProN W6" charset="-128"/>
-                <a:ea typeface="Hiragino Kaku Gothic ProN W6" charset="-128"/>
-                <a:cs typeface="Hiragino Kaku Gothic ProN W6" charset="-128"/>
-              </a:rPr>
-              <a:t>を出力する関数の滑らかさを促進する項を付与→雑音除去符号化器と同等</a:t>
-            </a:r>
-            <a:endParaRPr lang="en-US" altLang="ja-JP" dirty="0" smtClean="0">
-              <a:latin typeface="Hiragino Kaku Gothic ProN W6" charset="-128"/>
-              <a:ea typeface="Hiragino Kaku Gothic ProN W6" charset="-128"/>
-              <a:cs typeface="Hiragino Kaku Gothic ProN W6" charset="-128"/>
-            </a:endParaRPr>
-          </a:p>
-          <a:p>
-            <a:r>
-              <a:rPr kumimoji="1" lang="ja-JP" altLang="en-US" dirty="0" smtClean="0">
-                <a:latin typeface="Hiragino Kaku Gothic ProN W6" charset="-128"/>
-                <a:ea typeface="Hiragino Kaku Gothic ProN W6" charset="-128"/>
-                <a:cs typeface="Hiragino Kaku Gothic ProN W6" charset="-128"/>
-              </a:rPr>
-              <a:t>極端学習機械</a:t>
-            </a:r>
-            <a:r>
-              <a:rPr kumimoji="1" lang="en-US" altLang="ja-JP" dirty="0" smtClean="0">
-                <a:latin typeface="Hiragino Kaku Gothic ProN W6" charset="-128"/>
-                <a:ea typeface="Hiragino Kaku Gothic ProN W6" charset="-128"/>
-                <a:cs typeface="Hiragino Kaku Gothic ProN W6" charset="-128"/>
-              </a:rPr>
-              <a:t>(ELM)</a:t>
-            </a:r>
-          </a:p>
-        </p:txBody>
-      </p:sp>
+              <a:t>法と同等か少し劣る</a:t>
+            </a:r>
+            <a:endParaRPr kumimoji="1" lang="ja-JP" altLang="en-US" dirty="0">
+              <a:latin typeface="Hiragino Kaku Gothic ProN W6" charset="-128"/>
+              <a:ea typeface="Hiragino Kaku Gothic ProN W6" charset="-128"/>
+              <a:cs typeface="Hiragino Kaku Gothic ProN W6" charset="-128"/>
+            </a:endParaRPr>
+          </a:p>
+        </p:txBody>
+      </p:sp>
+      <p:pic>
+        <p:nvPicPr>
+          <p:cNvPr id="4" name="図 3"/>
+          <p:cNvPicPr>
+            <a:picLocks noChangeAspect="1"/>
+          </p:cNvPicPr>
+          <p:nvPr/>
+        </p:nvPicPr>
+        <p:blipFill>
+          <a:blip r:embed="rId2">
+            <a:extLst>
+              <a:ext uri="{28A0092B-C50C-407E-A947-70E740481C1C}">
+                <a14:useLocalDpi xmlns:a14="http://schemas.microsoft.com/office/drawing/2010/main" val="0"/>
+              </a:ext>
+            </a:extLst>
+          </a:blip>
+          <a:stretch>
+            <a:fillRect/>
+          </a:stretch>
+        </p:blipFill>
+        <p:spPr>
+          <a:xfrm>
+            <a:off x="7535916" y="1974926"/>
+            <a:ext cx="4656083" cy="4883074"/>
+          </a:xfrm>
+          <a:prstGeom prst="rect">
+            <a:avLst/>
+          </a:prstGeom>
+        </p:spPr>
+      </p:pic>
     </p:spTree>
     <p:extLst>
       <p:ext uri="{BB962C8B-B14F-4D97-AF65-F5344CB8AC3E}">
-        <p14:creationId xmlns:p14="http://schemas.microsoft.com/office/powerpoint/2010/main" val="692507794"/>
+        <p14:creationId xmlns:p14="http://schemas.microsoft.com/office/powerpoint/2010/main" val="2020181858"/>
       </p:ext>
     </p:extLst>
   </p:cSld>
@@ -11966,15 +12250,7 @@
                 <a:ea typeface="Hiragino Kaku Gothic ProN W6" charset="-128"/>
                 <a:cs typeface="Hiragino Kaku Gothic ProN W6" charset="-128"/>
               </a:rPr>
-              <a:t>極端学習機械</a:t>
-            </a:r>
-            <a:r>
-              <a:rPr kumimoji="1" lang="en-US" altLang="ja-JP" dirty="0" smtClean="0">
-                <a:latin typeface="Hiragino Kaku Gothic ProN W6" charset="-128"/>
-                <a:ea typeface="Hiragino Kaku Gothic ProN W6" charset="-128"/>
-                <a:cs typeface="Hiragino Kaku Gothic ProN W6" charset="-128"/>
-              </a:rPr>
-              <a:t>(ELM)</a:t>
+              <a:t>雑音除去自己符号化器による事前学習</a:t>
             </a:r>
             <a:endParaRPr kumimoji="1" lang="ja-JP" altLang="en-US" dirty="0">
               <a:latin typeface="Hiragino Kaku Gothic ProN W6" charset="-128"/>
@@ -11994,36 +12270,124 @@
             <p:ph idx="1"/>
           </p:nvPr>
         </p:nvSpPr>
-        <p:spPr>
-          <a:xfrm>
-            <a:off x="680321" y="2336873"/>
-            <a:ext cx="10460645" cy="3599316"/>
-          </a:xfrm>
-        </p:spPr>
+        <p:spPr/>
         <p:txBody>
           <a:bodyPr/>
           <a:lstStyle/>
           <a:p>
-            <a:pPr marL="228600" lvl="1">
-              <a:spcBef>
-                <a:spcPts val="1000"/>
-              </a:spcBef>
+            <a:r>
+              <a:rPr kumimoji="1" lang="ja-JP" altLang="en-US" dirty="0" smtClean="0">
+                <a:latin typeface="Hiragino Kaku Gothic ProN W6" charset="-128"/>
+                <a:ea typeface="Hiragino Kaku Gothic ProN W6" charset="-128"/>
+                <a:cs typeface="Hiragino Kaku Gothic ProN W6" charset="-128"/>
+              </a:rPr>
+              <a:t>自己符号化器の入力：観測データ</a:t>
+            </a:r>
+            <a:r>
+              <a:rPr kumimoji="1" lang="en-US" altLang="ja-JP" dirty="0" smtClean="0">
+                <a:latin typeface="Hiragino Kaku Gothic ProN W6" charset="-128"/>
+                <a:ea typeface="Hiragino Kaku Gothic ProN W6" charset="-128"/>
+                <a:cs typeface="Hiragino Kaku Gothic ProN W6" charset="-128"/>
+              </a:rPr>
+              <a:t>x</a:t>
+            </a:r>
+            <a:r>
+              <a:rPr kumimoji="1" lang="ja-JP" altLang="en-US" dirty="0" smtClean="0">
+                <a:latin typeface="Hiragino Kaku Gothic ProN W6" charset="-128"/>
+                <a:ea typeface="Hiragino Kaku Gothic ProN W6" charset="-128"/>
+                <a:cs typeface="Hiragino Kaku Gothic ProN W6" charset="-128"/>
+              </a:rPr>
+              <a:t>にノイズを加えた</a:t>
+            </a:r>
+            <a:r>
+              <a:rPr kumimoji="1" lang="en-US" altLang="ja-JP" dirty="0" smtClean="0">
+                <a:latin typeface="Hiragino Kaku Gothic ProN W6" charset="-128"/>
+                <a:ea typeface="Hiragino Kaku Gothic ProN W6" charset="-128"/>
+                <a:cs typeface="Hiragino Kaku Gothic ProN W6" charset="-128"/>
+              </a:rPr>
+              <a:t>x~</a:t>
+            </a:r>
+            <a:endParaRPr lang="en-US" altLang="ja-JP" dirty="0">
+              <a:latin typeface="Hiragino Kaku Gothic ProN W6" charset="-128"/>
+              <a:ea typeface="Hiragino Kaku Gothic ProN W6" charset="-128"/>
+              <a:cs typeface="Hiragino Kaku Gothic ProN W6" charset="-128"/>
+            </a:endParaRPr>
+          </a:p>
+          <a:p>
+            <a:r>
+              <a:rPr kumimoji="1" lang="ja-JP" altLang="en-US" dirty="0" smtClean="0">
+                <a:latin typeface="Hiragino Kaku Gothic ProN W6" charset="-128"/>
+                <a:ea typeface="Hiragino Kaku Gothic ProN W6" charset="-128"/>
+                <a:cs typeface="Hiragino Kaku Gothic ProN W6" charset="-128"/>
+              </a:rPr>
+              <a:t>教師信号：</a:t>
+            </a:r>
+            <a:r>
+              <a:rPr kumimoji="1" lang="en-US" altLang="ja-JP" dirty="0" smtClean="0">
+                <a:latin typeface="Hiragino Kaku Gothic ProN W6" charset="-128"/>
+                <a:ea typeface="Hiragino Kaku Gothic ProN W6" charset="-128"/>
+                <a:cs typeface="Hiragino Kaku Gothic ProN W6" charset="-128"/>
+              </a:rPr>
+              <a:t>x</a:t>
+            </a:r>
+          </a:p>
+          <a:p>
+            <a:r>
+              <a:rPr lang="en-US" altLang="ja-JP" dirty="0">
+                <a:latin typeface="Hiragino Kaku Gothic ProN W6" charset="-128"/>
+                <a:ea typeface="Hiragino Kaku Gothic ProN W6" charset="-128"/>
+                <a:cs typeface="Hiragino Kaku Gothic ProN W6" charset="-128"/>
+              </a:rPr>
+              <a:t>x</a:t>
+            </a:r>
+            <a:r>
+              <a:rPr kumimoji="1" lang="ja-JP" altLang="en-US" dirty="0" smtClean="0">
+                <a:latin typeface="Hiragino Kaku Gothic ProN W6" charset="-128"/>
+                <a:ea typeface="Hiragino Kaku Gothic ProN W6" charset="-128"/>
+                <a:cs typeface="Hiragino Kaku Gothic ProN W6" charset="-128"/>
+              </a:rPr>
+              <a:t>を復元するように学習→より効果的な特徴</a:t>
+            </a:r>
+            <a:endParaRPr kumimoji="1" lang="en-US" altLang="ja-JP" dirty="0" smtClean="0">
+              <a:latin typeface="Hiragino Kaku Gothic ProN W6" charset="-128"/>
+              <a:ea typeface="Hiragino Kaku Gothic ProN W6" charset="-128"/>
+              <a:cs typeface="Hiragino Kaku Gothic ProN W6" charset="-128"/>
+            </a:endParaRPr>
+          </a:p>
+          <a:p>
+            <a:endParaRPr lang="en-US" altLang="ja-JP" dirty="0">
+              <a:latin typeface="Hiragino Kaku Gothic ProN W6" charset="-128"/>
+              <a:ea typeface="Hiragino Kaku Gothic ProN W6" charset="-128"/>
+              <a:cs typeface="Hiragino Kaku Gothic ProN W6" charset="-128"/>
+            </a:endParaRPr>
+          </a:p>
+          <a:p>
+            <a:pPr marL="0" indent="0">
+              <a:buNone/>
             </a:pPr>
             <a:r>
-              <a:rPr lang="ja-JP" altLang="en-US" dirty="0">
-                <a:latin typeface="Hiragino Kaku Gothic ProN W6" charset="-128"/>
-                <a:ea typeface="Hiragino Kaku Gothic ProN W6" charset="-128"/>
-                <a:cs typeface="Hiragino Kaku Gothic ProN W6" charset="-128"/>
-              </a:rPr>
-              <a:t>多層にしないことで損失関数を凸関数にし学習（最適化）を容易</a:t>
-            </a:r>
+              <a:rPr kumimoji="1" lang="ja-JP" altLang="en-US" dirty="0" smtClean="0">
+                <a:latin typeface="Hiragino Kaku Gothic ProN W6" charset="-128"/>
+                <a:ea typeface="Hiragino Kaku Gothic ProN W6" charset="-128"/>
+                <a:cs typeface="Hiragino Kaku Gothic ProN W6" charset="-128"/>
+              </a:rPr>
+              <a:t>ノイズ</a:t>
+            </a:r>
+            <a:endParaRPr kumimoji="1" lang="en-US" altLang="ja-JP" dirty="0" smtClean="0">
+              <a:latin typeface="Hiragino Kaku Gothic ProN W6" charset="-128"/>
+              <a:ea typeface="Hiragino Kaku Gothic ProN W6" charset="-128"/>
+              <a:cs typeface="Hiragino Kaku Gothic ProN W6" charset="-128"/>
+            </a:endParaRPr>
+          </a:p>
+          <a:p>
+            <a:pPr lvl="1"/>
             <a:r>
               <a:rPr lang="ja-JP" altLang="en-US" dirty="0" smtClean="0">
                 <a:latin typeface="Hiragino Kaku Gothic ProN W6" charset="-128"/>
                 <a:ea typeface="Hiragino Kaku Gothic ProN W6" charset="-128"/>
                 <a:cs typeface="Hiragino Kaku Gothic ProN W6" charset="-128"/>
               </a:rPr>
-              <a:t>に（局所解が無い）</a:t>
+              <a:t>欠落雑音：ランダムに値をゼロにする</a:t>
             </a:r>
             <a:endParaRPr lang="en-US" altLang="ja-JP" dirty="0" smtClean="0">
               <a:latin typeface="Hiragino Kaku Gothic ProN W6" charset="-128"/>
@@ -12032,205 +12396,50 @@
             </a:endParaRPr>
           </a:p>
           <a:p>
-            <a:pPr marL="228600" lvl="1">
-              <a:spcBef>
-                <a:spcPts val="1000"/>
-              </a:spcBef>
+            <a:pPr lvl="1"/>
+            <a:r>
+              <a:rPr kumimoji="1" lang="ja-JP" altLang="en-US" dirty="0" smtClean="0">
+                <a:latin typeface="Hiragino Kaku Gothic ProN W6" charset="-128"/>
+                <a:ea typeface="Hiragino Kaku Gothic ProN W6" charset="-128"/>
+                <a:cs typeface="Hiragino Kaku Gothic ProN W6" charset="-128"/>
+              </a:rPr>
+              <a:t>ガウスノイズ</a:t>
+            </a:r>
+            <a:endParaRPr kumimoji="1" lang="en-US" altLang="ja-JP" dirty="0" smtClean="0">
+              <a:latin typeface="Hiragino Kaku Gothic ProN W6" charset="-128"/>
+              <a:ea typeface="Hiragino Kaku Gothic ProN W6" charset="-128"/>
+              <a:cs typeface="Hiragino Kaku Gothic ProN W6" charset="-128"/>
+            </a:endParaRPr>
+          </a:p>
+          <a:p>
+            <a:pPr lvl="1"/>
+            <a:r>
+              <a:rPr lang="ja-JP" altLang="en-US" dirty="0" smtClean="0">
+                <a:latin typeface="Hiragino Kaku Gothic ProN W6" charset="-128"/>
+                <a:ea typeface="Hiragino Kaku Gothic ProN W6" charset="-128"/>
+                <a:cs typeface="Hiragino Kaku Gothic ProN W6" charset="-128"/>
+              </a:rPr>
+              <a:t>ランダムノイズは観測データを擬似的に増やせる</a:t>
+            </a:r>
+            <a:endParaRPr lang="en-US" altLang="ja-JP" dirty="0" smtClean="0">
+              <a:latin typeface="Hiragino Kaku Gothic ProN W6" charset="-128"/>
+              <a:ea typeface="Hiragino Kaku Gothic ProN W6" charset="-128"/>
+              <a:cs typeface="Hiragino Kaku Gothic ProN W6" charset="-128"/>
+            </a:endParaRPr>
+          </a:p>
+          <a:p>
+            <a:pPr marL="457200" lvl="1" indent="0">
+              <a:buNone/>
             </a:pPr>
             <a:r>
-              <a:rPr lang="ja-JP" altLang="en-US" dirty="0" smtClean="0">
-                <a:latin typeface="Hiragino Kaku Gothic ProN W6" charset="-128"/>
-                <a:ea typeface="Hiragino Kaku Gothic ProN W6" charset="-128"/>
-                <a:cs typeface="Hiragino Kaku Gothic ProN W6" charset="-128"/>
-              </a:rPr>
-              <a:t>一層の隠れ変数の層</a:t>
-            </a:r>
-            <a:endParaRPr lang="en-US" altLang="ja-JP" dirty="0" smtClean="0">
-              <a:latin typeface="Hiragino Kaku Gothic ProN W6" charset="-128"/>
-              <a:ea typeface="Hiragino Kaku Gothic ProN W6" charset="-128"/>
-              <a:cs typeface="Hiragino Kaku Gothic ProN W6" charset="-128"/>
-            </a:endParaRPr>
-          </a:p>
-          <a:p>
-            <a:pPr marL="228600" lvl="1">
-              <a:spcBef>
-                <a:spcPts val="1000"/>
-              </a:spcBef>
-            </a:pPr>
-            <a:r>
-              <a:rPr lang="ja-JP" altLang="en-US" dirty="0" smtClean="0">
-                <a:latin typeface="Hiragino Kaku Gothic ProN W6" charset="-128"/>
-                <a:ea typeface="Hiragino Kaku Gothic ProN W6" charset="-128"/>
-                <a:cs typeface="Hiragino Kaku Gothic ProN W6" charset="-128"/>
-              </a:rPr>
-              <a:t>入力と隠れ変数の間の重み</a:t>
-            </a:r>
-            <a:r>
-              <a:rPr lang="en-US" altLang="ja-JP" dirty="0" smtClean="0">
-                <a:latin typeface="Hiragino Kaku Gothic ProN W6" charset="-128"/>
-                <a:ea typeface="Hiragino Kaku Gothic ProN W6" charset="-128"/>
-                <a:cs typeface="Hiragino Kaku Gothic ProN W6" charset="-128"/>
-              </a:rPr>
-              <a:t>W</a:t>
-            </a:r>
-            <a:r>
-              <a:rPr lang="ja-JP" altLang="en-US" dirty="0" smtClean="0">
-                <a:latin typeface="Hiragino Kaku Gothic ProN W6" charset="-128"/>
-                <a:ea typeface="Hiragino Kaku Gothic ProN W6" charset="-128"/>
-                <a:cs typeface="Hiragino Kaku Gothic ProN W6" charset="-128"/>
-              </a:rPr>
-              <a:t>やバイアス</a:t>
-            </a:r>
-            <a:r>
-              <a:rPr lang="en-US" altLang="ja-JP" dirty="0" smtClean="0">
-                <a:latin typeface="Hiragino Kaku Gothic ProN W6" charset="-128"/>
-                <a:ea typeface="Hiragino Kaku Gothic ProN W6" charset="-128"/>
-                <a:cs typeface="Hiragino Kaku Gothic ProN W6" charset="-128"/>
-              </a:rPr>
-              <a:t>b</a:t>
-            </a:r>
-            <a:r>
-              <a:rPr lang="ja-JP" altLang="en-US" dirty="0" smtClean="0">
-                <a:latin typeface="Hiragino Kaku Gothic ProN W6" charset="-128"/>
-                <a:ea typeface="Hiragino Kaku Gothic ProN W6" charset="-128"/>
-                <a:cs typeface="Hiragino Kaku Gothic ProN W6" charset="-128"/>
-              </a:rPr>
-              <a:t>はランダムに生成</a:t>
-            </a:r>
-            <a:endParaRPr lang="en-US" altLang="ja-JP" dirty="0" smtClean="0">
-              <a:latin typeface="Hiragino Kaku Gothic ProN W6" charset="-128"/>
-              <a:ea typeface="Hiragino Kaku Gothic ProN W6" charset="-128"/>
-              <a:cs typeface="Hiragino Kaku Gothic ProN W6" charset="-128"/>
-            </a:endParaRPr>
-          </a:p>
-          <a:p>
-            <a:pPr marL="228600" lvl="1">
-              <a:spcBef>
-                <a:spcPts val="1000"/>
-              </a:spcBef>
-            </a:pPr>
-            <a:r>
-              <a:rPr lang="en-US" altLang="ja-JP" dirty="0" smtClean="0">
-                <a:latin typeface="Hiragino Kaku Gothic ProN W6" charset="-128"/>
-                <a:ea typeface="Hiragino Kaku Gothic ProN W6" charset="-128"/>
-                <a:cs typeface="Hiragino Kaku Gothic ProN W6" charset="-128"/>
-              </a:rPr>
-              <a:t>W</a:t>
-            </a:r>
-            <a:r>
-              <a:rPr lang="ja-JP" altLang="en-US" dirty="0" smtClean="0">
-                <a:latin typeface="Hiragino Kaku Gothic ProN W6" charset="-128"/>
-                <a:ea typeface="Hiragino Kaku Gothic ProN W6" charset="-128"/>
-                <a:cs typeface="Hiragino Kaku Gothic ProN W6" charset="-128"/>
-              </a:rPr>
-              <a:t>や</a:t>
-            </a:r>
-            <a:r>
-              <a:rPr lang="en-US" altLang="ja-JP" dirty="0" smtClean="0">
-                <a:latin typeface="Hiragino Kaku Gothic ProN W6" charset="-128"/>
-                <a:ea typeface="Hiragino Kaku Gothic ProN W6" charset="-128"/>
-                <a:cs typeface="Hiragino Kaku Gothic ProN W6" charset="-128"/>
-              </a:rPr>
-              <a:t>b</a:t>
-            </a:r>
-            <a:r>
-              <a:rPr lang="ja-JP" altLang="en-US" dirty="0" smtClean="0">
-                <a:latin typeface="Hiragino Kaku Gothic ProN W6" charset="-128"/>
-                <a:ea typeface="Hiragino Kaku Gothic ProN W6" charset="-128"/>
-                <a:cs typeface="Hiragino Kaku Gothic ProN W6" charset="-128"/>
-              </a:rPr>
-              <a:t>を推定する問題が，単に二乗誤差の損失関数の下で線形回帰に</a:t>
-            </a:r>
-            <a:endParaRPr lang="en-US" altLang="ja-JP" dirty="0" smtClean="0">
-              <a:latin typeface="Hiragino Kaku Gothic ProN W6" charset="-128"/>
-              <a:ea typeface="Hiragino Kaku Gothic ProN W6" charset="-128"/>
-              <a:cs typeface="Hiragino Kaku Gothic ProN W6" charset="-128"/>
-            </a:endParaRPr>
-          </a:p>
-          <a:p>
-            <a:pPr marL="0" lvl="1" indent="0">
-              <a:spcBef>
-                <a:spcPts val="1000"/>
-              </a:spcBef>
-              <a:buNone/>
-            </a:pPr>
-            <a:r>
-              <a:rPr lang="ja-JP" altLang="en-US" dirty="0" smtClean="0">
-                <a:latin typeface="Hiragino Kaku Gothic ProN W6" charset="-128"/>
-                <a:ea typeface="Hiragino Kaku Gothic ProN W6" charset="-128"/>
-                <a:cs typeface="Hiragino Kaku Gothic ProN W6" charset="-128"/>
-              </a:rPr>
-              <a:t>　　→解析的に求められる</a:t>
-            </a:r>
-            <a:endParaRPr lang="en-US" altLang="ja-JP" dirty="0">
-              <a:latin typeface="Hiragino Kaku Gothic ProN W6" charset="-128"/>
-              <a:ea typeface="Hiragino Kaku Gothic ProN W6" charset="-128"/>
-              <a:cs typeface="Hiragino Kaku Gothic ProN W6" charset="-128"/>
-            </a:endParaRPr>
-          </a:p>
-          <a:p>
-            <a:pPr marL="342900" lvl="1" indent="-342900">
-              <a:spcBef>
-                <a:spcPts val="1000"/>
-              </a:spcBef>
-            </a:pPr>
-            <a:r>
-              <a:rPr lang="ja-JP" altLang="en-US" dirty="0" smtClean="0">
-                <a:latin typeface="Hiragino Kaku Gothic ProN W6" charset="-128"/>
-                <a:ea typeface="Hiragino Kaku Gothic ProN W6" charset="-128"/>
-                <a:cs typeface="Hiragino Kaku Gothic ProN W6" charset="-128"/>
-              </a:rPr>
-              <a:t>隠れ変数のノードを増やして，任意の有界な区分連続関数を近似できる</a:t>
-            </a:r>
-            <a:endParaRPr lang="en-US" altLang="ja-JP" dirty="0" smtClean="0">
-              <a:latin typeface="Hiragino Kaku Gothic ProN W6" charset="-128"/>
-              <a:ea typeface="Hiragino Kaku Gothic ProN W6" charset="-128"/>
-              <a:cs typeface="Hiragino Kaku Gothic ProN W6" charset="-128"/>
-            </a:endParaRPr>
-          </a:p>
-          <a:p>
-            <a:pPr marL="342900" lvl="1" indent="-342900">
-              <a:spcBef>
-                <a:spcPts val="1000"/>
-              </a:spcBef>
-            </a:pPr>
-            <a:r>
-              <a:rPr lang="en-US" altLang="ja-JP" dirty="0" smtClean="0">
-                <a:latin typeface="Hiragino Kaku Gothic ProN W6" charset="-128"/>
-                <a:ea typeface="Hiragino Kaku Gothic ProN W6" charset="-128"/>
-                <a:cs typeface="Hiragino Kaku Gothic ProN W6" charset="-128"/>
-              </a:rPr>
-              <a:t>SVM</a:t>
-            </a:r>
-            <a:r>
-              <a:rPr lang="ja-JP" altLang="en-US" dirty="0" smtClean="0">
-                <a:latin typeface="Hiragino Kaku Gothic ProN W6" charset="-128"/>
-                <a:ea typeface="Hiragino Kaku Gothic ProN W6" charset="-128"/>
-                <a:cs typeface="Hiragino Kaku Gothic ProN W6" charset="-128"/>
-              </a:rPr>
-              <a:t>と比べて大量のデータでも学習がはやく，学習後の分類器の性能が良い</a:t>
-            </a:r>
-            <a:endParaRPr lang="en-US" altLang="ja-JP" dirty="0" smtClean="0">
-              <a:latin typeface="Hiragino Kaku Gothic ProN W6" charset="-128"/>
-              <a:ea typeface="Hiragino Kaku Gothic ProN W6" charset="-128"/>
-              <a:cs typeface="Hiragino Kaku Gothic ProN W6" charset="-128"/>
-            </a:endParaRPr>
-          </a:p>
-          <a:p>
-            <a:pPr marL="342900" lvl="1" indent="-342900">
-              <a:spcBef>
-                <a:spcPts val="1000"/>
-              </a:spcBef>
-            </a:pPr>
-            <a:r>
-              <a:rPr lang="ja-JP" altLang="en-US" dirty="0" smtClean="0">
-                <a:latin typeface="Hiragino Kaku Gothic ProN W6" charset="-128"/>
-                <a:ea typeface="Hiragino Kaku Gothic ProN W6" charset="-128"/>
-                <a:cs typeface="Hiragino Kaku Gothic ProN W6" charset="-128"/>
-              </a:rPr>
-              <a:t>層ごとに自己符号化器による事前学習を行って高性能化</a:t>
-            </a:r>
-            <a:endParaRPr lang="en-US" altLang="ja-JP" dirty="0" smtClean="0">
+              <a:rPr kumimoji="1" lang="ja-JP" altLang="en-US" dirty="0" smtClean="0">
+                <a:latin typeface="Hiragino Kaku Gothic ProN W6" charset="-128"/>
+                <a:ea typeface="Hiragino Kaku Gothic ProN W6" charset="-128"/>
+                <a:cs typeface="Hiragino Kaku Gothic ProN W6" charset="-128"/>
+              </a:rPr>
+              <a:t>　　→その分の計算コストが増大</a:t>
+            </a:r>
+            <a:endParaRPr kumimoji="1" lang="en-US" altLang="ja-JP" dirty="0" smtClean="0">
               <a:latin typeface="Hiragino Kaku Gothic ProN W6" charset="-128"/>
               <a:ea typeface="Hiragino Kaku Gothic ProN W6" charset="-128"/>
               <a:cs typeface="Hiragino Kaku Gothic ProN W6" charset="-128"/>
@@ -12241,7 +12450,7 @@
     </p:spTree>
     <p:extLst>
       <p:ext uri="{BB962C8B-B14F-4D97-AF65-F5344CB8AC3E}">
-        <p14:creationId xmlns:p14="http://schemas.microsoft.com/office/powerpoint/2010/main" val="176942950"/>
+        <p14:creationId xmlns:p14="http://schemas.microsoft.com/office/powerpoint/2010/main" val="1159309982"/>
       </p:ext>
     </p:extLst>
   </p:cSld>
@@ -12284,6 +12493,737 @@
           <a:lstStyle/>
           <a:p>
             <a:r>
+              <a:rPr kumimoji="1" lang="ja-JP" altLang="en-US" dirty="0" smtClean="0">
+                <a:latin typeface="Hiragino Kaku Gothic ProN W6" charset="-128"/>
+                <a:ea typeface="Hiragino Kaku Gothic ProN W6" charset="-128"/>
+                <a:cs typeface="Hiragino Kaku Gothic ProN W6" charset="-128"/>
+              </a:rPr>
+              <a:t>周辺化雑音除去自己符号化器</a:t>
+            </a:r>
+            <a:endParaRPr kumimoji="1" lang="ja-JP" altLang="en-US" dirty="0">
+              <a:latin typeface="Hiragino Kaku Gothic ProN W6" charset="-128"/>
+              <a:ea typeface="Hiragino Kaku Gothic ProN W6" charset="-128"/>
+              <a:cs typeface="Hiragino Kaku Gothic ProN W6" charset="-128"/>
+            </a:endParaRPr>
+          </a:p>
+        </p:txBody>
+      </p:sp>
+      <p:sp>
+        <p:nvSpPr>
+          <p:cNvPr id="3" name="コンテンツ プレースホルダー 2"/>
+          <p:cNvSpPr>
+            <a:spLocks noGrp="1"/>
+          </p:cNvSpPr>
+          <p:nvPr>
+            <p:ph idx="1"/>
+          </p:nvPr>
+        </p:nvSpPr>
+        <p:spPr/>
+        <p:txBody>
+          <a:bodyPr/>
+          <a:lstStyle/>
+          <a:p>
+            <a:r>
+              <a:rPr lang="ja-JP" altLang="en-US" dirty="0" smtClean="0">
+                <a:latin typeface="Hiragino Kaku Gothic ProN W6" charset="-128"/>
+                <a:ea typeface="Hiragino Kaku Gothic ProN W6" charset="-128"/>
+                <a:cs typeface="Hiragino Kaku Gothic ProN W6" charset="-128"/>
+              </a:rPr>
+              <a:t>ノイズの計算コストの増大を解決する手法</a:t>
+            </a:r>
+            <a:endParaRPr lang="en-US" altLang="ja-JP" dirty="0" smtClean="0">
+              <a:latin typeface="Hiragino Kaku Gothic ProN W6" charset="-128"/>
+              <a:ea typeface="Hiragino Kaku Gothic ProN W6" charset="-128"/>
+              <a:cs typeface="Hiragino Kaku Gothic ProN W6" charset="-128"/>
+            </a:endParaRPr>
+          </a:p>
+          <a:p>
+            <a:r>
+              <a:rPr lang="ja-JP" altLang="en-US" dirty="0" smtClean="0">
+                <a:latin typeface="Hiragino Kaku Gothic ProN W6" charset="-128"/>
+                <a:ea typeface="Hiragino Kaku Gothic ProN W6" charset="-128"/>
+                <a:cs typeface="Hiragino Kaku Gothic ProN W6" charset="-128"/>
+              </a:rPr>
+              <a:t>ノイズの加わった入力</a:t>
+            </a:r>
+            <a:r>
+              <a:rPr lang="en-US" altLang="ja-JP" dirty="0" smtClean="0">
+                <a:latin typeface="Hiragino Kaku Gothic ProN W6" charset="-128"/>
+                <a:ea typeface="Hiragino Kaku Gothic ProN W6" charset="-128"/>
+                <a:cs typeface="Hiragino Kaku Gothic ProN W6" charset="-128"/>
+              </a:rPr>
+              <a:t>x~</a:t>
+            </a:r>
+            <a:r>
+              <a:rPr lang="ja-JP" altLang="en-US" dirty="0" smtClean="0">
+                <a:latin typeface="Hiragino Kaku Gothic ProN W6" charset="-128"/>
+                <a:ea typeface="Hiragino Kaku Gothic ProN W6" charset="-128"/>
+                <a:cs typeface="Hiragino Kaku Gothic ProN W6" charset="-128"/>
+              </a:rPr>
+              <a:t>の平均の周りで損失関数の二次のテイラー展開をとる→解析的な近似計算</a:t>
+            </a:r>
+            <a:endParaRPr lang="en-US" altLang="ja-JP" dirty="0" smtClean="0">
+              <a:latin typeface="Hiragino Kaku Gothic ProN W6" charset="-128"/>
+              <a:ea typeface="Hiragino Kaku Gothic ProN W6" charset="-128"/>
+              <a:cs typeface="Hiragino Kaku Gothic ProN W6" charset="-128"/>
+            </a:endParaRPr>
+          </a:p>
+          <a:p>
+            <a:r>
+              <a:rPr lang="ja-JP" altLang="en-US" dirty="0" smtClean="0">
+                <a:latin typeface="Hiragino Kaku Gothic ProN W6" charset="-128"/>
+                <a:ea typeface="Hiragino Kaku Gothic ProN W6" charset="-128"/>
+                <a:cs typeface="Hiragino Kaku Gothic ProN W6" charset="-128"/>
+              </a:rPr>
+              <a:t>不要になるもの</a:t>
+            </a:r>
+            <a:endParaRPr lang="en-US" altLang="ja-JP" dirty="0" smtClean="0">
+              <a:latin typeface="Hiragino Kaku Gothic ProN W6" charset="-128"/>
+              <a:ea typeface="Hiragino Kaku Gothic ProN W6" charset="-128"/>
+              <a:cs typeface="Hiragino Kaku Gothic ProN W6" charset="-128"/>
+            </a:endParaRPr>
+          </a:p>
+          <a:p>
+            <a:pPr lvl="1"/>
+            <a:r>
+              <a:rPr kumimoji="1" lang="ja-JP" altLang="en-US" dirty="0" smtClean="0">
+                <a:latin typeface="Hiragino Kaku Gothic ProN W6" charset="-128"/>
+                <a:ea typeface="Hiragino Kaku Gothic ProN W6" charset="-128"/>
+                <a:cs typeface="Hiragino Kaku Gothic ProN W6" charset="-128"/>
+              </a:rPr>
+              <a:t>ノイズデータを多数作らなくて良い</a:t>
+            </a:r>
+            <a:endParaRPr kumimoji="1" lang="en-US" altLang="ja-JP" dirty="0" smtClean="0">
+              <a:latin typeface="Hiragino Kaku Gothic ProN W6" charset="-128"/>
+              <a:ea typeface="Hiragino Kaku Gothic ProN W6" charset="-128"/>
+              <a:cs typeface="Hiragino Kaku Gothic ProN W6" charset="-128"/>
+            </a:endParaRPr>
+          </a:p>
+          <a:p>
+            <a:pPr lvl="1"/>
+            <a:r>
+              <a:rPr lang="ja-JP" altLang="en-US" dirty="0" smtClean="0">
+                <a:latin typeface="Hiragino Kaku Gothic ProN W6" charset="-128"/>
+                <a:ea typeface="Hiragino Kaku Gothic ProN W6" charset="-128"/>
+                <a:cs typeface="Hiragino Kaku Gothic ProN W6" charset="-128"/>
+              </a:rPr>
+              <a:t>入力データによるコスト関数やそのパラメータに関する導関数の平均の計算</a:t>
+            </a:r>
+            <a:endParaRPr lang="en-US" altLang="ja-JP" dirty="0">
+              <a:latin typeface="Hiragino Kaku Gothic ProN W6" charset="-128"/>
+              <a:ea typeface="Hiragino Kaku Gothic ProN W6" charset="-128"/>
+              <a:cs typeface="Hiragino Kaku Gothic ProN W6" charset="-128"/>
+            </a:endParaRPr>
+          </a:p>
+          <a:p>
+            <a:r>
+              <a:rPr kumimoji="1" lang="ja-JP" altLang="en-US" dirty="0" smtClean="0">
+                <a:latin typeface="Hiragino Kaku Gothic ProN W6" charset="-128"/>
+                <a:ea typeface="Hiragino Kaku Gothic ProN W6" charset="-128"/>
+                <a:cs typeface="Hiragino Kaku Gothic ProN W6" charset="-128"/>
+              </a:rPr>
+              <a:t>性能</a:t>
+            </a:r>
+            <a:r>
+              <a:rPr lang="ja-JP" altLang="en-US" dirty="0" smtClean="0">
+                <a:latin typeface="Hiragino Kaku Gothic ProN W6" charset="-128"/>
+                <a:ea typeface="Hiragino Kaku Gothic ProN W6" charset="-128"/>
+                <a:cs typeface="Hiragino Kaku Gothic ProN W6" charset="-128"/>
+              </a:rPr>
+              <a:t>が従来の雑音除去自己符号化器と同等か優れている</a:t>
+            </a:r>
+            <a:endParaRPr lang="en-US" altLang="ja-JP" dirty="0" smtClean="0">
+              <a:latin typeface="Hiragino Kaku Gothic ProN W6" charset="-128"/>
+              <a:ea typeface="Hiragino Kaku Gothic ProN W6" charset="-128"/>
+              <a:cs typeface="Hiragino Kaku Gothic ProN W6" charset="-128"/>
+            </a:endParaRPr>
+          </a:p>
+          <a:p>
+            <a:r>
+              <a:rPr kumimoji="1" lang="ja-JP" altLang="en-US" dirty="0" smtClean="0">
+                <a:latin typeface="Hiragino Kaku Gothic ProN W6" charset="-128"/>
+                <a:ea typeface="Hiragino Kaku Gothic ProN W6" charset="-128"/>
+                <a:cs typeface="Hiragino Kaku Gothic ProN W6" charset="-128"/>
+              </a:rPr>
+              <a:t>多層に積み重ねるときの性能向上が小さくなる</a:t>
+            </a:r>
+            <a:endParaRPr kumimoji="1" lang="en-US" altLang="ja-JP" dirty="0" smtClean="0">
+              <a:latin typeface="Hiragino Kaku Gothic ProN W6" charset="-128"/>
+              <a:ea typeface="Hiragino Kaku Gothic ProN W6" charset="-128"/>
+              <a:cs typeface="Hiragino Kaku Gothic ProN W6" charset="-128"/>
+            </a:endParaRPr>
+          </a:p>
+          <a:p>
+            <a:pPr lvl="1"/>
+            <a:endParaRPr kumimoji="1" lang="en-US" altLang="ja-JP" dirty="0" smtClean="0">
+              <a:latin typeface="Hiragino Kaku Gothic ProN W6" charset="-128"/>
+              <a:ea typeface="Hiragino Kaku Gothic ProN W6" charset="-128"/>
+              <a:cs typeface="Hiragino Kaku Gothic ProN W6" charset="-128"/>
+            </a:endParaRPr>
+          </a:p>
+          <a:p>
+            <a:endParaRPr kumimoji="1" lang="ja-JP" altLang="en-US" dirty="0"/>
+          </a:p>
+        </p:txBody>
+      </p:sp>
+    </p:spTree>
+    <p:extLst>
+      <p:ext uri="{BB962C8B-B14F-4D97-AF65-F5344CB8AC3E}">
+        <p14:creationId xmlns:p14="http://schemas.microsoft.com/office/powerpoint/2010/main" val="17825974"/>
+      </p:ext>
+    </p:extLst>
+  </p:cSld>
+  <p:clrMapOvr>
+    <a:masterClrMapping/>
+  </p:clrMapOvr>
+</p:sld>
+</file>
+
+<file path=ppt/slides/slide25.xml><?xml version="1.0" encoding="utf-8"?>
+<p:sld xmlns:a="http://schemas.openxmlformats.org/drawingml/2006/main" xmlns:r="http://schemas.openxmlformats.org/officeDocument/2006/relationships" xmlns:p="http://schemas.openxmlformats.org/presentationml/2006/main">
+  <p:cSld>
+    <p:spTree>
+      <p:nvGrpSpPr>
+        <p:cNvPr id="1" name=""/>
+        <p:cNvGrpSpPr/>
+        <p:nvPr/>
+      </p:nvGrpSpPr>
+      <p:grpSpPr>
+        <a:xfrm>
+          <a:off x="0" y="0"/>
+          <a:ext cx="0" cy="0"/>
+          <a:chOff x="0" y="0"/>
+          <a:chExt cx="0" cy="0"/>
+        </a:xfrm>
+      </p:grpSpPr>
+      <p:sp>
+        <p:nvSpPr>
+          <p:cNvPr id="2" name="タイトル 1"/>
+          <p:cNvSpPr>
+            <a:spLocks noGrp="1"/>
+          </p:cNvSpPr>
+          <p:nvPr>
+            <p:ph type="title"/>
+          </p:nvPr>
+        </p:nvSpPr>
+        <p:spPr/>
+        <p:txBody>
+          <a:bodyPr/>
+          <a:lstStyle/>
+          <a:p>
+            <a:r>
+              <a:rPr kumimoji="1" lang="ja-JP" altLang="en-US" dirty="0" smtClean="0">
+                <a:latin typeface="Hiragino Kaku Gothic ProN W6" charset="-128"/>
+                <a:ea typeface="Hiragino Kaku Gothic ProN W6" charset="-128"/>
+                <a:cs typeface="Hiragino Kaku Gothic ProN W6" charset="-128"/>
+              </a:rPr>
+              <a:t>その他の自己符号化器による事前学習</a:t>
+            </a:r>
+            <a:endParaRPr kumimoji="1" lang="ja-JP" altLang="en-US" dirty="0">
+              <a:latin typeface="Hiragino Kaku Gothic ProN W6" charset="-128"/>
+              <a:ea typeface="Hiragino Kaku Gothic ProN W6" charset="-128"/>
+              <a:cs typeface="Hiragino Kaku Gothic ProN W6" charset="-128"/>
+            </a:endParaRPr>
+          </a:p>
+        </p:txBody>
+      </p:sp>
+      <p:sp>
+        <p:nvSpPr>
+          <p:cNvPr id="3" name="コンテンツ プレースホルダー 2"/>
+          <p:cNvSpPr>
+            <a:spLocks noGrp="1"/>
+          </p:cNvSpPr>
+          <p:nvPr>
+            <p:ph idx="1"/>
+          </p:nvPr>
+        </p:nvSpPr>
+        <p:spPr/>
+        <p:txBody>
+          <a:bodyPr/>
+          <a:lstStyle/>
+          <a:p>
+            <a:r>
+              <a:rPr kumimoji="1" lang="ja-JP" altLang="en-US" dirty="0" smtClean="0">
+                <a:latin typeface="Hiragino Kaku Gothic ProN W6" charset="-128"/>
+                <a:ea typeface="Hiragino Kaku Gothic ProN W6" charset="-128"/>
+                <a:cs typeface="Hiragino Kaku Gothic ProN W6" charset="-128"/>
+              </a:rPr>
+              <a:t>スパース自己符号化器</a:t>
+            </a:r>
+            <a:endParaRPr kumimoji="1" lang="en-US" altLang="ja-JP" dirty="0" smtClean="0">
+              <a:latin typeface="Hiragino Kaku Gothic ProN W6" charset="-128"/>
+              <a:ea typeface="Hiragino Kaku Gothic ProN W6" charset="-128"/>
+              <a:cs typeface="Hiragino Kaku Gothic ProN W6" charset="-128"/>
+            </a:endParaRPr>
+          </a:p>
+          <a:p>
+            <a:pPr lvl="1"/>
+            <a:r>
+              <a:rPr kumimoji="1" lang="ja-JP" altLang="en-US" dirty="0" smtClean="0">
+                <a:latin typeface="Hiragino Kaku Gothic ProN W6" charset="-128"/>
+                <a:ea typeface="Hiragino Kaku Gothic ProN W6" charset="-128"/>
+                <a:cs typeface="Hiragino Kaku Gothic ProN W6" charset="-128"/>
+              </a:rPr>
+              <a:t>自己符号化器において中間層の次元を高めると，ゼロが多くスパースに</a:t>
+            </a:r>
+            <a:endParaRPr kumimoji="1" lang="en-US" altLang="ja-JP" dirty="0" smtClean="0">
+              <a:latin typeface="Hiragino Kaku Gothic ProN W6" charset="-128"/>
+              <a:ea typeface="Hiragino Kaku Gothic ProN W6" charset="-128"/>
+              <a:cs typeface="Hiragino Kaku Gothic ProN W6" charset="-128"/>
+            </a:endParaRPr>
+          </a:p>
+          <a:p>
+            <a:r>
+              <a:rPr kumimoji="1" lang="ja-JP" altLang="en-US" dirty="0" smtClean="0">
+                <a:latin typeface="Hiragino Kaku Gothic ProN W6" charset="-128"/>
+                <a:ea typeface="Hiragino Kaku Gothic ProN W6" charset="-128"/>
+                <a:cs typeface="Hiragino Kaku Gothic ProN W6" charset="-128"/>
+              </a:rPr>
+              <a:t>縮小自己符号化器</a:t>
+            </a:r>
+            <a:endParaRPr kumimoji="1" lang="en-US" altLang="ja-JP" dirty="0" smtClean="0">
+              <a:latin typeface="Hiragino Kaku Gothic ProN W6" charset="-128"/>
+              <a:ea typeface="Hiragino Kaku Gothic ProN W6" charset="-128"/>
+              <a:cs typeface="Hiragino Kaku Gothic ProN W6" charset="-128"/>
+            </a:endParaRPr>
+          </a:p>
+          <a:p>
+            <a:pPr lvl="1"/>
+            <a:r>
+              <a:rPr kumimoji="1" lang="ja-JP" altLang="en-US" dirty="0" smtClean="0">
+                <a:latin typeface="Hiragino Kaku Gothic ProN W6" charset="-128"/>
+                <a:ea typeface="Hiragino Kaku Gothic ProN W6" charset="-128"/>
+                <a:cs typeface="Hiragino Kaku Gothic ProN W6" charset="-128"/>
+              </a:rPr>
+              <a:t>正則化項として入力</a:t>
+            </a:r>
+            <a:r>
+              <a:rPr lang="en-US" altLang="ja-JP" dirty="0" smtClean="0">
+                <a:latin typeface="Hiragino Kaku Gothic ProN W6" charset="-128"/>
+                <a:ea typeface="Hiragino Kaku Gothic ProN W6" charset="-128"/>
+                <a:cs typeface="Hiragino Kaku Gothic ProN W6" charset="-128"/>
+              </a:rPr>
+              <a:t>v</a:t>
+            </a:r>
+            <a:r>
+              <a:rPr lang="ja-JP" altLang="en-US" dirty="0" smtClean="0">
+                <a:latin typeface="Hiragino Kaku Gothic ProN W6" charset="-128"/>
+                <a:ea typeface="Hiragino Kaku Gothic ProN W6" charset="-128"/>
+                <a:cs typeface="Hiragino Kaku Gothic ProN W6" charset="-128"/>
+              </a:rPr>
+              <a:t>から特徴</a:t>
+            </a:r>
+            <a:r>
+              <a:rPr lang="en-US" altLang="ja-JP" dirty="0" smtClean="0">
+                <a:latin typeface="Hiragino Kaku Gothic ProN W6" charset="-128"/>
+                <a:ea typeface="Hiragino Kaku Gothic ProN W6" charset="-128"/>
+                <a:cs typeface="Hiragino Kaku Gothic ProN W6" charset="-128"/>
+              </a:rPr>
+              <a:t>h</a:t>
+            </a:r>
+            <a:r>
+              <a:rPr lang="ja-JP" altLang="en-US" dirty="0" smtClean="0">
+                <a:latin typeface="Hiragino Kaku Gothic ProN W6" charset="-128"/>
+                <a:ea typeface="Hiragino Kaku Gothic ProN W6" charset="-128"/>
+                <a:cs typeface="Hiragino Kaku Gothic ProN W6" charset="-128"/>
+              </a:rPr>
+              <a:t>を出力する関数の滑らかさを促進する項を付与→雑音除去符号化器と同等</a:t>
+            </a:r>
+            <a:endParaRPr lang="en-US" altLang="ja-JP" dirty="0" smtClean="0">
+              <a:latin typeface="Hiragino Kaku Gothic ProN W6" charset="-128"/>
+              <a:ea typeface="Hiragino Kaku Gothic ProN W6" charset="-128"/>
+              <a:cs typeface="Hiragino Kaku Gothic ProN W6" charset="-128"/>
+            </a:endParaRPr>
+          </a:p>
+          <a:p>
+            <a:r>
+              <a:rPr kumimoji="1" lang="ja-JP" altLang="en-US" dirty="0" smtClean="0">
+                <a:latin typeface="Hiragino Kaku Gothic ProN W6" charset="-128"/>
+                <a:ea typeface="Hiragino Kaku Gothic ProN W6" charset="-128"/>
+                <a:cs typeface="Hiragino Kaku Gothic ProN W6" charset="-128"/>
+              </a:rPr>
+              <a:t>極端学習機械</a:t>
+            </a:r>
+            <a:r>
+              <a:rPr kumimoji="1" lang="en-US" altLang="ja-JP" dirty="0" smtClean="0">
+                <a:latin typeface="Hiragino Kaku Gothic ProN W6" charset="-128"/>
+                <a:ea typeface="Hiragino Kaku Gothic ProN W6" charset="-128"/>
+                <a:cs typeface="Hiragino Kaku Gothic ProN W6" charset="-128"/>
+              </a:rPr>
+              <a:t>(ELM)</a:t>
+            </a:r>
+          </a:p>
+        </p:txBody>
+      </p:sp>
+    </p:spTree>
+    <p:extLst>
+      <p:ext uri="{BB962C8B-B14F-4D97-AF65-F5344CB8AC3E}">
+        <p14:creationId xmlns:p14="http://schemas.microsoft.com/office/powerpoint/2010/main" val="692507794"/>
+      </p:ext>
+    </p:extLst>
+  </p:cSld>
+  <p:clrMapOvr>
+    <a:masterClrMapping/>
+  </p:clrMapOvr>
+</p:sld>
+</file>
+
+<file path=ppt/slides/slide26.xml><?xml version="1.0" encoding="utf-8"?>
+<p:sld xmlns:a="http://schemas.openxmlformats.org/drawingml/2006/main" xmlns:r="http://schemas.openxmlformats.org/officeDocument/2006/relationships" xmlns:p="http://schemas.openxmlformats.org/presentationml/2006/main">
+  <p:cSld>
+    <p:spTree>
+      <p:nvGrpSpPr>
+        <p:cNvPr id="1" name=""/>
+        <p:cNvGrpSpPr/>
+        <p:nvPr/>
+      </p:nvGrpSpPr>
+      <p:grpSpPr>
+        <a:xfrm>
+          <a:off x="0" y="0"/>
+          <a:ext cx="0" cy="0"/>
+          <a:chOff x="0" y="0"/>
+          <a:chExt cx="0" cy="0"/>
+        </a:xfrm>
+      </p:grpSpPr>
+      <p:sp>
+        <p:nvSpPr>
+          <p:cNvPr id="2" name="タイトル 1"/>
+          <p:cNvSpPr>
+            <a:spLocks noGrp="1"/>
+          </p:cNvSpPr>
+          <p:nvPr>
+            <p:ph type="title"/>
+          </p:nvPr>
+        </p:nvSpPr>
+        <p:spPr/>
+        <p:txBody>
+          <a:bodyPr/>
+          <a:lstStyle/>
+          <a:p>
+            <a:r>
+              <a:rPr kumimoji="1" lang="ja-JP" altLang="en-US" dirty="0" smtClean="0">
+                <a:latin typeface="Hiragino Kaku Gothic ProN W6" charset="-128"/>
+                <a:ea typeface="Hiragino Kaku Gothic ProN W6" charset="-128"/>
+                <a:cs typeface="Hiragino Kaku Gothic ProN W6" charset="-128"/>
+              </a:rPr>
+              <a:t>極端学習機械</a:t>
+            </a:r>
+            <a:r>
+              <a:rPr kumimoji="1" lang="en-US" altLang="ja-JP" dirty="0" smtClean="0">
+                <a:latin typeface="Hiragino Kaku Gothic ProN W6" charset="-128"/>
+                <a:ea typeface="Hiragino Kaku Gothic ProN W6" charset="-128"/>
+                <a:cs typeface="Hiragino Kaku Gothic ProN W6" charset="-128"/>
+              </a:rPr>
+              <a:t>(ELM)</a:t>
+            </a:r>
+            <a:endParaRPr kumimoji="1" lang="ja-JP" altLang="en-US" dirty="0">
+              <a:latin typeface="Hiragino Kaku Gothic ProN W6" charset="-128"/>
+              <a:ea typeface="Hiragino Kaku Gothic ProN W6" charset="-128"/>
+              <a:cs typeface="Hiragino Kaku Gothic ProN W6" charset="-128"/>
+            </a:endParaRPr>
+          </a:p>
+        </p:txBody>
+      </p:sp>
+      <p:sp>
+        <p:nvSpPr>
+          <p:cNvPr id="3" name="コンテンツ プレースホルダー 2"/>
+          <p:cNvSpPr>
+            <a:spLocks noGrp="1"/>
+          </p:cNvSpPr>
+          <p:nvPr>
+            <p:ph idx="1"/>
+          </p:nvPr>
+        </p:nvSpPr>
+        <p:spPr>
+          <a:xfrm>
+            <a:off x="680321" y="2336873"/>
+            <a:ext cx="10460645" cy="3599316"/>
+          </a:xfrm>
+        </p:spPr>
+        <p:txBody>
+          <a:bodyPr/>
+          <a:lstStyle/>
+          <a:p>
+            <a:pPr marL="228600" lvl="1">
+              <a:spcBef>
+                <a:spcPts val="1000"/>
+              </a:spcBef>
+            </a:pPr>
+            <a:r>
+              <a:rPr lang="ja-JP" altLang="en-US" dirty="0">
+                <a:latin typeface="Hiragino Kaku Gothic ProN W6" charset="-128"/>
+                <a:ea typeface="Hiragino Kaku Gothic ProN W6" charset="-128"/>
+                <a:cs typeface="Hiragino Kaku Gothic ProN W6" charset="-128"/>
+              </a:rPr>
+              <a:t>多層にしないことで損失関数を凸関数にし学習（最適化）を容易</a:t>
+            </a:r>
+            <a:r>
+              <a:rPr lang="ja-JP" altLang="en-US" dirty="0" smtClean="0">
+                <a:latin typeface="Hiragino Kaku Gothic ProN W6" charset="-128"/>
+                <a:ea typeface="Hiragino Kaku Gothic ProN W6" charset="-128"/>
+                <a:cs typeface="Hiragino Kaku Gothic ProN W6" charset="-128"/>
+              </a:rPr>
+              <a:t>に（局所解が無い）</a:t>
+            </a:r>
+            <a:endParaRPr lang="en-US" altLang="ja-JP" dirty="0" smtClean="0">
+              <a:latin typeface="Hiragino Kaku Gothic ProN W6" charset="-128"/>
+              <a:ea typeface="Hiragino Kaku Gothic ProN W6" charset="-128"/>
+              <a:cs typeface="Hiragino Kaku Gothic ProN W6" charset="-128"/>
+            </a:endParaRPr>
+          </a:p>
+          <a:p>
+            <a:pPr marL="228600" lvl="1">
+              <a:spcBef>
+                <a:spcPts val="1000"/>
+              </a:spcBef>
+            </a:pPr>
+            <a:r>
+              <a:rPr lang="ja-JP" altLang="en-US" dirty="0" smtClean="0">
+                <a:latin typeface="Hiragino Kaku Gothic ProN W6" charset="-128"/>
+                <a:ea typeface="Hiragino Kaku Gothic ProN W6" charset="-128"/>
+                <a:cs typeface="Hiragino Kaku Gothic ProN W6" charset="-128"/>
+              </a:rPr>
+              <a:t>一層の隠れ変数の層</a:t>
+            </a:r>
+            <a:endParaRPr lang="en-US" altLang="ja-JP" dirty="0" smtClean="0">
+              <a:latin typeface="Hiragino Kaku Gothic ProN W6" charset="-128"/>
+              <a:ea typeface="Hiragino Kaku Gothic ProN W6" charset="-128"/>
+              <a:cs typeface="Hiragino Kaku Gothic ProN W6" charset="-128"/>
+            </a:endParaRPr>
+          </a:p>
+          <a:p>
+            <a:pPr marL="228600" lvl="1">
+              <a:spcBef>
+                <a:spcPts val="1000"/>
+              </a:spcBef>
+            </a:pPr>
+            <a:r>
+              <a:rPr lang="ja-JP" altLang="en-US" dirty="0" smtClean="0">
+                <a:latin typeface="Hiragino Kaku Gothic ProN W6" charset="-128"/>
+                <a:ea typeface="Hiragino Kaku Gothic ProN W6" charset="-128"/>
+                <a:cs typeface="Hiragino Kaku Gothic ProN W6" charset="-128"/>
+              </a:rPr>
+              <a:t>入力と隠れ変数の間の重み</a:t>
+            </a:r>
+            <a:r>
+              <a:rPr lang="en-US" altLang="ja-JP" dirty="0" smtClean="0">
+                <a:latin typeface="Hiragino Kaku Gothic ProN W6" charset="-128"/>
+                <a:ea typeface="Hiragino Kaku Gothic ProN W6" charset="-128"/>
+                <a:cs typeface="Hiragino Kaku Gothic ProN W6" charset="-128"/>
+              </a:rPr>
+              <a:t>W</a:t>
+            </a:r>
+            <a:r>
+              <a:rPr lang="ja-JP" altLang="en-US" dirty="0" smtClean="0">
+                <a:latin typeface="Hiragino Kaku Gothic ProN W6" charset="-128"/>
+                <a:ea typeface="Hiragino Kaku Gothic ProN W6" charset="-128"/>
+                <a:cs typeface="Hiragino Kaku Gothic ProN W6" charset="-128"/>
+              </a:rPr>
+              <a:t>やバイアス</a:t>
+            </a:r>
+            <a:r>
+              <a:rPr lang="en-US" altLang="ja-JP" dirty="0" smtClean="0">
+                <a:latin typeface="Hiragino Kaku Gothic ProN W6" charset="-128"/>
+                <a:ea typeface="Hiragino Kaku Gothic ProN W6" charset="-128"/>
+                <a:cs typeface="Hiragino Kaku Gothic ProN W6" charset="-128"/>
+              </a:rPr>
+              <a:t>b</a:t>
+            </a:r>
+            <a:r>
+              <a:rPr lang="ja-JP" altLang="en-US" dirty="0" smtClean="0">
+                <a:latin typeface="Hiragino Kaku Gothic ProN W6" charset="-128"/>
+                <a:ea typeface="Hiragino Kaku Gothic ProN W6" charset="-128"/>
+                <a:cs typeface="Hiragino Kaku Gothic ProN W6" charset="-128"/>
+              </a:rPr>
+              <a:t>はランダムに生成</a:t>
+            </a:r>
+            <a:endParaRPr lang="en-US" altLang="ja-JP" dirty="0" smtClean="0">
+              <a:latin typeface="Hiragino Kaku Gothic ProN W6" charset="-128"/>
+              <a:ea typeface="Hiragino Kaku Gothic ProN W6" charset="-128"/>
+              <a:cs typeface="Hiragino Kaku Gothic ProN W6" charset="-128"/>
+            </a:endParaRPr>
+          </a:p>
+          <a:p>
+            <a:pPr marL="228600" lvl="1">
+              <a:spcBef>
+                <a:spcPts val="1000"/>
+              </a:spcBef>
+            </a:pPr>
+            <a:r>
+              <a:rPr lang="en-US" altLang="ja-JP" dirty="0" smtClean="0">
+                <a:latin typeface="Hiragino Kaku Gothic ProN W6" charset="-128"/>
+                <a:ea typeface="Hiragino Kaku Gothic ProN W6" charset="-128"/>
+                <a:cs typeface="Hiragino Kaku Gothic ProN W6" charset="-128"/>
+              </a:rPr>
+              <a:t>W</a:t>
+            </a:r>
+            <a:r>
+              <a:rPr lang="ja-JP" altLang="en-US" dirty="0" smtClean="0">
+                <a:latin typeface="Hiragino Kaku Gothic ProN W6" charset="-128"/>
+                <a:ea typeface="Hiragino Kaku Gothic ProN W6" charset="-128"/>
+                <a:cs typeface="Hiragino Kaku Gothic ProN W6" charset="-128"/>
+              </a:rPr>
+              <a:t>や</a:t>
+            </a:r>
+            <a:r>
+              <a:rPr lang="en-US" altLang="ja-JP" dirty="0" smtClean="0">
+                <a:latin typeface="Hiragino Kaku Gothic ProN W6" charset="-128"/>
+                <a:ea typeface="Hiragino Kaku Gothic ProN W6" charset="-128"/>
+                <a:cs typeface="Hiragino Kaku Gothic ProN W6" charset="-128"/>
+              </a:rPr>
+              <a:t>b</a:t>
+            </a:r>
+            <a:r>
+              <a:rPr lang="ja-JP" altLang="en-US" dirty="0" smtClean="0">
+                <a:latin typeface="Hiragino Kaku Gothic ProN W6" charset="-128"/>
+                <a:ea typeface="Hiragino Kaku Gothic ProN W6" charset="-128"/>
+                <a:cs typeface="Hiragino Kaku Gothic ProN W6" charset="-128"/>
+              </a:rPr>
+              <a:t>を推定する問題が，単に二乗誤差の損失関数の下で線形回帰に</a:t>
+            </a:r>
+            <a:endParaRPr lang="en-US" altLang="ja-JP" dirty="0" smtClean="0">
+              <a:latin typeface="Hiragino Kaku Gothic ProN W6" charset="-128"/>
+              <a:ea typeface="Hiragino Kaku Gothic ProN W6" charset="-128"/>
+              <a:cs typeface="Hiragino Kaku Gothic ProN W6" charset="-128"/>
+            </a:endParaRPr>
+          </a:p>
+          <a:p>
+            <a:pPr marL="0" lvl="1" indent="0">
+              <a:spcBef>
+                <a:spcPts val="1000"/>
+              </a:spcBef>
+              <a:buNone/>
+            </a:pPr>
+            <a:r>
+              <a:rPr lang="ja-JP" altLang="en-US" dirty="0" smtClean="0">
+                <a:latin typeface="Hiragino Kaku Gothic ProN W6" charset="-128"/>
+                <a:ea typeface="Hiragino Kaku Gothic ProN W6" charset="-128"/>
+                <a:cs typeface="Hiragino Kaku Gothic ProN W6" charset="-128"/>
+              </a:rPr>
+              <a:t>　　→解析的に求められる</a:t>
+            </a:r>
+            <a:endParaRPr lang="en-US" altLang="ja-JP" dirty="0">
+              <a:latin typeface="Hiragino Kaku Gothic ProN W6" charset="-128"/>
+              <a:ea typeface="Hiragino Kaku Gothic ProN W6" charset="-128"/>
+              <a:cs typeface="Hiragino Kaku Gothic ProN W6" charset="-128"/>
+            </a:endParaRPr>
+          </a:p>
+          <a:p>
+            <a:pPr marL="342900" lvl="1" indent="-342900">
+              <a:spcBef>
+                <a:spcPts val="1000"/>
+              </a:spcBef>
+            </a:pPr>
+            <a:r>
+              <a:rPr lang="ja-JP" altLang="en-US" dirty="0" smtClean="0">
+                <a:latin typeface="Hiragino Kaku Gothic ProN W6" charset="-128"/>
+                <a:ea typeface="Hiragino Kaku Gothic ProN W6" charset="-128"/>
+                <a:cs typeface="Hiragino Kaku Gothic ProN W6" charset="-128"/>
+              </a:rPr>
+              <a:t>隠れ変数のノードを増やして，任意の有界な区分連続関数を近似できる</a:t>
+            </a:r>
+            <a:endParaRPr lang="en-US" altLang="ja-JP" dirty="0" smtClean="0">
+              <a:latin typeface="Hiragino Kaku Gothic ProN W6" charset="-128"/>
+              <a:ea typeface="Hiragino Kaku Gothic ProN W6" charset="-128"/>
+              <a:cs typeface="Hiragino Kaku Gothic ProN W6" charset="-128"/>
+            </a:endParaRPr>
+          </a:p>
+          <a:p>
+            <a:pPr marL="342900" lvl="1" indent="-342900">
+              <a:spcBef>
+                <a:spcPts val="1000"/>
+              </a:spcBef>
+            </a:pPr>
+            <a:r>
+              <a:rPr lang="en-US" altLang="ja-JP" dirty="0" smtClean="0">
+                <a:latin typeface="Hiragino Kaku Gothic ProN W6" charset="-128"/>
+                <a:ea typeface="Hiragino Kaku Gothic ProN W6" charset="-128"/>
+                <a:cs typeface="Hiragino Kaku Gothic ProN W6" charset="-128"/>
+              </a:rPr>
+              <a:t>SVM</a:t>
+            </a:r>
+            <a:r>
+              <a:rPr lang="ja-JP" altLang="en-US" dirty="0" smtClean="0">
+                <a:latin typeface="Hiragino Kaku Gothic ProN W6" charset="-128"/>
+                <a:ea typeface="Hiragino Kaku Gothic ProN W6" charset="-128"/>
+                <a:cs typeface="Hiragino Kaku Gothic ProN W6" charset="-128"/>
+              </a:rPr>
+              <a:t>と比べて大量のデータでも学習がはやく，学習後の分類器の性能が良い</a:t>
+            </a:r>
+            <a:endParaRPr lang="en-US" altLang="ja-JP" dirty="0" smtClean="0">
+              <a:latin typeface="Hiragino Kaku Gothic ProN W6" charset="-128"/>
+              <a:ea typeface="Hiragino Kaku Gothic ProN W6" charset="-128"/>
+              <a:cs typeface="Hiragino Kaku Gothic ProN W6" charset="-128"/>
+            </a:endParaRPr>
+          </a:p>
+          <a:p>
+            <a:pPr marL="342900" lvl="1" indent="-342900">
+              <a:spcBef>
+                <a:spcPts val="1000"/>
+              </a:spcBef>
+            </a:pPr>
+            <a:r>
+              <a:rPr lang="ja-JP" altLang="en-US" dirty="0" smtClean="0">
+                <a:latin typeface="Hiragino Kaku Gothic ProN W6" charset="-128"/>
+                <a:ea typeface="Hiragino Kaku Gothic ProN W6" charset="-128"/>
+                <a:cs typeface="Hiragino Kaku Gothic ProN W6" charset="-128"/>
+              </a:rPr>
+              <a:t>層ごとに自己符号化器による事前学習を行って高性能化</a:t>
+            </a:r>
+            <a:endParaRPr lang="en-US" altLang="ja-JP" dirty="0" smtClean="0">
+              <a:latin typeface="Hiragino Kaku Gothic ProN W6" charset="-128"/>
+              <a:ea typeface="Hiragino Kaku Gothic ProN W6" charset="-128"/>
+              <a:cs typeface="Hiragino Kaku Gothic ProN W6" charset="-128"/>
+            </a:endParaRPr>
+          </a:p>
+        </p:txBody>
+      </p:sp>
+    </p:spTree>
+    <p:extLst>
+      <p:ext uri="{BB962C8B-B14F-4D97-AF65-F5344CB8AC3E}">
+        <p14:creationId xmlns:p14="http://schemas.microsoft.com/office/powerpoint/2010/main" val="176942950"/>
+      </p:ext>
+    </p:extLst>
+  </p:cSld>
+  <p:clrMapOvr>
+    <a:masterClrMapping/>
+  </p:clrMapOvr>
+</p:sld>
+</file>
+
+<file path=ppt/slides/slide27.xml><?xml version="1.0" encoding="utf-8"?>
+<p:sld xmlns:a="http://schemas.openxmlformats.org/drawingml/2006/main" xmlns:r="http://schemas.openxmlformats.org/officeDocument/2006/relationships" xmlns:p="http://schemas.openxmlformats.org/presentationml/2006/main">
+  <p:cSld>
+    <p:spTree>
+      <p:nvGrpSpPr>
+        <p:cNvPr id="1" name=""/>
+        <p:cNvGrpSpPr/>
+        <p:nvPr/>
+      </p:nvGrpSpPr>
+      <p:grpSpPr>
+        <a:xfrm>
+          <a:off x="0" y="0"/>
+          <a:ext cx="0" cy="0"/>
+          <a:chOff x="0" y="0"/>
+          <a:chExt cx="0" cy="0"/>
+        </a:xfrm>
+      </p:grpSpPr>
+      <p:sp>
+        <p:nvSpPr>
+          <p:cNvPr id="2" name="タイトル 1"/>
+          <p:cNvSpPr>
+            <a:spLocks noGrp="1"/>
+          </p:cNvSpPr>
+          <p:nvPr>
+            <p:ph type="title"/>
+          </p:nvPr>
+        </p:nvSpPr>
+        <p:spPr/>
+        <p:txBody>
+          <a:bodyPr/>
+          <a:lstStyle/>
+          <a:p>
+            <a:r>
               <a:rPr lang="en-US" altLang="ja-JP" dirty="0" smtClean="0">
                 <a:latin typeface="Hiragino Kaku Gothic ProN W6" charset="-128"/>
                 <a:ea typeface="Hiragino Kaku Gothic ProN W6" charset="-128"/>
@@ -12468,7 +13408,7 @@
 </p:sld>
 </file>
 
-<file path=ppt/slides/slide25.xml><?xml version="1.0" encoding="utf-8"?>
+<file path=ppt/slides/slide28.xml><?xml version="1.0" encoding="utf-8"?>
 <p:sld xmlns:a="http://schemas.openxmlformats.org/drawingml/2006/main" xmlns:r="http://schemas.openxmlformats.org/officeDocument/2006/relationships" xmlns:p="http://schemas.openxmlformats.org/presentationml/2006/main">
   <p:cSld>
     <p:spTree>
@@ -12957,6 +13897,13 @@
   <p:clrMapOvr>
     <a:masterClrMapping/>
   </p:clrMapOvr>
+  <p:timing>
+    <p:tnLst>
+      <p:par>
+        <p:cTn id="1" dur="indefinite" restart="never" nodeType="tmRoot"/>
+      </p:par>
+    </p:tnLst>
+  </p:timing>
 </p:sld>
 </file>
 
@@ -13969,6 +14916,13 @@
   <p:clrMapOvr>
     <a:masterClrMapping/>
   </p:clrMapOvr>
+  <p:timing>
+    <p:tnLst>
+      <p:par>
+        <p:cTn id="1" dur="indefinite" restart="never" nodeType="tmRoot"/>
+      </p:par>
+    </p:tnLst>
+  </p:timing>
 </p:sld>
 </file>
 
@@ -14123,6 +15077,13 @@
   <p:clrMapOvr>
     <a:masterClrMapping/>
   </p:clrMapOvr>
+  <p:timing>
+    <p:tnLst>
+      <p:par>
+        <p:cTn id="1" dur="indefinite" restart="never" nodeType="tmRoot"/>
+      </p:par>
+    </p:tnLst>
+  </p:timing>
 </p:sld>
 </file>
 
@@ -14164,7 +15125,7 @@
                 <a:ea typeface="Hiragino Kaku Gothic ProN W6" charset="-128"/>
                 <a:cs typeface="Hiragino Kaku Gothic ProN W6" charset="-128"/>
               </a:rPr>
-              <a:t>3.4.2</a:t>
+              <a:t>RBM</a:t>
             </a:r>
             <a:r>
               <a:rPr kumimoji="1" lang="ja-JP" altLang="en-US" dirty="0" smtClean="0">
@@ -14172,7 +15133,7 @@
                 <a:ea typeface="Hiragino Kaku Gothic ProN W6" charset="-128"/>
                 <a:cs typeface="Hiragino Kaku Gothic ProN W6" charset="-128"/>
               </a:rPr>
-              <a:t>　指数型ハーモニウム族</a:t>
+              <a:t>の</a:t>
             </a:r>
             <a:r>
               <a:rPr kumimoji="1" lang="en-US" altLang="ja-JP" dirty="0" smtClean="0">
@@ -14180,7 +15141,15 @@
                 <a:ea typeface="Hiragino Kaku Gothic ProN W6" charset="-128"/>
                 <a:cs typeface="Hiragino Kaku Gothic ProN W6" charset="-128"/>
               </a:rPr>
-              <a:t>(EFH)</a:t>
+              <a:t>h</a:t>
+            </a:r>
+            <a:r>
+              <a:rPr kumimoji="1" lang="ja-JP" altLang="en-US" dirty="0" smtClean="0">
+                <a:latin typeface="Hiragino Kaku Gothic ProN W6" charset="-128"/>
+                <a:ea typeface="Hiragino Kaku Gothic ProN W6" charset="-128"/>
+                <a:cs typeface="Hiragino Kaku Gothic ProN W6" charset="-128"/>
+              </a:rPr>
+              <a:t>の期待値</a:t>
             </a:r>
             <a:endParaRPr kumimoji="1" lang="ja-JP" altLang="en-US" dirty="0">
               <a:latin typeface="Hiragino Kaku Gothic ProN W6" charset="-128"/>
@@ -14192,7 +15161,7 @@
       </p:sp>
       <p:pic>
         <p:nvPicPr>
-          <p:cNvPr id="4" name="コンテンツ プレースホルダー 3"/>
+          <p:cNvPr id="6" name="コンテンツ プレースホルダー 5"/>
           <p:cNvPicPr>
             <a:picLocks noGrp="1" noChangeAspect="1"/>
           </p:cNvPicPr>
@@ -14214,21 +15183,21 @@
         </p:blipFill>
         <p:spPr>
           <a:xfrm>
-            <a:off x="680282" y="3182822"/>
-            <a:ext cx="9613900" cy="3001779"/>
+            <a:off x="680282" y="2683900"/>
+            <a:ext cx="8012532" cy="616348"/>
           </a:xfrm>
         </p:spPr>
       </p:pic>
       <p:sp>
         <p:nvSpPr>
-          <p:cNvPr id="6" name="テキスト ボックス 5"/>
+          <p:cNvPr id="7" name="テキスト ボックス 6"/>
           <p:cNvSpPr txBox="1"/>
           <p:nvPr/>
         </p:nvSpPr>
         <p:spPr>
           <a:xfrm>
-            <a:off x="680282" y="2225109"/>
-            <a:ext cx="8852103" cy="830997"/>
+            <a:off x="680321" y="2107818"/>
+            <a:ext cx="4225158" cy="461665"/>
           </a:xfrm>
           <a:prstGeom prst="rect">
             <a:avLst/>
@@ -14236,76 +15205,67 @@
           <a:noFill/>
         </p:spPr>
         <p:txBody>
-          <a:bodyPr wrap="none" rtlCol="0">
+          <a:bodyPr wrap="square" rtlCol="0">
             <a:spAutoFit/>
           </a:bodyPr>
           <a:lstStyle/>
           <a:p>
             <a:r>
-              <a:rPr kumimoji="1" lang="en-US" altLang="ja-JP" sz="2400" dirty="0" smtClean="0">
-                <a:latin typeface="Hiragino Kaku Gothic ProN W6" charset="-128"/>
-                <a:ea typeface="Hiragino Kaku Gothic ProN W6" charset="-128"/>
-                <a:cs typeface="Hiragino Kaku Gothic ProN W6" charset="-128"/>
-              </a:rPr>
-              <a:t>RBM</a:t>
-            </a:r>
-            <a:r>
-              <a:rPr kumimoji="1" lang="ja-JP" altLang="en-US" sz="2400" dirty="0" smtClean="0">
-                <a:latin typeface="Hiragino Kaku Gothic ProN W6" charset="-128"/>
-                <a:ea typeface="Hiragino Kaku Gothic ProN W6" charset="-128"/>
-                <a:cs typeface="Hiragino Kaku Gothic ProN W6" charset="-128"/>
-              </a:rPr>
-              <a:t>は条件付き分布が独立</a:t>
-            </a:r>
-            <a:endParaRPr kumimoji="1" lang="en-US" altLang="ja-JP" sz="2400" dirty="0" smtClean="0">
-              <a:latin typeface="Hiragino Kaku Gothic ProN W6" charset="-128"/>
-              <a:ea typeface="Hiragino Kaku Gothic ProN W6" charset="-128"/>
-              <a:cs typeface="Hiragino Kaku Gothic ProN W6" charset="-128"/>
-            </a:endParaRPr>
-          </a:p>
-          <a:p>
-            <a:r>
-              <a:rPr kumimoji="1" lang="ja-JP" altLang="en-US" sz="2400" dirty="0" smtClean="0">
-                <a:latin typeface="Hiragino Kaku Gothic ProN W6" charset="-128"/>
-                <a:ea typeface="Hiragino Kaku Gothic ProN W6" charset="-128"/>
-                <a:cs typeface="Hiragino Kaku Gothic ProN W6" charset="-128"/>
-              </a:rPr>
-              <a:t>条件付き分布が独立になる分布を一般に</a:t>
-            </a:r>
-            <a:r>
-              <a:rPr kumimoji="1" lang="en-US" altLang="ja-JP" sz="2400" dirty="0" smtClean="0">
-                <a:latin typeface="Hiragino Kaku Gothic ProN W6" charset="-128"/>
-                <a:ea typeface="Hiragino Kaku Gothic ProN W6" charset="-128"/>
-                <a:cs typeface="Hiragino Kaku Gothic ProN W6" charset="-128"/>
-              </a:rPr>
-              <a:t>EFH</a:t>
-            </a:r>
-            <a:r>
-              <a:rPr kumimoji="1" lang="ja-JP" altLang="en-US" sz="2400" dirty="0" smtClean="0">
-                <a:latin typeface="Hiragino Kaku Gothic ProN W6" charset="-128"/>
-                <a:ea typeface="Hiragino Kaku Gothic ProN W6" charset="-128"/>
-                <a:cs typeface="Hiragino Kaku Gothic ProN W6" charset="-128"/>
-              </a:rPr>
-              <a:t>といい以下で表す</a:t>
-            </a:r>
-            <a:endParaRPr kumimoji="1" lang="ja-JP" altLang="en-US" sz="2400" dirty="0">
-              <a:latin typeface="Hiragino Kaku Gothic ProN W6" charset="-128"/>
-              <a:ea typeface="Hiragino Kaku Gothic ProN W6" charset="-128"/>
-              <a:cs typeface="Hiragino Kaku Gothic ProN W6" charset="-128"/>
-            </a:endParaRPr>
-          </a:p>
-        </p:txBody>
-      </p:sp>
-      <p:sp>
-        <p:nvSpPr>
-          <p:cNvPr id="7" name="テキスト ボックス 6"/>
+              <a:rPr kumimoji="1" lang="ja-JP" altLang="en-US" sz="2400" smtClean="0">
+                <a:latin typeface="Hiragino Kaku Gothic ProN W6" charset="-128"/>
+                <a:ea typeface="Hiragino Kaku Gothic ProN W6" charset="-128"/>
+                <a:cs typeface="Hiragino Kaku Gothic ProN W6" charset="-128"/>
+              </a:rPr>
+              <a:t>期待値のベクトル表記</a:t>
+            </a:r>
+            <a:endParaRPr kumimoji="1" lang="ja-JP" altLang="en-US" sz="2400">
+              <a:latin typeface="Hiragino Kaku Gothic ProN W6" charset="-128"/>
+              <a:ea typeface="Hiragino Kaku Gothic ProN W6" charset="-128"/>
+              <a:cs typeface="Hiragino Kaku Gothic ProN W6" charset="-128"/>
+            </a:endParaRPr>
+          </a:p>
+        </p:txBody>
+      </p:sp>
+      <p:pic>
+        <p:nvPicPr>
+          <p:cNvPr id="8" name="図 7"/>
+          <p:cNvPicPr>
+            <a:picLocks noChangeAspect="1"/>
+          </p:cNvPicPr>
+          <p:nvPr/>
+        </p:nvPicPr>
+        <p:blipFill>
+          <a:blip r:embed="rId3">
+            <a:extLst>
+              <a:ext uri="{28A0092B-C50C-407E-A947-70E740481C1C}">
+                <a14:useLocalDpi xmlns:a14="http://schemas.microsoft.com/office/drawing/2010/main" val="0"/>
+              </a:ext>
+            </a:extLst>
+          </a:blip>
+          <a:stretch>
+            <a:fillRect/>
+          </a:stretch>
+        </p:blipFill>
+        <p:spPr>
+          <a:xfrm>
+            <a:off x="8692814" y="2697117"/>
+            <a:ext cx="2840684" cy="603131"/>
+          </a:xfrm>
+          <a:prstGeom prst="rect">
+            <a:avLst/>
+          </a:prstGeom>
+        </p:spPr>
+      </p:pic>
+      <p:sp>
+        <p:nvSpPr>
+          <p:cNvPr id="9" name="テキスト ボックス 8"/>
           <p:cNvSpPr txBox="1"/>
           <p:nvPr/>
         </p:nvSpPr>
         <p:spPr>
           <a:xfrm>
-            <a:off x="680282" y="4683711"/>
-            <a:ext cx="4067503" cy="369332"/>
+            <a:off x="1040525" y="3836276"/>
+            <a:ext cx="8271641" cy="830997"/>
           </a:xfrm>
           <a:prstGeom prst="rect">
             <a:avLst/>
@@ -14319,56 +15279,36 @@
           <a:lstStyle/>
           <a:p>
             <a:r>
-              <a:rPr kumimoji="1" lang="ja-JP" altLang="en-US" dirty="0" smtClean="0">
-                <a:solidFill>
-                  <a:srgbClr val="FF0000"/>
-                </a:solidFill>
-                <a:latin typeface="Hiragino Kaku Gothic ProN W6" charset="-128"/>
-                <a:ea typeface="Hiragino Kaku Gothic ProN W6" charset="-128"/>
-                <a:cs typeface="Hiragino Kaku Gothic ProN W6" charset="-128"/>
-              </a:rPr>
-              <a:t>エネルギー関数</a:t>
-            </a:r>
-            <a:endParaRPr kumimoji="1" lang="ja-JP" altLang="en-US" dirty="0">
-              <a:solidFill>
-                <a:srgbClr val="FF0000"/>
-              </a:solidFill>
-              <a:latin typeface="Hiragino Kaku Gothic ProN W6" charset="-128"/>
-              <a:ea typeface="Hiragino Kaku Gothic ProN W6" charset="-128"/>
-              <a:cs typeface="Hiragino Kaku Gothic ProN W6" charset="-128"/>
-            </a:endParaRPr>
-          </a:p>
-        </p:txBody>
-      </p:sp>
-      <p:sp>
-        <p:nvSpPr>
-          <p:cNvPr id="8" name="テキスト ボックス 7"/>
-          <p:cNvSpPr txBox="1"/>
-          <p:nvPr/>
-        </p:nvSpPr>
-        <p:spPr>
-          <a:xfrm>
-            <a:off x="10294182" y="4222046"/>
-            <a:ext cx="1176925" cy="461665"/>
-          </a:xfrm>
-          <a:prstGeom prst="rect">
-            <a:avLst/>
-          </a:prstGeom>
-          <a:noFill/>
-        </p:spPr>
-        <p:txBody>
-          <a:bodyPr wrap="none" rtlCol="0">
-            <a:spAutoFit/>
-          </a:bodyPr>
-          <a:lstStyle/>
-          <a:p>
-            <a:r>
               <a:rPr kumimoji="1" lang="en-US" altLang="ja-JP" sz="2400" dirty="0" smtClean="0">
                 <a:latin typeface="Hiragino Kaku Gothic ProN W6" charset="-128"/>
                 <a:ea typeface="Hiragino Kaku Gothic ProN W6" charset="-128"/>
                 <a:cs typeface="Hiragino Kaku Gothic ProN W6" charset="-128"/>
               </a:rPr>
-              <a:t>(3.12)</a:t>
+              <a:t>3.3.1</a:t>
+            </a:r>
+            <a:r>
+              <a:rPr kumimoji="1" lang="ja-JP" altLang="en-US" sz="2400" dirty="0" smtClean="0">
+                <a:latin typeface="Hiragino Kaku Gothic ProN W6" charset="-128"/>
+                <a:ea typeface="Hiragino Kaku Gothic ProN W6" charset="-128"/>
+                <a:cs typeface="Hiragino Kaku Gothic ProN W6" charset="-128"/>
+              </a:rPr>
+              <a:t>項で述べられた自己符号化器に用いられた多層</a:t>
+            </a:r>
+            <a:r>
+              <a:rPr kumimoji="1" lang="en-US" altLang="ja-JP" sz="2400" dirty="0" smtClean="0">
+                <a:latin typeface="Hiragino Kaku Gothic ProN W6" charset="-128"/>
+                <a:ea typeface="Hiragino Kaku Gothic ProN W6" charset="-128"/>
+                <a:cs typeface="Hiragino Kaku Gothic ProN W6" charset="-128"/>
+              </a:rPr>
+              <a:t>NN</a:t>
+            </a:r>
+            <a:r>
+              <a:rPr kumimoji="1" lang="ja-JP" altLang="en-US" sz="2400" dirty="0" smtClean="0">
+                <a:latin typeface="Hiragino Kaku Gothic ProN W6" charset="-128"/>
+                <a:ea typeface="Hiragino Kaku Gothic ProN W6" charset="-128"/>
+                <a:cs typeface="Hiragino Kaku Gothic ProN W6" charset="-128"/>
+              </a:rPr>
+              <a:t>の決定論的関数と対応</a:t>
             </a:r>
             <a:endParaRPr kumimoji="1" lang="ja-JP" altLang="en-US" sz="2400" dirty="0">
               <a:latin typeface="Hiragino Kaku Gothic ProN W6" charset="-128"/>
@@ -14381,13 +15321,20 @@
     </p:spTree>
     <p:extLst>
       <p:ext uri="{BB962C8B-B14F-4D97-AF65-F5344CB8AC3E}">
-        <p14:creationId xmlns:p14="http://schemas.microsoft.com/office/powerpoint/2010/main" val="1290149841"/>
+        <p14:creationId xmlns:p14="http://schemas.microsoft.com/office/powerpoint/2010/main" val="1687416832"/>
       </p:ext>
     </p:extLst>
   </p:cSld>
   <p:clrMapOvr>
     <a:masterClrMapping/>
   </p:clrMapOvr>
+  <p:timing>
+    <p:tnLst>
+      <p:par>
+        <p:cTn id="1" dur="indefinite" restart="never" nodeType="tmRoot"/>
+      </p:par>
+    </p:tnLst>
+  </p:timing>
 </p:sld>
 </file>
 

--- a/deep_learning3.4.pptx
+++ b/deep_learning3.4.pptx
@@ -8203,7 +8203,7 @@
         </p:blipFill>
         <p:spPr>
           <a:xfrm>
-            <a:off x="680282" y="3182822"/>
+            <a:off x="763409" y="3166195"/>
             <a:ext cx="9613900" cy="3001779"/>
           </a:xfrm>
         </p:spPr>
